--- a/docs/diagrams/StorageComponentClassDiagram.pptx
+++ b/docs/diagrams/StorageComponentClassDiagram.pptx
@@ -208,7 +208,7 @@
           <a:p>
             <a:fld id="{F5CC4B3F-88C1-4FFA-B1B6-F41C21DC6924}" type="datetimeFigureOut">
               <a:rPr lang="en-US" smtClean="0"/>
-              <a:t>12/1/2018</a:t>
+              <a:t>2/27/2019</a:t>
             </a:fld>
             <a:endParaRPr lang="en-US"/>
           </a:p>
@@ -654,7 +654,7 @@
           <a:p>
             <a:fld id="{78C97017-6FC3-485B-9764-EAC9E56C1D49}" type="datetimeFigureOut">
               <a:rPr lang="en-US" smtClean="0"/>
-              <a:t>12/1/2018</a:t>
+              <a:t>2/27/2019</a:t>
             </a:fld>
             <a:endParaRPr lang="en-US"/>
           </a:p>
@@ -822,7 +822,7 @@
           <a:p>
             <a:fld id="{78C97017-6FC3-485B-9764-EAC9E56C1D49}" type="datetimeFigureOut">
               <a:rPr lang="en-US" smtClean="0"/>
-              <a:t>12/1/2018</a:t>
+              <a:t>2/27/2019</a:t>
             </a:fld>
             <a:endParaRPr lang="en-US"/>
           </a:p>
@@ -1000,7 +1000,7 @@
           <a:p>
             <a:fld id="{78C97017-6FC3-485B-9764-EAC9E56C1D49}" type="datetimeFigureOut">
               <a:rPr lang="en-US" smtClean="0"/>
-              <a:t>12/1/2018</a:t>
+              <a:t>2/27/2019</a:t>
             </a:fld>
             <a:endParaRPr lang="en-US"/>
           </a:p>
@@ -1168,7 +1168,7 @@
           <a:p>
             <a:fld id="{78C97017-6FC3-485B-9764-EAC9E56C1D49}" type="datetimeFigureOut">
               <a:rPr lang="en-US" smtClean="0"/>
-              <a:t>12/1/2018</a:t>
+              <a:t>2/27/2019</a:t>
             </a:fld>
             <a:endParaRPr lang="en-US"/>
           </a:p>
@@ -1413,7 +1413,7 @@
           <a:p>
             <a:fld id="{78C97017-6FC3-485B-9764-EAC9E56C1D49}" type="datetimeFigureOut">
               <a:rPr lang="en-US" smtClean="0"/>
-              <a:t>12/1/2018</a:t>
+              <a:t>2/27/2019</a:t>
             </a:fld>
             <a:endParaRPr lang="en-US"/>
           </a:p>
@@ -1698,7 +1698,7 @@
           <a:p>
             <a:fld id="{78C97017-6FC3-485B-9764-EAC9E56C1D49}" type="datetimeFigureOut">
               <a:rPr lang="en-US" smtClean="0"/>
-              <a:t>12/1/2018</a:t>
+              <a:t>2/27/2019</a:t>
             </a:fld>
             <a:endParaRPr lang="en-US"/>
           </a:p>
@@ -2117,7 +2117,7 @@
           <a:p>
             <a:fld id="{78C97017-6FC3-485B-9764-EAC9E56C1D49}" type="datetimeFigureOut">
               <a:rPr lang="en-US" smtClean="0"/>
-              <a:t>12/1/2018</a:t>
+              <a:t>2/27/2019</a:t>
             </a:fld>
             <a:endParaRPr lang="en-US"/>
           </a:p>
@@ -2234,7 +2234,7 @@
           <a:p>
             <a:fld id="{78C97017-6FC3-485B-9764-EAC9E56C1D49}" type="datetimeFigureOut">
               <a:rPr lang="en-US" smtClean="0"/>
-              <a:t>12/1/2018</a:t>
+              <a:t>2/27/2019</a:t>
             </a:fld>
             <a:endParaRPr lang="en-US"/>
           </a:p>
@@ -2329,7 +2329,7 @@
           <a:p>
             <a:fld id="{78C97017-6FC3-485B-9764-EAC9E56C1D49}" type="datetimeFigureOut">
               <a:rPr lang="en-US" smtClean="0"/>
-              <a:t>12/1/2018</a:t>
+              <a:t>2/27/2019</a:t>
             </a:fld>
             <a:endParaRPr lang="en-US"/>
           </a:p>
@@ -2604,7 +2604,7 @@
           <a:p>
             <a:fld id="{78C97017-6FC3-485B-9764-EAC9E56C1D49}" type="datetimeFigureOut">
               <a:rPr lang="en-US" smtClean="0"/>
-              <a:t>12/1/2018</a:t>
+              <a:t>2/27/2019</a:t>
             </a:fld>
             <a:endParaRPr lang="en-US"/>
           </a:p>
@@ -2856,7 +2856,7 @@
           <a:p>
             <a:fld id="{78C97017-6FC3-485B-9764-EAC9E56C1D49}" type="datetimeFigureOut">
               <a:rPr lang="en-US" smtClean="0"/>
-              <a:t>12/1/2018</a:t>
+              <a:t>2/27/2019</a:t>
             </a:fld>
             <a:endParaRPr lang="en-US"/>
           </a:p>
@@ -3067,7 +3067,7 @@
           <a:p>
             <a:fld id="{78C97017-6FC3-485B-9764-EAC9E56C1D49}" type="datetimeFigureOut">
               <a:rPr lang="en-US" smtClean="0"/>
-              <a:t>12/1/2018</a:t>
+              <a:t>2/27/2019</a:t>
             </a:fld>
             <a:endParaRPr lang="en-US"/>
           </a:p>
@@ -3450,8 +3450,8 @@
         </p:nvSpPr>
         <p:spPr>
           <a:xfrm>
-            <a:off x="1119865" y="2086382"/>
-            <a:ext cx="7871735" cy="1723618"/>
+            <a:off x="762000" y="413729"/>
+            <a:ext cx="8077200" cy="5078535"/>
           </a:xfrm>
           <a:prstGeom prst="roundRect">
             <a:avLst>
@@ -3507,1299 +3507,3106 @@
           </a:p>
         </p:txBody>
       </p:sp>
-      <p:sp>
-        <p:nvSpPr>
-          <p:cNvPr id="2" name="Rectangle 8"/>
-          <p:cNvSpPr/>
+      <p:grpSp>
+        <p:nvGrpSpPr>
+          <p:cNvPr id="143" name="Group 142">
+            <a:extLst>
+              <a:ext uri="{FF2B5EF4-FFF2-40B4-BE49-F238E27FC236}">
+                <a16:creationId xmlns:a16="http://schemas.microsoft.com/office/drawing/2014/main" id="{31E167F8-7DB8-4047-91E2-25C5E098867D}"/>
+              </a:ext>
+            </a:extLst>
+          </p:cNvPr>
+          <p:cNvGrpSpPr/>
           <p:nvPr/>
-        </p:nvSpPr>
-        <p:spPr>
+        </p:nvGrpSpPr>
+        <p:grpSpPr>
           <a:xfrm>
-            <a:off x="2877180" y="3158440"/>
-            <a:ext cx="1323049" cy="346760"/>
+            <a:off x="609600" y="859437"/>
+            <a:ext cx="8083687" cy="4224300"/>
+            <a:chOff x="910091" y="954440"/>
+            <a:chExt cx="8083687" cy="4224300"/>
           </a:xfrm>
-          <a:prstGeom prst="rect">
-            <a:avLst/>
-          </a:prstGeom>
-          <a:solidFill>
-            <a:schemeClr val="accent6">
-              <a:lumMod val="75000"/>
-            </a:schemeClr>
-          </a:solidFill>
-          <a:ln w="19050">
+        </p:grpSpPr>
+        <p:sp>
+          <p:nvSpPr>
+            <p:cNvPr id="2" name="Rectangle 8"/>
+            <p:cNvSpPr/>
+            <p:nvPr/>
+          </p:nvSpPr>
+          <p:spPr>
+            <a:xfrm>
+              <a:off x="2877183" y="2865165"/>
+              <a:ext cx="1323049" cy="346760"/>
+            </a:xfrm>
+            <a:prstGeom prst="rect">
+              <a:avLst/>
+            </a:prstGeom>
             <a:solidFill>
               <a:schemeClr val="accent6">
                 <a:lumMod val="75000"/>
               </a:schemeClr>
             </a:solidFill>
-          </a:ln>
-          <a:effectLst/>
-        </p:spPr>
-        <p:style>
-          <a:lnRef idx="1">
-            <a:schemeClr val="accent2"/>
-          </a:lnRef>
-          <a:fillRef idx="2">
-            <a:schemeClr val="accent2"/>
-          </a:fillRef>
-          <a:effectRef idx="1">
-            <a:schemeClr val="accent2"/>
-          </a:effectRef>
-          <a:fontRef idx="minor">
-            <a:schemeClr val="dk1"/>
-          </a:fontRef>
-        </p:style>
-        <p:txBody>
-          <a:bodyPr rtlCol="0" anchor="ctr"/>
-          <a:lstStyle/>
-          <a:p>
-            <a:pPr algn="ctr"/>
-            <a:r>
-              <a:rPr lang="en-US" sz="1050" dirty="0">
+            <a:ln w="19050">
+              <a:solidFill>
+                <a:schemeClr val="accent6">
+                  <a:lumMod val="75000"/>
+                </a:schemeClr>
+              </a:solidFill>
+            </a:ln>
+            <a:effectLst/>
+          </p:spPr>
+          <p:style>
+            <a:lnRef idx="1">
+              <a:schemeClr val="accent2"/>
+            </a:lnRef>
+            <a:fillRef idx="2">
+              <a:schemeClr val="accent2"/>
+            </a:fillRef>
+            <a:effectRef idx="1">
+              <a:schemeClr val="accent2"/>
+            </a:effectRef>
+            <a:fontRef idx="minor">
+              <a:schemeClr val="dk1"/>
+            </a:fontRef>
+          </p:style>
+          <p:txBody>
+            <a:bodyPr rtlCol="0" anchor="ctr"/>
+            <a:lstStyle/>
+            <a:p>
+              <a:pPr algn="ctr"/>
+              <a:r>
+                <a:rPr lang="en-US" sz="1050" dirty="0">
+                  <a:solidFill>
+                    <a:schemeClr val="bg1"/>
+                  </a:solidFill>
+                </a:rPr>
+                <a:t>&lt;&lt;interface&gt;&gt;</a:t>
+              </a:r>
+              <a:br>
+                <a:rPr lang="en-US" sz="1050" dirty="0">
+                  <a:solidFill>
+                    <a:schemeClr val="bg1"/>
+                  </a:solidFill>
+                </a:rPr>
+              </a:br>
+              <a:r>
+                <a:rPr lang="en-US" sz="1050" dirty="0" err="1">
+                  <a:solidFill>
+                    <a:schemeClr val="bg1"/>
+                  </a:solidFill>
+                </a:rPr>
+                <a:t>AddressBookStorage</a:t>
+              </a:r>
+              <a:endParaRPr lang="en-SG" sz="1050" dirty="0">
                 <a:solidFill>
                   <a:schemeClr val="bg1"/>
                 </a:solidFill>
-              </a:rPr>
-              <a:t>&lt;&lt;interface&gt;&gt;</a:t>
-            </a:r>
-            <a:br>
-              <a:rPr lang="en-US" sz="1050" dirty="0">
-                <a:solidFill>
-                  <a:schemeClr val="bg1"/>
-                </a:solidFill>
-              </a:rPr>
-            </a:br>
-            <a:r>
-              <a:rPr lang="en-US" sz="1050" dirty="0" err="1">
-                <a:solidFill>
-                  <a:schemeClr val="bg1"/>
-                </a:solidFill>
-              </a:rPr>
-              <a:t>AddressBookStorage</a:t>
-            </a:r>
-            <a:endParaRPr lang="en-SG" sz="1050" dirty="0">
-              <a:solidFill>
-                <a:schemeClr val="bg1"/>
-              </a:solidFill>
-            </a:endParaRPr>
-          </a:p>
-        </p:txBody>
-      </p:sp>
-      <p:sp>
-        <p:nvSpPr>
-          <p:cNvPr id="9" name="Rectangle 62"/>
-          <p:cNvSpPr/>
-          <p:nvPr/>
-        </p:nvSpPr>
-        <p:spPr>
-          <a:xfrm rot="16200000">
-            <a:off x="1683963" y="2868687"/>
-            <a:ext cx="1093635" cy="346760"/>
-          </a:xfrm>
-          <a:prstGeom prst="rect">
-            <a:avLst/>
-          </a:prstGeom>
-          <a:solidFill>
-            <a:schemeClr val="accent6">
-              <a:lumMod val="75000"/>
-            </a:schemeClr>
-          </a:solidFill>
-          <a:ln w="19050">
+              </a:endParaRPr>
+            </a:p>
+          </p:txBody>
+        </p:sp>
+        <p:sp>
+          <p:nvSpPr>
+            <p:cNvPr id="9" name="Rectangle 62"/>
+            <p:cNvSpPr/>
+            <p:nvPr/>
+          </p:nvSpPr>
+          <p:spPr>
+            <a:xfrm rot="16200000">
+              <a:off x="249588" y="2874621"/>
+              <a:ext cx="3962392" cy="346760"/>
+            </a:xfrm>
+            <a:prstGeom prst="rect">
+              <a:avLst/>
+            </a:prstGeom>
             <a:solidFill>
               <a:schemeClr val="accent6">
                 <a:lumMod val="75000"/>
               </a:schemeClr>
             </a:solidFill>
-          </a:ln>
-          <a:effectLst/>
-        </p:spPr>
-        <p:style>
-          <a:lnRef idx="1">
-            <a:schemeClr val="accent2"/>
-          </a:lnRef>
-          <a:fillRef idx="2">
-            <a:schemeClr val="accent2"/>
-          </a:fillRef>
-          <a:effectRef idx="1">
-            <a:schemeClr val="accent2"/>
-          </a:effectRef>
-          <a:fontRef idx="minor">
-            <a:schemeClr val="dk1"/>
-          </a:fontRef>
-        </p:style>
-        <p:txBody>
-          <a:bodyPr rtlCol="0" anchor="ctr"/>
-          <a:lstStyle/>
-          <a:p>
-            <a:pPr algn="ctr"/>
-            <a:r>
-              <a:rPr lang="en-US" sz="1050" dirty="0" err="1">
+            <a:ln w="19050">
+              <a:solidFill>
+                <a:schemeClr val="accent6">
+                  <a:lumMod val="75000"/>
+                </a:schemeClr>
+              </a:solidFill>
+            </a:ln>
+            <a:effectLst/>
+          </p:spPr>
+          <p:style>
+            <a:lnRef idx="1">
+              <a:schemeClr val="accent2"/>
+            </a:lnRef>
+            <a:fillRef idx="2">
+              <a:schemeClr val="accent2"/>
+            </a:fillRef>
+            <a:effectRef idx="1">
+              <a:schemeClr val="accent2"/>
+            </a:effectRef>
+            <a:fontRef idx="minor">
+              <a:schemeClr val="dk1"/>
+            </a:fontRef>
+          </p:style>
+          <p:txBody>
+            <a:bodyPr rtlCol="0" anchor="ctr"/>
+            <a:lstStyle/>
+            <a:p>
+              <a:pPr algn="ctr"/>
+              <a:r>
+                <a:rPr lang="en-US" sz="1050" dirty="0" err="1">
+                  <a:solidFill>
+                    <a:schemeClr val="bg1"/>
+                  </a:solidFill>
+                </a:rPr>
+                <a:t>StorageManager</a:t>
+              </a:r>
+              <a:endParaRPr lang="en-SG" sz="1050" dirty="0">
                 <a:solidFill>
                   <a:schemeClr val="bg1"/>
                 </a:solidFill>
-              </a:rPr>
-              <a:t>StorageManager</a:t>
-            </a:r>
-            <a:endParaRPr lang="en-SG" sz="1050" dirty="0">
-              <a:solidFill>
-                <a:schemeClr val="bg1"/>
-              </a:solidFill>
-            </a:endParaRPr>
-          </a:p>
-        </p:txBody>
-      </p:sp>
-      <p:sp>
-        <p:nvSpPr>
-          <p:cNvPr id="119" name="Rectangle 62"/>
-          <p:cNvSpPr/>
-          <p:nvPr/>
-        </p:nvSpPr>
-        <p:spPr>
-          <a:xfrm rot="16200000">
-            <a:off x="956202" y="2861202"/>
-            <a:ext cx="1093635" cy="346760"/>
-          </a:xfrm>
-          <a:prstGeom prst="rect">
-            <a:avLst/>
-          </a:prstGeom>
-          <a:solidFill>
-            <a:schemeClr val="accent6">
-              <a:lumMod val="75000"/>
-            </a:schemeClr>
-          </a:solidFill>
-          <a:ln w="19050">
+              </a:endParaRPr>
+            </a:p>
+          </p:txBody>
+        </p:sp>
+        <p:sp>
+          <p:nvSpPr>
+            <p:cNvPr id="119" name="Rectangle 62"/>
+            <p:cNvSpPr/>
+            <p:nvPr/>
+          </p:nvSpPr>
+          <p:spPr>
+            <a:xfrm rot="16200000">
+              <a:off x="-609125" y="2893210"/>
+              <a:ext cx="4224300" cy="346760"/>
+            </a:xfrm>
+            <a:prstGeom prst="rect">
+              <a:avLst/>
+            </a:prstGeom>
             <a:solidFill>
               <a:schemeClr val="accent6">
                 <a:lumMod val="75000"/>
               </a:schemeClr>
             </a:solidFill>
-          </a:ln>
-          <a:effectLst/>
-        </p:spPr>
-        <p:style>
-          <a:lnRef idx="1">
-            <a:schemeClr val="accent2"/>
-          </a:lnRef>
-          <a:fillRef idx="2">
-            <a:schemeClr val="accent2"/>
-          </a:fillRef>
-          <a:effectRef idx="1">
-            <a:schemeClr val="accent2"/>
-          </a:effectRef>
-          <a:fontRef idx="minor">
-            <a:schemeClr val="dk1"/>
-          </a:fontRef>
-        </p:style>
-        <p:txBody>
-          <a:bodyPr rtlCol="0" anchor="ctr"/>
-          <a:lstStyle/>
-          <a:p>
-            <a:pPr algn="ctr"/>
-            <a:r>
-              <a:rPr lang="en-US" sz="1050" dirty="0">
+            <a:ln w="19050">
+              <a:solidFill>
+                <a:schemeClr val="accent6">
+                  <a:lumMod val="75000"/>
+                </a:schemeClr>
+              </a:solidFill>
+            </a:ln>
+            <a:effectLst/>
+          </p:spPr>
+          <p:style>
+            <a:lnRef idx="1">
+              <a:schemeClr val="accent2"/>
+            </a:lnRef>
+            <a:fillRef idx="2">
+              <a:schemeClr val="accent2"/>
+            </a:fillRef>
+            <a:effectRef idx="1">
+              <a:schemeClr val="accent2"/>
+            </a:effectRef>
+            <a:fontRef idx="minor">
+              <a:schemeClr val="dk1"/>
+            </a:fontRef>
+          </p:style>
+          <p:txBody>
+            <a:bodyPr rtlCol="0" anchor="ctr"/>
+            <a:lstStyle/>
+            <a:p>
+              <a:pPr algn="ctr"/>
+              <a:r>
+                <a:rPr lang="en-US" sz="1050" dirty="0">
+                  <a:solidFill>
+                    <a:schemeClr val="bg1"/>
+                  </a:solidFill>
+                </a:rPr>
+                <a:t>&lt;&lt;interface&gt;&gt;</a:t>
+              </a:r>
+            </a:p>
+            <a:p>
+              <a:pPr algn="ctr"/>
+              <a:r>
+                <a:rPr lang="en-US" sz="1050" dirty="0">
+                  <a:solidFill>
+                    <a:schemeClr val="bg1"/>
+                  </a:solidFill>
+                </a:rPr>
+                <a:t>Storage</a:t>
+              </a:r>
+              <a:endParaRPr lang="en-SG" sz="1050" dirty="0">
                 <a:solidFill>
                   <a:schemeClr val="bg1"/>
                 </a:solidFill>
-              </a:rPr>
-              <a:t>&lt;&lt;interface&gt;&gt;</a:t>
-            </a:r>
-          </a:p>
-          <a:p>
-            <a:pPr algn="ctr"/>
-            <a:r>
-              <a:rPr lang="en-US" sz="1050" dirty="0">
-                <a:solidFill>
-                  <a:schemeClr val="bg1"/>
-                </a:solidFill>
-              </a:rPr>
-              <a:t>Storage</a:t>
-            </a:r>
-            <a:endParaRPr lang="en-SG" sz="1050" dirty="0">
-              <a:solidFill>
-                <a:schemeClr val="bg1"/>
-              </a:solidFill>
-            </a:endParaRPr>
-          </a:p>
-        </p:txBody>
-      </p:sp>
-      <p:sp>
-        <p:nvSpPr>
-          <p:cNvPr id="120" name="Isosceles Triangle 102"/>
-          <p:cNvSpPr/>
-          <p:nvPr/>
-        </p:nvSpPr>
-        <p:spPr>
-          <a:xfrm rot="16200000">
-            <a:off x="1626910" y="2952291"/>
-            <a:ext cx="270504" cy="175523"/>
-          </a:xfrm>
-          <a:prstGeom prst="triangle">
-            <a:avLst/>
-          </a:prstGeom>
-          <a:solidFill>
-            <a:schemeClr val="accent6">
-              <a:lumMod val="75000"/>
-            </a:schemeClr>
-          </a:solidFill>
-          <a:ln w="19050">
+              </a:endParaRPr>
+            </a:p>
+          </p:txBody>
+        </p:sp>
+        <p:sp>
+          <p:nvSpPr>
+            <p:cNvPr id="120" name="Isosceles Triangle 102"/>
+            <p:cNvSpPr/>
+            <p:nvPr/>
+          </p:nvSpPr>
+          <p:spPr>
+            <a:xfrm rot="16200000">
+              <a:off x="1626914" y="2952293"/>
+              <a:ext cx="270504" cy="175523"/>
+            </a:xfrm>
+            <a:prstGeom prst="triangle">
+              <a:avLst/>
+            </a:prstGeom>
             <a:solidFill>
               <a:schemeClr val="accent6">
                 <a:lumMod val="75000"/>
               </a:schemeClr>
             </a:solidFill>
-          </a:ln>
-          <a:effectLst/>
-        </p:spPr>
-        <p:style>
-          <a:lnRef idx="1">
-            <a:schemeClr val="accent2"/>
-          </a:lnRef>
-          <a:fillRef idx="2">
-            <a:schemeClr val="accent2"/>
-          </a:fillRef>
-          <a:effectRef idx="1">
-            <a:schemeClr val="accent2"/>
-          </a:effectRef>
-          <a:fontRef idx="minor">
-            <a:schemeClr val="dk1"/>
-          </a:fontRef>
-        </p:style>
-        <p:txBody>
-          <a:bodyPr rtlCol="0" anchor="ctr"/>
-          <a:lstStyle/>
-          <a:p>
-            <a:pPr algn="ctr"/>
-            <a:endParaRPr lang="en-SG" sz="1050">
+            <a:ln w="19050">
               <a:solidFill>
-                <a:schemeClr val="bg1"/>
+                <a:schemeClr val="accent6">
+                  <a:lumMod val="75000"/>
+                </a:schemeClr>
               </a:solidFill>
-            </a:endParaRPr>
-          </a:p>
-        </p:txBody>
-      </p:sp>
-      <p:cxnSp>
-        <p:nvCxnSpPr>
-          <p:cNvPr id="58" name="Straight Arrow Connector 57"/>
-          <p:cNvCxnSpPr>
-            <a:stCxn id="42" idx="3"/>
-            <a:endCxn id="2" idx="1"/>
-          </p:cNvCxnSpPr>
-          <p:nvPr/>
-        </p:nvCxnSpPr>
-        <p:spPr>
-          <a:xfrm>
-            <a:off x="2656370" y="3326536"/>
-            <a:ext cx="220810" cy="5284"/>
-          </a:xfrm>
-          <a:prstGeom prst="straightConnector1">
-            <a:avLst/>
-          </a:prstGeom>
-          <a:ln w="19050">
+            </a:ln>
+            <a:effectLst/>
+          </p:spPr>
+          <p:style>
+            <a:lnRef idx="1">
+              <a:schemeClr val="accent2"/>
+            </a:lnRef>
+            <a:fillRef idx="2">
+              <a:schemeClr val="accent2"/>
+            </a:fillRef>
+            <a:effectRef idx="1">
+              <a:schemeClr val="accent2"/>
+            </a:effectRef>
+            <a:fontRef idx="minor">
+              <a:schemeClr val="dk1"/>
+            </a:fontRef>
+          </p:style>
+          <p:txBody>
+            <a:bodyPr rtlCol="0" anchor="ctr"/>
+            <a:lstStyle/>
+            <a:p>
+              <a:pPr algn="ctr"/>
+              <a:endParaRPr lang="en-SG" sz="1050">
+                <a:solidFill>
+                  <a:schemeClr val="bg1"/>
+                </a:solidFill>
+              </a:endParaRPr>
+            </a:p>
+          </p:txBody>
+        </p:sp>
+        <p:cxnSp>
+          <p:nvCxnSpPr>
+            <p:cNvPr id="58" name="Straight Arrow Connector 57"/>
+            <p:cNvCxnSpPr>
+              <a:stCxn id="42" idx="3"/>
+              <a:endCxn id="2" idx="1"/>
+            </p:cNvCxnSpPr>
+            <p:nvPr/>
+          </p:nvCxnSpPr>
+          <p:spPr>
+            <a:xfrm>
+              <a:off x="2656373" y="3033261"/>
+              <a:ext cx="220810" cy="5284"/>
+            </a:xfrm>
+            <a:prstGeom prst="straightConnector1">
+              <a:avLst/>
+            </a:prstGeom>
+            <a:ln w="19050">
+              <a:solidFill>
+                <a:schemeClr val="accent6">
+                  <a:lumMod val="75000"/>
+                </a:schemeClr>
+              </a:solidFill>
+              <a:headEnd type="none" w="med" len="med"/>
+              <a:tailEnd type="arrow" w="med" len="med"/>
+            </a:ln>
+            <a:effectLst/>
+          </p:spPr>
+          <p:style>
+            <a:lnRef idx="1">
+              <a:schemeClr val="accent2"/>
+            </a:lnRef>
+            <a:fillRef idx="2">
+              <a:schemeClr val="accent2"/>
+            </a:fillRef>
+            <a:effectRef idx="1">
+              <a:schemeClr val="accent2"/>
+            </a:effectRef>
+            <a:fontRef idx="minor">
+              <a:schemeClr val="dk1"/>
+            </a:fontRef>
+          </p:style>
+        </p:cxnSp>
+        <p:cxnSp>
+          <p:nvCxnSpPr>
+            <p:cNvPr id="75" name="Elbow Connector 122"/>
+            <p:cNvCxnSpPr/>
+            <p:nvPr/>
+          </p:nvCxnSpPr>
+          <p:spPr>
+            <a:xfrm>
+              <a:off x="910091" y="3040053"/>
+              <a:ext cx="419548" cy="2860"/>
+            </a:xfrm>
+            <a:prstGeom prst="bentConnector3">
+              <a:avLst>
+                <a:gd name="adj1" fmla="val 50000"/>
+              </a:avLst>
+            </a:prstGeom>
+            <a:ln w="19050">
+              <a:solidFill>
+                <a:schemeClr val="bg1">
+                  <a:lumMod val="75000"/>
+                </a:schemeClr>
+              </a:solidFill>
+              <a:prstDash val="sysDot"/>
+              <a:headEnd type="none" w="med" len="med"/>
+              <a:tailEnd type="arrow" w="med" len="med"/>
+            </a:ln>
+            <a:effectLst/>
+          </p:spPr>
+          <p:style>
+            <a:lnRef idx="1">
+              <a:schemeClr val="accent2"/>
+            </a:lnRef>
+            <a:fillRef idx="2">
+              <a:schemeClr val="accent2"/>
+            </a:fillRef>
+            <a:effectRef idx="1">
+              <a:schemeClr val="accent2"/>
+            </a:effectRef>
+            <a:fontRef idx="minor">
+              <a:schemeClr val="dk1"/>
+            </a:fontRef>
+          </p:style>
+        </p:cxnSp>
+        <p:cxnSp>
+          <p:nvCxnSpPr>
+            <p:cNvPr id="21" name="Straight Connector 20"/>
+            <p:cNvCxnSpPr>
+              <a:stCxn id="120" idx="3"/>
+            </p:cNvCxnSpPr>
+            <p:nvPr/>
+          </p:nvCxnSpPr>
+          <p:spPr>
+            <a:xfrm flipV="1">
+              <a:off x="1849928" y="3040054"/>
+              <a:ext cx="216105" cy="1"/>
+            </a:xfrm>
+            <a:prstGeom prst="line">
+              <a:avLst/>
+            </a:prstGeom>
+            <a:ln w="19050">
+              <a:solidFill>
+                <a:schemeClr val="accent6">
+                  <a:lumMod val="75000"/>
+                </a:schemeClr>
+              </a:solidFill>
+              <a:prstDash val="sysDot"/>
+              <a:headEnd type="none" w="med" len="med"/>
+              <a:tailEnd type="none" w="med" len="med"/>
+            </a:ln>
+            <a:effectLst/>
+          </p:spPr>
+          <p:style>
+            <a:lnRef idx="1">
+              <a:schemeClr val="accent2"/>
+            </a:lnRef>
+            <a:fillRef idx="2">
+              <a:schemeClr val="accent2"/>
+            </a:fillRef>
+            <a:effectRef idx="1">
+              <a:schemeClr val="accent2"/>
+            </a:effectRef>
+            <a:fontRef idx="minor">
+              <a:schemeClr val="dk1"/>
+            </a:fontRef>
+          </p:style>
+        </p:cxnSp>
+        <p:sp>
+          <p:nvSpPr>
+            <p:cNvPr id="42" name="Flowchart: Decision 96"/>
+            <p:cNvSpPr/>
+            <p:nvPr/>
+          </p:nvSpPr>
+          <p:spPr>
+            <a:xfrm>
+              <a:off x="2420325" y="2946571"/>
+              <a:ext cx="236048" cy="173380"/>
+            </a:xfrm>
+            <a:prstGeom prst="flowChartDecision">
+              <a:avLst/>
+            </a:prstGeom>
+            <a:noFill/>
+            <a:ln w="19050">
+              <a:solidFill>
+                <a:schemeClr val="accent6">
+                  <a:lumMod val="75000"/>
+                </a:schemeClr>
+              </a:solidFill>
+            </a:ln>
+            <a:effectLst/>
+          </p:spPr>
+          <p:style>
+            <a:lnRef idx="1">
+              <a:schemeClr val="accent2"/>
+            </a:lnRef>
+            <a:fillRef idx="2">
+              <a:schemeClr val="accent2"/>
+            </a:fillRef>
+            <a:effectRef idx="1">
+              <a:schemeClr val="accent2"/>
+            </a:effectRef>
+            <a:fontRef idx="minor">
+              <a:schemeClr val="dk1"/>
+            </a:fontRef>
+          </p:style>
+          <p:txBody>
+            <a:bodyPr rtlCol="0" anchor="ctr"/>
+            <a:lstStyle/>
+            <a:p>
+              <a:pPr algn="ctr"/>
+              <a:endParaRPr lang="en-US" sz="1050">
+                <a:solidFill>
+                  <a:schemeClr val="bg1"/>
+                </a:solidFill>
+              </a:endParaRPr>
+            </a:p>
+          </p:txBody>
+        </p:sp>
+        <p:cxnSp>
+          <p:nvCxnSpPr>
+            <p:cNvPr id="97" name="Elbow Connector 63"/>
+            <p:cNvCxnSpPr>
+              <a:stCxn id="99" idx="3"/>
+              <a:endCxn id="50" idx="1"/>
+            </p:cNvCxnSpPr>
+            <p:nvPr/>
+          </p:nvCxnSpPr>
+          <p:spPr>
+            <a:xfrm flipV="1">
+              <a:off x="4398044" y="3038543"/>
+              <a:ext cx="223322" cy="3"/>
+            </a:xfrm>
+            <a:prstGeom prst="bentConnector3">
+              <a:avLst>
+                <a:gd name="adj1" fmla="val 50000"/>
+              </a:avLst>
+            </a:prstGeom>
+            <a:ln w="19050">
+              <a:solidFill>
+                <a:schemeClr val="accent6">
+                  <a:lumMod val="75000"/>
+                </a:schemeClr>
+              </a:solidFill>
+              <a:prstDash val="sysDot"/>
+              <a:headEnd type="none" w="med" len="med"/>
+              <a:tailEnd type="none" w="med" len="med"/>
+            </a:ln>
+            <a:effectLst/>
+          </p:spPr>
+          <p:style>
+            <a:lnRef idx="1">
+              <a:schemeClr val="accent2"/>
+            </a:lnRef>
+            <a:fillRef idx="2">
+              <a:schemeClr val="accent2"/>
+            </a:fillRef>
+            <a:effectRef idx="1">
+              <a:schemeClr val="accent2"/>
+            </a:effectRef>
+            <a:fontRef idx="minor">
+              <a:schemeClr val="dk1"/>
+            </a:fontRef>
+          </p:style>
+        </p:cxnSp>
+        <p:sp>
+          <p:nvSpPr>
+            <p:cNvPr id="99" name="Isosceles Triangle 102"/>
+            <p:cNvSpPr/>
+            <p:nvPr/>
+          </p:nvSpPr>
+          <p:spPr>
+            <a:xfrm rot="5400000" flipV="1">
+              <a:off x="4175030" y="2950784"/>
+              <a:ext cx="270504" cy="175523"/>
+            </a:xfrm>
+            <a:prstGeom prst="triangle">
+              <a:avLst/>
+            </a:prstGeom>
             <a:solidFill>
               <a:schemeClr val="accent6">
                 <a:lumMod val="75000"/>
               </a:schemeClr>
             </a:solidFill>
-            <a:headEnd type="none" w="med" len="med"/>
-            <a:tailEnd type="arrow" w="med" len="med"/>
-          </a:ln>
-          <a:effectLst/>
-        </p:spPr>
-        <p:style>
-          <a:lnRef idx="1">
-            <a:schemeClr val="accent2"/>
-          </a:lnRef>
-          <a:fillRef idx="2">
-            <a:schemeClr val="accent2"/>
-          </a:fillRef>
-          <a:effectRef idx="1">
-            <a:schemeClr val="accent2"/>
-          </a:effectRef>
-          <a:fontRef idx="minor">
-            <a:schemeClr val="dk1"/>
-          </a:fontRef>
-        </p:style>
-      </p:cxnSp>
-      <p:cxnSp>
-        <p:nvCxnSpPr>
-          <p:cNvPr id="75" name="Elbow Connector 122"/>
-          <p:cNvCxnSpPr/>
-          <p:nvPr/>
-        </p:nvCxnSpPr>
-        <p:spPr>
-          <a:xfrm>
-            <a:off x="910091" y="3040053"/>
-            <a:ext cx="419548" cy="2860"/>
-          </a:xfrm>
-          <a:prstGeom prst="bentConnector3">
-            <a:avLst>
-              <a:gd name="adj1" fmla="val 50000"/>
-            </a:avLst>
-          </a:prstGeom>
-          <a:ln w="19050">
-            <a:solidFill>
-              <a:schemeClr val="bg1">
-                <a:lumMod val="75000"/>
-              </a:schemeClr>
-            </a:solidFill>
-            <a:prstDash val="sysDot"/>
-            <a:headEnd type="none" w="med" len="med"/>
-            <a:tailEnd type="arrow" w="med" len="med"/>
-          </a:ln>
-          <a:effectLst/>
-        </p:spPr>
-        <p:style>
-          <a:lnRef idx="1">
-            <a:schemeClr val="accent2"/>
-          </a:lnRef>
-          <a:fillRef idx="2">
-            <a:schemeClr val="accent2"/>
-          </a:fillRef>
-          <a:effectRef idx="1">
-            <a:schemeClr val="accent2"/>
-          </a:effectRef>
-          <a:fontRef idx="minor">
-            <a:schemeClr val="dk1"/>
-          </a:fontRef>
-        </p:style>
-      </p:cxnSp>
-      <p:cxnSp>
-        <p:nvCxnSpPr>
-          <p:cNvPr id="21" name="Straight Connector 20"/>
-          <p:cNvCxnSpPr>
-            <a:stCxn id="120" idx="3"/>
-          </p:cNvCxnSpPr>
-          <p:nvPr/>
-        </p:nvCxnSpPr>
-        <p:spPr>
-          <a:xfrm flipV="1">
-            <a:off x="1849924" y="3040052"/>
-            <a:ext cx="216105" cy="1"/>
-          </a:xfrm>
-          <a:prstGeom prst="line">
-            <a:avLst/>
-          </a:prstGeom>
-          <a:ln w="19050">
+            <a:ln w="19050">
+              <a:solidFill>
+                <a:schemeClr val="accent6">
+                  <a:lumMod val="75000"/>
+                </a:schemeClr>
+              </a:solidFill>
+            </a:ln>
+            <a:effectLst/>
+          </p:spPr>
+          <p:style>
+            <a:lnRef idx="1">
+              <a:schemeClr val="accent2"/>
+            </a:lnRef>
+            <a:fillRef idx="2">
+              <a:schemeClr val="accent2"/>
+            </a:fillRef>
+            <a:effectRef idx="1">
+              <a:schemeClr val="accent2"/>
+            </a:effectRef>
+            <a:fontRef idx="minor">
+              <a:schemeClr val="dk1"/>
+            </a:fontRef>
+          </p:style>
+          <p:txBody>
+            <a:bodyPr rtlCol="0" anchor="ctr"/>
+            <a:lstStyle/>
+            <a:p>
+              <a:pPr algn="ctr"/>
+              <a:endParaRPr lang="en-SG" sz="1050">
+                <a:solidFill>
+                  <a:schemeClr val="bg1"/>
+                </a:solidFill>
+              </a:endParaRPr>
+            </a:p>
+          </p:txBody>
+        </p:sp>
+        <p:cxnSp>
+          <p:nvCxnSpPr>
+            <p:cNvPr id="124" name="Elbow Connector 122"/>
+            <p:cNvCxnSpPr>
+              <a:stCxn id="50" idx="3"/>
+              <a:endCxn id="66" idx="1"/>
+            </p:cNvCxnSpPr>
+            <p:nvPr/>
+          </p:nvCxnSpPr>
+          <p:spPr>
+            <a:xfrm>
+              <a:off x="5791201" y="3038543"/>
+              <a:ext cx="228600" cy="1970"/>
+            </a:xfrm>
+            <a:prstGeom prst="bentConnector3">
+              <a:avLst>
+                <a:gd name="adj1" fmla="val 50000"/>
+              </a:avLst>
+            </a:prstGeom>
+            <a:ln w="19050">
+              <a:solidFill>
+                <a:schemeClr val="accent6">
+                  <a:lumMod val="75000"/>
+                </a:schemeClr>
+              </a:solidFill>
+              <a:prstDash val="sysDot"/>
+              <a:headEnd type="none" w="med" len="med"/>
+              <a:tailEnd type="arrow" w="med" len="med"/>
+            </a:ln>
+            <a:effectLst/>
+          </p:spPr>
+          <p:style>
+            <a:lnRef idx="1">
+              <a:schemeClr val="accent2"/>
+            </a:lnRef>
+            <a:fillRef idx="2">
+              <a:schemeClr val="accent2"/>
+            </a:fillRef>
+            <a:effectRef idx="1">
+              <a:schemeClr val="accent2"/>
+            </a:effectRef>
+            <a:fontRef idx="minor">
+              <a:schemeClr val="dk1"/>
+            </a:fontRef>
+          </p:style>
+        </p:cxnSp>
+        <p:sp>
+          <p:nvSpPr>
+            <p:cNvPr id="50" name="Rectangle 8"/>
+            <p:cNvSpPr/>
+            <p:nvPr/>
+          </p:nvSpPr>
+          <p:spPr>
+            <a:xfrm>
+              <a:off x="4621366" y="2865163"/>
+              <a:ext cx="1169835" cy="346760"/>
+            </a:xfrm>
+            <a:prstGeom prst="rect">
+              <a:avLst/>
+            </a:prstGeom>
+            <a:ln w="19050"/>
+            <a:effectLst/>
+          </p:spPr>
+          <p:style>
+            <a:lnRef idx="1">
+              <a:schemeClr val="accent6"/>
+            </a:lnRef>
+            <a:fillRef idx="2">
+              <a:schemeClr val="accent6"/>
+            </a:fillRef>
+            <a:effectRef idx="1">
+              <a:schemeClr val="accent6"/>
+            </a:effectRef>
+            <a:fontRef idx="minor">
+              <a:schemeClr val="dk1"/>
+            </a:fontRef>
+          </p:style>
+          <p:txBody>
+            <a:bodyPr rtlCol="0" anchor="ctr"/>
+            <a:lstStyle/>
+            <a:p>
+              <a:pPr algn="ctr"/>
+              <a:r>
+                <a:rPr lang="en-US" sz="1050" b="1" dirty="0" err="1">
+                  <a:solidFill>
+                    <a:schemeClr val="accent6">
+                      <a:lumMod val="75000"/>
+                    </a:schemeClr>
+                  </a:solidFill>
+                </a:rPr>
+                <a:t>JsonOrders</a:t>
+              </a:r>
+              <a:br>
+                <a:rPr lang="en-US" sz="1050" b="1" dirty="0">
+                  <a:solidFill>
+                    <a:schemeClr val="accent6">
+                      <a:lumMod val="75000"/>
+                    </a:schemeClr>
+                  </a:solidFill>
+                </a:rPr>
+              </a:br>
+              <a:r>
+                <a:rPr lang="en-US" sz="1050" b="1" dirty="0">
+                  <a:solidFill>
+                    <a:schemeClr val="accent6">
+                      <a:lumMod val="75000"/>
+                    </a:schemeClr>
+                  </a:solidFill>
+                </a:rPr>
+                <a:t>Storage</a:t>
+              </a:r>
+              <a:endParaRPr lang="en-SG" sz="1050" b="1" dirty="0">
+                <a:solidFill>
+                  <a:schemeClr val="accent6">
+                    <a:lumMod val="75000"/>
+                  </a:schemeClr>
+                </a:solidFill>
+              </a:endParaRPr>
+            </a:p>
+          </p:txBody>
+        </p:sp>
+        <p:sp>
+          <p:nvSpPr>
+            <p:cNvPr id="52" name="Rectangle 8"/>
+            <p:cNvSpPr/>
+            <p:nvPr/>
+          </p:nvSpPr>
+          <p:spPr>
+            <a:xfrm>
+              <a:off x="2873945" y="4606240"/>
+              <a:ext cx="1323049" cy="346760"/>
+            </a:xfrm>
+            <a:prstGeom prst="rect">
+              <a:avLst/>
+            </a:prstGeom>
             <a:solidFill>
               <a:schemeClr val="accent6">
                 <a:lumMod val="75000"/>
               </a:schemeClr>
             </a:solidFill>
-            <a:prstDash val="sysDot"/>
-            <a:headEnd type="none" w="med" len="med"/>
-            <a:tailEnd type="none" w="med" len="med"/>
-          </a:ln>
-          <a:effectLst/>
-        </p:spPr>
-        <p:style>
-          <a:lnRef idx="1">
-            <a:schemeClr val="accent2"/>
-          </a:lnRef>
-          <a:fillRef idx="2">
-            <a:schemeClr val="accent2"/>
-          </a:fillRef>
-          <a:effectRef idx="1">
-            <a:schemeClr val="accent2"/>
-          </a:effectRef>
-          <a:fontRef idx="minor">
-            <a:schemeClr val="dk1"/>
-          </a:fontRef>
-        </p:style>
-      </p:cxnSp>
-      <p:sp>
-        <p:nvSpPr>
-          <p:cNvPr id="42" name="Flowchart: Decision 96"/>
-          <p:cNvSpPr/>
-          <p:nvPr/>
-        </p:nvSpPr>
-        <p:spPr>
-          <a:xfrm>
-            <a:off x="2420322" y="3239846"/>
-            <a:ext cx="236048" cy="173380"/>
-          </a:xfrm>
-          <a:prstGeom prst="flowChartDecision">
-            <a:avLst/>
-          </a:prstGeom>
-          <a:noFill/>
-          <a:ln w="19050">
+            <a:ln w="19050">
+              <a:solidFill>
+                <a:schemeClr val="accent6">
+                  <a:lumMod val="75000"/>
+                </a:schemeClr>
+              </a:solidFill>
+            </a:ln>
+            <a:effectLst/>
+          </p:spPr>
+          <p:style>
+            <a:lnRef idx="1">
+              <a:schemeClr val="accent2"/>
+            </a:lnRef>
+            <a:fillRef idx="2">
+              <a:schemeClr val="accent2"/>
+            </a:fillRef>
+            <a:effectRef idx="1">
+              <a:schemeClr val="accent2"/>
+            </a:effectRef>
+            <a:fontRef idx="minor">
+              <a:schemeClr val="dk1"/>
+            </a:fontRef>
+          </p:style>
+          <p:txBody>
+            <a:bodyPr rtlCol="0" anchor="ctr"/>
+            <a:lstStyle/>
+            <a:p>
+              <a:pPr algn="ctr"/>
+              <a:r>
+                <a:rPr lang="en-US" sz="1050" dirty="0">
+                  <a:solidFill>
+                    <a:schemeClr val="bg1"/>
+                  </a:solidFill>
+                </a:rPr>
+                <a:t>&lt;&lt;interface&gt;&gt;</a:t>
+              </a:r>
+              <a:br>
+                <a:rPr lang="en-US" sz="1050" dirty="0">
+                  <a:solidFill>
+                    <a:schemeClr val="bg1"/>
+                  </a:solidFill>
+                </a:rPr>
+              </a:br>
+              <a:r>
+                <a:rPr lang="en-US" sz="1050" dirty="0" err="1">
+                  <a:solidFill>
+                    <a:schemeClr val="bg1"/>
+                  </a:solidFill>
+                </a:rPr>
+                <a:t>UserPrefsStorage</a:t>
+              </a:r>
+              <a:endParaRPr lang="en-SG" sz="1050" dirty="0">
+                <a:solidFill>
+                  <a:schemeClr val="bg1"/>
+                </a:solidFill>
+              </a:endParaRPr>
+            </a:p>
+          </p:txBody>
+        </p:sp>
+        <p:cxnSp>
+          <p:nvCxnSpPr>
+            <p:cNvPr id="54" name="Straight Arrow Connector 53"/>
+            <p:cNvCxnSpPr>
+              <a:cxnSpLocks/>
+              <a:endCxn id="52" idx="1"/>
+            </p:cNvCxnSpPr>
+            <p:nvPr/>
+          </p:nvCxnSpPr>
+          <p:spPr>
+            <a:xfrm>
+              <a:off x="2653135" y="4774336"/>
+              <a:ext cx="220810" cy="5284"/>
+            </a:xfrm>
+            <a:prstGeom prst="straightConnector1">
+              <a:avLst/>
+            </a:prstGeom>
+            <a:ln w="19050">
+              <a:solidFill>
+                <a:schemeClr val="accent6">
+                  <a:lumMod val="75000"/>
+                </a:schemeClr>
+              </a:solidFill>
+              <a:headEnd type="none" w="med" len="med"/>
+              <a:tailEnd type="arrow" w="med" len="med"/>
+            </a:ln>
+            <a:effectLst/>
+          </p:spPr>
+          <p:style>
+            <a:lnRef idx="1">
+              <a:schemeClr val="accent2"/>
+            </a:lnRef>
+            <a:fillRef idx="2">
+              <a:schemeClr val="accent2"/>
+            </a:fillRef>
+            <a:effectRef idx="1">
+              <a:schemeClr val="accent2"/>
+            </a:effectRef>
+            <a:fontRef idx="minor">
+              <a:schemeClr val="dk1"/>
+            </a:fontRef>
+          </p:style>
+        </p:cxnSp>
+        <p:sp>
+          <p:nvSpPr>
+            <p:cNvPr id="56" name="Flowchart: Decision 96"/>
+            <p:cNvSpPr/>
+            <p:nvPr/>
+          </p:nvSpPr>
+          <p:spPr>
+            <a:xfrm>
+              <a:off x="2416753" y="4687646"/>
+              <a:ext cx="236048" cy="173380"/>
+            </a:xfrm>
+            <a:prstGeom prst="flowChartDecision">
+              <a:avLst/>
+            </a:prstGeom>
+            <a:noFill/>
+            <a:ln w="19050">
+              <a:solidFill>
+                <a:schemeClr val="accent6">
+                  <a:lumMod val="75000"/>
+                </a:schemeClr>
+              </a:solidFill>
+            </a:ln>
+            <a:effectLst/>
+          </p:spPr>
+          <p:style>
+            <a:lnRef idx="1">
+              <a:schemeClr val="accent2"/>
+            </a:lnRef>
+            <a:fillRef idx="2">
+              <a:schemeClr val="accent2"/>
+            </a:fillRef>
+            <a:effectRef idx="1">
+              <a:schemeClr val="accent2"/>
+            </a:effectRef>
+            <a:fontRef idx="minor">
+              <a:schemeClr val="dk1"/>
+            </a:fontRef>
+          </p:style>
+          <p:txBody>
+            <a:bodyPr rtlCol="0" anchor="ctr"/>
+            <a:lstStyle/>
+            <a:p>
+              <a:pPr algn="ctr"/>
+              <a:endParaRPr lang="en-US" sz="1050" dirty="0">
+                <a:solidFill>
+                  <a:schemeClr val="bg1"/>
+                </a:solidFill>
+              </a:endParaRPr>
+            </a:p>
+          </p:txBody>
+        </p:sp>
+        <p:cxnSp>
+          <p:nvCxnSpPr>
+            <p:cNvPr id="60" name="Elbow Connector 63"/>
+            <p:cNvCxnSpPr>
+              <a:stCxn id="61" idx="3"/>
+              <a:endCxn id="65" idx="1"/>
+            </p:cNvCxnSpPr>
+            <p:nvPr/>
+          </p:nvCxnSpPr>
+          <p:spPr>
+            <a:xfrm flipV="1">
+              <a:off x="4394806" y="4779619"/>
+              <a:ext cx="223323" cy="2"/>
+            </a:xfrm>
+            <a:prstGeom prst="bentConnector3">
+              <a:avLst>
+                <a:gd name="adj1" fmla="val 50000"/>
+              </a:avLst>
+            </a:prstGeom>
+            <a:ln w="19050">
+              <a:solidFill>
+                <a:schemeClr val="accent6">
+                  <a:lumMod val="75000"/>
+                </a:schemeClr>
+              </a:solidFill>
+              <a:prstDash val="sysDot"/>
+              <a:headEnd type="none" w="med" len="med"/>
+              <a:tailEnd type="none" w="med" len="med"/>
+            </a:ln>
+            <a:effectLst/>
+          </p:spPr>
+          <p:style>
+            <a:lnRef idx="1">
+              <a:schemeClr val="accent2"/>
+            </a:lnRef>
+            <a:fillRef idx="2">
+              <a:schemeClr val="accent2"/>
+            </a:fillRef>
+            <a:effectRef idx="1">
+              <a:schemeClr val="accent2"/>
+            </a:effectRef>
+            <a:fontRef idx="minor">
+              <a:schemeClr val="dk1"/>
+            </a:fontRef>
+          </p:style>
+        </p:cxnSp>
+        <p:sp>
+          <p:nvSpPr>
+            <p:cNvPr id="61" name="Isosceles Triangle 102"/>
+            <p:cNvSpPr/>
+            <p:nvPr/>
+          </p:nvSpPr>
+          <p:spPr>
+            <a:xfrm rot="5400000" flipV="1">
+              <a:off x="4171792" y="4691859"/>
+              <a:ext cx="270504" cy="175523"/>
+            </a:xfrm>
+            <a:prstGeom prst="triangle">
+              <a:avLst/>
+            </a:prstGeom>
             <a:solidFill>
               <a:schemeClr val="accent6">
                 <a:lumMod val="75000"/>
               </a:schemeClr>
             </a:solidFill>
-          </a:ln>
-          <a:effectLst/>
-        </p:spPr>
-        <p:style>
-          <a:lnRef idx="1">
-            <a:schemeClr val="accent2"/>
-          </a:lnRef>
-          <a:fillRef idx="2">
-            <a:schemeClr val="accent2"/>
-          </a:fillRef>
-          <a:effectRef idx="1">
-            <a:schemeClr val="accent2"/>
-          </a:effectRef>
-          <a:fontRef idx="minor">
-            <a:schemeClr val="dk1"/>
-          </a:fontRef>
-        </p:style>
-        <p:txBody>
-          <a:bodyPr rtlCol="0" anchor="ctr"/>
-          <a:lstStyle/>
-          <a:p>
-            <a:pPr algn="ctr"/>
-            <a:endParaRPr lang="en-US" sz="1050">
+            <a:ln w="19050">
               <a:solidFill>
-                <a:schemeClr val="bg1"/>
+                <a:schemeClr val="accent6">
+                  <a:lumMod val="75000"/>
+                </a:schemeClr>
               </a:solidFill>
-            </a:endParaRPr>
-          </a:p>
-        </p:txBody>
-      </p:sp>
-      <p:cxnSp>
-        <p:nvCxnSpPr>
-          <p:cNvPr id="97" name="Elbow Connector 63"/>
-          <p:cNvCxnSpPr>
-            <a:stCxn id="99" idx="3"/>
-            <a:endCxn id="50" idx="1"/>
-          </p:cNvCxnSpPr>
-          <p:nvPr/>
-        </p:nvCxnSpPr>
-        <p:spPr>
-          <a:xfrm flipV="1">
-            <a:off x="4398041" y="3331820"/>
-            <a:ext cx="223324" cy="1"/>
-          </a:xfrm>
-          <a:prstGeom prst="bentConnector3">
-            <a:avLst>
-              <a:gd name="adj1" fmla="val 50000"/>
-            </a:avLst>
-          </a:prstGeom>
-          <a:ln w="19050">
+            </a:ln>
+            <a:effectLst/>
+          </p:spPr>
+          <p:style>
+            <a:lnRef idx="1">
+              <a:schemeClr val="accent2"/>
+            </a:lnRef>
+            <a:fillRef idx="2">
+              <a:schemeClr val="accent2"/>
+            </a:fillRef>
+            <a:effectRef idx="1">
+              <a:schemeClr val="accent2"/>
+            </a:effectRef>
+            <a:fontRef idx="minor">
+              <a:schemeClr val="dk1"/>
+            </a:fontRef>
+          </p:style>
+          <p:txBody>
+            <a:bodyPr rtlCol="0" anchor="ctr"/>
+            <a:lstStyle/>
+            <a:p>
+              <a:pPr algn="ctr"/>
+              <a:endParaRPr lang="en-SG" sz="1050">
+                <a:solidFill>
+                  <a:schemeClr val="bg1"/>
+                </a:solidFill>
+              </a:endParaRPr>
+            </a:p>
+          </p:txBody>
+        </p:sp>
+        <p:sp>
+          <p:nvSpPr>
+            <p:cNvPr id="65" name="Rectangle 8"/>
+            <p:cNvSpPr/>
+            <p:nvPr/>
+          </p:nvSpPr>
+          <p:spPr>
+            <a:xfrm>
+              <a:off x="4618129" y="4606239"/>
+              <a:ext cx="1093635" cy="346760"/>
+            </a:xfrm>
+            <a:prstGeom prst="rect">
+              <a:avLst/>
+            </a:prstGeom>
             <a:solidFill>
               <a:schemeClr val="accent6">
                 <a:lumMod val="75000"/>
               </a:schemeClr>
             </a:solidFill>
-            <a:prstDash val="sysDot"/>
-            <a:headEnd type="none" w="med" len="med"/>
-            <a:tailEnd type="none" w="med" len="med"/>
-          </a:ln>
-          <a:effectLst/>
-        </p:spPr>
-        <p:style>
-          <a:lnRef idx="1">
-            <a:schemeClr val="accent2"/>
-          </a:lnRef>
-          <a:fillRef idx="2">
-            <a:schemeClr val="accent2"/>
-          </a:fillRef>
-          <a:effectRef idx="1">
-            <a:schemeClr val="accent2"/>
-          </a:effectRef>
-          <a:fontRef idx="minor">
-            <a:schemeClr val="dk1"/>
-          </a:fontRef>
-        </p:style>
-      </p:cxnSp>
-      <p:sp>
-        <p:nvSpPr>
-          <p:cNvPr id="99" name="Isosceles Triangle 102"/>
-          <p:cNvSpPr/>
-          <p:nvPr/>
-        </p:nvSpPr>
-        <p:spPr>
-          <a:xfrm rot="5400000" flipV="1">
-            <a:off x="4175027" y="3244059"/>
-            <a:ext cx="270504" cy="175523"/>
-          </a:xfrm>
-          <a:prstGeom prst="triangle">
-            <a:avLst/>
-          </a:prstGeom>
-          <a:solidFill>
-            <a:schemeClr val="accent6">
-              <a:lumMod val="75000"/>
-            </a:schemeClr>
-          </a:solidFill>
-          <a:ln w="19050">
+            <a:ln w="19050">
+              <a:solidFill>
+                <a:schemeClr val="accent6">
+                  <a:lumMod val="75000"/>
+                </a:schemeClr>
+              </a:solidFill>
+            </a:ln>
+            <a:effectLst/>
+          </p:spPr>
+          <p:style>
+            <a:lnRef idx="1">
+              <a:schemeClr val="accent2"/>
+            </a:lnRef>
+            <a:fillRef idx="2">
+              <a:schemeClr val="accent2"/>
+            </a:fillRef>
+            <a:effectRef idx="1">
+              <a:schemeClr val="accent2"/>
+            </a:effectRef>
+            <a:fontRef idx="minor">
+              <a:schemeClr val="dk1"/>
+            </a:fontRef>
+          </p:style>
+          <p:txBody>
+            <a:bodyPr rtlCol="0" anchor="ctr"/>
+            <a:lstStyle/>
+            <a:p>
+              <a:pPr algn="ctr"/>
+              <a:r>
+                <a:rPr lang="en-US" sz="1050" dirty="0" err="1">
+                  <a:solidFill>
+                    <a:schemeClr val="bg1"/>
+                  </a:solidFill>
+                </a:rPr>
+                <a:t>JsonUserPrefs</a:t>
+              </a:r>
+              <a:br>
+                <a:rPr lang="en-US" sz="1050" dirty="0">
+                  <a:solidFill>
+                    <a:schemeClr val="bg1"/>
+                  </a:solidFill>
+                </a:rPr>
+              </a:br>
+              <a:r>
+                <a:rPr lang="en-US" sz="1050" dirty="0">
+                  <a:solidFill>
+                    <a:schemeClr val="bg1"/>
+                  </a:solidFill>
+                </a:rPr>
+                <a:t>Storage</a:t>
+              </a:r>
+              <a:endParaRPr lang="en-SG" sz="1050" dirty="0">
+                <a:solidFill>
+                  <a:schemeClr val="bg1"/>
+                </a:solidFill>
+              </a:endParaRPr>
+            </a:p>
+          </p:txBody>
+        </p:sp>
+        <p:sp>
+          <p:nvSpPr>
+            <p:cNvPr id="66" name="Rectangle 8"/>
+            <p:cNvSpPr/>
+            <p:nvPr/>
+          </p:nvSpPr>
+          <p:spPr>
+            <a:xfrm>
+              <a:off x="6019801" y="2867133"/>
+              <a:ext cx="1200707" cy="346760"/>
+            </a:xfrm>
+            <a:prstGeom prst="rect">
+              <a:avLst/>
+            </a:prstGeom>
+            <a:ln w="19050"/>
+            <a:effectLst/>
+          </p:spPr>
+          <p:style>
+            <a:lnRef idx="1">
+              <a:schemeClr val="accent6"/>
+            </a:lnRef>
+            <a:fillRef idx="2">
+              <a:schemeClr val="accent6"/>
+            </a:fillRef>
+            <a:effectRef idx="1">
+              <a:schemeClr val="accent6"/>
+            </a:effectRef>
+            <a:fontRef idx="minor">
+              <a:schemeClr val="dk1"/>
+            </a:fontRef>
+          </p:style>
+          <p:txBody>
+            <a:bodyPr rtlCol="0" anchor="ctr"/>
+            <a:lstStyle/>
+            <a:p>
+              <a:pPr algn="ctr"/>
+              <a:r>
+                <a:rPr lang="en-US" sz="1050" b="1" dirty="0" err="1">
+                  <a:solidFill>
+                    <a:schemeClr val="accent6">
+                      <a:lumMod val="75000"/>
+                    </a:schemeClr>
+                  </a:solidFill>
+                </a:rPr>
+                <a:t>JsonSerializable</a:t>
+              </a:r>
+              <a:br>
+                <a:rPr lang="en-US" sz="1050" b="1" dirty="0">
+                  <a:solidFill>
+                    <a:schemeClr val="accent6">
+                      <a:lumMod val="75000"/>
+                    </a:schemeClr>
+                  </a:solidFill>
+                </a:rPr>
+              </a:br>
+              <a:r>
+                <a:rPr lang="en-US" sz="1050" b="1" dirty="0">
+                  <a:solidFill>
+                    <a:schemeClr val="accent6">
+                      <a:lumMod val="75000"/>
+                    </a:schemeClr>
+                  </a:solidFill>
+                </a:rPr>
+                <a:t>Orders</a:t>
+              </a:r>
+              <a:endParaRPr lang="en-SG" sz="1050" b="1" dirty="0">
+                <a:solidFill>
+                  <a:schemeClr val="accent6">
+                    <a:lumMod val="75000"/>
+                  </a:schemeClr>
+                </a:solidFill>
+              </a:endParaRPr>
+            </a:p>
+          </p:txBody>
+        </p:sp>
+        <p:sp>
+          <p:nvSpPr>
+            <p:cNvPr id="74" name="Rectangle 8"/>
+            <p:cNvSpPr/>
+            <p:nvPr/>
+          </p:nvSpPr>
+          <p:spPr>
+            <a:xfrm>
+              <a:off x="7615739" y="2866347"/>
+              <a:ext cx="1259718" cy="346760"/>
+            </a:xfrm>
+            <a:prstGeom prst="rect">
+              <a:avLst/>
+            </a:prstGeom>
+            <a:ln w="19050"/>
+            <a:effectLst/>
+          </p:spPr>
+          <p:style>
+            <a:lnRef idx="1">
+              <a:schemeClr val="accent6"/>
+            </a:lnRef>
+            <a:fillRef idx="2">
+              <a:schemeClr val="accent6"/>
+            </a:fillRef>
+            <a:effectRef idx="1">
+              <a:schemeClr val="accent6"/>
+            </a:effectRef>
+            <a:fontRef idx="minor">
+              <a:schemeClr val="dk1"/>
+            </a:fontRef>
+          </p:style>
+          <p:txBody>
+            <a:bodyPr rtlCol="0" anchor="ctr"/>
+            <a:lstStyle/>
+            <a:p>
+              <a:pPr algn="ctr"/>
+              <a:r>
+                <a:rPr lang="en-US" sz="1030" b="1" dirty="0" err="1">
+                  <a:solidFill>
+                    <a:schemeClr val="accent6">
+                      <a:lumMod val="75000"/>
+                    </a:schemeClr>
+                  </a:solidFill>
+                </a:rPr>
+                <a:t>JsonAdaptedOrders</a:t>
+              </a:r>
+              <a:endParaRPr lang="en-SG" sz="1030" b="1" dirty="0">
+                <a:solidFill>
+                  <a:schemeClr val="accent6">
+                    <a:lumMod val="75000"/>
+                  </a:schemeClr>
+                </a:solidFill>
+              </a:endParaRPr>
+            </a:p>
+          </p:txBody>
+        </p:sp>
+        <p:cxnSp>
+          <p:nvCxnSpPr>
+            <p:cNvPr id="77" name="Elbow Connector 122"/>
+            <p:cNvCxnSpPr>
+              <a:cxnSpLocks/>
+              <a:stCxn id="66" idx="3"/>
+              <a:endCxn id="74" idx="1"/>
+            </p:cNvCxnSpPr>
+            <p:nvPr/>
+          </p:nvCxnSpPr>
+          <p:spPr>
+            <a:xfrm flipV="1">
+              <a:off x="7220508" y="3039727"/>
+              <a:ext cx="395231" cy="786"/>
+            </a:xfrm>
+            <a:prstGeom prst="bentConnector3">
+              <a:avLst>
+                <a:gd name="adj1" fmla="val 50000"/>
+              </a:avLst>
+            </a:prstGeom>
+            <a:ln w="19050">
+              <a:prstDash val="sysDot"/>
+              <a:headEnd type="none" w="med" len="med"/>
+              <a:tailEnd type="arrow" w="med" len="med"/>
+            </a:ln>
+            <a:effectLst/>
+          </p:spPr>
+          <p:style>
+            <a:lnRef idx="1">
+              <a:schemeClr val="accent6"/>
+            </a:lnRef>
+            <a:fillRef idx="2">
+              <a:schemeClr val="accent6"/>
+            </a:fillRef>
+            <a:effectRef idx="1">
+              <a:schemeClr val="accent6"/>
+            </a:effectRef>
+            <a:fontRef idx="minor">
+              <a:schemeClr val="dk1"/>
+            </a:fontRef>
+          </p:style>
+        </p:cxnSp>
+        <p:sp>
+          <p:nvSpPr>
+            <p:cNvPr id="55" name="Rectangle 8">
+              <a:extLst>
+                <a:ext uri="{FF2B5EF4-FFF2-40B4-BE49-F238E27FC236}">
+                  <a16:creationId xmlns:a16="http://schemas.microsoft.com/office/drawing/2014/main" id="{E4DD0726-81C2-45A1-829A-D0B0D47C58AA}"/>
+                </a:ext>
+              </a:extLst>
+            </p:cNvPr>
+            <p:cNvSpPr/>
+            <p:nvPr/>
+          </p:nvSpPr>
+          <p:spPr>
+            <a:xfrm>
+              <a:off x="2873611" y="1152816"/>
+              <a:ext cx="1323049" cy="346760"/>
+            </a:xfrm>
+            <a:prstGeom prst="rect">
+              <a:avLst/>
+            </a:prstGeom>
             <a:solidFill>
               <a:schemeClr val="accent6">
                 <a:lumMod val="75000"/>
               </a:schemeClr>
             </a:solidFill>
-          </a:ln>
-          <a:effectLst/>
-        </p:spPr>
-        <p:style>
-          <a:lnRef idx="1">
-            <a:schemeClr val="accent2"/>
-          </a:lnRef>
-          <a:fillRef idx="2">
-            <a:schemeClr val="accent2"/>
-          </a:fillRef>
-          <a:effectRef idx="1">
-            <a:schemeClr val="accent2"/>
-          </a:effectRef>
-          <a:fontRef idx="minor">
-            <a:schemeClr val="dk1"/>
-          </a:fontRef>
-        </p:style>
-        <p:txBody>
-          <a:bodyPr rtlCol="0" anchor="ctr"/>
-          <a:lstStyle/>
-          <a:p>
-            <a:pPr algn="ctr"/>
-            <a:endParaRPr lang="en-SG" sz="1050">
+            <a:ln w="19050">
               <a:solidFill>
-                <a:schemeClr val="bg1"/>
+                <a:schemeClr val="accent6">
+                  <a:lumMod val="75000"/>
+                </a:schemeClr>
               </a:solidFill>
-            </a:endParaRPr>
-          </a:p>
-        </p:txBody>
-      </p:sp>
-      <p:cxnSp>
-        <p:nvCxnSpPr>
-          <p:cNvPr id="124" name="Elbow Connector 122"/>
-          <p:cNvCxnSpPr>
-            <a:stCxn id="50" idx="3"/>
-            <a:endCxn id="66" idx="1"/>
-          </p:cNvCxnSpPr>
-          <p:nvPr/>
-        </p:nvCxnSpPr>
-        <p:spPr>
-          <a:xfrm>
-            <a:off x="5791200" y="3331820"/>
-            <a:ext cx="228600" cy="1970"/>
-          </a:xfrm>
-          <a:prstGeom prst="bentConnector3">
-            <a:avLst>
-              <a:gd name="adj1" fmla="val 50000"/>
-            </a:avLst>
-          </a:prstGeom>
-          <a:ln w="19050">
+            </a:ln>
+            <a:effectLst/>
+          </p:spPr>
+          <p:style>
+            <a:lnRef idx="1">
+              <a:schemeClr val="accent2"/>
+            </a:lnRef>
+            <a:fillRef idx="2">
+              <a:schemeClr val="accent2"/>
+            </a:fillRef>
+            <a:effectRef idx="1">
+              <a:schemeClr val="accent2"/>
+            </a:effectRef>
+            <a:fontRef idx="minor">
+              <a:schemeClr val="dk1"/>
+            </a:fontRef>
+          </p:style>
+          <p:txBody>
+            <a:bodyPr rtlCol="0" anchor="ctr"/>
+            <a:lstStyle/>
+            <a:p>
+              <a:pPr algn="ctr"/>
+              <a:r>
+                <a:rPr lang="en-US" sz="1050" dirty="0">
+                  <a:solidFill>
+                    <a:schemeClr val="bg1"/>
+                  </a:solidFill>
+                </a:rPr>
+                <a:t>&lt;&lt;interface&gt;&gt;</a:t>
+              </a:r>
+              <a:br>
+                <a:rPr lang="en-US" sz="1050" dirty="0">
+                  <a:solidFill>
+                    <a:schemeClr val="bg1"/>
+                  </a:solidFill>
+                </a:rPr>
+              </a:br>
+              <a:r>
+                <a:rPr lang="en-US" sz="1050" dirty="0" err="1">
+                  <a:solidFill>
+                    <a:schemeClr val="bg1"/>
+                  </a:solidFill>
+                </a:rPr>
+                <a:t>AddressBookStorage</a:t>
+              </a:r>
+              <a:endParaRPr lang="en-SG" sz="1050" dirty="0">
+                <a:solidFill>
+                  <a:schemeClr val="bg1"/>
+                </a:solidFill>
+              </a:endParaRPr>
+            </a:p>
+          </p:txBody>
+        </p:sp>
+        <p:cxnSp>
+          <p:nvCxnSpPr>
+            <p:cNvPr id="57" name="Straight Arrow Connector 56">
+              <a:extLst>
+                <a:ext uri="{FF2B5EF4-FFF2-40B4-BE49-F238E27FC236}">
+                  <a16:creationId xmlns:a16="http://schemas.microsoft.com/office/drawing/2014/main" id="{42A129BB-0240-419C-A652-BBFC42B15CC1}"/>
+                </a:ext>
+              </a:extLst>
+            </p:cNvPr>
+            <p:cNvCxnSpPr>
+              <a:stCxn id="59" idx="3"/>
+              <a:endCxn id="55" idx="1"/>
+            </p:cNvCxnSpPr>
+            <p:nvPr/>
+          </p:nvCxnSpPr>
+          <p:spPr>
+            <a:xfrm>
+              <a:off x="2652801" y="1320912"/>
+              <a:ext cx="220810" cy="5284"/>
+            </a:xfrm>
+            <a:prstGeom prst="straightConnector1">
+              <a:avLst/>
+            </a:prstGeom>
+            <a:ln w="19050">
+              <a:solidFill>
+                <a:schemeClr val="accent6">
+                  <a:lumMod val="75000"/>
+                </a:schemeClr>
+              </a:solidFill>
+              <a:headEnd type="none" w="med" len="med"/>
+              <a:tailEnd type="arrow" w="med" len="med"/>
+            </a:ln>
+            <a:effectLst/>
+          </p:spPr>
+          <p:style>
+            <a:lnRef idx="1">
+              <a:schemeClr val="accent2"/>
+            </a:lnRef>
+            <a:fillRef idx="2">
+              <a:schemeClr val="accent2"/>
+            </a:fillRef>
+            <a:effectRef idx="1">
+              <a:schemeClr val="accent2"/>
+            </a:effectRef>
+            <a:fontRef idx="minor">
+              <a:schemeClr val="dk1"/>
+            </a:fontRef>
+          </p:style>
+        </p:cxnSp>
+        <p:sp>
+          <p:nvSpPr>
+            <p:cNvPr id="59" name="Flowchart: Decision 96">
+              <a:extLst>
+                <a:ext uri="{FF2B5EF4-FFF2-40B4-BE49-F238E27FC236}">
+                  <a16:creationId xmlns:a16="http://schemas.microsoft.com/office/drawing/2014/main" id="{EE0BCA9C-2DC4-4C8E-8700-9229B0BFD177}"/>
+                </a:ext>
+              </a:extLst>
+            </p:cNvPr>
+            <p:cNvSpPr/>
+            <p:nvPr/>
+          </p:nvSpPr>
+          <p:spPr>
+            <a:xfrm>
+              <a:off x="2416753" y="1234222"/>
+              <a:ext cx="236048" cy="173380"/>
+            </a:xfrm>
+            <a:prstGeom prst="flowChartDecision">
+              <a:avLst/>
+            </a:prstGeom>
+            <a:noFill/>
+            <a:ln w="19050">
+              <a:solidFill>
+                <a:schemeClr val="accent6">
+                  <a:lumMod val="75000"/>
+                </a:schemeClr>
+              </a:solidFill>
+            </a:ln>
+            <a:effectLst/>
+          </p:spPr>
+          <p:style>
+            <a:lnRef idx="1">
+              <a:schemeClr val="accent2"/>
+            </a:lnRef>
+            <a:fillRef idx="2">
+              <a:schemeClr val="accent2"/>
+            </a:fillRef>
+            <a:effectRef idx="1">
+              <a:schemeClr val="accent2"/>
+            </a:effectRef>
+            <a:fontRef idx="minor">
+              <a:schemeClr val="dk1"/>
+            </a:fontRef>
+          </p:style>
+          <p:txBody>
+            <a:bodyPr rtlCol="0" anchor="ctr"/>
+            <a:lstStyle/>
+            <a:p>
+              <a:pPr algn="ctr"/>
+              <a:endParaRPr lang="en-US" sz="1050">
+                <a:solidFill>
+                  <a:schemeClr val="bg1"/>
+                </a:solidFill>
+              </a:endParaRPr>
+            </a:p>
+          </p:txBody>
+        </p:sp>
+        <p:cxnSp>
+          <p:nvCxnSpPr>
+            <p:cNvPr id="62" name="Elbow Connector 63">
+              <a:extLst>
+                <a:ext uri="{FF2B5EF4-FFF2-40B4-BE49-F238E27FC236}">
+                  <a16:creationId xmlns:a16="http://schemas.microsoft.com/office/drawing/2014/main" id="{F9DBD3AC-3759-48E9-A4D1-C117535AD035}"/>
+                </a:ext>
+              </a:extLst>
+            </p:cNvPr>
+            <p:cNvCxnSpPr>
+              <a:stCxn id="63" idx="3"/>
+              <a:endCxn id="67" idx="1"/>
+            </p:cNvCxnSpPr>
+            <p:nvPr/>
+          </p:nvCxnSpPr>
+          <p:spPr>
+            <a:xfrm flipV="1">
+              <a:off x="4394471" y="1326193"/>
+              <a:ext cx="223322" cy="3"/>
+            </a:xfrm>
+            <a:prstGeom prst="bentConnector3">
+              <a:avLst>
+                <a:gd name="adj1" fmla="val 50000"/>
+              </a:avLst>
+            </a:prstGeom>
+            <a:ln w="19050">
+              <a:solidFill>
+                <a:schemeClr val="accent6">
+                  <a:lumMod val="75000"/>
+                </a:schemeClr>
+              </a:solidFill>
+              <a:prstDash val="sysDot"/>
+              <a:headEnd type="none" w="med" len="med"/>
+              <a:tailEnd type="none" w="med" len="med"/>
+            </a:ln>
+            <a:effectLst/>
+          </p:spPr>
+          <p:style>
+            <a:lnRef idx="1">
+              <a:schemeClr val="accent2"/>
+            </a:lnRef>
+            <a:fillRef idx="2">
+              <a:schemeClr val="accent2"/>
+            </a:fillRef>
+            <a:effectRef idx="1">
+              <a:schemeClr val="accent2"/>
+            </a:effectRef>
+            <a:fontRef idx="minor">
+              <a:schemeClr val="dk1"/>
+            </a:fontRef>
+          </p:style>
+        </p:cxnSp>
+        <p:sp>
+          <p:nvSpPr>
+            <p:cNvPr id="63" name="Isosceles Triangle 102">
+              <a:extLst>
+                <a:ext uri="{FF2B5EF4-FFF2-40B4-BE49-F238E27FC236}">
+                  <a16:creationId xmlns:a16="http://schemas.microsoft.com/office/drawing/2014/main" id="{F05E022F-CACC-4080-87AC-39CE1A63126A}"/>
+                </a:ext>
+              </a:extLst>
+            </p:cNvPr>
+            <p:cNvSpPr/>
+            <p:nvPr/>
+          </p:nvSpPr>
+          <p:spPr>
+            <a:xfrm rot="5400000" flipV="1">
+              <a:off x="4171457" y="1238434"/>
+              <a:ext cx="270504" cy="175523"/>
+            </a:xfrm>
+            <a:prstGeom prst="triangle">
+              <a:avLst/>
+            </a:prstGeom>
             <a:solidFill>
               <a:schemeClr val="accent6">
                 <a:lumMod val="75000"/>
               </a:schemeClr>
             </a:solidFill>
-            <a:prstDash val="sysDot"/>
-            <a:headEnd type="none" w="med" len="med"/>
-            <a:tailEnd type="arrow" w="med" len="med"/>
-          </a:ln>
-          <a:effectLst/>
-        </p:spPr>
-        <p:style>
-          <a:lnRef idx="1">
-            <a:schemeClr val="accent2"/>
-          </a:lnRef>
-          <a:fillRef idx="2">
-            <a:schemeClr val="accent2"/>
-          </a:fillRef>
-          <a:effectRef idx="1">
-            <a:schemeClr val="accent2"/>
-          </a:effectRef>
-          <a:fontRef idx="minor">
-            <a:schemeClr val="dk1"/>
-          </a:fontRef>
-        </p:style>
-      </p:cxnSp>
-      <p:sp>
-        <p:nvSpPr>
-          <p:cNvPr id="50" name="Rectangle 8"/>
-          <p:cNvSpPr/>
-          <p:nvPr/>
-        </p:nvSpPr>
-        <p:spPr>
-          <a:xfrm>
-            <a:off x="4621365" y="3158440"/>
-            <a:ext cx="1169835" cy="346760"/>
-          </a:xfrm>
-          <a:prstGeom prst="rect">
-            <a:avLst/>
-          </a:prstGeom>
-          <a:ln w="19050"/>
-          <a:effectLst/>
-        </p:spPr>
-        <p:style>
-          <a:lnRef idx="1">
-            <a:schemeClr val="accent6"/>
-          </a:lnRef>
-          <a:fillRef idx="2">
-            <a:schemeClr val="accent6"/>
-          </a:fillRef>
-          <a:effectRef idx="1">
-            <a:schemeClr val="accent6"/>
-          </a:effectRef>
-          <a:fontRef idx="minor">
-            <a:schemeClr val="dk1"/>
-          </a:fontRef>
-        </p:style>
-        <p:txBody>
-          <a:bodyPr rtlCol="0" anchor="ctr"/>
-          <a:lstStyle/>
-          <a:p>
-            <a:pPr algn="ctr"/>
-            <a:r>
-              <a:rPr lang="en-US" sz="1050" b="1" dirty="0" err="1">
+            <a:ln w="19050">
+              <a:solidFill>
+                <a:schemeClr val="accent6">
+                  <a:lumMod val="75000"/>
+                </a:schemeClr>
+              </a:solidFill>
+            </a:ln>
+            <a:effectLst/>
+          </p:spPr>
+          <p:style>
+            <a:lnRef idx="1">
+              <a:schemeClr val="accent2"/>
+            </a:lnRef>
+            <a:fillRef idx="2">
+              <a:schemeClr val="accent2"/>
+            </a:fillRef>
+            <a:effectRef idx="1">
+              <a:schemeClr val="accent2"/>
+            </a:effectRef>
+            <a:fontRef idx="minor">
+              <a:schemeClr val="dk1"/>
+            </a:fontRef>
+          </p:style>
+          <p:txBody>
+            <a:bodyPr rtlCol="0" anchor="ctr"/>
+            <a:lstStyle/>
+            <a:p>
+              <a:pPr algn="ctr"/>
+              <a:endParaRPr lang="en-SG" sz="1050">
+                <a:solidFill>
+                  <a:schemeClr val="bg1"/>
+                </a:solidFill>
+              </a:endParaRPr>
+            </a:p>
+          </p:txBody>
+        </p:sp>
+        <p:cxnSp>
+          <p:nvCxnSpPr>
+            <p:cNvPr id="64" name="Elbow Connector 122">
+              <a:extLst>
+                <a:ext uri="{FF2B5EF4-FFF2-40B4-BE49-F238E27FC236}">
+                  <a16:creationId xmlns:a16="http://schemas.microsoft.com/office/drawing/2014/main" id="{C92DC855-E47D-4B36-8F85-8A0D54F51E19}"/>
+                </a:ext>
+              </a:extLst>
+            </p:cNvPr>
+            <p:cNvCxnSpPr>
+              <a:stCxn id="67" idx="3"/>
+              <a:endCxn id="68" idx="1"/>
+            </p:cNvCxnSpPr>
+            <p:nvPr/>
+          </p:nvCxnSpPr>
+          <p:spPr>
+            <a:xfrm>
+              <a:off x="5787628" y="1326193"/>
+              <a:ext cx="228600" cy="1970"/>
+            </a:xfrm>
+            <a:prstGeom prst="bentConnector3">
+              <a:avLst>
+                <a:gd name="adj1" fmla="val 50000"/>
+              </a:avLst>
+            </a:prstGeom>
+            <a:ln w="19050">
+              <a:solidFill>
+                <a:schemeClr val="accent6">
+                  <a:lumMod val="75000"/>
+                </a:schemeClr>
+              </a:solidFill>
+              <a:prstDash val="sysDot"/>
+              <a:headEnd type="none" w="med" len="med"/>
+              <a:tailEnd type="arrow" w="med" len="med"/>
+            </a:ln>
+            <a:effectLst/>
+          </p:spPr>
+          <p:style>
+            <a:lnRef idx="1">
+              <a:schemeClr val="accent2"/>
+            </a:lnRef>
+            <a:fillRef idx="2">
+              <a:schemeClr val="accent2"/>
+            </a:fillRef>
+            <a:effectRef idx="1">
+              <a:schemeClr val="accent2"/>
+            </a:effectRef>
+            <a:fontRef idx="minor">
+              <a:schemeClr val="dk1"/>
+            </a:fontRef>
+          </p:style>
+        </p:cxnSp>
+        <p:sp>
+          <p:nvSpPr>
+            <p:cNvPr id="67" name="Rectangle 8">
+              <a:extLst>
+                <a:ext uri="{FF2B5EF4-FFF2-40B4-BE49-F238E27FC236}">
+                  <a16:creationId xmlns:a16="http://schemas.microsoft.com/office/drawing/2014/main" id="{78DAA991-A206-47AD-BDEE-A42A67C4D40B}"/>
+                </a:ext>
+              </a:extLst>
+            </p:cNvPr>
+            <p:cNvSpPr/>
+            <p:nvPr/>
+          </p:nvSpPr>
+          <p:spPr>
+            <a:xfrm>
+              <a:off x="4617793" y="1152813"/>
+              <a:ext cx="1169835" cy="346760"/>
+            </a:xfrm>
+            <a:prstGeom prst="rect">
+              <a:avLst/>
+            </a:prstGeom>
+            <a:ln w="19050"/>
+            <a:effectLst/>
+          </p:spPr>
+          <p:style>
+            <a:lnRef idx="1">
+              <a:schemeClr val="accent6"/>
+            </a:lnRef>
+            <a:fillRef idx="2">
+              <a:schemeClr val="accent6"/>
+            </a:fillRef>
+            <a:effectRef idx="1">
+              <a:schemeClr val="accent6"/>
+            </a:effectRef>
+            <a:fontRef idx="minor">
+              <a:schemeClr val="dk1"/>
+            </a:fontRef>
+          </p:style>
+          <p:txBody>
+            <a:bodyPr rtlCol="0" anchor="ctr"/>
+            <a:lstStyle/>
+            <a:p>
+              <a:pPr algn="ctr"/>
+              <a:r>
+                <a:rPr lang="en-US" sz="1050" b="1" dirty="0" err="1">
+                  <a:solidFill>
+                    <a:schemeClr val="accent6">
+                      <a:lumMod val="75000"/>
+                    </a:schemeClr>
+                  </a:solidFill>
+                </a:rPr>
+                <a:t>JsonStatistics</a:t>
+              </a:r>
+              <a:br>
+                <a:rPr lang="en-US" sz="1050" b="1" dirty="0">
+                  <a:solidFill>
+                    <a:schemeClr val="accent6">
+                      <a:lumMod val="75000"/>
+                    </a:schemeClr>
+                  </a:solidFill>
+                </a:rPr>
+              </a:br>
+              <a:r>
+                <a:rPr lang="en-US" sz="1050" b="1" dirty="0">
+                  <a:solidFill>
+                    <a:schemeClr val="accent6">
+                      <a:lumMod val="75000"/>
+                    </a:schemeClr>
+                  </a:solidFill>
+                </a:rPr>
+                <a:t>Storage</a:t>
+              </a:r>
+              <a:endParaRPr lang="en-SG" sz="1050" b="1" dirty="0">
                 <a:solidFill>
                   <a:schemeClr val="accent6">
                     <a:lumMod val="75000"/>
                   </a:schemeClr>
                 </a:solidFill>
-              </a:rPr>
-              <a:t>JsonAddressBook</a:t>
-            </a:r>
-            <a:br>
-              <a:rPr lang="en-US" sz="1050" b="1" dirty="0">
+              </a:endParaRPr>
+            </a:p>
+          </p:txBody>
+        </p:sp>
+        <p:sp>
+          <p:nvSpPr>
+            <p:cNvPr id="68" name="Rectangle 8">
+              <a:extLst>
+                <a:ext uri="{FF2B5EF4-FFF2-40B4-BE49-F238E27FC236}">
+                  <a16:creationId xmlns:a16="http://schemas.microsoft.com/office/drawing/2014/main" id="{D9A76FDE-EEDD-4EAB-ADB4-975E216AFBF4}"/>
+                </a:ext>
+              </a:extLst>
+            </p:cNvPr>
+            <p:cNvSpPr/>
+            <p:nvPr/>
+          </p:nvSpPr>
+          <p:spPr>
+            <a:xfrm>
+              <a:off x="6016228" y="1154783"/>
+              <a:ext cx="1200707" cy="346760"/>
+            </a:xfrm>
+            <a:prstGeom prst="rect">
+              <a:avLst/>
+            </a:prstGeom>
+            <a:ln w="19050"/>
+            <a:effectLst/>
+          </p:spPr>
+          <p:style>
+            <a:lnRef idx="1">
+              <a:schemeClr val="accent6"/>
+            </a:lnRef>
+            <a:fillRef idx="2">
+              <a:schemeClr val="accent6"/>
+            </a:fillRef>
+            <a:effectRef idx="1">
+              <a:schemeClr val="accent6"/>
+            </a:effectRef>
+            <a:fontRef idx="minor">
+              <a:schemeClr val="dk1"/>
+            </a:fontRef>
+          </p:style>
+          <p:txBody>
+            <a:bodyPr rtlCol="0" anchor="ctr"/>
+            <a:lstStyle/>
+            <a:p>
+              <a:pPr algn="ctr"/>
+              <a:r>
+                <a:rPr lang="en-US" sz="1050" b="1" dirty="0" err="1">
+                  <a:solidFill>
+                    <a:schemeClr val="accent6">
+                      <a:lumMod val="75000"/>
+                    </a:schemeClr>
+                  </a:solidFill>
+                </a:rPr>
+                <a:t>JsonSerializable</a:t>
+              </a:r>
+              <a:br>
+                <a:rPr lang="en-US" sz="1050" b="1" dirty="0">
+                  <a:solidFill>
+                    <a:schemeClr val="accent6">
+                      <a:lumMod val="75000"/>
+                    </a:schemeClr>
+                  </a:solidFill>
+                </a:rPr>
+              </a:br>
+              <a:r>
+                <a:rPr lang="en-US" sz="1050" b="1" dirty="0">
+                  <a:solidFill>
+                    <a:schemeClr val="accent6">
+                      <a:lumMod val="75000"/>
+                    </a:schemeClr>
+                  </a:solidFill>
+                </a:rPr>
+                <a:t>Statistics</a:t>
+              </a:r>
+              <a:endParaRPr lang="en-SG" sz="1050" b="1" dirty="0">
                 <a:solidFill>
                   <a:schemeClr val="accent6">
                     <a:lumMod val="75000"/>
                   </a:schemeClr>
                 </a:solidFill>
-              </a:rPr>
-            </a:br>
-            <a:r>
-              <a:rPr lang="en-US" sz="1050" b="1" dirty="0">
+              </a:endParaRPr>
+            </a:p>
+          </p:txBody>
+        </p:sp>
+        <p:sp>
+          <p:nvSpPr>
+            <p:cNvPr id="72" name="Rectangle 8">
+              <a:extLst>
+                <a:ext uri="{FF2B5EF4-FFF2-40B4-BE49-F238E27FC236}">
+                  <a16:creationId xmlns:a16="http://schemas.microsoft.com/office/drawing/2014/main" id="{761A066B-BFA5-4064-8240-7F9CDB47245C}"/>
+                </a:ext>
+              </a:extLst>
+            </p:cNvPr>
+            <p:cNvSpPr/>
+            <p:nvPr/>
+          </p:nvSpPr>
+          <p:spPr>
+            <a:xfrm>
+              <a:off x="7612165" y="1153997"/>
+              <a:ext cx="1381613" cy="346760"/>
+            </a:xfrm>
+            <a:prstGeom prst="rect">
+              <a:avLst/>
+            </a:prstGeom>
+            <a:ln w="19050"/>
+            <a:effectLst/>
+          </p:spPr>
+          <p:style>
+            <a:lnRef idx="1">
+              <a:schemeClr val="accent6"/>
+            </a:lnRef>
+            <a:fillRef idx="2">
+              <a:schemeClr val="accent6"/>
+            </a:fillRef>
+            <a:effectRef idx="1">
+              <a:schemeClr val="accent6"/>
+            </a:effectRef>
+            <a:fontRef idx="minor">
+              <a:schemeClr val="dk1"/>
+            </a:fontRef>
+          </p:style>
+          <p:txBody>
+            <a:bodyPr rtlCol="0" anchor="ctr"/>
+            <a:lstStyle/>
+            <a:p>
+              <a:pPr algn="ctr"/>
+              <a:r>
+                <a:rPr lang="en-US" sz="1030" b="1" dirty="0" err="1">
+                  <a:solidFill>
+                    <a:schemeClr val="accent6">
+                      <a:lumMod val="75000"/>
+                    </a:schemeClr>
+                  </a:solidFill>
+                </a:rPr>
+                <a:t>JsonAdaptedStatistics</a:t>
+              </a:r>
+              <a:endParaRPr lang="en-SG" sz="1030" b="1" dirty="0">
                 <a:solidFill>
                   <a:schemeClr val="accent6">
                     <a:lumMod val="75000"/>
                   </a:schemeClr>
                 </a:solidFill>
-              </a:rPr>
-              <a:t>Storage</a:t>
-            </a:r>
-            <a:endParaRPr lang="en-SG" sz="1050" b="1" dirty="0">
+              </a:endParaRPr>
+            </a:p>
+          </p:txBody>
+        </p:sp>
+        <p:cxnSp>
+          <p:nvCxnSpPr>
+            <p:cNvPr id="76" name="Elbow Connector 122">
+              <a:extLst>
+                <a:ext uri="{FF2B5EF4-FFF2-40B4-BE49-F238E27FC236}">
+                  <a16:creationId xmlns:a16="http://schemas.microsoft.com/office/drawing/2014/main" id="{2BFF2C97-DD15-4AFD-AACF-4F7663692D86}"/>
+                </a:ext>
+              </a:extLst>
+            </p:cNvPr>
+            <p:cNvCxnSpPr>
+              <a:cxnSpLocks/>
+              <a:stCxn id="68" idx="3"/>
+              <a:endCxn id="72" idx="1"/>
+            </p:cNvCxnSpPr>
+            <p:nvPr/>
+          </p:nvCxnSpPr>
+          <p:spPr>
+            <a:xfrm flipV="1">
+              <a:off x="7216935" y="1327377"/>
+              <a:ext cx="395230" cy="786"/>
+            </a:xfrm>
+            <a:prstGeom prst="bentConnector3">
+              <a:avLst>
+                <a:gd name="adj1" fmla="val 50000"/>
+              </a:avLst>
+            </a:prstGeom>
+            <a:ln w="19050">
+              <a:prstDash val="sysDot"/>
+              <a:headEnd type="none" w="med" len="med"/>
+              <a:tailEnd type="arrow" w="med" len="med"/>
+            </a:ln>
+            <a:effectLst/>
+          </p:spPr>
+          <p:style>
+            <a:lnRef idx="1">
+              <a:schemeClr val="accent6"/>
+            </a:lnRef>
+            <a:fillRef idx="2">
+              <a:schemeClr val="accent6"/>
+            </a:fillRef>
+            <a:effectRef idx="1">
+              <a:schemeClr val="accent6"/>
+            </a:effectRef>
+            <a:fontRef idx="minor">
+              <a:schemeClr val="dk1"/>
+            </a:fontRef>
+          </p:style>
+        </p:cxnSp>
+        <p:sp>
+          <p:nvSpPr>
+            <p:cNvPr id="104" name="Rectangle 8">
+              <a:extLst>
+                <a:ext uri="{FF2B5EF4-FFF2-40B4-BE49-F238E27FC236}">
+                  <a16:creationId xmlns:a16="http://schemas.microsoft.com/office/drawing/2014/main" id="{67B15D1B-414C-4F61-A8FB-AE6907129068}"/>
+                </a:ext>
+              </a:extLst>
+            </p:cNvPr>
+            <p:cNvSpPr/>
+            <p:nvPr/>
+          </p:nvSpPr>
+          <p:spPr>
+            <a:xfrm>
+              <a:off x="2873611" y="1962649"/>
+              <a:ext cx="1323049" cy="346760"/>
+            </a:xfrm>
+            <a:prstGeom prst="rect">
+              <a:avLst/>
+            </a:prstGeom>
+            <a:solidFill>
+              <a:schemeClr val="accent6">
+                <a:lumMod val="75000"/>
+              </a:schemeClr>
+            </a:solidFill>
+            <a:ln w="19050">
               <a:solidFill>
                 <a:schemeClr val="accent6">
                   <a:lumMod val="75000"/>
                 </a:schemeClr>
               </a:solidFill>
-            </a:endParaRPr>
-          </a:p>
-        </p:txBody>
-      </p:sp>
-      <p:sp>
-        <p:nvSpPr>
-          <p:cNvPr id="52" name="Rectangle 8"/>
-          <p:cNvSpPr/>
-          <p:nvPr/>
-        </p:nvSpPr>
-        <p:spPr>
-          <a:xfrm>
-            <a:off x="2873943" y="2558040"/>
-            <a:ext cx="1323049" cy="346760"/>
-          </a:xfrm>
-          <a:prstGeom prst="rect">
-            <a:avLst/>
-          </a:prstGeom>
-          <a:solidFill>
-            <a:schemeClr val="accent6">
-              <a:lumMod val="75000"/>
-            </a:schemeClr>
-          </a:solidFill>
-          <a:ln w="19050">
+            </a:ln>
+            <a:effectLst/>
+          </p:spPr>
+          <p:style>
+            <a:lnRef idx="1">
+              <a:schemeClr val="accent2"/>
+            </a:lnRef>
+            <a:fillRef idx="2">
+              <a:schemeClr val="accent2"/>
+            </a:fillRef>
+            <a:effectRef idx="1">
+              <a:schemeClr val="accent2"/>
+            </a:effectRef>
+            <a:fontRef idx="minor">
+              <a:schemeClr val="dk1"/>
+            </a:fontRef>
+          </p:style>
+          <p:txBody>
+            <a:bodyPr rtlCol="0" anchor="ctr"/>
+            <a:lstStyle/>
+            <a:p>
+              <a:pPr algn="ctr"/>
+              <a:r>
+                <a:rPr lang="en-US" sz="1050" dirty="0">
+                  <a:solidFill>
+                    <a:schemeClr val="bg1"/>
+                  </a:solidFill>
+                </a:rPr>
+                <a:t>&lt;&lt;interface&gt;&gt;</a:t>
+              </a:r>
+              <a:br>
+                <a:rPr lang="en-US" sz="1050" dirty="0">
+                  <a:solidFill>
+                    <a:schemeClr val="bg1"/>
+                  </a:solidFill>
+                </a:rPr>
+              </a:br>
+              <a:r>
+                <a:rPr lang="en-US" sz="1050" dirty="0" err="1">
+                  <a:solidFill>
+                    <a:schemeClr val="bg1"/>
+                  </a:solidFill>
+                </a:rPr>
+                <a:t>AddressBookStorage</a:t>
+              </a:r>
+              <a:endParaRPr lang="en-SG" sz="1050" dirty="0">
+                <a:solidFill>
+                  <a:schemeClr val="bg1"/>
+                </a:solidFill>
+              </a:endParaRPr>
+            </a:p>
+          </p:txBody>
+        </p:sp>
+        <p:cxnSp>
+          <p:nvCxnSpPr>
+            <p:cNvPr id="105" name="Straight Arrow Connector 104">
+              <a:extLst>
+                <a:ext uri="{FF2B5EF4-FFF2-40B4-BE49-F238E27FC236}">
+                  <a16:creationId xmlns:a16="http://schemas.microsoft.com/office/drawing/2014/main" id="{2657515C-596D-4A85-9B23-4A935EE8E140}"/>
+                </a:ext>
+              </a:extLst>
+            </p:cNvPr>
+            <p:cNvCxnSpPr>
+              <a:stCxn id="106" idx="3"/>
+              <a:endCxn id="104" idx="1"/>
+            </p:cNvCxnSpPr>
+            <p:nvPr/>
+          </p:nvCxnSpPr>
+          <p:spPr>
+            <a:xfrm>
+              <a:off x="2652801" y="2130745"/>
+              <a:ext cx="220810" cy="5284"/>
+            </a:xfrm>
+            <a:prstGeom prst="straightConnector1">
+              <a:avLst/>
+            </a:prstGeom>
+            <a:ln w="19050">
+              <a:solidFill>
+                <a:schemeClr val="accent6">
+                  <a:lumMod val="75000"/>
+                </a:schemeClr>
+              </a:solidFill>
+              <a:headEnd type="none" w="med" len="med"/>
+              <a:tailEnd type="arrow" w="med" len="med"/>
+            </a:ln>
+            <a:effectLst/>
+          </p:spPr>
+          <p:style>
+            <a:lnRef idx="1">
+              <a:schemeClr val="accent2"/>
+            </a:lnRef>
+            <a:fillRef idx="2">
+              <a:schemeClr val="accent2"/>
+            </a:fillRef>
+            <a:effectRef idx="1">
+              <a:schemeClr val="accent2"/>
+            </a:effectRef>
+            <a:fontRef idx="minor">
+              <a:schemeClr val="dk1"/>
+            </a:fontRef>
+          </p:style>
+        </p:cxnSp>
+        <p:sp>
+          <p:nvSpPr>
+            <p:cNvPr id="106" name="Flowchart: Decision 96">
+              <a:extLst>
+                <a:ext uri="{FF2B5EF4-FFF2-40B4-BE49-F238E27FC236}">
+                  <a16:creationId xmlns:a16="http://schemas.microsoft.com/office/drawing/2014/main" id="{AB89345C-B514-440E-8516-33AF5DE43F2B}"/>
+                </a:ext>
+              </a:extLst>
+            </p:cNvPr>
+            <p:cNvSpPr/>
+            <p:nvPr/>
+          </p:nvSpPr>
+          <p:spPr>
+            <a:xfrm>
+              <a:off x="2416753" y="2044055"/>
+              <a:ext cx="236048" cy="173380"/>
+            </a:xfrm>
+            <a:prstGeom prst="flowChartDecision">
+              <a:avLst/>
+            </a:prstGeom>
+            <a:noFill/>
+            <a:ln w="19050">
+              <a:solidFill>
+                <a:schemeClr val="accent6">
+                  <a:lumMod val="75000"/>
+                </a:schemeClr>
+              </a:solidFill>
+            </a:ln>
+            <a:effectLst/>
+          </p:spPr>
+          <p:style>
+            <a:lnRef idx="1">
+              <a:schemeClr val="accent2"/>
+            </a:lnRef>
+            <a:fillRef idx="2">
+              <a:schemeClr val="accent2"/>
+            </a:fillRef>
+            <a:effectRef idx="1">
+              <a:schemeClr val="accent2"/>
+            </a:effectRef>
+            <a:fontRef idx="minor">
+              <a:schemeClr val="dk1"/>
+            </a:fontRef>
+          </p:style>
+          <p:txBody>
+            <a:bodyPr rtlCol="0" anchor="ctr"/>
+            <a:lstStyle/>
+            <a:p>
+              <a:pPr algn="ctr"/>
+              <a:endParaRPr lang="en-US" sz="1050">
+                <a:solidFill>
+                  <a:schemeClr val="bg1"/>
+                </a:solidFill>
+              </a:endParaRPr>
+            </a:p>
+          </p:txBody>
+        </p:sp>
+        <p:cxnSp>
+          <p:nvCxnSpPr>
+            <p:cNvPr id="107" name="Elbow Connector 63">
+              <a:extLst>
+                <a:ext uri="{FF2B5EF4-FFF2-40B4-BE49-F238E27FC236}">
+                  <a16:creationId xmlns:a16="http://schemas.microsoft.com/office/drawing/2014/main" id="{64CD6CB5-AD77-43EC-B262-91F904E6A835}"/>
+                </a:ext>
+              </a:extLst>
+            </p:cNvPr>
+            <p:cNvCxnSpPr>
+              <a:stCxn id="108" idx="3"/>
+              <a:endCxn id="110" idx="1"/>
+            </p:cNvCxnSpPr>
+            <p:nvPr/>
+          </p:nvCxnSpPr>
+          <p:spPr>
+            <a:xfrm flipV="1">
+              <a:off x="4394471" y="2136026"/>
+              <a:ext cx="223322" cy="3"/>
+            </a:xfrm>
+            <a:prstGeom prst="bentConnector3">
+              <a:avLst>
+                <a:gd name="adj1" fmla="val 50000"/>
+              </a:avLst>
+            </a:prstGeom>
+            <a:ln w="19050">
+              <a:solidFill>
+                <a:schemeClr val="accent6">
+                  <a:lumMod val="75000"/>
+                </a:schemeClr>
+              </a:solidFill>
+              <a:prstDash val="sysDot"/>
+              <a:headEnd type="none" w="med" len="med"/>
+              <a:tailEnd type="none" w="med" len="med"/>
+            </a:ln>
+            <a:effectLst/>
+          </p:spPr>
+          <p:style>
+            <a:lnRef idx="1">
+              <a:schemeClr val="accent2"/>
+            </a:lnRef>
+            <a:fillRef idx="2">
+              <a:schemeClr val="accent2"/>
+            </a:fillRef>
+            <a:effectRef idx="1">
+              <a:schemeClr val="accent2"/>
+            </a:effectRef>
+            <a:fontRef idx="minor">
+              <a:schemeClr val="dk1"/>
+            </a:fontRef>
+          </p:style>
+        </p:cxnSp>
+        <p:sp>
+          <p:nvSpPr>
+            <p:cNvPr id="108" name="Isosceles Triangle 102">
+              <a:extLst>
+                <a:ext uri="{FF2B5EF4-FFF2-40B4-BE49-F238E27FC236}">
+                  <a16:creationId xmlns:a16="http://schemas.microsoft.com/office/drawing/2014/main" id="{7D0305CA-448A-41D0-BA0D-2ED0A1766859}"/>
+                </a:ext>
+              </a:extLst>
+            </p:cNvPr>
+            <p:cNvSpPr/>
+            <p:nvPr/>
+          </p:nvSpPr>
+          <p:spPr>
+            <a:xfrm rot="5400000" flipV="1">
+              <a:off x="4171457" y="2048267"/>
+              <a:ext cx="270504" cy="175523"/>
+            </a:xfrm>
+            <a:prstGeom prst="triangle">
+              <a:avLst/>
+            </a:prstGeom>
             <a:solidFill>
               <a:schemeClr val="accent6">
                 <a:lumMod val="75000"/>
               </a:schemeClr>
             </a:solidFill>
-          </a:ln>
-          <a:effectLst/>
-        </p:spPr>
-        <p:style>
-          <a:lnRef idx="1">
-            <a:schemeClr val="accent2"/>
-          </a:lnRef>
-          <a:fillRef idx="2">
-            <a:schemeClr val="accent2"/>
-          </a:fillRef>
-          <a:effectRef idx="1">
-            <a:schemeClr val="accent2"/>
-          </a:effectRef>
-          <a:fontRef idx="minor">
-            <a:schemeClr val="dk1"/>
-          </a:fontRef>
-        </p:style>
-        <p:txBody>
-          <a:bodyPr rtlCol="0" anchor="ctr"/>
-          <a:lstStyle/>
-          <a:p>
-            <a:pPr algn="ctr"/>
-            <a:r>
-              <a:rPr lang="en-US" sz="1050" dirty="0">
+            <a:ln w="19050">
+              <a:solidFill>
+                <a:schemeClr val="accent6">
+                  <a:lumMod val="75000"/>
+                </a:schemeClr>
+              </a:solidFill>
+            </a:ln>
+            <a:effectLst/>
+          </p:spPr>
+          <p:style>
+            <a:lnRef idx="1">
+              <a:schemeClr val="accent2"/>
+            </a:lnRef>
+            <a:fillRef idx="2">
+              <a:schemeClr val="accent2"/>
+            </a:fillRef>
+            <a:effectRef idx="1">
+              <a:schemeClr val="accent2"/>
+            </a:effectRef>
+            <a:fontRef idx="minor">
+              <a:schemeClr val="dk1"/>
+            </a:fontRef>
+          </p:style>
+          <p:txBody>
+            <a:bodyPr rtlCol="0" anchor="ctr"/>
+            <a:lstStyle/>
+            <a:p>
+              <a:pPr algn="ctr"/>
+              <a:endParaRPr lang="en-SG" sz="1050">
                 <a:solidFill>
                   <a:schemeClr val="bg1"/>
                 </a:solidFill>
-              </a:rPr>
-              <a:t>&lt;&lt;interface&gt;&gt;</a:t>
-            </a:r>
-            <a:br>
-              <a:rPr lang="en-US" sz="1050" dirty="0">
+              </a:endParaRPr>
+            </a:p>
+          </p:txBody>
+        </p:sp>
+        <p:cxnSp>
+          <p:nvCxnSpPr>
+            <p:cNvPr id="109" name="Elbow Connector 122">
+              <a:extLst>
+                <a:ext uri="{FF2B5EF4-FFF2-40B4-BE49-F238E27FC236}">
+                  <a16:creationId xmlns:a16="http://schemas.microsoft.com/office/drawing/2014/main" id="{5E8CA0F0-6AEF-4117-A247-B89FB6C6AFFE}"/>
+                </a:ext>
+              </a:extLst>
+            </p:cNvPr>
+            <p:cNvCxnSpPr>
+              <a:stCxn id="110" idx="3"/>
+              <a:endCxn id="111" idx="1"/>
+            </p:cNvCxnSpPr>
+            <p:nvPr/>
+          </p:nvCxnSpPr>
+          <p:spPr>
+            <a:xfrm>
+              <a:off x="5787628" y="2136026"/>
+              <a:ext cx="228600" cy="1970"/>
+            </a:xfrm>
+            <a:prstGeom prst="bentConnector3">
+              <a:avLst>
+                <a:gd name="adj1" fmla="val 50000"/>
+              </a:avLst>
+            </a:prstGeom>
+            <a:ln w="19050">
+              <a:solidFill>
+                <a:schemeClr val="accent6">
+                  <a:lumMod val="75000"/>
+                </a:schemeClr>
+              </a:solidFill>
+              <a:prstDash val="sysDot"/>
+              <a:headEnd type="none" w="med" len="med"/>
+              <a:tailEnd type="arrow" w="med" len="med"/>
+            </a:ln>
+            <a:effectLst/>
+          </p:spPr>
+          <p:style>
+            <a:lnRef idx="1">
+              <a:schemeClr val="accent2"/>
+            </a:lnRef>
+            <a:fillRef idx="2">
+              <a:schemeClr val="accent2"/>
+            </a:fillRef>
+            <a:effectRef idx="1">
+              <a:schemeClr val="accent2"/>
+            </a:effectRef>
+            <a:fontRef idx="minor">
+              <a:schemeClr val="dk1"/>
+            </a:fontRef>
+          </p:style>
+        </p:cxnSp>
+        <p:sp>
+          <p:nvSpPr>
+            <p:cNvPr id="110" name="Rectangle 8">
+              <a:extLst>
+                <a:ext uri="{FF2B5EF4-FFF2-40B4-BE49-F238E27FC236}">
+                  <a16:creationId xmlns:a16="http://schemas.microsoft.com/office/drawing/2014/main" id="{2C2EDDD5-8608-486B-8AF7-298EF77F6E3C}"/>
+                </a:ext>
+              </a:extLst>
+            </p:cNvPr>
+            <p:cNvSpPr/>
+            <p:nvPr/>
+          </p:nvSpPr>
+          <p:spPr>
+            <a:xfrm>
+              <a:off x="4617793" y="1962646"/>
+              <a:ext cx="1169835" cy="346760"/>
+            </a:xfrm>
+            <a:prstGeom prst="rect">
+              <a:avLst/>
+            </a:prstGeom>
+            <a:ln w="19050"/>
+            <a:effectLst/>
+          </p:spPr>
+          <p:style>
+            <a:lnRef idx="1">
+              <a:schemeClr val="accent6"/>
+            </a:lnRef>
+            <a:fillRef idx="2">
+              <a:schemeClr val="accent6"/>
+            </a:fillRef>
+            <a:effectRef idx="1">
+              <a:schemeClr val="accent6"/>
+            </a:effectRef>
+            <a:fontRef idx="minor">
+              <a:schemeClr val="dk1"/>
+            </a:fontRef>
+          </p:style>
+          <p:txBody>
+            <a:bodyPr rtlCol="0" anchor="ctr"/>
+            <a:lstStyle/>
+            <a:p>
+              <a:pPr algn="ctr"/>
+              <a:r>
+                <a:rPr lang="en-US" sz="1050" b="1" dirty="0" err="1">
+                  <a:solidFill>
+                    <a:schemeClr val="accent6">
+                      <a:lumMod val="75000"/>
+                    </a:schemeClr>
+                  </a:solidFill>
+                </a:rPr>
+                <a:t>JsonTable</a:t>
+              </a:r>
+              <a:br>
+                <a:rPr lang="en-US" sz="1050" b="1" dirty="0">
+                  <a:solidFill>
+                    <a:schemeClr val="accent6">
+                      <a:lumMod val="75000"/>
+                    </a:schemeClr>
+                  </a:solidFill>
+                </a:rPr>
+              </a:br>
+              <a:r>
+                <a:rPr lang="en-US" sz="1050" b="1" dirty="0">
+                  <a:solidFill>
+                    <a:schemeClr val="accent6">
+                      <a:lumMod val="75000"/>
+                    </a:schemeClr>
+                  </a:solidFill>
+                </a:rPr>
+                <a:t>Storage</a:t>
+              </a:r>
+              <a:endParaRPr lang="en-SG" sz="1050" b="1" dirty="0">
                 <a:solidFill>
-                  <a:schemeClr val="bg1"/>
+                  <a:schemeClr val="accent6">
+                    <a:lumMod val="75000"/>
+                  </a:schemeClr>
                 </a:solidFill>
-              </a:rPr>
-            </a:br>
-            <a:r>
-              <a:rPr lang="en-US" sz="1050" dirty="0" err="1">
+              </a:endParaRPr>
+            </a:p>
+          </p:txBody>
+        </p:sp>
+        <p:sp>
+          <p:nvSpPr>
+            <p:cNvPr id="111" name="Rectangle 8">
+              <a:extLst>
+                <a:ext uri="{FF2B5EF4-FFF2-40B4-BE49-F238E27FC236}">
+                  <a16:creationId xmlns:a16="http://schemas.microsoft.com/office/drawing/2014/main" id="{FF74BAE6-AD0F-4247-8097-0EDA6C1E7C1D}"/>
+                </a:ext>
+              </a:extLst>
+            </p:cNvPr>
+            <p:cNvSpPr/>
+            <p:nvPr/>
+          </p:nvSpPr>
+          <p:spPr>
+            <a:xfrm>
+              <a:off x="6016228" y="1964616"/>
+              <a:ext cx="1200707" cy="346760"/>
+            </a:xfrm>
+            <a:prstGeom prst="rect">
+              <a:avLst/>
+            </a:prstGeom>
+            <a:ln w="19050"/>
+            <a:effectLst/>
+          </p:spPr>
+          <p:style>
+            <a:lnRef idx="1">
+              <a:schemeClr val="accent6"/>
+            </a:lnRef>
+            <a:fillRef idx="2">
+              <a:schemeClr val="accent6"/>
+            </a:fillRef>
+            <a:effectRef idx="1">
+              <a:schemeClr val="accent6"/>
+            </a:effectRef>
+            <a:fontRef idx="minor">
+              <a:schemeClr val="dk1"/>
+            </a:fontRef>
+          </p:style>
+          <p:txBody>
+            <a:bodyPr rtlCol="0" anchor="ctr"/>
+            <a:lstStyle/>
+            <a:p>
+              <a:pPr algn="ctr"/>
+              <a:r>
+                <a:rPr lang="en-US" sz="1050" b="1" dirty="0" err="1">
+                  <a:solidFill>
+                    <a:schemeClr val="accent6">
+                      <a:lumMod val="75000"/>
+                    </a:schemeClr>
+                  </a:solidFill>
+                </a:rPr>
+                <a:t>JsonSerializable</a:t>
+              </a:r>
+              <a:br>
+                <a:rPr lang="en-US" sz="1050" b="1" dirty="0">
+                  <a:solidFill>
+                    <a:schemeClr val="accent6">
+                      <a:lumMod val="75000"/>
+                    </a:schemeClr>
+                  </a:solidFill>
+                </a:rPr>
+              </a:br>
+              <a:r>
+                <a:rPr lang="en-US" sz="1050" b="1" dirty="0">
+                  <a:solidFill>
+                    <a:schemeClr val="accent6">
+                      <a:lumMod val="75000"/>
+                    </a:schemeClr>
+                  </a:solidFill>
+                </a:rPr>
+                <a:t>Table</a:t>
+              </a:r>
+              <a:endParaRPr lang="en-SG" sz="1050" b="1" dirty="0">
                 <a:solidFill>
-                  <a:schemeClr val="bg1"/>
+                  <a:schemeClr val="accent6">
+                    <a:lumMod val="75000"/>
+                  </a:schemeClr>
                 </a:solidFill>
-              </a:rPr>
-              <a:t>UserPrefsStorage</a:t>
-            </a:r>
-            <a:endParaRPr lang="en-SG" sz="1050" dirty="0">
-              <a:solidFill>
-                <a:schemeClr val="bg1"/>
-              </a:solidFill>
-            </a:endParaRPr>
-          </a:p>
-        </p:txBody>
-      </p:sp>
-      <p:cxnSp>
-        <p:nvCxnSpPr>
-          <p:cNvPr id="54" name="Straight Arrow Connector 53"/>
-          <p:cNvCxnSpPr>
-            <a:stCxn id="56" idx="3"/>
-            <a:endCxn id="52" idx="1"/>
-          </p:cNvCxnSpPr>
-          <p:nvPr/>
-        </p:nvCxnSpPr>
-        <p:spPr>
-          <a:xfrm>
-            <a:off x="2653133" y="2726136"/>
-            <a:ext cx="220810" cy="5284"/>
-          </a:xfrm>
-          <a:prstGeom prst="straightConnector1">
-            <a:avLst/>
-          </a:prstGeom>
-          <a:ln w="19050">
+              </a:endParaRPr>
+            </a:p>
+          </p:txBody>
+        </p:sp>
+        <p:sp>
+          <p:nvSpPr>
+            <p:cNvPr id="114" name="Rectangle 8">
+              <a:extLst>
+                <a:ext uri="{FF2B5EF4-FFF2-40B4-BE49-F238E27FC236}">
+                  <a16:creationId xmlns:a16="http://schemas.microsoft.com/office/drawing/2014/main" id="{5CD5A744-0904-497B-8221-F5F3D92D0CD3}"/>
+                </a:ext>
+              </a:extLst>
+            </p:cNvPr>
+            <p:cNvSpPr/>
+            <p:nvPr/>
+          </p:nvSpPr>
+          <p:spPr>
+            <a:xfrm>
+              <a:off x="7612166" y="1963830"/>
+              <a:ext cx="1259718" cy="346760"/>
+            </a:xfrm>
+            <a:prstGeom prst="rect">
+              <a:avLst/>
+            </a:prstGeom>
+            <a:ln w="19050"/>
+            <a:effectLst/>
+          </p:spPr>
+          <p:style>
+            <a:lnRef idx="1">
+              <a:schemeClr val="accent6"/>
+            </a:lnRef>
+            <a:fillRef idx="2">
+              <a:schemeClr val="accent6"/>
+            </a:fillRef>
+            <a:effectRef idx="1">
+              <a:schemeClr val="accent6"/>
+            </a:effectRef>
+            <a:fontRef idx="minor">
+              <a:schemeClr val="dk1"/>
+            </a:fontRef>
+          </p:style>
+          <p:txBody>
+            <a:bodyPr rtlCol="0" anchor="ctr"/>
+            <a:lstStyle/>
+            <a:p>
+              <a:pPr algn="ctr"/>
+              <a:r>
+                <a:rPr lang="en-US" sz="1030" b="1" dirty="0" err="1">
+                  <a:solidFill>
+                    <a:schemeClr val="accent6">
+                      <a:lumMod val="75000"/>
+                    </a:schemeClr>
+                  </a:solidFill>
+                </a:rPr>
+                <a:t>JsonAdaptedTable</a:t>
+              </a:r>
+              <a:endParaRPr lang="en-SG" sz="1030" b="1" dirty="0">
+                <a:solidFill>
+                  <a:schemeClr val="accent6">
+                    <a:lumMod val="75000"/>
+                  </a:schemeClr>
+                </a:solidFill>
+              </a:endParaRPr>
+            </a:p>
+          </p:txBody>
+        </p:sp>
+        <p:cxnSp>
+          <p:nvCxnSpPr>
+            <p:cNvPr id="115" name="Elbow Connector 122">
+              <a:extLst>
+                <a:ext uri="{FF2B5EF4-FFF2-40B4-BE49-F238E27FC236}">
+                  <a16:creationId xmlns:a16="http://schemas.microsoft.com/office/drawing/2014/main" id="{727C1BE8-E1EB-4ED6-8A64-E0C428B8E359}"/>
+                </a:ext>
+              </a:extLst>
+            </p:cNvPr>
+            <p:cNvCxnSpPr>
+              <a:cxnSpLocks/>
+              <a:stCxn id="111" idx="3"/>
+              <a:endCxn id="114" idx="1"/>
+            </p:cNvCxnSpPr>
+            <p:nvPr/>
+          </p:nvCxnSpPr>
+          <p:spPr>
+            <a:xfrm flipV="1">
+              <a:off x="7216935" y="2137210"/>
+              <a:ext cx="395231" cy="786"/>
+            </a:xfrm>
+            <a:prstGeom prst="bentConnector3">
+              <a:avLst>
+                <a:gd name="adj1" fmla="val 50000"/>
+              </a:avLst>
+            </a:prstGeom>
+            <a:ln w="19050">
+              <a:prstDash val="sysDot"/>
+              <a:headEnd type="none" w="med" len="med"/>
+              <a:tailEnd type="arrow" w="med" len="med"/>
+            </a:ln>
+            <a:effectLst/>
+          </p:spPr>
+          <p:style>
+            <a:lnRef idx="1">
+              <a:schemeClr val="accent6"/>
+            </a:lnRef>
+            <a:fillRef idx="2">
+              <a:schemeClr val="accent6"/>
+            </a:fillRef>
+            <a:effectRef idx="1">
+              <a:schemeClr val="accent6"/>
+            </a:effectRef>
+            <a:fontRef idx="minor">
+              <a:schemeClr val="dk1"/>
+            </a:fontRef>
+          </p:style>
+        </p:cxnSp>
+        <p:sp>
+          <p:nvSpPr>
+            <p:cNvPr id="116" name="Rectangle 8">
+              <a:extLst>
+                <a:ext uri="{FF2B5EF4-FFF2-40B4-BE49-F238E27FC236}">
+                  <a16:creationId xmlns:a16="http://schemas.microsoft.com/office/drawing/2014/main" id="{CA073D42-6F74-4B55-81D6-6E9DA449C158}"/>
+                </a:ext>
+              </a:extLst>
+            </p:cNvPr>
+            <p:cNvSpPr/>
+            <p:nvPr/>
+          </p:nvSpPr>
+          <p:spPr>
+            <a:xfrm>
+              <a:off x="2873611" y="3772965"/>
+              <a:ext cx="1323049" cy="346760"/>
+            </a:xfrm>
+            <a:prstGeom prst="rect">
+              <a:avLst/>
+            </a:prstGeom>
             <a:solidFill>
               <a:schemeClr val="accent6">
                 <a:lumMod val="75000"/>
               </a:schemeClr>
             </a:solidFill>
-            <a:headEnd type="none" w="med" len="med"/>
-            <a:tailEnd type="arrow" w="med" len="med"/>
-          </a:ln>
-          <a:effectLst/>
-        </p:spPr>
-        <p:style>
-          <a:lnRef idx="1">
-            <a:schemeClr val="accent2"/>
-          </a:lnRef>
-          <a:fillRef idx="2">
-            <a:schemeClr val="accent2"/>
-          </a:fillRef>
-          <a:effectRef idx="1">
-            <a:schemeClr val="accent2"/>
-          </a:effectRef>
-          <a:fontRef idx="minor">
-            <a:schemeClr val="dk1"/>
-          </a:fontRef>
-        </p:style>
-      </p:cxnSp>
-      <p:sp>
-        <p:nvSpPr>
-          <p:cNvPr id="56" name="Flowchart: Decision 96"/>
-          <p:cNvSpPr/>
-          <p:nvPr/>
-        </p:nvSpPr>
-        <p:spPr>
-          <a:xfrm>
-            <a:off x="2417085" y="2639446"/>
-            <a:ext cx="236048" cy="173380"/>
-          </a:xfrm>
-          <a:prstGeom prst="flowChartDecision">
-            <a:avLst/>
-          </a:prstGeom>
-          <a:noFill/>
-          <a:ln w="19050">
+            <a:ln w="19050">
+              <a:solidFill>
+                <a:schemeClr val="accent6">
+                  <a:lumMod val="75000"/>
+                </a:schemeClr>
+              </a:solidFill>
+            </a:ln>
+            <a:effectLst/>
+          </p:spPr>
+          <p:style>
+            <a:lnRef idx="1">
+              <a:schemeClr val="accent2"/>
+            </a:lnRef>
+            <a:fillRef idx="2">
+              <a:schemeClr val="accent2"/>
+            </a:fillRef>
+            <a:effectRef idx="1">
+              <a:schemeClr val="accent2"/>
+            </a:effectRef>
+            <a:fontRef idx="minor">
+              <a:schemeClr val="dk1"/>
+            </a:fontRef>
+          </p:style>
+          <p:txBody>
+            <a:bodyPr rtlCol="0" anchor="ctr"/>
+            <a:lstStyle/>
+            <a:p>
+              <a:pPr algn="ctr"/>
+              <a:r>
+                <a:rPr lang="en-US" sz="1050" dirty="0">
+                  <a:solidFill>
+                    <a:schemeClr val="bg1"/>
+                  </a:solidFill>
+                </a:rPr>
+                <a:t>&lt;&lt;interface&gt;&gt;</a:t>
+              </a:r>
+              <a:br>
+                <a:rPr lang="en-US" sz="1050" dirty="0">
+                  <a:solidFill>
+                    <a:schemeClr val="bg1"/>
+                  </a:solidFill>
+                </a:rPr>
+              </a:br>
+              <a:r>
+                <a:rPr lang="en-US" sz="1050" dirty="0" err="1">
+                  <a:solidFill>
+                    <a:schemeClr val="bg1"/>
+                  </a:solidFill>
+                </a:rPr>
+                <a:t>MenuStorage</a:t>
+              </a:r>
+              <a:endParaRPr lang="en-SG" sz="1050" dirty="0">
+                <a:solidFill>
+                  <a:schemeClr val="bg1"/>
+                </a:solidFill>
+              </a:endParaRPr>
+            </a:p>
+          </p:txBody>
+        </p:sp>
+        <p:cxnSp>
+          <p:nvCxnSpPr>
+            <p:cNvPr id="117" name="Straight Arrow Connector 116">
+              <a:extLst>
+                <a:ext uri="{FF2B5EF4-FFF2-40B4-BE49-F238E27FC236}">
+                  <a16:creationId xmlns:a16="http://schemas.microsoft.com/office/drawing/2014/main" id="{7C10D355-99D2-4FB3-81F1-20CAF130CE02}"/>
+                </a:ext>
+              </a:extLst>
+            </p:cNvPr>
+            <p:cNvCxnSpPr>
+              <a:stCxn id="121" idx="3"/>
+              <a:endCxn id="116" idx="1"/>
+            </p:cNvCxnSpPr>
+            <p:nvPr/>
+          </p:nvCxnSpPr>
+          <p:spPr>
+            <a:xfrm>
+              <a:off x="2652801" y="3941061"/>
+              <a:ext cx="220810" cy="5284"/>
+            </a:xfrm>
+            <a:prstGeom prst="straightConnector1">
+              <a:avLst/>
+            </a:prstGeom>
+            <a:ln w="19050">
+              <a:solidFill>
+                <a:schemeClr val="accent6">
+                  <a:lumMod val="75000"/>
+                </a:schemeClr>
+              </a:solidFill>
+              <a:headEnd type="none" w="med" len="med"/>
+              <a:tailEnd type="arrow" w="med" len="med"/>
+            </a:ln>
+            <a:effectLst/>
+          </p:spPr>
+          <p:style>
+            <a:lnRef idx="1">
+              <a:schemeClr val="accent2"/>
+            </a:lnRef>
+            <a:fillRef idx="2">
+              <a:schemeClr val="accent2"/>
+            </a:fillRef>
+            <a:effectRef idx="1">
+              <a:schemeClr val="accent2"/>
+            </a:effectRef>
+            <a:fontRef idx="minor">
+              <a:schemeClr val="dk1"/>
+            </a:fontRef>
+          </p:style>
+        </p:cxnSp>
+        <p:sp>
+          <p:nvSpPr>
+            <p:cNvPr id="121" name="Flowchart: Decision 96">
+              <a:extLst>
+                <a:ext uri="{FF2B5EF4-FFF2-40B4-BE49-F238E27FC236}">
+                  <a16:creationId xmlns:a16="http://schemas.microsoft.com/office/drawing/2014/main" id="{D74CD88A-4943-451F-8A65-2C8209E3F110}"/>
+                </a:ext>
+              </a:extLst>
+            </p:cNvPr>
+            <p:cNvSpPr/>
+            <p:nvPr/>
+          </p:nvSpPr>
+          <p:spPr>
+            <a:xfrm>
+              <a:off x="2416753" y="3854371"/>
+              <a:ext cx="236048" cy="173380"/>
+            </a:xfrm>
+            <a:prstGeom prst="flowChartDecision">
+              <a:avLst/>
+            </a:prstGeom>
+            <a:noFill/>
+            <a:ln w="19050">
+              <a:solidFill>
+                <a:schemeClr val="accent6">
+                  <a:lumMod val="75000"/>
+                </a:schemeClr>
+              </a:solidFill>
+            </a:ln>
+            <a:effectLst/>
+          </p:spPr>
+          <p:style>
+            <a:lnRef idx="1">
+              <a:schemeClr val="accent2"/>
+            </a:lnRef>
+            <a:fillRef idx="2">
+              <a:schemeClr val="accent2"/>
+            </a:fillRef>
+            <a:effectRef idx="1">
+              <a:schemeClr val="accent2"/>
+            </a:effectRef>
+            <a:fontRef idx="minor">
+              <a:schemeClr val="dk1"/>
+            </a:fontRef>
+          </p:style>
+          <p:txBody>
+            <a:bodyPr rtlCol="0" anchor="ctr"/>
+            <a:lstStyle/>
+            <a:p>
+              <a:pPr algn="ctr"/>
+              <a:endParaRPr lang="en-US" sz="1050">
+                <a:solidFill>
+                  <a:schemeClr val="bg1"/>
+                </a:solidFill>
+              </a:endParaRPr>
+            </a:p>
+          </p:txBody>
+        </p:sp>
+        <p:cxnSp>
+          <p:nvCxnSpPr>
+            <p:cNvPr id="122" name="Elbow Connector 63">
+              <a:extLst>
+                <a:ext uri="{FF2B5EF4-FFF2-40B4-BE49-F238E27FC236}">
+                  <a16:creationId xmlns:a16="http://schemas.microsoft.com/office/drawing/2014/main" id="{EA627310-CC1F-4987-A783-5008E32D3425}"/>
+                </a:ext>
+              </a:extLst>
+            </p:cNvPr>
+            <p:cNvCxnSpPr>
+              <a:cxnSpLocks/>
+              <a:stCxn id="123" idx="3"/>
+              <a:endCxn id="126" idx="1"/>
+            </p:cNvCxnSpPr>
+            <p:nvPr/>
+          </p:nvCxnSpPr>
+          <p:spPr>
+            <a:xfrm flipV="1">
+              <a:off x="4394471" y="3946342"/>
+              <a:ext cx="223322" cy="3"/>
+            </a:xfrm>
+            <a:prstGeom prst="bentConnector3">
+              <a:avLst>
+                <a:gd name="adj1" fmla="val 50000"/>
+              </a:avLst>
+            </a:prstGeom>
+            <a:ln w="19050">
+              <a:solidFill>
+                <a:schemeClr val="accent6">
+                  <a:lumMod val="75000"/>
+                </a:schemeClr>
+              </a:solidFill>
+              <a:prstDash val="sysDot"/>
+              <a:headEnd type="none" w="med" len="med"/>
+              <a:tailEnd type="none" w="med" len="med"/>
+            </a:ln>
+            <a:effectLst/>
+          </p:spPr>
+          <p:style>
+            <a:lnRef idx="1">
+              <a:schemeClr val="accent2"/>
+            </a:lnRef>
+            <a:fillRef idx="2">
+              <a:schemeClr val="accent2"/>
+            </a:fillRef>
+            <a:effectRef idx="1">
+              <a:schemeClr val="accent2"/>
+            </a:effectRef>
+            <a:fontRef idx="minor">
+              <a:schemeClr val="dk1"/>
+            </a:fontRef>
+          </p:style>
+        </p:cxnSp>
+        <p:sp>
+          <p:nvSpPr>
+            <p:cNvPr id="123" name="Isosceles Triangle 102">
+              <a:extLst>
+                <a:ext uri="{FF2B5EF4-FFF2-40B4-BE49-F238E27FC236}">
+                  <a16:creationId xmlns:a16="http://schemas.microsoft.com/office/drawing/2014/main" id="{AF1D22DD-78B0-441D-8B05-18C64901A82D}"/>
+                </a:ext>
+              </a:extLst>
+            </p:cNvPr>
+            <p:cNvSpPr/>
+            <p:nvPr/>
+          </p:nvSpPr>
+          <p:spPr>
+            <a:xfrm rot="5400000" flipV="1">
+              <a:off x="4171457" y="3858583"/>
+              <a:ext cx="270504" cy="175523"/>
+            </a:xfrm>
+            <a:prstGeom prst="triangle">
+              <a:avLst/>
+            </a:prstGeom>
             <a:solidFill>
               <a:schemeClr val="accent6">
                 <a:lumMod val="75000"/>
               </a:schemeClr>
             </a:solidFill>
-          </a:ln>
-          <a:effectLst/>
-        </p:spPr>
-        <p:style>
-          <a:lnRef idx="1">
-            <a:schemeClr val="accent2"/>
-          </a:lnRef>
-          <a:fillRef idx="2">
-            <a:schemeClr val="accent2"/>
-          </a:fillRef>
-          <a:effectRef idx="1">
-            <a:schemeClr val="accent2"/>
-          </a:effectRef>
-          <a:fontRef idx="minor">
-            <a:schemeClr val="dk1"/>
-          </a:fontRef>
-        </p:style>
-        <p:txBody>
-          <a:bodyPr rtlCol="0" anchor="ctr"/>
-          <a:lstStyle/>
-          <a:p>
-            <a:pPr algn="ctr"/>
-            <a:endParaRPr lang="en-US" sz="1050">
+            <a:ln w="19050">
               <a:solidFill>
-                <a:schemeClr val="bg1"/>
+                <a:schemeClr val="accent6">
+                  <a:lumMod val="75000"/>
+                </a:schemeClr>
               </a:solidFill>
-            </a:endParaRPr>
-          </a:p>
-        </p:txBody>
-      </p:sp>
-      <p:cxnSp>
-        <p:nvCxnSpPr>
-          <p:cNvPr id="60" name="Elbow Connector 63"/>
-          <p:cNvCxnSpPr>
-            <a:stCxn id="61" idx="3"/>
-            <a:endCxn id="65" idx="1"/>
-          </p:cNvCxnSpPr>
-          <p:nvPr/>
-        </p:nvCxnSpPr>
-        <p:spPr>
-          <a:xfrm flipV="1">
-            <a:off x="4394804" y="2731420"/>
-            <a:ext cx="223324" cy="1"/>
-          </a:xfrm>
-          <a:prstGeom prst="bentConnector3">
-            <a:avLst>
-              <a:gd name="adj1" fmla="val 50000"/>
-            </a:avLst>
-          </a:prstGeom>
-          <a:ln w="19050">
-            <a:solidFill>
-              <a:schemeClr val="accent6">
-                <a:lumMod val="75000"/>
-              </a:schemeClr>
-            </a:solidFill>
-            <a:prstDash val="sysDot"/>
-            <a:headEnd type="none" w="med" len="med"/>
-            <a:tailEnd type="none" w="med" len="med"/>
-          </a:ln>
-          <a:effectLst/>
-        </p:spPr>
-        <p:style>
-          <a:lnRef idx="1">
-            <a:schemeClr val="accent2"/>
-          </a:lnRef>
-          <a:fillRef idx="2">
-            <a:schemeClr val="accent2"/>
-          </a:fillRef>
-          <a:effectRef idx="1">
-            <a:schemeClr val="accent2"/>
-          </a:effectRef>
-          <a:fontRef idx="minor">
-            <a:schemeClr val="dk1"/>
-          </a:fontRef>
-        </p:style>
-      </p:cxnSp>
-      <p:sp>
-        <p:nvSpPr>
-          <p:cNvPr id="61" name="Isosceles Triangle 102"/>
-          <p:cNvSpPr/>
-          <p:nvPr/>
-        </p:nvSpPr>
-        <p:spPr>
-          <a:xfrm rot="5400000" flipV="1">
-            <a:off x="4171790" y="2643659"/>
-            <a:ext cx="270504" cy="175523"/>
-          </a:xfrm>
-          <a:prstGeom prst="triangle">
-            <a:avLst/>
-          </a:prstGeom>
-          <a:solidFill>
-            <a:schemeClr val="accent6">
-              <a:lumMod val="75000"/>
-            </a:schemeClr>
-          </a:solidFill>
-          <a:ln w="19050">
-            <a:solidFill>
-              <a:schemeClr val="accent6">
-                <a:lumMod val="75000"/>
-              </a:schemeClr>
-            </a:solidFill>
-          </a:ln>
-          <a:effectLst/>
-        </p:spPr>
-        <p:style>
-          <a:lnRef idx="1">
-            <a:schemeClr val="accent2"/>
-          </a:lnRef>
-          <a:fillRef idx="2">
-            <a:schemeClr val="accent2"/>
-          </a:fillRef>
-          <a:effectRef idx="1">
-            <a:schemeClr val="accent2"/>
-          </a:effectRef>
-          <a:fontRef idx="minor">
-            <a:schemeClr val="dk1"/>
-          </a:fontRef>
-        </p:style>
-        <p:txBody>
-          <a:bodyPr rtlCol="0" anchor="ctr"/>
-          <a:lstStyle/>
-          <a:p>
-            <a:pPr algn="ctr"/>
-            <a:endParaRPr lang="en-SG" sz="1050">
-              <a:solidFill>
-                <a:schemeClr val="bg1"/>
-              </a:solidFill>
-            </a:endParaRPr>
-          </a:p>
-        </p:txBody>
-      </p:sp>
-      <p:sp>
-        <p:nvSpPr>
-          <p:cNvPr id="65" name="Rectangle 8"/>
-          <p:cNvSpPr/>
-          <p:nvPr/>
-        </p:nvSpPr>
-        <p:spPr>
-          <a:xfrm>
-            <a:off x="4618128" y="2558040"/>
-            <a:ext cx="1093635" cy="346760"/>
-          </a:xfrm>
-          <a:prstGeom prst="rect">
-            <a:avLst/>
-          </a:prstGeom>
-          <a:solidFill>
-            <a:schemeClr val="accent6">
-              <a:lumMod val="75000"/>
-            </a:schemeClr>
-          </a:solidFill>
-          <a:ln w="19050">
-            <a:solidFill>
-              <a:schemeClr val="accent6">
-                <a:lumMod val="75000"/>
-              </a:schemeClr>
-            </a:solidFill>
-          </a:ln>
-          <a:effectLst/>
-        </p:spPr>
-        <p:style>
-          <a:lnRef idx="1">
-            <a:schemeClr val="accent2"/>
-          </a:lnRef>
-          <a:fillRef idx="2">
-            <a:schemeClr val="accent2"/>
-          </a:fillRef>
-          <a:effectRef idx="1">
-            <a:schemeClr val="accent2"/>
-          </a:effectRef>
-          <a:fontRef idx="minor">
-            <a:schemeClr val="dk1"/>
-          </a:fontRef>
-        </p:style>
-        <p:txBody>
-          <a:bodyPr rtlCol="0" anchor="ctr"/>
-          <a:lstStyle/>
-          <a:p>
-            <a:pPr algn="ctr"/>
-            <a:r>
-              <a:rPr lang="en-US" sz="1050" dirty="0" err="1">
+            </a:ln>
+            <a:effectLst/>
+          </p:spPr>
+          <p:style>
+            <a:lnRef idx="1">
+              <a:schemeClr val="accent2"/>
+            </a:lnRef>
+            <a:fillRef idx="2">
+              <a:schemeClr val="accent2"/>
+            </a:fillRef>
+            <a:effectRef idx="1">
+              <a:schemeClr val="accent2"/>
+            </a:effectRef>
+            <a:fontRef idx="minor">
+              <a:schemeClr val="dk1"/>
+            </a:fontRef>
+          </p:style>
+          <p:txBody>
+            <a:bodyPr rtlCol="0" anchor="ctr"/>
+            <a:lstStyle/>
+            <a:p>
+              <a:pPr algn="ctr"/>
+              <a:endParaRPr lang="en-SG" sz="1050">
                 <a:solidFill>
                   <a:schemeClr val="bg1"/>
                 </a:solidFill>
-              </a:rPr>
-              <a:t>JsonUserPrefs</a:t>
-            </a:r>
-            <a:br>
-              <a:rPr lang="en-US" sz="1050" dirty="0">
-                <a:solidFill>
-                  <a:schemeClr val="bg1"/>
-                </a:solidFill>
-              </a:rPr>
-            </a:br>
-            <a:r>
-              <a:rPr lang="en-US" sz="1050" dirty="0">
-                <a:solidFill>
-                  <a:schemeClr val="bg1"/>
-                </a:solidFill>
-              </a:rPr>
-              <a:t>Storage</a:t>
-            </a:r>
-            <a:endParaRPr lang="en-SG" sz="1050" dirty="0">
+              </a:endParaRPr>
+            </a:p>
+          </p:txBody>
+        </p:sp>
+        <p:cxnSp>
+          <p:nvCxnSpPr>
+            <p:cNvPr id="125" name="Elbow Connector 122">
+              <a:extLst>
+                <a:ext uri="{FF2B5EF4-FFF2-40B4-BE49-F238E27FC236}">
+                  <a16:creationId xmlns:a16="http://schemas.microsoft.com/office/drawing/2014/main" id="{B544C282-03A8-4E45-BE98-22CF1272F2D7}"/>
+                </a:ext>
+              </a:extLst>
+            </p:cNvPr>
+            <p:cNvCxnSpPr>
+              <a:stCxn id="126" idx="3"/>
+              <a:endCxn id="127" idx="1"/>
+            </p:cNvCxnSpPr>
+            <p:nvPr/>
+          </p:nvCxnSpPr>
+          <p:spPr>
+            <a:xfrm>
+              <a:off x="5787628" y="3946342"/>
+              <a:ext cx="228600" cy="1970"/>
+            </a:xfrm>
+            <a:prstGeom prst="bentConnector3">
+              <a:avLst>
+                <a:gd name="adj1" fmla="val 50000"/>
+              </a:avLst>
+            </a:prstGeom>
+            <a:ln w="19050">
               <a:solidFill>
-                <a:schemeClr val="bg1"/>
+                <a:schemeClr val="accent6">
+                  <a:lumMod val="75000"/>
+                </a:schemeClr>
               </a:solidFill>
-            </a:endParaRPr>
-          </a:p>
-        </p:txBody>
-      </p:sp>
-      <p:sp>
-        <p:nvSpPr>
-          <p:cNvPr id="66" name="Rectangle 8"/>
-          <p:cNvSpPr/>
-          <p:nvPr/>
-        </p:nvSpPr>
-        <p:spPr>
-          <a:xfrm>
-            <a:off x="6019800" y="3160410"/>
-            <a:ext cx="1200707" cy="346760"/>
-          </a:xfrm>
-          <a:prstGeom prst="rect">
-            <a:avLst/>
-          </a:prstGeom>
-          <a:ln w="19050"/>
-          <a:effectLst/>
-        </p:spPr>
-        <p:style>
-          <a:lnRef idx="1">
-            <a:schemeClr val="accent6"/>
-          </a:lnRef>
-          <a:fillRef idx="2">
-            <a:schemeClr val="accent6"/>
-          </a:fillRef>
-          <a:effectRef idx="1">
-            <a:schemeClr val="accent6"/>
-          </a:effectRef>
-          <a:fontRef idx="minor">
-            <a:schemeClr val="dk1"/>
-          </a:fontRef>
-        </p:style>
-        <p:txBody>
-          <a:bodyPr rtlCol="0" anchor="ctr"/>
-          <a:lstStyle/>
-          <a:p>
-            <a:pPr algn="ctr"/>
-            <a:r>
-              <a:rPr lang="en-US" sz="1050" b="1" dirty="0" err="1">
+              <a:prstDash val="sysDot"/>
+              <a:headEnd type="none" w="med" len="med"/>
+              <a:tailEnd type="arrow" w="med" len="med"/>
+            </a:ln>
+            <a:effectLst/>
+          </p:spPr>
+          <p:style>
+            <a:lnRef idx="1">
+              <a:schemeClr val="accent2"/>
+            </a:lnRef>
+            <a:fillRef idx="2">
+              <a:schemeClr val="accent2"/>
+            </a:fillRef>
+            <a:effectRef idx="1">
+              <a:schemeClr val="accent2"/>
+            </a:effectRef>
+            <a:fontRef idx="minor">
+              <a:schemeClr val="dk1"/>
+            </a:fontRef>
+          </p:style>
+        </p:cxnSp>
+        <p:sp>
+          <p:nvSpPr>
+            <p:cNvPr id="126" name="Rectangle 8">
+              <a:extLst>
+                <a:ext uri="{FF2B5EF4-FFF2-40B4-BE49-F238E27FC236}">
+                  <a16:creationId xmlns:a16="http://schemas.microsoft.com/office/drawing/2014/main" id="{1F1B19D8-58D7-4BE2-898A-3C98CADDE22E}"/>
+                </a:ext>
+              </a:extLst>
+            </p:cNvPr>
+            <p:cNvSpPr/>
+            <p:nvPr/>
+          </p:nvSpPr>
+          <p:spPr>
+            <a:xfrm>
+              <a:off x="4617793" y="3772962"/>
+              <a:ext cx="1169835" cy="346760"/>
+            </a:xfrm>
+            <a:prstGeom prst="rect">
+              <a:avLst/>
+            </a:prstGeom>
+            <a:ln w="19050"/>
+            <a:effectLst/>
+          </p:spPr>
+          <p:style>
+            <a:lnRef idx="1">
+              <a:schemeClr val="accent6"/>
+            </a:lnRef>
+            <a:fillRef idx="2">
+              <a:schemeClr val="accent6"/>
+            </a:fillRef>
+            <a:effectRef idx="1">
+              <a:schemeClr val="accent6"/>
+            </a:effectRef>
+            <a:fontRef idx="minor">
+              <a:schemeClr val="dk1"/>
+            </a:fontRef>
+          </p:style>
+          <p:txBody>
+            <a:bodyPr rtlCol="0" anchor="ctr"/>
+            <a:lstStyle/>
+            <a:p>
+              <a:pPr algn="ctr"/>
+              <a:r>
+                <a:rPr lang="en-US" sz="1050" b="1" dirty="0" err="1">
+                  <a:solidFill>
+                    <a:schemeClr val="accent6">
+                      <a:lumMod val="75000"/>
+                    </a:schemeClr>
+                  </a:solidFill>
+                </a:rPr>
+                <a:t>JsonMenu</a:t>
+              </a:r>
+              <a:endParaRPr lang="en-US" sz="1050" b="1" dirty="0">
                 <a:solidFill>
                   <a:schemeClr val="accent6">
                     <a:lumMod val="75000"/>
                   </a:schemeClr>
                 </a:solidFill>
-              </a:rPr>
-              <a:t>JsonSerializable</a:t>
-            </a:r>
-            <a:br>
-              <a:rPr lang="en-US" sz="1050" b="1" dirty="0">
+              </a:endParaRPr>
+            </a:p>
+            <a:p>
+              <a:pPr algn="ctr"/>
+              <a:r>
+                <a:rPr lang="en-US" sz="1050" b="1" dirty="0">
+                  <a:solidFill>
+                    <a:schemeClr val="accent6">
+                      <a:lumMod val="75000"/>
+                    </a:schemeClr>
+                  </a:solidFill>
+                </a:rPr>
+                <a:t>Storage</a:t>
+              </a:r>
+              <a:endParaRPr lang="en-SG" sz="1050" b="1" dirty="0">
                 <a:solidFill>
                   <a:schemeClr val="accent6">
                     <a:lumMod val="75000"/>
                   </a:schemeClr>
                 </a:solidFill>
-              </a:rPr>
-            </a:br>
-            <a:r>
-              <a:rPr lang="en-US" sz="1050" b="1" dirty="0" err="1">
+              </a:endParaRPr>
+            </a:p>
+          </p:txBody>
+        </p:sp>
+        <p:sp>
+          <p:nvSpPr>
+            <p:cNvPr id="127" name="Rectangle 8">
+              <a:extLst>
+                <a:ext uri="{FF2B5EF4-FFF2-40B4-BE49-F238E27FC236}">
+                  <a16:creationId xmlns:a16="http://schemas.microsoft.com/office/drawing/2014/main" id="{5FA5ACBC-4ACF-4E40-B67C-472B24E6C7D7}"/>
+                </a:ext>
+              </a:extLst>
+            </p:cNvPr>
+            <p:cNvSpPr/>
+            <p:nvPr/>
+          </p:nvSpPr>
+          <p:spPr>
+            <a:xfrm>
+              <a:off x="6016228" y="3774932"/>
+              <a:ext cx="1200707" cy="346760"/>
+            </a:xfrm>
+            <a:prstGeom prst="rect">
+              <a:avLst/>
+            </a:prstGeom>
+            <a:ln w="19050"/>
+            <a:effectLst/>
+          </p:spPr>
+          <p:style>
+            <a:lnRef idx="1">
+              <a:schemeClr val="accent6"/>
+            </a:lnRef>
+            <a:fillRef idx="2">
+              <a:schemeClr val="accent6"/>
+            </a:fillRef>
+            <a:effectRef idx="1">
+              <a:schemeClr val="accent6"/>
+            </a:effectRef>
+            <a:fontRef idx="minor">
+              <a:schemeClr val="dk1"/>
+            </a:fontRef>
+          </p:style>
+          <p:txBody>
+            <a:bodyPr rtlCol="0" anchor="ctr"/>
+            <a:lstStyle/>
+            <a:p>
+              <a:pPr algn="ctr"/>
+              <a:r>
+                <a:rPr lang="en-US" sz="1050" b="1" dirty="0" err="1">
+                  <a:solidFill>
+                    <a:schemeClr val="accent6">
+                      <a:lumMod val="75000"/>
+                    </a:schemeClr>
+                  </a:solidFill>
+                </a:rPr>
+                <a:t>JsonSerializable</a:t>
+              </a:r>
+              <a:br>
+                <a:rPr lang="en-US" sz="1050" b="1" dirty="0">
+                  <a:solidFill>
+                    <a:schemeClr val="accent6">
+                      <a:lumMod val="75000"/>
+                    </a:schemeClr>
+                  </a:solidFill>
+                </a:rPr>
+              </a:br>
+              <a:r>
+                <a:rPr lang="en-US" sz="1050" b="1" dirty="0">
+                  <a:solidFill>
+                    <a:schemeClr val="accent6">
+                      <a:lumMod val="75000"/>
+                    </a:schemeClr>
+                  </a:solidFill>
+                </a:rPr>
+                <a:t>Menu</a:t>
+              </a:r>
+              <a:endParaRPr lang="en-SG" sz="1050" b="1" dirty="0">
                 <a:solidFill>
                   <a:schemeClr val="accent6">
                     <a:lumMod val="75000"/>
                   </a:schemeClr>
                 </a:solidFill>
-              </a:rPr>
-              <a:t>AddressBook</a:t>
-            </a:r>
-            <a:endParaRPr lang="en-SG" sz="1050" b="1" dirty="0">
-              <a:solidFill>
-                <a:schemeClr val="accent6">
-                  <a:lumMod val="75000"/>
-                </a:schemeClr>
-              </a:solidFill>
-            </a:endParaRPr>
-          </a:p>
-        </p:txBody>
-      </p:sp>
-      <p:cxnSp>
-        <p:nvCxnSpPr>
-          <p:cNvPr id="70" name="Elbow Connector 122"/>
-          <p:cNvCxnSpPr>
-            <a:cxnSpLocks/>
-            <a:stCxn id="74" idx="0"/>
-            <a:endCxn id="73" idx="2"/>
-          </p:cNvCxnSpPr>
-          <p:nvPr/>
-        </p:nvCxnSpPr>
-        <p:spPr>
-          <a:xfrm rot="16200000" flipV="1">
-            <a:off x="8077993" y="2992019"/>
-            <a:ext cx="335208" cy="1"/>
-          </a:xfrm>
-          <a:prstGeom prst="bentConnector3">
-            <a:avLst>
-              <a:gd name="adj1" fmla="val 50000"/>
-            </a:avLst>
-          </a:prstGeom>
-          <a:ln w="19050">
-            <a:prstDash val="sysDot"/>
-            <a:headEnd type="none" w="med" len="med"/>
-            <a:tailEnd type="arrow" w="med" len="med"/>
-          </a:ln>
-          <a:effectLst/>
-        </p:spPr>
-        <p:style>
-          <a:lnRef idx="1">
-            <a:schemeClr val="accent6"/>
-          </a:lnRef>
-          <a:fillRef idx="2">
-            <a:schemeClr val="accent6"/>
-          </a:fillRef>
-          <a:effectRef idx="1">
-            <a:schemeClr val="accent6"/>
-          </a:effectRef>
-          <a:fontRef idx="minor">
-            <a:schemeClr val="dk1"/>
-          </a:fontRef>
-        </p:style>
-      </p:cxnSp>
-      <p:sp>
-        <p:nvSpPr>
-          <p:cNvPr id="73" name="Rectangle 8"/>
-          <p:cNvSpPr/>
-          <p:nvPr/>
-        </p:nvSpPr>
-        <p:spPr>
-          <a:xfrm>
-            <a:off x="7615736" y="2477656"/>
-            <a:ext cx="1259719" cy="346760"/>
-          </a:xfrm>
-          <a:prstGeom prst="rect">
-            <a:avLst/>
-          </a:prstGeom>
-          <a:ln w="19050"/>
-          <a:effectLst/>
-        </p:spPr>
-        <p:style>
-          <a:lnRef idx="1">
-            <a:schemeClr val="accent6"/>
-          </a:lnRef>
-          <a:fillRef idx="2">
-            <a:schemeClr val="accent6"/>
-          </a:fillRef>
-          <a:effectRef idx="1">
-            <a:schemeClr val="accent6"/>
-          </a:effectRef>
-          <a:fontRef idx="minor">
-            <a:schemeClr val="dk1"/>
-          </a:fontRef>
-        </p:style>
-        <p:txBody>
-          <a:bodyPr rtlCol="0" anchor="ctr"/>
-          <a:lstStyle/>
-          <a:p>
-            <a:pPr algn="ctr"/>
-            <a:r>
-              <a:rPr lang="en-US" sz="1050" b="1" dirty="0" err="1">
+              </a:endParaRPr>
+            </a:p>
+          </p:txBody>
+        </p:sp>
+        <p:sp>
+          <p:nvSpPr>
+            <p:cNvPr id="130" name="Rectangle 8">
+              <a:extLst>
+                <a:ext uri="{FF2B5EF4-FFF2-40B4-BE49-F238E27FC236}">
+                  <a16:creationId xmlns:a16="http://schemas.microsoft.com/office/drawing/2014/main" id="{C189C249-8222-4381-9819-B2B73C7C6170}"/>
+                </a:ext>
+              </a:extLst>
+            </p:cNvPr>
+            <p:cNvSpPr/>
+            <p:nvPr/>
+          </p:nvSpPr>
+          <p:spPr>
+            <a:xfrm>
+              <a:off x="7612166" y="3774146"/>
+              <a:ext cx="1259718" cy="346760"/>
+            </a:xfrm>
+            <a:prstGeom prst="rect">
+              <a:avLst/>
+            </a:prstGeom>
+            <a:ln w="19050"/>
+            <a:effectLst/>
+          </p:spPr>
+          <p:style>
+            <a:lnRef idx="1">
+              <a:schemeClr val="accent6"/>
+            </a:lnRef>
+            <a:fillRef idx="2">
+              <a:schemeClr val="accent6"/>
+            </a:fillRef>
+            <a:effectRef idx="1">
+              <a:schemeClr val="accent6"/>
+            </a:effectRef>
+            <a:fontRef idx="minor">
+              <a:schemeClr val="dk1"/>
+            </a:fontRef>
+          </p:style>
+          <p:txBody>
+            <a:bodyPr rtlCol="0" anchor="ctr"/>
+            <a:lstStyle/>
+            <a:p>
+              <a:pPr algn="ctr"/>
+              <a:r>
+                <a:rPr lang="en-US" sz="1030" b="1" dirty="0" err="1">
+                  <a:solidFill>
+                    <a:schemeClr val="accent6">
+                      <a:lumMod val="75000"/>
+                    </a:schemeClr>
+                  </a:solidFill>
+                </a:rPr>
+                <a:t>JsonAdaptedMenu</a:t>
+              </a:r>
+              <a:endParaRPr lang="en-SG" sz="1030" b="1" dirty="0">
                 <a:solidFill>
                   <a:schemeClr val="accent6">
                     <a:lumMod val="75000"/>
                   </a:schemeClr>
                 </a:solidFill>
-              </a:rPr>
-              <a:t>JsonAdaptedTag</a:t>
-            </a:r>
-            <a:endParaRPr lang="en-SG" sz="1050" b="1" dirty="0">
-              <a:solidFill>
-                <a:schemeClr val="accent6">
-                  <a:lumMod val="75000"/>
-                </a:schemeClr>
-              </a:solidFill>
-            </a:endParaRPr>
-          </a:p>
-        </p:txBody>
-      </p:sp>
-      <p:sp>
-        <p:nvSpPr>
-          <p:cNvPr id="74" name="Rectangle 8"/>
-          <p:cNvSpPr/>
-          <p:nvPr/>
-        </p:nvSpPr>
-        <p:spPr>
-          <a:xfrm>
-            <a:off x="7615738" y="3159624"/>
-            <a:ext cx="1259718" cy="346760"/>
-          </a:xfrm>
-          <a:prstGeom prst="rect">
-            <a:avLst/>
-          </a:prstGeom>
-          <a:ln w="19050"/>
-          <a:effectLst/>
-        </p:spPr>
-        <p:style>
-          <a:lnRef idx="1">
-            <a:schemeClr val="accent6"/>
-          </a:lnRef>
-          <a:fillRef idx="2">
-            <a:schemeClr val="accent6"/>
-          </a:fillRef>
-          <a:effectRef idx="1">
-            <a:schemeClr val="accent6"/>
-          </a:effectRef>
-          <a:fontRef idx="minor">
-            <a:schemeClr val="dk1"/>
-          </a:fontRef>
-        </p:style>
-        <p:txBody>
-          <a:bodyPr rtlCol="0" anchor="ctr"/>
-          <a:lstStyle/>
-          <a:p>
-            <a:pPr algn="ctr"/>
-            <a:r>
-              <a:rPr lang="en-US" sz="1030" b="1" dirty="0" err="1">
-                <a:solidFill>
-                  <a:schemeClr val="accent6">
-                    <a:lumMod val="75000"/>
-                  </a:schemeClr>
-                </a:solidFill>
-              </a:rPr>
-              <a:t>JsonAdaptedPerson</a:t>
-            </a:r>
-            <a:endParaRPr lang="en-SG" sz="1030" b="1" dirty="0">
-              <a:solidFill>
-                <a:schemeClr val="accent6">
-                  <a:lumMod val="75000"/>
-                </a:schemeClr>
-              </a:solidFill>
-            </a:endParaRPr>
-          </a:p>
-        </p:txBody>
-      </p:sp>
-      <p:cxnSp>
-        <p:nvCxnSpPr>
-          <p:cNvPr id="77" name="Elbow Connector 122"/>
-          <p:cNvCxnSpPr>
-            <a:stCxn id="66" idx="3"/>
-            <a:endCxn id="74" idx="1"/>
-          </p:cNvCxnSpPr>
-          <p:nvPr/>
-        </p:nvCxnSpPr>
-        <p:spPr>
-          <a:xfrm flipV="1">
-            <a:off x="7220507" y="3333004"/>
-            <a:ext cx="395231" cy="786"/>
-          </a:xfrm>
-          <a:prstGeom prst="bentConnector3">
-            <a:avLst>
-              <a:gd name="adj1" fmla="val 50000"/>
-            </a:avLst>
-          </a:prstGeom>
-          <a:ln w="19050">
-            <a:prstDash val="sysDot"/>
-            <a:headEnd type="none" w="med" len="med"/>
-            <a:tailEnd type="arrow" w="med" len="med"/>
-          </a:ln>
-          <a:effectLst/>
-        </p:spPr>
-        <p:style>
-          <a:lnRef idx="1">
-            <a:schemeClr val="accent6"/>
-          </a:lnRef>
-          <a:fillRef idx="2">
-            <a:schemeClr val="accent6"/>
-          </a:fillRef>
-          <a:effectRef idx="1">
-            <a:schemeClr val="accent6"/>
-          </a:effectRef>
-          <a:fontRef idx="minor">
-            <a:schemeClr val="dk1"/>
-          </a:fontRef>
-        </p:style>
-      </p:cxnSp>
+              </a:endParaRPr>
+            </a:p>
+          </p:txBody>
+        </p:sp>
+        <p:cxnSp>
+          <p:nvCxnSpPr>
+            <p:cNvPr id="131" name="Elbow Connector 122">
+              <a:extLst>
+                <a:ext uri="{FF2B5EF4-FFF2-40B4-BE49-F238E27FC236}">
+                  <a16:creationId xmlns:a16="http://schemas.microsoft.com/office/drawing/2014/main" id="{1FFD6905-D76E-47ED-91D6-09031B549DB5}"/>
+                </a:ext>
+              </a:extLst>
+            </p:cNvPr>
+            <p:cNvCxnSpPr>
+              <a:cxnSpLocks/>
+              <a:stCxn id="127" idx="3"/>
+              <a:endCxn id="130" idx="1"/>
+            </p:cNvCxnSpPr>
+            <p:nvPr/>
+          </p:nvCxnSpPr>
+          <p:spPr>
+            <a:xfrm flipV="1">
+              <a:off x="7216935" y="3947526"/>
+              <a:ext cx="395231" cy="786"/>
+            </a:xfrm>
+            <a:prstGeom prst="bentConnector3">
+              <a:avLst>
+                <a:gd name="adj1" fmla="val 50000"/>
+              </a:avLst>
+            </a:prstGeom>
+            <a:ln w="19050">
+              <a:prstDash val="sysDot"/>
+              <a:headEnd type="none" w="med" len="med"/>
+              <a:tailEnd type="arrow" w="med" len="med"/>
+            </a:ln>
+            <a:effectLst/>
+          </p:spPr>
+          <p:style>
+            <a:lnRef idx="1">
+              <a:schemeClr val="accent6"/>
+            </a:lnRef>
+            <a:fillRef idx="2">
+              <a:schemeClr val="accent6"/>
+            </a:fillRef>
+            <a:effectRef idx="1">
+              <a:schemeClr val="accent6"/>
+            </a:effectRef>
+            <a:fontRef idx="minor">
+              <a:schemeClr val="dk1"/>
+            </a:fontRef>
+          </p:style>
+        </p:cxnSp>
+      </p:grpSp>
     </p:spTree>
     <p:extLst>
       <p:ext uri="{BB962C8B-B14F-4D97-AF65-F5344CB8AC3E}">

--- a/docs/diagrams/StorageComponentClassDiagram.pptx
+++ b/docs/diagrams/StorageComponentClassDiagram.pptx
@@ -3595,7 +3595,7 @@
                     <a:schemeClr val="bg1"/>
                   </a:solidFill>
                 </a:rPr>
-                <a:t>AddressBookStorage</a:t>
+                <a:t>OrdersStorage</a:t>
               </a:r>
               <a:endParaRPr lang="en-SG" sz="1050" dirty="0">
                 <a:solidFill>
@@ -4797,7 +4797,7 @@
                     <a:schemeClr val="bg1"/>
                   </a:solidFill>
                 </a:rPr>
-                <a:t>AddressBookStorage</a:t>
+                <a:t>StatisticsStorage</a:t>
               </a:r>
               <a:endParaRPr lang="en-SG" sz="1050" dirty="0">
                 <a:solidFill>
@@ -5424,7 +5424,7 @@
                     <a:schemeClr val="bg1"/>
                   </a:solidFill>
                 </a:rPr>
-                <a:t>AddressBookStorage</a:t>
+                <a:t>TableStorage</a:t>
               </a:r>
               <a:endParaRPr lang="en-SG" sz="1050" dirty="0">
                 <a:solidFill>

--- a/docs/diagrams/StorageComponentClassDiagram.pptx
+++ b/docs/diagrams/StorageComponentClassDiagram.pptx
@@ -3442,77 +3442,12 @@
           <a:chExt cx="0" cy="0"/>
         </a:xfrm>
       </p:grpSpPr>
-      <p:sp>
-        <p:nvSpPr>
-          <p:cNvPr id="118" name="Rectangle 65"/>
-          <p:cNvSpPr/>
-          <p:nvPr/>
-        </p:nvSpPr>
-        <p:spPr>
-          <a:xfrm>
-            <a:off x="762000" y="413729"/>
-            <a:ext cx="8077200" cy="5078535"/>
-          </a:xfrm>
-          <a:prstGeom prst="roundRect">
-            <a:avLst>
-              <a:gd name="adj" fmla="val 3484"/>
-            </a:avLst>
-          </a:prstGeom>
-          <a:solidFill>
-            <a:schemeClr val="accent6">
-              <a:lumMod val="20000"/>
-              <a:lumOff val="80000"/>
-            </a:schemeClr>
-          </a:solidFill>
-          <a:ln w="19050">
-            <a:noFill/>
-          </a:ln>
-          <a:effectLst/>
-        </p:spPr>
-        <p:style>
-          <a:lnRef idx="1">
-            <a:schemeClr val="accent2"/>
-          </a:lnRef>
-          <a:fillRef idx="2">
-            <a:schemeClr val="accent2"/>
-          </a:fillRef>
-          <a:effectRef idx="1">
-            <a:schemeClr val="accent2"/>
-          </a:effectRef>
-          <a:fontRef idx="minor">
-            <a:schemeClr val="dk1"/>
-          </a:fontRef>
-        </p:style>
-        <p:txBody>
-          <a:bodyPr rtlCol="0" anchor="t"/>
-          <a:lstStyle/>
-          <a:p>
-            <a:r>
-              <a:rPr lang="en-US" sz="1200" b="1" dirty="0">
-                <a:solidFill>
-                  <a:schemeClr val="accent6">
-                    <a:lumMod val="75000"/>
-                  </a:schemeClr>
-                </a:solidFill>
-              </a:rPr>
-              <a:t>Storage</a:t>
-            </a:r>
-            <a:endParaRPr lang="en-SG" sz="1200" b="1" dirty="0">
-              <a:solidFill>
-                <a:schemeClr val="accent6">
-                  <a:lumMod val="75000"/>
-                </a:schemeClr>
-              </a:solidFill>
-            </a:endParaRPr>
-          </a:p>
-        </p:txBody>
-      </p:sp>
       <p:grpSp>
         <p:nvGrpSpPr>
-          <p:cNvPr id="143" name="Group 142">
+          <p:cNvPr id="3" name="Group 2">
             <a:extLst>
               <a:ext uri="{FF2B5EF4-FFF2-40B4-BE49-F238E27FC236}">
-                <a16:creationId xmlns:a16="http://schemas.microsoft.com/office/drawing/2014/main" id="{31E167F8-7DB8-4047-91E2-25C5E098867D}"/>
+                <a16:creationId xmlns:a16="http://schemas.microsoft.com/office/drawing/2014/main" id="{9C5AE7EB-55D3-4C5E-B153-903C09C2ADC9}"/>
               </a:ext>
             </a:extLst>
           </p:cNvPr>
@@ -3521,37 +3456,36 @@
         </p:nvGrpSpPr>
         <p:grpSpPr>
           <a:xfrm>
-            <a:off x="609600" y="859437"/>
-            <a:ext cx="8083687" cy="4224300"/>
-            <a:chOff x="910091" y="954440"/>
-            <a:chExt cx="8083687" cy="4224300"/>
+            <a:off x="381000" y="914400"/>
+            <a:ext cx="8229600" cy="5078535"/>
+            <a:chOff x="609600" y="357459"/>
+            <a:chExt cx="8229600" cy="5078535"/>
           </a:xfrm>
         </p:grpSpPr>
         <p:sp>
           <p:nvSpPr>
-            <p:cNvPr id="2" name="Rectangle 8"/>
+            <p:cNvPr id="118" name="Rectangle 65"/>
             <p:cNvSpPr/>
             <p:nvPr/>
           </p:nvSpPr>
           <p:spPr>
             <a:xfrm>
-              <a:off x="2877183" y="2865165"/>
-              <a:ext cx="1323049" cy="346760"/>
+              <a:off x="762000" y="357459"/>
+              <a:ext cx="8077200" cy="5078535"/>
             </a:xfrm>
-            <a:prstGeom prst="rect">
-              <a:avLst/>
+            <a:prstGeom prst="roundRect">
+              <a:avLst>
+                <a:gd name="adj" fmla="val 3484"/>
+              </a:avLst>
             </a:prstGeom>
             <a:solidFill>
               <a:schemeClr val="accent6">
-                <a:lumMod val="75000"/>
+                <a:lumMod val="20000"/>
+                <a:lumOff val="80000"/>
               </a:schemeClr>
             </a:solidFill>
             <a:ln w="19050">
-              <a:solidFill>
-                <a:schemeClr val="accent6">
-                  <a:lumMod val="75000"/>
-                </a:schemeClr>
-              </a:solidFill>
+              <a:noFill/>
             </a:ln>
             <a:effectLst/>
           </p:spPr>
@@ -3570,617 +3504,11 @@
             </a:fontRef>
           </p:style>
           <p:txBody>
-            <a:bodyPr rtlCol="0" anchor="ctr"/>
+            <a:bodyPr rtlCol="0" anchor="t"/>
             <a:lstStyle/>
             <a:p>
-              <a:pPr algn="ctr"/>
               <a:r>
-                <a:rPr lang="en-US" sz="1050" dirty="0">
-                  <a:solidFill>
-                    <a:schemeClr val="bg1"/>
-                  </a:solidFill>
-                </a:rPr>
-                <a:t>&lt;&lt;interface&gt;&gt;</a:t>
-              </a:r>
-              <a:br>
-                <a:rPr lang="en-US" sz="1050" dirty="0">
-                  <a:solidFill>
-                    <a:schemeClr val="bg1"/>
-                  </a:solidFill>
-                </a:rPr>
-              </a:br>
-              <a:r>
-                <a:rPr lang="en-US" sz="1050" dirty="0" err="1">
-                  <a:solidFill>
-                    <a:schemeClr val="bg1"/>
-                  </a:solidFill>
-                </a:rPr>
-                <a:t>OrdersStorage</a:t>
-              </a:r>
-              <a:endParaRPr lang="en-SG" sz="1050" dirty="0">
-                <a:solidFill>
-                  <a:schemeClr val="bg1"/>
-                </a:solidFill>
-              </a:endParaRPr>
-            </a:p>
-          </p:txBody>
-        </p:sp>
-        <p:sp>
-          <p:nvSpPr>
-            <p:cNvPr id="9" name="Rectangle 62"/>
-            <p:cNvSpPr/>
-            <p:nvPr/>
-          </p:nvSpPr>
-          <p:spPr>
-            <a:xfrm rot="16200000">
-              <a:off x="249588" y="2874621"/>
-              <a:ext cx="3962392" cy="346760"/>
-            </a:xfrm>
-            <a:prstGeom prst="rect">
-              <a:avLst/>
-            </a:prstGeom>
-            <a:solidFill>
-              <a:schemeClr val="accent6">
-                <a:lumMod val="75000"/>
-              </a:schemeClr>
-            </a:solidFill>
-            <a:ln w="19050">
-              <a:solidFill>
-                <a:schemeClr val="accent6">
-                  <a:lumMod val="75000"/>
-                </a:schemeClr>
-              </a:solidFill>
-            </a:ln>
-            <a:effectLst/>
-          </p:spPr>
-          <p:style>
-            <a:lnRef idx="1">
-              <a:schemeClr val="accent2"/>
-            </a:lnRef>
-            <a:fillRef idx="2">
-              <a:schemeClr val="accent2"/>
-            </a:fillRef>
-            <a:effectRef idx="1">
-              <a:schemeClr val="accent2"/>
-            </a:effectRef>
-            <a:fontRef idx="minor">
-              <a:schemeClr val="dk1"/>
-            </a:fontRef>
-          </p:style>
-          <p:txBody>
-            <a:bodyPr rtlCol="0" anchor="ctr"/>
-            <a:lstStyle/>
-            <a:p>
-              <a:pPr algn="ctr"/>
-              <a:r>
-                <a:rPr lang="en-US" sz="1050" dirty="0" err="1">
-                  <a:solidFill>
-                    <a:schemeClr val="bg1"/>
-                  </a:solidFill>
-                </a:rPr>
-                <a:t>StorageManager</a:t>
-              </a:r>
-              <a:endParaRPr lang="en-SG" sz="1050" dirty="0">
-                <a:solidFill>
-                  <a:schemeClr val="bg1"/>
-                </a:solidFill>
-              </a:endParaRPr>
-            </a:p>
-          </p:txBody>
-        </p:sp>
-        <p:sp>
-          <p:nvSpPr>
-            <p:cNvPr id="119" name="Rectangle 62"/>
-            <p:cNvSpPr/>
-            <p:nvPr/>
-          </p:nvSpPr>
-          <p:spPr>
-            <a:xfrm rot="16200000">
-              <a:off x="-609125" y="2893210"/>
-              <a:ext cx="4224300" cy="346760"/>
-            </a:xfrm>
-            <a:prstGeom prst="rect">
-              <a:avLst/>
-            </a:prstGeom>
-            <a:solidFill>
-              <a:schemeClr val="accent6">
-                <a:lumMod val="75000"/>
-              </a:schemeClr>
-            </a:solidFill>
-            <a:ln w="19050">
-              <a:solidFill>
-                <a:schemeClr val="accent6">
-                  <a:lumMod val="75000"/>
-                </a:schemeClr>
-              </a:solidFill>
-            </a:ln>
-            <a:effectLst/>
-          </p:spPr>
-          <p:style>
-            <a:lnRef idx="1">
-              <a:schemeClr val="accent2"/>
-            </a:lnRef>
-            <a:fillRef idx="2">
-              <a:schemeClr val="accent2"/>
-            </a:fillRef>
-            <a:effectRef idx="1">
-              <a:schemeClr val="accent2"/>
-            </a:effectRef>
-            <a:fontRef idx="minor">
-              <a:schemeClr val="dk1"/>
-            </a:fontRef>
-          </p:style>
-          <p:txBody>
-            <a:bodyPr rtlCol="0" anchor="ctr"/>
-            <a:lstStyle/>
-            <a:p>
-              <a:pPr algn="ctr"/>
-              <a:r>
-                <a:rPr lang="en-US" sz="1050" dirty="0">
-                  <a:solidFill>
-                    <a:schemeClr val="bg1"/>
-                  </a:solidFill>
-                </a:rPr>
-                <a:t>&lt;&lt;interface&gt;&gt;</a:t>
-              </a:r>
-            </a:p>
-            <a:p>
-              <a:pPr algn="ctr"/>
-              <a:r>
-                <a:rPr lang="en-US" sz="1050" dirty="0">
-                  <a:solidFill>
-                    <a:schemeClr val="bg1"/>
-                  </a:solidFill>
-                </a:rPr>
-                <a:t>Storage</a:t>
-              </a:r>
-              <a:endParaRPr lang="en-SG" sz="1050" dirty="0">
-                <a:solidFill>
-                  <a:schemeClr val="bg1"/>
-                </a:solidFill>
-              </a:endParaRPr>
-            </a:p>
-          </p:txBody>
-        </p:sp>
-        <p:sp>
-          <p:nvSpPr>
-            <p:cNvPr id="120" name="Isosceles Triangle 102"/>
-            <p:cNvSpPr/>
-            <p:nvPr/>
-          </p:nvSpPr>
-          <p:spPr>
-            <a:xfrm rot="16200000">
-              <a:off x="1626914" y="2952293"/>
-              <a:ext cx="270504" cy="175523"/>
-            </a:xfrm>
-            <a:prstGeom prst="triangle">
-              <a:avLst/>
-            </a:prstGeom>
-            <a:solidFill>
-              <a:schemeClr val="accent6">
-                <a:lumMod val="75000"/>
-              </a:schemeClr>
-            </a:solidFill>
-            <a:ln w="19050">
-              <a:solidFill>
-                <a:schemeClr val="accent6">
-                  <a:lumMod val="75000"/>
-                </a:schemeClr>
-              </a:solidFill>
-            </a:ln>
-            <a:effectLst/>
-          </p:spPr>
-          <p:style>
-            <a:lnRef idx="1">
-              <a:schemeClr val="accent2"/>
-            </a:lnRef>
-            <a:fillRef idx="2">
-              <a:schemeClr val="accent2"/>
-            </a:fillRef>
-            <a:effectRef idx="1">
-              <a:schemeClr val="accent2"/>
-            </a:effectRef>
-            <a:fontRef idx="minor">
-              <a:schemeClr val="dk1"/>
-            </a:fontRef>
-          </p:style>
-          <p:txBody>
-            <a:bodyPr rtlCol="0" anchor="ctr"/>
-            <a:lstStyle/>
-            <a:p>
-              <a:pPr algn="ctr"/>
-              <a:endParaRPr lang="en-SG" sz="1050">
-                <a:solidFill>
-                  <a:schemeClr val="bg1"/>
-                </a:solidFill>
-              </a:endParaRPr>
-            </a:p>
-          </p:txBody>
-        </p:sp>
-        <p:cxnSp>
-          <p:nvCxnSpPr>
-            <p:cNvPr id="58" name="Straight Arrow Connector 57"/>
-            <p:cNvCxnSpPr>
-              <a:stCxn id="42" idx="3"/>
-              <a:endCxn id="2" idx="1"/>
-            </p:cNvCxnSpPr>
-            <p:nvPr/>
-          </p:nvCxnSpPr>
-          <p:spPr>
-            <a:xfrm>
-              <a:off x="2656373" y="3033261"/>
-              <a:ext cx="220810" cy="5284"/>
-            </a:xfrm>
-            <a:prstGeom prst="straightConnector1">
-              <a:avLst/>
-            </a:prstGeom>
-            <a:ln w="19050">
-              <a:solidFill>
-                <a:schemeClr val="accent6">
-                  <a:lumMod val="75000"/>
-                </a:schemeClr>
-              </a:solidFill>
-              <a:headEnd type="none" w="med" len="med"/>
-              <a:tailEnd type="arrow" w="med" len="med"/>
-            </a:ln>
-            <a:effectLst/>
-          </p:spPr>
-          <p:style>
-            <a:lnRef idx="1">
-              <a:schemeClr val="accent2"/>
-            </a:lnRef>
-            <a:fillRef idx="2">
-              <a:schemeClr val="accent2"/>
-            </a:fillRef>
-            <a:effectRef idx="1">
-              <a:schemeClr val="accent2"/>
-            </a:effectRef>
-            <a:fontRef idx="minor">
-              <a:schemeClr val="dk1"/>
-            </a:fontRef>
-          </p:style>
-        </p:cxnSp>
-        <p:cxnSp>
-          <p:nvCxnSpPr>
-            <p:cNvPr id="75" name="Elbow Connector 122"/>
-            <p:cNvCxnSpPr/>
-            <p:nvPr/>
-          </p:nvCxnSpPr>
-          <p:spPr>
-            <a:xfrm>
-              <a:off x="910091" y="3040053"/>
-              <a:ext cx="419548" cy="2860"/>
-            </a:xfrm>
-            <a:prstGeom prst="bentConnector3">
-              <a:avLst>
-                <a:gd name="adj1" fmla="val 50000"/>
-              </a:avLst>
-            </a:prstGeom>
-            <a:ln w="19050">
-              <a:solidFill>
-                <a:schemeClr val="bg1">
-                  <a:lumMod val="75000"/>
-                </a:schemeClr>
-              </a:solidFill>
-              <a:prstDash val="sysDot"/>
-              <a:headEnd type="none" w="med" len="med"/>
-              <a:tailEnd type="arrow" w="med" len="med"/>
-            </a:ln>
-            <a:effectLst/>
-          </p:spPr>
-          <p:style>
-            <a:lnRef idx="1">
-              <a:schemeClr val="accent2"/>
-            </a:lnRef>
-            <a:fillRef idx="2">
-              <a:schemeClr val="accent2"/>
-            </a:fillRef>
-            <a:effectRef idx="1">
-              <a:schemeClr val="accent2"/>
-            </a:effectRef>
-            <a:fontRef idx="minor">
-              <a:schemeClr val="dk1"/>
-            </a:fontRef>
-          </p:style>
-        </p:cxnSp>
-        <p:cxnSp>
-          <p:nvCxnSpPr>
-            <p:cNvPr id="21" name="Straight Connector 20"/>
-            <p:cNvCxnSpPr>
-              <a:stCxn id="120" idx="3"/>
-            </p:cNvCxnSpPr>
-            <p:nvPr/>
-          </p:nvCxnSpPr>
-          <p:spPr>
-            <a:xfrm flipV="1">
-              <a:off x="1849928" y="3040054"/>
-              <a:ext cx="216105" cy="1"/>
-            </a:xfrm>
-            <a:prstGeom prst="line">
-              <a:avLst/>
-            </a:prstGeom>
-            <a:ln w="19050">
-              <a:solidFill>
-                <a:schemeClr val="accent6">
-                  <a:lumMod val="75000"/>
-                </a:schemeClr>
-              </a:solidFill>
-              <a:prstDash val="sysDot"/>
-              <a:headEnd type="none" w="med" len="med"/>
-              <a:tailEnd type="none" w="med" len="med"/>
-            </a:ln>
-            <a:effectLst/>
-          </p:spPr>
-          <p:style>
-            <a:lnRef idx="1">
-              <a:schemeClr val="accent2"/>
-            </a:lnRef>
-            <a:fillRef idx="2">
-              <a:schemeClr val="accent2"/>
-            </a:fillRef>
-            <a:effectRef idx="1">
-              <a:schemeClr val="accent2"/>
-            </a:effectRef>
-            <a:fontRef idx="minor">
-              <a:schemeClr val="dk1"/>
-            </a:fontRef>
-          </p:style>
-        </p:cxnSp>
-        <p:sp>
-          <p:nvSpPr>
-            <p:cNvPr id="42" name="Flowchart: Decision 96"/>
-            <p:cNvSpPr/>
-            <p:nvPr/>
-          </p:nvSpPr>
-          <p:spPr>
-            <a:xfrm>
-              <a:off x="2420325" y="2946571"/>
-              <a:ext cx="236048" cy="173380"/>
-            </a:xfrm>
-            <a:prstGeom prst="flowChartDecision">
-              <a:avLst/>
-            </a:prstGeom>
-            <a:noFill/>
-            <a:ln w="19050">
-              <a:solidFill>
-                <a:schemeClr val="accent6">
-                  <a:lumMod val="75000"/>
-                </a:schemeClr>
-              </a:solidFill>
-            </a:ln>
-            <a:effectLst/>
-          </p:spPr>
-          <p:style>
-            <a:lnRef idx="1">
-              <a:schemeClr val="accent2"/>
-            </a:lnRef>
-            <a:fillRef idx="2">
-              <a:schemeClr val="accent2"/>
-            </a:fillRef>
-            <a:effectRef idx="1">
-              <a:schemeClr val="accent2"/>
-            </a:effectRef>
-            <a:fontRef idx="minor">
-              <a:schemeClr val="dk1"/>
-            </a:fontRef>
-          </p:style>
-          <p:txBody>
-            <a:bodyPr rtlCol="0" anchor="ctr"/>
-            <a:lstStyle/>
-            <a:p>
-              <a:pPr algn="ctr"/>
-              <a:endParaRPr lang="en-US" sz="1050">
-                <a:solidFill>
-                  <a:schemeClr val="bg1"/>
-                </a:solidFill>
-              </a:endParaRPr>
-            </a:p>
-          </p:txBody>
-        </p:sp>
-        <p:cxnSp>
-          <p:nvCxnSpPr>
-            <p:cNvPr id="97" name="Elbow Connector 63"/>
-            <p:cNvCxnSpPr>
-              <a:stCxn id="99" idx="3"/>
-              <a:endCxn id="50" idx="1"/>
-            </p:cNvCxnSpPr>
-            <p:nvPr/>
-          </p:nvCxnSpPr>
-          <p:spPr>
-            <a:xfrm flipV="1">
-              <a:off x="4398044" y="3038543"/>
-              <a:ext cx="223322" cy="3"/>
-            </a:xfrm>
-            <a:prstGeom prst="bentConnector3">
-              <a:avLst>
-                <a:gd name="adj1" fmla="val 50000"/>
-              </a:avLst>
-            </a:prstGeom>
-            <a:ln w="19050">
-              <a:solidFill>
-                <a:schemeClr val="accent6">
-                  <a:lumMod val="75000"/>
-                </a:schemeClr>
-              </a:solidFill>
-              <a:prstDash val="sysDot"/>
-              <a:headEnd type="none" w="med" len="med"/>
-              <a:tailEnd type="none" w="med" len="med"/>
-            </a:ln>
-            <a:effectLst/>
-          </p:spPr>
-          <p:style>
-            <a:lnRef idx="1">
-              <a:schemeClr val="accent2"/>
-            </a:lnRef>
-            <a:fillRef idx="2">
-              <a:schemeClr val="accent2"/>
-            </a:fillRef>
-            <a:effectRef idx="1">
-              <a:schemeClr val="accent2"/>
-            </a:effectRef>
-            <a:fontRef idx="minor">
-              <a:schemeClr val="dk1"/>
-            </a:fontRef>
-          </p:style>
-        </p:cxnSp>
-        <p:sp>
-          <p:nvSpPr>
-            <p:cNvPr id="99" name="Isosceles Triangle 102"/>
-            <p:cNvSpPr/>
-            <p:nvPr/>
-          </p:nvSpPr>
-          <p:spPr>
-            <a:xfrm rot="5400000" flipV="1">
-              <a:off x="4175030" y="2950784"/>
-              <a:ext cx="270504" cy="175523"/>
-            </a:xfrm>
-            <a:prstGeom prst="triangle">
-              <a:avLst/>
-            </a:prstGeom>
-            <a:solidFill>
-              <a:schemeClr val="accent6">
-                <a:lumMod val="75000"/>
-              </a:schemeClr>
-            </a:solidFill>
-            <a:ln w="19050">
-              <a:solidFill>
-                <a:schemeClr val="accent6">
-                  <a:lumMod val="75000"/>
-                </a:schemeClr>
-              </a:solidFill>
-            </a:ln>
-            <a:effectLst/>
-          </p:spPr>
-          <p:style>
-            <a:lnRef idx="1">
-              <a:schemeClr val="accent2"/>
-            </a:lnRef>
-            <a:fillRef idx="2">
-              <a:schemeClr val="accent2"/>
-            </a:fillRef>
-            <a:effectRef idx="1">
-              <a:schemeClr val="accent2"/>
-            </a:effectRef>
-            <a:fontRef idx="minor">
-              <a:schemeClr val="dk1"/>
-            </a:fontRef>
-          </p:style>
-          <p:txBody>
-            <a:bodyPr rtlCol="0" anchor="ctr"/>
-            <a:lstStyle/>
-            <a:p>
-              <a:pPr algn="ctr"/>
-              <a:endParaRPr lang="en-SG" sz="1050">
-                <a:solidFill>
-                  <a:schemeClr val="bg1"/>
-                </a:solidFill>
-              </a:endParaRPr>
-            </a:p>
-          </p:txBody>
-        </p:sp>
-        <p:cxnSp>
-          <p:nvCxnSpPr>
-            <p:cNvPr id="124" name="Elbow Connector 122"/>
-            <p:cNvCxnSpPr>
-              <a:stCxn id="50" idx="3"/>
-              <a:endCxn id="66" idx="1"/>
-            </p:cNvCxnSpPr>
-            <p:nvPr/>
-          </p:nvCxnSpPr>
-          <p:spPr>
-            <a:xfrm>
-              <a:off x="5791201" y="3038543"/>
-              <a:ext cx="228600" cy="1970"/>
-            </a:xfrm>
-            <a:prstGeom prst="bentConnector3">
-              <a:avLst>
-                <a:gd name="adj1" fmla="val 50000"/>
-              </a:avLst>
-            </a:prstGeom>
-            <a:ln w="19050">
-              <a:solidFill>
-                <a:schemeClr val="accent6">
-                  <a:lumMod val="75000"/>
-                </a:schemeClr>
-              </a:solidFill>
-              <a:prstDash val="sysDot"/>
-              <a:headEnd type="none" w="med" len="med"/>
-              <a:tailEnd type="arrow" w="med" len="med"/>
-            </a:ln>
-            <a:effectLst/>
-          </p:spPr>
-          <p:style>
-            <a:lnRef idx="1">
-              <a:schemeClr val="accent2"/>
-            </a:lnRef>
-            <a:fillRef idx="2">
-              <a:schemeClr val="accent2"/>
-            </a:fillRef>
-            <a:effectRef idx="1">
-              <a:schemeClr val="accent2"/>
-            </a:effectRef>
-            <a:fontRef idx="minor">
-              <a:schemeClr val="dk1"/>
-            </a:fontRef>
-          </p:style>
-        </p:cxnSp>
-        <p:sp>
-          <p:nvSpPr>
-            <p:cNvPr id="50" name="Rectangle 8"/>
-            <p:cNvSpPr/>
-            <p:nvPr/>
-          </p:nvSpPr>
-          <p:spPr>
-            <a:xfrm>
-              <a:off x="4621366" y="2865163"/>
-              <a:ext cx="1169835" cy="346760"/>
-            </a:xfrm>
-            <a:prstGeom prst="rect">
-              <a:avLst/>
-            </a:prstGeom>
-            <a:ln w="19050"/>
-            <a:effectLst/>
-          </p:spPr>
-          <p:style>
-            <a:lnRef idx="1">
-              <a:schemeClr val="accent6"/>
-            </a:lnRef>
-            <a:fillRef idx="2">
-              <a:schemeClr val="accent6"/>
-            </a:fillRef>
-            <a:effectRef idx="1">
-              <a:schemeClr val="accent6"/>
-            </a:effectRef>
-            <a:fontRef idx="minor">
-              <a:schemeClr val="dk1"/>
-            </a:fontRef>
-          </p:style>
-          <p:txBody>
-            <a:bodyPr rtlCol="0" anchor="ctr"/>
-            <a:lstStyle/>
-            <a:p>
-              <a:pPr algn="ctr"/>
-              <a:r>
-                <a:rPr lang="en-US" sz="1050" b="1" dirty="0" err="1">
-                  <a:solidFill>
-                    <a:schemeClr val="accent6">
-                      <a:lumMod val="75000"/>
-                    </a:schemeClr>
-                  </a:solidFill>
-                </a:rPr>
-                <a:t>JsonOrders</a:t>
-              </a:r>
-              <a:br>
-                <a:rPr lang="en-US" sz="1050" b="1" dirty="0">
-                  <a:solidFill>
-                    <a:schemeClr val="accent6">
-                      <a:lumMod val="75000"/>
-                    </a:schemeClr>
-                  </a:solidFill>
-                </a:rPr>
-              </a:br>
-              <a:r>
-                <a:rPr lang="en-US" sz="1050" b="1" dirty="0">
+                <a:rPr lang="en-US" sz="1200" b="1" dirty="0">
                   <a:solidFill>
                     <a:schemeClr val="accent6">
                       <a:lumMod val="75000"/>
@@ -4189,7 +3517,7 @@
                 </a:rPr>
                 <a:t>Storage</a:t>
               </a:r>
-              <a:endParaRPr lang="en-SG" sz="1050" b="1" dirty="0">
+              <a:endParaRPr lang="en-SG" sz="1200" b="1" dirty="0">
                 <a:solidFill>
                   <a:schemeClr val="accent6">
                     <a:lumMod val="75000"/>
@@ -4199,2413 +3527,3106 @@
             </a:p>
           </p:txBody>
         </p:sp>
-        <p:sp>
-          <p:nvSpPr>
-            <p:cNvPr id="52" name="Rectangle 8"/>
-            <p:cNvSpPr/>
+        <p:grpSp>
+          <p:nvGrpSpPr>
+            <p:cNvPr id="143" name="Group 142">
+              <a:extLst>
+                <a:ext uri="{FF2B5EF4-FFF2-40B4-BE49-F238E27FC236}">
+                  <a16:creationId xmlns:a16="http://schemas.microsoft.com/office/drawing/2014/main" id="{31E167F8-7DB8-4047-91E2-25C5E098867D}"/>
+                </a:ext>
+              </a:extLst>
+            </p:cNvPr>
+            <p:cNvGrpSpPr/>
             <p:nvPr/>
-          </p:nvSpPr>
-          <p:spPr>
+          </p:nvGrpSpPr>
+          <p:grpSpPr>
             <a:xfrm>
-              <a:off x="2873945" y="4606240"/>
-              <a:ext cx="1323049" cy="346760"/>
+              <a:off x="609600" y="859437"/>
+              <a:ext cx="8083687" cy="4224300"/>
+              <a:chOff x="910091" y="954440"/>
+              <a:chExt cx="8083687" cy="4224300"/>
             </a:xfrm>
-            <a:prstGeom prst="rect">
-              <a:avLst/>
-            </a:prstGeom>
-            <a:solidFill>
-              <a:schemeClr val="accent6">
-                <a:lumMod val="75000"/>
-              </a:schemeClr>
-            </a:solidFill>
-            <a:ln w="19050">
+          </p:grpSpPr>
+          <p:sp>
+            <p:nvSpPr>
+              <p:cNvPr id="2" name="Rectangle 8"/>
+              <p:cNvSpPr/>
+              <p:nvPr/>
+            </p:nvSpPr>
+            <p:spPr>
+              <a:xfrm>
+                <a:off x="2877183" y="2865165"/>
+                <a:ext cx="1323049" cy="346760"/>
+              </a:xfrm>
+              <a:prstGeom prst="rect">
+                <a:avLst/>
+              </a:prstGeom>
               <a:solidFill>
                 <a:schemeClr val="accent6">
                   <a:lumMod val="75000"/>
                 </a:schemeClr>
               </a:solidFill>
-            </a:ln>
-            <a:effectLst/>
-          </p:spPr>
-          <p:style>
-            <a:lnRef idx="1">
-              <a:schemeClr val="accent2"/>
-            </a:lnRef>
-            <a:fillRef idx="2">
-              <a:schemeClr val="accent2"/>
-            </a:fillRef>
-            <a:effectRef idx="1">
-              <a:schemeClr val="accent2"/>
-            </a:effectRef>
-            <a:fontRef idx="minor">
-              <a:schemeClr val="dk1"/>
-            </a:fontRef>
-          </p:style>
-          <p:txBody>
-            <a:bodyPr rtlCol="0" anchor="ctr"/>
-            <a:lstStyle/>
-            <a:p>
-              <a:pPr algn="ctr"/>
-              <a:r>
-                <a:rPr lang="en-US" sz="1050" dirty="0">
+              <a:ln w="19050">
+                <a:solidFill>
+                  <a:schemeClr val="accent6">
+                    <a:lumMod val="75000"/>
+                  </a:schemeClr>
+                </a:solidFill>
+              </a:ln>
+              <a:effectLst/>
+            </p:spPr>
+            <p:style>
+              <a:lnRef idx="1">
+                <a:schemeClr val="accent2"/>
+              </a:lnRef>
+              <a:fillRef idx="2">
+                <a:schemeClr val="accent2"/>
+              </a:fillRef>
+              <a:effectRef idx="1">
+                <a:schemeClr val="accent2"/>
+              </a:effectRef>
+              <a:fontRef idx="minor">
+                <a:schemeClr val="dk1"/>
+              </a:fontRef>
+            </p:style>
+            <p:txBody>
+              <a:bodyPr rtlCol="0" anchor="ctr"/>
+              <a:lstStyle/>
+              <a:p>
+                <a:pPr algn="ctr"/>
+                <a:r>
+                  <a:rPr lang="en-US" sz="1050" dirty="0">
+                    <a:solidFill>
+                      <a:schemeClr val="bg1"/>
+                    </a:solidFill>
+                  </a:rPr>
+                  <a:t>&lt;&lt;interface&gt;&gt;</a:t>
+                </a:r>
+                <a:br>
+                  <a:rPr lang="en-US" sz="1050" dirty="0">
+                    <a:solidFill>
+                      <a:schemeClr val="bg1"/>
+                    </a:solidFill>
+                  </a:rPr>
+                </a:br>
+                <a:r>
+                  <a:rPr lang="en-US" sz="1050" dirty="0" err="1">
+                    <a:solidFill>
+                      <a:schemeClr val="bg1"/>
+                    </a:solidFill>
+                  </a:rPr>
+                  <a:t>OrdersStorage</a:t>
+                </a:r>
+                <a:endParaRPr lang="en-SG" sz="1050" dirty="0">
                   <a:solidFill>
                     <a:schemeClr val="bg1"/>
                   </a:solidFill>
-                </a:rPr>
-                <a:t>&lt;&lt;interface&gt;&gt;</a:t>
-              </a:r>
-              <a:br>
-                <a:rPr lang="en-US" sz="1050" dirty="0">
-                  <a:solidFill>
-                    <a:schemeClr val="bg1"/>
-                  </a:solidFill>
-                </a:rPr>
-              </a:br>
-              <a:r>
-                <a:rPr lang="en-US" sz="1050" dirty="0" err="1">
-                  <a:solidFill>
-                    <a:schemeClr val="bg1"/>
-                  </a:solidFill>
-                </a:rPr>
-                <a:t>UserPrefsStorage</a:t>
-              </a:r>
-              <a:endParaRPr lang="en-SG" sz="1050" dirty="0">
-                <a:solidFill>
-                  <a:schemeClr val="bg1"/>
-                </a:solidFill>
-              </a:endParaRPr>
-            </a:p>
-          </p:txBody>
-        </p:sp>
-        <p:cxnSp>
-          <p:nvCxnSpPr>
-            <p:cNvPr id="54" name="Straight Arrow Connector 53"/>
-            <p:cNvCxnSpPr>
-              <a:cxnSpLocks/>
-              <a:endCxn id="52" idx="1"/>
-            </p:cNvCxnSpPr>
-            <p:nvPr/>
-          </p:nvCxnSpPr>
-          <p:spPr>
-            <a:xfrm>
-              <a:off x="2653135" y="4774336"/>
-              <a:ext cx="220810" cy="5284"/>
-            </a:xfrm>
-            <a:prstGeom prst="straightConnector1">
-              <a:avLst/>
-            </a:prstGeom>
-            <a:ln w="19050">
+                </a:endParaRPr>
+              </a:p>
+            </p:txBody>
+          </p:sp>
+          <p:sp>
+            <p:nvSpPr>
+              <p:cNvPr id="9" name="Rectangle 62"/>
+              <p:cNvSpPr/>
+              <p:nvPr/>
+            </p:nvSpPr>
+            <p:spPr>
+              <a:xfrm rot="16200000">
+                <a:off x="249588" y="2874621"/>
+                <a:ext cx="3962392" cy="346760"/>
+              </a:xfrm>
+              <a:prstGeom prst="rect">
+                <a:avLst/>
+              </a:prstGeom>
               <a:solidFill>
                 <a:schemeClr val="accent6">
                   <a:lumMod val="75000"/>
                 </a:schemeClr>
               </a:solidFill>
-              <a:headEnd type="none" w="med" len="med"/>
-              <a:tailEnd type="arrow" w="med" len="med"/>
-            </a:ln>
-            <a:effectLst/>
-          </p:spPr>
-          <p:style>
-            <a:lnRef idx="1">
-              <a:schemeClr val="accent2"/>
-            </a:lnRef>
-            <a:fillRef idx="2">
-              <a:schemeClr val="accent2"/>
-            </a:fillRef>
-            <a:effectRef idx="1">
-              <a:schemeClr val="accent2"/>
-            </a:effectRef>
-            <a:fontRef idx="minor">
-              <a:schemeClr val="dk1"/>
-            </a:fontRef>
-          </p:style>
-        </p:cxnSp>
-        <p:sp>
-          <p:nvSpPr>
-            <p:cNvPr id="56" name="Flowchart: Decision 96"/>
-            <p:cNvSpPr/>
-            <p:nvPr/>
-          </p:nvSpPr>
-          <p:spPr>
-            <a:xfrm>
-              <a:off x="2416753" y="4687646"/>
-              <a:ext cx="236048" cy="173380"/>
-            </a:xfrm>
-            <a:prstGeom prst="flowChartDecision">
-              <a:avLst/>
-            </a:prstGeom>
-            <a:noFill/>
-            <a:ln w="19050">
+              <a:ln w="19050">
+                <a:solidFill>
+                  <a:schemeClr val="accent6">
+                    <a:lumMod val="75000"/>
+                  </a:schemeClr>
+                </a:solidFill>
+              </a:ln>
+              <a:effectLst/>
+            </p:spPr>
+            <p:style>
+              <a:lnRef idx="1">
+                <a:schemeClr val="accent2"/>
+              </a:lnRef>
+              <a:fillRef idx="2">
+                <a:schemeClr val="accent2"/>
+              </a:fillRef>
+              <a:effectRef idx="1">
+                <a:schemeClr val="accent2"/>
+              </a:effectRef>
+              <a:fontRef idx="minor">
+                <a:schemeClr val="dk1"/>
+              </a:fontRef>
+            </p:style>
+            <p:txBody>
+              <a:bodyPr rtlCol="0" anchor="ctr"/>
+              <a:lstStyle/>
+              <a:p>
+                <a:pPr algn="ctr"/>
+                <a:r>
+                  <a:rPr lang="en-US" sz="1050" dirty="0" err="1">
+                    <a:solidFill>
+                      <a:schemeClr val="bg1"/>
+                    </a:solidFill>
+                  </a:rPr>
+                  <a:t>StorageManager</a:t>
+                </a:r>
+                <a:endParaRPr lang="en-SG" sz="1050" dirty="0">
+                  <a:solidFill>
+                    <a:schemeClr val="bg1"/>
+                  </a:solidFill>
+                </a:endParaRPr>
+              </a:p>
+            </p:txBody>
+          </p:sp>
+          <p:sp>
+            <p:nvSpPr>
+              <p:cNvPr id="119" name="Rectangle 62"/>
+              <p:cNvSpPr/>
+              <p:nvPr/>
+            </p:nvSpPr>
+            <p:spPr>
+              <a:xfrm rot="16200000">
+                <a:off x="-609125" y="2893210"/>
+                <a:ext cx="4224300" cy="346760"/>
+              </a:xfrm>
+              <a:prstGeom prst="rect">
+                <a:avLst/>
+              </a:prstGeom>
               <a:solidFill>
                 <a:schemeClr val="accent6">
                   <a:lumMod val="75000"/>
                 </a:schemeClr>
               </a:solidFill>
-            </a:ln>
-            <a:effectLst/>
-          </p:spPr>
-          <p:style>
-            <a:lnRef idx="1">
-              <a:schemeClr val="accent2"/>
-            </a:lnRef>
-            <a:fillRef idx="2">
-              <a:schemeClr val="accent2"/>
-            </a:fillRef>
-            <a:effectRef idx="1">
-              <a:schemeClr val="accent2"/>
-            </a:effectRef>
-            <a:fontRef idx="minor">
-              <a:schemeClr val="dk1"/>
-            </a:fontRef>
-          </p:style>
-          <p:txBody>
-            <a:bodyPr rtlCol="0" anchor="ctr"/>
-            <a:lstStyle/>
-            <a:p>
-              <a:pPr algn="ctr"/>
-              <a:endParaRPr lang="en-US" sz="1050" dirty="0">
+              <a:ln w="19050">
                 <a:solidFill>
-                  <a:schemeClr val="bg1"/>
+                  <a:schemeClr val="accent6">
+                    <a:lumMod val="75000"/>
+                  </a:schemeClr>
                 </a:solidFill>
-              </a:endParaRPr>
-            </a:p>
-          </p:txBody>
-        </p:sp>
-        <p:cxnSp>
-          <p:nvCxnSpPr>
-            <p:cNvPr id="60" name="Elbow Connector 63"/>
-            <p:cNvCxnSpPr>
-              <a:stCxn id="61" idx="3"/>
-              <a:endCxn id="65" idx="1"/>
-            </p:cNvCxnSpPr>
-            <p:nvPr/>
-          </p:nvCxnSpPr>
-          <p:spPr>
-            <a:xfrm flipV="1">
-              <a:off x="4394806" y="4779619"/>
-              <a:ext cx="223323" cy="2"/>
-            </a:xfrm>
-            <a:prstGeom prst="bentConnector3">
-              <a:avLst>
-                <a:gd name="adj1" fmla="val 50000"/>
-              </a:avLst>
-            </a:prstGeom>
-            <a:ln w="19050">
+              </a:ln>
+              <a:effectLst/>
+            </p:spPr>
+            <p:style>
+              <a:lnRef idx="1">
+                <a:schemeClr val="accent2"/>
+              </a:lnRef>
+              <a:fillRef idx="2">
+                <a:schemeClr val="accent2"/>
+              </a:fillRef>
+              <a:effectRef idx="1">
+                <a:schemeClr val="accent2"/>
+              </a:effectRef>
+              <a:fontRef idx="minor">
+                <a:schemeClr val="dk1"/>
+              </a:fontRef>
+            </p:style>
+            <p:txBody>
+              <a:bodyPr rtlCol="0" anchor="ctr"/>
+              <a:lstStyle/>
+              <a:p>
+                <a:pPr algn="ctr"/>
+                <a:r>
+                  <a:rPr lang="en-US" sz="1050" dirty="0">
+                    <a:solidFill>
+                      <a:schemeClr val="bg1"/>
+                    </a:solidFill>
+                  </a:rPr>
+                  <a:t>&lt;&lt;interface&gt;&gt;</a:t>
+                </a:r>
+              </a:p>
+              <a:p>
+                <a:pPr algn="ctr"/>
+                <a:r>
+                  <a:rPr lang="en-US" sz="1050" dirty="0">
+                    <a:solidFill>
+                      <a:schemeClr val="bg1"/>
+                    </a:solidFill>
+                  </a:rPr>
+                  <a:t>Storage</a:t>
+                </a:r>
+                <a:endParaRPr lang="en-SG" sz="1050" dirty="0">
+                  <a:solidFill>
+                    <a:schemeClr val="bg1"/>
+                  </a:solidFill>
+                </a:endParaRPr>
+              </a:p>
+            </p:txBody>
+          </p:sp>
+          <p:sp>
+            <p:nvSpPr>
+              <p:cNvPr id="120" name="Isosceles Triangle 102"/>
+              <p:cNvSpPr/>
+              <p:nvPr/>
+            </p:nvSpPr>
+            <p:spPr>
+              <a:xfrm rot="16200000">
+                <a:off x="1626914" y="2952293"/>
+                <a:ext cx="270504" cy="175523"/>
+              </a:xfrm>
+              <a:prstGeom prst="triangle">
+                <a:avLst/>
+              </a:prstGeom>
               <a:solidFill>
                 <a:schemeClr val="accent6">
                   <a:lumMod val="75000"/>
                 </a:schemeClr>
               </a:solidFill>
-              <a:prstDash val="sysDot"/>
-              <a:headEnd type="none" w="med" len="med"/>
-              <a:tailEnd type="none" w="med" len="med"/>
-            </a:ln>
-            <a:effectLst/>
-          </p:spPr>
-          <p:style>
-            <a:lnRef idx="1">
-              <a:schemeClr val="accent2"/>
-            </a:lnRef>
-            <a:fillRef idx="2">
-              <a:schemeClr val="accent2"/>
-            </a:fillRef>
-            <a:effectRef idx="1">
-              <a:schemeClr val="accent2"/>
-            </a:effectRef>
-            <a:fontRef idx="minor">
-              <a:schemeClr val="dk1"/>
-            </a:fontRef>
-          </p:style>
-        </p:cxnSp>
-        <p:sp>
-          <p:nvSpPr>
-            <p:cNvPr id="61" name="Isosceles Triangle 102"/>
-            <p:cNvSpPr/>
-            <p:nvPr/>
-          </p:nvSpPr>
-          <p:spPr>
-            <a:xfrm rot="5400000" flipV="1">
-              <a:off x="4171792" y="4691859"/>
-              <a:ext cx="270504" cy="175523"/>
-            </a:xfrm>
-            <a:prstGeom prst="triangle">
-              <a:avLst/>
-            </a:prstGeom>
-            <a:solidFill>
-              <a:schemeClr val="accent6">
-                <a:lumMod val="75000"/>
-              </a:schemeClr>
-            </a:solidFill>
-            <a:ln w="19050">
+              <a:ln w="19050">
+                <a:solidFill>
+                  <a:schemeClr val="accent6">
+                    <a:lumMod val="75000"/>
+                  </a:schemeClr>
+                </a:solidFill>
+              </a:ln>
+              <a:effectLst/>
+            </p:spPr>
+            <p:style>
+              <a:lnRef idx="1">
+                <a:schemeClr val="accent2"/>
+              </a:lnRef>
+              <a:fillRef idx="2">
+                <a:schemeClr val="accent2"/>
+              </a:fillRef>
+              <a:effectRef idx="1">
+                <a:schemeClr val="accent2"/>
+              </a:effectRef>
+              <a:fontRef idx="minor">
+                <a:schemeClr val="dk1"/>
+              </a:fontRef>
+            </p:style>
+            <p:txBody>
+              <a:bodyPr rtlCol="0" anchor="ctr"/>
+              <a:lstStyle/>
+              <a:p>
+                <a:pPr algn="ctr"/>
+                <a:endParaRPr lang="en-SG" sz="1050">
+                  <a:solidFill>
+                    <a:schemeClr val="bg1"/>
+                  </a:solidFill>
+                </a:endParaRPr>
+              </a:p>
+            </p:txBody>
+          </p:sp>
+          <p:cxnSp>
+            <p:nvCxnSpPr>
+              <p:cNvPr id="58" name="Straight Arrow Connector 57"/>
+              <p:cNvCxnSpPr>
+                <a:stCxn id="42" idx="3"/>
+                <a:endCxn id="2" idx="1"/>
+              </p:cNvCxnSpPr>
+              <p:nvPr/>
+            </p:nvCxnSpPr>
+            <p:spPr>
+              <a:xfrm>
+                <a:off x="2656373" y="3033261"/>
+                <a:ext cx="220810" cy="5284"/>
+              </a:xfrm>
+              <a:prstGeom prst="straightConnector1">
+                <a:avLst/>
+              </a:prstGeom>
+              <a:ln w="19050">
+                <a:solidFill>
+                  <a:schemeClr val="accent6">
+                    <a:lumMod val="75000"/>
+                  </a:schemeClr>
+                </a:solidFill>
+                <a:headEnd type="none" w="med" len="med"/>
+                <a:tailEnd type="arrow" w="med" len="med"/>
+              </a:ln>
+              <a:effectLst/>
+            </p:spPr>
+            <p:style>
+              <a:lnRef idx="1">
+                <a:schemeClr val="accent2"/>
+              </a:lnRef>
+              <a:fillRef idx="2">
+                <a:schemeClr val="accent2"/>
+              </a:fillRef>
+              <a:effectRef idx="1">
+                <a:schemeClr val="accent2"/>
+              </a:effectRef>
+              <a:fontRef idx="minor">
+                <a:schemeClr val="dk1"/>
+              </a:fontRef>
+            </p:style>
+          </p:cxnSp>
+          <p:cxnSp>
+            <p:nvCxnSpPr>
+              <p:cNvPr id="75" name="Elbow Connector 122"/>
+              <p:cNvCxnSpPr/>
+              <p:nvPr/>
+            </p:nvCxnSpPr>
+            <p:spPr>
+              <a:xfrm>
+                <a:off x="910091" y="3040053"/>
+                <a:ext cx="419548" cy="2860"/>
+              </a:xfrm>
+              <a:prstGeom prst="bentConnector3">
+                <a:avLst>
+                  <a:gd name="adj1" fmla="val 50000"/>
+                </a:avLst>
+              </a:prstGeom>
+              <a:ln w="19050">
+                <a:solidFill>
+                  <a:schemeClr val="bg1">
+                    <a:lumMod val="75000"/>
+                  </a:schemeClr>
+                </a:solidFill>
+                <a:prstDash val="sysDot"/>
+                <a:headEnd type="none" w="med" len="med"/>
+                <a:tailEnd type="arrow" w="med" len="med"/>
+              </a:ln>
+              <a:effectLst/>
+            </p:spPr>
+            <p:style>
+              <a:lnRef idx="1">
+                <a:schemeClr val="accent2"/>
+              </a:lnRef>
+              <a:fillRef idx="2">
+                <a:schemeClr val="accent2"/>
+              </a:fillRef>
+              <a:effectRef idx="1">
+                <a:schemeClr val="accent2"/>
+              </a:effectRef>
+              <a:fontRef idx="minor">
+                <a:schemeClr val="dk1"/>
+              </a:fontRef>
+            </p:style>
+          </p:cxnSp>
+          <p:cxnSp>
+            <p:nvCxnSpPr>
+              <p:cNvPr id="21" name="Straight Connector 20"/>
+              <p:cNvCxnSpPr>
+                <a:stCxn id="120" idx="3"/>
+              </p:cNvCxnSpPr>
+              <p:nvPr/>
+            </p:nvCxnSpPr>
+            <p:spPr>
+              <a:xfrm flipV="1">
+                <a:off x="1849928" y="3040054"/>
+                <a:ext cx="216105" cy="1"/>
+              </a:xfrm>
+              <a:prstGeom prst="line">
+                <a:avLst/>
+              </a:prstGeom>
+              <a:ln w="19050">
+                <a:solidFill>
+                  <a:schemeClr val="accent6">
+                    <a:lumMod val="75000"/>
+                  </a:schemeClr>
+                </a:solidFill>
+                <a:prstDash val="sysDot"/>
+                <a:headEnd type="none" w="med" len="med"/>
+                <a:tailEnd type="none" w="med" len="med"/>
+              </a:ln>
+              <a:effectLst/>
+            </p:spPr>
+            <p:style>
+              <a:lnRef idx="1">
+                <a:schemeClr val="accent2"/>
+              </a:lnRef>
+              <a:fillRef idx="2">
+                <a:schemeClr val="accent2"/>
+              </a:fillRef>
+              <a:effectRef idx="1">
+                <a:schemeClr val="accent2"/>
+              </a:effectRef>
+              <a:fontRef idx="minor">
+                <a:schemeClr val="dk1"/>
+              </a:fontRef>
+            </p:style>
+          </p:cxnSp>
+          <p:sp>
+            <p:nvSpPr>
+              <p:cNvPr id="42" name="Flowchart: Decision 96"/>
+              <p:cNvSpPr/>
+              <p:nvPr/>
+            </p:nvSpPr>
+            <p:spPr>
+              <a:xfrm>
+                <a:off x="2420325" y="2946571"/>
+                <a:ext cx="236048" cy="173380"/>
+              </a:xfrm>
+              <a:prstGeom prst="flowChartDecision">
+                <a:avLst/>
+              </a:prstGeom>
+              <a:noFill/>
+              <a:ln w="19050">
+                <a:solidFill>
+                  <a:schemeClr val="accent6">
+                    <a:lumMod val="75000"/>
+                  </a:schemeClr>
+                </a:solidFill>
+              </a:ln>
+              <a:effectLst/>
+            </p:spPr>
+            <p:style>
+              <a:lnRef idx="1">
+                <a:schemeClr val="accent2"/>
+              </a:lnRef>
+              <a:fillRef idx="2">
+                <a:schemeClr val="accent2"/>
+              </a:fillRef>
+              <a:effectRef idx="1">
+                <a:schemeClr val="accent2"/>
+              </a:effectRef>
+              <a:fontRef idx="minor">
+                <a:schemeClr val="dk1"/>
+              </a:fontRef>
+            </p:style>
+            <p:txBody>
+              <a:bodyPr rtlCol="0" anchor="ctr"/>
+              <a:lstStyle/>
+              <a:p>
+                <a:pPr algn="ctr"/>
+                <a:endParaRPr lang="en-US" sz="1050">
+                  <a:solidFill>
+                    <a:schemeClr val="bg1"/>
+                  </a:solidFill>
+                </a:endParaRPr>
+              </a:p>
+            </p:txBody>
+          </p:sp>
+          <p:cxnSp>
+            <p:nvCxnSpPr>
+              <p:cNvPr id="97" name="Elbow Connector 63"/>
+              <p:cNvCxnSpPr>
+                <a:stCxn id="99" idx="3"/>
+                <a:endCxn id="50" idx="1"/>
+              </p:cNvCxnSpPr>
+              <p:nvPr/>
+            </p:nvCxnSpPr>
+            <p:spPr>
+              <a:xfrm flipV="1">
+                <a:off x="4398044" y="3038543"/>
+                <a:ext cx="223322" cy="3"/>
+              </a:xfrm>
+              <a:prstGeom prst="bentConnector3">
+                <a:avLst>
+                  <a:gd name="adj1" fmla="val 50000"/>
+                </a:avLst>
+              </a:prstGeom>
+              <a:ln w="19050">
+                <a:solidFill>
+                  <a:schemeClr val="accent6">
+                    <a:lumMod val="75000"/>
+                  </a:schemeClr>
+                </a:solidFill>
+                <a:prstDash val="sysDot"/>
+                <a:headEnd type="none" w="med" len="med"/>
+                <a:tailEnd type="none" w="med" len="med"/>
+              </a:ln>
+              <a:effectLst/>
+            </p:spPr>
+            <p:style>
+              <a:lnRef idx="1">
+                <a:schemeClr val="accent2"/>
+              </a:lnRef>
+              <a:fillRef idx="2">
+                <a:schemeClr val="accent2"/>
+              </a:fillRef>
+              <a:effectRef idx="1">
+                <a:schemeClr val="accent2"/>
+              </a:effectRef>
+              <a:fontRef idx="minor">
+                <a:schemeClr val="dk1"/>
+              </a:fontRef>
+            </p:style>
+          </p:cxnSp>
+          <p:sp>
+            <p:nvSpPr>
+              <p:cNvPr id="99" name="Isosceles Triangle 102"/>
+              <p:cNvSpPr/>
+              <p:nvPr/>
+            </p:nvSpPr>
+            <p:spPr>
+              <a:xfrm rot="5400000" flipV="1">
+                <a:off x="4175030" y="2950784"/>
+                <a:ext cx="270504" cy="175523"/>
+              </a:xfrm>
+              <a:prstGeom prst="triangle">
+                <a:avLst/>
+              </a:prstGeom>
               <a:solidFill>
                 <a:schemeClr val="accent6">
                   <a:lumMod val="75000"/>
                 </a:schemeClr>
               </a:solidFill>
-            </a:ln>
-            <a:effectLst/>
-          </p:spPr>
-          <p:style>
-            <a:lnRef idx="1">
-              <a:schemeClr val="accent2"/>
-            </a:lnRef>
-            <a:fillRef idx="2">
-              <a:schemeClr val="accent2"/>
-            </a:fillRef>
-            <a:effectRef idx="1">
-              <a:schemeClr val="accent2"/>
-            </a:effectRef>
-            <a:fontRef idx="minor">
-              <a:schemeClr val="dk1"/>
-            </a:fontRef>
-          </p:style>
-          <p:txBody>
-            <a:bodyPr rtlCol="0" anchor="ctr"/>
-            <a:lstStyle/>
-            <a:p>
-              <a:pPr algn="ctr"/>
-              <a:endParaRPr lang="en-SG" sz="1050">
+              <a:ln w="19050">
                 <a:solidFill>
-                  <a:schemeClr val="bg1"/>
+                  <a:schemeClr val="accent6">
+                    <a:lumMod val="75000"/>
+                  </a:schemeClr>
                 </a:solidFill>
-              </a:endParaRPr>
-            </a:p>
-          </p:txBody>
-        </p:sp>
-        <p:sp>
-          <p:nvSpPr>
-            <p:cNvPr id="65" name="Rectangle 8"/>
-            <p:cNvSpPr/>
-            <p:nvPr/>
-          </p:nvSpPr>
-          <p:spPr>
-            <a:xfrm>
-              <a:off x="4618129" y="4606239"/>
-              <a:ext cx="1093635" cy="346760"/>
-            </a:xfrm>
-            <a:prstGeom prst="rect">
-              <a:avLst/>
-            </a:prstGeom>
-            <a:solidFill>
-              <a:schemeClr val="accent6">
-                <a:lumMod val="75000"/>
-              </a:schemeClr>
-            </a:solidFill>
-            <a:ln w="19050">
+              </a:ln>
+              <a:effectLst/>
+            </p:spPr>
+            <p:style>
+              <a:lnRef idx="1">
+                <a:schemeClr val="accent2"/>
+              </a:lnRef>
+              <a:fillRef idx="2">
+                <a:schemeClr val="accent2"/>
+              </a:fillRef>
+              <a:effectRef idx="1">
+                <a:schemeClr val="accent2"/>
+              </a:effectRef>
+              <a:fontRef idx="minor">
+                <a:schemeClr val="dk1"/>
+              </a:fontRef>
+            </p:style>
+            <p:txBody>
+              <a:bodyPr rtlCol="0" anchor="ctr"/>
+              <a:lstStyle/>
+              <a:p>
+                <a:pPr algn="ctr"/>
+                <a:endParaRPr lang="en-SG" sz="1050">
+                  <a:solidFill>
+                    <a:schemeClr val="bg1"/>
+                  </a:solidFill>
+                </a:endParaRPr>
+              </a:p>
+            </p:txBody>
+          </p:sp>
+          <p:cxnSp>
+            <p:nvCxnSpPr>
+              <p:cNvPr id="124" name="Elbow Connector 122"/>
+              <p:cNvCxnSpPr>
+                <a:stCxn id="50" idx="3"/>
+                <a:endCxn id="66" idx="1"/>
+              </p:cNvCxnSpPr>
+              <p:nvPr/>
+            </p:nvCxnSpPr>
+            <p:spPr>
+              <a:xfrm>
+                <a:off x="5791201" y="3038543"/>
+                <a:ext cx="228600" cy="1970"/>
+              </a:xfrm>
+              <a:prstGeom prst="bentConnector3">
+                <a:avLst>
+                  <a:gd name="adj1" fmla="val 50000"/>
+                </a:avLst>
+              </a:prstGeom>
+              <a:ln w="19050">
+                <a:solidFill>
+                  <a:schemeClr val="accent6">
+                    <a:lumMod val="75000"/>
+                  </a:schemeClr>
+                </a:solidFill>
+                <a:prstDash val="sysDot"/>
+                <a:headEnd type="none" w="med" len="med"/>
+                <a:tailEnd type="arrow" w="med" len="med"/>
+              </a:ln>
+              <a:effectLst/>
+            </p:spPr>
+            <p:style>
+              <a:lnRef idx="1">
+                <a:schemeClr val="accent2"/>
+              </a:lnRef>
+              <a:fillRef idx="2">
+                <a:schemeClr val="accent2"/>
+              </a:fillRef>
+              <a:effectRef idx="1">
+                <a:schemeClr val="accent2"/>
+              </a:effectRef>
+              <a:fontRef idx="minor">
+                <a:schemeClr val="dk1"/>
+              </a:fontRef>
+            </p:style>
+          </p:cxnSp>
+          <p:sp>
+            <p:nvSpPr>
+              <p:cNvPr id="50" name="Rectangle 8"/>
+              <p:cNvSpPr/>
+              <p:nvPr/>
+            </p:nvSpPr>
+            <p:spPr>
+              <a:xfrm>
+                <a:off x="4621366" y="2865163"/>
+                <a:ext cx="1169835" cy="346760"/>
+              </a:xfrm>
+              <a:prstGeom prst="rect">
+                <a:avLst/>
+              </a:prstGeom>
+              <a:ln w="19050"/>
+              <a:effectLst/>
+            </p:spPr>
+            <p:style>
+              <a:lnRef idx="1">
+                <a:schemeClr val="accent6"/>
+              </a:lnRef>
+              <a:fillRef idx="2">
+                <a:schemeClr val="accent6"/>
+              </a:fillRef>
+              <a:effectRef idx="1">
+                <a:schemeClr val="accent6"/>
+              </a:effectRef>
+              <a:fontRef idx="minor">
+                <a:schemeClr val="dk1"/>
+              </a:fontRef>
+            </p:style>
+            <p:txBody>
+              <a:bodyPr rtlCol="0" anchor="ctr"/>
+              <a:lstStyle/>
+              <a:p>
+                <a:pPr algn="ctr"/>
+                <a:r>
+                  <a:rPr lang="en-US" sz="1050" b="1" dirty="0" err="1">
+                    <a:solidFill>
+                      <a:schemeClr val="accent6">
+                        <a:lumMod val="75000"/>
+                      </a:schemeClr>
+                    </a:solidFill>
+                  </a:rPr>
+                  <a:t>JsonOrders</a:t>
+                </a:r>
+                <a:br>
+                  <a:rPr lang="en-US" sz="1050" b="1" dirty="0">
+                    <a:solidFill>
+                      <a:schemeClr val="accent6">
+                        <a:lumMod val="75000"/>
+                      </a:schemeClr>
+                    </a:solidFill>
+                  </a:rPr>
+                </a:br>
+                <a:r>
+                  <a:rPr lang="en-US" sz="1050" b="1" dirty="0">
+                    <a:solidFill>
+                      <a:schemeClr val="accent6">
+                        <a:lumMod val="75000"/>
+                      </a:schemeClr>
+                    </a:solidFill>
+                  </a:rPr>
+                  <a:t>Storage</a:t>
+                </a:r>
+                <a:endParaRPr lang="en-SG" sz="1050" b="1" dirty="0">
+                  <a:solidFill>
+                    <a:schemeClr val="accent6">
+                      <a:lumMod val="75000"/>
+                    </a:schemeClr>
+                  </a:solidFill>
+                </a:endParaRPr>
+              </a:p>
+            </p:txBody>
+          </p:sp>
+          <p:sp>
+            <p:nvSpPr>
+              <p:cNvPr id="52" name="Rectangle 8"/>
+              <p:cNvSpPr/>
+              <p:nvPr/>
+            </p:nvSpPr>
+            <p:spPr>
+              <a:xfrm>
+                <a:off x="2873945" y="4606240"/>
+                <a:ext cx="1323049" cy="346760"/>
+              </a:xfrm>
+              <a:prstGeom prst="rect">
+                <a:avLst/>
+              </a:prstGeom>
               <a:solidFill>
                 <a:schemeClr val="accent6">
                   <a:lumMod val="75000"/>
                 </a:schemeClr>
               </a:solidFill>
-            </a:ln>
-            <a:effectLst/>
-          </p:spPr>
-          <p:style>
-            <a:lnRef idx="1">
-              <a:schemeClr val="accent2"/>
-            </a:lnRef>
-            <a:fillRef idx="2">
-              <a:schemeClr val="accent2"/>
-            </a:fillRef>
-            <a:effectRef idx="1">
-              <a:schemeClr val="accent2"/>
-            </a:effectRef>
-            <a:fontRef idx="minor">
-              <a:schemeClr val="dk1"/>
-            </a:fontRef>
-          </p:style>
-          <p:txBody>
-            <a:bodyPr rtlCol="0" anchor="ctr"/>
-            <a:lstStyle/>
-            <a:p>
-              <a:pPr algn="ctr"/>
-              <a:r>
-                <a:rPr lang="en-US" sz="1050" dirty="0" err="1">
+              <a:ln w="19050">
+                <a:solidFill>
+                  <a:schemeClr val="accent6">
+                    <a:lumMod val="75000"/>
+                  </a:schemeClr>
+                </a:solidFill>
+              </a:ln>
+              <a:effectLst/>
+            </p:spPr>
+            <p:style>
+              <a:lnRef idx="1">
+                <a:schemeClr val="accent2"/>
+              </a:lnRef>
+              <a:fillRef idx="2">
+                <a:schemeClr val="accent2"/>
+              </a:fillRef>
+              <a:effectRef idx="1">
+                <a:schemeClr val="accent2"/>
+              </a:effectRef>
+              <a:fontRef idx="minor">
+                <a:schemeClr val="dk1"/>
+              </a:fontRef>
+            </p:style>
+            <p:txBody>
+              <a:bodyPr rtlCol="0" anchor="ctr"/>
+              <a:lstStyle/>
+              <a:p>
+                <a:pPr algn="ctr"/>
+                <a:r>
+                  <a:rPr lang="en-US" sz="1050" dirty="0">
+                    <a:solidFill>
+                      <a:schemeClr val="bg1"/>
+                    </a:solidFill>
+                  </a:rPr>
+                  <a:t>&lt;&lt;interface&gt;&gt;</a:t>
+                </a:r>
+                <a:br>
+                  <a:rPr lang="en-US" sz="1050" dirty="0">
+                    <a:solidFill>
+                      <a:schemeClr val="bg1"/>
+                    </a:solidFill>
+                  </a:rPr>
+                </a:br>
+                <a:r>
+                  <a:rPr lang="en-US" sz="1050" dirty="0" err="1">
+                    <a:solidFill>
+                      <a:schemeClr val="bg1"/>
+                    </a:solidFill>
+                  </a:rPr>
+                  <a:t>UserPrefsStorage</a:t>
+                </a:r>
+                <a:endParaRPr lang="en-SG" sz="1050" dirty="0">
                   <a:solidFill>
                     <a:schemeClr val="bg1"/>
                   </a:solidFill>
-                </a:rPr>
-                <a:t>JsonUserPrefs</a:t>
-              </a:r>
-              <a:br>
-                <a:rPr lang="en-US" sz="1050" dirty="0">
+                </a:endParaRPr>
+              </a:p>
+            </p:txBody>
+          </p:sp>
+          <p:cxnSp>
+            <p:nvCxnSpPr>
+              <p:cNvPr id="54" name="Straight Arrow Connector 53"/>
+              <p:cNvCxnSpPr>
+                <a:cxnSpLocks/>
+                <a:endCxn id="52" idx="1"/>
+              </p:cNvCxnSpPr>
+              <p:nvPr/>
+            </p:nvCxnSpPr>
+            <p:spPr>
+              <a:xfrm>
+                <a:off x="2653135" y="4774336"/>
+                <a:ext cx="220810" cy="5284"/>
+              </a:xfrm>
+              <a:prstGeom prst="straightConnector1">
+                <a:avLst/>
+              </a:prstGeom>
+              <a:ln w="19050">
+                <a:solidFill>
+                  <a:schemeClr val="accent6">
+                    <a:lumMod val="75000"/>
+                  </a:schemeClr>
+                </a:solidFill>
+                <a:headEnd type="none" w="med" len="med"/>
+                <a:tailEnd type="arrow" w="med" len="med"/>
+              </a:ln>
+              <a:effectLst/>
+            </p:spPr>
+            <p:style>
+              <a:lnRef idx="1">
+                <a:schemeClr val="accent2"/>
+              </a:lnRef>
+              <a:fillRef idx="2">
+                <a:schemeClr val="accent2"/>
+              </a:fillRef>
+              <a:effectRef idx="1">
+                <a:schemeClr val="accent2"/>
+              </a:effectRef>
+              <a:fontRef idx="minor">
+                <a:schemeClr val="dk1"/>
+              </a:fontRef>
+            </p:style>
+          </p:cxnSp>
+          <p:sp>
+            <p:nvSpPr>
+              <p:cNvPr id="56" name="Flowchart: Decision 96"/>
+              <p:cNvSpPr/>
+              <p:nvPr/>
+            </p:nvSpPr>
+            <p:spPr>
+              <a:xfrm>
+                <a:off x="2416753" y="4687646"/>
+                <a:ext cx="236048" cy="173380"/>
+              </a:xfrm>
+              <a:prstGeom prst="flowChartDecision">
+                <a:avLst/>
+              </a:prstGeom>
+              <a:noFill/>
+              <a:ln w="19050">
+                <a:solidFill>
+                  <a:schemeClr val="accent6">
+                    <a:lumMod val="75000"/>
+                  </a:schemeClr>
+                </a:solidFill>
+              </a:ln>
+              <a:effectLst/>
+            </p:spPr>
+            <p:style>
+              <a:lnRef idx="1">
+                <a:schemeClr val="accent2"/>
+              </a:lnRef>
+              <a:fillRef idx="2">
+                <a:schemeClr val="accent2"/>
+              </a:fillRef>
+              <a:effectRef idx="1">
+                <a:schemeClr val="accent2"/>
+              </a:effectRef>
+              <a:fontRef idx="minor">
+                <a:schemeClr val="dk1"/>
+              </a:fontRef>
+            </p:style>
+            <p:txBody>
+              <a:bodyPr rtlCol="0" anchor="ctr"/>
+              <a:lstStyle/>
+              <a:p>
+                <a:pPr algn="ctr"/>
+                <a:endParaRPr lang="en-US" sz="1050" dirty="0">
                   <a:solidFill>
                     <a:schemeClr val="bg1"/>
                   </a:solidFill>
-                </a:rPr>
-              </a:br>
-              <a:r>
-                <a:rPr lang="en-US" sz="1050" dirty="0">
+                </a:endParaRPr>
+              </a:p>
+            </p:txBody>
+          </p:sp>
+          <p:cxnSp>
+            <p:nvCxnSpPr>
+              <p:cNvPr id="60" name="Elbow Connector 63"/>
+              <p:cNvCxnSpPr>
+                <a:stCxn id="61" idx="3"/>
+                <a:endCxn id="65" idx="1"/>
+              </p:cNvCxnSpPr>
+              <p:nvPr/>
+            </p:nvCxnSpPr>
+            <p:spPr>
+              <a:xfrm flipV="1">
+                <a:off x="4394806" y="4779619"/>
+                <a:ext cx="223323" cy="2"/>
+              </a:xfrm>
+              <a:prstGeom prst="bentConnector3">
+                <a:avLst>
+                  <a:gd name="adj1" fmla="val 50000"/>
+                </a:avLst>
+              </a:prstGeom>
+              <a:ln w="19050">
+                <a:solidFill>
+                  <a:schemeClr val="accent6">
+                    <a:lumMod val="75000"/>
+                  </a:schemeClr>
+                </a:solidFill>
+                <a:prstDash val="sysDot"/>
+                <a:headEnd type="none" w="med" len="med"/>
+                <a:tailEnd type="none" w="med" len="med"/>
+              </a:ln>
+              <a:effectLst/>
+            </p:spPr>
+            <p:style>
+              <a:lnRef idx="1">
+                <a:schemeClr val="accent2"/>
+              </a:lnRef>
+              <a:fillRef idx="2">
+                <a:schemeClr val="accent2"/>
+              </a:fillRef>
+              <a:effectRef idx="1">
+                <a:schemeClr val="accent2"/>
+              </a:effectRef>
+              <a:fontRef idx="minor">
+                <a:schemeClr val="dk1"/>
+              </a:fontRef>
+            </p:style>
+          </p:cxnSp>
+          <p:sp>
+            <p:nvSpPr>
+              <p:cNvPr id="61" name="Isosceles Triangle 102"/>
+              <p:cNvSpPr/>
+              <p:nvPr/>
+            </p:nvSpPr>
+            <p:spPr>
+              <a:xfrm rot="5400000" flipV="1">
+                <a:off x="4171792" y="4691859"/>
+                <a:ext cx="270504" cy="175523"/>
+              </a:xfrm>
+              <a:prstGeom prst="triangle">
+                <a:avLst/>
+              </a:prstGeom>
+              <a:solidFill>
+                <a:schemeClr val="accent6">
+                  <a:lumMod val="75000"/>
+                </a:schemeClr>
+              </a:solidFill>
+              <a:ln w="19050">
+                <a:solidFill>
+                  <a:schemeClr val="accent6">
+                    <a:lumMod val="75000"/>
+                  </a:schemeClr>
+                </a:solidFill>
+              </a:ln>
+              <a:effectLst/>
+            </p:spPr>
+            <p:style>
+              <a:lnRef idx="1">
+                <a:schemeClr val="accent2"/>
+              </a:lnRef>
+              <a:fillRef idx="2">
+                <a:schemeClr val="accent2"/>
+              </a:fillRef>
+              <a:effectRef idx="1">
+                <a:schemeClr val="accent2"/>
+              </a:effectRef>
+              <a:fontRef idx="minor">
+                <a:schemeClr val="dk1"/>
+              </a:fontRef>
+            </p:style>
+            <p:txBody>
+              <a:bodyPr rtlCol="0" anchor="ctr"/>
+              <a:lstStyle/>
+              <a:p>
+                <a:pPr algn="ctr"/>
+                <a:endParaRPr lang="en-SG" sz="1050">
                   <a:solidFill>
                     <a:schemeClr val="bg1"/>
                   </a:solidFill>
-                </a:rPr>
-                <a:t>Storage</a:t>
-              </a:r>
-              <a:endParaRPr lang="en-SG" sz="1050" dirty="0">
+                </a:endParaRPr>
+              </a:p>
+            </p:txBody>
+          </p:sp>
+          <p:sp>
+            <p:nvSpPr>
+              <p:cNvPr id="65" name="Rectangle 8"/>
+              <p:cNvSpPr/>
+              <p:nvPr/>
+            </p:nvSpPr>
+            <p:spPr>
+              <a:xfrm>
+                <a:off x="4618129" y="4606239"/>
+                <a:ext cx="1093635" cy="346760"/>
+              </a:xfrm>
+              <a:prstGeom prst="rect">
+                <a:avLst/>
+              </a:prstGeom>
+              <a:solidFill>
+                <a:schemeClr val="accent6">
+                  <a:lumMod val="75000"/>
+                </a:schemeClr>
+              </a:solidFill>
+              <a:ln w="19050">
                 <a:solidFill>
-                  <a:schemeClr val="bg1"/>
+                  <a:schemeClr val="accent6">
+                    <a:lumMod val="75000"/>
+                  </a:schemeClr>
                 </a:solidFill>
-              </a:endParaRPr>
-            </a:p>
-          </p:txBody>
-        </p:sp>
-        <p:sp>
-          <p:nvSpPr>
-            <p:cNvPr id="66" name="Rectangle 8"/>
-            <p:cNvSpPr/>
-            <p:nvPr/>
-          </p:nvSpPr>
-          <p:spPr>
-            <a:xfrm>
-              <a:off x="6019801" y="2867133"/>
-              <a:ext cx="1200707" cy="346760"/>
-            </a:xfrm>
-            <a:prstGeom prst="rect">
-              <a:avLst/>
-            </a:prstGeom>
-            <a:ln w="19050"/>
-            <a:effectLst/>
-          </p:spPr>
-          <p:style>
-            <a:lnRef idx="1">
-              <a:schemeClr val="accent6"/>
-            </a:lnRef>
-            <a:fillRef idx="2">
-              <a:schemeClr val="accent6"/>
-            </a:fillRef>
-            <a:effectRef idx="1">
-              <a:schemeClr val="accent6"/>
-            </a:effectRef>
-            <a:fontRef idx="minor">
-              <a:schemeClr val="dk1"/>
-            </a:fontRef>
-          </p:style>
-          <p:txBody>
-            <a:bodyPr rtlCol="0" anchor="ctr"/>
-            <a:lstStyle/>
-            <a:p>
-              <a:pPr algn="ctr"/>
-              <a:r>
-                <a:rPr lang="en-US" sz="1050" b="1" dirty="0" err="1">
+              </a:ln>
+              <a:effectLst/>
+            </p:spPr>
+            <p:style>
+              <a:lnRef idx="1">
+                <a:schemeClr val="accent2"/>
+              </a:lnRef>
+              <a:fillRef idx="2">
+                <a:schemeClr val="accent2"/>
+              </a:fillRef>
+              <a:effectRef idx="1">
+                <a:schemeClr val="accent2"/>
+              </a:effectRef>
+              <a:fontRef idx="minor">
+                <a:schemeClr val="dk1"/>
+              </a:fontRef>
+            </p:style>
+            <p:txBody>
+              <a:bodyPr rtlCol="0" anchor="ctr"/>
+              <a:lstStyle/>
+              <a:p>
+                <a:pPr algn="ctr"/>
+                <a:r>
+                  <a:rPr lang="en-US" sz="1050" dirty="0" err="1">
+                    <a:solidFill>
+                      <a:schemeClr val="bg1"/>
+                    </a:solidFill>
+                  </a:rPr>
+                  <a:t>JsonUserPrefs</a:t>
+                </a:r>
+                <a:br>
+                  <a:rPr lang="en-US" sz="1050" dirty="0">
+                    <a:solidFill>
+                      <a:schemeClr val="bg1"/>
+                    </a:solidFill>
+                  </a:rPr>
+                </a:br>
+                <a:r>
+                  <a:rPr lang="en-US" sz="1050" dirty="0">
+                    <a:solidFill>
+                      <a:schemeClr val="bg1"/>
+                    </a:solidFill>
+                  </a:rPr>
+                  <a:t>Storage</a:t>
+                </a:r>
+                <a:endParaRPr lang="en-SG" sz="1050" dirty="0">
+                  <a:solidFill>
+                    <a:schemeClr val="bg1"/>
+                  </a:solidFill>
+                </a:endParaRPr>
+              </a:p>
+            </p:txBody>
+          </p:sp>
+          <p:sp>
+            <p:nvSpPr>
+              <p:cNvPr id="66" name="Rectangle 8"/>
+              <p:cNvSpPr/>
+              <p:nvPr/>
+            </p:nvSpPr>
+            <p:spPr>
+              <a:xfrm>
+                <a:off x="6019801" y="2867133"/>
+                <a:ext cx="1200707" cy="346760"/>
+              </a:xfrm>
+              <a:prstGeom prst="rect">
+                <a:avLst/>
+              </a:prstGeom>
+              <a:ln w="19050"/>
+              <a:effectLst/>
+            </p:spPr>
+            <p:style>
+              <a:lnRef idx="1">
+                <a:schemeClr val="accent6"/>
+              </a:lnRef>
+              <a:fillRef idx="2">
+                <a:schemeClr val="accent6"/>
+              </a:fillRef>
+              <a:effectRef idx="1">
+                <a:schemeClr val="accent6"/>
+              </a:effectRef>
+              <a:fontRef idx="minor">
+                <a:schemeClr val="dk1"/>
+              </a:fontRef>
+            </p:style>
+            <p:txBody>
+              <a:bodyPr rtlCol="0" anchor="ctr"/>
+              <a:lstStyle/>
+              <a:p>
+                <a:pPr algn="ctr"/>
+                <a:r>
+                  <a:rPr lang="en-US" sz="1050" b="1" dirty="0" err="1">
+                    <a:solidFill>
+                      <a:schemeClr val="accent6">
+                        <a:lumMod val="75000"/>
+                      </a:schemeClr>
+                    </a:solidFill>
+                  </a:rPr>
+                  <a:t>JsonSerializable</a:t>
+                </a:r>
+                <a:br>
+                  <a:rPr lang="en-US" sz="1050" b="1" dirty="0">
+                    <a:solidFill>
+                      <a:schemeClr val="accent6">
+                        <a:lumMod val="75000"/>
+                      </a:schemeClr>
+                    </a:solidFill>
+                  </a:rPr>
+                </a:br>
+                <a:r>
+                  <a:rPr lang="en-US" sz="1050" b="1" dirty="0">
+                    <a:solidFill>
+                      <a:schemeClr val="accent6">
+                        <a:lumMod val="75000"/>
+                      </a:schemeClr>
+                    </a:solidFill>
+                  </a:rPr>
+                  <a:t>Orders</a:t>
+                </a:r>
+                <a:endParaRPr lang="en-SG" sz="1050" b="1" dirty="0">
                   <a:solidFill>
                     <a:schemeClr val="accent6">
                       <a:lumMod val="75000"/>
                     </a:schemeClr>
                   </a:solidFill>
-                </a:rPr>
-                <a:t>JsonSerializable</a:t>
-              </a:r>
-              <a:br>
-                <a:rPr lang="en-US" sz="1050" b="1" dirty="0">
+                </a:endParaRPr>
+              </a:p>
+            </p:txBody>
+          </p:sp>
+          <p:sp>
+            <p:nvSpPr>
+              <p:cNvPr id="74" name="Rectangle 8"/>
+              <p:cNvSpPr/>
+              <p:nvPr/>
+            </p:nvSpPr>
+            <p:spPr>
+              <a:xfrm>
+                <a:off x="7615739" y="2866347"/>
+                <a:ext cx="1259718" cy="346760"/>
+              </a:xfrm>
+              <a:prstGeom prst="rect">
+                <a:avLst/>
+              </a:prstGeom>
+              <a:ln w="19050"/>
+              <a:effectLst/>
+            </p:spPr>
+            <p:style>
+              <a:lnRef idx="1">
+                <a:schemeClr val="accent6"/>
+              </a:lnRef>
+              <a:fillRef idx="2">
+                <a:schemeClr val="accent6"/>
+              </a:fillRef>
+              <a:effectRef idx="1">
+                <a:schemeClr val="accent6"/>
+              </a:effectRef>
+              <a:fontRef idx="minor">
+                <a:schemeClr val="dk1"/>
+              </a:fontRef>
+            </p:style>
+            <p:txBody>
+              <a:bodyPr rtlCol="0" anchor="ctr"/>
+              <a:lstStyle/>
+              <a:p>
+                <a:pPr algn="ctr"/>
+                <a:r>
+                  <a:rPr lang="en-US" sz="1030" b="1" dirty="0" err="1">
+                    <a:solidFill>
+                      <a:schemeClr val="accent6">
+                        <a:lumMod val="75000"/>
+                      </a:schemeClr>
+                    </a:solidFill>
+                  </a:rPr>
+                  <a:t>JsonAdaptedOrders</a:t>
+                </a:r>
+                <a:endParaRPr lang="en-SG" sz="1030" b="1" dirty="0">
                   <a:solidFill>
                     <a:schemeClr val="accent6">
                       <a:lumMod val="75000"/>
                     </a:schemeClr>
                   </a:solidFill>
-                </a:rPr>
-              </a:br>
-              <a:r>
-                <a:rPr lang="en-US" sz="1050" b="1" dirty="0">
+                </a:endParaRPr>
+              </a:p>
+            </p:txBody>
+          </p:sp>
+          <p:cxnSp>
+            <p:nvCxnSpPr>
+              <p:cNvPr id="77" name="Elbow Connector 122"/>
+              <p:cNvCxnSpPr>
+                <a:cxnSpLocks/>
+                <a:stCxn id="66" idx="3"/>
+                <a:endCxn id="74" idx="1"/>
+              </p:cNvCxnSpPr>
+              <p:nvPr/>
+            </p:nvCxnSpPr>
+            <p:spPr>
+              <a:xfrm flipV="1">
+                <a:off x="7220508" y="3039727"/>
+                <a:ext cx="395231" cy="786"/>
+              </a:xfrm>
+              <a:prstGeom prst="bentConnector3">
+                <a:avLst>
+                  <a:gd name="adj1" fmla="val 50000"/>
+                </a:avLst>
+              </a:prstGeom>
+              <a:ln w="19050">
+                <a:prstDash val="sysDot"/>
+                <a:headEnd type="none" w="med" len="med"/>
+                <a:tailEnd type="arrow" w="med" len="med"/>
+              </a:ln>
+              <a:effectLst/>
+            </p:spPr>
+            <p:style>
+              <a:lnRef idx="1">
+                <a:schemeClr val="accent6"/>
+              </a:lnRef>
+              <a:fillRef idx="2">
+                <a:schemeClr val="accent6"/>
+              </a:fillRef>
+              <a:effectRef idx="1">
+                <a:schemeClr val="accent6"/>
+              </a:effectRef>
+              <a:fontRef idx="minor">
+                <a:schemeClr val="dk1"/>
+              </a:fontRef>
+            </p:style>
+          </p:cxnSp>
+          <p:sp>
+            <p:nvSpPr>
+              <p:cNvPr id="55" name="Rectangle 8">
+                <a:extLst>
+                  <a:ext uri="{FF2B5EF4-FFF2-40B4-BE49-F238E27FC236}">
+                    <a16:creationId xmlns:a16="http://schemas.microsoft.com/office/drawing/2014/main" id="{E4DD0726-81C2-45A1-829A-D0B0D47C58AA}"/>
+                  </a:ext>
+                </a:extLst>
+              </p:cNvPr>
+              <p:cNvSpPr/>
+              <p:nvPr/>
+            </p:nvSpPr>
+            <p:spPr>
+              <a:xfrm>
+                <a:off x="2873611" y="1152816"/>
+                <a:ext cx="1323049" cy="346760"/>
+              </a:xfrm>
+              <a:prstGeom prst="rect">
+                <a:avLst/>
+              </a:prstGeom>
+              <a:solidFill>
+                <a:schemeClr val="accent6">
+                  <a:lumMod val="75000"/>
+                </a:schemeClr>
+              </a:solidFill>
+              <a:ln w="19050">
+                <a:solidFill>
+                  <a:schemeClr val="accent6">
+                    <a:lumMod val="75000"/>
+                  </a:schemeClr>
+                </a:solidFill>
+              </a:ln>
+              <a:effectLst/>
+            </p:spPr>
+            <p:style>
+              <a:lnRef idx="1">
+                <a:schemeClr val="accent2"/>
+              </a:lnRef>
+              <a:fillRef idx="2">
+                <a:schemeClr val="accent2"/>
+              </a:fillRef>
+              <a:effectRef idx="1">
+                <a:schemeClr val="accent2"/>
+              </a:effectRef>
+              <a:fontRef idx="minor">
+                <a:schemeClr val="dk1"/>
+              </a:fontRef>
+            </p:style>
+            <p:txBody>
+              <a:bodyPr rtlCol="0" anchor="ctr"/>
+              <a:lstStyle/>
+              <a:p>
+                <a:pPr algn="ctr"/>
+                <a:r>
+                  <a:rPr lang="en-US" sz="1050" dirty="0">
+                    <a:solidFill>
+                      <a:schemeClr val="bg1"/>
+                    </a:solidFill>
+                  </a:rPr>
+                  <a:t>&lt;&lt;interface&gt;&gt;</a:t>
+                </a:r>
+                <a:br>
+                  <a:rPr lang="en-US" sz="1050" dirty="0">
+                    <a:solidFill>
+                      <a:schemeClr val="bg1"/>
+                    </a:solidFill>
+                  </a:rPr>
+                </a:br>
+                <a:r>
+                  <a:rPr lang="en-US" sz="1050" dirty="0" err="1">
+                    <a:solidFill>
+                      <a:schemeClr val="bg1"/>
+                    </a:solidFill>
+                  </a:rPr>
+                  <a:t>StatisticsStorage</a:t>
+                </a:r>
+                <a:endParaRPr lang="en-SG" sz="1050" dirty="0">
+                  <a:solidFill>
+                    <a:schemeClr val="bg1"/>
+                  </a:solidFill>
+                </a:endParaRPr>
+              </a:p>
+            </p:txBody>
+          </p:sp>
+          <p:cxnSp>
+            <p:nvCxnSpPr>
+              <p:cNvPr id="57" name="Straight Arrow Connector 56">
+                <a:extLst>
+                  <a:ext uri="{FF2B5EF4-FFF2-40B4-BE49-F238E27FC236}">
+                    <a16:creationId xmlns:a16="http://schemas.microsoft.com/office/drawing/2014/main" id="{42A129BB-0240-419C-A652-BBFC42B15CC1}"/>
+                  </a:ext>
+                </a:extLst>
+              </p:cNvPr>
+              <p:cNvCxnSpPr>
+                <a:stCxn id="59" idx="3"/>
+                <a:endCxn id="55" idx="1"/>
+              </p:cNvCxnSpPr>
+              <p:nvPr/>
+            </p:nvCxnSpPr>
+            <p:spPr>
+              <a:xfrm>
+                <a:off x="2652801" y="1320912"/>
+                <a:ext cx="220810" cy="5284"/>
+              </a:xfrm>
+              <a:prstGeom prst="straightConnector1">
+                <a:avLst/>
+              </a:prstGeom>
+              <a:ln w="19050">
+                <a:solidFill>
+                  <a:schemeClr val="accent6">
+                    <a:lumMod val="75000"/>
+                  </a:schemeClr>
+                </a:solidFill>
+                <a:headEnd type="none" w="med" len="med"/>
+                <a:tailEnd type="arrow" w="med" len="med"/>
+              </a:ln>
+              <a:effectLst/>
+            </p:spPr>
+            <p:style>
+              <a:lnRef idx="1">
+                <a:schemeClr val="accent2"/>
+              </a:lnRef>
+              <a:fillRef idx="2">
+                <a:schemeClr val="accent2"/>
+              </a:fillRef>
+              <a:effectRef idx="1">
+                <a:schemeClr val="accent2"/>
+              </a:effectRef>
+              <a:fontRef idx="minor">
+                <a:schemeClr val="dk1"/>
+              </a:fontRef>
+            </p:style>
+          </p:cxnSp>
+          <p:sp>
+            <p:nvSpPr>
+              <p:cNvPr id="59" name="Flowchart: Decision 96">
+                <a:extLst>
+                  <a:ext uri="{FF2B5EF4-FFF2-40B4-BE49-F238E27FC236}">
+                    <a16:creationId xmlns:a16="http://schemas.microsoft.com/office/drawing/2014/main" id="{EE0BCA9C-2DC4-4C8E-8700-9229B0BFD177}"/>
+                  </a:ext>
+                </a:extLst>
+              </p:cNvPr>
+              <p:cNvSpPr/>
+              <p:nvPr/>
+            </p:nvSpPr>
+            <p:spPr>
+              <a:xfrm>
+                <a:off x="2416753" y="1234222"/>
+                <a:ext cx="236048" cy="173380"/>
+              </a:xfrm>
+              <a:prstGeom prst="flowChartDecision">
+                <a:avLst/>
+              </a:prstGeom>
+              <a:noFill/>
+              <a:ln w="19050">
+                <a:solidFill>
+                  <a:schemeClr val="accent6">
+                    <a:lumMod val="75000"/>
+                  </a:schemeClr>
+                </a:solidFill>
+              </a:ln>
+              <a:effectLst/>
+            </p:spPr>
+            <p:style>
+              <a:lnRef idx="1">
+                <a:schemeClr val="accent2"/>
+              </a:lnRef>
+              <a:fillRef idx="2">
+                <a:schemeClr val="accent2"/>
+              </a:fillRef>
+              <a:effectRef idx="1">
+                <a:schemeClr val="accent2"/>
+              </a:effectRef>
+              <a:fontRef idx="minor">
+                <a:schemeClr val="dk1"/>
+              </a:fontRef>
+            </p:style>
+            <p:txBody>
+              <a:bodyPr rtlCol="0" anchor="ctr"/>
+              <a:lstStyle/>
+              <a:p>
+                <a:pPr algn="ctr"/>
+                <a:endParaRPr lang="en-US" sz="1050">
+                  <a:solidFill>
+                    <a:schemeClr val="bg1"/>
+                  </a:solidFill>
+                </a:endParaRPr>
+              </a:p>
+            </p:txBody>
+          </p:sp>
+          <p:cxnSp>
+            <p:nvCxnSpPr>
+              <p:cNvPr id="62" name="Elbow Connector 63">
+                <a:extLst>
+                  <a:ext uri="{FF2B5EF4-FFF2-40B4-BE49-F238E27FC236}">
+                    <a16:creationId xmlns:a16="http://schemas.microsoft.com/office/drawing/2014/main" id="{F9DBD3AC-3759-48E9-A4D1-C117535AD035}"/>
+                  </a:ext>
+                </a:extLst>
+              </p:cNvPr>
+              <p:cNvCxnSpPr>
+                <a:stCxn id="63" idx="3"/>
+                <a:endCxn id="67" idx="1"/>
+              </p:cNvCxnSpPr>
+              <p:nvPr/>
+            </p:nvCxnSpPr>
+            <p:spPr>
+              <a:xfrm flipV="1">
+                <a:off x="4394471" y="1326193"/>
+                <a:ext cx="223322" cy="3"/>
+              </a:xfrm>
+              <a:prstGeom prst="bentConnector3">
+                <a:avLst>
+                  <a:gd name="adj1" fmla="val 50000"/>
+                </a:avLst>
+              </a:prstGeom>
+              <a:ln w="19050">
+                <a:solidFill>
+                  <a:schemeClr val="accent6">
+                    <a:lumMod val="75000"/>
+                  </a:schemeClr>
+                </a:solidFill>
+                <a:prstDash val="sysDot"/>
+                <a:headEnd type="none" w="med" len="med"/>
+                <a:tailEnd type="none" w="med" len="med"/>
+              </a:ln>
+              <a:effectLst/>
+            </p:spPr>
+            <p:style>
+              <a:lnRef idx="1">
+                <a:schemeClr val="accent2"/>
+              </a:lnRef>
+              <a:fillRef idx="2">
+                <a:schemeClr val="accent2"/>
+              </a:fillRef>
+              <a:effectRef idx="1">
+                <a:schemeClr val="accent2"/>
+              </a:effectRef>
+              <a:fontRef idx="minor">
+                <a:schemeClr val="dk1"/>
+              </a:fontRef>
+            </p:style>
+          </p:cxnSp>
+          <p:sp>
+            <p:nvSpPr>
+              <p:cNvPr id="63" name="Isosceles Triangle 102">
+                <a:extLst>
+                  <a:ext uri="{FF2B5EF4-FFF2-40B4-BE49-F238E27FC236}">
+                    <a16:creationId xmlns:a16="http://schemas.microsoft.com/office/drawing/2014/main" id="{F05E022F-CACC-4080-87AC-39CE1A63126A}"/>
+                  </a:ext>
+                </a:extLst>
+              </p:cNvPr>
+              <p:cNvSpPr/>
+              <p:nvPr/>
+            </p:nvSpPr>
+            <p:spPr>
+              <a:xfrm rot="5400000" flipV="1">
+                <a:off x="4171457" y="1238434"/>
+                <a:ext cx="270504" cy="175523"/>
+              </a:xfrm>
+              <a:prstGeom prst="triangle">
+                <a:avLst/>
+              </a:prstGeom>
+              <a:solidFill>
+                <a:schemeClr val="accent6">
+                  <a:lumMod val="75000"/>
+                </a:schemeClr>
+              </a:solidFill>
+              <a:ln w="19050">
+                <a:solidFill>
+                  <a:schemeClr val="accent6">
+                    <a:lumMod val="75000"/>
+                  </a:schemeClr>
+                </a:solidFill>
+              </a:ln>
+              <a:effectLst/>
+            </p:spPr>
+            <p:style>
+              <a:lnRef idx="1">
+                <a:schemeClr val="accent2"/>
+              </a:lnRef>
+              <a:fillRef idx="2">
+                <a:schemeClr val="accent2"/>
+              </a:fillRef>
+              <a:effectRef idx="1">
+                <a:schemeClr val="accent2"/>
+              </a:effectRef>
+              <a:fontRef idx="minor">
+                <a:schemeClr val="dk1"/>
+              </a:fontRef>
+            </p:style>
+            <p:txBody>
+              <a:bodyPr rtlCol="0" anchor="ctr"/>
+              <a:lstStyle/>
+              <a:p>
+                <a:pPr algn="ctr"/>
+                <a:endParaRPr lang="en-SG" sz="1050">
+                  <a:solidFill>
+                    <a:schemeClr val="bg1"/>
+                  </a:solidFill>
+                </a:endParaRPr>
+              </a:p>
+            </p:txBody>
+          </p:sp>
+          <p:cxnSp>
+            <p:nvCxnSpPr>
+              <p:cNvPr id="64" name="Elbow Connector 122">
+                <a:extLst>
+                  <a:ext uri="{FF2B5EF4-FFF2-40B4-BE49-F238E27FC236}">
+                    <a16:creationId xmlns:a16="http://schemas.microsoft.com/office/drawing/2014/main" id="{C92DC855-E47D-4B36-8F85-8A0D54F51E19}"/>
+                  </a:ext>
+                </a:extLst>
+              </p:cNvPr>
+              <p:cNvCxnSpPr>
+                <a:stCxn id="67" idx="3"/>
+                <a:endCxn id="68" idx="1"/>
+              </p:cNvCxnSpPr>
+              <p:nvPr/>
+            </p:nvCxnSpPr>
+            <p:spPr>
+              <a:xfrm>
+                <a:off x="5787628" y="1326193"/>
+                <a:ext cx="228600" cy="1970"/>
+              </a:xfrm>
+              <a:prstGeom prst="bentConnector3">
+                <a:avLst>
+                  <a:gd name="adj1" fmla="val 50000"/>
+                </a:avLst>
+              </a:prstGeom>
+              <a:ln w="19050">
+                <a:solidFill>
+                  <a:schemeClr val="accent6">
+                    <a:lumMod val="75000"/>
+                  </a:schemeClr>
+                </a:solidFill>
+                <a:prstDash val="sysDot"/>
+                <a:headEnd type="none" w="med" len="med"/>
+                <a:tailEnd type="arrow" w="med" len="med"/>
+              </a:ln>
+              <a:effectLst/>
+            </p:spPr>
+            <p:style>
+              <a:lnRef idx="1">
+                <a:schemeClr val="accent2"/>
+              </a:lnRef>
+              <a:fillRef idx="2">
+                <a:schemeClr val="accent2"/>
+              </a:fillRef>
+              <a:effectRef idx="1">
+                <a:schemeClr val="accent2"/>
+              </a:effectRef>
+              <a:fontRef idx="minor">
+                <a:schemeClr val="dk1"/>
+              </a:fontRef>
+            </p:style>
+          </p:cxnSp>
+          <p:sp>
+            <p:nvSpPr>
+              <p:cNvPr id="67" name="Rectangle 8">
+                <a:extLst>
+                  <a:ext uri="{FF2B5EF4-FFF2-40B4-BE49-F238E27FC236}">
+                    <a16:creationId xmlns:a16="http://schemas.microsoft.com/office/drawing/2014/main" id="{78DAA991-A206-47AD-BDEE-A42A67C4D40B}"/>
+                  </a:ext>
+                </a:extLst>
+              </p:cNvPr>
+              <p:cNvSpPr/>
+              <p:nvPr/>
+            </p:nvSpPr>
+            <p:spPr>
+              <a:xfrm>
+                <a:off x="4617793" y="1152813"/>
+                <a:ext cx="1169835" cy="346760"/>
+              </a:xfrm>
+              <a:prstGeom prst="rect">
+                <a:avLst/>
+              </a:prstGeom>
+              <a:ln w="19050"/>
+              <a:effectLst/>
+            </p:spPr>
+            <p:style>
+              <a:lnRef idx="1">
+                <a:schemeClr val="accent6"/>
+              </a:lnRef>
+              <a:fillRef idx="2">
+                <a:schemeClr val="accent6"/>
+              </a:fillRef>
+              <a:effectRef idx="1">
+                <a:schemeClr val="accent6"/>
+              </a:effectRef>
+              <a:fontRef idx="minor">
+                <a:schemeClr val="dk1"/>
+              </a:fontRef>
+            </p:style>
+            <p:txBody>
+              <a:bodyPr rtlCol="0" anchor="ctr"/>
+              <a:lstStyle/>
+              <a:p>
+                <a:pPr algn="ctr"/>
+                <a:r>
+                  <a:rPr lang="en-US" sz="1050" b="1" dirty="0" err="1">
+                    <a:solidFill>
+                      <a:schemeClr val="accent6">
+                        <a:lumMod val="75000"/>
+                      </a:schemeClr>
+                    </a:solidFill>
+                  </a:rPr>
+                  <a:t>JsonStatistics</a:t>
+                </a:r>
+                <a:br>
+                  <a:rPr lang="en-US" sz="1050" b="1" dirty="0">
+                    <a:solidFill>
+                      <a:schemeClr val="accent6">
+                        <a:lumMod val="75000"/>
+                      </a:schemeClr>
+                    </a:solidFill>
+                  </a:rPr>
+                </a:br>
+                <a:r>
+                  <a:rPr lang="en-US" sz="1050" b="1" dirty="0">
+                    <a:solidFill>
+                      <a:schemeClr val="accent6">
+                        <a:lumMod val="75000"/>
+                      </a:schemeClr>
+                    </a:solidFill>
+                  </a:rPr>
+                  <a:t>Storage</a:t>
+                </a:r>
+                <a:endParaRPr lang="en-SG" sz="1050" b="1" dirty="0">
                   <a:solidFill>
                     <a:schemeClr val="accent6">
                       <a:lumMod val="75000"/>
                     </a:schemeClr>
                   </a:solidFill>
-                </a:rPr>
-                <a:t>Orders</a:t>
-              </a:r>
-              <a:endParaRPr lang="en-SG" sz="1050" b="1" dirty="0">
+                </a:endParaRPr>
+              </a:p>
+            </p:txBody>
+          </p:sp>
+          <p:sp>
+            <p:nvSpPr>
+              <p:cNvPr id="68" name="Rectangle 8">
+                <a:extLst>
+                  <a:ext uri="{FF2B5EF4-FFF2-40B4-BE49-F238E27FC236}">
+                    <a16:creationId xmlns:a16="http://schemas.microsoft.com/office/drawing/2014/main" id="{D9A76FDE-EEDD-4EAB-ADB4-975E216AFBF4}"/>
+                  </a:ext>
+                </a:extLst>
+              </p:cNvPr>
+              <p:cNvSpPr/>
+              <p:nvPr/>
+            </p:nvSpPr>
+            <p:spPr>
+              <a:xfrm>
+                <a:off x="6016228" y="1154783"/>
+                <a:ext cx="1200707" cy="346760"/>
+              </a:xfrm>
+              <a:prstGeom prst="rect">
+                <a:avLst/>
+              </a:prstGeom>
+              <a:ln w="19050"/>
+              <a:effectLst/>
+            </p:spPr>
+            <p:style>
+              <a:lnRef idx="1">
+                <a:schemeClr val="accent6"/>
+              </a:lnRef>
+              <a:fillRef idx="2">
+                <a:schemeClr val="accent6"/>
+              </a:fillRef>
+              <a:effectRef idx="1">
+                <a:schemeClr val="accent6"/>
+              </a:effectRef>
+              <a:fontRef idx="minor">
+                <a:schemeClr val="dk1"/>
+              </a:fontRef>
+            </p:style>
+            <p:txBody>
+              <a:bodyPr rtlCol="0" anchor="ctr"/>
+              <a:lstStyle/>
+              <a:p>
+                <a:pPr algn="ctr"/>
+                <a:r>
+                  <a:rPr lang="en-US" sz="1050" b="1" dirty="0" err="1">
+                    <a:solidFill>
+                      <a:schemeClr val="accent6">
+                        <a:lumMod val="75000"/>
+                      </a:schemeClr>
+                    </a:solidFill>
+                  </a:rPr>
+                  <a:t>JsonSerializable</a:t>
+                </a:r>
+                <a:br>
+                  <a:rPr lang="en-US" sz="1050" b="1" dirty="0">
+                    <a:solidFill>
+                      <a:schemeClr val="accent6">
+                        <a:lumMod val="75000"/>
+                      </a:schemeClr>
+                    </a:solidFill>
+                  </a:rPr>
+                </a:br>
+                <a:r>
+                  <a:rPr lang="en-US" sz="1050" b="1" dirty="0">
+                    <a:solidFill>
+                      <a:schemeClr val="accent6">
+                        <a:lumMod val="75000"/>
+                      </a:schemeClr>
+                    </a:solidFill>
+                  </a:rPr>
+                  <a:t>Statistics</a:t>
+                </a:r>
+                <a:endParaRPr lang="en-SG" sz="1050" b="1" dirty="0">
+                  <a:solidFill>
+                    <a:schemeClr val="accent6">
+                      <a:lumMod val="75000"/>
+                    </a:schemeClr>
+                  </a:solidFill>
+                </a:endParaRPr>
+              </a:p>
+            </p:txBody>
+          </p:sp>
+          <p:sp>
+            <p:nvSpPr>
+              <p:cNvPr id="72" name="Rectangle 8">
+                <a:extLst>
+                  <a:ext uri="{FF2B5EF4-FFF2-40B4-BE49-F238E27FC236}">
+                    <a16:creationId xmlns:a16="http://schemas.microsoft.com/office/drawing/2014/main" id="{761A066B-BFA5-4064-8240-7F9CDB47245C}"/>
+                  </a:ext>
+                </a:extLst>
+              </p:cNvPr>
+              <p:cNvSpPr/>
+              <p:nvPr/>
+            </p:nvSpPr>
+            <p:spPr>
+              <a:xfrm>
+                <a:off x="7612165" y="1153997"/>
+                <a:ext cx="1381613" cy="346760"/>
+              </a:xfrm>
+              <a:prstGeom prst="rect">
+                <a:avLst/>
+              </a:prstGeom>
+              <a:ln w="19050"/>
+              <a:effectLst/>
+            </p:spPr>
+            <p:style>
+              <a:lnRef idx="1">
+                <a:schemeClr val="accent6"/>
+              </a:lnRef>
+              <a:fillRef idx="2">
+                <a:schemeClr val="accent6"/>
+              </a:fillRef>
+              <a:effectRef idx="1">
+                <a:schemeClr val="accent6"/>
+              </a:effectRef>
+              <a:fontRef idx="minor">
+                <a:schemeClr val="dk1"/>
+              </a:fontRef>
+            </p:style>
+            <p:txBody>
+              <a:bodyPr rtlCol="0" anchor="ctr"/>
+              <a:lstStyle/>
+              <a:p>
+                <a:pPr algn="ctr"/>
+                <a:r>
+                  <a:rPr lang="en-US" sz="1030" b="1" dirty="0" err="1">
+                    <a:solidFill>
+                      <a:schemeClr val="accent6">
+                        <a:lumMod val="75000"/>
+                      </a:schemeClr>
+                    </a:solidFill>
+                  </a:rPr>
+                  <a:t>JsonAdaptedStatistics</a:t>
+                </a:r>
+                <a:endParaRPr lang="en-SG" sz="1030" b="1" dirty="0">
+                  <a:solidFill>
+                    <a:schemeClr val="accent6">
+                      <a:lumMod val="75000"/>
+                    </a:schemeClr>
+                  </a:solidFill>
+                </a:endParaRPr>
+              </a:p>
+            </p:txBody>
+          </p:sp>
+          <p:cxnSp>
+            <p:nvCxnSpPr>
+              <p:cNvPr id="76" name="Elbow Connector 122">
+                <a:extLst>
+                  <a:ext uri="{FF2B5EF4-FFF2-40B4-BE49-F238E27FC236}">
+                    <a16:creationId xmlns:a16="http://schemas.microsoft.com/office/drawing/2014/main" id="{2BFF2C97-DD15-4AFD-AACF-4F7663692D86}"/>
+                  </a:ext>
+                </a:extLst>
+              </p:cNvPr>
+              <p:cNvCxnSpPr>
+                <a:cxnSpLocks/>
+                <a:stCxn id="68" idx="3"/>
+                <a:endCxn id="72" idx="1"/>
+              </p:cNvCxnSpPr>
+              <p:nvPr/>
+            </p:nvCxnSpPr>
+            <p:spPr>
+              <a:xfrm flipV="1">
+                <a:off x="7216935" y="1327377"/>
+                <a:ext cx="395230" cy="786"/>
+              </a:xfrm>
+              <a:prstGeom prst="bentConnector3">
+                <a:avLst>
+                  <a:gd name="adj1" fmla="val 50000"/>
+                </a:avLst>
+              </a:prstGeom>
+              <a:ln w="19050">
+                <a:prstDash val="sysDot"/>
+                <a:headEnd type="none" w="med" len="med"/>
+                <a:tailEnd type="arrow" w="med" len="med"/>
+              </a:ln>
+              <a:effectLst/>
+            </p:spPr>
+            <p:style>
+              <a:lnRef idx="1">
+                <a:schemeClr val="accent6"/>
+              </a:lnRef>
+              <a:fillRef idx="2">
+                <a:schemeClr val="accent6"/>
+              </a:fillRef>
+              <a:effectRef idx="1">
+                <a:schemeClr val="accent6"/>
+              </a:effectRef>
+              <a:fontRef idx="minor">
+                <a:schemeClr val="dk1"/>
+              </a:fontRef>
+            </p:style>
+          </p:cxnSp>
+          <p:sp>
+            <p:nvSpPr>
+              <p:cNvPr id="104" name="Rectangle 8">
+                <a:extLst>
+                  <a:ext uri="{FF2B5EF4-FFF2-40B4-BE49-F238E27FC236}">
+                    <a16:creationId xmlns:a16="http://schemas.microsoft.com/office/drawing/2014/main" id="{67B15D1B-414C-4F61-A8FB-AE6907129068}"/>
+                  </a:ext>
+                </a:extLst>
+              </p:cNvPr>
+              <p:cNvSpPr/>
+              <p:nvPr/>
+            </p:nvSpPr>
+            <p:spPr>
+              <a:xfrm>
+                <a:off x="2873611" y="1962649"/>
+                <a:ext cx="1323049" cy="346760"/>
+              </a:xfrm>
+              <a:prstGeom prst="rect">
+                <a:avLst/>
+              </a:prstGeom>
+              <a:solidFill>
+                <a:schemeClr val="accent6">
+                  <a:lumMod val="75000"/>
+                </a:schemeClr>
+              </a:solidFill>
+              <a:ln w="19050">
                 <a:solidFill>
                   <a:schemeClr val="accent6">
                     <a:lumMod val="75000"/>
                   </a:schemeClr>
                 </a:solidFill>
-              </a:endParaRPr>
-            </a:p>
-          </p:txBody>
-        </p:sp>
-        <p:sp>
-          <p:nvSpPr>
-            <p:cNvPr id="74" name="Rectangle 8"/>
-            <p:cNvSpPr/>
-            <p:nvPr/>
-          </p:nvSpPr>
-          <p:spPr>
-            <a:xfrm>
-              <a:off x="7615739" y="2866347"/>
-              <a:ext cx="1259718" cy="346760"/>
-            </a:xfrm>
-            <a:prstGeom prst="rect">
-              <a:avLst/>
-            </a:prstGeom>
-            <a:ln w="19050"/>
-            <a:effectLst/>
-          </p:spPr>
-          <p:style>
-            <a:lnRef idx="1">
-              <a:schemeClr val="accent6"/>
-            </a:lnRef>
-            <a:fillRef idx="2">
-              <a:schemeClr val="accent6"/>
-            </a:fillRef>
-            <a:effectRef idx="1">
-              <a:schemeClr val="accent6"/>
-            </a:effectRef>
-            <a:fontRef idx="minor">
-              <a:schemeClr val="dk1"/>
-            </a:fontRef>
-          </p:style>
-          <p:txBody>
-            <a:bodyPr rtlCol="0" anchor="ctr"/>
-            <a:lstStyle/>
-            <a:p>
-              <a:pPr algn="ctr"/>
-              <a:r>
-                <a:rPr lang="en-US" sz="1030" b="1" dirty="0" err="1">
+              </a:ln>
+              <a:effectLst/>
+            </p:spPr>
+            <p:style>
+              <a:lnRef idx="1">
+                <a:schemeClr val="accent2"/>
+              </a:lnRef>
+              <a:fillRef idx="2">
+                <a:schemeClr val="accent2"/>
+              </a:fillRef>
+              <a:effectRef idx="1">
+                <a:schemeClr val="accent2"/>
+              </a:effectRef>
+              <a:fontRef idx="minor">
+                <a:schemeClr val="dk1"/>
+              </a:fontRef>
+            </p:style>
+            <p:txBody>
+              <a:bodyPr rtlCol="0" anchor="ctr"/>
+              <a:lstStyle/>
+              <a:p>
+                <a:pPr algn="ctr"/>
+                <a:r>
+                  <a:rPr lang="en-US" sz="1050" dirty="0">
+                    <a:solidFill>
+                      <a:schemeClr val="bg1"/>
+                    </a:solidFill>
+                  </a:rPr>
+                  <a:t>&lt;&lt;interface&gt;&gt;</a:t>
+                </a:r>
+                <a:br>
+                  <a:rPr lang="en-US" sz="1050" dirty="0">
+                    <a:solidFill>
+                      <a:schemeClr val="bg1"/>
+                    </a:solidFill>
+                  </a:rPr>
+                </a:br>
+                <a:r>
+                  <a:rPr lang="en-US" sz="1050" dirty="0" err="1">
+                    <a:solidFill>
+                      <a:schemeClr val="bg1"/>
+                    </a:solidFill>
+                  </a:rPr>
+                  <a:t>TableStorage</a:t>
+                </a:r>
+                <a:endParaRPr lang="en-SG" sz="1050" dirty="0">
+                  <a:solidFill>
+                    <a:schemeClr val="bg1"/>
+                  </a:solidFill>
+                </a:endParaRPr>
+              </a:p>
+            </p:txBody>
+          </p:sp>
+          <p:cxnSp>
+            <p:nvCxnSpPr>
+              <p:cNvPr id="105" name="Straight Arrow Connector 104">
+                <a:extLst>
+                  <a:ext uri="{FF2B5EF4-FFF2-40B4-BE49-F238E27FC236}">
+                    <a16:creationId xmlns:a16="http://schemas.microsoft.com/office/drawing/2014/main" id="{2657515C-596D-4A85-9B23-4A935EE8E140}"/>
+                  </a:ext>
+                </a:extLst>
+              </p:cNvPr>
+              <p:cNvCxnSpPr>
+                <a:stCxn id="106" idx="3"/>
+                <a:endCxn id="104" idx="1"/>
+              </p:cNvCxnSpPr>
+              <p:nvPr/>
+            </p:nvCxnSpPr>
+            <p:spPr>
+              <a:xfrm>
+                <a:off x="2652801" y="2130745"/>
+                <a:ext cx="220810" cy="5284"/>
+              </a:xfrm>
+              <a:prstGeom prst="straightConnector1">
+                <a:avLst/>
+              </a:prstGeom>
+              <a:ln w="19050">
+                <a:solidFill>
+                  <a:schemeClr val="accent6">
+                    <a:lumMod val="75000"/>
+                  </a:schemeClr>
+                </a:solidFill>
+                <a:headEnd type="none" w="med" len="med"/>
+                <a:tailEnd type="arrow" w="med" len="med"/>
+              </a:ln>
+              <a:effectLst/>
+            </p:spPr>
+            <p:style>
+              <a:lnRef idx="1">
+                <a:schemeClr val="accent2"/>
+              </a:lnRef>
+              <a:fillRef idx="2">
+                <a:schemeClr val="accent2"/>
+              </a:fillRef>
+              <a:effectRef idx="1">
+                <a:schemeClr val="accent2"/>
+              </a:effectRef>
+              <a:fontRef idx="minor">
+                <a:schemeClr val="dk1"/>
+              </a:fontRef>
+            </p:style>
+          </p:cxnSp>
+          <p:sp>
+            <p:nvSpPr>
+              <p:cNvPr id="106" name="Flowchart: Decision 96">
+                <a:extLst>
+                  <a:ext uri="{FF2B5EF4-FFF2-40B4-BE49-F238E27FC236}">
+                    <a16:creationId xmlns:a16="http://schemas.microsoft.com/office/drawing/2014/main" id="{AB89345C-B514-440E-8516-33AF5DE43F2B}"/>
+                  </a:ext>
+                </a:extLst>
+              </p:cNvPr>
+              <p:cNvSpPr/>
+              <p:nvPr/>
+            </p:nvSpPr>
+            <p:spPr>
+              <a:xfrm>
+                <a:off x="2416753" y="2044055"/>
+                <a:ext cx="236048" cy="173380"/>
+              </a:xfrm>
+              <a:prstGeom prst="flowChartDecision">
+                <a:avLst/>
+              </a:prstGeom>
+              <a:noFill/>
+              <a:ln w="19050">
+                <a:solidFill>
+                  <a:schemeClr val="accent6">
+                    <a:lumMod val="75000"/>
+                  </a:schemeClr>
+                </a:solidFill>
+              </a:ln>
+              <a:effectLst/>
+            </p:spPr>
+            <p:style>
+              <a:lnRef idx="1">
+                <a:schemeClr val="accent2"/>
+              </a:lnRef>
+              <a:fillRef idx="2">
+                <a:schemeClr val="accent2"/>
+              </a:fillRef>
+              <a:effectRef idx="1">
+                <a:schemeClr val="accent2"/>
+              </a:effectRef>
+              <a:fontRef idx="minor">
+                <a:schemeClr val="dk1"/>
+              </a:fontRef>
+            </p:style>
+            <p:txBody>
+              <a:bodyPr rtlCol="0" anchor="ctr"/>
+              <a:lstStyle/>
+              <a:p>
+                <a:pPr algn="ctr"/>
+                <a:endParaRPr lang="en-US" sz="1050">
+                  <a:solidFill>
+                    <a:schemeClr val="bg1"/>
+                  </a:solidFill>
+                </a:endParaRPr>
+              </a:p>
+            </p:txBody>
+          </p:sp>
+          <p:cxnSp>
+            <p:nvCxnSpPr>
+              <p:cNvPr id="107" name="Elbow Connector 63">
+                <a:extLst>
+                  <a:ext uri="{FF2B5EF4-FFF2-40B4-BE49-F238E27FC236}">
+                    <a16:creationId xmlns:a16="http://schemas.microsoft.com/office/drawing/2014/main" id="{64CD6CB5-AD77-43EC-B262-91F904E6A835}"/>
+                  </a:ext>
+                </a:extLst>
+              </p:cNvPr>
+              <p:cNvCxnSpPr>
+                <a:stCxn id="108" idx="3"/>
+                <a:endCxn id="110" idx="1"/>
+              </p:cNvCxnSpPr>
+              <p:nvPr/>
+            </p:nvCxnSpPr>
+            <p:spPr>
+              <a:xfrm flipV="1">
+                <a:off x="4394471" y="2136026"/>
+                <a:ext cx="223322" cy="3"/>
+              </a:xfrm>
+              <a:prstGeom prst="bentConnector3">
+                <a:avLst>
+                  <a:gd name="adj1" fmla="val 50000"/>
+                </a:avLst>
+              </a:prstGeom>
+              <a:ln w="19050">
+                <a:solidFill>
+                  <a:schemeClr val="accent6">
+                    <a:lumMod val="75000"/>
+                  </a:schemeClr>
+                </a:solidFill>
+                <a:prstDash val="sysDot"/>
+                <a:headEnd type="none" w="med" len="med"/>
+                <a:tailEnd type="none" w="med" len="med"/>
+              </a:ln>
+              <a:effectLst/>
+            </p:spPr>
+            <p:style>
+              <a:lnRef idx="1">
+                <a:schemeClr val="accent2"/>
+              </a:lnRef>
+              <a:fillRef idx="2">
+                <a:schemeClr val="accent2"/>
+              </a:fillRef>
+              <a:effectRef idx="1">
+                <a:schemeClr val="accent2"/>
+              </a:effectRef>
+              <a:fontRef idx="minor">
+                <a:schemeClr val="dk1"/>
+              </a:fontRef>
+            </p:style>
+          </p:cxnSp>
+          <p:sp>
+            <p:nvSpPr>
+              <p:cNvPr id="108" name="Isosceles Triangle 102">
+                <a:extLst>
+                  <a:ext uri="{FF2B5EF4-FFF2-40B4-BE49-F238E27FC236}">
+                    <a16:creationId xmlns:a16="http://schemas.microsoft.com/office/drawing/2014/main" id="{7D0305CA-448A-41D0-BA0D-2ED0A1766859}"/>
+                  </a:ext>
+                </a:extLst>
+              </p:cNvPr>
+              <p:cNvSpPr/>
+              <p:nvPr/>
+            </p:nvSpPr>
+            <p:spPr>
+              <a:xfrm rot="5400000" flipV="1">
+                <a:off x="4171457" y="2048267"/>
+                <a:ext cx="270504" cy="175523"/>
+              </a:xfrm>
+              <a:prstGeom prst="triangle">
+                <a:avLst/>
+              </a:prstGeom>
+              <a:solidFill>
+                <a:schemeClr val="accent6">
+                  <a:lumMod val="75000"/>
+                </a:schemeClr>
+              </a:solidFill>
+              <a:ln w="19050">
+                <a:solidFill>
+                  <a:schemeClr val="accent6">
+                    <a:lumMod val="75000"/>
+                  </a:schemeClr>
+                </a:solidFill>
+              </a:ln>
+              <a:effectLst/>
+            </p:spPr>
+            <p:style>
+              <a:lnRef idx="1">
+                <a:schemeClr val="accent2"/>
+              </a:lnRef>
+              <a:fillRef idx="2">
+                <a:schemeClr val="accent2"/>
+              </a:fillRef>
+              <a:effectRef idx="1">
+                <a:schemeClr val="accent2"/>
+              </a:effectRef>
+              <a:fontRef idx="minor">
+                <a:schemeClr val="dk1"/>
+              </a:fontRef>
+            </p:style>
+            <p:txBody>
+              <a:bodyPr rtlCol="0" anchor="ctr"/>
+              <a:lstStyle/>
+              <a:p>
+                <a:pPr algn="ctr"/>
+                <a:endParaRPr lang="en-SG" sz="1050">
+                  <a:solidFill>
+                    <a:schemeClr val="bg1"/>
+                  </a:solidFill>
+                </a:endParaRPr>
+              </a:p>
+            </p:txBody>
+          </p:sp>
+          <p:cxnSp>
+            <p:nvCxnSpPr>
+              <p:cNvPr id="109" name="Elbow Connector 122">
+                <a:extLst>
+                  <a:ext uri="{FF2B5EF4-FFF2-40B4-BE49-F238E27FC236}">
+                    <a16:creationId xmlns:a16="http://schemas.microsoft.com/office/drawing/2014/main" id="{5E8CA0F0-6AEF-4117-A247-B89FB6C6AFFE}"/>
+                  </a:ext>
+                </a:extLst>
+              </p:cNvPr>
+              <p:cNvCxnSpPr>
+                <a:stCxn id="110" idx="3"/>
+                <a:endCxn id="111" idx="1"/>
+              </p:cNvCxnSpPr>
+              <p:nvPr/>
+            </p:nvCxnSpPr>
+            <p:spPr>
+              <a:xfrm>
+                <a:off x="5787628" y="2136026"/>
+                <a:ext cx="228600" cy="1970"/>
+              </a:xfrm>
+              <a:prstGeom prst="bentConnector3">
+                <a:avLst>
+                  <a:gd name="adj1" fmla="val 50000"/>
+                </a:avLst>
+              </a:prstGeom>
+              <a:ln w="19050">
+                <a:solidFill>
+                  <a:schemeClr val="accent6">
+                    <a:lumMod val="75000"/>
+                  </a:schemeClr>
+                </a:solidFill>
+                <a:prstDash val="sysDot"/>
+                <a:headEnd type="none" w="med" len="med"/>
+                <a:tailEnd type="arrow" w="med" len="med"/>
+              </a:ln>
+              <a:effectLst/>
+            </p:spPr>
+            <p:style>
+              <a:lnRef idx="1">
+                <a:schemeClr val="accent2"/>
+              </a:lnRef>
+              <a:fillRef idx="2">
+                <a:schemeClr val="accent2"/>
+              </a:fillRef>
+              <a:effectRef idx="1">
+                <a:schemeClr val="accent2"/>
+              </a:effectRef>
+              <a:fontRef idx="minor">
+                <a:schemeClr val="dk1"/>
+              </a:fontRef>
+            </p:style>
+          </p:cxnSp>
+          <p:sp>
+            <p:nvSpPr>
+              <p:cNvPr id="110" name="Rectangle 8">
+                <a:extLst>
+                  <a:ext uri="{FF2B5EF4-FFF2-40B4-BE49-F238E27FC236}">
+                    <a16:creationId xmlns:a16="http://schemas.microsoft.com/office/drawing/2014/main" id="{2C2EDDD5-8608-486B-8AF7-298EF77F6E3C}"/>
+                  </a:ext>
+                </a:extLst>
+              </p:cNvPr>
+              <p:cNvSpPr/>
+              <p:nvPr/>
+            </p:nvSpPr>
+            <p:spPr>
+              <a:xfrm>
+                <a:off x="4617793" y="1962646"/>
+                <a:ext cx="1169835" cy="346760"/>
+              </a:xfrm>
+              <a:prstGeom prst="rect">
+                <a:avLst/>
+              </a:prstGeom>
+              <a:ln w="19050"/>
+              <a:effectLst/>
+            </p:spPr>
+            <p:style>
+              <a:lnRef idx="1">
+                <a:schemeClr val="accent6"/>
+              </a:lnRef>
+              <a:fillRef idx="2">
+                <a:schemeClr val="accent6"/>
+              </a:fillRef>
+              <a:effectRef idx="1">
+                <a:schemeClr val="accent6"/>
+              </a:effectRef>
+              <a:fontRef idx="minor">
+                <a:schemeClr val="dk1"/>
+              </a:fontRef>
+            </p:style>
+            <p:txBody>
+              <a:bodyPr rtlCol="0" anchor="ctr"/>
+              <a:lstStyle/>
+              <a:p>
+                <a:pPr algn="ctr"/>
+                <a:r>
+                  <a:rPr lang="en-US" sz="1050" b="1" dirty="0" err="1">
+                    <a:solidFill>
+                      <a:schemeClr val="accent6">
+                        <a:lumMod val="75000"/>
+                      </a:schemeClr>
+                    </a:solidFill>
+                  </a:rPr>
+                  <a:t>JsonTable</a:t>
+                </a:r>
+                <a:br>
+                  <a:rPr lang="en-US" sz="1050" b="1" dirty="0">
+                    <a:solidFill>
+                      <a:schemeClr val="accent6">
+                        <a:lumMod val="75000"/>
+                      </a:schemeClr>
+                    </a:solidFill>
+                  </a:rPr>
+                </a:br>
+                <a:r>
+                  <a:rPr lang="en-US" sz="1050" b="1" dirty="0">
+                    <a:solidFill>
+                      <a:schemeClr val="accent6">
+                        <a:lumMod val="75000"/>
+                      </a:schemeClr>
+                    </a:solidFill>
+                  </a:rPr>
+                  <a:t>Storage</a:t>
+                </a:r>
+                <a:endParaRPr lang="en-SG" sz="1050" b="1" dirty="0">
                   <a:solidFill>
                     <a:schemeClr val="accent6">
                       <a:lumMod val="75000"/>
                     </a:schemeClr>
                   </a:solidFill>
-                </a:rPr>
-                <a:t>JsonAdaptedOrders</a:t>
-              </a:r>
-              <a:endParaRPr lang="en-SG" sz="1030" b="1" dirty="0">
+                </a:endParaRPr>
+              </a:p>
+            </p:txBody>
+          </p:sp>
+          <p:sp>
+            <p:nvSpPr>
+              <p:cNvPr id="111" name="Rectangle 8">
+                <a:extLst>
+                  <a:ext uri="{FF2B5EF4-FFF2-40B4-BE49-F238E27FC236}">
+                    <a16:creationId xmlns:a16="http://schemas.microsoft.com/office/drawing/2014/main" id="{FF74BAE6-AD0F-4247-8097-0EDA6C1E7C1D}"/>
+                  </a:ext>
+                </a:extLst>
+              </p:cNvPr>
+              <p:cNvSpPr/>
+              <p:nvPr/>
+            </p:nvSpPr>
+            <p:spPr>
+              <a:xfrm>
+                <a:off x="6016228" y="1964616"/>
+                <a:ext cx="1200707" cy="346760"/>
+              </a:xfrm>
+              <a:prstGeom prst="rect">
+                <a:avLst/>
+              </a:prstGeom>
+              <a:ln w="19050"/>
+              <a:effectLst/>
+            </p:spPr>
+            <p:style>
+              <a:lnRef idx="1">
+                <a:schemeClr val="accent6"/>
+              </a:lnRef>
+              <a:fillRef idx="2">
+                <a:schemeClr val="accent6"/>
+              </a:fillRef>
+              <a:effectRef idx="1">
+                <a:schemeClr val="accent6"/>
+              </a:effectRef>
+              <a:fontRef idx="minor">
+                <a:schemeClr val="dk1"/>
+              </a:fontRef>
+            </p:style>
+            <p:txBody>
+              <a:bodyPr rtlCol="0" anchor="ctr"/>
+              <a:lstStyle/>
+              <a:p>
+                <a:pPr algn="ctr"/>
+                <a:r>
+                  <a:rPr lang="en-US" sz="1050" b="1" dirty="0" err="1">
+                    <a:solidFill>
+                      <a:schemeClr val="accent6">
+                        <a:lumMod val="75000"/>
+                      </a:schemeClr>
+                    </a:solidFill>
+                  </a:rPr>
+                  <a:t>JsonSerializable</a:t>
+                </a:r>
+                <a:br>
+                  <a:rPr lang="en-US" sz="1050" b="1" dirty="0">
+                    <a:solidFill>
+                      <a:schemeClr val="accent6">
+                        <a:lumMod val="75000"/>
+                      </a:schemeClr>
+                    </a:solidFill>
+                  </a:rPr>
+                </a:br>
+                <a:r>
+                  <a:rPr lang="en-US" sz="1050" b="1" dirty="0">
+                    <a:solidFill>
+                      <a:schemeClr val="accent6">
+                        <a:lumMod val="75000"/>
+                      </a:schemeClr>
+                    </a:solidFill>
+                  </a:rPr>
+                  <a:t>Table</a:t>
+                </a:r>
+                <a:endParaRPr lang="en-SG" sz="1050" b="1" dirty="0">
+                  <a:solidFill>
+                    <a:schemeClr val="accent6">
+                      <a:lumMod val="75000"/>
+                    </a:schemeClr>
+                  </a:solidFill>
+                </a:endParaRPr>
+              </a:p>
+            </p:txBody>
+          </p:sp>
+          <p:sp>
+            <p:nvSpPr>
+              <p:cNvPr id="114" name="Rectangle 8">
+                <a:extLst>
+                  <a:ext uri="{FF2B5EF4-FFF2-40B4-BE49-F238E27FC236}">
+                    <a16:creationId xmlns:a16="http://schemas.microsoft.com/office/drawing/2014/main" id="{5CD5A744-0904-497B-8221-F5F3D92D0CD3}"/>
+                  </a:ext>
+                </a:extLst>
+              </p:cNvPr>
+              <p:cNvSpPr/>
+              <p:nvPr/>
+            </p:nvSpPr>
+            <p:spPr>
+              <a:xfrm>
+                <a:off x="7612166" y="1963830"/>
+                <a:ext cx="1259718" cy="346760"/>
+              </a:xfrm>
+              <a:prstGeom prst="rect">
+                <a:avLst/>
+              </a:prstGeom>
+              <a:ln w="19050"/>
+              <a:effectLst/>
+            </p:spPr>
+            <p:style>
+              <a:lnRef idx="1">
+                <a:schemeClr val="accent6"/>
+              </a:lnRef>
+              <a:fillRef idx="2">
+                <a:schemeClr val="accent6"/>
+              </a:fillRef>
+              <a:effectRef idx="1">
+                <a:schemeClr val="accent6"/>
+              </a:effectRef>
+              <a:fontRef idx="minor">
+                <a:schemeClr val="dk1"/>
+              </a:fontRef>
+            </p:style>
+            <p:txBody>
+              <a:bodyPr rtlCol="0" anchor="ctr"/>
+              <a:lstStyle/>
+              <a:p>
+                <a:pPr algn="ctr"/>
+                <a:r>
+                  <a:rPr lang="en-US" sz="1030" b="1" dirty="0" err="1">
+                    <a:solidFill>
+                      <a:schemeClr val="accent6">
+                        <a:lumMod val="75000"/>
+                      </a:schemeClr>
+                    </a:solidFill>
+                  </a:rPr>
+                  <a:t>JsonAdaptedTable</a:t>
+                </a:r>
+                <a:endParaRPr lang="en-SG" sz="1030" b="1" dirty="0">
+                  <a:solidFill>
+                    <a:schemeClr val="accent6">
+                      <a:lumMod val="75000"/>
+                    </a:schemeClr>
+                  </a:solidFill>
+                </a:endParaRPr>
+              </a:p>
+            </p:txBody>
+          </p:sp>
+          <p:cxnSp>
+            <p:nvCxnSpPr>
+              <p:cNvPr id="115" name="Elbow Connector 122">
+                <a:extLst>
+                  <a:ext uri="{FF2B5EF4-FFF2-40B4-BE49-F238E27FC236}">
+                    <a16:creationId xmlns:a16="http://schemas.microsoft.com/office/drawing/2014/main" id="{727C1BE8-E1EB-4ED6-8A64-E0C428B8E359}"/>
+                  </a:ext>
+                </a:extLst>
+              </p:cNvPr>
+              <p:cNvCxnSpPr>
+                <a:cxnSpLocks/>
+                <a:stCxn id="111" idx="3"/>
+                <a:endCxn id="114" idx="1"/>
+              </p:cNvCxnSpPr>
+              <p:nvPr/>
+            </p:nvCxnSpPr>
+            <p:spPr>
+              <a:xfrm flipV="1">
+                <a:off x="7216935" y="2137210"/>
+                <a:ext cx="395231" cy="786"/>
+              </a:xfrm>
+              <a:prstGeom prst="bentConnector3">
+                <a:avLst>
+                  <a:gd name="adj1" fmla="val 50000"/>
+                </a:avLst>
+              </a:prstGeom>
+              <a:ln w="19050">
+                <a:prstDash val="sysDot"/>
+                <a:headEnd type="none" w="med" len="med"/>
+                <a:tailEnd type="arrow" w="med" len="med"/>
+              </a:ln>
+              <a:effectLst/>
+            </p:spPr>
+            <p:style>
+              <a:lnRef idx="1">
+                <a:schemeClr val="accent6"/>
+              </a:lnRef>
+              <a:fillRef idx="2">
+                <a:schemeClr val="accent6"/>
+              </a:fillRef>
+              <a:effectRef idx="1">
+                <a:schemeClr val="accent6"/>
+              </a:effectRef>
+              <a:fontRef idx="minor">
+                <a:schemeClr val="dk1"/>
+              </a:fontRef>
+            </p:style>
+          </p:cxnSp>
+          <p:sp>
+            <p:nvSpPr>
+              <p:cNvPr id="116" name="Rectangle 8">
+                <a:extLst>
+                  <a:ext uri="{FF2B5EF4-FFF2-40B4-BE49-F238E27FC236}">
+                    <a16:creationId xmlns:a16="http://schemas.microsoft.com/office/drawing/2014/main" id="{CA073D42-6F74-4B55-81D6-6E9DA449C158}"/>
+                  </a:ext>
+                </a:extLst>
+              </p:cNvPr>
+              <p:cNvSpPr/>
+              <p:nvPr/>
+            </p:nvSpPr>
+            <p:spPr>
+              <a:xfrm>
+                <a:off x="2873611" y="3772965"/>
+                <a:ext cx="1323049" cy="346760"/>
+              </a:xfrm>
+              <a:prstGeom prst="rect">
+                <a:avLst/>
+              </a:prstGeom>
+              <a:solidFill>
+                <a:schemeClr val="accent6">
+                  <a:lumMod val="75000"/>
+                </a:schemeClr>
+              </a:solidFill>
+              <a:ln w="19050">
                 <a:solidFill>
                   <a:schemeClr val="accent6">
                     <a:lumMod val="75000"/>
                   </a:schemeClr>
                 </a:solidFill>
-              </a:endParaRPr>
-            </a:p>
-          </p:txBody>
-        </p:sp>
-        <p:cxnSp>
-          <p:nvCxnSpPr>
-            <p:cNvPr id="77" name="Elbow Connector 122"/>
-            <p:cNvCxnSpPr>
-              <a:cxnSpLocks/>
-              <a:stCxn id="66" idx="3"/>
-              <a:endCxn id="74" idx="1"/>
-            </p:cNvCxnSpPr>
-            <p:nvPr/>
-          </p:nvCxnSpPr>
-          <p:spPr>
-            <a:xfrm flipV="1">
-              <a:off x="7220508" y="3039727"/>
-              <a:ext cx="395231" cy="786"/>
-            </a:xfrm>
-            <a:prstGeom prst="bentConnector3">
-              <a:avLst>
-                <a:gd name="adj1" fmla="val 50000"/>
-              </a:avLst>
-            </a:prstGeom>
-            <a:ln w="19050">
-              <a:prstDash val="sysDot"/>
-              <a:headEnd type="none" w="med" len="med"/>
-              <a:tailEnd type="arrow" w="med" len="med"/>
-            </a:ln>
-            <a:effectLst/>
-          </p:spPr>
-          <p:style>
-            <a:lnRef idx="1">
-              <a:schemeClr val="accent6"/>
-            </a:lnRef>
-            <a:fillRef idx="2">
-              <a:schemeClr val="accent6"/>
-            </a:fillRef>
-            <a:effectRef idx="1">
-              <a:schemeClr val="accent6"/>
-            </a:effectRef>
-            <a:fontRef idx="minor">
-              <a:schemeClr val="dk1"/>
-            </a:fontRef>
-          </p:style>
-        </p:cxnSp>
-        <p:sp>
-          <p:nvSpPr>
-            <p:cNvPr id="55" name="Rectangle 8">
-              <a:extLst>
-                <a:ext uri="{FF2B5EF4-FFF2-40B4-BE49-F238E27FC236}">
-                  <a16:creationId xmlns:a16="http://schemas.microsoft.com/office/drawing/2014/main" id="{E4DD0726-81C2-45A1-829A-D0B0D47C58AA}"/>
-                </a:ext>
-              </a:extLst>
-            </p:cNvPr>
-            <p:cNvSpPr/>
-            <p:nvPr/>
-          </p:nvSpPr>
-          <p:spPr>
-            <a:xfrm>
-              <a:off x="2873611" y="1152816"/>
-              <a:ext cx="1323049" cy="346760"/>
-            </a:xfrm>
-            <a:prstGeom prst="rect">
-              <a:avLst/>
-            </a:prstGeom>
-            <a:solidFill>
-              <a:schemeClr val="accent6">
-                <a:lumMod val="75000"/>
-              </a:schemeClr>
-            </a:solidFill>
-            <a:ln w="19050">
+              </a:ln>
+              <a:effectLst/>
+            </p:spPr>
+            <p:style>
+              <a:lnRef idx="1">
+                <a:schemeClr val="accent2"/>
+              </a:lnRef>
+              <a:fillRef idx="2">
+                <a:schemeClr val="accent2"/>
+              </a:fillRef>
+              <a:effectRef idx="1">
+                <a:schemeClr val="accent2"/>
+              </a:effectRef>
+              <a:fontRef idx="minor">
+                <a:schemeClr val="dk1"/>
+              </a:fontRef>
+            </p:style>
+            <p:txBody>
+              <a:bodyPr rtlCol="0" anchor="ctr"/>
+              <a:lstStyle/>
+              <a:p>
+                <a:pPr algn="ctr"/>
+                <a:r>
+                  <a:rPr lang="en-US" sz="1050" dirty="0">
+                    <a:solidFill>
+                      <a:schemeClr val="bg1"/>
+                    </a:solidFill>
+                  </a:rPr>
+                  <a:t>&lt;&lt;interface&gt;&gt;</a:t>
+                </a:r>
+                <a:br>
+                  <a:rPr lang="en-US" sz="1050" dirty="0">
+                    <a:solidFill>
+                      <a:schemeClr val="bg1"/>
+                    </a:solidFill>
+                  </a:rPr>
+                </a:br>
+                <a:r>
+                  <a:rPr lang="en-US" sz="1050" dirty="0" err="1">
+                    <a:solidFill>
+                      <a:schemeClr val="bg1"/>
+                    </a:solidFill>
+                  </a:rPr>
+                  <a:t>MenuStorage</a:t>
+                </a:r>
+                <a:endParaRPr lang="en-SG" sz="1050" dirty="0">
+                  <a:solidFill>
+                    <a:schemeClr val="bg1"/>
+                  </a:solidFill>
+                </a:endParaRPr>
+              </a:p>
+            </p:txBody>
+          </p:sp>
+          <p:cxnSp>
+            <p:nvCxnSpPr>
+              <p:cNvPr id="117" name="Straight Arrow Connector 116">
+                <a:extLst>
+                  <a:ext uri="{FF2B5EF4-FFF2-40B4-BE49-F238E27FC236}">
+                    <a16:creationId xmlns:a16="http://schemas.microsoft.com/office/drawing/2014/main" id="{7C10D355-99D2-4FB3-81F1-20CAF130CE02}"/>
+                  </a:ext>
+                </a:extLst>
+              </p:cNvPr>
+              <p:cNvCxnSpPr>
+                <a:stCxn id="121" idx="3"/>
+                <a:endCxn id="116" idx="1"/>
+              </p:cNvCxnSpPr>
+              <p:nvPr/>
+            </p:nvCxnSpPr>
+            <p:spPr>
+              <a:xfrm>
+                <a:off x="2652801" y="3941061"/>
+                <a:ext cx="220810" cy="5284"/>
+              </a:xfrm>
+              <a:prstGeom prst="straightConnector1">
+                <a:avLst/>
+              </a:prstGeom>
+              <a:ln w="19050">
+                <a:solidFill>
+                  <a:schemeClr val="accent6">
+                    <a:lumMod val="75000"/>
+                  </a:schemeClr>
+                </a:solidFill>
+                <a:headEnd type="none" w="med" len="med"/>
+                <a:tailEnd type="arrow" w="med" len="med"/>
+              </a:ln>
+              <a:effectLst/>
+            </p:spPr>
+            <p:style>
+              <a:lnRef idx="1">
+                <a:schemeClr val="accent2"/>
+              </a:lnRef>
+              <a:fillRef idx="2">
+                <a:schemeClr val="accent2"/>
+              </a:fillRef>
+              <a:effectRef idx="1">
+                <a:schemeClr val="accent2"/>
+              </a:effectRef>
+              <a:fontRef idx="minor">
+                <a:schemeClr val="dk1"/>
+              </a:fontRef>
+            </p:style>
+          </p:cxnSp>
+          <p:sp>
+            <p:nvSpPr>
+              <p:cNvPr id="121" name="Flowchart: Decision 96">
+                <a:extLst>
+                  <a:ext uri="{FF2B5EF4-FFF2-40B4-BE49-F238E27FC236}">
+                    <a16:creationId xmlns:a16="http://schemas.microsoft.com/office/drawing/2014/main" id="{D74CD88A-4943-451F-8A65-2C8209E3F110}"/>
+                  </a:ext>
+                </a:extLst>
+              </p:cNvPr>
+              <p:cNvSpPr/>
+              <p:nvPr/>
+            </p:nvSpPr>
+            <p:spPr>
+              <a:xfrm>
+                <a:off x="2416753" y="3854371"/>
+                <a:ext cx="236048" cy="173380"/>
+              </a:xfrm>
+              <a:prstGeom prst="flowChartDecision">
+                <a:avLst/>
+              </a:prstGeom>
+              <a:noFill/>
+              <a:ln w="19050">
+                <a:solidFill>
+                  <a:schemeClr val="accent6">
+                    <a:lumMod val="75000"/>
+                  </a:schemeClr>
+                </a:solidFill>
+              </a:ln>
+              <a:effectLst/>
+            </p:spPr>
+            <p:style>
+              <a:lnRef idx="1">
+                <a:schemeClr val="accent2"/>
+              </a:lnRef>
+              <a:fillRef idx="2">
+                <a:schemeClr val="accent2"/>
+              </a:fillRef>
+              <a:effectRef idx="1">
+                <a:schemeClr val="accent2"/>
+              </a:effectRef>
+              <a:fontRef idx="minor">
+                <a:schemeClr val="dk1"/>
+              </a:fontRef>
+            </p:style>
+            <p:txBody>
+              <a:bodyPr rtlCol="0" anchor="ctr"/>
+              <a:lstStyle/>
+              <a:p>
+                <a:pPr algn="ctr"/>
+                <a:endParaRPr lang="en-US" sz="1050">
+                  <a:solidFill>
+                    <a:schemeClr val="bg1"/>
+                  </a:solidFill>
+                </a:endParaRPr>
+              </a:p>
+            </p:txBody>
+          </p:sp>
+          <p:cxnSp>
+            <p:nvCxnSpPr>
+              <p:cNvPr id="122" name="Elbow Connector 63">
+                <a:extLst>
+                  <a:ext uri="{FF2B5EF4-FFF2-40B4-BE49-F238E27FC236}">
+                    <a16:creationId xmlns:a16="http://schemas.microsoft.com/office/drawing/2014/main" id="{EA627310-CC1F-4987-A783-5008E32D3425}"/>
+                  </a:ext>
+                </a:extLst>
+              </p:cNvPr>
+              <p:cNvCxnSpPr>
+                <a:cxnSpLocks/>
+                <a:stCxn id="123" idx="3"/>
+                <a:endCxn id="126" idx="1"/>
+              </p:cNvCxnSpPr>
+              <p:nvPr/>
+            </p:nvCxnSpPr>
+            <p:spPr>
+              <a:xfrm flipV="1">
+                <a:off x="4394471" y="3946342"/>
+                <a:ext cx="223322" cy="3"/>
+              </a:xfrm>
+              <a:prstGeom prst="bentConnector3">
+                <a:avLst>
+                  <a:gd name="adj1" fmla="val 50000"/>
+                </a:avLst>
+              </a:prstGeom>
+              <a:ln w="19050">
+                <a:solidFill>
+                  <a:schemeClr val="accent6">
+                    <a:lumMod val="75000"/>
+                  </a:schemeClr>
+                </a:solidFill>
+                <a:prstDash val="sysDot"/>
+                <a:headEnd type="none" w="med" len="med"/>
+                <a:tailEnd type="none" w="med" len="med"/>
+              </a:ln>
+              <a:effectLst/>
+            </p:spPr>
+            <p:style>
+              <a:lnRef idx="1">
+                <a:schemeClr val="accent2"/>
+              </a:lnRef>
+              <a:fillRef idx="2">
+                <a:schemeClr val="accent2"/>
+              </a:fillRef>
+              <a:effectRef idx="1">
+                <a:schemeClr val="accent2"/>
+              </a:effectRef>
+              <a:fontRef idx="minor">
+                <a:schemeClr val="dk1"/>
+              </a:fontRef>
+            </p:style>
+          </p:cxnSp>
+          <p:sp>
+            <p:nvSpPr>
+              <p:cNvPr id="123" name="Isosceles Triangle 102">
+                <a:extLst>
+                  <a:ext uri="{FF2B5EF4-FFF2-40B4-BE49-F238E27FC236}">
+                    <a16:creationId xmlns:a16="http://schemas.microsoft.com/office/drawing/2014/main" id="{AF1D22DD-78B0-441D-8B05-18C64901A82D}"/>
+                  </a:ext>
+                </a:extLst>
+              </p:cNvPr>
+              <p:cNvSpPr/>
+              <p:nvPr/>
+            </p:nvSpPr>
+            <p:spPr>
+              <a:xfrm rot="5400000" flipV="1">
+                <a:off x="4171457" y="3858583"/>
+                <a:ext cx="270504" cy="175523"/>
+              </a:xfrm>
+              <a:prstGeom prst="triangle">
+                <a:avLst/>
+              </a:prstGeom>
               <a:solidFill>
                 <a:schemeClr val="accent6">
                   <a:lumMod val="75000"/>
                 </a:schemeClr>
               </a:solidFill>
-            </a:ln>
-            <a:effectLst/>
-          </p:spPr>
-          <p:style>
-            <a:lnRef idx="1">
-              <a:schemeClr val="accent2"/>
-            </a:lnRef>
-            <a:fillRef idx="2">
-              <a:schemeClr val="accent2"/>
-            </a:fillRef>
-            <a:effectRef idx="1">
-              <a:schemeClr val="accent2"/>
-            </a:effectRef>
-            <a:fontRef idx="minor">
-              <a:schemeClr val="dk1"/>
-            </a:fontRef>
-          </p:style>
-          <p:txBody>
-            <a:bodyPr rtlCol="0" anchor="ctr"/>
-            <a:lstStyle/>
-            <a:p>
-              <a:pPr algn="ctr"/>
-              <a:r>
-                <a:rPr lang="en-US" sz="1050" dirty="0">
+              <a:ln w="19050">
+                <a:solidFill>
+                  <a:schemeClr val="accent6">
+                    <a:lumMod val="75000"/>
+                  </a:schemeClr>
+                </a:solidFill>
+              </a:ln>
+              <a:effectLst/>
+            </p:spPr>
+            <p:style>
+              <a:lnRef idx="1">
+                <a:schemeClr val="accent2"/>
+              </a:lnRef>
+              <a:fillRef idx="2">
+                <a:schemeClr val="accent2"/>
+              </a:fillRef>
+              <a:effectRef idx="1">
+                <a:schemeClr val="accent2"/>
+              </a:effectRef>
+              <a:fontRef idx="minor">
+                <a:schemeClr val="dk1"/>
+              </a:fontRef>
+            </p:style>
+            <p:txBody>
+              <a:bodyPr rtlCol="0" anchor="ctr"/>
+              <a:lstStyle/>
+              <a:p>
+                <a:pPr algn="ctr"/>
+                <a:endParaRPr lang="en-SG" sz="1050">
                   <a:solidFill>
                     <a:schemeClr val="bg1"/>
                   </a:solidFill>
-                </a:rPr>
-                <a:t>&lt;&lt;interface&gt;&gt;</a:t>
-              </a:r>
-              <a:br>
-                <a:rPr lang="en-US" sz="1050" dirty="0">
-                  <a:solidFill>
-                    <a:schemeClr val="bg1"/>
-                  </a:solidFill>
-                </a:rPr>
-              </a:br>
-              <a:r>
-                <a:rPr lang="en-US" sz="1050" dirty="0" err="1">
-                  <a:solidFill>
-                    <a:schemeClr val="bg1"/>
-                  </a:solidFill>
-                </a:rPr>
-                <a:t>StatisticsStorage</a:t>
-              </a:r>
-              <a:endParaRPr lang="en-SG" sz="1050" dirty="0">
+                </a:endParaRPr>
+              </a:p>
+            </p:txBody>
+          </p:sp>
+          <p:cxnSp>
+            <p:nvCxnSpPr>
+              <p:cNvPr id="125" name="Elbow Connector 122">
+                <a:extLst>
+                  <a:ext uri="{FF2B5EF4-FFF2-40B4-BE49-F238E27FC236}">
+                    <a16:creationId xmlns:a16="http://schemas.microsoft.com/office/drawing/2014/main" id="{B544C282-03A8-4E45-BE98-22CF1272F2D7}"/>
+                  </a:ext>
+                </a:extLst>
+              </p:cNvPr>
+              <p:cNvCxnSpPr>
+                <a:stCxn id="126" idx="3"/>
+                <a:endCxn id="127" idx="1"/>
+              </p:cNvCxnSpPr>
+              <p:nvPr/>
+            </p:nvCxnSpPr>
+            <p:spPr>
+              <a:xfrm>
+                <a:off x="5787628" y="3946342"/>
+                <a:ext cx="228600" cy="1970"/>
+              </a:xfrm>
+              <a:prstGeom prst="bentConnector3">
+                <a:avLst>
+                  <a:gd name="adj1" fmla="val 50000"/>
+                </a:avLst>
+              </a:prstGeom>
+              <a:ln w="19050">
                 <a:solidFill>
-                  <a:schemeClr val="bg1"/>
+                  <a:schemeClr val="accent6">
+                    <a:lumMod val="75000"/>
+                  </a:schemeClr>
                 </a:solidFill>
-              </a:endParaRPr>
-            </a:p>
-          </p:txBody>
-        </p:sp>
-        <p:cxnSp>
-          <p:nvCxnSpPr>
-            <p:cNvPr id="57" name="Straight Arrow Connector 56">
-              <a:extLst>
-                <a:ext uri="{FF2B5EF4-FFF2-40B4-BE49-F238E27FC236}">
-                  <a16:creationId xmlns:a16="http://schemas.microsoft.com/office/drawing/2014/main" id="{42A129BB-0240-419C-A652-BBFC42B15CC1}"/>
-                </a:ext>
-              </a:extLst>
-            </p:cNvPr>
-            <p:cNvCxnSpPr>
-              <a:stCxn id="59" idx="3"/>
-              <a:endCxn id="55" idx="1"/>
-            </p:cNvCxnSpPr>
-            <p:nvPr/>
-          </p:nvCxnSpPr>
-          <p:spPr>
-            <a:xfrm>
-              <a:off x="2652801" y="1320912"/>
-              <a:ext cx="220810" cy="5284"/>
-            </a:xfrm>
-            <a:prstGeom prst="straightConnector1">
-              <a:avLst/>
-            </a:prstGeom>
-            <a:ln w="19050">
-              <a:solidFill>
-                <a:schemeClr val="accent6">
-                  <a:lumMod val="75000"/>
-                </a:schemeClr>
-              </a:solidFill>
-              <a:headEnd type="none" w="med" len="med"/>
-              <a:tailEnd type="arrow" w="med" len="med"/>
-            </a:ln>
-            <a:effectLst/>
-          </p:spPr>
-          <p:style>
-            <a:lnRef idx="1">
-              <a:schemeClr val="accent2"/>
-            </a:lnRef>
-            <a:fillRef idx="2">
-              <a:schemeClr val="accent2"/>
-            </a:fillRef>
-            <a:effectRef idx="1">
-              <a:schemeClr val="accent2"/>
-            </a:effectRef>
-            <a:fontRef idx="minor">
-              <a:schemeClr val="dk1"/>
-            </a:fontRef>
-          </p:style>
-        </p:cxnSp>
-        <p:sp>
-          <p:nvSpPr>
-            <p:cNvPr id="59" name="Flowchart: Decision 96">
-              <a:extLst>
-                <a:ext uri="{FF2B5EF4-FFF2-40B4-BE49-F238E27FC236}">
-                  <a16:creationId xmlns:a16="http://schemas.microsoft.com/office/drawing/2014/main" id="{EE0BCA9C-2DC4-4C8E-8700-9229B0BFD177}"/>
-                </a:ext>
-              </a:extLst>
-            </p:cNvPr>
-            <p:cNvSpPr/>
-            <p:nvPr/>
-          </p:nvSpPr>
-          <p:spPr>
-            <a:xfrm>
-              <a:off x="2416753" y="1234222"/>
-              <a:ext cx="236048" cy="173380"/>
-            </a:xfrm>
-            <a:prstGeom prst="flowChartDecision">
-              <a:avLst/>
-            </a:prstGeom>
-            <a:noFill/>
-            <a:ln w="19050">
-              <a:solidFill>
-                <a:schemeClr val="accent6">
-                  <a:lumMod val="75000"/>
-                </a:schemeClr>
-              </a:solidFill>
-            </a:ln>
-            <a:effectLst/>
-          </p:spPr>
-          <p:style>
-            <a:lnRef idx="1">
-              <a:schemeClr val="accent2"/>
-            </a:lnRef>
-            <a:fillRef idx="2">
-              <a:schemeClr val="accent2"/>
-            </a:fillRef>
-            <a:effectRef idx="1">
-              <a:schemeClr val="accent2"/>
-            </a:effectRef>
-            <a:fontRef idx="minor">
-              <a:schemeClr val="dk1"/>
-            </a:fontRef>
-          </p:style>
-          <p:txBody>
-            <a:bodyPr rtlCol="0" anchor="ctr"/>
-            <a:lstStyle/>
-            <a:p>
-              <a:pPr algn="ctr"/>
-              <a:endParaRPr lang="en-US" sz="1050">
-                <a:solidFill>
-                  <a:schemeClr val="bg1"/>
-                </a:solidFill>
-              </a:endParaRPr>
-            </a:p>
-          </p:txBody>
-        </p:sp>
-        <p:cxnSp>
-          <p:nvCxnSpPr>
-            <p:cNvPr id="62" name="Elbow Connector 63">
-              <a:extLst>
-                <a:ext uri="{FF2B5EF4-FFF2-40B4-BE49-F238E27FC236}">
-                  <a16:creationId xmlns:a16="http://schemas.microsoft.com/office/drawing/2014/main" id="{F9DBD3AC-3759-48E9-A4D1-C117535AD035}"/>
-                </a:ext>
-              </a:extLst>
-            </p:cNvPr>
-            <p:cNvCxnSpPr>
-              <a:stCxn id="63" idx="3"/>
-              <a:endCxn id="67" idx="1"/>
-            </p:cNvCxnSpPr>
-            <p:nvPr/>
-          </p:nvCxnSpPr>
-          <p:spPr>
-            <a:xfrm flipV="1">
-              <a:off x="4394471" y="1326193"/>
-              <a:ext cx="223322" cy="3"/>
-            </a:xfrm>
-            <a:prstGeom prst="bentConnector3">
-              <a:avLst>
-                <a:gd name="adj1" fmla="val 50000"/>
-              </a:avLst>
-            </a:prstGeom>
-            <a:ln w="19050">
-              <a:solidFill>
-                <a:schemeClr val="accent6">
-                  <a:lumMod val="75000"/>
-                </a:schemeClr>
-              </a:solidFill>
-              <a:prstDash val="sysDot"/>
-              <a:headEnd type="none" w="med" len="med"/>
-              <a:tailEnd type="none" w="med" len="med"/>
-            </a:ln>
-            <a:effectLst/>
-          </p:spPr>
-          <p:style>
-            <a:lnRef idx="1">
-              <a:schemeClr val="accent2"/>
-            </a:lnRef>
-            <a:fillRef idx="2">
-              <a:schemeClr val="accent2"/>
-            </a:fillRef>
-            <a:effectRef idx="1">
-              <a:schemeClr val="accent2"/>
-            </a:effectRef>
-            <a:fontRef idx="minor">
-              <a:schemeClr val="dk1"/>
-            </a:fontRef>
-          </p:style>
-        </p:cxnSp>
-        <p:sp>
-          <p:nvSpPr>
-            <p:cNvPr id="63" name="Isosceles Triangle 102">
-              <a:extLst>
-                <a:ext uri="{FF2B5EF4-FFF2-40B4-BE49-F238E27FC236}">
-                  <a16:creationId xmlns:a16="http://schemas.microsoft.com/office/drawing/2014/main" id="{F05E022F-CACC-4080-87AC-39CE1A63126A}"/>
-                </a:ext>
-              </a:extLst>
-            </p:cNvPr>
-            <p:cNvSpPr/>
-            <p:nvPr/>
-          </p:nvSpPr>
-          <p:spPr>
-            <a:xfrm rot="5400000" flipV="1">
-              <a:off x="4171457" y="1238434"/>
-              <a:ext cx="270504" cy="175523"/>
-            </a:xfrm>
-            <a:prstGeom prst="triangle">
-              <a:avLst/>
-            </a:prstGeom>
-            <a:solidFill>
-              <a:schemeClr val="accent6">
-                <a:lumMod val="75000"/>
-              </a:schemeClr>
-            </a:solidFill>
-            <a:ln w="19050">
-              <a:solidFill>
-                <a:schemeClr val="accent6">
-                  <a:lumMod val="75000"/>
-                </a:schemeClr>
-              </a:solidFill>
-            </a:ln>
-            <a:effectLst/>
-          </p:spPr>
-          <p:style>
-            <a:lnRef idx="1">
-              <a:schemeClr val="accent2"/>
-            </a:lnRef>
-            <a:fillRef idx="2">
-              <a:schemeClr val="accent2"/>
-            </a:fillRef>
-            <a:effectRef idx="1">
-              <a:schemeClr val="accent2"/>
-            </a:effectRef>
-            <a:fontRef idx="minor">
-              <a:schemeClr val="dk1"/>
-            </a:fontRef>
-          </p:style>
-          <p:txBody>
-            <a:bodyPr rtlCol="0" anchor="ctr"/>
-            <a:lstStyle/>
-            <a:p>
-              <a:pPr algn="ctr"/>
-              <a:endParaRPr lang="en-SG" sz="1050">
-                <a:solidFill>
-                  <a:schemeClr val="bg1"/>
-                </a:solidFill>
-              </a:endParaRPr>
-            </a:p>
-          </p:txBody>
-        </p:sp>
-        <p:cxnSp>
-          <p:nvCxnSpPr>
-            <p:cNvPr id="64" name="Elbow Connector 122">
-              <a:extLst>
-                <a:ext uri="{FF2B5EF4-FFF2-40B4-BE49-F238E27FC236}">
-                  <a16:creationId xmlns:a16="http://schemas.microsoft.com/office/drawing/2014/main" id="{C92DC855-E47D-4B36-8F85-8A0D54F51E19}"/>
-                </a:ext>
-              </a:extLst>
-            </p:cNvPr>
-            <p:cNvCxnSpPr>
-              <a:stCxn id="67" idx="3"/>
-              <a:endCxn id="68" idx="1"/>
-            </p:cNvCxnSpPr>
-            <p:nvPr/>
-          </p:nvCxnSpPr>
-          <p:spPr>
-            <a:xfrm>
-              <a:off x="5787628" y="1326193"/>
-              <a:ext cx="228600" cy="1970"/>
-            </a:xfrm>
-            <a:prstGeom prst="bentConnector3">
-              <a:avLst>
-                <a:gd name="adj1" fmla="val 50000"/>
-              </a:avLst>
-            </a:prstGeom>
-            <a:ln w="19050">
-              <a:solidFill>
-                <a:schemeClr val="accent6">
-                  <a:lumMod val="75000"/>
-                </a:schemeClr>
-              </a:solidFill>
-              <a:prstDash val="sysDot"/>
-              <a:headEnd type="none" w="med" len="med"/>
-              <a:tailEnd type="arrow" w="med" len="med"/>
-            </a:ln>
-            <a:effectLst/>
-          </p:spPr>
-          <p:style>
-            <a:lnRef idx="1">
-              <a:schemeClr val="accent2"/>
-            </a:lnRef>
-            <a:fillRef idx="2">
-              <a:schemeClr val="accent2"/>
-            </a:fillRef>
-            <a:effectRef idx="1">
-              <a:schemeClr val="accent2"/>
-            </a:effectRef>
-            <a:fontRef idx="minor">
-              <a:schemeClr val="dk1"/>
-            </a:fontRef>
-          </p:style>
-        </p:cxnSp>
-        <p:sp>
-          <p:nvSpPr>
-            <p:cNvPr id="67" name="Rectangle 8">
-              <a:extLst>
-                <a:ext uri="{FF2B5EF4-FFF2-40B4-BE49-F238E27FC236}">
-                  <a16:creationId xmlns:a16="http://schemas.microsoft.com/office/drawing/2014/main" id="{78DAA991-A206-47AD-BDEE-A42A67C4D40B}"/>
-                </a:ext>
-              </a:extLst>
-            </p:cNvPr>
-            <p:cNvSpPr/>
-            <p:nvPr/>
-          </p:nvSpPr>
-          <p:spPr>
-            <a:xfrm>
-              <a:off x="4617793" y="1152813"/>
-              <a:ext cx="1169835" cy="346760"/>
-            </a:xfrm>
-            <a:prstGeom prst="rect">
-              <a:avLst/>
-            </a:prstGeom>
-            <a:ln w="19050"/>
-            <a:effectLst/>
-          </p:spPr>
-          <p:style>
-            <a:lnRef idx="1">
-              <a:schemeClr val="accent6"/>
-            </a:lnRef>
-            <a:fillRef idx="2">
-              <a:schemeClr val="accent6"/>
-            </a:fillRef>
-            <a:effectRef idx="1">
-              <a:schemeClr val="accent6"/>
-            </a:effectRef>
-            <a:fontRef idx="minor">
-              <a:schemeClr val="dk1"/>
-            </a:fontRef>
-          </p:style>
-          <p:txBody>
-            <a:bodyPr rtlCol="0" anchor="ctr"/>
-            <a:lstStyle/>
-            <a:p>
-              <a:pPr algn="ctr"/>
-              <a:r>
-                <a:rPr lang="en-US" sz="1050" b="1" dirty="0" err="1">
+                <a:prstDash val="sysDot"/>
+                <a:headEnd type="none" w="med" len="med"/>
+                <a:tailEnd type="arrow" w="med" len="med"/>
+              </a:ln>
+              <a:effectLst/>
+            </p:spPr>
+            <p:style>
+              <a:lnRef idx="1">
+                <a:schemeClr val="accent2"/>
+              </a:lnRef>
+              <a:fillRef idx="2">
+                <a:schemeClr val="accent2"/>
+              </a:fillRef>
+              <a:effectRef idx="1">
+                <a:schemeClr val="accent2"/>
+              </a:effectRef>
+              <a:fontRef idx="minor">
+                <a:schemeClr val="dk1"/>
+              </a:fontRef>
+            </p:style>
+          </p:cxnSp>
+          <p:sp>
+            <p:nvSpPr>
+              <p:cNvPr id="126" name="Rectangle 8">
+                <a:extLst>
+                  <a:ext uri="{FF2B5EF4-FFF2-40B4-BE49-F238E27FC236}">
+                    <a16:creationId xmlns:a16="http://schemas.microsoft.com/office/drawing/2014/main" id="{1F1B19D8-58D7-4BE2-898A-3C98CADDE22E}"/>
+                  </a:ext>
+                </a:extLst>
+              </p:cNvPr>
+              <p:cNvSpPr/>
+              <p:nvPr/>
+            </p:nvSpPr>
+            <p:spPr>
+              <a:xfrm>
+                <a:off x="4617793" y="3772962"/>
+                <a:ext cx="1169835" cy="346760"/>
+              </a:xfrm>
+              <a:prstGeom prst="rect">
+                <a:avLst/>
+              </a:prstGeom>
+              <a:ln w="19050"/>
+              <a:effectLst/>
+            </p:spPr>
+            <p:style>
+              <a:lnRef idx="1">
+                <a:schemeClr val="accent6"/>
+              </a:lnRef>
+              <a:fillRef idx="2">
+                <a:schemeClr val="accent6"/>
+              </a:fillRef>
+              <a:effectRef idx="1">
+                <a:schemeClr val="accent6"/>
+              </a:effectRef>
+              <a:fontRef idx="minor">
+                <a:schemeClr val="dk1"/>
+              </a:fontRef>
+            </p:style>
+            <p:txBody>
+              <a:bodyPr rtlCol="0" anchor="ctr"/>
+              <a:lstStyle/>
+              <a:p>
+                <a:pPr algn="ctr"/>
+                <a:r>
+                  <a:rPr lang="en-US" sz="1050" b="1" dirty="0" err="1">
+                    <a:solidFill>
+                      <a:schemeClr val="accent6">
+                        <a:lumMod val="75000"/>
+                      </a:schemeClr>
+                    </a:solidFill>
+                  </a:rPr>
+                  <a:t>JsonMenu</a:t>
+                </a:r>
+                <a:endParaRPr lang="en-US" sz="1050" b="1" dirty="0">
                   <a:solidFill>
                     <a:schemeClr val="accent6">
                       <a:lumMod val="75000"/>
                     </a:schemeClr>
                   </a:solidFill>
-                </a:rPr>
-                <a:t>JsonStatistics</a:t>
-              </a:r>
-              <a:br>
-                <a:rPr lang="en-US" sz="1050" b="1" dirty="0">
+                </a:endParaRPr>
+              </a:p>
+              <a:p>
+                <a:pPr algn="ctr"/>
+                <a:r>
+                  <a:rPr lang="en-US" sz="1050" b="1" dirty="0">
+                    <a:solidFill>
+                      <a:schemeClr val="accent6">
+                        <a:lumMod val="75000"/>
+                      </a:schemeClr>
+                    </a:solidFill>
+                  </a:rPr>
+                  <a:t>Storage</a:t>
+                </a:r>
+                <a:endParaRPr lang="en-SG" sz="1050" b="1" dirty="0">
                   <a:solidFill>
                     <a:schemeClr val="accent6">
                       <a:lumMod val="75000"/>
                     </a:schemeClr>
                   </a:solidFill>
-                </a:rPr>
-              </a:br>
-              <a:r>
-                <a:rPr lang="en-US" sz="1050" b="1" dirty="0">
+                </a:endParaRPr>
+              </a:p>
+            </p:txBody>
+          </p:sp>
+          <p:sp>
+            <p:nvSpPr>
+              <p:cNvPr id="127" name="Rectangle 8">
+                <a:extLst>
+                  <a:ext uri="{FF2B5EF4-FFF2-40B4-BE49-F238E27FC236}">
+                    <a16:creationId xmlns:a16="http://schemas.microsoft.com/office/drawing/2014/main" id="{5FA5ACBC-4ACF-4E40-B67C-472B24E6C7D7}"/>
+                  </a:ext>
+                </a:extLst>
+              </p:cNvPr>
+              <p:cNvSpPr/>
+              <p:nvPr/>
+            </p:nvSpPr>
+            <p:spPr>
+              <a:xfrm>
+                <a:off x="6016228" y="3774932"/>
+                <a:ext cx="1200707" cy="346760"/>
+              </a:xfrm>
+              <a:prstGeom prst="rect">
+                <a:avLst/>
+              </a:prstGeom>
+              <a:ln w="19050"/>
+              <a:effectLst/>
+            </p:spPr>
+            <p:style>
+              <a:lnRef idx="1">
+                <a:schemeClr val="accent6"/>
+              </a:lnRef>
+              <a:fillRef idx="2">
+                <a:schemeClr val="accent6"/>
+              </a:fillRef>
+              <a:effectRef idx="1">
+                <a:schemeClr val="accent6"/>
+              </a:effectRef>
+              <a:fontRef idx="minor">
+                <a:schemeClr val="dk1"/>
+              </a:fontRef>
+            </p:style>
+            <p:txBody>
+              <a:bodyPr rtlCol="0" anchor="ctr"/>
+              <a:lstStyle/>
+              <a:p>
+                <a:pPr algn="ctr"/>
+                <a:r>
+                  <a:rPr lang="en-US" sz="1050" b="1" dirty="0" err="1">
+                    <a:solidFill>
+                      <a:schemeClr val="accent6">
+                        <a:lumMod val="75000"/>
+                      </a:schemeClr>
+                    </a:solidFill>
+                  </a:rPr>
+                  <a:t>JsonSerializable</a:t>
+                </a:r>
+                <a:br>
+                  <a:rPr lang="en-US" sz="1050" b="1" dirty="0">
+                    <a:solidFill>
+                      <a:schemeClr val="accent6">
+                        <a:lumMod val="75000"/>
+                      </a:schemeClr>
+                    </a:solidFill>
+                  </a:rPr>
+                </a:br>
+                <a:r>
+                  <a:rPr lang="en-US" sz="1050" b="1" dirty="0">
+                    <a:solidFill>
+                      <a:schemeClr val="accent6">
+                        <a:lumMod val="75000"/>
+                      </a:schemeClr>
+                    </a:solidFill>
+                  </a:rPr>
+                  <a:t>Menu</a:t>
+                </a:r>
+                <a:endParaRPr lang="en-SG" sz="1050" b="1" dirty="0">
                   <a:solidFill>
                     <a:schemeClr val="accent6">
                       <a:lumMod val="75000"/>
                     </a:schemeClr>
                   </a:solidFill>
-                </a:rPr>
-                <a:t>Storage</a:t>
-              </a:r>
-              <a:endParaRPr lang="en-SG" sz="1050" b="1" dirty="0">
-                <a:solidFill>
-                  <a:schemeClr val="accent6">
-                    <a:lumMod val="75000"/>
-                  </a:schemeClr>
-                </a:solidFill>
-              </a:endParaRPr>
-            </a:p>
-          </p:txBody>
-        </p:sp>
-        <p:sp>
-          <p:nvSpPr>
-            <p:cNvPr id="68" name="Rectangle 8">
-              <a:extLst>
-                <a:ext uri="{FF2B5EF4-FFF2-40B4-BE49-F238E27FC236}">
-                  <a16:creationId xmlns:a16="http://schemas.microsoft.com/office/drawing/2014/main" id="{D9A76FDE-EEDD-4EAB-ADB4-975E216AFBF4}"/>
-                </a:ext>
-              </a:extLst>
-            </p:cNvPr>
-            <p:cNvSpPr/>
-            <p:nvPr/>
-          </p:nvSpPr>
-          <p:spPr>
-            <a:xfrm>
-              <a:off x="6016228" y="1154783"/>
-              <a:ext cx="1200707" cy="346760"/>
-            </a:xfrm>
-            <a:prstGeom prst="rect">
-              <a:avLst/>
-            </a:prstGeom>
-            <a:ln w="19050"/>
-            <a:effectLst/>
-          </p:spPr>
-          <p:style>
-            <a:lnRef idx="1">
-              <a:schemeClr val="accent6"/>
-            </a:lnRef>
-            <a:fillRef idx="2">
-              <a:schemeClr val="accent6"/>
-            </a:fillRef>
-            <a:effectRef idx="1">
-              <a:schemeClr val="accent6"/>
-            </a:effectRef>
-            <a:fontRef idx="minor">
-              <a:schemeClr val="dk1"/>
-            </a:fontRef>
-          </p:style>
-          <p:txBody>
-            <a:bodyPr rtlCol="0" anchor="ctr"/>
-            <a:lstStyle/>
-            <a:p>
-              <a:pPr algn="ctr"/>
-              <a:r>
-                <a:rPr lang="en-US" sz="1050" b="1" dirty="0" err="1">
+                </a:endParaRPr>
+              </a:p>
+            </p:txBody>
+          </p:sp>
+          <p:sp>
+            <p:nvSpPr>
+              <p:cNvPr id="130" name="Rectangle 8">
+                <a:extLst>
+                  <a:ext uri="{FF2B5EF4-FFF2-40B4-BE49-F238E27FC236}">
+                    <a16:creationId xmlns:a16="http://schemas.microsoft.com/office/drawing/2014/main" id="{C189C249-8222-4381-9819-B2B73C7C6170}"/>
+                  </a:ext>
+                </a:extLst>
+              </p:cNvPr>
+              <p:cNvSpPr/>
+              <p:nvPr/>
+            </p:nvSpPr>
+            <p:spPr>
+              <a:xfrm>
+                <a:off x="7612166" y="3774146"/>
+                <a:ext cx="1259718" cy="346760"/>
+              </a:xfrm>
+              <a:prstGeom prst="rect">
+                <a:avLst/>
+              </a:prstGeom>
+              <a:ln w="19050"/>
+              <a:effectLst/>
+            </p:spPr>
+            <p:style>
+              <a:lnRef idx="1">
+                <a:schemeClr val="accent6"/>
+              </a:lnRef>
+              <a:fillRef idx="2">
+                <a:schemeClr val="accent6"/>
+              </a:fillRef>
+              <a:effectRef idx="1">
+                <a:schemeClr val="accent6"/>
+              </a:effectRef>
+              <a:fontRef idx="minor">
+                <a:schemeClr val="dk1"/>
+              </a:fontRef>
+            </p:style>
+            <p:txBody>
+              <a:bodyPr rtlCol="0" anchor="ctr"/>
+              <a:lstStyle/>
+              <a:p>
+                <a:pPr algn="ctr"/>
+                <a:r>
+                  <a:rPr lang="en-US" sz="1030" b="1" dirty="0" err="1">
+                    <a:solidFill>
+                      <a:schemeClr val="accent6">
+                        <a:lumMod val="75000"/>
+                      </a:schemeClr>
+                    </a:solidFill>
+                  </a:rPr>
+                  <a:t>JsonAdaptedMenu</a:t>
+                </a:r>
+                <a:endParaRPr lang="en-SG" sz="1030" b="1" dirty="0">
                   <a:solidFill>
                     <a:schemeClr val="accent6">
                       <a:lumMod val="75000"/>
                     </a:schemeClr>
                   </a:solidFill>
-                </a:rPr>
-                <a:t>JsonSerializable</a:t>
-              </a:r>
-              <a:br>
-                <a:rPr lang="en-US" sz="1050" b="1" dirty="0">
-                  <a:solidFill>
-                    <a:schemeClr val="accent6">
-                      <a:lumMod val="75000"/>
-                    </a:schemeClr>
-                  </a:solidFill>
-                </a:rPr>
-              </a:br>
-              <a:r>
-                <a:rPr lang="en-US" sz="1050" b="1" dirty="0">
-                  <a:solidFill>
-                    <a:schemeClr val="accent6">
-                      <a:lumMod val="75000"/>
-                    </a:schemeClr>
-                  </a:solidFill>
-                </a:rPr>
-                <a:t>Statistics</a:t>
-              </a:r>
-              <a:endParaRPr lang="en-SG" sz="1050" b="1" dirty="0">
-                <a:solidFill>
-                  <a:schemeClr val="accent6">
-                    <a:lumMod val="75000"/>
-                  </a:schemeClr>
-                </a:solidFill>
-              </a:endParaRPr>
-            </a:p>
-          </p:txBody>
-        </p:sp>
-        <p:sp>
-          <p:nvSpPr>
-            <p:cNvPr id="72" name="Rectangle 8">
-              <a:extLst>
-                <a:ext uri="{FF2B5EF4-FFF2-40B4-BE49-F238E27FC236}">
-                  <a16:creationId xmlns:a16="http://schemas.microsoft.com/office/drawing/2014/main" id="{761A066B-BFA5-4064-8240-7F9CDB47245C}"/>
-                </a:ext>
-              </a:extLst>
-            </p:cNvPr>
-            <p:cNvSpPr/>
-            <p:nvPr/>
-          </p:nvSpPr>
-          <p:spPr>
-            <a:xfrm>
-              <a:off x="7612165" y="1153997"/>
-              <a:ext cx="1381613" cy="346760"/>
-            </a:xfrm>
-            <a:prstGeom prst="rect">
-              <a:avLst/>
-            </a:prstGeom>
-            <a:ln w="19050"/>
-            <a:effectLst/>
-          </p:spPr>
-          <p:style>
-            <a:lnRef idx="1">
-              <a:schemeClr val="accent6"/>
-            </a:lnRef>
-            <a:fillRef idx="2">
-              <a:schemeClr val="accent6"/>
-            </a:fillRef>
-            <a:effectRef idx="1">
-              <a:schemeClr val="accent6"/>
-            </a:effectRef>
-            <a:fontRef idx="minor">
-              <a:schemeClr val="dk1"/>
-            </a:fontRef>
-          </p:style>
-          <p:txBody>
-            <a:bodyPr rtlCol="0" anchor="ctr"/>
-            <a:lstStyle/>
-            <a:p>
-              <a:pPr algn="ctr"/>
-              <a:r>
-                <a:rPr lang="en-US" sz="1030" b="1" dirty="0" err="1">
-                  <a:solidFill>
-                    <a:schemeClr val="accent6">
-                      <a:lumMod val="75000"/>
-                    </a:schemeClr>
-                  </a:solidFill>
-                </a:rPr>
-                <a:t>JsonAdaptedStatistics</a:t>
-              </a:r>
-              <a:endParaRPr lang="en-SG" sz="1030" b="1" dirty="0">
-                <a:solidFill>
-                  <a:schemeClr val="accent6">
-                    <a:lumMod val="75000"/>
-                  </a:schemeClr>
-                </a:solidFill>
-              </a:endParaRPr>
-            </a:p>
-          </p:txBody>
-        </p:sp>
-        <p:cxnSp>
-          <p:nvCxnSpPr>
-            <p:cNvPr id="76" name="Elbow Connector 122">
-              <a:extLst>
-                <a:ext uri="{FF2B5EF4-FFF2-40B4-BE49-F238E27FC236}">
-                  <a16:creationId xmlns:a16="http://schemas.microsoft.com/office/drawing/2014/main" id="{2BFF2C97-DD15-4AFD-AACF-4F7663692D86}"/>
-                </a:ext>
-              </a:extLst>
-            </p:cNvPr>
-            <p:cNvCxnSpPr>
-              <a:cxnSpLocks/>
-              <a:stCxn id="68" idx="3"/>
-              <a:endCxn id="72" idx="1"/>
-            </p:cNvCxnSpPr>
-            <p:nvPr/>
-          </p:nvCxnSpPr>
-          <p:spPr>
-            <a:xfrm flipV="1">
-              <a:off x="7216935" y="1327377"/>
-              <a:ext cx="395230" cy="786"/>
-            </a:xfrm>
-            <a:prstGeom prst="bentConnector3">
-              <a:avLst>
-                <a:gd name="adj1" fmla="val 50000"/>
-              </a:avLst>
-            </a:prstGeom>
-            <a:ln w="19050">
-              <a:prstDash val="sysDot"/>
-              <a:headEnd type="none" w="med" len="med"/>
-              <a:tailEnd type="arrow" w="med" len="med"/>
-            </a:ln>
-            <a:effectLst/>
-          </p:spPr>
-          <p:style>
-            <a:lnRef idx="1">
-              <a:schemeClr val="accent6"/>
-            </a:lnRef>
-            <a:fillRef idx="2">
-              <a:schemeClr val="accent6"/>
-            </a:fillRef>
-            <a:effectRef idx="1">
-              <a:schemeClr val="accent6"/>
-            </a:effectRef>
-            <a:fontRef idx="minor">
-              <a:schemeClr val="dk1"/>
-            </a:fontRef>
-          </p:style>
-        </p:cxnSp>
-        <p:sp>
-          <p:nvSpPr>
-            <p:cNvPr id="104" name="Rectangle 8">
-              <a:extLst>
-                <a:ext uri="{FF2B5EF4-FFF2-40B4-BE49-F238E27FC236}">
-                  <a16:creationId xmlns:a16="http://schemas.microsoft.com/office/drawing/2014/main" id="{67B15D1B-414C-4F61-A8FB-AE6907129068}"/>
-                </a:ext>
-              </a:extLst>
-            </p:cNvPr>
-            <p:cNvSpPr/>
-            <p:nvPr/>
-          </p:nvSpPr>
-          <p:spPr>
-            <a:xfrm>
-              <a:off x="2873611" y="1962649"/>
-              <a:ext cx="1323049" cy="346760"/>
-            </a:xfrm>
-            <a:prstGeom prst="rect">
-              <a:avLst/>
-            </a:prstGeom>
-            <a:solidFill>
-              <a:schemeClr val="accent6">
-                <a:lumMod val="75000"/>
-              </a:schemeClr>
-            </a:solidFill>
-            <a:ln w="19050">
-              <a:solidFill>
-                <a:schemeClr val="accent6">
-                  <a:lumMod val="75000"/>
-                </a:schemeClr>
-              </a:solidFill>
-            </a:ln>
-            <a:effectLst/>
-          </p:spPr>
-          <p:style>
-            <a:lnRef idx="1">
-              <a:schemeClr val="accent2"/>
-            </a:lnRef>
-            <a:fillRef idx="2">
-              <a:schemeClr val="accent2"/>
-            </a:fillRef>
-            <a:effectRef idx="1">
-              <a:schemeClr val="accent2"/>
-            </a:effectRef>
-            <a:fontRef idx="minor">
-              <a:schemeClr val="dk1"/>
-            </a:fontRef>
-          </p:style>
-          <p:txBody>
-            <a:bodyPr rtlCol="0" anchor="ctr"/>
-            <a:lstStyle/>
-            <a:p>
-              <a:pPr algn="ctr"/>
-              <a:r>
-                <a:rPr lang="en-US" sz="1050" dirty="0">
-                  <a:solidFill>
-                    <a:schemeClr val="bg1"/>
-                  </a:solidFill>
-                </a:rPr>
-                <a:t>&lt;&lt;interface&gt;&gt;</a:t>
-              </a:r>
-              <a:br>
-                <a:rPr lang="en-US" sz="1050" dirty="0">
-                  <a:solidFill>
-                    <a:schemeClr val="bg1"/>
-                  </a:solidFill>
-                </a:rPr>
-              </a:br>
-              <a:r>
-                <a:rPr lang="en-US" sz="1050" dirty="0" err="1">
-                  <a:solidFill>
-                    <a:schemeClr val="bg1"/>
-                  </a:solidFill>
-                </a:rPr>
-                <a:t>TableStorage</a:t>
-              </a:r>
-              <a:endParaRPr lang="en-SG" sz="1050" dirty="0">
-                <a:solidFill>
-                  <a:schemeClr val="bg1"/>
-                </a:solidFill>
-              </a:endParaRPr>
-            </a:p>
-          </p:txBody>
-        </p:sp>
-        <p:cxnSp>
-          <p:nvCxnSpPr>
-            <p:cNvPr id="105" name="Straight Arrow Connector 104">
-              <a:extLst>
-                <a:ext uri="{FF2B5EF4-FFF2-40B4-BE49-F238E27FC236}">
-                  <a16:creationId xmlns:a16="http://schemas.microsoft.com/office/drawing/2014/main" id="{2657515C-596D-4A85-9B23-4A935EE8E140}"/>
-                </a:ext>
-              </a:extLst>
-            </p:cNvPr>
-            <p:cNvCxnSpPr>
-              <a:stCxn id="106" idx="3"/>
-              <a:endCxn id="104" idx="1"/>
-            </p:cNvCxnSpPr>
-            <p:nvPr/>
-          </p:nvCxnSpPr>
-          <p:spPr>
-            <a:xfrm>
-              <a:off x="2652801" y="2130745"/>
-              <a:ext cx="220810" cy="5284"/>
-            </a:xfrm>
-            <a:prstGeom prst="straightConnector1">
-              <a:avLst/>
-            </a:prstGeom>
-            <a:ln w="19050">
-              <a:solidFill>
-                <a:schemeClr val="accent6">
-                  <a:lumMod val="75000"/>
-                </a:schemeClr>
-              </a:solidFill>
-              <a:headEnd type="none" w="med" len="med"/>
-              <a:tailEnd type="arrow" w="med" len="med"/>
-            </a:ln>
-            <a:effectLst/>
-          </p:spPr>
-          <p:style>
-            <a:lnRef idx="1">
-              <a:schemeClr val="accent2"/>
-            </a:lnRef>
-            <a:fillRef idx="2">
-              <a:schemeClr val="accent2"/>
-            </a:fillRef>
-            <a:effectRef idx="1">
-              <a:schemeClr val="accent2"/>
-            </a:effectRef>
-            <a:fontRef idx="minor">
-              <a:schemeClr val="dk1"/>
-            </a:fontRef>
-          </p:style>
-        </p:cxnSp>
-        <p:sp>
-          <p:nvSpPr>
-            <p:cNvPr id="106" name="Flowchart: Decision 96">
-              <a:extLst>
-                <a:ext uri="{FF2B5EF4-FFF2-40B4-BE49-F238E27FC236}">
-                  <a16:creationId xmlns:a16="http://schemas.microsoft.com/office/drawing/2014/main" id="{AB89345C-B514-440E-8516-33AF5DE43F2B}"/>
-                </a:ext>
-              </a:extLst>
-            </p:cNvPr>
-            <p:cNvSpPr/>
-            <p:nvPr/>
-          </p:nvSpPr>
-          <p:spPr>
-            <a:xfrm>
-              <a:off x="2416753" y="2044055"/>
-              <a:ext cx="236048" cy="173380"/>
-            </a:xfrm>
-            <a:prstGeom prst="flowChartDecision">
-              <a:avLst/>
-            </a:prstGeom>
-            <a:noFill/>
-            <a:ln w="19050">
-              <a:solidFill>
-                <a:schemeClr val="accent6">
-                  <a:lumMod val="75000"/>
-                </a:schemeClr>
-              </a:solidFill>
-            </a:ln>
-            <a:effectLst/>
-          </p:spPr>
-          <p:style>
-            <a:lnRef idx="1">
-              <a:schemeClr val="accent2"/>
-            </a:lnRef>
-            <a:fillRef idx="2">
-              <a:schemeClr val="accent2"/>
-            </a:fillRef>
-            <a:effectRef idx="1">
-              <a:schemeClr val="accent2"/>
-            </a:effectRef>
-            <a:fontRef idx="minor">
-              <a:schemeClr val="dk1"/>
-            </a:fontRef>
-          </p:style>
-          <p:txBody>
-            <a:bodyPr rtlCol="0" anchor="ctr"/>
-            <a:lstStyle/>
-            <a:p>
-              <a:pPr algn="ctr"/>
-              <a:endParaRPr lang="en-US" sz="1050">
-                <a:solidFill>
-                  <a:schemeClr val="bg1"/>
-                </a:solidFill>
-              </a:endParaRPr>
-            </a:p>
-          </p:txBody>
-        </p:sp>
-        <p:cxnSp>
-          <p:nvCxnSpPr>
-            <p:cNvPr id="107" name="Elbow Connector 63">
-              <a:extLst>
-                <a:ext uri="{FF2B5EF4-FFF2-40B4-BE49-F238E27FC236}">
-                  <a16:creationId xmlns:a16="http://schemas.microsoft.com/office/drawing/2014/main" id="{64CD6CB5-AD77-43EC-B262-91F904E6A835}"/>
-                </a:ext>
-              </a:extLst>
-            </p:cNvPr>
-            <p:cNvCxnSpPr>
-              <a:stCxn id="108" idx="3"/>
-              <a:endCxn id="110" idx="1"/>
-            </p:cNvCxnSpPr>
-            <p:nvPr/>
-          </p:nvCxnSpPr>
-          <p:spPr>
-            <a:xfrm flipV="1">
-              <a:off x="4394471" y="2136026"/>
-              <a:ext cx="223322" cy="3"/>
-            </a:xfrm>
-            <a:prstGeom prst="bentConnector3">
-              <a:avLst>
-                <a:gd name="adj1" fmla="val 50000"/>
-              </a:avLst>
-            </a:prstGeom>
-            <a:ln w="19050">
-              <a:solidFill>
-                <a:schemeClr val="accent6">
-                  <a:lumMod val="75000"/>
-                </a:schemeClr>
-              </a:solidFill>
-              <a:prstDash val="sysDot"/>
-              <a:headEnd type="none" w="med" len="med"/>
-              <a:tailEnd type="none" w="med" len="med"/>
-            </a:ln>
-            <a:effectLst/>
-          </p:spPr>
-          <p:style>
-            <a:lnRef idx="1">
-              <a:schemeClr val="accent2"/>
-            </a:lnRef>
-            <a:fillRef idx="2">
-              <a:schemeClr val="accent2"/>
-            </a:fillRef>
-            <a:effectRef idx="1">
-              <a:schemeClr val="accent2"/>
-            </a:effectRef>
-            <a:fontRef idx="minor">
-              <a:schemeClr val="dk1"/>
-            </a:fontRef>
-          </p:style>
-        </p:cxnSp>
-        <p:sp>
-          <p:nvSpPr>
-            <p:cNvPr id="108" name="Isosceles Triangle 102">
-              <a:extLst>
-                <a:ext uri="{FF2B5EF4-FFF2-40B4-BE49-F238E27FC236}">
-                  <a16:creationId xmlns:a16="http://schemas.microsoft.com/office/drawing/2014/main" id="{7D0305CA-448A-41D0-BA0D-2ED0A1766859}"/>
-                </a:ext>
-              </a:extLst>
-            </p:cNvPr>
-            <p:cNvSpPr/>
-            <p:nvPr/>
-          </p:nvSpPr>
-          <p:spPr>
-            <a:xfrm rot="5400000" flipV="1">
-              <a:off x="4171457" y="2048267"/>
-              <a:ext cx="270504" cy="175523"/>
-            </a:xfrm>
-            <a:prstGeom prst="triangle">
-              <a:avLst/>
-            </a:prstGeom>
-            <a:solidFill>
-              <a:schemeClr val="accent6">
-                <a:lumMod val="75000"/>
-              </a:schemeClr>
-            </a:solidFill>
-            <a:ln w="19050">
-              <a:solidFill>
-                <a:schemeClr val="accent6">
-                  <a:lumMod val="75000"/>
-                </a:schemeClr>
-              </a:solidFill>
-            </a:ln>
-            <a:effectLst/>
-          </p:spPr>
-          <p:style>
-            <a:lnRef idx="1">
-              <a:schemeClr val="accent2"/>
-            </a:lnRef>
-            <a:fillRef idx="2">
-              <a:schemeClr val="accent2"/>
-            </a:fillRef>
-            <a:effectRef idx="1">
-              <a:schemeClr val="accent2"/>
-            </a:effectRef>
-            <a:fontRef idx="minor">
-              <a:schemeClr val="dk1"/>
-            </a:fontRef>
-          </p:style>
-          <p:txBody>
-            <a:bodyPr rtlCol="0" anchor="ctr"/>
-            <a:lstStyle/>
-            <a:p>
-              <a:pPr algn="ctr"/>
-              <a:endParaRPr lang="en-SG" sz="1050">
-                <a:solidFill>
-                  <a:schemeClr val="bg1"/>
-                </a:solidFill>
-              </a:endParaRPr>
-            </a:p>
-          </p:txBody>
-        </p:sp>
-        <p:cxnSp>
-          <p:nvCxnSpPr>
-            <p:cNvPr id="109" name="Elbow Connector 122">
-              <a:extLst>
-                <a:ext uri="{FF2B5EF4-FFF2-40B4-BE49-F238E27FC236}">
-                  <a16:creationId xmlns:a16="http://schemas.microsoft.com/office/drawing/2014/main" id="{5E8CA0F0-6AEF-4117-A247-B89FB6C6AFFE}"/>
-                </a:ext>
-              </a:extLst>
-            </p:cNvPr>
-            <p:cNvCxnSpPr>
-              <a:stCxn id="110" idx="3"/>
-              <a:endCxn id="111" idx="1"/>
-            </p:cNvCxnSpPr>
-            <p:nvPr/>
-          </p:nvCxnSpPr>
-          <p:spPr>
-            <a:xfrm>
-              <a:off x="5787628" y="2136026"/>
-              <a:ext cx="228600" cy="1970"/>
-            </a:xfrm>
-            <a:prstGeom prst="bentConnector3">
-              <a:avLst>
-                <a:gd name="adj1" fmla="val 50000"/>
-              </a:avLst>
-            </a:prstGeom>
-            <a:ln w="19050">
-              <a:solidFill>
-                <a:schemeClr val="accent6">
-                  <a:lumMod val="75000"/>
-                </a:schemeClr>
-              </a:solidFill>
-              <a:prstDash val="sysDot"/>
-              <a:headEnd type="none" w="med" len="med"/>
-              <a:tailEnd type="arrow" w="med" len="med"/>
-            </a:ln>
-            <a:effectLst/>
-          </p:spPr>
-          <p:style>
-            <a:lnRef idx="1">
-              <a:schemeClr val="accent2"/>
-            </a:lnRef>
-            <a:fillRef idx="2">
-              <a:schemeClr val="accent2"/>
-            </a:fillRef>
-            <a:effectRef idx="1">
-              <a:schemeClr val="accent2"/>
-            </a:effectRef>
-            <a:fontRef idx="minor">
-              <a:schemeClr val="dk1"/>
-            </a:fontRef>
-          </p:style>
-        </p:cxnSp>
-        <p:sp>
-          <p:nvSpPr>
-            <p:cNvPr id="110" name="Rectangle 8">
-              <a:extLst>
-                <a:ext uri="{FF2B5EF4-FFF2-40B4-BE49-F238E27FC236}">
-                  <a16:creationId xmlns:a16="http://schemas.microsoft.com/office/drawing/2014/main" id="{2C2EDDD5-8608-486B-8AF7-298EF77F6E3C}"/>
-                </a:ext>
-              </a:extLst>
-            </p:cNvPr>
-            <p:cNvSpPr/>
-            <p:nvPr/>
-          </p:nvSpPr>
-          <p:spPr>
-            <a:xfrm>
-              <a:off x="4617793" y="1962646"/>
-              <a:ext cx="1169835" cy="346760"/>
-            </a:xfrm>
-            <a:prstGeom prst="rect">
-              <a:avLst/>
-            </a:prstGeom>
-            <a:ln w="19050"/>
-            <a:effectLst/>
-          </p:spPr>
-          <p:style>
-            <a:lnRef idx="1">
-              <a:schemeClr val="accent6"/>
-            </a:lnRef>
-            <a:fillRef idx="2">
-              <a:schemeClr val="accent6"/>
-            </a:fillRef>
-            <a:effectRef idx="1">
-              <a:schemeClr val="accent6"/>
-            </a:effectRef>
-            <a:fontRef idx="minor">
-              <a:schemeClr val="dk1"/>
-            </a:fontRef>
-          </p:style>
-          <p:txBody>
-            <a:bodyPr rtlCol="0" anchor="ctr"/>
-            <a:lstStyle/>
-            <a:p>
-              <a:pPr algn="ctr"/>
-              <a:r>
-                <a:rPr lang="en-US" sz="1050" b="1" dirty="0" err="1">
-                  <a:solidFill>
-                    <a:schemeClr val="accent6">
-                      <a:lumMod val="75000"/>
-                    </a:schemeClr>
-                  </a:solidFill>
-                </a:rPr>
-                <a:t>JsonTable</a:t>
-              </a:r>
-              <a:br>
-                <a:rPr lang="en-US" sz="1050" b="1" dirty="0">
-                  <a:solidFill>
-                    <a:schemeClr val="accent6">
-                      <a:lumMod val="75000"/>
-                    </a:schemeClr>
-                  </a:solidFill>
-                </a:rPr>
-              </a:br>
-              <a:r>
-                <a:rPr lang="en-US" sz="1050" b="1" dirty="0">
-                  <a:solidFill>
-                    <a:schemeClr val="accent6">
-                      <a:lumMod val="75000"/>
-                    </a:schemeClr>
-                  </a:solidFill>
-                </a:rPr>
-                <a:t>Storage</a:t>
-              </a:r>
-              <a:endParaRPr lang="en-SG" sz="1050" b="1" dirty="0">
-                <a:solidFill>
-                  <a:schemeClr val="accent6">
-                    <a:lumMod val="75000"/>
-                  </a:schemeClr>
-                </a:solidFill>
-              </a:endParaRPr>
-            </a:p>
-          </p:txBody>
-        </p:sp>
-        <p:sp>
-          <p:nvSpPr>
-            <p:cNvPr id="111" name="Rectangle 8">
-              <a:extLst>
-                <a:ext uri="{FF2B5EF4-FFF2-40B4-BE49-F238E27FC236}">
-                  <a16:creationId xmlns:a16="http://schemas.microsoft.com/office/drawing/2014/main" id="{FF74BAE6-AD0F-4247-8097-0EDA6C1E7C1D}"/>
-                </a:ext>
-              </a:extLst>
-            </p:cNvPr>
-            <p:cNvSpPr/>
-            <p:nvPr/>
-          </p:nvSpPr>
-          <p:spPr>
-            <a:xfrm>
-              <a:off x="6016228" y="1964616"/>
-              <a:ext cx="1200707" cy="346760"/>
-            </a:xfrm>
-            <a:prstGeom prst="rect">
-              <a:avLst/>
-            </a:prstGeom>
-            <a:ln w="19050"/>
-            <a:effectLst/>
-          </p:spPr>
-          <p:style>
-            <a:lnRef idx="1">
-              <a:schemeClr val="accent6"/>
-            </a:lnRef>
-            <a:fillRef idx="2">
-              <a:schemeClr val="accent6"/>
-            </a:fillRef>
-            <a:effectRef idx="1">
-              <a:schemeClr val="accent6"/>
-            </a:effectRef>
-            <a:fontRef idx="minor">
-              <a:schemeClr val="dk1"/>
-            </a:fontRef>
-          </p:style>
-          <p:txBody>
-            <a:bodyPr rtlCol="0" anchor="ctr"/>
-            <a:lstStyle/>
-            <a:p>
-              <a:pPr algn="ctr"/>
-              <a:r>
-                <a:rPr lang="en-US" sz="1050" b="1" dirty="0" err="1">
-                  <a:solidFill>
-                    <a:schemeClr val="accent6">
-                      <a:lumMod val="75000"/>
-                    </a:schemeClr>
-                  </a:solidFill>
-                </a:rPr>
-                <a:t>JsonSerializable</a:t>
-              </a:r>
-              <a:br>
-                <a:rPr lang="en-US" sz="1050" b="1" dirty="0">
-                  <a:solidFill>
-                    <a:schemeClr val="accent6">
-                      <a:lumMod val="75000"/>
-                    </a:schemeClr>
-                  </a:solidFill>
-                </a:rPr>
-              </a:br>
-              <a:r>
-                <a:rPr lang="en-US" sz="1050" b="1" dirty="0">
-                  <a:solidFill>
-                    <a:schemeClr val="accent6">
-                      <a:lumMod val="75000"/>
-                    </a:schemeClr>
-                  </a:solidFill>
-                </a:rPr>
-                <a:t>Table</a:t>
-              </a:r>
-              <a:endParaRPr lang="en-SG" sz="1050" b="1" dirty="0">
-                <a:solidFill>
-                  <a:schemeClr val="accent6">
-                    <a:lumMod val="75000"/>
-                  </a:schemeClr>
-                </a:solidFill>
-              </a:endParaRPr>
-            </a:p>
-          </p:txBody>
-        </p:sp>
-        <p:sp>
-          <p:nvSpPr>
-            <p:cNvPr id="114" name="Rectangle 8">
-              <a:extLst>
-                <a:ext uri="{FF2B5EF4-FFF2-40B4-BE49-F238E27FC236}">
-                  <a16:creationId xmlns:a16="http://schemas.microsoft.com/office/drawing/2014/main" id="{5CD5A744-0904-497B-8221-F5F3D92D0CD3}"/>
-                </a:ext>
-              </a:extLst>
-            </p:cNvPr>
-            <p:cNvSpPr/>
-            <p:nvPr/>
-          </p:nvSpPr>
-          <p:spPr>
-            <a:xfrm>
-              <a:off x="7612166" y="1963830"/>
-              <a:ext cx="1259718" cy="346760"/>
-            </a:xfrm>
-            <a:prstGeom prst="rect">
-              <a:avLst/>
-            </a:prstGeom>
-            <a:ln w="19050"/>
-            <a:effectLst/>
-          </p:spPr>
-          <p:style>
-            <a:lnRef idx="1">
-              <a:schemeClr val="accent6"/>
-            </a:lnRef>
-            <a:fillRef idx="2">
-              <a:schemeClr val="accent6"/>
-            </a:fillRef>
-            <a:effectRef idx="1">
-              <a:schemeClr val="accent6"/>
-            </a:effectRef>
-            <a:fontRef idx="minor">
-              <a:schemeClr val="dk1"/>
-            </a:fontRef>
-          </p:style>
-          <p:txBody>
-            <a:bodyPr rtlCol="0" anchor="ctr"/>
-            <a:lstStyle/>
-            <a:p>
-              <a:pPr algn="ctr"/>
-              <a:r>
-                <a:rPr lang="en-US" sz="1030" b="1" dirty="0" err="1">
-                  <a:solidFill>
-                    <a:schemeClr val="accent6">
-                      <a:lumMod val="75000"/>
-                    </a:schemeClr>
-                  </a:solidFill>
-                </a:rPr>
-                <a:t>JsonAdaptedTable</a:t>
-              </a:r>
-              <a:endParaRPr lang="en-SG" sz="1030" b="1" dirty="0">
-                <a:solidFill>
-                  <a:schemeClr val="accent6">
-                    <a:lumMod val="75000"/>
-                  </a:schemeClr>
-                </a:solidFill>
-              </a:endParaRPr>
-            </a:p>
-          </p:txBody>
-        </p:sp>
-        <p:cxnSp>
-          <p:nvCxnSpPr>
-            <p:cNvPr id="115" name="Elbow Connector 122">
-              <a:extLst>
-                <a:ext uri="{FF2B5EF4-FFF2-40B4-BE49-F238E27FC236}">
-                  <a16:creationId xmlns:a16="http://schemas.microsoft.com/office/drawing/2014/main" id="{727C1BE8-E1EB-4ED6-8A64-E0C428B8E359}"/>
-                </a:ext>
-              </a:extLst>
-            </p:cNvPr>
-            <p:cNvCxnSpPr>
-              <a:cxnSpLocks/>
-              <a:stCxn id="111" idx="3"/>
-              <a:endCxn id="114" idx="1"/>
-            </p:cNvCxnSpPr>
-            <p:nvPr/>
-          </p:nvCxnSpPr>
-          <p:spPr>
-            <a:xfrm flipV="1">
-              <a:off x="7216935" y="2137210"/>
-              <a:ext cx="395231" cy="786"/>
-            </a:xfrm>
-            <a:prstGeom prst="bentConnector3">
-              <a:avLst>
-                <a:gd name="adj1" fmla="val 50000"/>
-              </a:avLst>
-            </a:prstGeom>
-            <a:ln w="19050">
-              <a:prstDash val="sysDot"/>
-              <a:headEnd type="none" w="med" len="med"/>
-              <a:tailEnd type="arrow" w="med" len="med"/>
-            </a:ln>
-            <a:effectLst/>
-          </p:spPr>
-          <p:style>
-            <a:lnRef idx="1">
-              <a:schemeClr val="accent6"/>
-            </a:lnRef>
-            <a:fillRef idx="2">
-              <a:schemeClr val="accent6"/>
-            </a:fillRef>
-            <a:effectRef idx="1">
-              <a:schemeClr val="accent6"/>
-            </a:effectRef>
-            <a:fontRef idx="minor">
-              <a:schemeClr val="dk1"/>
-            </a:fontRef>
-          </p:style>
-        </p:cxnSp>
-        <p:sp>
-          <p:nvSpPr>
-            <p:cNvPr id="116" name="Rectangle 8">
-              <a:extLst>
-                <a:ext uri="{FF2B5EF4-FFF2-40B4-BE49-F238E27FC236}">
-                  <a16:creationId xmlns:a16="http://schemas.microsoft.com/office/drawing/2014/main" id="{CA073D42-6F74-4B55-81D6-6E9DA449C158}"/>
-                </a:ext>
-              </a:extLst>
-            </p:cNvPr>
-            <p:cNvSpPr/>
-            <p:nvPr/>
-          </p:nvSpPr>
-          <p:spPr>
-            <a:xfrm>
-              <a:off x="2873611" y="3772965"/>
-              <a:ext cx="1323049" cy="346760"/>
-            </a:xfrm>
-            <a:prstGeom prst="rect">
-              <a:avLst/>
-            </a:prstGeom>
-            <a:solidFill>
-              <a:schemeClr val="accent6">
-                <a:lumMod val="75000"/>
-              </a:schemeClr>
-            </a:solidFill>
-            <a:ln w="19050">
-              <a:solidFill>
-                <a:schemeClr val="accent6">
-                  <a:lumMod val="75000"/>
-                </a:schemeClr>
-              </a:solidFill>
-            </a:ln>
-            <a:effectLst/>
-          </p:spPr>
-          <p:style>
-            <a:lnRef idx="1">
-              <a:schemeClr val="accent2"/>
-            </a:lnRef>
-            <a:fillRef idx="2">
-              <a:schemeClr val="accent2"/>
-            </a:fillRef>
-            <a:effectRef idx="1">
-              <a:schemeClr val="accent2"/>
-            </a:effectRef>
-            <a:fontRef idx="minor">
-              <a:schemeClr val="dk1"/>
-            </a:fontRef>
-          </p:style>
-          <p:txBody>
-            <a:bodyPr rtlCol="0" anchor="ctr"/>
-            <a:lstStyle/>
-            <a:p>
-              <a:pPr algn="ctr"/>
-              <a:r>
-                <a:rPr lang="en-US" sz="1050" dirty="0">
-                  <a:solidFill>
-                    <a:schemeClr val="bg1"/>
-                  </a:solidFill>
-                </a:rPr>
-                <a:t>&lt;&lt;interface&gt;&gt;</a:t>
-              </a:r>
-              <a:br>
-                <a:rPr lang="en-US" sz="1050" dirty="0">
-                  <a:solidFill>
-                    <a:schemeClr val="bg1"/>
-                  </a:solidFill>
-                </a:rPr>
-              </a:br>
-              <a:r>
-                <a:rPr lang="en-US" sz="1050" dirty="0" err="1">
-                  <a:solidFill>
-                    <a:schemeClr val="bg1"/>
-                  </a:solidFill>
-                </a:rPr>
-                <a:t>MenuStorage</a:t>
-              </a:r>
-              <a:endParaRPr lang="en-SG" sz="1050" dirty="0">
-                <a:solidFill>
-                  <a:schemeClr val="bg1"/>
-                </a:solidFill>
-              </a:endParaRPr>
-            </a:p>
-          </p:txBody>
-        </p:sp>
-        <p:cxnSp>
-          <p:nvCxnSpPr>
-            <p:cNvPr id="117" name="Straight Arrow Connector 116">
-              <a:extLst>
-                <a:ext uri="{FF2B5EF4-FFF2-40B4-BE49-F238E27FC236}">
-                  <a16:creationId xmlns:a16="http://schemas.microsoft.com/office/drawing/2014/main" id="{7C10D355-99D2-4FB3-81F1-20CAF130CE02}"/>
-                </a:ext>
-              </a:extLst>
-            </p:cNvPr>
-            <p:cNvCxnSpPr>
-              <a:stCxn id="121" idx="3"/>
-              <a:endCxn id="116" idx="1"/>
-            </p:cNvCxnSpPr>
-            <p:nvPr/>
-          </p:nvCxnSpPr>
-          <p:spPr>
-            <a:xfrm>
-              <a:off x="2652801" y="3941061"/>
-              <a:ext cx="220810" cy="5284"/>
-            </a:xfrm>
-            <a:prstGeom prst="straightConnector1">
-              <a:avLst/>
-            </a:prstGeom>
-            <a:ln w="19050">
-              <a:solidFill>
-                <a:schemeClr val="accent6">
-                  <a:lumMod val="75000"/>
-                </a:schemeClr>
-              </a:solidFill>
-              <a:headEnd type="none" w="med" len="med"/>
-              <a:tailEnd type="arrow" w="med" len="med"/>
-            </a:ln>
-            <a:effectLst/>
-          </p:spPr>
-          <p:style>
-            <a:lnRef idx="1">
-              <a:schemeClr val="accent2"/>
-            </a:lnRef>
-            <a:fillRef idx="2">
-              <a:schemeClr val="accent2"/>
-            </a:fillRef>
-            <a:effectRef idx="1">
-              <a:schemeClr val="accent2"/>
-            </a:effectRef>
-            <a:fontRef idx="minor">
-              <a:schemeClr val="dk1"/>
-            </a:fontRef>
-          </p:style>
-        </p:cxnSp>
-        <p:sp>
-          <p:nvSpPr>
-            <p:cNvPr id="121" name="Flowchart: Decision 96">
-              <a:extLst>
-                <a:ext uri="{FF2B5EF4-FFF2-40B4-BE49-F238E27FC236}">
-                  <a16:creationId xmlns:a16="http://schemas.microsoft.com/office/drawing/2014/main" id="{D74CD88A-4943-451F-8A65-2C8209E3F110}"/>
-                </a:ext>
-              </a:extLst>
-            </p:cNvPr>
-            <p:cNvSpPr/>
-            <p:nvPr/>
-          </p:nvSpPr>
-          <p:spPr>
-            <a:xfrm>
-              <a:off x="2416753" y="3854371"/>
-              <a:ext cx="236048" cy="173380"/>
-            </a:xfrm>
-            <a:prstGeom prst="flowChartDecision">
-              <a:avLst/>
-            </a:prstGeom>
-            <a:noFill/>
-            <a:ln w="19050">
-              <a:solidFill>
-                <a:schemeClr val="accent6">
-                  <a:lumMod val="75000"/>
-                </a:schemeClr>
-              </a:solidFill>
-            </a:ln>
-            <a:effectLst/>
-          </p:spPr>
-          <p:style>
-            <a:lnRef idx="1">
-              <a:schemeClr val="accent2"/>
-            </a:lnRef>
-            <a:fillRef idx="2">
-              <a:schemeClr val="accent2"/>
-            </a:fillRef>
-            <a:effectRef idx="1">
-              <a:schemeClr val="accent2"/>
-            </a:effectRef>
-            <a:fontRef idx="minor">
-              <a:schemeClr val="dk1"/>
-            </a:fontRef>
-          </p:style>
-          <p:txBody>
-            <a:bodyPr rtlCol="0" anchor="ctr"/>
-            <a:lstStyle/>
-            <a:p>
-              <a:pPr algn="ctr"/>
-              <a:endParaRPr lang="en-US" sz="1050">
-                <a:solidFill>
-                  <a:schemeClr val="bg1"/>
-                </a:solidFill>
-              </a:endParaRPr>
-            </a:p>
-          </p:txBody>
-        </p:sp>
-        <p:cxnSp>
-          <p:nvCxnSpPr>
-            <p:cNvPr id="122" name="Elbow Connector 63">
-              <a:extLst>
-                <a:ext uri="{FF2B5EF4-FFF2-40B4-BE49-F238E27FC236}">
-                  <a16:creationId xmlns:a16="http://schemas.microsoft.com/office/drawing/2014/main" id="{EA627310-CC1F-4987-A783-5008E32D3425}"/>
-                </a:ext>
-              </a:extLst>
-            </p:cNvPr>
-            <p:cNvCxnSpPr>
-              <a:cxnSpLocks/>
-              <a:stCxn id="123" idx="3"/>
-              <a:endCxn id="126" idx="1"/>
-            </p:cNvCxnSpPr>
-            <p:nvPr/>
-          </p:nvCxnSpPr>
-          <p:spPr>
-            <a:xfrm flipV="1">
-              <a:off x="4394471" y="3946342"/>
-              <a:ext cx="223322" cy="3"/>
-            </a:xfrm>
-            <a:prstGeom prst="bentConnector3">
-              <a:avLst>
-                <a:gd name="adj1" fmla="val 50000"/>
-              </a:avLst>
-            </a:prstGeom>
-            <a:ln w="19050">
-              <a:solidFill>
-                <a:schemeClr val="accent6">
-                  <a:lumMod val="75000"/>
-                </a:schemeClr>
-              </a:solidFill>
-              <a:prstDash val="sysDot"/>
-              <a:headEnd type="none" w="med" len="med"/>
-              <a:tailEnd type="none" w="med" len="med"/>
-            </a:ln>
-            <a:effectLst/>
-          </p:spPr>
-          <p:style>
-            <a:lnRef idx="1">
-              <a:schemeClr val="accent2"/>
-            </a:lnRef>
-            <a:fillRef idx="2">
-              <a:schemeClr val="accent2"/>
-            </a:fillRef>
-            <a:effectRef idx="1">
-              <a:schemeClr val="accent2"/>
-            </a:effectRef>
-            <a:fontRef idx="minor">
-              <a:schemeClr val="dk1"/>
-            </a:fontRef>
-          </p:style>
-        </p:cxnSp>
-        <p:sp>
-          <p:nvSpPr>
-            <p:cNvPr id="123" name="Isosceles Triangle 102">
-              <a:extLst>
-                <a:ext uri="{FF2B5EF4-FFF2-40B4-BE49-F238E27FC236}">
-                  <a16:creationId xmlns:a16="http://schemas.microsoft.com/office/drawing/2014/main" id="{AF1D22DD-78B0-441D-8B05-18C64901A82D}"/>
-                </a:ext>
-              </a:extLst>
-            </p:cNvPr>
-            <p:cNvSpPr/>
-            <p:nvPr/>
-          </p:nvSpPr>
-          <p:spPr>
-            <a:xfrm rot="5400000" flipV="1">
-              <a:off x="4171457" y="3858583"/>
-              <a:ext cx="270504" cy="175523"/>
-            </a:xfrm>
-            <a:prstGeom prst="triangle">
-              <a:avLst/>
-            </a:prstGeom>
-            <a:solidFill>
-              <a:schemeClr val="accent6">
-                <a:lumMod val="75000"/>
-              </a:schemeClr>
-            </a:solidFill>
-            <a:ln w="19050">
-              <a:solidFill>
-                <a:schemeClr val="accent6">
-                  <a:lumMod val="75000"/>
-                </a:schemeClr>
-              </a:solidFill>
-            </a:ln>
-            <a:effectLst/>
-          </p:spPr>
-          <p:style>
-            <a:lnRef idx="1">
-              <a:schemeClr val="accent2"/>
-            </a:lnRef>
-            <a:fillRef idx="2">
-              <a:schemeClr val="accent2"/>
-            </a:fillRef>
-            <a:effectRef idx="1">
-              <a:schemeClr val="accent2"/>
-            </a:effectRef>
-            <a:fontRef idx="minor">
-              <a:schemeClr val="dk1"/>
-            </a:fontRef>
-          </p:style>
-          <p:txBody>
-            <a:bodyPr rtlCol="0" anchor="ctr"/>
-            <a:lstStyle/>
-            <a:p>
-              <a:pPr algn="ctr"/>
-              <a:endParaRPr lang="en-SG" sz="1050">
-                <a:solidFill>
-                  <a:schemeClr val="bg1"/>
-                </a:solidFill>
-              </a:endParaRPr>
-            </a:p>
-          </p:txBody>
-        </p:sp>
-        <p:cxnSp>
-          <p:nvCxnSpPr>
-            <p:cNvPr id="125" name="Elbow Connector 122">
-              <a:extLst>
-                <a:ext uri="{FF2B5EF4-FFF2-40B4-BE49-F238E27FC236}">
-                  <a16:creationId xmlns:a16="http://schemas.microsoft.com/office/drawing/2014/main" id="{B544C282-03A8-4E45-BE98-22CF1272F2D7}"/>
-                </a:ext>
-              </a:extLst>
-            </p:cNvPr>
-            <p:cNvCxnSpPr>
-              <a:stCxn id="126" idx="3"/>
-              <a:endCxn id="127" idx="1"/>
-            </p:cNvCxnSpPr>
-            <p:nvPr/>
-          </p:nvCxnSpPr>
-          <p:spPr>
-            <a:xfrm>
-              <a:off x="5787628" y="3946342"/>
-              <a:ext cx="228600" cy="1970"/>
-            </a:xfrm>
-            <a:prstGeom prst="bentConnector3">
-              <a:avLst>
-                <a:gd name="adj1" fmla="val 50000"/>
-              </a:avLst>
-            </a:prstGeom>
-            <a:ln w="19050">
-              <a:solidFill>
-                <a:schemeClr val="accent6">
-                  <a:lumMod val="75000"/>
-                </a:schemeClr>
-              </a:solidFill>
-              <a:prstDash val="sysDot"/>
-              <a:headEnd type="none" w="med" len="med"/>
-              <a:tailEnd type="arrow" w="med" len="med"/>
-            </a:ln>
-            <a:effectLst/>
-          </p:spPr>
-          <p:style>
-            <a:lnRef idx="1">
-              <a:schemeClr val="accent2"/>
-            </a:lnRef>
-            <a:fillRef idx="2">
-              <a:schemeClr val="accent2"/>
-            </a:fillRef>
-            <a:effectRef idx="1">
-              <a:schemeClr val="accent2"/>
-            </a:effectRef>
-            <a:fontRef idx="minor">
-              <a:schemeClr val="dk1"/>
-            </a:fontRef>
-          </p:style>
-        </p:cxnSp>
-        <p:sp>
-          <p:nvSpPr>
-            <p:cNvPr id="126" name="Rectangle 8">
-              <a:extLst>
-                <a:ext uri="{FF2B5EF4-FFF2-40B4-BE49-F238E27FC236}">
-                  <a16:creationId xmlns:a16="http://schemas.microsoft.com/office/drawing/2014/main" id="{1F1B19D8-58D7-4BE2-898A-3C98CADDE22E}"/>
-                </a:ext>
-              </a:extLst>
-            </p:cNvPr>
-            <p:cNvSpPr/>
-            <p:nvPr/>
-          </p:nvSpPr>
-          <p:spPr>
-            <a:xfrm>
-              <a:off x="4617793" y="3772962"/>
-              <a:ext cx="1169835" cy="346760"/>
-            </a:xfrm>
-            <a:prstGeom prst="rect">
-              <a:avLst/>
-            </a:prstGeom>
-            <a:ln w="19050"/>
-            <a:effectLst/>
-          </p:spPr>
-          <p:style>
-            <a:lnRef idx="1">
-              <a:schemeClr val="accent6"/>
-            </a:lnRef>
-            <a:fillRef idx="2">
-              <a:schemeClr val="accent6"/>
-            </a:fillRef>
-            <a:effectRef idx="1">
-              <a:schemeClr val="accent6"/>
-            </a:effectRef>
-            <a:fontRef idx="minor">
-              <a:schemeClr val="dk1"/>
-            </a:fontRef>
-          </p:style>
-          <p:txBody>
-            <a:bodyPr rtlCol="0" anchor="ctr"/>
-            <a:lstStyle/>
-            <a:p>
-              <a:pPr algn="ctr"/>
-              <a:r>
-                <a:rPr lang="en-US" sz="1050" b="1" dirty="0" err="1">
-                  <a:solidFill>
-                    <a:schemeClr val="accent6">
-                      <a:lumMod val="75000"/>
-                    </a:schemeClr>
-                  </a:solidFill>
-                </a:rPr>
-                <a:t>JsonMenu</a:t>
-              </a:r>
-              <a:endParaRPr lang="en-US" sz="1050" b="1" dirty="0">
-                <a:solidFill>
-                  <a:schemeClr val="accent6">
-                    <a:lumMod val="75000"/>
-                  </a:schemeClr>
-                </a:solidFill>
-              </a:endParaRPr>
-            </a:p>
-            <a:p>
-              <a:pPr algn="ctr"/>
-              <a:r>
-                <a:rPr lang="en-US" sz="1050" b="1" dirty="0">
-                  <a:solidFill>
-                    <a:schemeClr val="accent6">
-                      <a:lumMod val="75000"/>
-                    </a:schemeClr>
-                  </a:solidFill>
-                </a:rPr>
-                <a:t>Storage</a:t>
-              </a:r>
-              <a:endParaRPr lang="en-SG" sz="1050" b="1" dirty="0">
-                <a:solidFill>
-                  <a:schemeClr val="accent6">
-                    <a:lumMod val="75000"/>
-                  </a:schemeClr>
-                </a:solidFill>
-              </a:endParaRPr>
-            </a:p>
-          </p:txBody>
-        </p:sp>
-        <p:sp>
-          <p:nvSpPr>
-            <p:cNvPr id="127" name="Rectangle 8">
-              <a:extLst>
-                <a:ext uri="{FF2B5EF4-FFF2-40B4-BE49-F238E27FC236}">
-                  <a16:creationId xmlns:a16="http://schemas.microsoft.com/office/drawing/2014/main" id="{5FA5ACBC-4ACF-4E40-B67C-472B24E6C7D7}"/>
-                </a:ext>
-              </a:extLst>
-            </p:cNvPr>
-            <p:cNvSpPr/>
-            <p:nvPr/>
-          </p:nvSpPr>
-          <p:spPr>
-            <a:xfrm>
-              <a:off x="6016228" y="3774932"/>
-              <a:ext cx="1200707" cy="346760"/>
-            </a:xfrm>
-            <a:prstGeom prst="rect">
-              <a:avLst/>
-            </a:prstGeom>
-            <a:ln w="19050"/>
-            <a:effectLst/>
-          </p:spPr>
-          <p:style>
-            <a:lnRef idx="1">
-              <a:schemeClr val="accent6"/>
-            </a:lnRef>
-            <a:fillRef idx="2">
-              <a:schemeClr val="accent6"/>
-            </a:fillRef>
-            <a:effectRef idx="1">
-              <a:schemeClr val="accent6"/>
-            </a:effectRef>
-            <a:fontRef idx="minor">
-              <a:schemeClr val="dk1"/>
-            </a:fontRef>
-          </p:style>
-          <p:txBody>
-            <a:bodyPr rtlCol="0" anchor="ctr"/>
-            <a:lstStyle/>
-            <a:p>
-              <a:pPr algn="ctr"/>
-              <a:r>
-                <a:rPr lang="en-US" sz="1050" b="1" dirty="0" err="1">
-                  <a:solidFill>
-                    <a:schemeClr val="accent6">
-                      <a:lumMod val="75000"/>
-                    </a:schemeClr>
-                  </a:solidFill>
-                </a:rPr>
-                <a:t>JsonSerializable</a:t>
-              </a:r>
-              <a:br>
-                <a:rPr lang="en-US" sz="1050" b="1" dirty="0">
-                  <a:solidFill>
-                    <a:schemeClr val="accent6">
-                      <a:lumMod val="75000"/>
-                    </a:schemeClr>
-                  </a:solidFill>
-                </a:rPr>
-              </a:br>
-              <a:r>
-                <a:rPr lang="en-US" sz="1050" b="1" dirty="0">
-                  <a:solidFill>
-                    <a:schemeClr val="accent6">
-                      <a:lumMod val="75000"/>
-                    </a:schemeClr>
-                  </a:solidFill>
-                </a:rPr>
-                <a:t>Menu</a:t>
-              </a:r>
-              <a:endParaRPr lang="en-SG" sz="1050" b="1" dirty="0">
-                <a:solidFill>
-                  <a:schemeClr val="accent6">
-                    <a:lumMod val="75000"/>
-                  </a:schemeClr>
-                </a:solidFill>
-              </a:endParaRPr>
-            </a:p>
-          </p:txBody>
-        </p:sp>
-        <p:sp>
-          <p:nvSpPr>
-            <p:cNvPr id="130" name="Rectangle 8">
-              <a:extLst>
-                <a:ext uri="{FF2B5EF4-FFF2-40B4-BE49-F238E27FC236}">
-                  <a16:creationId xmlns:a16="http://schemas.microsoft.com/office/drawing/2014/main" id="{C189C249-8222-4381-9819-B2B73C7C6170}"/>
-                </a:ext>
-              </a:extLst>
-            </p:cNvPr>
-            <p:cNvSpPr/>
-            <p:nvPr/>
-          </p:nvSpPr>
-          <p:spPr>
-            <a:xfrm>
-              <a:off x="7612166" y="3774146"/>
-              <a:ext cx="1259718" cy="346760"/>
-            </a:xfrm>
-            <a:prstGeom prst="rect">
-              <a:avLst/>
-            </a:prstGeom>
-            <a:ln w="19050"/>
-            <a:effectLst/>
-          </p:spPr>
-          <p:style>
-            <a:lnRef idx="1">
-              <a:schemeClr val="accent6"/>
-            </a:lnRef>
-            <a:fillRef idx="2">
-              <a:schemeClr val="accent6"/>
-            </a:fillRef>
-            <a:effectRef idx="1">
-              <a:schemeClr val="accent6"/>
-            </a:effectRef>
-            <a:fontRef idx="minor">
-              <a:schemeClr val="dk1"/>
-            </a:fontRef>
-          </p:style>
-          <p:txBody>
-            <a:bodyPr rtlCol="0" anchor="ctr"/>
-            <a:lstStyle/>
-            <a:p>
-              <a:pPr algn="ctr"/>
-              <a:r>
-                <a:rPr lang="en-US" sz="1030" b="1" dirty="0" err="1">
-                  <a:solidFill>
-                    <a:schemeClr val="accent6">
-                      <a:lumMod val="75000"/>
-                    </a:schemeClr>
-                  </a:solidFill>
-                </a:rPr>
-                <a:t>JsonAdaptedMenu</a:t>
-              </a:r>
-              <a:endParaRPr lang="en-SG" sz="1030" b="1" dirty="0">
-                <a:solidFill>
-                  <a:schemeClr val="accent6">
-                    <a:lumMod val="75000"/>
-                  </a:schemeClr>
-                </a:solidFill>
-              </a:endParaRPr>
-            </a:p>
-          </p:txBody>
-        </p:sp>
-        <p:cxnSp>
-          <p:nvCxnSpPr>
-            <p:cNvPr id="131" name="Elbow Connector 122">
-              <a:extLst>
-                <a:ext uri="{FF2B5EF4-FFF2-40B4-BE49-F238E27FC236}">
-                  <a16:creationId xmlns:a16="http://schemas.microsoft.com/office/drawing/2014/main" id="{1FFD6905-D76E-47ED-91D6-09031B549DB5}"/>
-                </a:ext>
-              </a:extLst>
-            </p:cNvPr>
-            <p:cNvCxnSpPr>
-              <a:cxnSpLocks/>
-              <a:stCxn id="127" idx="3"/>
-              <a:endCxn id="130" idx="1"/>
-            </p:cNvCxnSpPr>
-            <p:nvPr/>
-          </p:nvCxnSpPr>
-          <p:spPr>
-            <a:xfrm flipV="1">
-              <a:off x="7216935" y="3947526"/>
-              <a:ext cx="395231" cy="786"/>
-            </a:xfrm>
-            <a:prstGeom prst="bentConnector3">
-              <a:avLst>
-                <a:gd name="adj1" fmla="val 50000"/>
-              </a:avLst>
-            </a:prstGeom>
-            <a:ln w="19050">
-              <a:prstDash val="sysDot"/>
-              <a:headEnd type="none" w="med" len="med"/>
-              <a:tailEnd type="arrow" w="med" len="med"/>
-            </a:ln>
-            <a:effectLst/>
-          </p:spPr>
-          <p:style>
-            <a:lnRef idx="1">
-              <a:schemeClr val="accent6"/>
-            </a:lnRef>
-            <a:fillRef idx="2">
-              <a:schemeClr val="accent6"/>
-            </a:fillRef>
-            <a:effectRef idx="1">
-              <a:schemeClr val="accent6"/>
-            </a:effectRef>
-            <a:fontRef idx="minor">
-              <a:schemeClr val="dk1"/>
-            </a:fontRef>
-          </p:style>
-        </p:cxnSp>
+                </a:endParaRPr>
+              </a:p>
+            </p:txBody>
+          </p:sp>
+          <p:cxnSp>
+            <p:nvCxnSpPr>
+              <p:cNvPr id="131" name="Elbow Connector 122">
+                <a:extLst>
+                  <a:ext uri="{FF2B5EF4-FFF2-40B4-BE49-F238E27FC236}">
+                    <a16:creationId xmlns:a16="http://schemas.microsoft.com/office/drawing/2014/main" id="{1FFD6905-D76E-47ED-91D6-09031B549DB5}"/>
+                  </a:ext>
+                </a:extLst>
+              </p:cNvPr>
+              <p:cNvCxnSpPr>
+                <a:cxnSpLocks/>
+                <a:stCxn id="127" idx="3"/>
+                <a:endCxn id="130" idx="1"/>
+              </p:cNvCxnSpPr>
+              <p:nvPr/>
+            </p:nvCxnSpPr>
+            <p:spPr>
+              <a:xfrm flipV="1">
+                <a:off x="7216935" y="3947526"/>
+                <a:ext cx="395231" cy="786"/>
+              </a:xfrm>
+              <a:prstGeom prst="bentConnector3">
+                <a:avLst>
+                  <a:gd name="adj1" fmla="val 50000"/>
+                </a:avLst>
+              </a:prstGeom>
+              <a:ln w="19050">
+                <a:prstDash val="sysDot"/>
+                <a:headEnd type="none" w="med" len="med"/>
+                <a:tailEnd type="arrow" w="med" len="med"/>
+              </a:ln>
+              <a:effectLst/>
+            </p:spPr>
+            <p:style>
+              <a:lnRef idx="1">
+                <a:schemeClr val="accent6"/>
+              </a:lnRef>
+              <a:fillRef idx="2">
+                <a:schemeClr val="accent6"/>
+              </a:fillRef>
+              <a:effectRef idx="1">
+                <a:schemeClr val="accent6"/>
+              </a:effectRef>
+              <a:fontRef idx="minor">
+                <a:schemeClr val="dk1"/>
+              </a:fontRef>
+            </p:style>
+          </p:cxnSp>
+        </p:grpSp>
       </p:grpSp>
     </p:spTree>
     <p:extLst>

--- a/docs/diagrams/StorageComponentClassDiagram.pptx
+++ b/docs/diagrams/StorageComponentClassDiagram.pptx
@@ -208,7 +208,7 @@
           <a:p>
             <a:fld id="{F5CC4B3F-88C1-4FFA-B1B6-F41C21DC6924}" type="datetimeFigureOut">
               <a:rPr lang="en-US" smtClean="0"/>
-              <a:t>2/27/2019</a:t>
+              <a:t>3/4/2019</a:t>
             </a:fld>
             <a:endParaRPr lang="en-US"/>
           </a:p>
@@ -654,7 +654,7 @@
           <a:p>
             <a:fld id="{78C97017-6FC3-485B-9764-EAC9E56C1D49}" type="datetimeFigureOut">
               <a:rPr lang="en-US" smtClean="0"/>
-              <a:t>2/27/2019</a:t>
+              <a:t>3/4/2019</a:t>
             </a:fld>
             <a:endParaRPr lang="en-US"/>
           </a:p>
@@ -822,7 +822,7 @@
           <a:p>
             <a:fld id="{78C97017-6FC3-485B-9764-EAC9E56C1D49}" type="datetimeFigureOut">
               <a:rPr lang="en-US" smtClean="0"/>
-              <a:t>2/27/2019</a:t>
+              <a:t>3/4/2019</a:t>
             </a:fld>
             <a:endParaRPr lang="en-US"/>
           </a:p>
@@ -1000,7 +1000,7 @@
           <a:p>
             <a:fld id="{78C97017-6FC3-485B-9764-EAC9E56C1D49}" type="datetimeFigureOut">
               <a:rPr lang="en-US" smtClean="0"/>
-              <a:t>2/27/2019</a:t>
+              <a:t>3/4/2019</a:t>
             </a:fld>
             <a:endParaRPr lang="en-US"/>
           </a:p>
@@ -1168,7 +1168,7 @@
           <a:p>
             <a:fld id="{78C97017-6FC3-485B-9764-EAC9E56C1D49}" type="datetimeFigureOut">
               <a:rPr lang="en-US" smtClean="0"/>
-              <a:t>2/27/2019</a:t>
+              <a:t>3/4/2019</a:t>
             </a:fld>
             <a:endParaRPr lang="en-US"/>
           </a:p>
@@ -1413,7 +1413,7 @@
           <a:p>
             <a:fld id="{78C97017-6FC3-485B-9764-EAC9E56C1D49}" type="datetimeFigureOut">
               <a:rPr lang="en-US" smtClean="0"/>
-              <a:t>2/27/2019</a:t>
+              <a:t>3/4/2019</a:t>
             </a:fld>
             <a:endParaRPr lang="en-US"/>
           </a:p>
@@ -1698,7 +1698,7 @@
           <a:p>
             <a:fld id="{78C97017-6FC3-485B-9764-EAC9E56C1D49}" type="datetimeFigureOut">
               <a:rPr lang="en-US" smtClean="0"/>
-              <a:t>2/27/2019</a:t>
+              <a:t>3/4/2019</a:t>
             </a:fld>
             <a:endParaRPr lang="en-US"/>
           </a:p>
@@ -2117,7 +2117,7 @@
           <a:p>
             <a:fld id="{78C97017-6FC3-485B-9764-EAC9E56C1D49}" type="datetimeFigureOut">
               <a:rPr lang="en-US" smtClean="0"/>
-              <a:t>2/27/2019</a:t>
+              <a:t>3/4/2019</a:t>
             </a:fld>
             <a:endParaRPr lang="en-US"/>
           </a:p>
@@ -2234,7 +2234,7 @@
           <a:p>
             <a:fld id="{78C97017-6FC3-485B-9764-EAC9E56C1D49}" type="datetimeFigureOut">
               <a:rPr lang="en-US" smtClean="0"/>
-              <a:t>2/27/2019</a:t>
+              <a:t>3/4/2019</a:t>
             </a:fld>
             <a:endParaRPr lang="en-US"/>
           </a:p>
@@ -2329,7 +2329,7 @@
           <a:p>
             <a:fld id="{78C97017-6FC3-485B-9764-EAC9E56C1D49}" type="datetimeFigureOut">
               <a:rPr lang="en-US" smtClean="0"/>
-              <a:t>2/27/2019</a:t>
+              <a:t>3/4/2019</a:t>
             </a:fld>
             <a:endParaRPr lang="en-US"/>
           </a:p>
@@ -2604,7 +2604,7 @@
           <a:p>
             <a:fld id="{78C97017-6FC3-485B-9764-EAC9E56C1D49}" type="datetimeFigureOut">
               <a:rPr lang="en-US" smtClean="0"/>
-              <a:t>2/27/2019</a:t>
+              <a:t>3/4/2019</a:t>
             </a:fld>
             <a:endParaRPr lang="en-US"/>
           </a:p>
@@ -2856,7 +2856,7 @@
           <a:p>
             <a:fld id="{78C97017-6FC3-485B-9764-EAC9E56C1D49}" type="datetimeFigureOut">
               <a:rPr lang="en-US" smtClean="0"/>
-              <a:t>2/27/2019</a:t>
+              <a:t>3/4/2019</a:t>
             </a:fld>
             <a:endParaRPr lang="en-US"/>
           </a:p>
@@ -3067,7 +3067,7 @@
           <a:p>
             <a:fld id="{78C97017-6FC3-485B-9764-EAC9E56C1D49}" type="datetimeFigureOut">
               <a:rPr lang="en-US" smtClean="0"/>
-              <a:t>2/27/2019</a:t>
+              <a:t>3/4/2019</a:t>
             </a:fld>
             <a:endParaRPr lang="en-US"/>
           </a:p>
@@ -5775,7 +5775,7 @@
                       </a:schemeClr>
                     </a:solidFill>
                   </a:rPr>
-                  <a:t>JsonTable</a:t>
+                  <a:t>JsonTables</a:t>
                 </a:r>
                 <a:br>
                   <a:rPr lang="en-US" sz="1050" b="1" dirty="0">

--- a/docs/diagrams/StorageComponentClassDiagram.pptx
+++ b/docs/diagrams/StorageComponentClassDiagram.pptx
@@ -208,7 +208,7 @@
           <a:p>
             <a:fld id="{F5CC4B3F-88C1-4FFA-B1B6-F41C21DC6924}" type="datetimeFigureOut">
               <a:rPr lang="en-US" smtClean="0"/>
-              <a:t>12/1/2018</a:t>
+              <a:t>3/4/2019</a:t>
             </a:fld>
             <a:endParaRPr lang="en-US"/>
           </a:p>
@@ -654,7 +654,7 @@
           <a:p>
             <a:fld id="{78C97017-6FC3-485B-9764-EAC9E56C1D49}" type="datetimeFigureOut">
               <a:rPr lang="en-US" smtClean="0"/>
-              <a:t>12/1/2018</a:t>
+              <a:t>3/4/2019</a:t>
             </a:fld>
             <a:endParaRPr lang="en-US"/>
           </a:p>
@@ -822,7 +822,7 @@
           <a:p>
             <a:fld id="{78C97017-6FC3-485B-9764-EAC9E56C1D49}" type="datetimeFigureOut">
               <a:rPr lang="en-US" smtClean="0"/>
-              <a:t>12/1/2018</a:t>
+              <a:t>3/4/2019</a:t>
             </a:fld>
             <a:endParaRPr lang="en-US"/>
           </a:p>
@@ -1000,7 +1000,7 @@
           <a:p>
             <a:fld id="{78C97017-6FC3-485B-9764-EAC9E56C1D49}" type="datetimeFigureOut">
               <a:rPr lang="en-US" smtClean="0"/>
-              <a:t>12/1/2018</a:t>
+              <a:t>3/4/2019</a:t>
             </a:fld>
             <a:endParaRPr lang="en-US"/>
           </a:p>
@@ -1168,7 +1168,7 @@
           <a:p>
             <a:fld id="{78C97017-6FC3-485B-9764-EAC9E56C1D49}" type="datetimeFigureOut">
               <a:rPr lang="en-US" smtClean="0"/>
-              <a:t>12/1/2018</a:t>
+              <a:t>3/4/2019</a:t>
             </a:fld>
             <a:endParaRPr lang="en-US"/>
           </a:p>
@@ -1413,7 +1413,7 @@
           <a:p>
             <a:fld id="{78C97017-6FC3-485B-9764-EAC9E56C1D49}" type="datetimeFigureOut">
               <a:rPr lang="en-US" smtClean="0"/>
-              <a:t>12/1/2018</a:t>
+              <a:t>3/4/2019</a:t>
             </a:fld>
             <a:endParaRPr lang="en-US"/>
           </a:p>
@@ -1698,7 +1698,7 @@
           <a:p>
             <a:fld id="{78C97017-6FC3-485B-9764-EAC9E56C1D49}" type="datetimeFigureOut">
               <a:rPr lang="en-US" smtClean="0"/>
-              <a:t>12/1/2018</a:t>
+              <a:t>3/4/2019</a:t>
             </a:fld>
             <a:endParaRPr lang="en-US"/>
           </a:p>
@@ -2117,7 +2117,7 @@
           <a:p>
             <a:fld id="{78C97017-6FC3-485B-9764-EAC9E56C1D49}" type="datetimeFigureOut">
               <a:rPr lang="en-US" smtClean="0"/>
-              <a:t>12/1/2018</a:t>
+              <a:t>3/4/2019</a:t>
             </a:fld>
             <a:endParaRPr lang="en-US"/>
           </a:p>
@@ -2234,7 +2234,7 @@
           <a:p>
             <a:fld id="{78C97017-6FC3-485B-9764-EAC9E56C1D49}" type="datetimeFigureOut">
               <a:rPr lang="en-US" smtClean="0"/>
-              <a:t>12/1/2018</a:t>
+              <a:t>3/4/2019</a:t>
             </a:fld>
             <a:endParaRPr lang="en-US"/>
           </a:p>
@@ -2329,7 +2329,7 @@
           <a:p>
             <a:fld id="{78C97017-6FC3-485B-9764-EAC9E56C1D49}" type="datetimeFigureOut">
               <a:rPr lang="en-US" smtClean="0"/>
-              <a:t>12/1/2018</a:t>
+              <a:t>3/4/2019</a:t>
             </a:fld>
             <a:endParaRPr lang="en-US"/>
           </a:p>
@@ -2604,7 +2604,7 @@
           <a:p>
             <a:fld id="{78C97017-6FC3-485B-9764-EAC9E56C1D49}" type="datetimeFigureOut">
               <a:rPr lang="en-US" smtClean="0"/>
-              <a:t>12/1/2018</a:t>
+              <a:t>3/4/2019</a:t>
             </a:fld>
             <a:endParaRPr lang="en-US"/>
           </a:p>
@@ -2856,7 +2856,7 @@
           <a:p>
             <a:fld id="{78C97017-6FC3-485B-9764-EAC9E56C1D49}" type="datetimeFigureOut">
               <a:rPr lang="en-US" smtClean="0"/>
-              <a:t>12/1/2018</a:t>
+              <a:t>3/4/2019</a:t>
             </a:fld>
             <a:endParaRPr lang="en-US"/>
           </a:p>
@@ -3067,7 +3067,7 @@
           <a:p>
             <a:fld id="{78C97017-6FC3-485B-9764-EAC9E56C1D49}" type="datetimeFigureOut">
               <a:rPr lang="en-US" smtClean="0"/>
-              <a:t>12/1/2018</a:t>
+              <a:t>3/4/2019</a:t>
             </a:fld>
             <a:endParaRPr lang="en-US"/>
           </a:p>
@@ -3575,7 +3575,7 @@
                   <a:schemeClr val="bg1"/>
                 </a:solidFill>
               </a:rPr>
-              <a:t>AddressBookStorage</a:t>
+              <a:t>BookShelfStorage</a:t>
             </a:r>
             <a:endParaRPr lang="en-SG" sz="1050" dirty="0">
               <a:solidFill>
@@ -4148,7 +4148,7 @@
                   </a:schemeClr>
                 </a:solidFill>
               </a:rPr>
-              <a:t>JsonAddressBook</a:t>
+              <a:t>JsonBookShelf</a:t>
             </a:r>
             <a:br>
               <a:rPr lang="en-US" sz="1050" b="1" dirty="0">
@@ -4593,7 +4593,7 @@
                   </a:schemeClr>
                 </a:solidFill>
               </a:rPr>
-              <a:t>AddressBook</a:t>
+              <a:t>BookShelf</a:t>
             </a:r>
             <a:endParaRPr lang="en-SG" sz="1050" b="1" dirty="0">
               <a:solidFill>

--- a/docs/diagrams/StorageComponentClassDiagram.pptx
+++ b/docs/diagrams/StorageComponentClassDiagram.pptx
@@ -208,7 +208,7 @@
           <a:p>
             <a:fld id="{F5CC4B3F-88C1-4FFA-B1B6-F41C21DC6924}" type="datetimeFigureOut">
               <a:rPr lang="en-US" smtClean="0"/>
-              <a:t>12/1/2018</a:t>
+              <a:t>3/10/19</a:t>
             </a:fld>
             <a:endParaRPr lang="en-US"/>
           </a:p>
@@ -654,7 +654,7 @@
           <a:p>
             <a:fld id="{78C97017-6FC3-485B-9764-EAC9E56C1D49}" type="datetimeFigureOut">
               <a:rPr lang="en-US" smtClean="0"/>
-              <a:t>12/1/2018</a:t>
+              <a:t>3/10/19</a:t>
             </a:fld>
             <a:endParaRPr lang="en-US"/>
           </a:p>
@@ -822,7 +822,7 @@
           <a:p>
             <a:fld id="{78C97017-6FC3-485B-9764-EAC9E56C1D49}" type="datetimeFigureOut">
               <a:rPr lang="en-US" smtClean="0"/>
-              <a:t>12/1/2018</a:t>
+              <a:t>3/10/19</a:t>
             </a:fld>
             <a:endParaRPr lang="en-US"/>
           </a:p>
@@ -1000,7 +1000,7 @@
           <a:p>
             <a:fld id="{78C97017-6FC3-485B-9764-EAC9E56C1D49}" type="datetimeFigureOut">
               <a:rPr lang="en-US" smtClean="0"/>
-              <a:t>12/1/2018</a:t>
+              <a:t>3/10/19</a:t>
             </a:fld>
             <a:endParaRPr lang="en-US"/>
           </a:p>
@@ -1168,7 +1168,7 @@
           <a:p>
             <a:fld id="{78C97017-6FC3-485B-9764-EAC9E56C1D49}" type="datetimeFigureOut">
               <a:rPr lang="en-US" smtClean="0"/>
-              <a:t>12/1/2018</a:t>
+              <a:t>3/10/19</a:t>
             </a:fld>
             <a:endParaRPr lang="en-US"/>
           </a:p>
@@ -1413,7 +1413,7 @@
           <a:p>
             <a:fld id="{78C97017-6FC3-485B-9764-EAC9E56C1D49}" type="datetimeFigureOut">
               <a:rPr lang="en-US" smtClean="0"/>
-              <a:t>12/1/2018</a:t>
+              <a:t>3/10/19</a:t>
             </a:fld>
             <a:endParaRPr lang="en-US"/>
           </a:p>
@@ -1698,7 +1698,7 @@
           <a:p>
             <a:fld id="{78C97017-6FC3-485B-9764-EAC9E56C1D49}" type="datetimeFigureOut">
               <a:rPr lang="en-US" smtClean="0"/>
-              <a:t>12/1/2018</a:t>
+              <a:t>3/10/19</a:t>
             </a:fld>
             <a:endParaRPr lang="en-US"/>
           </a:p>
@@ -2117,7 +2117,7 @@
           <a:p>
             <a:fld id="{78C97017-6FC3-485B-9764-EAC9E56C1D49}" type="datetimeFigureOut">
               <a:rPr lang="en-US" smtClean="0"/>
-              <a:t>12/1/2018</a:t>
+              <a:t>3/10/19</a:t>
             </a:fld>
             <a:endParaRPr lang="en-US"/>
           </a:p>
@@ -2234,7 +2234,7 @@
           <a:p>
             <a:fld id="{78C97017-6FC3-485B-9764-EAC9E56C1D49}" type="datetimeFigureOut">
               <a:rPr lang="en-US" smtClean="0"/>
-              <a:t>12/1/2018</a:t>
+              <a:t>3/10/19</a:t>
             </a:fld>
             <a:endParaRPr lang="en-US"/>
           </a:p>
@@ -2329,7 +2329,7 @@
           <a:p>
             <a:fld id="{78C97017-6FC3-485B-9764-EAC9E56C1D49}" type="datetimeFigureOut">
               <a:rPr lang="en-US" smtClean="0"/>
-              <a:t>12/1/2018</a:t>
+              <a:t>3/10/19</a:t>
             </a:fld>
             <a:endParaRPr lang="en-US"/>
           </a:p>
@@ -2604,7 +2604,7 @@
           <a:p>
             <a:fld id="{78C97017-6FC3-485B-9764-EAC9E56C1D49}" type="datetimeFigureOut">
               <a:rPr lang="en-US" smtClean="0"/>
-              <a:t>12/1/2018</a:t>
+              <a:t>3/10/19</a:t>
             </a:fld>
             <a:endParaRPr lang="en-US"/>
           </a:p>
@@ -2856,7 +2856,7 @@
           <a:p>
             <a:fld id="{78C97017-6FC3-485B-9764-EAC9E56C1D49}" type="datetimeFigureOut">
               <a:rPr lang="en-US" smtClean="0"/>
-              <a:t>12/1/2018</a:t>
+              <a:t>3/10/19</a:t>
             </a:fld>
             <a:endParaRPr lang="en-US"/>
           </a:p>
@@ -3067,7 +3067,7 @@
           <a:p>
             <a:fld id="{78C97017-6FC3-485B-9764-EAC9E56C1D49}" type="datetimeFigureOut">
               <a:rPr lang="en-US" smtClean="0"/>
-              <a:t>12/1/2018</a:t>
+              <a:t>3/10/19</a:t>
             </a:fld>
             <a:endParaRPr lang="en-US"/>
           </a:p>
@@ -3450,8 +3450,8 @@
         </p:nvSpPr>
         <p:spPr>
           <a:xfrm>
-            <a:off x="1119865" y="2086382"/>
-            <a:ext cx="7871735" cy="1723618"/>
+            <a:off x="242431" y="2133600"/>
+            <a:ext cx="8596769" cy="1723618"/>
           </a:xfrm>
           <a:prstGeom prst="roundRect">
             <a:avLst>
@@ -3515,8 +3515,8 @@
         </p:nvSpPr>
         <p:spPr>
           <a:xfrm>
-            <a:off x="2877180" y="3158440"/>
-            <a:ext cx="1323049" cy="346760"/>
+            <a:off x="1999747" y="3158531"/>
+            <a:ext cx="1319812" cy="430445"/>
           </a:xfrm>
           <a:prstGeom prst="rect">
             <a:avLst/>
@@ -3570,12 +3570,12 @@
               </a:rPr>
             </a:br>
             <a:r>
-              <a:rPr lang="en-US" sz="1050" dirty="0" err="1">
+              <a:rPr lang="en-US" sz="1050" dirty="0">
                 <a:solidFill>
                   <a:schemeClr val="bg1"/>
                 </a:solidFill>
               </a:rPr>
-              <a:t>AddressBookStorage</a:t>
+              <a:t>EquipmentManagerStorage</a:t>
             </a:r>
             <a:endParaRPr lang="en-SG" sz="1050" dirty="0">
               <a:solidFill>
@@ -3593,7 +3593,7 @@
         </p:nvSpPr>
         <p:spPr>
           <a:xfrm rot="16200000">
-            <a:off x="1683963" y="2868687"/>
+            <a:off x="806529" y="2915905"/>
             <a:ext cx="1093635" cy="346760"/>
           </a:xfrm>
           <a:prstGeom prst="rect">
@@ -3633,7 +3633,7 @@
           <a:p>
             <a:pPr algn="ctr"/>
             <a:r>
-              <a:rPr lang="en-US" sz="1050" dirty="0" err="1">
+              <a:rPr lang="en-US" sz="1050" dirty="0">
                 <a:solidFill>
                   <a:schemeClr val="bg1"/>
                 </a:solidFill>
@@ -3656,7 +3656,7 @@
         </p:nvSpPr>
         <p:spPr>
           <a:xfrm rot="16200000">
-            <a:off x="956202" y="2861202"/>
+            <a:off x="78768" y="2908420"/>
             <a:ext cx="1093635" cy="346760"/>
           </a:xfrm>
           <a:prstGeom prst="rect">
@@ -3730,7 +3730,7 @@
         </p:nvSpPr>
         <p:spPr>
           <a:xfrm rot="16200000">
-            <a:off x="1626910" y="2952291"/>
+            <a:off x="749476" y="2999509"/>
             <a:ext cx="270504" cy="175523"/>
           </a:xfrm>
           <a:prstGeom prst="triangle">
@@ -3781,6 +3781,7 @@
         <p:nvCxnSpPr>
           <p:cNvPr id="58" name="Straight Arrow Connector 57"/>
           <p:cNvCxnSpPr>
+            <a:cxnSpLocks/>
             <a:stCxn id="42" idx="3"/>
             <a:endCxn id="2" idx="1"/>
           </p:cNvCxnSpPr>
@@ -3788,8 +3789,8 @@
         </p:nvCxnSpPr>
         <p:spPr>
           <a:xfrm>
-            <a:off x="2656370" y="3326536"/>
-            <a:ext cx="220810" cy="5284"/>
+            <a:off x="1778936" y="3373754"/>
+            <a:ext cx="220811" cy="0"/>
           </a:xfrm>
           <a:prstGeom prst="straightConnector1">
             <a:avLst/>
@@ -3828,7 +3829,7 @@
         </p:nvCxnSpPr>
         <p:spPr>
           <a:xfrm>
-            <a:off x="910091" y="3040053"/>
+            <a:off x="32657" y="3087271"/>
             <a:ext cx="419548" cy="2860"/>
           </a:xfrm>
           <a:prstGeom prst="bentConnector3">
@@ -3873,7 +3874,7 @@
         </p:nvCxnSpPr>
         <p:spPr>
           <a:xfrm flipV="1">
-            <a:off x="1849924" y="3040052"/>
+            <a:off x="972490" y="3087270"/>
             <a:ext cx="216105" cy="1"/>
           </a:xfrm>
           <a:prstGeom prst="line">
@@ -3914,7 +3915,7 @@
         </p:nvSpPr>
         <p:spPr>
           <a:xfrm>
-            <a:off x="2420322" y="3239846"/>
+            <a:off x="1542888" y="3287064"/>
             <a:ext cx="236048" cy="173380"/>
           </a:xfrm>
           <a:prstGeom prst="flowChartDecision">
@@ -3961,6 +3962,7 @@
         <p:nvCxnSpPr>
           <p:cNvPr id="97" name="Elbow Connector 63"/>
           <p:cNvCxnSpPr>
+            <a:cxnSpLocks/>
             <a:stCxn id="99" idx="3"/>
             <a:endCxn id="50" idx="1"/>
           </p:cNvCxnSpPr>
@@ -3968,7 +3970,383 @@
         </p:nvCxnSpPr>
         <p:spPr>
           <a:xfrm flipV="1">
-            <a:off x="4398041" y="3331820"/>
+            <a:off x="3520607" y="3379038"/>
+            <a:ext cx="430965" cy="1"/>
+          </a:xfrm>
+          <a:prstGeom prst="bentConnector3">
+            <a:avLst>
+              <a:gd name="adj1" fmla="val 50000"/>
+            </a:avLst>
+          </a:prstGeom>
+          <a:ln w="19050">
+            <a:solidFill>
+              <a:schemeClr val="accent6">
+                <a:lumMod val="75000"/>
+              </a:schemeClr>
+            </a:solidFill>
+            <a:prstDash val="sysDot"/>
+            <a:headEnd type="none" w="med" len="med"/>
+            <a:tailEnd type="none" w="med" len="med"/>
+          </a:ln>
+          <a:effectLst/>
+        </p:spPr>
+        <p:style>
+          <a:lnRef idx="1">
+            <a:schemeClr val="accent2"/>
+          </a:lnRef>
+          <a:fillRef idx="2">
+            <a:schemeClr val="accent2"/>
+          </a:fillRef>
+          <a:effectRef idx="1">
+            <a:schemeClr val="accent2"/>
+          </a:effectRef>
+          <a:fontRef idx="minor">
+            <a:schemeClr val="dk1"/>
+          </a:fontRef>
+        </p:style>
+      </p:cxnSp>
+      <p:sp>
+        <p:nvSpPr>
+          <p:cNvPr id="99" name="Isosceles Triangle 102"/>
+          <p:cNvSpPr/>
+          <p:nvPr/>
+        </p:nvSpPr>
+        <p:spPr>
+          <a:xfrm rot="5400000" flipV="1">
+            <a:off x="3297593" y="3291277"/>
+            <a:ext cx="270504" cy="175523"/>
+          </a:xfrm>
+          <a:prstGeom prst="triangle">
+            <a:avLst/>
+          </a:prstGeom>
+          <a:solidFill>
+            <a:schemeClr val="accent6">
+              <a:lumMod val="75000"/>
+            </a:schemeClr>
+          </a:solidFill>
+          <a:ln w="19050">
+            <a:solidFill>
+              <a:schemeClr val="accent6">
+                <a:lumMod val="75000"/>
+              </a:schemeClr>
+            </a:solidFill>
+          </a:ln>
+          <a:effectLst/>
+        </p:spPr>
+        <p:style>
+          <a:lnRef idx="1">
+            <a:schemeClr val="accent2"/>
+          </a:lnRef>
+          <a:fillRef idx="2">
+            <a:schemeClr val="accent2"/>
+          </a:fillRef>
+          <a:effectRef idx="1">
+            <a:schemeClr val="accent2"/>
+          </a:effectRef>
+          <a:fontRef idx="minor">
+            <a:schemeClr val="dk1"/>
+          </a:fontRef>
+        </p:style>
+        <p:txBody>
+          <a:bodyPr rtlCol="0" anchor="ctr"/>
+          <a:lstStyle/>
+          <a:p>
+            <a:pPr algn="ctr"/>
+            <a:endParaRPr lang="en-SG" sz="1050">
+              <a:solidFill>
+                <a:schemeClr val="bg1"/>
+              </a:solidFill>
+            </a:endParaRPr>
+          </a:p>
+        </p:txBody>
+      </p:sp>
+      <p:cxnSp>
+        <p:nvCxnSpPr>
+          <p:cNvPr id="124" name="Elbow Connector 122"/>
+          <p:cNvCxnSpPr>
+            <a:cxnSpLocks/>
+            <a:stCxn id="50" idx="3"/>
+            <a:endCxn id="66" idx="1"/>
+          </p:cNvCxnSpPr>
+          <p:nvPr/>
+        </p:nvCxnSpPr>
+        <p:spPr>
+          <a:xfrm flipV="1">
+            <a:off x="5059018" y="3373754"/>
+            <a:ext cx="346596" cy="5284"/>
+          </a:xfrm>
+          <a:prstGeom prst="bentConnector3">
+            <a:avLst>
+              <a:gd name="adj1" fmla="val 50000"/>
+            </a:avLst>
+          </a:prstGeom>
+          <a:ln w="19050">
+            <a:solidFill>
+              <a:schemeClr val="accent6">
+                <a:lumMod val="75000"/>
+              </a:schemeClr>
+            </a:solidFill>
+            <a:prstDash val="sysDot"/>
+            <a:headEnd type="none" w="med" len="med"/>
+            <a:tailEnd type="arrow" w="med" len="med"/>
+          </a:ln>
+          <a:effectLst/>
+        </p:spPr>
+        <p:style>
+          <a:lnRef idx="1">
+            <a:schemeClr val="accent2"/>
+          </a:lnRef>
+          <a:fillRef idx="2">
+            <a:schemeClr val="accent2"/>
+          </a:fillRef>
+          <a:effectRef idx="1">
+            <a:schemeClr val="accent2"/>
+          </a:effectRef>
+          <a:fontRef idx="minor">
+            <a:schemeClr val="dk1"/>
+          </a:fontRef>
+        </p:style>
+      </p:cxnSp>
+      <p:sp>
+        <p:nvSpPr>
+          <p:cNvPr id="50" name="Rectangle 8"/>
+          <p:cNvSpPr/>
+          <p:nvPr/>
+        </p:nvSpPr>
+        <p:spPr>
+          <a:xfrm>
+            <a:off x="3951572" y="3205658"/>
+            <a:ext cx="1107446" cy="346760"/>
+          </a:xfrm>
+          <a:prstGeom prst="rect">
+            <a:avLst/>
+          </a:prstGeom>
+          <a:ln w="19050"/>
+          <a:effectLst/>
+        </p:spPr>
+        <p:style>
+          <a:lnRef idx="1">
+            <a:schemeClr val="accent6"/>
+          </a:lnRef>
+          <a:fillRef idx="2">
+            <a:schemeClr val="accent6"/>
+          </a:fillRef>
+          <a:effectRef idx="1">
+            <a:schemeClr val="accent6"/>
+          </a:effectRef>
+          <a:fontRef idx="minor">
+            <a:schemeClr val="dk1"/>
+          </a:fontRef>
+        </p:style>
+        <p:txBody>
+          <a:bodyPr rtlCol="0" anchor="ctr"/>
+          <a:lstStyle/>
+          <a:p>
+            <a:pPr algn="ctr"/>
+            <a:r>
+              <a:rPr lang="en-US" sz="1050" b="1" dirty="0">
+                <a:solidFill>
+                  <a:schemeClr val="accent6">
+                    <a:lumMod val="75000"/>
+                  </a:schemeClr>
+                </a:solidFill>
+              </a:rPr>
+              <a:t>JsonEquipmentManagerStorage</a:t>
+            </a:r>
+            <a:endParaRPr lang="en-SG" sz="1050" b="1" dirty="0">
+              <a:solidFill>
+                <a:schemeClr val="accent6">
+                  <a:lumMod val="75000"/>
+                </a:schemeClr>
+              </a:solidFill>
+            </a:endParaRPr>
+          </a:p>
+        </p:txBody>
+      </p:sp>
+      <p:sp>
+        <p:nvSpPr>
+          <p:cNvPr id="52" name="Rectangle 8"/>
+          <p:cNvSpPr/>
+          <p:nvPr/>
+        </p:nvSpPr>
+        <p:spPr>
+          <a:xfrm>
+            <a:off x="1996509" y="2605258"/>
+            <a:ext cx="1323049" cy="346760"/>
+          </a:xfrm>
+          <a:prstGeom prst="rect">
+            <a:avLst/>
+          </a:prstGeom>
+          <a:solidFill>
+            <a:schemeClr val="accent6">
+              <a:lumMod val="75000"/>
+            </a:schemeClr>
+          </a:solidFill>
+          <a:ln w="19050">
+            <a:solidFill>
+              <a:schemeClr val="accent6">
+                <a:lumMod val="75000"/>
+              </a:schemeClr>
+            </a:solidFill>
+          </a:ln>
+          <a:effectLst/>
+        </p:spPr>
+        <p:style>
+          <a:lnRef idx="1">
+            <a:schemeClr val="accent2"/>
+          </a:lnRef>
+          <a:fillRef idx="2">
+            <a:schemeClr val="accent2"/>
+          </a:fillRef>
+          <a:effectRef idx="1">
+            <a:schemeClr val="accent2"/>
+          </a:effectRef>
+          <a:fontRef idx="minor">
+            <a:schemeClr val="dk1"/>
+          </a:fontRef>
+        </p:style>
+        <p:txBody>
+          <a:bodyPr rtlCol="0" anchor="ctr"/>
+          <a:lstStyle/>
+          <a:p>
+            <a:pPr algn="ctr"/>
+            <a:r>
+              <a:rPr lang="en-US" sz="1050" dirty="0">
+                <a:solidFill>
+                  <a:schemeClr val="bg1"/>
+                </a:solidFill>
+              </a:rPr>
+              <a:t>&lt;&lt;interface&gt;&gt;</a:t>
+            </a:r>
+            <a:br>
+              <a:rPr lang="en-US" sz="1050" dirty="0">
+                <a:solidFill>
+                  <a:schemeClr val="bg1"/>
+                </a:solidFill>
+              </a:rPr>
+            </a:br>
+            <a:r>
+              <a:rPr lang="en-US" sz="1050" dirty="0">
+                <a:solidFill>
+                  <a:schemeClr val="bg1"/>
+                </a:solidFill>
+              </a:rPr>
+              <a:t>UserPrefsStorage</a:t>
+            </a:r>
+            <a:endParaRPr lang="en-SG" sz="1050" dirty="0">
+              <a:solidFill>
+                <a:schemeClr val="bg1"/>
+              </a:solidFill>
+            </a:endParaRPr>
+          </a:p>
+        </p:txBody>
+      </p:sp>
+      <p:cxnSp>
+        <p:nvCxnSpPr>
+          <p:cNvPr id="54" name="Straight Arrow Connector 53"/>
+          <p:cNvCxnSpPr>
+            <a:stCxn id="56" idx="3"/>
+            <a:endCxn id="52" idx="1"/>
+          </p:cNvCxnSpPr>
+          <p:nvPr/>
+        </p:nvCxnSpPr>
+        <p:spPr>
+          <a:xfrm>
+            <a:off x="1775699" y="2773354"/>
+            <a:ext cx="220810" cy="5284"/>
+          </a:xfrm>
+          <a:prstGeom prst="straightConnector1">
+            <a:avLst/>
+          </a:prstGeom>
+          <a:ln w="19050">
+            <a:solidFill>
+              <a:schemeClr val="accent6">
+                <a:lumMod val="75000"/>
+              </a:schemeClr>
+            </a:solidFill>
+            <a:headEnd type="none" w="med" len="med"/>
+            <a:tailEnd type="arrow" w="med" len="med"/>
+          </a:ln>
+          <a:effectLst/>
+        </p:spPr>
+        <p:style>
+          <a:lnRef idx="1">
+            <a:schemeClr val="accent2"/>
+          </a:lnRef>
+          <a:fillRef idx="2">
+            <a:schemeClr val="accent2"/>
+          </a:fillRef>
+          <a:effectRef idx="1">
+            <a:schemeClr val="accent2"/>
+          </a:effectRef>
+          <a:fontRef idx="minor">
+            <a:schemeClr val="dk1"/>
+          </a:fontRef>
+        </p:style>
+      </p:cxnSp>
+      <p:sp>
+        <p:nvSpPr>
+          <p:cNvPr id="56" name="Flowchart: Decision 96"/>
+          <p:cNvSpPr/>
+          <p:nvPr/>
+        </p:nvSpPr>
+        <p:spPr>
+          <a:xfrm>
+            <a:off x="1539651" y="2686664"/>
+            <a:ext cx="236048" cy="173380"/>
+          </a:xfrm>
+          <a:prstGeom prst="flowChartDecision">
+            <a:avLst/>
+          </a:prstGeom>
+          <a:noFill/>
+          <a:ln w="19050">
+            <a:solidFill>
+              <a:schemeClr val="accent6">
+                <a:lumMod val="75000"/>
+              </a:schemeClr>
+            </a:solidFill>
+          </a:ln>
+          <a:effectLst/>
+        </p:spPr>
+        <p:style>
+          <a:lnRef idx="1">
+            <a:schemeClr val="accent2"/>
+          </a:lnRef>
+          <a:fillRef idx="2">
+            <a:schemeClr val="accent2"/>
+          </a:fillRef>
+          <a:effectRef idx="1">
+            <a:schemeClr val="accent2"/>
+          </a:effectRef>
+          <a:fontRef idx="minor">
+            <a:schemeClr val="dk1"/>
+          </a:fontRef>
+        </p:style>
+        <p:txBody>
+          <a:bodyPr rtlCol="0" anchor="ctr"/>
+          <a:lstStyle/>
+          <a:p>
+            <a:pPr algn="ctr"/>
+            <a:endParaRPr lang="en-US" sz="1050">
+              <a:solidFill>
+                <a:schemeClr val="bg1"/>
+              </a:solidFill>
+            </a:endParaRPr>
+          </a:p>
+        </p:txBody>
+      </p:sp>
+      <p:cxnSp>
+        <p:nvCxnSpPr>
+          <p:cNvPr id="60" name="Elbow Connector 63"/>
+          <p:cNvCxnSpPr>
+            <a:stCxn id="61" idx="3"/>
+            <a:endCxn id="65" idx="1"/>
+          </p:cNvCxnSpPr>
+          <p:nvPr/>
+        </p:nvCxnSpPr>
+        <p:spPr>
+          <a:xfrm flipV="1">
+            <a:off x="3517370" y="2778638"/>
             <a:ext cx="223324" cy="1"/>
           </a:xfrm>
           <a:prstGeom prst="bentConnector3">
@@ -4005,13 +4383,13 @@
       </p:cxnSp>
       <p:sp>
         <p:nvSpPr>
-          <p:cNvPr id="99" name="Isosceles Triangle 102"/>
+          <p:cNvPr id="61" name="Isosceles Triangle 102"/>
           <p:cNvSpPr/>
           <p:nvPr/>
         </p:nvSpPr>
         <p:spPr>
           <a:xfrm rot="5400000" flipV="1">
-            <a:off x="4175027" y="3244059"/>
+            <a:off x="3294356" y="2690877"/>
             <a:ext cx="270504" cy="175523"/>
           </a:xfrm>
           <a:prstGeom prst="triangle">
@@ -4058,400 +4436,6 @@
           </a:p>
         </p:txBody>
       </p:sp>
-      <p:cxnSp>
-        <p:nvCxnSpPr>
-          <p:cNvPr id="124" name="Elbow Connector 122"/>
-          <p:cNvCxnSpPr>
-            <a:stCxn id="50" idx="3"/>
-            <a:endCxn id="66" idx="1"/>
-          </p:cNvCxnSpPr>
-          <p:nvPr/>
-        </p:nvCxnSpPr>
-        <p:spPr>
-          <a:xfrm>
-            <a:off x="5791200" y="3331820"/>
-            <a:ext cx="228600" cy="1970"/>
-          </a:xfrm>
-          <a:prstGeom prst="bentConnector3">
-            <a:avLst>
-              <a:gd name="adj1" fmla="val 50000"/>
-            </a:avLst>
-          </a:prstGeom>
-          <a:ln w="19050">
-            <a:solidFill>
-              <a:schemeClr val="accent6">
-                <a:lumMod val="75000"/>
-              </a:schemeClr>
-            </a:solidFill>
-            <a:prstDash val="sysDot"/>
-            <a:headEnd type="none" w="med" len="med"/>
-            <a:tailEnd type="arrow" w="med" len="med"/>
-          </a:ln>
-          <a:effectLst/>
-        </p:spPr>
-        <p:style>
-          <a:lnRef idx="1">
-            <a:schemeClr val="accent2"/>
-          </a:lnRef>
-          <a:fillRef idx="2">
-            <a:schemeClr val="accent2"/>
-          </a:fillRef>
-          <a:effectRef idx="1">
-            <a:schemeClr val="accent2"/>
-          </a:effectRef>
-          <a:fontRef idx="minor">
-            <a:schemeClr val="dk1"/>
-          </a:fontRef>
-        </p:style>
-      </p:cxnSp>
-      <p:sp>
-        <p:nvSpPr>
-          <p:cNvPr id="50" name="Rectangle 8"/>
-          <p:cNvSpPr/>
-          <p:nvPr/>
-        </p:nvSpPr>
-        <p:spPr>
-          <a:xfrm>
-            <a:off x="4621365" y="3158440"/>
-            <a:ext cx="1169835" cy="346760"/>
-          </a:xfrm>
-          <a:prstGeom prst="rect">
-            <a:avLst/>
-          </a:prstGeom>
-          <a:ln w="19050"/>
-          <a:effectLst/>
-        </p:spPr>
-        <p:style>
-          <a:lnRef idx="1">
-            <a:schemeClr val="accent6"/>
-          </a:lnRef>
-          <a:fillRef idx="2">
-            <a:schemeClr val="accent6"/>
-          </a:fillRef>
-          <a:effectRef idx="1">
-            <a:schemeClr val="accent6"/>
-          </a:effectRef>
-          <a:fontRef idx="minor">
-            <a:schemeClr val="dk1"/>
-          </a:fontRef>
-        </p:style>
-        <p:txBody>
-          <a:bodyPr rtlCol="0" anchor="ctr"/>
-          <a:lstStyle/>
-          <a:p>
-            <a:pPr algn="ctr"/>
-            <a:r>
-              <a:rPr lang="en-US" sz="1050" b="1" dirty="0" err="1">
-                <a:solidFill>
-                  <a:schemeClr val="accent6">
-                    <a:lumMod val="75000"/>
-                  </a:schemeClr>
-                </a:solidFill>
-              </a:rPr>
-              <a:t>JsonAddressBook</a:t>
-            </a:r>
-            <a:br>
-              <a:rPr lang="en-US" sz="1050" b="1" dirty="0">
-                <a:solidFill>
-                  <a:schemeClr val="accent6">
-                    <a:lumMod val="75000"/>
-                  </a:schemeClr>
-                </a:solidFill>
-              </a:rPr>
-            </a:br>
-            <a:r>
-              <a:rPr lang="en-US" sz="1050" b="1" dirty="0">
-                <a:solidFill>
-                  <a:schemeClr val="accent6">
-                    <a:lumMod val="75000"/>
-                  </a:schemeClr>
-                </a:solidFill>
-              </a:rPr>
-              <a:t>Storage</a:t>
-            </a:r>
-            <a:endParaRPr lang="en-SG" sz="1050" b="1" dirty="0">
-              <a:solidFill>
-                <a:schemeClr val="accent6">
-                  <a:lumMod val="75000"/>
-                </a:schemeClr>
-              </a:solidFill>
-            </a:endParaRPr>
-          </a:p>
-        </p:txBody>
-      </p:sp>
-      <p:sp>
-        <p:nvSpPr>
-          <p:cNvPr id="52" name="Rectangle 8"/>
-          <p:cNvSpPr/>
-          <p:nvPr/>
-        </p:nvSpPr>
-        <p:spPr>
-          <a:xfrm>
-            <a:off x="2873943" y="2558040"/>
-            <a:ext cx="1323049" cy="346760"/>
-          </a:xfrm>
-          <a:prstGeom prst="rect">
-            <a:avLst/>
-          </a:prstGeom>
-          <a:solidFill>
-            <a:schemeClr val="accent6">
-              <a:lumMod val="75000"/>
-            </a:schemeClr>
-          </a:solidFill>
-          <a:ln w="19050">
-            <a:solidFill>
-              <a:schemeClr val="accent6">
-                <a:lumMod val="75000"/>
-              </a:schemeClr>
-            </a:solidFill>
-          </a:ln>
-          <a:effectLst/>
-        </p:spPr>
-        <p:style>
-          <a:lnRef idx="1">
-            <a:schemeClr val="accent2"/>
-          </a:lnRef>
-          <a:fillRef idx="2">
-            <a:schemeClr val="accent2"/>
-          </a:fillRef>
-          <a:effectRef idx="1">
-            <a:schemeClr val="accent2"/>
-          </a:effectRef>
-          <a:fontRef idx="minor">
-            <a:schemeClr val="dk1"/>
-          </a:fontRef>
-        </p:style>
-        <p:txBody>
-          <a:bodyPr rtlCol="0" anchor="ctr"/>
-          <a:lstStyle/>
-          <a:p>
-            <a:pPr algn="ctr"/>
-            <a:r>
-              <a:rPr lang="en-US" sz="1050" dirty="0">
-                <a:solidFill>
-                  <a:schemeClr val="bg1"/>
-                </a:solidFill>
-              </a:rPr>
-              <a:t>&lt;&lt;interface&gt;&gt;</a:t>
-            </a:r>
-            <a:br>
-              <a:rPr lang="en-US" sz="1050" dirty="0">
-                <a:solidFill>
-                  <a:schemeClr val="bg1"/>
-                </a:solidFill>
-              </a:rPr>
-            </a:br>
-            <a:r>
-              <a:rPr lang="en-US" sz="1050" dirty="0" err="1">
-                <a:solidFill>
-                  <a:schemeClr val="bg1"/>
-                </a:solidFill>
-              </a:rPr>
-              <a:t>UserPrefsStorage</a:t>
-            </a:r>
-            <a:endParaRPr lang="en-SG" sz="1050" dirty="0">
-              <a:solidFill>
-                <a:schemeClr val="bg1"/>
-              </a:solidFill>
-            </a:endParaRPr>
-          </a:p>
-        </p:txBody>
-      </p:sp>
-      <p:cxnSp>
-        <p:nvCxnSpPr>
-          <p:cNvPr id="54" name="Straight Arrow Connector 53"/>
-          <p:cNvCxnSpPr>
-            <a:stCxn id="56" idx="3"/>
-            <a:endCxn id="52" idx="1"/>
-          </p:cNvCxnSpPr>
-          <p:nvPr/>
-        </p:nvCxnSpPr>
-        <p:spPr>
-          <a:xfrm>
-            <a:off x="2653133" y="2726136"/>
-            <a:ext cx="220810" cy="5284"/>
-          </a:xfrm>
-          <a:prstGeom prst="straightConnector1">
-            <a:avLst/>
-          </a:prstGeom>
-          <a:ln w="19050">
-            <a:solidFill>
-              <a:schemeClr val="accent6">
-                <a:lumMod val="75000"/>
-              </a:schemeClr>
-            </a:solidFill>
-            <a:headEnd type="none" w="med" len="med"/>
-            <a:tailEnd type="arrow" w="med" len="med"/>
-          </a:ln>
-          <a:effectLst/>
-        </p:spPr>
-        <p:style>
-          <a:lnRef idx="1">
-            <a:schemeClr val="accent2"/>
-          </a:lnRef>
-          <a:fillRef idx="2">
-            <a:schemeClr val="accent2"/>
-          </a:fillRef>
-          <a:effectRef idx="1">
-            <a:schemeClr val="accent2"/>
-          </a:effectRef>
-          <a:fontRef idx="minor">
-            <a:schemeClr val="dk1"/>
-          </a:fontRef>
-        </p:style>
-      </p:cxnSp>
-      <p:sp>
-        <p:nvSpPr>
-          <p:cNvPr id="56" name="Flowchart: Decision 96"/>
-          <p:cNvSpPr/>
-          <p:nvPr/>
-        </p:nvSpPr>
-        <p:spPr>
-          <a:xfrm>
-            <a:off x="2417085" y="2639446"/>
-            <a:ext cx="236048" cy="173380"/>
-          </a:xfrm>
-          <a:prstGeom prst="flowChartDecision">
-            <a:avLst/>
-          </a:prstGeom>
-          <a:noFill/>
-          <a:ln w="19050">
-            <a:solidFill>
-              <a:schemeClr val="accent6">
-                <a:lumMod val="75000"/>
-              </a:schemeClr>
-            </a:solidFill>
-          </a:ln>
-          <a:effectLst/>
-        </p:spPr>
-        <p:style>
-          <a:lnRef idx="1">
-            <a:schemeClr val="accent2"/>
-          </a:lnRef>
-          <a:fillRef idx="2">
-            <a:schemeClr val="accent2"/>
-          </a:fillRef>
-          <a:effectRef idx="1">
-            <a:schemeClr val="accent2"/>
-          </a:effectRef>
-          <a:fontRef idx="minor">
-            <a:schemeClr val="dk1"/>
-          </a:fontRef>
-        </p:style>
-        <p:txBody>
-          <a:bodyPr rtlCol="0" anchor="ctr"/>
-          <a:lstStyle/>
-          <a:p>
-            <a:pPr algn="ctr"/>
-            <a:endParaRPr lang="en-US" sz="1050">
-              <a:solidFill>
-                <a:schemeClr val="bg1"/>
-              </a:solidFill>
-            </a:endParaRPr>
-          </a:p>
-        </p:txBody>
-      </p:sp>
-      <p:cxnSp>
-        <p:nvCxnSpPr>
-          <p:cNvPr id="60" name="Elbow Connector 63"/>
-          <p:cNvCxnSpPr>
-            <a:stCxn id="61" idx="3"/>
-            <a:endCxn id="65" idx="1"/>
-          </p:cNvCxnSpPr>
-          <p:nvPr/>
-        </p:nvCxnSpPr>
-        <p:spPr>
-          <a:xfrm flipV="1">
-            <a:off x="4394804" y="2731420"/>
-            <a:ext cx="223324" cy="1"/>
-          </a:xfrm>
-          <a:prstGeom prst="bentConnector3">
-            <a:avLst>
-              <a:gd name="adj1" fmla="val 50000"/>
-            </a:avLst>
-          </a:prstGeom>
-          <a:ln w="19050">
-            <a:solidFill>
-              <a:schemeClr val="accent6">
-                <a:lumMod val="75000"/>
-              </a:schemeClr>
-            </a:solidFill>
-            <a:prstDash val="sysDot"/>
-            <a:headEnd type="none" w="med" len="med"/>
-            <a:tailEnd type="none" w="med" len="med"/>
-          </a:ln>
-          <a:effectLst/>
-        </p:spPr>
-        <p:style>
-          <a:lnRef idx="1">
-            <a:schemeClr val="accent2"/>
-          </a:lnRef>
-          <a:fillRef idx="2">
-            <a:schemeClr val="accent2"/>
-          </a:fillRef>
-          <a:effectRef idx="1">
-            <a:schemeClr val="accent2"/>
-          </a:effectRef>
-          <a:fontRef idx="minor">
-            <a:schemeClr val="dk1"/>
-          </a:fontRef>
-        </p:style>
-      </p:cxnSp>
-      <p:sp>
-        <p:nvSpPr>
-          <p:cNvPr id="61" name="Isosceles Triangle 102"/>
-          <p:cNvSpPr/>
-          <p:nvPr/>
-        </p:nvSpPr>
-        <p:spPr>
-          <a:xfrm rot="5400000" flipV="1">
-            <a:off x="4171790" y="2643659"/>
-            <a:ext cx="270504" cy="175523"/>
-          </a:xfrm>
-          <a:prstGeom prst="triangle">
-            <a:avLst/>
-          </a:prstGeom>
-          <a:solidFill>
-            <a:schemeClr val="accent6">
-              <a:lumMod val="75000"/>
-            </a:schemeClr>
-          </a:solidFill>
-          <a:ln w="19050">
-            <a:solidFill>
-              <a:schemeClr val="accent6">
-                <a:lumMod val="75000"/>
-              </a:schemeClr>
-            </a:solidFill>
-          </a:ln>
-          <a:effectLst/>
-        </p:spPr>
-        <p:style>
-          <a:lnRef idx="1">
-            <a:schemeClr val="accent2"/>
-          </a:lnRef>
-          <a:fillRef idx="2">
-            <a:schemeClr val="accent2"/>
-          </a:fillRef>
-          <a:effectRef idx="1">
-            <a:schemeClr val="accent2"/>
-          </a:effectRef>
-          <a:fontRef idx="minor">
-            <a:schemeClr val="dk1"/>
-          </a:fontRef>
-        </p:style>
-        <p:txBody>
-          <a:bodyPr rtlCol="0" anchor="ctr"/>
-          <a:lstStyle/>
-          <a:p>
-            <a:pPr algn="ctr"/>
-            <a:endParaRPr lang="en-SG" sz="1050">
-              <a:solidFill>
-                <a:schemeClr val="bg1"/>
-              </a:solidFill>
-            </a:endParaRPr>
-          </a:p>
-        </p:txBody>
-      </p:sp>
       <p:sp>
         <p:nvSpPr>
           <p:cNvPr id="65" name="Rectangle 8"/>
@@ -4460,7 +4444,7 @@
         </p:nvSpPr>
         <p:spPr>
           <a:xfrm>
-            <a:off x="4618128" y="2558040"/>
+            <a:off x="3740694" y="2605258"/>
             <a:ext cx="1093635" cy="346760"/>
           </a:xfrm>
           <a:prstGeom prst="rect">
@@ -4500,7 +4484,7 @@
           <a:p>
             <a:pPr algn="ctr"/>
             <a:r>
-              <a:rPr lang="en-US" sz="1050" dirty="0" err="1">
+              <a:rPr lang="en-US" sz="1050" dirty="0">
                 <a:solidFill>
                   <a:schemeClr val="bg1"/>
                 </a:solidFill>
@@ -4538,8 +4522,8 @@
         </p:nvSpPr>
         <p:spPr>
           <a:xfrm>
-            <a:off x="6019800" y="3160410"/>
-            <a:ext cx="1200707" cy="346760"/>
+            <a:off x="5405614" y="3200374"/>
+            <a:ext cx="1323049" cy="346760"/>
           </a:xfrm>
           <a:prstGeom prst="rect">
             <a:avLst/>
@@ -4567,7 +4551,7 @@
           <a:p>
             <a:pPr algn="ctr"/>
             <a:r>
-              <a:rPr lang="en-US" sz="1050" b="1" dirty="0" err="1">
+              <a:rPr lang="en-US" sz="1050" b="1" dirty="0">
                 <a:solidFill>
                   <a:schemeClr val="accent6">
                     <a:lumMod val="75000"/>
@@ -4586,14 +4570,14 @@
               </a:rPr>
             </a:br>
             <a:r>
-              <a:rPr lang="en-US" sz="1050" b="1" dirty="0" err="1">
+              <a:rPr lang="en-US" sz="1050" b="1" dirty="0">
                 <a:solidFill>
                   <a:schemeClr val="accent6">
                     <a:lumMod val="75000"/>
                   </a:schemeClr>
                 </a:solidFill>
               </a:rPr>
-              <a:t>AddressBook</a:t>
+              <a:t>EquipmentManager</a:t>
             </a:r>
             <a:endParaRPr lang="en-SG" sz="1050" b="1" dirty="0">
               <a:solidFill>
@@ -4617,8 +4601,8 @@
         </p:nvCxnSpPr>
         <p:spPr>
           <a:xfrm rot="16200000" flipV="1">
-            <a:off x="8077993" y="2992019"/>
-            <a:ext cx="335208" cy="1"/>
+            <a:off x="7609255" y="2967496"/>
+            <a:ext cx="335208" cy="143483"/>
           </a:xfrm>
           <a:prstGeom prst="bentConnector3">
             <a:avLst>
@@ -4655,7 +4639,7 @@
         </p:nvSpPr>
         <p:spPr>
           <a:xfrm>
-            <a:off x="7615736" y="2477656"/>
+            <a:off x="7075257" y="2524874"/>
             <a:ext cx="1259719" cy="346760"/>
           </a:xfrm>
           <a:prstGeom prst="rect">
@@ -4684,7 +4668,7 @@
           <a:p>
             <a:pPr algn="ctr"/>
             <a:r>
-              <a:rPr lang="en-US" sz="1050" b="1" dirty="0" err="1">
+              <a:rPr lang="en-US" sz="1050" b="1" dirty="0">
                 <a:solidFill>
                   <a:schemeClr val="accent6">
                     <a:lumMod val="75000"/>
@@ -4711,8 +4695,8 @@
         </p:nvSpPr>
         <p:spPr>
           <a:xfrm>
-            <a:off x="7615738" y="3159624"/>
-            <a:ext cx="1259718" cy="346760"/>
+            <a:off x="7075259" y="3206842"/>
+            <a:ext cx="1546682" cy="346760"/>
           </a:xfrm>
           <a:prstGeom prst="rect">
             <a:avLst/>
@@ -4740,14 +4724,14 @@
           <a:p>
             <a:pPr algn="ctr"/>
             <a:r>
-              <a:rPr lang="en-US" sz="1030" b="1" dirty="0" err="1">
+              <a:rPr lang="en-US" sz="1030" b="1" dirty="0">
                 <a:solidFill>
                   <a:schemeClr val="accent6">
                     <a:lumMod val="75000"/>
                   </a:schemeClr>
                 </a:solidFill>
               </a:rPr>
-              <a:t>JsonAdaptedPerson</a:t>
+              <a:t>JsonAdaptedEquipment</a:t>
             </a:r>
             <a:endParaRPr lang="en-SG" sz="1030" b="1" dirty="0">
               <a:solidFill>
@@ -4763,15 +4747,16 @@
         <p:nvCxnSpPr>
           <p:cNvPr id="77" name="Elbow Connector 122"/>
           <p:cNvCxnSpPr>
+            <a:cxnSpLocks/>
             <a:stCxn id="66" idx="3"/>
             <a:endCxn id="74" idx="1"/>
           </p:cNvCxnSpPr>
           <p:nvPr/>
         </p:nvCxnSpPr>
         <p:spPr>
-          <a:xfrm flipV="1">
-            <a:off x="7220507" y="3333004"/>
-            <a:ext cx="395231" cy="786"/>
+          <a:xfrm>
+            <a:off x="6728663" y="3373754"/>
+            <a:ext cx="346596" cy="6468"/>
           </a:xfrm>
           <a:prstGeom prst="bentConnector3">
             <a:avLst>

--- a/docs/diagrams/StorageComponentClassDiagram.pptx
+++ b/docs/diagrams/StorageComponentClassDiagram.pptx
@@ -8,7 +8,7 @@
     <p:notesMasterId r:id="rId3"/>
   </p:notesMasterIdLst>
   <p:sldIdLst>
-    <p:sldId id="264" r:id="rId2"/>
+    <p:sldId id="265" r:id="rId2"/>
   </p:sldIdLst>
   <p:sldSz cx="9144000" cy="6858000" type="screen4x3"/>
   <p:notesSz cx="6858000" cy="9144000"/>
@@ -109,7 +109,7 @@
   </p:defaultTextStyle>
   <p:extLst>
     <p:ext uri="{EFAFB233-063F-42B5-8137-9DF3F51BA10A}">
-      <p15:sldGuideLst xmlns:p15="http://schemas.microsoft.com/office/powerpoint/2012/main">
+      <p15:sldGuideLst xmlns="" xmlns:p15="http://schemas.microsoft.com/office/powerpoint/2012/main">
         <p15:guide id="1" orient="horz" pos="1488">
           <p15:clr>
             <a:srgbClr val="A4A3A4"/>
@@ -208,7 +208,7 @@
           <a:p>
             <a:fld id="{F5CC4B3F-88C1-4FFA-B1B6-F41C21DC6924}" type="datetimeFigureOut">
               <a:rPr lang="en-US" smtClean="0"/>
-              <a:t>12/1/2018</a:t>
+              <a:t>12/3/19</a:t>
             </a:fld>
             <a:endParaRPr lang="en-US"/>
           </a:p>
@@ -654,7 +654,7 @@
           <a:p>
             <a:fld id="{78C97017-6FC3-485B-9764-EAC9E56C1D49}" type="datetimeFigureOut">
               <a:rPr lang="en-US" smtClean="0"/>
-              <a:t>12/1/2018</a:t>
+              <a:t>12/3/19</a:t>
             </a:fld>
             <a:endParaRPr lang="en-US"/>
           </a:p>
@@ -822,7 +822,7 @@
           <a:p>
             <a:fld id="{78C97017-6FC3-485B-9764-EAC9E56C1D49}" type="datetimeFigureOut">
               <a:rPr lang="en-US" smtClean="0"/>
-              <a:t>12/1/2018</a:t>
+              <a:t>12/3/19</a:t>
             </a:fld>
             <a:endParaRPr lang="en-US"/>
           </a:p>
@@ -1000,7 +1000,7 @@
           <a:p>
             <a:fld id="{78C97017-6FC3-485B-9764-EAC9E56C1D49}" type="datetimeFigureOut">
               <a:rPr lang="en-US" smtClean="0"/>
-              <a:t>12/1/2018</a:t>
+              <a:t>12/3/19</a:t>
             </a:fld>
             <a:endParaRPr lang="en-US"/>
           </a:p>
@@ -1168,7 +1168,7 @@
           <a:p>
             <a:fld id="{78C97017-6FC3-485B-9764-EAC9E56C1D49}" type="datetimeFigureOut">
               <a:rPr lang="en-US" smtClean="0"/>
-              <a:t>12/1/2018</a:t>
+              <a:t>12/3/19</a:t>
             </a:fld>
             <a:endParaRPr lang="en-US"/>
           </a:p>
@@ -1413,7 +1413,7 @@
           <a:p>
             <a:fld id="{78C97017-6FC3-485B-9764-EAC9E56C1D49}" type="datetimeFigureOut">
               <a:rPr lang="en-US" smtClean="0"/>
-              <a:t>12/1/2018</a:t>
+              <a:t>12/3/19</a:t>
             </a:fld>
             <a:endParaRPr lang="en-US"/>
           </a:p>
@@ -1698,7 +1698,7 @@
           <a:p>
             <a:fld id="{78C97017-6FC3-485B-9764-EAC9E56C1D49}" type="datetimeFigureOut">
               <a:rPr lang="en-US" smtClean="0"/>
-              <a:t>12/1/2018</a:t>
+              <a:t>12/3/19</a:t>
             </a:fld>
             <a:endParaRPr lang="en-US"/>
           </a:p>
@@ -2117,7 +2117,7 @@
           <a:p>
             <a:fld id="{78C97017-6FC3-485B-9764-EAC9E56C1D49}" type="datetimeFigureOut">
               <a:rPr lang="en-US" smtClean="0"/>
-              <a:t>12/1/2018</a:t>
+              <a:t>12/3/19</a:t>
             </a:fld>
             <a:endParaRPr lang="en-US"/>
           </a:p>
@@ -2234,7 +2234,7 @@
           <a:p>
             <a:fld id="{78C97017-6FC3-485B-9764-EAC9E56C1D49}" type="datetimeFigureOut">
               <a:rPr lang="en-US" smtClean="0"/>
-              <a:t>12/1/2018</a:t>
+              <a:t>12/3/19</a:t>
             </a:fld>
             <a:endParaRPr lang="en-US"/>
           </a:p>
@@ -2329,7 +2329,7 @@
           <a:p>
             <a:fld id="{78C97017-6FC3-485B-9764-EAC9E56C1D49}" type="datetimeFigureOut">
               <a:rPr lang="en-US" smtClean="0"/>
-              <a:t>12/1/2018</a:t>
+              <a:t>12/3/19</a:t>
             </a:fld>
             <a:endParaRPr lang="en-US"/>
           </a:p>
@@ -2604,7 +2604,7 @@
           <a:p>
             <a:fld id="{78C97017-6FC3-485B-9764-EAC9E56C1D49}" type="datetimeFigureOut">
               <a:rPr lang="en-US" smtClean="0"/>
-              <a:t>12/1/2018</a:t>
+              <a:t>12/3/19</a:t>
             </a:fld>
             <a:endParaRPr lang="en-US"/>
           </a:p>
@@ -2856,7 +2856,7 @@
           <a:p>
             <a:fld id="{78C97017-6FC3-485B-9764-EAC9E56C1D49}" type="datetimeFigureOut">
               <a:rPr lang="en-US" smtClean="0"/>
-              <a:t>12/1/2018</a:t>
+              <a:t>12/3/19</a:t>
             </a:fld>
             <a:endParaRPr lang="en-US"/>
           </a:p>
@@ -3067,7 +3067,7 @@
           <a:p>
             <a:fld id="{78C97017-6FC3-485B-9764-EAC9E56C1D49}" type="datetimeFigureOut">
               <a:rPr lang="en-US" smtClean="0"/>
-              <a:t>12/1/2018</a:t>
+              <a:t>12/3/19</a:t>
             </a:fld>
             <a:endParaRPr lang="en-US"/>
           </a:p>
@@ -3444,14 +3444,14 @@
       </p:grpSpPr>
       <p:sp>
         <p:nvSpPr>
-          <p:cNvPr id="118" name="Rectangle 65"/>
+          <p:cNvPr id="2" name="Rectangle 65"/>
           <p:cNvSpPr/>
           <p:nvPr/>
         </p:nvSpPr>
         <p:spPr>
           <a:xfrm>
-            <a:off x="1119865" y="2086382"/>
-            <a:ext cx="7871735" cy="1723618"/>
+            <a:off x="304800" y="2133600"/>
+            <a:ext cx="8100335" cy="1723618"/>
           </a:xfrm>
           <a:prstGeom prst="roundRect">
             <a:avLst>
@@ -3509,13 +3509,13 @@
       </p:sp>
       <p:sp>
         <p:nvSpPr>
-          <p:cNvPr id="2" name="Rectangle 8"/>
+          <p:cNvPr id="3" name="Rectangle 8"/>
           <p:cNvSpPr/>
           <p:nvPr/>
         </p:nvSpPr>
         <p:spPr>
           <a:xfrm>
-            <a:off x="2877180" y="3158440"/>
+            <a:off x="2290715" y="3205658"/>
             <a:ext cx="1323049" cy="346760"/>
           </a:xfrm>
           <a:prstGeom prst="rect">
@@ -3570,12 +3570,12 @@
               </a:rPr>
             </a:br>
             <a:r>
-              <a:rPr lang="en-US" sz="1050" dirty="0" err="1">
+              <a:rPr lang="en-US" sz="1050" dirty="0" err="1" smtClean="0">
                 <a:solidFill>
                   <a:schemeClr val="bg1"/>
                 </a:solidFill>
               </a:rPr>
-              <a:t>AddressBookStorage</a:t>
+              <a:t>TopDeckStorage</a:t>
             </a:r>
             <a:endParaRPr lang="en-SG" sz="1050" dirty="0">
               <a:solidFill>
@@ -3587,13 +3587,13 @@
       </p:sp>
       <p:sp>
         <p:nvSpPr>
-          <p:cNvPr id="9" name="Rectangle 62"/>
+          <p:cNvPr id="4" name="Rectangle 62"/>
           <p:cNvSpPr/>
           <p:nvPr/>
         </p:nvSpPr>
         <p:spPr>
           <a:xfrm rot="16200000">
-            <a:off x="1683963" y="2868687"/>
+            <a:off x="1097498" y="2915905"/>
             <a:ext cx="1093635" cy="346760"/>
           </a:xfrm>
           <a:prstGeom prst="rect">
@@ -3650,13 +3650,13 @@
       </p:sp>
       <p:sp>
         <p:nvSpPr>
-          <p:cNvPr id="119" name="Rectangle 62"/>
+          <p:cNvPr id="5" name="Rectangle 62"/>
           <p:cNvSpPr/>
           <p:nvPr/>
         </p:nvSpPr>
         <p:spPr>
           <a:xfrm rot="16200000">
-            <a:off x="956202" y="2861202"/>
+            <a:off x="369737" y="2908420"/>
             <a:ext cx="1093635" cy="346760"/>
           </a:xfrm>
           <a:prstGeom prst="rect">
@@ -3724,13 +3724,13 @@
       </p:sp>
       <p:sp>
         <p:nvSpPr>
-          <p:cNvPr id="120" name="Isosceles Triangle 102"/>
+          <p:cNvPr id="6" name="Isosceles Triangle 102"/>
           <p:cNvSpPr/>
           <p:nvPr/>
         </p:nvSpPr>
         <p:spPr>
           <a:xfrm rot="16200000">
-            <a:off x="1626910" y="2952291"/>
+            <a:off x="1040445" y="2999509"/>
             <a:ext cx="270504" cy="175523"/>
           </a:xfrm>
           <a:prstGeom prst="triangle">
@@ -3779,16 +3779,16 @@
       </p:sp>
       <p:cxnSp>
         <p:nvCxnSpPr>
-          <p:cNvPr id="58" name="Straight Arrow Connector 57"/>
+          <p:cNvPr id="7" name="Straight Arrow Connector 6"/>
           <p:cNvCxnSpPr>
-            <a:stCxn id="42" idx="3"/>
-            <a:endCxn id="2" idx="1"/>
+            <a:stCxn id="10" idx="3"/>
+            <a:endCxn id="3" idx="1"/>
           </p:cNvCxnSpPr>
           <p:nvPr/>
         </p:nvCxnSpPr>
         <p:spPr>
           <a:xfrm>
-            <a:off x="2656370" y="3326536"/>
+            <a:off x="2069905" y="3373754"/>
             <a:ext cx="220810" cy="5284"/>
           </a:xfrm>
           <a:prstGeom prst="straightConnector1">
@@ -3822,13 +3822,13 @@
       </p:cxnSp>
       <p:cxnSp>
         <p:nvCxnSpPr>
-          <p:cNvPr id="75" name="Elbow Connector 122"/>
+          <p:cNvPr id="8" name="Elbow Connector 122"/>
           <p:cNvCxnSpPr/>
           <p:nvPr/>
         </p:nvCxnSpPr>
         <p:spPr>
           <a:xfrm>
-            <a:off x="910091" y="3040053"/>
+            <a:off x="323626" y="3087271"/>
             <a:ext cx="419548" cy="2860"/>
           </a:xfrm>
           <a:prstGeom prst="bentConnector3">
@@ -3865,15 +3865,15 @@
       </p:cxnSp>
       <p:cxnSp>
         <p:nvCxnSpPr>
-          <p:cNvPr id="21" name="Straight Connector 20"/>
+          <p:cNvPr id="9" name="Straight Connector 8"/>
           <p:cNvCxnSpPr>
-            <a:stCxn id="120" idx="3"/>
+            <a:stCxn id="6" idx="3"/>
           </p:cNvCxnSpPr>
           <p:nvPr/>
         </p:nvCxnSpPr>
         <p:spPr>
           <a:xfrm flipV="1">
-            <a:off x="1849924" y="3040052"/>
+            <a:off x="1263459" y="3087270"/>
             <a:ext cx="216105" cy="1"/>
           </a:xfrm>
           <a:prstGeom prst="line">
@@ -3908,13 +3908,13 @@
       </p:cxnSp>
       <p:sp>
         <p:nvSpPr>
-          <p:cNvPr id="42" name="Flowchart: Decision 96"/>
+          <p:cNvPr id="10" name="Flowchart: Decision 96"/>
           <p:cNvSpPr/>
           <p:nvPr/>
         </p:nvSpPr>
         <p:spPr>
           <a:xfrm>
-            <a:off x="2420322" y="3239846"/>
+            <a:off x="1833857" y="3287064"/>
             <a:ext cx="236048" cy="173380"/>
           </a:xfrm>
           <a:prstGeom prst="flowChartDecision">
@@ -3959,16 +3959,16 @@
       </p:sp>
       <p:cxnSp>
         <p:nvCxnSpPr>
-          <p:cNvPr id="97" name="Elbow Connector 63"/>
+          <p:cNvPr id="11" name="Elbow Connector 63"/>
           <p:cNvCxnSpPr>
-            <a:stCxn id="99" idx="3"/>
-            <a:endCxn id="50" idx="1"/>
+            <a:stCxn id="12" idx="3"/>
+            <a:endCxn id="14" idx="1"/>
           </p:cNvCxnSpPr>
           <p:nvPr/>
         </p:nvCxnSpPr>
         <p:spPr>
           <a:xfrm flipV="1">
-            <a:off x="4398041" y="3331820"/>
+            <a:off x="3811576" y="3379038"/>
             <a:ext cx="223324" cy="1"/>
           </a:xfrm>
           <a:prstGeom prst="bentConnector3">
@@ -4005,13 +4005,13 @@
       </p:cxnSp>
       <p:sp>
         <p:nvSpPr>
-          <p:cNvPr id="99" name="Isosceles Triangle 102"/>
+          <p:cNvPr id="12" name="Isosceles Triangle 102"/>
           <p:cNvSpPr/>
           <p:nvPr/>
         </p:nvSpPr>
         <p:spPr>
           <a:xfrm rot="5400000" flipV="1">
-            <a:off x="4175027" y="3244059"/>
+            <a:off x="3588562" y="3291277"/>
             <a:ext cx="270504" cy="175523"/>
           </a:xfrm>
           <a:prstGeom prst="triangle">
@@ -4060,16 +4060,16 @@
       </p:sp>
       <p:cxnSp>
         <p:nvCxnSpPr>
-          <p:cNvPr id="124" name="Elbow Connector 122"/>
+          <p:cNvPr id="13" name="Elbow Connector 122"/>
           <p:cNvCxnSpPr>
-            <a:stCxn id="50" idx="3"/>
-            <a:endCxn id="66" idx="1"/>
+            <a:stCxn id="14" idx="3"/>
+            <a:endCxn id="21" idx="1"/>
           </p:cNvCxnSpPr>
           <p:nvPr/>
         </p:nvCxnSpPr>
         <p:spPr>
           <a:xfrm>
-            <a:off x="5791200" y="3331820"/>
+            <a:off x="5204735" y="3379038"/>
             <a:ext cx="228600" cy="1970"/>
           </a:xfrm>
           <a:prstGeom prst="bentConnector3">
@@ -4106,13 +4106,13 @@
       </p:cxnSp>
       <p:sp>
         <p:nvSpPr>
-          <p:cNvPr id="50" name="Rectangle 8"/>
+          <p:cNvPr id="14" name="Rectangle 8"/>
           <p:cNvSpPr/>
           <p:nvPr/>
         </p:nvSpPr>
         <p:spPr>
           <a:xfrm>
-            <a:off x="4621365" y="3158440"/>
+            <a:off x="4034900" y="3205658"/>
             <a:ext cx="1169835" cy="346760"/>
           </a:xfrm>
           <a:prstGeom prst="rect">
@@ -4141,14 +4141,24 @@
           <a:p>
             <a:pPr algn="ctr"/>
             <a:r>
-              <a:rPr lang="en-US" sz="1050" b="1" dirty="0" err="1">
+              <a:rPr lang="en-US" sz="1050" b="1" dirty="0" err="1" smtClean="0">
                 <a:solidFill>
                   <a:schemeClr val="accent6">
                     <a:lumMod val="75000"/>
                   </a:schemeClr>
                 </a:solidFill>
               </a:rPr>
-              <a:t>JsonAddressBook</a:t>
+              <a:t>JsonTopDeck</a:t>
+            </a:r>
+            <a:r>
+              <a:rPr lang="en-US" sz="1050" b="1" dirty="0">
+                <a:solidFill>
+                  <a:schemeClr val="accent6">
+                    <a:lumMod val="75000"/>
+                  </a:schemeClr>
+                </a:solidFill>
+              </a:rPr>
+              <a:t/>
             </a:r>
             <a:br>
               <a:rPr lang="en-US" sz="1050" b="1" dirty="0">
@@ -4181,13 +4191,13 @@
       </p:sp>
       <p:sp>
         <p:nvSpPr>
-          <p:cNvPr id="52" name="Rectangle 8"/>
+          <p:cNvPr id="15" name="Rectangle 8"/>
           <p:cNvSpPr/>
           <p:nvPr/>
         </p:nvSpPr>
         <p:spPr>
           <a:xfrm>
-            <a:off x="2873943" y="2558040"/>
+            <a:off x="2287478" y="2605258"/>
             <a:ext cx="1323049" cy="346760"/>
           </a:xfrm>
           <a:prstGeom prst="rect">
@@ -4259,16 +4269,16 @@
       </p:sp>
       <p:cxnSp>
         <p:nvCxnSpPr>
-          <p:cNvPr id="54" name="Straight Arrow Connector 53"/>
+          <p:cNvPr id="16" name="Straight Arrow Connector 15"/>
           <p:cNvCxnSpPr>
-            <a:stCxn id="56" idx="3"/>
-            <a:endCxn id="52" idx="1"/>
+            <a:stCxn id="17" idx="3"/>
+            <a:endCxn id="15" idx="1"/>
           </p:cNvCxnSpPr>
           <p:nvPr/>
         </p:nvCxnSpPr>
         <p:spPr>
           <a:xfrm>
-            <a:off x="2653133" y="2726136"/>
+            <a:off x="2066668" y="2773354"/>
             <a:ext cx="220810" cy="5284"/>
           </a:xfrm>
           <a:prstGeom prst="straightConnector1">
@@ -4302,13 +4312,13 @@
       </p:cxnSp>
       <p:sp>
         <p:nvSpPr>
-          <p:cNvPr id="56" name="Flowchart: Decision 96"/>
+          <p:cNvPr id="17" name="Flowchart: Decision 96"/>
           <p:cNvSpPr/>
           <p:nvPr/>
         </p:nvSpPr>
         <p:spPr>
           <a:xfrm>
-            <a:off x="2417085" y="2639446"/>
+            <a:off x="1830620" y="2686664"/>
             <a:ext cx="236048" cy="173380"/>
           </a:xfrm>
           <a:prstGeom prst="flowChartDecision">
@@ -4353,16 +4363,16 @@
       </p:sp>
       <p:cxnSp>
         <p:nvCxnSpPr>
-          <p:cNvPr id="60" name="Elbow Connector 63"/>
+          <p:cNvPr id="18" name="Elbow Connector 63"/>
           <p:cNvCxnSpPr>
-            <a:stCxn id="61" idx="3"/>
-            <a:endCxn id="65" idx="1"/>
+            <a:stCxn id="19" idx="3"/>
+            <a:endCxn id="20" idx="1"/>
           </p:cNvCxnSpPr>
           <p:nvPr/>
         </p:nvCxnSpPr>
         <p:spPr>
           <a:xfrm flipV="1">
-            <a:off x="4394804" y="2731420"/>
+            <a:off x="3808339" y="2778638"/>
             <a:ext cx="223324" cy="1"/>
           </a:xfrm>
           <a:prstGeom prst="bentConnector3">
@@ -4399,13 +4409,13 @@
       </p:cxnSp>
       <p:sp>
         <p:nvSpPr>
-          <p:cNvPr id="61" name="Isosceles Triangle 102"/>
+          <p:cNvPr id="19" name="Isosceles Triangle 102"/>
           <p:cNvSpPr/>
           <p:nvPr/>
         </p:nvSpPr>
         <p:spPr>
           <a:xfrm rot="5400000" flipV="1">
-            <a:off x="4171790" y="2643659"/>
+            <a:off x="3585325" y="2690877"/>
             <a:ext cx="270504" cy="175523"/>
           </a:xfrm>
           <a:prstGeom prst="triangle">
@@ -4454,13 +4464,13 @@
       </p:sp>
       <p:sp>
         <p:nvSpPr>
-          <p:cNvPr id="65" name="Rectangle 8"/>
+          <p:cNvPr id="20" name="Rectangle 8"/>
           <p:cNvSpPr/>
           <p:nvPr/>
         </p:nvSpPr>
         <p:spPr>
           <a:xfrm>
-            <a:off x="4618128" y="2558040"/>
+            <a:off x="4031663" y="2605258"/>
             <a:ext cx="1093635" cy="346760"/>
           </a:xfrm>
           <a:prstGeom prst="rect">
@@ -4507,6 +4517,14 @@
               </a:rPr>
               <a:t>JsonUserPrefs</a:t>
             </a:r>
+            <a:r>
+              <a:rPr lang="en-US" sz="1050" dirty="0">
+                <a:solidFill>
+                  <a:schemeClr val="bg1"/>
+                </a:solidFill>
+              </a:rPr>
+              <a:t/>
+            </a:r>
             <a:br>
               <a:rPr lang="en-US" sz="1050" dirty="0">
                 <a:solidFill>
@@ -4532,13 +4550,13 @@
       </p:sp>
       <p:sp>
         <p:nvSpPr>
-          <p:cNvPr id="66" name="Rectangle 8"/>
+          <p:cNvPr id="21" name="Rectangle 8"/>
           <p:cNvSpPr/>
           <p:nvPr/>
         </p:nvSpPr>
         <p:spPr>
           <a:xfrm>
-            <a:off x="6019800" y="3160410"/>
+            <a:off x="5433335" y="3207628"/>
             <a:ext cx="1200707" cy="346760"/>
           </a:xfrm>
           <a:prstGeom prst="rect">
@@ -4576,6 +4594,16 @@
               </a:rPr>
               <a:t>JsonSerializable</a:t>
             </a:r>
+            <a:r>
+              <a:rPr lang="en-US" sz="1050" b="1" dirty="0">
+                <a:solidFill>
+                  <a:schemeClr val="accent6">
+                    <a:lumMod val="75000"/>
+                  </a:schemeClr>
+                </a:solidFill>
+              </a:rPr>
+              <a:t/>
+            </a:r>
             <a:br>
               <a:rPr lang="en-US" sz="1050" b="1" dirty="0">
                 <a:solidFill>
@@ -4586,14 +4614,14 @@
               </a:rPr>
             </a:br>
             <a:r>
-              <a:rPr lang="en-US" sz="1050" b="1" dirty="0" err="1">
+              <a:rPr lang="en-US" sz="1050" b="1" dirty="0" err="1" smtClean="0">
                 <a:solidFill>
                   <a:schemeClr val="accent6">
                     <a:lumMod val="75000"/>
                   </a:schemeClr>
                 </a:solidFill>
               </a:rPr>
-              <a:t>AddressBook</a:t>
+              <a:t>TopDeck</a:t>
             </a:r>
             <a:endParaRPr lang="en-SG" sz="1050" b="1" dirty="0">
               <a:solidFill>
@@ -4607,17 +4635,17 @@
       </p:sp>
       <p:cxnSp>
         <p:nvCxnSpPr>
-          <p:cNvPr id="70" name="Elbow Connector 122"/>
+          <p:cNvPr id="22" name="Elbow Connector 122"/>
           <p:cNvCxnSpPr>
             <a:cxnSpLocks/>
-            <a:stCxn id="74" idx="0"/>
-            <a:endCxn id="73" idx="2"/>
+            <a:stCxn id="24" idx="0"/>
+            <a:endCxn id="23" idx="2"/>
           </p:cNvCxnSpPr>
           <p:nvPr/>
         </p:nvCxnSpPr>
         <p:spPr>
           <a:xfrm rot="16200000" flipV="1">
-            <a:off x="8077993" y="2992019"/>
+            <a:off x="7491528" y="3039237"/>
             <a:ext cx="335208" cy="1"/>
           </a:xfrm>
           <a:prstGeom prst="bentConnector3">
@@ -4649,13 +4677,13 @@
       </p:cxnSp>
       <p:sp>
         <p:nvSpPr>
-          <p:cNvPr id="73" name="Rectangle 8"/>
+          <p:cNvPr id="23" name="Rectangle 8"/>
           <p:cNvSpPr/>
           <p:nvPr/>
         </p:nvSpPr>
         <p:spPr>
           <a:xfrm>
-            <a:off x="7615736" y="2477656"/>
+            <a:off x="7029271" y="2524874"/>
             <a:ext cx="1259719" cy="346760"/>
           </a:xfrm>
           <a:prstGeom prst="rect">
@@ -4705,13 +4733,13 @@
       </p:sp>
       <p:sp>
         <p:nvSpPr>
-          <p:cNvPr id="74" name="Rectangle 8"/>
+          <p:cNvPr id="24" name="Rectangle 8"/>
           <p:cNvSpPr/>
           <p:nvPr/>
         </p:nvSpPr>
         <p:spPr>
           <a:xfrm>
-            <a:off x="7615738" y="3159624"/>
+            <a:off x="7029273" y="3206842"/>
             <a:ext cx="1259718" cy="346760"/>
           </a:xfrm>
           <a:prstGeom prst="rect">
@@ -4740,14 +4768,14 @@
           <a:p>
             <a:pPr algn="ctr"/>
             <a:r>
-              <a:rPr lang="en-US" sz="1030" b="1" dirty="0" err="1">
+              <a:rPr lang="en-US" sz="1030" b="1" dirty="0" err="1" smtClean="0">
                 <a:solidFill>
                   <a:schemeClr val="accent6">
                     <a:lumMod val="75000"/>
                   </a:schemeClr>
                 </a:solidFill>
               </a:rPr>
-              <a:t>JsonAdaptedPerson</a:t>
+              <a:t>JsonAdaptedCard</a:t>
             </a:r>
             <a:endParaRPr lang="en-SG" sz="1030" b="1" dirty="0">
               <a:solidFill>
@@ -4761,16 +4789,16 @@
       </p:sp>
       <p:cxnSp>
         <p:nvCxnSpPr>
-          <p:cNvPr id="77" name="Elbow Connector 122"/>
+          <p:cNvPr id="25" name="Elbow Connector 122"/>
           <p:cNvCxnSpPr>
-            <a:stCxn id="66" idx="3"/>
-            <a:endCxn id="74" idx="1"/>
+            <a:stCxn id="21" idx="3"/>
+            <a:endCxn id="24" idx="1"/>
           </p:cNvCxnSpPr>
           <p:nvPr/>
         </p:nvCxnSpPr>
         <p:spPr>
           <a:xfrm flipV="1">
-            <a:off x="7220507" y="3333004"/>
+            <a:off x="6634042" y="3380222"/>
             <a:ext cx="395231" cy="786"/>
           </a:xfrm>
           <a:prstGeom prst="bentConnector3">
@@ -4803,7 +4831,7 @@
     </p:spTree>
     <p:extLst>
       <p:ext uri="{BB962C8B-B14F-4D97-AF65-F5344CB8AC3E}">
-        <p14:creationId xmlns:p14="http://schemas.microsoft.com/office/powerpoint/2010/main" val="1478832369"/>
+        <p14:creationId xmlns:p14="http://schemas.microsoft.com/office/powerpoint/2010/main" val="3711047189"/>
       </p:ext>
     </p:extLst>
   </p:cSld>

--- a/docs/diagrams/StorageComponentClassDiagram.pptx
+++ b/docs/diagrams/StorageComponentClassDiagram.pptx
@@ -208,7 +208,7 @@
           <a:p>
             <a:fld id="{F5CC4B3F-88C1-4FFA-B1B6-F41C21DC6924}" type="datetimeFigureOut">
               <a:rPr lang="en-US" smtClean="0"/>
-              <a:t>12/1/2018</a:t>
+              <a:t>3/12/2019</a:t>
             </a:fld>
             <a:endParaRPr lang="en-US"/>
           </a:p>
@@ -654,7 +654,7 @@
           <a:p>
             <a:fld id="{78C97017-6FC3-485B-9764-EAC9E56C1D49}" type="datetimeFigureOut">
               <a:rPr lang="en-US" smtClean="0"/>
-              <a:t>12/1/2018</a:t>
+              <a:t>3/12/2019</a:t>
             </a:fld>
             <a:endParaRPr lang="en-US"/>
           </a:p>
@@ -822,7 +822,7 @@
           <a:p>
             <a:fld id="{78C97017-6FC3-485B-9764-EAC9E56C1D49}" type="datetimeFigureOut">
               <a:rPr lang="en-US" smtClean="0"/>
-              <a:t>12/1/2018</a:t>
+              <a:t>3/12/2019</a:t>
             </a:fld>
             <a:endParaRPr lang="en-US"/>
           </a:p>
@@ -1000,7 +1000,7 @@
           <a:p>
             <a:fld id="{78C97017-6FC3-485B-9764-EAC9E56C1D49}" type="datetimeFigureOut">
               <a:rPr lang="en-US" smtClean="0"/>
-              <a:t>12/1/2018</a:t>
+              <a:t>3/12/2019</a:t>
             </a:fld>
             <a:endParaRPr lang="en-US"/>
           </a:p>
@@ -1168,7 +1168,7 @@
           <a:p>
             <a:fld id="{78C97017-6FC3-485B-9764-EAC9E56C1D49}" type="datetimeFigureOut">
               <a:rPr lang="en-US" smtClean="0"/>
-              <a:t>12/1/2018</a:t>
+              <a:t>3/12/2019</a:t>
             </a:fld>
             <a:endParaRPr lang="en-US"/>
           </a:p>
@@ -1413,7 +1413,7 @@
           <a:p>
             <a:fld id="{78C97017-6FC3-485B-9764-EAC9E56C1D49}" type="datetimeFigureOut">
               <a:rPr lang="en-US" smtClean="0"/>
-              <a:t>12/1/2018</a:t>
+              <a:t>3/12/2019</a:t>
             </a:fld>
             <a:endParaRPr lang="en-US"/>
           </a:p>
@@ -1698,7 +1698,7 @@
           <a:p>
             <a:fld id="{78C97017-6FC3-485B-9764-EAC9E56C1D49}" type="datetimeFigureOut">
               <a:rPr lang="en-US" smtClean="0"/>
-              <a:t>12/1/2018</a:t>
+              <a:t>3/12/2019</a:t>
             </a:fld>
             <a:endParaRPr lang="en-US"/>
           </a:p>
@@ -2117,7 +2117,7 @@
           <a:p>
             <a:fld id="{78C97017-6FC3-485B-9764-EAC9E56C1D49}" type="datetimeFigureOut">
               <a:rPr lang="en-US" smtClean="0"/>
-              <a:t>12/1/2018</a:t>
+              <a:t>3/12/2019</a:t>
             </a:fld>
             <a:endParaRPr lang="en-US"/>
           </a:p>
@@ -2234,7 +2234,7 @@
           <a:p>
             <a:fld id="{78C97017-6FC3-485B-9764-EAC9E56C1D49}" type="datetimeFigureOut">
               <a:rPr lang="en-US" smtClean="0"/>
-              <a:t>12/1/2018</a:t>
+              <a:t>3/12/2019</a:t>
             </a:fld>
             <a:endParaRPr lang="en-US"/>
           </a:p>
@@ -2329,7 +2329,7 @@
           <a:p>
             <a:fld id="{78C97017-6FC3-485B-9764-EAC9E56C1D49}" type="datetimeFigureOut">
               <a:rPr lang="en-US" smtClean="0"/>
-              <a:t>12/1/2018</a:t>
+              <a:t>3/12/2019</a:t>
             </a:fld>
             <a:endParaRPr lang="en-US"/>
           </a:p>
@@ -2604,7 +2604,7 @@
           <a:p>
             <a:fld id="{78C97017-6FC3-485B-9764-EAC9E56C1D49}" type="datetimeFigureOut">
               <a:rPr lang="en-US" smtClean="0"/>
-              <a:t>12/1/2018</a:t>
+              <a:t>3/12/2019</a:t>
             </a:fld>
             <a:endParaRPr lang="en-US"/>
           </a:p>
@@ -2856,7 +2856,7 @@
           <a:p>
             <a:fld id="{78C97017-6FC3-485B-9764-EAC9E56C1D49}" type="datetimeFigureOut">
               <a:rPr lang="en-US" smtClean="0"/>
-              <a:t>12/1/2018</a:t>
+              <a:t>3/12/2019</a:t>
             </a:fld>
             <a:endParaRPr lang="en-US"/>
           </a:p>
@@ -3067,7 +3067,7 @@
           <a:p>
             <a:fld id="{78C97017-6FC3-485B-9764-EAC9E56C1D49}" type="datetimeFigureOut">
               <a:rPr lang="en-US" smtClean="0"/>
-              <a:t>12/1/2018</a:t>
+              <a:t>3/12/2019</a:t>
             </a:fld>
             <a:endParaRPr lang="en-US"/>
           </a:p>
@@ -4747,7 +4747,7 @@
                   </a:schemeClr>
                 </a:solidFill>
               </a:rPr>
-              <a:t>JsonAdaptedPerson</a:t>
+              <a:t>JsonAdaptedPlace</a:t>
             </a:r>
             <a:endParaRPr lang="en-SG" sz="1030" b="1" dirty="0">
               <a:solidFill>

--- a/docs/diagrams/StorageComponentClassDiagram.pptx
+++ b/docs/diagrams/StorageComponentClassDiagram.pptx
@@ -208,7 +208,7 @@
           <a:p>
             <a:fld id="{F5CC4B3F-88C1-4FFA-B1B6-F41C21DC6924}" type="datetimeFigureOut">
               <a:rPr lang="en-US" smtClean="0"/>
-              <a:t>12/1/2018</a:t>
+              <a:t>3/14/2019</a:t>
             </a:fld>
             <a:endParaRPr lang="en-US"/>
           </a:p>
@@ -654,7 +654,7 @@
           <a:p>
             <a:fld id="{78C97017-6FC3-485B-9764-EAC9E56C1D49}" type="datetimeFigureOut">
               <a:rPr lang="en-US" smtClean="0"/>
-              <a:t>12/1/2018</a:t>
+              <a:t>3/14/2019</a:t>
             </a:fld>
             <a:endParaRPr lang="en-US"/>
           </a:p>
@@ -822,7 +822,7 @@
           <a:p>
             <a:fld id="{78C97017-6FC3-485B-9764-EAC9E56C1D49}" type="datetimeFigureOut">
               <a:rPr lang="en-US" smtClean="0"/>
-              <a:t>12/1/2018</a:t>
+              <a:t>3/14/2019</a:t>
             </a:fld>
             <a:endParaRPr lang="en-US"/>
           </a:p>
@@ -1000,7 +1000,7 @@
           <a:p>
             <a:fld id="{78C97017-6FC3-485B-9764-EAC9E56C1D49}" type="datetimeFigureOut">
               <a:rPr lang="en-US" smtClean="0"/>
-              <a:t>12/1/2018</a:t>
+              <a:t>3/14/2019</a:t>
             </a:fld>
             <a:endParaRPr lang="en-US"/>
           </a:p>
@@ -1168,7 +1168,7 @@
           <a:p>
             <a:fld id="{78C97017-6FC3-485B-9764-EAC9E56C1D49}" type="datetimeFigureOut">
               <a:rPr lang="en-US" smtClean="0"/>
-              <a:t>12/1/2018</a:t>
+              <a:t>3/14/2019</a:t>
             </a:fld>
             <a:endParaRPr lang="en-US"/>
           </a:p>
@@ -1413,7 +1413,7 @@
           <a:p>
             <a:fld id="{78C97017-6FC3-485B-9764-EAC9E56C1D49}" type="datetimeFigureOut">
               <a:rPr lang="en-US" smtClean="0"/>
-              <a:t>12/1/2018</a:t>
+              <a:t>3/14/2019</a:t>
             </a:fld>
             <a:endParaRPr lang="en-US"/>
           </a:p>
@@ -1698,7 +1698,7 @@
           <a:p>
             <a:fld id="{78C97017-6FC3-485B-9764-EAC9E56C1D49}" type="datetimeFigureOut">
               <a:rPr lang="en-US" smtClean="0"/>
-              <a:t>12/1/2018</a:t>
+              <a:t>3/14/2019</a:t>
             </a:fld>
             <a:endParaRPr lang="en-US"/>
           </a:p>
@@ -2117,7 +2117,7 @@
           <a:p>
             <a:fld id="{78C97017-6FC3-485B-9764-EAC9E56C1D49}" type="datetimeFigureOut">
               <a:rPr lang="en-US" smtClean="0"/>
-              <a:t>12/1/2018</a:t>
+              <a:t>3/14/2019</a:t>
             </a:fld>
             <a:endParaRPr lang="en-US"/>
           </a:p>
@@ -2234,7 +2234,7 @@
           <a:p>
             <a:fld id="{78C97017-6FC3-485B-9764-EAC9E56C1D49}" type="datetimeFigureOut">
               <a:rPr lang="en-US" smtClean="0"/>
-              <a:t>12/1/2018</a:t>
+              <a:t>3/14/2019</a:t>
             </a:fld>
             <a:endParaRPr lang="en-US"/>
           </a:p>
@@ -2329,7 +2329,7 @@
           <a:p>
             <a:fld id="{78C97017-6FC3-485B-9764-EAC9E56C1D49}" type="datetimeFigureOut">
               <a:rPr lang="en-US" smtClean="0"/>
-              <a:t>12/1/2018</a:t>
+              <a:t>3/14/2019</a:t>
             </a:fld>
             <a:endParaRPr lang="en-US"/>
           </a:p>
@@ -2604,7 +2604,7 @@
           <a:p>
             <a:fld id="{78C97017-6FC3-485B-9764-EAC9E56C1D49}" type="datetimeFigureOut">
               <a:rPr lang="en-US" smtClean="0"/>
-              <a:t>12/1/2018</a:t>
+              <a:t>3/14/2019</a:t>
             </a:fld>
             <a:endParaRPr lang="en-US"/>
           </a:p>
@@ -2856,7 +2856,7 @@
           <a:p>
             <a:fld id="{78C97017-6FC3-485B-9764-EAC9E56C1D49}" type="datetimeFigureOut">
               <a:rPr lang="en-US" smtClean="0"/>
-              <a:t>12/1/2018</a:t>
+              <a:t>3/14/2019</a:t>
             </a:fld>
             <a:endParaRPr lang="en-US"/>
           </a:p>
@@ -3067,7 +3067,7 @@
           <a:p>
             <a:fld id="{78C97017-6FC3-485B-9764-EAC9E56C1D49}" type="datetimeFigureOut">
               <a:rPr lang="en-US" smtClean="0"/>
-              <a:t>12/1/2018</a:t>
+              <a:t>3/14/2019</a:t>
             </a:fld>
             <a:endParaRPr lang="en-US"/>
           </a:p>
@@ -3450,8 +3450,8 @@
         </p:nvSpPr>
         <p:spPr>
           <a:xfrm>
-            <a:off x="1119865" y="2086382"/>
-            <a:ext cx="7871735" cy="1723618"/>
+            <a:off x="1066800" y="2015519"/>
+            <a:ext cx="7871735" cy="2260854"/>
           </a:xfrm>
           <a:prstGeom prst="roundRect">
             <a:avLst>
@@ -3575,7 +3575,7 @@
                   <a:schemeClr val="bg1"/>
                 </a:solidFill>
               </a:rPr>
-              <a:t>AddressBookStorage</a:t>
+              <a:t>InventoryStorage</a:t>
             </a:r>
             <a:endParaRPr lang="en-SG" sz="1050" dirty="0">
               <a:solidFill>
@@ -3800,49 +3800,6 @@
                 <a:lumMod val="75000"/>
               </a:schemeClr>
             </a:solidFill>
-            <a:headEnd type="none" w="med" len="med"/>
-            <a:tailEnd type="arrow" w="med" len="med"/>
-          </a:ln>
-          <a:effectLst/>
-        </p:spPr>
-        <p:style>
-          <a:lnRef idx="1">
-            <a:schemeClr val="accent2"/>
-          </a:lnRef>
-          <a:fillRef idx="2">
-            <a:schemeClr val="accent2"/>
-          </a:fillRef>
-          <a:effectRef idx="1">
-            <a:schemeClr val="accent2"/>
-          </a:effectRef>
-          <a:fontRef idx="minor">
-            <a:schemeClr val="dk1"/>
-          </a:fontRef>
-        </p:style>
-      </p:cxnSp>
-      <p:cxnSp>
-        <p:nvCxnSpPr>
-          <p:cNvPr id="75" name="Elbow Connector 122"/>
-          <p:cNvCxnSpPr/>
-          <p:nvPr/>
-        </p:nvCxnSpPr>
-        <p:spPr>
-          <a:xfrm>
-            <a:off x="910091" y="3040053"/>
-            <a:ext cx="419548" cy="2860"/>
-          </a:xfrm>
-          <a:prstGeom prst="bentConnector3">
-            <a:avLst>
-              <a:gd name="adj1" fmla="val 50000"/>
-            </a:avLst>
-          </a:prstGeom>
-          <a:ln w="19050">
-            <a:solidFill>
-              <a:schemeClr val="bg1">
-                <a:lumMod val="75000"/>
-              </a:schemeClr>
-            </a:solidFill>
-            <a:prstDash val="sysDot"/>
             <a:headEnd type="none" w="med" len="med"/>
             <a:tailEnd type="arrow" w="med" len="med"/>
           </a:ln>
@@ -4148,17 +4105,18 @@
                   </a:schemeClr>
                 </a:solidFill>
               </a:rPr>
-              <a:t>JsonAddressBook</a:t>
-            </a:r>
-            <a:br>
-              <a:rPr lang="en-US" sz="1050" b="1" dirty="0">
-                <a:solidFill>
-                  <a:schemeClr val="accent6">
-                    <a:lumMod val="75000"/>
-                  </a:schemeClr>
-                </a:solidFill>
-              </a:rPr>
-            </a:br>
+              <a:t>JsonInventory</a:t>
+            </a:r>
+            <a:endParaRPr lang="en-US" sz="1050" b="1" dirty="0">
+              <a:solidFill>
+                <a:schemeClr val="accent6">
+                  <a:lumMod val="75000"/>
+                </a:schemeClr>
+              </a:solidFill>
+            </a:endParaRPr>
+          </a:p>
+          <a:p>
+            <a:pPr algn="ctr"/>
             <a:r>
               <a:rPr lang="en-US" sz="1050" b="1" dirty="0">
                 <a:solidFill>
@@ -4586,14 +4544,14 @@
               </a:rPr>
             </a:br>
             <a:r>
-              <a:rPr lang="en-US" sz="1050" b="1" dirty="0" err="1">
+              <a:rPr lang="en-US" sz="1050" b="1" dirty="0">
                 <a:solidFill>
                   <a:schemeClr val="accent6">
                     <a:lumMod val="75000"/>
                   </a:schemeClr>
                 </a:solidFill>
               </a:rPr>
-              <a:t>AddressBook</a:t>
+              <a:t>Inventory</a:t>
             </a:r>
             <a:endParaRPr lang="en-SG" sz="1050" b="1" dirty="0">
               <a:solidFill>
@@ -4647,118 +4605,6 @@
           </a:fontRef>
         </p:style>
       </p:cxnSp>
-      <p:sp>
-        <p:nvSpPr>
-          <p:cNvPr id="73" name="Rectangle 8"/>
-          <p:cNvSpPr/>
-          <p:nvPr/>
-        </p:nvSpPr>
-        <p:spPr>
-          <a:xfrm>
-            <a:off x="7615736" y="2477656"/>
-            <a:ext cx="1259719" cy="346760"/>
-          </a:xfrm>
-          <a:prstGeom prst="rect">
-            <a:avLst/>
-          </a:prstGeom>
-          <a:ln w="19050"/>
-          <a:effectLst/>
-        </p:spPr>
-        <p:style>
-          <a:lnRef idx="1">
-            <a:schemeClr val="accent6"/>
-          </a:lnRef>
-          <a:fillRef idx="2">
-            <a:schemeClr val="accent6"/>
-          </a:fillRef>
-          <a:effectRef idx="1">
-            <a:schemeClr val="accent6"/>
-          </a:effectRef>
-          <a:fontRef idx="minor">
-            <a:schemeClr val="dk1"/>
-          </a:fontRef>
-        </p:style>
-        <p:txBody>
-          <a:bodyPr rtlCol="0" anchor="ctr"/>
-          <a:lstStyle/>
-          <a:p>
-            <a:pPr algn="ctr"/>
-            <a:r>
-              <a:rPr lang="en-US" sz="1050" b="1" dirty="0" err="1">
-                <a:solidFill>
-                  <a:schemeClr val="accent6">
-                    <a:lumMod val="75000"/>
-                  </a:schemeClr>
-                </a:solidFill>
-              </a:rPr>
-              <a:t>JsonAdaptedTag</a:t>
-            </a:r>
-            <a:endParaRPr lang="en-SG" sz="1050" b="1" dirty="0">
-              <a:solidFill>
-                <a:schemeClr val="accent6">
-                  <a:lumMod val="75000"/>
-                </a:schemeClr>
-              </a:solidFill>
-            </a:endParaRPr>
-          </a:p>
-        </p:txBody>
-      </p:sp>
-      <p:sp>
-        <p:nvSpPr>
-          <p:cNvPr id="74" name="Rectangle 8"/>
-          <p:cNvSpPr/>
-          <p:nvPr/>
-        </p:nvSpPr>
-        <p:spPr>
-          <a:xfrm>
-            <a:off x="7615738" y="3159624"/>
-            <a:ext cx="1259718" cy="346760"/>
-          </a:xfrm>
-          <a:prstGeom prst="rect">
-            <a:avLst/>
-          </a:prstGeom>
-          <a:ln w="19050"/>
-          <a:effectLst/>
-        </p:spPr>
-        <p:style>
-          <a:lnRef idx="1">
-            <a:schemeClr val="accent6"/>
-          </a:lnRef>
-          <a:fillRef idx="2">
-            <a:schemeClr val="accent6"/>
-          </a:fillRef>
-          <a:effectRef idx="1">
-            <a:schemeClr val="accent6"/>
-          </a:effectRef>
-          <a:fontRef idx="minor">
-            <a:schemeClr val="dk1"/>
-          </a:fontRef>
-        </p:style>
-        <p:txBody>
-          <a:bodyPr rtlCol="0" anchor="ctr"/>
-          <a:lstStyle/>
-          <a:p>
-            <a:pPr algn="ctr"/>
-            <a:r>
-              <a:rPr lang="en-US" sz="1030" b="1" dirty="0" err="1">
-                <a:solidFill>
-                  <a:schemeClr val="accent6">
-                    <a:lumMod val="75000"/>
-                  </a:schemeClr>
-                </a:solidFill>
-              </a:rPr>
-              <a:t>JsonAdaptedPerson</a:t>
-            </a:r>
-            <a:endParaRPr lang="en-SG" sz="1030" b="1" dirty="0">
-              <a:solidFill>
-                <a:schemeClr val="accent6">
-                  <a:lumMod val="75000"/>
-                </a:schemeClr>
-              </a:solidFill>
-            </a:endParaRPr>
-          </a:p>
-        </p:txBody>
-      </p:sp>
       <p:cxnSp>
         <p:nvCxnSpPr>
           <p:cNvPr id="77" name="Elbow Connector 122"/>
@@ -4800,6 +4646,330 @@
           </a:fontRef>
         </p:style>
       </p:cxnSp>
+      <p:cxnSp>
+        <p:nvCxnSpPr>
+          <p:cNvPr id="34" name="Elbow Connector 122">
+            <a:extLst>
+              <a:ext uri="{FF2B5EF4-FFF2-40B4-BE49-F238E27FC236}">
+                <a16:creationId xmlns:a16="http://schemas.microsoft.com/office/drawing/2014/main" id="{1CEB560A-D148-4091-87D2-1EDBC50156AB}"/>
+              </a:ext>
+            </a:extLst>
+          </p:cNvPr>
+          <p:cNvCxnSpPr>
+            <a:cxnSpLocks/>
+            <a:endCxn id="41" idx="0"/>
+          </p:cNvCxnSpPr>
+          <p:nvPr/>
+        </p:nvCxnSpPr>
+        <p:spPr>
+          <a:xfrm rot="16200000" flipH="1">
+            <a:off x="8074010" y="3649974"/>
+            <a:ext cx="328158" cy="5081"/>
+          </a:xfrm>
+          <a:prstGeom prst="bentConnector3">
+            <a:avLst>
+              <a:gd name="adj1" fmla="val 50000"/>
+            </a:avLst>
+          </a:prstGeom>
+          <a:ln w="19050">
+            <a:prstDash val="sysDot"/>
+            <a:headEnd type="none" w="med" len="med"/>
+            <a:tailEnd type="arrow" w="med" len="med"/>
+          </a:ln>
+          <a:effectLst/>
+        </p:spPr>
+        <p:style>
+          <a:lnRef idx="1">
+            <a:schemeClr val="accent6"/>
+          </a:lnRef>
+          <a:fillRef idx="2">
+            <a:schemeClr val="accent6"/>
+          </a:fillRef>
+          <a:effectRef idx="1">
+            <a:schemeClr val="accent6"/>
+          </a:effectRef>
+          <a:fontRef idx="minor">
+            <a:schemeClr val="dk1"/>
+          </a:fontRef>
+        </p:style>
+      </p:cxnSp>
+      <p:cxnSp>
+        <p:nvCxnSpPr>
+          <p:cNvPr id="75" name="Elbow Connector 122"/>
+          <p:cNvCxnSpPr/>
+          <p:nvPr/>
+        </p:nvCxnSpPr>
+        <p:spPr>
+          <a:xfrm>
+            <a:off x="910091" y="3040053"/>
+            <a:ext cx="419548" cy="2860"/>
+          </a:xfrm>
+          <a:prstGeom prst="bentConnector3">
+            <a:avLst>
+              <a:gd name="adj1" fmla="val 50000"/>
+            </a:avLst>
+          </a:prstGeom>
+          <a:ln w="19050">
+            <a:solidFill>
+              <a:schemeClr val="bg1">
+                <a:lumMod val="75000"/>
+              </a:schemeClr>
+            </a:solidFill>
+            <a:prstDash val="sysDot"/>
+            <a:headEnd type="none" w="med" len="med"/>
+            <a:tailEnd type="arrow" w="med" len="med"/>
+          </a:ln>
+          <a:effectLst/>
+        </p:spPr>
+        <p:style>
+          <a:lnRef idx="1">
+            <a:schemeClr val="accent2"/>
+          </a:lnRef>
+          <a:fillRef idx="2">
+            <a:schemeClr val="accent2"/>
+          </a:fillRef>
+          <a:effectRef idx="1">
+            <a:schemeClr val="accent2"/>
+          </a:effectRef>
+          <a:fontRef idx="minor">
+            <a:schemeClr val="dk1"/>
+          </a:fontRef>
+        </p:style>
+      </p:cxnSp>
+      <p:sp>
+        <p:nvSpPr>
+          <p:cNvPr id="73" name="Rectangle 8"/>
+          <p:cNvSpPr/>
+          <p:nvPr/>
+        </p:nvSpPr>
+        <p:spPr>
+          <a:xfrm>
+            <a:off x="7615736" y="2477656"/>
+            <a:ext cx="1259719" cy="346760"/>
+          </a:xfrm>
+          <a:prstGeom prst="rect">
+            <a:avLst/>
+          </a:prstGeom>
+          <a:ln w="19050"/>
+          <a:effectLst/>
+        </p:spPr>
+        <p:style>
+          <a:lnRef idx="1">
+            <a:schemeClr val="accent6"/>
+          </a:lnRef>
+          <a:fillRef idx="2">
+            <a:schemeClr val="accent6"/>
+          </a:fillRef>
+          <a:effectRef idx="1">
+            <a:schemeClr val="accent6"/>
+          </a:effectRef>
+          <a:fontRef idx="minor">
+            <a:schemeClr val="dk1"/>
+          </a:fontRef>
+        </p:style>
+        <p:txBody>
+          <a:bodyPr rtlCol="0" anchor="ctr"/>
+          <a:lstStyle/>
+          <a:p>
+            <a:pPr algn="ctr"/>
+            <a:r>
+              <a:rPr lang="en-US" sz="1050" b="1" dirty="0" err="1">
+                <a:solidFill>
+                  <a:schemeClr val="accent6">
+                    <a:lumMod val="75000"/>
+                  </a:schemeClr>
+                </a:solidFill>
+              </a:rPr>
+              <a:t>JsonAdapted</a:t>
+            </a:r>
+            <a:endParaRPr lang="en-US" sz="1050" b="1" dirty="0">
+              <a:solidFill>
+                <a:schemeClr val="accent6">
+                  <a:lumMod val="75000"/>
+                </a:schemeClr>
+              </a:solidFill>
+            </a:endParaRPr>
+          </a:p>
+          <a:p>
+            <a:pPr algn="ctr"/>
+            <a:r>
+              <a:rPr lang="en-US" sz="1050" b="1" dirty="0">
+                <a:solidFill>
+                  <a:schemeClr val="accent6">
+                    <a:lumMod val="75000"/>
+                  </a:schemeClr>
+                </a:solidFill>
+              </a:rPr>
+              <a:t>Tag</a:t>
+            </a:r>
+            <a:endParaRPr lang="en-SG" sz="1050" b="1" dirty="0">
+              <a:solidFill>
+                <a:schemeClr val="accent6">
+                  <a:lumMod val="75000"/>
+                </a:schemeClr>
+              </a:solidFill>
+            </a:endParaRPr>
+          </a:p>
+        </p:txBody>
+      </p:sp>
+      <p:sp>
+        <p:nvSpPr>
+          <p:cNvPr id="74" name="Rectangle 8"/>
+          <p:cNvSpPr/>
+          <p:nvPr/>
+        </p:nvSpPr>
+        <p:spPr>
+          <a:xfrm>
+            <a:off x="7615738" y="3159624"/>
+            <a:ext cx="1259718" cy="346760"/>
+          </a:xfrm>
+          <a:prstGeom prst="rect">
+            <a:avLst/>
+          </a:prstGeom>
+          <a:ln w="19050"/>
+          <a:effectLst/>
+        </p:spPr>
+        <p:style>
+          <a:lnRef idx="1">
+            <a:schemeClr val="accent6"/>
+          </a:lnRef>
+          <a:fillRef idx="2">
+            <a:schemeClr val="accent6"/>
+          </a:fillRef>
+          <a:effectRef idx="1">
+            <a:schemeClr val="accent6"/>
+          </a:effectRef>
+          <a:fontRef idx="minor">
+            <a:schemeClr val="dk1"/>
+          </a:fontRef>
+        </p:style>
+        <p:txBody>
+          <a:bodyPr rtlCol="0" anchor="ctr"/>
+          <a:lstStyle/>
+          <a:p>
+            <a:pPr algn="ctr"/>
+            <a:r>
+              <a:rPr lang="en-US" sz="1030" b="1" dirty="0" err="1">
+                <a:solidFill>
+                  <a:schemeClr val="accent6">
+                    <a:lumMod val="75000"/>
+                  </a:schemeClr>
+                </a:solidFill>
+              </a:rPr>
+              <a:t>JsonAdapted</a:t>
+            </a:r>
+            <a:endParaRPr lang="en-US" sz="1030" b="1" dirty="0">
+              <a:solidFill>
+                <a:schemeClr val="accent6">
+                  <a:lumMod val="75000"/>
+                </a:schemeClr>
+              </a:solidFill>
+            </a:endParaRPr>
+          </a:p>
+          <a:p>
+            <a:pPr algn="ctr"/>
+            <a:r>
+              <a:rPr lang="en-US" sz="1030" b="1" dirty="0">
+                <a:solidFill>
+                  <a:schemeClr val="accent6">
+                    <a:lumMod val="75000"/>
+                  </a:schemeClr>
+                </a:solidFill>
+              </a:rPr>
+              <a:t>Medicine</a:t>
+            </a:r>
+            <a:endParaRPr lang="en-SG" sz="1030" b="1" dirty="0">
+              <a:solidFill>
+                <a:schemeClr val="accent6">
+                  <a:lumMod val="75000"/>
+                </a:schemeClr>
+              </a:solidFill>
+            </a:endParaRPr>
+          </a:p>
+        </p:txBody>
+      </p:sp>
+      <p:sp>
+        <p:nvSpPr>
+          <p:cNvPr id="41" name="Rectangle 8">
+            <a:extLst>
+              <a:ext uri="{FF2B5EF4-FFF2-40B4-BE49-F238E27FC236}">
+                <a16:creationId xmlns:a16="http://schemas.microsoft.com/office/drawing/2014/main" id="{7B11CF5B-D708-4D72-A4D5-4CD46619496F}"/>
+              </a:ext>
+            </a:extLst>
+          </p:cNvPr>
+          <p:cNvSpPr/>
+          <p:nvPr/>
+        </p:nvSpPr>
+        <p:spPr>
+          <a:xfrm>
+            <a:off x="7610771" y="3816594"/>
+            <a:ext cx="1259718" cy="346760"/>
+          </a:xfrm>
+          <a:prstGeom prst="rect">
+            <a:avLst/>
+          </a:prstGeom>
+          <a:ln w="19050"/>
+          <a:effectLst/>
+        </p:spPr>
+        <p:style>
+          <a:lnRef idx="1">
+            <a:schemeClr val="accent6"/>
+          </a:lnRef>
+          <a:fillRef idx="2">
+            <a:schemeClr val="accent6"/>
+          </a:fillRef>
+          <a:effectRef idx="1">
+            <a:schemeClr val="accent6"/>
+          </a:effectRef>
+          <a:fontRef idx="minor">
+            <a:schemeClr val="dk1"/>
+          </a:fontRef>
+        </p:style>
+        <p:txBody>
+          <a:bodyPr rtlCol="0" anchor="ctr"/>
+          <a:lstStyle/>
+          <a:p>
+            <a:pPr algn="ctr"/>
+            <a:r>
+              <a:rPr lang="en-US" sz="1030" b="1" dirty="0" err="1">
+                <a:solidFill>
+                  <a:schemeClr val="accent6">
+                    <a:lumMod val="75000"/>
+                  </a:schemeClr>
+                </a:solidFill>
+              </a:rPr>
+              <a:t>JsonAdapted</a:t>
+            </a:r>
+            <a:endParaRPr lang="en-US" sz="1030" b="1" dirty="0">
+              <a:solidFill>
+                <a:schemeClr val="accent6">
+                  <a:lumMod val="75000"/>
+                </a:schemeClr>
+              </a:solidFill>
+            </a:endParaRPr>
+          </a:p>
+          <a:p>
+            <a:pPr algn="ctr"/>
+            <a:r>
+              <a:rPr lang="en-US" sz="1030" b="1" dirty="0">
+                <a:solidFill>
+                  <a:schemeClr val="accent6">
+                    <a:lumMod val="75000"/>
+                  </a:schemeClr>
+                </a:solidFill>
+              </a:rPr>
+              <a:t>Batch</a:t>
+            </a:r>
+            <a:endParaRPr lang="en-SG" sz="1030" b="1" dirty="0">
+              <a:solidFill>
+                <a:schemeClr val="accent6">
+                  <a:lumMod val="75000"/>
+                </a:schemeClr>
+              </a:solidFill>
+            </a:endParaRPr>
+          </a:p>
+        </p:txBody>
+      </p:sp>
     </p:spTree>
     <p:extLst>
       <p:ext uri="{BB962C8B-B14F-4D97-AF65-F5344CB8AC3E}">

--- a/docs/diagrams/StorageComponentClassDiagram.pptx
+++ b/docs/diagrams/StorageComponentClassDiagram.pptx
@@ -208,7 +208,7 @@
           <a:p>
             <a:fld id="{F5CC4B3F-88C1-4FFA-B1B6-F41C21DC6924}" type="datetimeFigureOut">
               <a:rPr lang="en-US" smtClean="0"/>
-              <a:t>12/1/2018</a:t>
+              <a:t>3/18/19</a:t>
             </a:fld>
             <a:endParaRPr lang="en-US"/>
           </a:p>
@@ -654,7 +654,7 @@
           <a:p>
             <a:fld id="{78C97017-6FC3-485B-9764-EAC9E56C1D49}" type="datetimeFigureOut">
               <a:rPr lang="en-US" smtClean="0"/>
-              <a:t>12/1/2018</a:t>
+              <a:t>3/18/19</a:t>
             </a:fld>
             <a:endParaRPr lang="en-US"/>
           </a:p>
@@ -822,7 +822,7 @@
           <a:p>
             <a:fld id="{78C97017-6FC3-485B-9764-EAC9E56C1D49}" type="datetimeFigureOut">
               <a:rPr lang="en-US" smtClean="0"/>
-              <a:t>12/1/2018</a:t>
+              <a:t>3/18/19</a:t>
             </a:fld>
             <a:endParaRPr lang="en-US"/>
           </a:p>
@@ -1000,7 +1000,7 @@
           <a:p>
             <a:fld id="{78C97017-6FC3-485B-9764-EAC9E56C1D49}" type="datetimeFigureOut">
               <a:rPr lang="en-US" smtClean="0"/>
-              <a:t>12/1/2018</a:t>
+              <a:t>3/18/19</a:t>
             </a:fld>
             <a:endParaRPr lang="en-US"/>
           </a:p>
@@ -1168,7 +1168,7 @@
           <a:p>
             <a:fld id="{78C97017-6FC3-485B-9764-EAC9E56C1D49}" type="datetimeFigureOut">
               <a:rPr lang="en-US" smtClean="0"/>
-              <a:t>12/1/2018</a:t>
+              <a:t>3/18/19</a:t>
             </a:fld>
             <a:endParaRPr lang="en-US"/>
           </a:p>
@@ -1413,7 +1413,7 @@
           <a:p>
             <a:fld id="{78C97017-6FC3-485B-9764-EAC9E56C1D49}" type="datetimeFigureOut">
               <a:rPr lang="en-US" smtClean="0"/>
-              <a:t>12/1/2018</a:t>
+              <a:t>3/18/19</a:t>
             </a:fld>
             <a:endParaRPr lang="en-US"/>
           </a:p>
@@ -1698,7 +1698,7 @@
           <a:p>
             <a:fld id="{78C97017-6FC3-485B-9764-EAC9E56C1D49}" type="datetimeFigureOut">
               <a:rPr lang="en-US" smtClean="0"/>
-              <a:t>12/1/2018</a:t>
+              <a:t>3/18/19</a:t>
             </a:fld>
             <a:endParaRPr lang="en-US"/>
           </a:p>
@@ -2117,7 +2117,7 @@
           <a:p>
             <a:fld id="{78C97017-6FC3-485B-9764-EAC9E56C1D49}" type="datetimeFigureOut">
               <a:rPr lang="en-US" smtClean="0"/>
-              <a:t>12/1/2018</a:t>
+              <a:t>3/18/19</a:t>
             </a:fld>
             <a:endParaRPr lang="en-US"/>
           </a:p>
@@ -2234,7 +2234,7 @@
           <a:p>
             <a:fld id="{78C97017-6FC3-485B-9764-EAC9E56C1D49}" type="datetimeFigureOut">
               <a:rPr lang="en-US" smtClean="0"/>
-              <a:t>12/1/2018</a:t>
+              <a:t>3/18/19</a:t>
             </a:fld>
             <a:endParaRPr lang="en-US"/>
           </a:p>
@@ -2329,7 +2329,7 @@
           <a:p>
             <a:fld id="{78C97017-6FC3-485B-9764-EAC9E56C1D49}" type="datetimeFigureOut">
               <a:rPr lang="en-US" smtClean="0"/>
-              <a:t>12/1/2018</a:t>
+              <a:t>3/18/19</a:t>
             </a:fld>
             <a:endParaRPr lang="en-US"/>
           </a:p>
@@ -2604,7 +2604,7 @@
           <a:p>
             <a:fld id="{78C97017-6FC3-485B-9764-EAC9E56C1D49}" type="datetimeFigureOut">
               <a:rPr lang="en-US" smtClean="0"/>
-              <a:t>12/1/2018</a:t>
+              <a:t>3/18/19</a:t>
             </a:fld>
             <a:endParaRPr lang="en-US"/>
           </a:p>
@@ -2856,7 +2856,7 @@
           <a:p>
             <a:fld id="{78C97017-6FC3-485B-9764-EAC9E56C1D49}" type="datetimeFigureOut">
               <a:rPr lang="en-US" smtClean="0"/>
-              <a:t>12/1/2018</a:t>
+              <a:t>3/18/19</a:t>
             </a:fld>
             <a:endParaRPr lang="en-US"/>
           </a:p>
@@ -3067,7 +3067,7 @@
           <a:p>
             <a:fld id="{78C97017-6FC3-485B-9764-EAC9E56C1D49}" type="datetimeFigureOut">
               <a:rPr lang="en-US" smtClean="0"/>
-              <a:t>12/1/2018</a:t>
+              <a:t>3/18/19</a:t>
             </a:fld>
             <a:endParaRPr lang="en-US"/>
           </a:p>
@@ -3575,7 +3575,7 @@
                   <a:schemeClr val="bg1"/>
                 </a:solidFill>
               </a:rPr>
-              <a:t>AddressBookStorage</a:t>
+              <a:t>PdfBookStorage</a:t>
             </a:r>
             <a:endParaRPr lang="en-SG" sz="1050" dirty="0">
               <a:solidFill>
@@ -4148,7 +4148,7 @@
                   </a:schemeClr>
                 </a:solidFill>
               </a:rPr>
-              <a:t>JsonAddressBook</a:t>
+              <a:t>JsonPdfBook</a:t>
             </a:r>
             <a:br>
               <a:rPr lang="en-US" sz="1050" b="1" dirty="0">
@@ -4593,7 +4593,7 @@
                   </a:schemeClr>
                 </a:solidFill>
               </a:rPr>
-              <a:t>AddressBook</a:t>
+              <a:t>PdfBook</a:t>
             </a:r>
             <a:endParaRPr lang="en-SG" sz="1050" b="1" dirty="0">
               <a:solidFill>
@@ -4747,7 +4747,7 @@
                   </a:schemeClr>
                 </a:solidFill>
               </a:rPr>
-              <a:t>JsonAdaptedPerson</a:t>
+              <a:t>JsonAdaptedPdf</a:t>
             </a:r>
             <a:endParaRPr lang="en-SG" sz="1030" b="1" dirty="0">
               <a:solidFill>

--- a/docs/diagrams/StorageComponentClassDiagram.pptx
+++ b/docs/diagrams/StorageComponentClassDiagram.pptx
@@ -208,7 +208,7 @@
           <a:p>
             <a:fld id="{F5CC4B3F-88C1-4FFA-B1B6-F41C21DC6924}" type="datetimeFigureOut">
               <a:rPr lang="en-US" smtClean="0"/>
-              <a:t>12/1/2018</a:t>
+              <a:t>3/19/19</a:t>
             </a:fld>
             <a:endParaRPr lang="en-US"/>
           </a:p>
@@ -654,7 +654,7 @@
           <a:p>
             <a:fld id="{78C97017-6FC3-485B-9764-EAC9E56C1D49}" type="datetimeFigureOut">
               <a:rPr lang="en-US" smtClean="0"/>
-              <a:t>12/1/2018</a:t>
+              <a:t>3/19/19</a:t>
             </a:fld>
             <a:endParaRPr lang="en-US"/>
           </a:p>
@@ -822,7 +822,7 @@
           <a:p>
             <a:fld id="{78C97017-6FC3-485B-9764-EAC9E56C1D49}" type="datetimeFigureOut">
               <a:rPr lang="en-US" smtClean="0"/>
-              <a:t>12/1/2018</a:t>
+              <a:t>3/19/19</a:t>
             </a:fld>
             <a:endParaRPr lang="en-US"/>
           </a:p>
@@ -1000,7 +1000,7 @@
           <a:p>
             <a:fld id="{78C97017-6FC3-485B-9764-EAC9E56C1D49}" type="datetimeFigureOut">
               <a:rPr lang="en-US" smtClean="0"/>
-              <a:t>12/1/2018</a:t>
+              <a:t>3/19/19</a:t>
             </a:fld>
             <a:endParaRPr lang="en-US"/>
           </a:p>
@@ -1168,7 +1168,7 @@
           <a:p>
             <a:fld id="{78C97017-6FC3-485B-9764-EAC9E56C1D49}" type="datetimeFigureOut">
               <a:rPr lang="en-US" smtClean="0"/>
-              <a:t>12/1/2018</a:t>
+              <a:t>3/19/19</a:t>
             </a:fld>
             <a:endParaRPr lang="en-US"/>
           </a:p>
@@ -1413,7 +1413,7 @@
           <a:p>
             <a:fld id="{78C97017-6FC3-485B-9764-EAC9E56C1D49}" type="datetimeFigureOut">
               <a:rPr lang="en-US" smtClean="0"/>
-              <a:t>12/1/2018</a:t>
+              <a:t>3/19/19</a:t>
             </a:fld>
             <a:endParaRPr lang="en-US"/>
           </a:p>
@@ -1698,7 +1698,7 @@
           <a:p>
             <a:fld id="{78C97017-6FC3-485B-9764-EAC9E56C1D49}" type="datetimeFigureOut">
               <a:rPr lang="en-US" smtClean="0"/>
-              <a:t>12/1/2018</a:t>
+              <a:t>3/19/19</a:t>
             </a:fld>
             <a:endParaRPr lang="en-US"/>
           </a:p>
@@ -2117,7 +2117,7 @@
           <a:p>
             <a:fld id="{78C97017-6FC3-485B-9764-EAC9E56C1D49}" type="datetimeFigureOut">
               <a:rPr lang="en-US" smtClean="0"/>
-              <a:t>12/1/2018</a:t>
+              <a:t>3/19/19</a:t>
             </a:fld>
             <a:endParaRPr lang="en-US"/>
           </a:p>
@@ -2234,7 +2234,7 @@
           <a:p>
             <a:fld id="{78C97017-6FC3-485B-9764-EAC9E56C1D49}" type="datetimeFigureOut">
               <a:rPr lang="en-US" smtClean="0"/>
-              <a:t>12/1/2018</a:t>
+              <a:t>3/19/19</a:t>
             </a:fld>
             <a:endParaRPr lang="en-US"/>
           </a:p>
@@ -2329,7 +2329,7 @@
           <a:p>
             <a:fld id="{78C97017-6FC3-485B-9764-EAC9E56C1D49}" type="datetimeFigureOut">
               <a:rPr lang="en-US" smtClean="0"/>
-              <a:t>12/1/2018</a:t>
+              <a:t>3/19/19</a:t>
             </a:fld>
             <a:endParaRPr lang="en-US"/>
           </a:p>
@@ -2604,7 +2604,7 @@
           <a:p>
             <a:fld id="{78C97017-6FC3-485B-9764-EAC9E56C1D49}" type="datetimeFigureOut">
               <a:rPr lang="en-US" smtClean="0"/>
-              <a:t>12/1/2018</a:t>
+              <a:t>3/19/19</a:t>
             </a:fld>
             <a:endParaRPr lang="en-US"/>
           </a:p>
@@ -2856,7 +2856,7 @@
           <a:p>
             <a:fld id="{78C97017-6FC3-485B-9764-EAC9E56C1D49}" type="datetimeFigureOut">
               <a:rPr lang="en-US" smtClean="0"/>
-              <a:t>12/1/2018</a:t>
+              <a:t>3/19/19</a:t>
             </a:fld>
             <a:endParaRPr lang="en-US"/>
           </a:p>
@@ -3067,7 +3067,7 @@
           <a:p>
             <a:fld id="{78C97017-6FC3-485B-9764-EAC9E56C1D49}" type="datetimeFigureOut">
               <a:rPr lang="en-US" smtClean="0"/>
-              <a:t>12/1/2018</a:t>
+              <a:t>3/19/19</a:t>
             </a:fld>
             <a:endParaRPr lang="en-US"/>
           </a:p>
@@ -3450,8 +3450,8 @@
         </p:nvSpPr>
         <p:spPr>
           <a:xfrm>
-            <a:off x="1119865" y="2086382"/>
-            <a:ext cx="7871735" cy="1723618"/>
+            <a:off x="743174" y="2086382"/>
+            <a:ext cx="8024135" cy="1723618"/>
           </a:xfrm>
           <a:prstGeom prst="roundRect">
             <a:avLst>
@@ -3515,7 +3515,7 @@
         </p:nvSpPr>
         <p:spPr>
           <a:xfrm>
-            <a:off x="2877180" y="3158440"/>
+            <a:off x="2500489" y="3158440"/>
             <a:ext cx="1323049" cy="346760"/>
           </a:xfrm>
           <a:prstGeom prst="rect">
@@ -3575,7 +3575,7 @@
                   <a:schemeClr val="bg1"/>
                 </a:solidFill>
               </a:rPr>
-              <a:t>AddressBookStorage</a:t>
+              <a:t>FoodDIaryStorage</a:t>
             </a:r>
             <a:endParaRPr lang="en-SG" sz="1050" dirty="0">
               <a:solidFill>
@@ -3593,7 +3593,7 @@
         </p:nvSpPr>
         <p:spPr>
           <a:xfrm rot="16200000">
-            <a:off x="1683963" y="2868687"/>
+            <a:off x="1307272" y="2868687"/>
             <a:ext cx="1093635" cy="346760"/>
           </a:xfrm>
           <a:prstGeom prst="rect">
@@ -3656,7 +3656,7 @@
         </p:nvSpPr>
         <p:spPr>
           <a:xfrm rot="16200000">
-            <a:off x="956202" y="2861202"/>
+            <a:off x="579511" y="2861202"/>
             <a:ext cx="1093635" cy="346760"/>
           </a:xfrm>
           <a:prstGeom prst="rect">
@@ -3730,7 +3730,7 @@
         </p:nvSpPr>
         <p:spPr>
           <a:xfrm rot="16200000">
-            <a:off x="1626910" y="2952291"/>
+            <a:off x="1250219" y="2952291"/>
             <a:ext cx="270504" cy="175523"/>
           </a:xfrm>
           <a:prstGeom prst="triangle">
@@ -3788,7 +3788,7 @@
         </p:nvCxnSpPr>
         <p:spPr>
           <a:xfrm>
-            <a:off x="2656370" y="3326536"/>
+            <a:off x="2279679" y="3326536"/>
             <a:ext cx="220810" cy="5284"/>
           </a:xfrm>
           <a:prstGeom prst="straightConnector1">
@@ -3828,7 +3828,7 @@
         </p:nvCxnSpPr>
         <p:spPr>
           <a:xfrm>
-            <a:off x="910091" y="3040053"/>
+            <a:off x="533400" y="3040053"/>
             <a:ext cx="419548" cy="2860"/>
           </a:xfrm>
           <a:prstGeom prst="bentConnector3">
@@ -3873,7 +3873,7 @@
         </p:nvCxnSpPr>
         <p:spPr>
           <a:xfrm flipV="1">
-            <a:off x="1849924" y="3040052"/>
+            <a:off x="1473233" y="3040052"/>
             <a:ext cx="216105" cy="1"/>
           </a:xfrm>
           <a:prstGeom prst="line">
@@ -3914,7 +3914,7 @@
         </p:nvSpPr>
         <p:spPr>
           <a:xfrm>
-            <a:off x="2420322" y="3239846"/>
+            <a:off x="2043631" y="3239846"/>
             <a:ext cx="236048" cy="173380"/>
           </a:xfrm>
           <a:prstGeom prst="flowChartDecision">
@@ -3968,7 +3968,7 @@
         </p:nvCxnSpPr>
         <p:spPr>
           <a:xfrm flipV="1">
-            <a:off x="4398041" y="3331820"/>
+            <a:off x="4021350" y="3331820"/>
             <a:ext cx="223324" cy="1"/>
           </a:xfrm>
           <a:prstGeom prst="bentConnector3">
@@ -4011,7 +4011,7 @@
         </p:nvSpPr>
         <p:spPr>
           <a:xfrm rot="5400000" flipV="1">
-            <a:off x="4175027" y="3244059"/>
+            <a:off x="3798336" y="3244059"/>
             <a:ext cx="270504" cy="175523"/>
           </a:xfrm>
           <a:prstGeom prst="triangle">
@@ -4069,7 +4069,7 @@
         </p:nvCxnSpPr>
         <p:spPr>
           <a:xfrm>
-            <a:off x="5791200" y="3331820"/>
+            <a:off x="5414509" y="3331820"/>
             <a:ext cx="228600" cy="1970"/>
           </a:xfrm>
           <a:prstGeom prst="bentConnector3">
@@ -4112,7 +4112,7 @@
         </p:nvSpPr>
         <p:spPr>
           <a:xfrm>
-            <a:off x="4621365" y="3158440"/>
+            <a:off x="4244674" y="3158440"/>
             <a:ext cx="1169835" cy="346760"/>
           </a:xfrm>
           <a:prstGeom prst="rect">
@@ -4148,7 +4148,7 @@
                   </a:schemeClr>
                 </a:solidFill>
               </a:rPr>
-              <a:t>JsonAddressBook</a:t>
+              <a:t>JsonFoodDiary</a:t>
             </a:r>
             <a:br>
               <a:rPr lang="en-US" sz="1050" b="1" dirty="0">
@@ -4187,7 +4187,7 @@
         </p:nvSpPr>
         <p:spPr>
           <a:xfrm>
-            <a:off x="2873943" y="2558040"/>
+            <a:off x="2497252" y="2558040"/>
             <a:ext cx="1323049" cy="346760"/>
           </a:xfrm>
           <a:prstGeom prst="rect">
@@ -4268,7 +4268,7 @@
         </p:nvCxnSpPr>
         <p:spPr>
           <a:xfrm>
-            <a:off x="2653133" y="2726136"/>
+            <a:off x="2276442" y="2726136"/>
             <a:ext cx="220810" cy="5284"/>
           </a:xfrm>
           <a:prstGeom prst="straightConnector1">
@@ -4308,7 +4308,7 @@
         </p:nvSpPr>
         <p:spPr>
           <a:xfrm>
-            <a:off x="2417085" y="2639446"/>
+            <a:off x="2040394" y="2639446"/>
             <a:ext cx="236048" cy="173380"/>
           </a:xfrm>
           <a:prstGeom prst="flowChartDecision">
@@ -4362,7 +4362,7 @@
         </p:nvCxnSpPr>
         <p:spPr>
           <a:xfrm flipV="1">
-            <a:off x="4394804" y="2731420"/>
+            <a:off x="4018113" y="2731420"/>
             <a:ext cx="223324" cy="1"/>
           </a:xfrm>
           <a:prstGeom prst="bentConnector3">
@@ -4405,7 +4405,7 @@
         </p:nvSpPr>
         <p:spPr>
           <a:xfrm rot="5400000" flipV="1">
-            <a:off x="4171790" y="2643659"/>
+            <a:off x="3795099" y="2643659"/>
             <a:ext cx="270504" cy="175523"/>
           </a:xfrm>
           <a:prstGeom prst="triangle">
@@ -4460,7 +4460,7 @@
         </p:nvSpPr>
         <p:spPr>
           <a:xfrm>
-            <a:off x="4618128" y="2558040"/>
+            <a:off x="4241437" y="2558040"/>
             <a:ext cx="1093635" cy="346760"/>
           </a:xfrm>
           <a:prstGeom prst="rect">
@@ -4538,7 +4538,7 @@
         </p:nvSpPr>
         <p:spPr>
           <a:xfrm>
-            <a:off x="6019800" y="3160410"/>
+            <a:off x="5643109" y="3160410"/>
             <a:ext cx="1200707" cy="346760"/>
           </a:xfrm>
           <a:prstGeom prst="rect">
@@ -4593,7 +4593,7 @@
                   </a:schemeClr>
                 </a:solidFill>
               </a:rPr>
-              <a:t>AddressBook</a:t>
+              <a:t>FoodDiary</a:t>
             </a:r>
             <a:endParaRPr lang="en-SG" sz="1050" b="1" dirty="0">
               <a:solidFill>
@@ -4616,9 +4616,9 @@
           <p:nvPr/>
         </p:nvCxnSpPr>
         <p:spPr>
-          <a:xfrm rot="16200000" flipV="1">
-            <a:off x="8077993" y="2992019"/>
-            <a:ext cx="335208" cy="1"/>
+          <a:xfrm rot="5400000" flipH="1" flipV="1">
+            <a:off x="7778086" y="2922757"/>
+            <a:ext cx="311821" cy="161915"/>
           </a:xfrm>
           <a:prstGeom prst="bentConnector3">
             <a:avLst>
@@ -4655,8 +4655,8 @@
         </p:nvSpPr>
         <p:spPr>
           <a:xfrm>
-            <a:off x="7615736" y="2477656"/>
-            <a:ext cx="1259719" cy="346760"/>
+            <a:off x="7481201" y="2501043"/>
+            <a:ext cx="1067505" cy="346760"/>
           </a:xfrm>
           <a:prstGeom prst="rect">
             <a:avLst/>
@@ -4691,7 +4691,27 @@
                   </a:schemeClr>
                 </a:solidFill>
               </a:rPr>
-              <a:t>JsonAdaptedTag</a:t>
+              <a:t>JsonAdapted</a:t>
+            </a:r>
+            <a:endParaRPr lang="en-US" sz="1050" b="1" dirty="0">
+              <a:solidFill>
+                <a:schemeClr val="accent6">
+                  <a:lumMod val="75000"/>
+                </a:schemeClr>
+              </a:solidFill>
+            </a:endParaRPr>
+          </a:p>
+          <a:p>
+            <a:pPr algn="ctr"/>
+            <a:r>
+              <a:rPr lang="en-US" sz="1050" b="1" dirty="0">
+                <a:solidFill>
+                  <a:schemeClr val="accent6">
+                    <a:lumMod val="75000"/>
+                  </a:schemeClr>
+                </a:solidFill>
+              </a:rPr>
+              <a:t>Review</a:t>
             </a:r>
             <a:endParaRPr lang="en-SG" sz="1050" b="1" dirty="0">
               <a:solidFill>
@@ -4711,8 +4731,8 @@
         </p:nvSpPr>
         <p:spPr>
           <a:xfrm>
-            <a:off x="7615738" y="3159624"/>
-            <a:ext cx="1259718" cy="346760"/>
+            <a:off x="7090909" y="3159624"/>
+            <a:ext cx="1524259" cy="346760"/>
           </a:xfrm>
           <a:prstGeom prst="rect">
             <a:avLst/>
@@ -4747,7 +4767,7 @@
                   </a:schemeClr>
                 </a:solidFill>
               </a:rPr>
-              <a:t>JsonAdaptedPerson</a:t>
+              <a:t>JsonAdaptedRestaurant</a:t>
             </a:r>
             <a:endParaRPr lang="en-SG" sz="1030" b="1" dirty="0">
               <a:solidFill>
@@ -4770,8 +4790,8 @@
         </p:nvCxnSpPr>
         <p:spPr>
           <a:xfrm flipV="1">
-            <a:off x="7220507" y="3333004"/>
-            <a:ext cx="395231" cy="786"/>
+            <a:off x="6843816" y="3333004"/>
+            <a:ext cx="247093" cy="786"/>
           </a:xfrm>
           <a:prstGeom prst="bentConnector3">
             <a:avLst>
@@ -4800,6 +4820,116 @@
           </a:fontRef>
         </p:style>
       </p:cxnSp>
+      <p:cxnSp>
+        <p:nvCxnSpPr>
+          <p:cNvPr id="27" name="Elbow Connector 122">
+            <a:extLst>
+              <a:ext uri="{FF2B5EF4-FFF2-40B4-BE49-F238E27FC236}">
+                <a16:creationId xmlns:a16="http://schemas.microsoft.com/office/drawing/2014/main" id="{699ABD51-975F-DF4C-8941-9C2905EB72AD}"/>
+              </a:ext>
+            </a:extLst>
+          </p:cNvPr>
+          <p:cNvCxnSpPr>
+            <a:cxnSpLocks/>
+            <a:stCxn id="74" idx="0"/>
+            <a:endCxn id="28" idx="2"/>
+          </p:cNvCxnSpPr>
+          <p:nvPr/>
+        </p:nvCxnSpPr>
+        <p:spPr>
+          <a:xfrm rot="16200000" flipV="1">
+            <a:off x="7206034" y="2512619"/>
+            <a:ext cx="316021" cy="977990"/>
+          </a:xfrm>
+          <a:prstGeom prst="bentConnector3">
+            <a:avLst>
+              <a:gd name="adj1" fmla="val 50000"/>
+            </a:avLst>
+          </a:prstGeom>
+          <a:ln w="19050">
+            <a:prstDash val="sysDot"/>
+            <a:headEnd type="none" w="med" len="med"/>
+            <a:tailEnd type="arrow" w="med" len="med"/>
+          </a:ln>
+          <a:effectLst/>
+        </p:spPr>
+        <p:style>
+          <a:lnRef idx="1">
+            <a:schemeClr val="accent6"/>
+          </a:lnRef>
+          <a:fillRef idx="2">
+            <a:schemeClr val="accent6"/>
+          </a:fillRef>
+          <a:effectRef idx="1">
+            <a:schemeClr val="accent6"/>
+          </a:effectRef>
+          <a:fontRef idx="minor">
+            <a:schemeClr val="dk1"/>
+          </a:fontRef>
+        </p:style>
+      </p:cxnSp>
+      <p:sp>
+        <p:nvSpPr>
+          <p:cNvPr id="28" name="Rectangle 8">
+            <a:extLst>
+              <a:ext uri="{FF2B5EF4-FFF2-40B4-BE49-F238E27FC236}">
+                <a16:creationId xmlns:a16="http://schemas.microsoft.com/office/drawing/2014/main" id="{9817674F-277F-8C43-BF4E-A36A5744A11E}"/>
+              </a:ext>
+            </a:extLst>
+          </p:cNvPr>
+          <p:cNvSpPr/>
+          <p:nvPr/>
+        </p:nvSpPr>
+        <p:spPr>
+          <a:xfrm>
+            <a:off x="6324600" y="2496843"/>
+            <a:ext cx="1100898" cy="346760"/>
+          </a:xfrm>
+          <a:prstGeom prst="rect">
+            <a:avLst/>
+          </a:prstGeom>
+          <a:ln w="19050"/>
+          <a:effectLst/>
+        </p:spPr>
+        <p:style>
+          <a:lnRef idx="1">
+            <a:schemeClr val="accent6"/>
+          </a:lnRef>
+          <a:fillRef idx="2">
+            <a:schemeClr val="accent6"/>
+          </a:fillRef>
+          <a:effectRef idx="1">
+            <a:schemeClr val="accent6"/>
+          </a:effectRef>
+          <a:fontRef idx="minor">
+            <a:schemeClr val="dk1"/>
+          </a:fontRef>
+        </p:style>
+        <p:txBody>
+          <a:bodyPr rtlCol="0" anchor="ctr"/>
+          <a:lstStyle/>
+          <a:p>
+            <a:pPr algn="ctr"/>
+            <a:r>
+              <a:rPr lang="en-US" sz="1050" b="1" dirty="0" err="1">
+                <a:solidFill>
+                  <a:schemeClr val="accent6">
+                    <a:lumMod val="75000"/>
+                  </a:schemeClr>
+                </a:solidFill>
+              </a:rPr>
+              <a:t>JsonAdaptedTag</a:t>
+            </a:r>
+            <a:endParaRPr lang="en-SG" sz="1050" b="1" dirty="0">
+              <a:solidFill>
+                <a:schemeClr val="accent6">
+                  <a:lumMod val="75000"/>
+                </a:schemeClr>
+              </a:solidFill>
+            </a:endParaRPr>
+          </a:p>
+        </p:txBody>
+      </p:sp>
     </p:spTree>
     <p:extLst>
       <p:ext uri="{BB962C8B-B14F-4D97-AF65-F5344CB8AC3E}">

--- a/docs/diagrams/StorageComponentClassDiagram.pptx
+++ b/docs/diagrams/StorageComponentClassDiagram.pptx
@@ -208,7 +208,7 @@
           <a:p>
             <a:fld id="{F5CC4B3F-88C1-4FFA-B1B6-F41C21DC6924}" type="datetimeFigureOut">
               <a:rPr lang="en-US" smtClean="0"/>
-              <a:t>3/12/2019</a:t>
+              <a:t>22-Mar-19</a:t>
             </a:fld>
             <a:endParaRPr lang="en-US"/>
           </a:p>
@@ -654,7 +654,7 @@
           <a:p>
             <a:fld id="{78C97017-6FC3-485B-9764-EAC9E56C1D49}" type="datetimeFigureOut">
               <a:rPr lang="en-US" smtClean="0"/>
-              <a:t>3/12/2019</a:t>
+              <a:t>22-Mar-19</a:t>
             </a:fld>
             <a:endParaRPr lang="en-US"/>
           </a:p>
@@ -822,7 +822,7 @@
           <a:p>
             <a:fld id="{78C97017-6FC3-485B-9764-EAC9E56C1D49}" type="datetimeFigureOut">
               <a:rPr lang="en-US" smtClean="0"/>
-              <a:t>3/12/2019</a:t>
+              <a:t>22-Mar-19</a:t>
             </a:fld>
             <a:endParaRPr lang="en-US"/>
           </a:p>
@@ -1000,7 +1000,7 @@
           <a:p>
             <a:fld id="{78C97017-6FC3-485B-9764-EAC9E56C1D49}" type="datetimeFigureOut">
               <a:rPr lang="en-US" smtClean="0"/>
-              <a:t>3/12/2019</a:t>
+              <a:t>22-Mar-19</a:t>
             </a:fld>
             <a:endParaRPr lang="en-US"/>
           </a:p>
@@ -1168,7 +1168,7 @@
           <a:p>
             <a:fld id="{78C97017-6FC3-485B-9764-EAC9E56C1D49}" type="datetimeFigureOut">
               <a:rPr lang="en-US" smtClean="0"/>
-              <a:t>3/12/2019</a:t>
+              <a:t>22-Mar-19</a:t>
             </a:fld>
             <a:endParaRPr lang="en-US"/>
           </a:p>
@@ -1413,7 +1413,7 @@
           <a:p>
             <a:fld id="{78C97017-6FC3-485B-9764-EAC9E56C1D49}" type="datetimeFigureOut">
               <a:rPr lang="en-US" smtClean="0"/>
-              <a:t>3/12/2019</a:t>
+              <a:t>22-Mar-19</a:t>
             </a:fld>
             <a:endParaRPr lang="en-US"/>
           </a:p>
@@ -1698,7 +1698,7 @@
           <a:p>
             <a:fld id="{78C97017-6FC3-485B-9764-EAC9E56C1D49}" type="datetimeFigureOut">
               <a:rPr lang="en-US" smtClean="0"/>
-              <a:t>3/12/2019</a:t>
+              <a:t>22-Mar-19</a:t>
             </a:fld>
             <a:endParaRPr lang="en-US"/>
           </a:p>
@@ -2117,7 +2117,7 @@
           <a:p>
             <a:fld id="{78C97017-6FC3-485B-9764-EAC9E56C1D49}" type="datetimeFigureOut">
               <a:rPr lang="en-US" smtClean="0"/>
-              <a:t>3/12/2019</a:t>
+              <a:t>22-Mar-19</a:t>
             </a:fld>
             <a:endParaRPr lang="en-US"/>
           </a:p>
@@ -2234,7 +2234,7 @@
           <a:p>
             <a:fld id="{78C97017-6FC3-485B-9764-EAC9E56C1D49}" type="datetimeFigureOut">
               <a:rPr lang="en-US" smtClean="0"/>
-              <a:t>3/12/2019</a:t>
+              <a:t>22-Mar-19</a:t>
             </a:fld>
             <a:endParaRPr lang="en-US"/>
           </a:p>
@@ -2329,7 +2329,7 @@
           <a:p>
             <a:fld id="{78C97017-6FC3-485B-9764-EAC9E56C1D49}" type="datetimeFigureOut">
               <a:rPr lang="en-US" smtClean="0"/>
-              <a:t>3/12/2019</a:t>
+              <a:t>22-Mar-19</a:t>
             </a:fld>
             <a:endParaRPr lang="en-US"/>
           </a:p>
@@ -2604,7 +2604,7 @@
           <a:p>
             <a:fld id="{78C97017-6FC3-485B-9764-EAC9E56C1D49}" type="datetimeFigureOut">
               <a:rPr lang="en-US" smtClean="0"/>
-              <a:t>3/12/2019</a:t>
+              <a:t>22-Mar-19</a:t>
             </a:fld>
             <a:endParaRPr lang="en-US"/>
           </a:p>
@@ -2856,7 +2856,7 @@
           <a:p>
             <a:fld id="{78C97017-6FC3-485B-9764-EAC9E56C1D49}" type="datetimeFigureOut">
               <a:rPr lang="en-US" smtClean="0"/>
-              <a:t>3/12/2019</a:t>
+              <a:t>22-Mar-19</a:t>
             </a:fld>
             <a:endParaRPr lang="en-US"/>
           </a:p>
@@ -3067,7 +3067,7 @@
           <a:p>
             <a:fld id="{78C97017-6FC3-485B-9764-EAC9E56C1D49}" type="datetimeFigureOut">
               <a:rPr lang="en-US" smtClean="0"/>
-              <a:t>3/12/2019</a:t>
+              <a:t>22-Mar-19</a:t>
             </a:fld>
             <a:endParaRPr lang="en-US"/>
           </a:p>
@@ -3575,7 +3575,7 @@
                   <a:schemeClr val="bg1"/>
                 </a:solidFill>
               </a:rPr>
-              <a:t>AddressBookStorage</a:t>
+              <a:t>TravelBuddyStorage</a:t>
             </a:r>
             <a:endParaRPr lang="en-SG" sz="1050" dirty="0">
               <a:solidFill>
@@ -4148,7 +4148,7 @@
                   </a:schemeClr>
                 </a:solidFill>
               </a:rPr>
-              <a:t>JsonAddressBook</a:t>
+              <a:t>JsonTravelBuddy</a:t>
             </a:r>
             <a:br>
               <a:rPr lang="en-US" sz="1050" b="1" dirty="0">
@@ -4586,14 +4586,14 @@
               </a:rPr>
             </a:br>
             <a:r>
-              <a:rPr lang="en-US" sz="1050" b="1" dirty="0" err="1">
+              <a:rPr lang="en-US" sz="1050" b="1" dirty="0">
                 <a:solidFill>
                   <a:schemeClr val="accent6">
                     <a:lumMod val="75000"/>
                   </a:schemeClr>
                 </a:solidFill>
               </a:rPr>
-              <a:t>AddressBook</a:t>
+              <a:t>TravelBuddy</a:t>
             </a:r>
             <a:endParaRPr lang="en-SG" sz="1050" b="1" dirty="0">
               <a:solidFill>

--- a/docs/diagrams/StorageComponentClassDiagram.pptx
+++ b/docs/diagrams/StorageComponentClassDiagram.pptx
@@ -208,7 +208,7 @@
           <a:p>
             <a:fld id="{F5CC4B3F-88C1-4FFA-B1B6-F41C21DC6924}" type="datetimeFigureOut">
               <a:rPr lang="en-US" smtClean="0"/>
-              <a:t>3/4/2019</a:t>
+              <a:t>3/22/19</a:t>
             </a:fld>
             <a:endParaRPr lang="en-US"/>
           </a:p>
@@ -654,7 +654,7 @@
           <a:p>
             <a:fld id="{78C97017-6FC3-485B-9764-EAC9E56C1D49}" type="datetimeFigureOut">
               <a:rPr lang="en-US" smtClean="0"/>
-              <a:t>3/4/2019</a:t>
+              <a:t>3/22/19</a:t>
             </a:fld>
             <a:endParaRPr lang="en-US"/>
           </a:p>
@@ -822,7 +822,7 @@
           <a:p>
             <a:fld id="{78C97017-6FC3-485B-9764-EAC9E56C1D49}" type="datetimeFigureOut">
               <a:rPr lang="en-US" smtClean="0"/>
-              <a:t>3/4/2019</a:t>
+              <a:t>3/22/19</a:t>
             </a:fld>
             <a:endParaRPr lang="en-US"/>
           </a:p>
@@ -1000,7 +1000,7 @@
           <a:p>
             <a:fld id="{78C97017-6FC3-485B-9764-EAC9E56C1D49}" type="datetimeFigureOut">
               <a:rPr lang="en-US" smtClean="0"/>
-              <a:t>3/4/2019</a:t>
+              <a:t>3/22/19</a:t>
             </a:fld>
             <a:endParaRPr lang="en-US"/>
           </a:p>
@@ -1168,7 +1168,7 @@
           <a:p>
             <a:fld id="{78C97017-6FC3-485B-9764-EAC9E56C1D49}" type="datetimeFigureOut">
               <a:rPr lang="en-US" smtClean="0"/>
-              <a:t>3/4/2019</a:t>
+              <a:t>3/22/19</a:t>
             </a:fld>
             <a:endParaRPr lang="en-US"/>
           </a:p>
@@ -1413,7 +1413,7 @@
           <a:p>
             <a:fld id="{78C97017-6FC3-485B-9764-EAC9E56C1D49}" type="datetimeFigureOut">
               <a:rPr lang="en-US" smtClean="0"/>
-              <a:t>3/4/2019</a:t>
+              <a:t>3/22/19</a:t>
             </a:fld>
             <a:endParaRPr lang="en-US"/>
           </a:p>
@@ -1698,7 +1698,7 @@
           <a:p>
             <a:fld id="{78C97017-6FC3-485B-9764-EAC9E56C1D49}" type="datetimeFigureOut">
               <a:rPr lang="en-US" smtClean="0"/>
-              <a:t>3/4/2019</a:t>
+              <a:t>3/22/19</a:t>
             </a:fld>
             <a:endParaRPr lang="en-US"/>
           </a:p>
@@ -2117,7 +2117,7 @@
           <a:p>
             <a:fld id="{78C97017-6FC3-485B-9764-EAC9E56C1D49}" type="datetimeFigureOut">
               <a:rPr lang="en-US" smtClean="0"/>
-              <a:t>3/4/2019</a:t>
+              <a:t>3/22/19</a:t>
             </a:fld>
             <a:endParaRPr lang="en-US"/>
           </a:p>
@@ -2234,7 +2234,7 @@
           <a:p>
             <a:fld id="{78C97017-6FC3-485B-9764-EAC9E56C1D49}" type="datetimeFigureOut">
               <a:rPr lang="en-US" smtClean="0"/>
-              <a:t>3/4/2019</a:t>
+              <a:t>3/22/19</a:t>
             </a:fld>
             <a:endParaRPr lang="en-US"/>
           </a:p>
@@ -2329,7 +2329,7 @@
           <a:p>
             <a:fld id="{78C97017-6FC3-485B-9764-EAC9E56C1D49}" type="datetimeFigureOut">
               <a:rPr lang="en-US" smtClean="0"/>
-              <a:t>3/4/2019</a:t>
+              <a:t>3/22/19</a:t>
             </a:fld>
             <a:endParaRPr lang="en-US"/>
           </a:p>
@@ -2604,7 +2604,7 @@
           <a:p>
             <a:fld id="{78C97017-6FC3-485B-9764-EAC9E56C1D49}" type="datetimeFigureOut">
               <a:rPr lang="en-US" smtClean="0"/>
-              <a:t>3/4/2019</a:t>
+              <a:t>3/22/19</a:t>
             </a:fld>
             <a:endParaRPr lang="en-US"/>
           </a:p>
@@ -2856,7 +2856,7 @@
           <a:p>
             <a:fld id="{78C97017-6FC3-485B-9764-EAC9E56C1D49}" type="datetimeFigureOut">
               <a:rPr lang="en-US" smtClean="0"/>
-              <a:t>3/4/2019</a:t>
+              <a:t>3/22/19</a:t>
             </a:fld>
             <a:endParaRPr lang="en-US"/>
           </a:p>
@@ -3067,7 +3067,7 @@
           <a:p>
             <a:fld id="{78C97017-6FC3-485B-9764-EAC9E56C1D49}" type="datetimeFigureOut">
               <a:rPr lang="en-US" smtClean="0"/>
-              <a:t>3/4/2019</a:t>
+              <a:t>3/22/19</a:t>
             </a:fld>
             <a:endParaRPr lang="en-US"/>
           </a:p>
@@ -4740,14 +4740,14 @@
           <a:p>
             <a:pPr algn="ctr"/>
             <a:r>
-              <a:rPr lang="en-US" sz="1030" b="1" dirty="0" err="1">
+              <a:rPr lang="en-US" sz="1030" b="1">
                 <a:solidFill>
                   <a:schemeClr val="accent6">
                     <a:lumMod val="75000"/>
                   </a:schemeClr>
                 </a:solidFill>
               </a:rPr>
-              <a:t>JsonAdaptedPerson</a:t>
+              <a:t>JsonAdaptedBook</a:t>
             </a:r>
             <a:endParaRPr lang="en-SG" sz="1030" b="1" dirty="0">
               <a:solidFill>

--- a/docs/diagrams/StorageComponentClassDiagram.pptx
+++ b/docs/diagrams/StorageComponentClassDiagram.pptx
@@ -208,7 +208,7 @@
           <a:p>
             <a:fld id="{F5CC4B3F-88C1-4FFA-B1B6-F41C21DC6924}" type="datetimeFigureOut">
               <a:rPr lang="en-US" smtClean="0"/>
-              <a:t>12/1/2018</a:t>
+              <a:t>3/31/2019</a:t>
             </a:fld>
             <a:endParaRPr lang="en-US"/>
           </a:p>
@@ -654,7 +654,7 @@
           <a:p>
             <a:fld id="{78C97017-6FC3-485B-9764-EAC9E56C1D49}" type="datetimeFigureOut">
               <a:rPr lang="en-US" smtClean="0"/>
-              <a:t>12/1/2018</a:t>
+              <a:t>3/31/2019</a:t>
             </a:fld>
             <a:endParaRPr lang="en-US"/>
           </a:p>
@@ -822,7 +822,7 @@
           <a:p>
             <a:fld id="{78C97017-6FC3-485B-9764-EAC9E56C1D49}" type="datetimeFigureOut">
               <a:rPr lang="en-US" smtClean="0"/>
-              <a:t>12/1/2018</a:t>
+              <a:t>3/31/2019</a:t>
             </a:fld>
             <a:endParaRPr lang="en-US"/>
           </a:p>
@@ -1000,7 +1000,7 @@
           <a:p>
             <a:fld id="{78C97017-6FC3-485B-9764-EAC9E56C1D49}" type="datetimeFigureOut">
               <a:rPr lang="en-US" smtClean="0"/>
-              <a:t>12/1/2018</a:t>
+              <a:t>3/31/2019</a:t>
             </a:fld>
             <a:endParaRPr lang="en-US"/>
           </a:p>
@@ -1168,7 +1168,7 @@
           <a:p>
             <a:fld id="{78C97017-6FC3-485B-9764-EAC9E56C1D49}" type="datetimeFigureOut">
               <a:rPr lang="en-US" smtClean="0"/>
-              <a:t>12/1/2018</a:t>
+              <a:t>3/31/2019</a:t>
             </a:fld>
             <a:endParaRPr lang="en-US"/>
           </a:p>
@@ -1413,7 +1413,7 @@
           <a:p>
             <a:fld id="{78C97017-6FC3-485B-9764-EAC9E56C1D49}" type="datetimeFigureOut">
               <a:rPr lang="en-US" smtClean="0"/>
-              <a:t>12/1/2018</a:t>
+              <a:t>3/31/2019</a:t>
             </a:fld>
             <a:endParaRPr lang="en-US"/>
           </a:p>
@@ -1698,7 +1698,7 @@
           <a:p>
             <a:fld id="{78C97017-6FC3-485B-9764-EAC9E56C1D49}" type="datetimeFigureOut">
               <a:rPr lang="en-US" smtClean="0"/>
-              <a:t>12/1/2018</a:t>
+              <a:t>3/31/2019</a:t>
             </a:fld>
             <a:endParaRPr lang="en-US"/>
           </a:p>
@@ -2117,7 +2117,7 @@
           <a:p>
             <a:fld id="{78C97017-6FC3-485B-9764-EAC9E56C1D49}" type="datetimeFigureOut">
               <a:rPr lang="en-US" smtClean="0"/>
-              <a:t>12/1/2018</a:t>
+              <a:t>3/31/2019</a:t>
             </a:fld>
             <a:endParaRPr lang="en-US"/>
           </a:p>
@@ -2234,7 +2234,7 @@
           <a:p>
             <a:fld id="{78C97017-6FC3-485B-9764-EAC9E56C1D49}" type="datetimeFigureOut">
               <a:rPr lang="en-US" smtClean="0"/>
-              <a:t>12/1/2018</a:t>
+              <a:t>3/31/2019</a:t>
             </a:fld>
             <a:endParaRPr lang="en-US"/>
           </a:p>
@@ -2329,7 +2329,7 @@
           <a:p>
             <a:fld id="{78C97017-6FC3-485B-9764-EAC9E56C1D49}" type="datetimeFigureOut">
               <a:rPr lang="en-US" smtClean="0"/>
-              <a:t>12/1/2018</a:t>
+              <a:t>3/31/2019</a:t>
             </a:fld>
             <a:endParaRPr lang="en-US"/>
           </a:p>
@@ -2604,7 +2604,7 @@
           <a:p>
             <a:fld id="{78C97017-6FC3-485B-9764-EAC9E56C1D49}" type="datetimeFigureOut">
               <a:rPr lang="en-US" smtClean="0"/>
-              <a:t>12/1/2018</a:t>
+              <a:t>3/31/2019</a:t>
             </a:fld>
             <a:endParaRPr lang="en-US"/>
           </a:p>
@@ -2856,7 +2856,7 @@
           <a:p>
             <a:fld id="{78C97017-6FC3-485B-9764-EAC9E56C1D49}" type="datetimeFigureOut">
               <a:rPr lang="en-US" smtClean="0"/>
-              <a:t>12/1/2018</a:t>
+              <a:t>3/31/2019</a:t>
             </a:fld>
             <a:endParaRPr lang="en-US"/>
           </a:p>
@@ -3067,7 +3067,7 @@
           <a:p>
             <a:fld id="{78C97017-6FC3-485B-9764-EAC9E56C1D49}" type="datetimeFigureOut">
               <a:rPr lang="en-US" smtClean="0"/>
-              <a:t>12/1/2018</a:t>
+              <a:t>3/31/2019</a:t>
             </a:fld>
             <a:endParaRPr lang="en-US"/>
           </a:p>
@@ -3450,7 +3450,7 @@
         </p:nvSpPr>
         <p:spPr>
           <a:xfrm>
-            <a:off x="1119865" y="2086382"/>
+            <a:off x="762000" y="4191000"/>
             <a:ext cx="7871735" cy="1723618"/>
           </a:xfrm>
           <a:prstGeom prst="roundRect">
@@ -3515,7 +3515,7 @@
         </p:nvSpPr>
         <p:spPr>
           <a:xfrm>
-            <a:off x="2877180" y="3158440"/>
+            <a:off x="2519315" y="5263058"/>
             <a:ext cx="1323049" cy="346760"/>
           </a:xfrm>
           <a:prstGeom prst="rect">
@@ -3593,7 +3593,7 @@
         </p:nvSpPr>
         <p:spPr>
           <a:xfrm rot="16200000">
-            <a:off x="1683963" y="2868687"/>
+            <a:off x="1326098" y="4973305"/>
             <a:ext cx="1093635" cy="346760"/>
           </a:xfrm>
           <a:prstGeom prst="rect">
@@ -3656,7 +3656,7 @@
         </p:nvSpPr>
         <p:spPr>
           <a:xfrm rot="16200000">
-            <a:off x="956202" y="2861202"/>
+            <a:off x="598337" y="4965820"/>
             <a:ext cx="1093635" cy="346760"/>
           </a:xfrm>
           <a:prstGeom prst="rect">
@@ -3730,7 +3730,7 @@
         </p:nvSpPr>
         <p:spPr>
           <a:xfrm rot="16200000">
-            <a:off x="1626910" y="2952291"/>
+            <a:off x="1269045" y="5056909"/>
             <a:ext cx="270504" cy="175523"/>
           </a:xfrm>
           <a:prstGeom prst="triangle">
@@ -3788,7 +3788,7 @@
         </p:nvCxnSpPr>
         <p:spPr>
           <a:xfrm>
-            <a:off x="2656370" y="3326536"/>
+            <a:off x="2298505" y="5431154"/>
             <a:ext cx="220810" cy="5284"/>
           </a:xfrm>
           <a:prstGeom prst="straightConnector1">
@@ -3828,7 +3828,7 @@
         </p:nvCxnSpPr>
         <p:spPr>
           <a:xfrm>
-            <a:off x="910091" y="3040053"/>
+            <a:off x="552226" y="5144671"/>
             <a:ext cx="419548" cy="2860"/>
           </a:xfrm>
           <a:prstGeom prst="bentConnector3">
@@ -3873,7 +3873,7 @@
         </p:nvCxnSpPr>
         <p:spPr>
           <a:xfrm flipV="1">
-            <a:off x="1849924" y="3040052"/>
+            <a:off x="1492059" y="5144670"/>
             <a:ext cx="216105" cy="1"/>
           </a:xfrm>
           <a:prstGeom prst="line">
@@ -3914,7 +3914,7 @@
         </p:nvSpPr>
         <p:spPr>
           <a:xfrm>
-            <a:off x="2420322" y="3239846"/>
+            <a:off x="2062457" y="5344464"/>
             <a:ext cx="236048" cy="173380"/>
           </a:xfrm>
           <a:prstGeom prst="flowChartDecision">
@@ -3968,7 +3968,7 @@
         </p:nvCxnSpPr>
         <p:spPr>
           <a:xfrm flipV="1">
-            <a:off x="4398041" y="3331820"/>
+            <a:off x="4040176" y="5436438"/>
             <a:ext cx="223324" cy="1"/>
           </a:xfrm>
           <a:prstGeom prst="bentConnector3">
@@ -4011,7 +4011,7 @@
         </p:nvSpPr>
         <p:spPr>
           <a:xfrm rot="5400000" flipV="1">
-            <a:off x="4175027" y="3244059"/>
+            <a:off x="3817162" y="5348677"/>
             <a:ext cx="270504" cy="175523"/>
           </a:xfrm>
           <a:prstGeom prst="triangle">
@@ -4069,7 +4069,7 @@
         </p:nvCxnSpPr>
         <p:spPr>
           <a:xfrm>
-            <a:off x="5791200" y="3331820"/>
+            <a:off x="5433335" y="5436438"/>
             <a:ext cx="228600" cy="1970"/>
           </a:xfrm>
           <a:prstGeom prst="bentConnector3">
@@ -4112,7 +4112,7 @@
         </p:nvSpPr>
         <p:spPr>
           <a:xfrm>
-            <a:off x="4621365" y="3158440"/>
+            <a:off x="4263500" y="5263058"/>
             <a:ext cx="1169835" cy="346760"/>
           </a:xfrm>
           <a:prstGeom prst="rect">
@@ -4187,7 +4187,7 @@
         </p:nvSpPr>
         <p:spPr>
           <a:xfrm>
-            <a:off x="2873943" y="2558040"/>
+            <a:off x="2516078" y="4662658"/>
             <a:ext cx="1323049" cy="346760"/>
           </a:xfrm>
           <a:prstGeom prst="rect">
@@ -4268,7 +4268,7 @@
         </p:nvCxnSpPr>
         <p:spPr>
           <a:xfrm>
-            <a:off x="2653133" y="2726136"/>
+            <a:off x="2295268" y="4830754"/>
             <a:ext cx="220810" cy="5284"/>
           </a:xfrm>
           <a:prstGeom prst="straightConnector1">
@@ -4308,7 +4308,7 @@
         </p:nvSpPr>
         <p:spPr>
           <a:xfrm>
-            <a:off x="2417085" y="2639446"/>
+            <a:off x="2059220" y="4744064"/>
             <a:ext cx="236048" cy="173380"/>
           </a:xfrm>
           <a:prstGeom prst="flowChartDecision">
@@ -4362,7 +4362,7 @@
         </p:nvCxnSpPr>
         <p:spPr>
           <a:xfrm flipV="1">
-            <a:off x="4394804" y="2731420"/>
+            <a:off x="4036939" y="4836038"/>
             <a:ext cx="223324" cy="1"/>
           </a:xfrm>
           <a:prstGeom prst="bentConnector3">
@@ -4405,7 +4405,7 @@
         </p:nvSpPr>
         <p:spPr>
           <a:xfrm rot="5400000" flipV="1">
-            <a:off x="4171790" y="2643659"/>
+            <a:off x="3813925" y="4748277"/>
             <a:ext cx="270504" cy="175523"/>
           </a:xfrm>
           <a:prstGeom prst="triangle">
@@ -4460,7 +4460,7 @@
         </p:nvSpPr>
         <p:spPr>
           <a:xfrm>
-            <a:off x="4618128" y="2558040"/>
+            <a:off x="4260263" y="4662658"/>
             <a:ext cx="1093635" cy="346760"/>
           </a:xfrm>
           <a:prstGeom prst="rect">
@@ -4538,7 +4538,7 @@
         </p:nvSpPr>
         <p:spPr>
           <a:xfrm>
-            <a:off x="6019800" y="3160410"/>
+            <a:off x="5661935" y="5265028"/>
             <a:ext cx="1200707" cy="346760"/>
           </a:xfrm>
           <a:prstGeom prst="rect">
@@ -4617,7 +4617,7 @@
         </p:nvCxnSpPr>
         <p:spPr>
           <a:xfrm rot="16200000" flipV="1">
-            <a:off x="8077993" y="2992019"/>
+            <a:off x="7720128" y="5096637"/>
             <a:ext cx="335208" cy="1"/>
           </a:xfrm>
           <a:prstGeom prst="bentConnector3">
@@ -4655,7 +4655,7 @@
         </p:nvSpPr>
         <p:spPr>
           <a:xfrm>
-            <a:off x="7615736" y="2477656"/>
+            <a:off x="7257871" y="4582274"/>
             <a:ext cx="1259719" cy="346760"/>
           </a:xfrm>
           <a:prstGeom prst="rect">
@@ -4711,7 +4711,7 @@
         </p:nvSpPr>
         <p:spPr>
           <a:xfrm>
-            <a:off x="7615738" y="3159624"/>
+            <a:off x="7257873" y="5264242"/>
             <a:ext cx="1259718" cy="346760"/>
           </a:xfrm>
           <a:prstGeom prst="rect">
@@ -4770,7 +4770,7 @@
         </p:nvCxnSpPr>
         <p:spPr>
           <a:xfrm flipV="1">
-            <a:off x="7220507" y="3333004"/>
+            <a:off x="6862642" y="5437622"/>
             <a:ext cx="395231" cy="786"/>
           </a:xfrm>
           <a:prstGeom prst="bentConnector3">
@@ -4800,6 +4800,2038 @@
           </a:fontRef>
         </p:style>
       </p:cxnSp>
+      <p:sp>
+        <p:nvSpPr>
+          <p:cNvPr id="26" name="Google Shape;336;p40">
+            <a:extLst>
+              <a:ext uri="{FF2B5EF4-FFF2-40B4-BE49-F238E27FC236}">
+                <a16:creationId xmlns:a16="http://schemas.microsoft.com/office/drawing/2014/main" id="{24B6F7E1-23E2-4ED0-9551-CE8B1541E6C3}"/>
+              </a:ext>
+            </a:extLst>
+          </p:cNvPr>
+          <p:cNvSpPr/>
+          <p:nvPr/>
+        </p:nvSpPr>
+        <p:spPr>
+          <a:xfrm>
+            <a:off x="741037" y="1040241"/>
+            <a:ext cx="7871700" cy="2357700"/>
+          </a:xfrm>
+          <a:prstGeom prst="roundRect">
+            <a:avLst>
+              <a:gd name="adj" fmla="val 3484"/>
+            </a:avLst>
+          </a:prstGeom>
+          <a:solidFill>
+            <a:srgbClr val="FDE9D8"/>
+          </a:solidFill>
+          <a:ln>
+            <a:noFill/>
+          </a:ln>
+        </p:spPr>
+        <p:txBody>
+          <a:bodyPr spcFirstLastPara="1" wrap="square" lIns="91425" tIns="45700" rIns="91425" bIns="45700" anchor="t" anchorCtr="0">
+            <a:noAutofit/>
+          </a:bodyPr>
+          <a:lstStyle/>
+          <a:p>
+            <a:pPr marL="0" marR="0" lvl="0" indent="0" algn="l" rtl="0">
+              <a:spcBef>
+                <a:spcPts val="0"/>
+              </a:spcBef>
+              <a:spcAft>
+                <a:spcPts val="0"/>
+              </a:spcAft>
+              <a:buNone/>
+            </a:pPr>
+            <a:r>
+              <a:rPr lang="en" sz="1200" b="1" i="0" u="none" strike="noStrike" cap="none">
+                <a:solidFill>
+                  <a:srgbClr val="E36C09"/>
+                </a:solidFill>
+                <a:latin typeface="Calibri"/>
+                <a:ea typeface="Calibri"/>
+                <a:cs typeface="Calibri"/>
+                <a:sym typeface="Calibri"/>
+              </a:rPr>
+              <a:t>Storage</a:t>
+            </a:r>
+            <a:endParaRPr sz="1200" b="1">
+              <a:solidFill>
+                <a:srgbClr val="E36C09"/>
+              </a:solidFill>
+              <a:latin typeface="Calibri"/>
+              <a:ea typeface="Calibri"/>
+              <a:cs typeface="Calibri"/>
+              <a:sym typeface="Calibri"/>
+            </a:endParaRPr>
+          </a:p>
+        </p:txBody>
+      </p:sp>
+      <p:sp>
+        <p:nvSpPr>
+          <p:cNvPr id="27" name="Google Shape;337;p40">
+            <a:extLst>
+              <a:ext uri="{FF2B5EF4-FFF2-40B4-BE49-F238E27FC236}">
+                <a16:creationId xmlns:a16="http://schemas.microsoft.com/office/drawing/2014/main" id="{E87765A1-9749-447A-952B-09756546B906}"/>
+              </a:ext>
+            </a:extLst>
+          </p:cNvPr>
+          <p:cNvSpPr/>
+          <p:nvPr/>
+        </p:nvSpPr>
+        <p:spPr>
+          <a:xfrm>
+            <a:off x="2498352" y="2506670"/>
+            <a:ext cx="1323000" cy="474300"/>
+          </a:xfrm>
+          <a:prstGeom prst="rect">
+            <a:avLst/>
+          </a:prstGeom>
+          <a:solidFill>
+            <a:srgbClr val="E36C09"/>
+          </a:solidFill>
+          <a:ln w="19050" cap="flat" cmpd="sng">
+            <a:solidFill>
+              <a:srgbClr val="E36C09"/>
+            </a:solidFill>
+            <a:prstDash val="solid"/>
+            <a:round/>
+            <a:headEnd type="none" w="sm" len="sm"/>
+            <a:tailEnd type="none" w="sm" len="sm"/>
+          </a:ln>
+        </p:spPr>
+        <p:txBody>
+          <a:bodyPr spcFirstLastPara="1" wrap="square" lIns="91425" tIns="45700" rIns="91425" bIns="45700" anchor="ctr" anchorCtr="0">
+            <a:noAutofit/>
+          </a:bodyPr>
+          <a:lstStyle/>
+          <a:p>
+            <a:pPr marL="0" marR="0" lvl="0" indent="0" algn="ctr" rtl="0">
+              <a:spcBef>
+                <a:spcPts val="0"/>
+              </a:spcBef>
+              <a:spcAft>
+                <a:spcPts val="0"/>
+              </a:spcAft>
+              <a:buNone/>
+            </a:pPr>
+            <a:r>
+              <a:rPr lang="en" sz="1050">
+                <a:solidFill>
+                  <a:schemeClr val="lt1"/>
+                </a:solidFill>
+                <a:latin typeface="Calibri"/>
+                <a:ea typeface="Calibri"/>
+                <a:cs typeface="Calibri"/>
+                <a:sym typeface="Calibri"/>
+              </a:rPr>
+              <a:t>&lt;&lt;interface&gt;&gt;</a:t>
+            </a:r>
+            <a:br>
+              <a:rPr lang="en" sz="1050">
+                <a:solidFill>
+                  <a:schemeClr val="lt1"/>
+                </a:solidFill>
+                <a:latin typeface="Calibri"/>
+                <a:ea typeface="Calibri"/>
+                <a:cs typeface="Calibri"/>
+                <a:sym typeface="Calibri"/>
+              </a:rPr>
+            </a:br>
+            <a:r>
+              <a:rPr lang="en" sz="1050">
+                <a:solidFill>
+                  <a:schemeClr val="lt1"/>
+                </a:solidFill>
+                <a:latin typeface="Calibri"/>
+                <a:ea typeface="Calibri"/>
+                <a:cs typeface="Calibri"/>
+                <a:sym typeface="Calibri"/>
+              </a:rPr>
+              <a:t>CardFolderStorage</a:t>
+            </a:r>
+            <a:endParaRPr sz="1050">
+              <a:solidFill>
+                <a:schemeClr val="lt1"/>
+              </a:solidFill>
+              <a:latin typeface="Calibri"/>
+              <a:ea typeface="Calibri"/>
+              <a:cs typeface="Calibri"/>
+              <a:sym typeface="Calibri"/>
+            </a:endParaRPr>
+          </a:p>
+        </p:txBody>
+      </p:sp>
+      <p:sp>
+        <p:nvSpPr>
+          <p:cNvPr id="28" name="Google Shape;338;p40">
+            <a:extLst>
+              <a:ext uri="{FF2B5EF4-FFF2-40B4-BE49-F238E27FC236}">
+                <a16:creationId xmlns:a16="http://schemas.microsoft.com/office/drawing/2014/main" id="{E03F4685-E3AD-4C2E-BC52-0E7D04CAB523}"/>
+              </a:ext>
+            </a:extLst>
+          </p:cNvPr>
+          <p:cNvSpPr/>
+          <p:nvPr/>
+        </p:nvSpPr>
+        <p:spPr>
+          <a:xfrm rot="-5400000">
+            <a:off x="1104072" y="2174159"/>
+            <a:ext cx="1495800" cy="346800"/>
+          </a:xfrm>
+          <a:prstGeom prst="rect">
+            <a:avLst/>
+          </a:prstGeom>
+          <a:solidFill>
+            <a:srgbClr val="E36C09"/>
+          </a:solidFill>
+          <a:ln w="19050" cap="flat" cmpd="sng">
+            <a:solidFill>
+              <a:srgbClr val="E36C09"/>
+            </a:solidFill>
+            <a:prstDash val="solid"/>
+            <a:round/>
+            <a:headEnd type="none" w="sm" len="sm"/>
+            <a:tailEnd type="none" w="sm" len="sm"/>
+          </a:ln>
+        </p:spPr>
+        <p:txBody>
+          <a:bodyPr spcFirstLastPara="1" wrap="square" lIns="91425" tIns="45700" rIns="91425" bIns="45700" anchor="ctr" anchorCtr="0">
+            <a:noAutofit/>
+          </a:bodyPr>
+          <a:lstStyle/>
+          <a:p>
+            <a:pPr marL="0" marR="0" lvl="0" indent="0" algn="ctr" rtl="0">
+              <a:spcBef>
+                <a:spcPts val="0"/>
+              </a:spcBef>
+              <a:spcAft>
+                <a:spcPts val="0"/>
+              </a:spcAft>
+              <a:buNone/>
+            </a:pPr>
+            <a:r>
+              <a:rPr lang="en" sz="1050">
+                <a:solidFill>
+                  <a:schemeClr val="lt1"/>
+                </a:solidFill>
+                <a:latin typeface="Calibri"/>
+                <a:ea typeface="Calibri"/>
+                <a:cs typeface="Calibri"/>
+                <a:sym typeface="Calibri"/>
+              </a:rPr>
+              <a:t>StorageManager</a:t>
+            </a:r>
+            <a:endParaRPr sz="1050">
+              <a:solidFill>
+                <a:schemeClr val="lt1"/>
+              </a:solidFill>
+              <a:latin typeface="Calibri"/>
+              <a:ea typeface="Calibri"/>
+              <a:cs typeface="Calibri"/>
+              <a:sym typeface="Calibri"/>
+            </a:endParaRPr>
+          </a:p>
+        </p:txBody>
+      </p:sp>
+      <p:sp>
+        <p:nvSpPr>
+          <p:cNvPr id="29" name="Google Shape;339;p40">
+            <a:extLst>
+              <a:ext uri="{FF2B5EF4-FFF2-40B4-BE49-F238E27FC236}">
+                <a16:creationId xmlns:a16="http://schemas.microsoft.com/office/drawing/2014/main" id="{CF906A1E-20F3-42DB-AA16-94BD1D87942B}"/>
+              </a:ext>
+            </a:extLst>
+          </p:cNvPr>
+          <p:cNvSpPr/>
+          <p:nvPr/>
+        </p:nvSpPr>
+        <p:spPr>
+          <a:xfrm rot="-5400000">
+            <a:off x="376311" y="2163921"/>
+            <a:ext cx="1495800" cy="346800"/>
+          </a:xfrm>
+          <a:prstGeom prst="rect">
+            <a:avLst/>
+          </a:prstGeom>
+          <a:solidFill>
+            <a:srgbClr val="E36C09"/>
+          </a:solidFill>
+          <a:ln w="19050" cap="flat" cmpd="sng">
+            <a:solidFill>
+              <a:srgbClr val="E36C09"/>
+            </a:solidFill>
+            <a:prstDash val="solid"/>
+            <a:round/>
+            <a:headEnd type="none" w="sm" len="sm"/>
+            <a:tailEnd type="none" w="sm" len="sm"/>
+          </a:ln>
+        </p:spPr>
+        <p:txBody>
+          <a:bodyPr spcFirstLastPara="1" wrap="square" lIns="91425" tIns="45700" rIns="91425" bIns="45700" anchor="ctr" anchorCtr="0">
+            <a:noAutofit/>
+          </a:bodyPr>
+          <a:lstStyle/>
+          <a:p>
+            <a:pPr marL="0" marR="0" lvl="0" indent="0" algn="ctr" rtl="0">
+              <a:spcBef>
+                <a:spcPts val="0"/>
+              </a:spcBef>
+              <a:spcAft>
+                <a:spcPts val="0"/>
+              </a:spcAft>
+              <a:buNone/>
+            </a:pPr>
+            <a:r>
+              <a:rPr lang="en" sz="1050">
+                <a:solidFill>
+                  <a:schemeClr val="lt1"/>
+                </a:solidFill>
+                <a:latin typeface="Calibri"/>
+                <a:ea typeface="Calibri"/>
+                <a:cs typeface="Calibri"/>
+                <a:sym typeface="Calibri"/>
+              </a:rPr>
+              <a:t>&lt;&lt;interface&gt;&gt;</a:t>
+            </a:r>
+            <a:endParaRPr/>
+          </a:p>
+          <a:p>
+            <a:pPr marL="0" marR="0" lvl="0" indent="0" algn="ctr" rtl="0">
+              <a:spcBef>
+                <a:spcPts val="0"/>
+              </a:spcBef>
+              <a:spcAft>
+                <a:spcPts val="0"/>
+              </a:spcAft>
+              <a:buNone/>
+            </a:pPr>
+            <a:r>
+              <a:rPr lang="en" sz="1050">
+                <a:solidFill>
+                  <a:schemeClr val="lt1"/>
+                </a:solidFill>
+                <a:latin typeface="Calibri"/>
+                <a:ea typeface="Calibri"/>
+                <a:cs typeface="Calibri"/>
+                <a:sym typeface="Calibri"/>
+              </a:rPr>
+              <a:t>Storage</a:t>
+            </a:r>
+            <a:endParaRPr sz="1050">
+              <a:solidFill>
+                <a:schemeClr val="lt1"/>
+              </a:solidFill>
+              <a:latin typeface="Calibri"/>
+              <a:ea typeface="Calibri"/>
+              <a:cs typeface="Calibri"/>
+              <a:sym typeface="Calibri"/>
+            </a:endParaRPr>
+          </a:p>
+        </p:txBody>
+      </p:sp>
+      <p:sp>
+        <p:nvSpPr>
+          <p:cNvPr id="30" name="Google Shape;340;p40">
+            <a:extLst>
+              <a:ext uri="{FF2B5EF4-FFF2-40B4-BE49-F238E27FC236}">
+                <a16:creationId xmlns:a16="http://schemas.microsoft.com/office/drawing/2014/main" id="{200BCAAA-7DB4-43C0-A21E-AD4AA66B6475}"/>
+              </a:ext>
+            </a:extLst>
+          </p:cNvPr>
+          <p:cNvSpPr/>
+          <p:nvPr/>
+        </p:nvSpPr>
+        <p:spPr>
+          <a:xfrm rot="-5400000">
+            <a:off x="1198372" y="2257038"/>
+            <a:ext cx="369900" cy="175500"/>
+          </a:xfrm>
+          <a:prstGeom prst="triangle">
+            <a:avLst>
+              <a:gd name="adj" fmla="val 50000"/>
+            </a:avLst>
+          </a:prstGeom>
+          <a:solidFill>
+            <a:srgbClr val="FDE9D8"/>
+          </a:solidFill>
+          <a:ln w="19050" cap="flat" cmpd="sng">
+            <a:solidFill>
+              <a:srgbClr val="E36C09"/>
+            </a:solidFill>
+            <a:prstDash val="solid"/>
+            <a:round/>
+            <a:headEnd type="none" w="sm" len="sm"/>
+            <a:tailEnd type="none" w="sm" len="sm"/>
+          </a:ln>
+        </p:spPr>
+        <p:txBody>
+          <a:bodyPr spcFirstLastPara="1" wrap="square" lIns="91425" tIns="45700" rIns="91425" bIns="45700" anchor="ctr" anchorCtr="0">
+            <a:noAutofit/>
+          </a:bodyPr>
+          <a:lstStyle/>
+          <a:p>
+            <a:pPr marL="0" marR="0" lvl="0" indent="0" algn="ctr" rtl="0">
+              <a:spcBef>
+                <a:spcPts val="0"/>
+              </a:spcBef>
+              <a:spcAft>
+                <a:spcPts val="0"/>
+              </a:spcAft>
+              <a:buNone/>
+            </a:pPr>
+            <a:endParaRPr sz="1050">
+              <a:solidFill>
+                <a:schemeClr val="lt1"/>
+              </a:solidFill>
+              <a:latin typeface="Calibri"/>
+              <a:ea typeface="Calibri"/>
+              <a:cs typeface="Calibri"/>
+              <a:sym typeface="Calibri"/>
+            </a:endParaRPr>
+          </a:p>
+        </p:txBody>
+      </p:sp>
+      <p:cxnSp>
+        <p:nvCxnSpPr>
+          <p:cNvPr id="31" name="Google Shape;341;p40">
+            <a:extLst>
+              <a:ext uri="{FF2B5EF4-FFF2-40B4-BE49-F238E27FC236}">
+                <a16:creationId xmlns:a16="http://schemas.microsoft.com/office/drawing/2014/main" id="{B700105B-AEF9-45D9-A55E-14E6C40E06FF}"/>
+              </a:ext>
+            </a:extLst>
+          </p:cNvPr>
+          <p:cNvCxnSpPr>
+            <a:stCxn id="34" idx="3"/>
+            <a:endCxn id="27" idx="1"/>
+          </p:cNvCxnSpPr>
+          <p:nvPr/>
+        </p:nvCxnSpPr>
+        <p:spPr>
+          <a:xfrm>
+            <a:off x="2277542" y="2736602"/>
+            <a:ext cx="220800" cy="7200"/>
+          </a:xfrm>
+          <a:prstGeom prst="straightConnector1">
+            <a:avLst/>
+          </a:prstGeom>
+          <a:gradFill>
+            <a:gsLst>
+              <a:gs pos="0">
+                <a:srgbClr val="FFA09D"/>
+              </a:gs>
+              <a:gs pos="35000">
+                <a:srgbClr val="FFBCBC"/>
+              </a:gs>
+              <a:gs pos="100000">
+                <a:srgbClr val="FFE2E2"/>
+              </a:gs>
+            </a:gsLst>
+            <a:lin ang="16200038" scaled="0"/>
+          </a:gradFill>
+          <a:ln w="19050" cap="flat" cmpd="sng">
+            <a:solidFill>
+              <a:srgbClr val="E36C09"/>
+            </a:solidFill>
+            <a:prstDash val="solid"/>
+            <a:round/>
+            <a:headEnd type="none" w="sm" len="sm"/>
+            <a:tailEnd type="stealth" w="med" len="med"/>
+          </a:ln>
+        </p:spPr>
+      </p:cxnSp>
+      <p:cxnSp>
+        <p:nvCxnSpPr>
+          <p:cNvPr id="32" name="Google Shape;343;p40">
+            <a:extLst>
+              <a:ext uri="{FF2B5EF4-FFF2-40B4-BE49-F238E27FC236}">
+                <a16:creationId xmlns:a16="http://schemas.microsoft.com/office/drawing/2014/main" id="{952C4789-1FCD-4435-BA65-5CD9F782115F}"/>
+              </a:ext>
+            </a:extLst>
+          </p:cNvPr>
+          <p:cNvCxnSpPr/>
+          <p:nvPr/>
+        </p:nvCxnSpPr>
+        <p:spPr>
+          <a:xfrm>
+            <a:off x="531263" y="2344732"/>
+            <a:ext cx="419400" cy="4500"/>
+          </a:xfrm>
+          <a:prstGeom prst="bentConnector3">
+            <a:avLst>
+              <a:gd name="adj1" fmla="val 50018"/>
+            </a:avLst>
+          </a:prstGeom>
+          <a:gradFill>
+            <a:gsLst>
+              <a:gs pos="0">
+                <a:srgbClr val="FFA09D"/>
+              </a:gs>
+              <a:gs pos="35000">
+                <a:srgbClr val="FFBCBC"/>
+              </a:gs>
+              <a:gs pos="100000">
+                <a:srgbClr val="FFE2E2"/>
+              </a:gs>
+            </a:gsLst>
+            <a:lin ang="16200038" scaled="0"/>
+          </a:gradFill>
+          <a:ln w="19050" cap="flat" cmpd="sng">
+            <a:solidFill>
+              <a:srgbClr val="BFBFBF"/>
+            </a:solidFill>
+            <a:prstDash val="dot"/>
+            <a:round/>
+            <a:headEnd type="none" w="sm" len="sm"/>
+            <a:tailEnd type="stealth" w="med" len="med"/>
+          </a:ln>
+        </p:spPr>
+      </p:cxnSp>
+      <p:cxnSp>
+        <p:nvCxnSpPr>
+          <p:cNvPr id="33" name="Google Shape;344;p40">
+            <a:extLst>
+              <a:ext uri="{FF2B5EF4-FFF2-40B4-BE49-F238E27FC236}">
+                <a16:creationId xmlns:a16="http://schemas.microsoft.com/office/drawing/2014/main" id="{C665BEC8-85B0-491E-9CB0-518D04ADB58A}"/>
+              </a:ext>
+            </a:extLst>
+          </p:cNvPr>
+          <p:cNvCxnSpPr>
+            <a:stCxn id="30" idx="3"/>
+          </p:cNvCxnSpPr>
+          <p:nvPr/>
+        </p:nvCxnSpPr>
+        <p:spPr>
+          <a:xfrm>
+            <a:off x="1471072" y="2344788"/>
+            <a:ext cx="216000" cy="0"/>
+          </a:xfrm>
+          <a:prstGeom prst="straightConnector1">
+            <a:avLst/>
+          </a:prstGeom>
+          <a:gradFill>
+            <a:gsLst>
+              <a:gs pos="0">
+                <a:srgbClr val="FFA09D"/>
+              </a:gs>
+              <a:gs pos="35000">
+                <a:srgbClr val="FFBCBC"/>
+              </a:gs>
+              <a:gs pos="100000">
+                <a:srgbClr val="FFE2E2"/>
+              </a:gs>
+            </a:gsLst>
+            <a:lin ang="16200038" scaled="0"/>
+          </a:gradFill>
+          <a:ln w="19050" cap="flat" cmpd="sng">
+            <a:solidFill>
+              <a:srgbClr val="E36C09"/>
+            </a:solidFill>
+            <a:prstDash val="dot"/>
+            <a:round/>
+            <a:headEnd type="none" w="sm" len="sm"/>
+            <a:tailEnd type="none" w="sm" len="sm"/>
+          </a:ln>
+        </p:spPr>
+      </p:cxnSp>
+      <p:sp>
+        <p:nvSpPr>
+          <p:cNvPr id="34" name="Google Shape;342;p40">
+            <a:extLst>
+              <a:ext uri="{FF2B5EF4-FFF2-40B4-BE49-F238E27FC236}">
+                <a16:creationId xmlns:a16="http://schemas.microsoft.com/office/drawing/2014/main" id="{5C76FD17-06EE-492F-A1F0-383B717DFA34}"/>
+              </a:ext>
+            </a:extLst>
+          </p:cNvPr>
+          <p:cNvSpPr/>
+          <p:nvPr/>
+        </p:nvSpPr>
+        <p:spPr>
+          <a:xfrm>
+            <a:off x="2041494" y="2618022"/>
+            <a:ext cx="236048" cy="237160"/>
+          </a:xfrm>
+          <a:prstGeom prst="flowChartDecision">
+            <a:avLst/>
+          </a:prstGeom>
+          <a:noFill/>
+          <a:ln w="19050" cap="flat" cmpd="sng">
+            <a:solidFill>
+              <a:srgbClr val="E36C09"/>
+            </a:solidFill>
+            <a:prstDash val="solid"/>
+            <a:round/>
+            <a:headEnd type="none" w="sm" len="sm"/>
+            <a:tailEnd type="none" w="sm" len="sm"/>
+          </a:ln>
+        </p:spPr>
+        <p:txBody>
+          <a:bodyPr spcFirstLastPara="1" wrap="square" lIns="91425" tIns="45700" rIns="91425" bIns="45700" anchor="ctr" anchorCtr="0">
+            <a:noAutofit/>
+          </a:bodyPr>
+          <a:lstStyle/>
+          <a:p>
+            <a:pPr marL="0" marR="0" lvl="0" indent="0" algn="ctr" rtl="0">
+              <a:spcBef>
+                <a:spcPts val="0"/>
+              </a:spcBef>
+              <a:spcAft>
+                <a:spcPts val="0"/>
+              </a:spcAft>
+              <a:buNone/>
+            </a:pPr>
+            <a:endParaRPr sz="1050">
+              <a:solidFill>
+                <a:schemeClr val="lt1"/>
+              </a:solidFill>
+              <a:latin typeface="Calibri"/>
+              <a:ea typeface="Calibri"/>
+              <a:cs typeface="Calibri"/>
+              <a:sym typeface="Calibri"/>
+            </a:endParaRPr>
+          </a:p>
+        </p:txBody>
+      </p:sp>
+      <p:cxnSp>
+        <p:nvCxnSpPr>
+          <p:cNvPr id="35" name="Google Shape;345;p40">
+            <a:extLst>
+              <a:ext uri="{FF2B5EF4-FFF2-40B4-BE49-F238E27FC236}">
+                <a16:creationId xmlns:a16="http://schemas.microsoft.com/office/drawing/2014/main" id="{F4749EA9-CE59-46C9-AA93-6F0AF2DE666C}"/>
+              </a:ext>
+            </a:extLst>
+          </p:cNvPr>
+          <p:cNvCxnSpPr>
+            <a:stCxn id="36" idx="3"/>
+            <a:endCxn id="38" idx="1"/>
+          </p:cNvCxnSpPr>
+          <p:nvPr/>
+        </p:nvCxnSpPr>
+        <p:spPr>
+          <a:xfrm>
+            <a:off x="4019189" y="2743774"/>
+            <a:ext cx="223200" cy="600"/>
+          </a:xfrm>
+          <a:prstGeom prst="bentConnector3">
+            <a:avLst>
+              <a:gd name="adj1" fmla="val 50028"/>
+            </a:avLst>
+          </a:prstGeom>
+          <a:gradFill>
+            <a:gsLst>
+              <a:gs pos="0">
+                <a:srgbClr val="FFA09D"/>
+              </a:gs>
+              <a:gs pos="35000">
+                <a:srgbClr val="FFBCBC"/>
+              </a:gs>
+              <a:gs pos="100000">
+                <a:srgbClr val="FFE2E2"/>
+              </a:gs>
+            </a:gsLst>
+            <a:lin ang="16200038" scaled="0"/>
+          </a:gradFill>
+          <a:ln w="19050" cap="flat" cmpd="sng">
+            <a:solidFill>
+              <a:srgbClr val="E36C09"/>
+            </a:solidFill>
+            <a:prstDash val="dot"/>
+            <a:round/>
+            <a:headEnd type="none" w="sm" len="sm"/>
+            <a:tailEnd type="none" w="sm" len="sm"/>
+          </a:ln>
+        </p:spPr>
+      </p:cxnSp>
+      <p:sp>
+        <p:nvSpPr>
+          <p:cNvPr id="36" name="Google Shape;346;p40">
+            <a:extLst>
+              <a:ext uri="{FF2B5EF4-FFF2-40B4-BE49-F238E27FC236}">
+                <a16:creationId xmlns:a16="http://schemas.microsoft.com/office/drawing/2014/main" id="{E98EF657-326C-4DF1-8D64-620F2DA1E122}"/>
+              </a:ext>
+            </a:extLst>
+          </p:cNvPr>
+          <p:cNvSpPr/>
+          <p:nvPr/>
+        </p:nvSpPr>
+        <p:spPr>
+          <a:xfrm rot="-5400000" flipH="1">
+            <a:off x="3746489" y="2656024"/>
+            <a:ext cx="369900" cy="175500"/>
+          </a:xfrm>
+          <a:prstGeom prst="triangle">
+            <a:avLst>
+              <a:gd name="adj" fmla="val 50000"/>
+            </a:avLst>
+          </a:prstGeom>
+          <a:solidFill>
+            <a:srgbClr val="FDE9D8"/>
+          </a:solidFill>
+          <a:ln w="19050" cap="flat" cmpd="sng">
+            <a:solidFill>
+              <a:srgbClr val="E36C09"/>
+            </a:solidFill>
+            <a:prstDash val="solid"/>
+            <a:round/>
+            <a:headEnd type="none" w="sm" len="sm"/>
+            <a:tailEnd type="none" w="sm" len="sm"/>
+          </a:ln>
+        </p:spPr>
+        <p:txBody>
+          <a:bodyPr spcFirstLastPara="1" wrap="square" lIns="91425" tIns="45700" rIns="91425" bIns="45700" anchor="ctr" anchorCtr="0">
+            <a:noAutofit/>
+          </a:bodyPr>
+          <a:lstStyle/>
+          <a:p>
+            <a:pPr marL="0" marR="0" lvl="0" indent="0" algn="ctr" rtl="0">
+              <a:spcBef>
+                <a:spcPts val="0"/>
+              </a:spcBef>
+              <a:spcAft>
+                <a:spcPts val="0"/>
+              </a:spcAft>
+              <a:buNone/>
+            </a:pPr>
+            <a:endParaRPr sz="1050">
+              <a:solidFill>
+                <a:schemeClr val="lt1"/>
+              </a:solidFill>
+              <a:latin typeface="Calibri"/>
+              <a:ea typeface="Calibri"/>
+              <a:cs typeface="Calibri"/>
+              <a:sym typeface="Calibri"/>
+            </a:endParaRPr>
+          </a:p>
+        </p:txBody>
+      </p:sp>
+      <p:cxnSp>
+        <p:nvCxnSpPr>
+          <p:cNvPr id="37" name="Google Shape;348;p40">
+            <a:extLst>
+              <a:ext uri="{FF2B5EF4-FFF2-40B4-BE49-F238E27FC236}">
+                <a16:creationId xmlns:a16="http://schemas.microsoft.com/office/drawing/2014/main" id="{D0FAF4A8-12B3-4D7D-9AED-B94B77736DF5}"/>
+              </a:ext>
+            </a:extLst>
+          </p:cNvPr>
+          <p:cNvCxnSpPr>
+            <a:stCxn id="38" idx="3"/>
+            <a:endCxn id="46" idx="1"/>
+          </p:cNvCxnSpPr>
+          <p:nvPr/>
+        </p:nvCxnSpPr>
+        <p:spPr>
+          <a:xfrm>
+            <a:off x="5412237" y="2743820"/>
+            <a:ext cx="228600" cy="2700"/>
+          </a:xfrm>
+          <a:prstGeom prst="bentConnector3">
+            <a:avLst>
+              <a:gd name="adj1" fmla="val 50000"/>
+            </a:avLst>
+          </a:prstGeom>
+          <a:gradFill>
+            <a:gsLst>
+              <a:gs pos="0">
+                <a:srgbClr val="FFA09D"/>
+              </a:gs>
+              <a:gs pos="35000">
+                <a:srgbClr val="FFBCBC"/>
+              </a:gs>
+              <a:gs pos="100000">
+                <a:srgbClr val="FFE2E2"/>
+              </a:gs>
+            </a:gsLst>
+            <a:lin ang="16200038" scaled="0"/>
+          </a:gradFill>
+          <a:ln w="19050" cap="flat" cmpd="sng">
+            <a:solidFill>
+              <a:srgbClr val="E36C09"/>
+            </a:solidFill>
+            <a:prstDash val="dot"/>
+            <a:round/>
+            <a:headEnd type="none" w="sm" len="sm"/>
+            <a:tailEnd type="stealth" w="med" len="med"/>
+          </a:ln>
+        </p:spPr>
+      </p:cxnSp>
+      <p:sp>
+        <p:nvSpPr>
+          <p:cNvPr id="38" name="Google Shape;347;p40">
+            <a:extLst>
+              <a:ext uri="{FF2B5EF4-FFF2-40B4-BE49-F238E27FC236}">
+                <a16:creationId xmlns:a16="http://schemas.microsoft.com/office/drawing/2014/main" id="{9BFF7ECC-1E23-4331-8753-CAB7E33EA8B2}"/>
+              </a:ext>
+            </a:extLst>
+          </p:cNvPr>
+          <p:cNvSpPr/>
+          <p:nvPr/>
+        </p:nvSpPr>
+        <p:spPr>
+          <a:xfrm>
+            <a:off x="4242537" y="2506670"/>
+            <a:ext cx="1169700" cy="474300"/>
+          </a:xfrm>
+          <a:prstGeom prst="rect">
+            <a:avLst/>
+          </a:prstGeom>
+          <a:gradFill>
+            <a:gsLst>
+              <a:gs pos="0">
+                <a:srgbClr val="FFBB82"/>
+              </a:gs>
+              <a:gs pos="35000">
+                <a:srgbClr val="FFCFA8"/>
+              </a:gs>
+              <a:gs pos="100000">
+                <a:srgbClr val="FFEBD9"/>
+              </a:gs>
+            </a:gsLst>
+            <a:lin ang="16200038" scaled="0"/>
+          </a:gradFill>
+          <a:ln w="19050" cap="flat" cmpd="sng">
+            <a:solidFill>
+              <a:srgbClr val="F5913F"/>
+            </a:solidFill>
+            <a:prstDash val="solid"/>
+            <a:round/>
+            <a:headEnd type="none" w="sm" len="sm"/>
+            <a:tailEnd type="none" w="sm" len="sm"/>
+          </a:ln>
+        </p:spPr>
+        <p:txBody>
+          <a:bodyPr spcFirstLastPara="1" wrap="square" lIns="91425" tIns="45700" rIns="91425" bIns="45700" anchor="ctr" anchorCtr="0">
+            <a:noAutofit/>
+          </a:bodyPr>
+          <a:lstStyle/>
+          <a:p>
+            <a:pPr marL="0" marR="0" lvl="0" indent="0" algn="ctr" rtl="0">
+              <a:spcBef>
+                <a:spcPts val="0"/>
+              </a:spcBef>
+              <a:spcAft>
+                <a:spcPts val="0"/>
+              </a:spcAft>
+              <a:buNone/>
+            </a:pPr>
+            <a:r>
+              <a:rPr lang="en" sz="1050" b="1">
+                <a:solidFill>
+                  <a:srgbClr val="E36C09"/>
+                </a:solidFill>
+                <a:latin typeface="Calibri"/>
+                <a:ea typeface="Calibri"/>
+                <a:cs typeface="Calibri"/>
+                <a:sym typeface="Calibri"/>
+              </a:rPr>
+              <a:t>JsonCardFolder Storage</a:t>
+            </a:r>
+            <a:endParaRPr sz="1050" b="1">
+              <a:solidFill>
+                <a:srgbClr val="E36C09"/>
+              </a:solidFill>
+              <a:latin typeface="Calibri"/>
+              <a:ea typeface="Calibri"/>
+              <a:cs typeface="Calibri"/>
+              <a:sym typeface="Calibri"/>
+            </a:endParaRPr>
+          </a:p>
+        </p:txBody>
+      </p:sp>
+      <p:sp>
+        <p:nvSpPr>
+          <p:cNvPr id="39" name="Google Shape;350;p40">
+            <a:extLst>
+              <a:ext uri="{FF2B5EF4-FFF2-40B4-BE49-F238E27FC236}">
+                <a16:creationId xmlns:a16="http://schemas.microsoft.com/office/drawing/2014/main" id="{CD801BAB-15AC-4689-9D60-3443A3BA4914}"/>
+              </a:ext>
+            </a:extLst>
+          </p:cNvPr>
+          <p:cNvSpPr/>
+          <p:nvPr/>
+        </p:nvSpPr>
+        <p:spPr>
+          <a:xfrm>
+            <a:off x="2495115" y="1685404"/>
+            <a:ext cx="1323000" cy="474300"/>
+          </a:xfrm>
+          <a:prstGeom prst="rect">
+            <a:avLst/>
+          </a:prstGeom>
+          <a:solidFill>
+            <a:srgbClr val="E36C09"/>
+          </a:solidFill>
+          <a:ln w="19050" cap="flat" cmpd="sng">
+            <a:solidFill>
+              <a:srgbClr val="E36C09"/>
+            </a:solidFill>
+            <a:prstDash val="solid"/>
+            <a:round/>
+            <a:headEnd type="none" w="sm" len="sm"/>
+            <a:tailEnd type="none" w="sm" len="sm"/>
+          </a:ln>
+        </p:spPr>
+        <p:txBody>
+          <a:bodyPr spcFirstLastPara="1" wrap="square" lIns="91425" tIns="45700" rIns="91425" bIns="45700" anchor="ctr" anchorCtr="0">
+            <a:noAutofit/>
+          </a:bodyPr>
+          <a:lstStyle/>
+          <a:p>
+            <a:pPr marL="0" marR="0" lvl="0" indent="0" algn="ctr" rtl="0">
+              <a:spcBef>
+                <a:spcPts val="0"/>
+              </a:spcBef>
+              <a:spcAft>
+                <a:spcPts val="0"/>
+              </a:spcAft>
+              <a:buNone/>
+            </a:pPr>
+            <a:r>
+              <a:rPr lang="en" sz="1050">
+                <a:solidFill>
+                  <a:schemeClr val="lt1"/>
+                </a:solidFill>
+                <a:latin typeface="Calibri"/>
+                <a:ea typeface="Calibri"/>
+                <a:cs typeface="Calibri"/>
+                <a:sym typeface="Calibri"/>
+              </a:rPr>
+              <a:t>&lt;&lt;interface&gt;&gt;</a:t>
+            </a:r>
+            <a:br>
+              <a:rPr lang="en" sz="1050">
+                <a:solidFill>
+                  <a:schemeClr val="lt1"/>
+                </a:solidFill>
+                <a:latin typeface="Calibri"/>
+                <a:ea typeface="Calibri"/>
+                <a:cs typeface="Calibri"/>
+                <a:sym typeface="Calibri"/>
+              </a:rPr>
+            </a:br>
+            <a:r>
+              <a:rPr lang="en" sz="1050">
+                <a:solidFill>
+                  <a:schemeClr val="lt1"/>
+                </a:solidFill>
+                <a:latin typeface="Calibri"/>
+                <a:ea typeface="Calibri"/>
+                <a:cs typeface="Calibri"/>
+                <a:sym typeface="Calibri"/>
+              </a:rPr>
+              <a:t>UserPrefsStorage</a:t>
+            </a:r>
+            <a:endParaRPr sz="1050">
+              <a:solidFill>
+                <a:schemeClr val="lt1"/>
+              </a:solidFill>
+              <a:latin typeface="Calibri"/>
+              <a:ea typeface="Calibri"/>
+              <a:cs typeface="Calibri"/>
+              <a:sym typeface="Calibri"/>
+            </a:endParaRPr>
+          </a:p>
+        </p:txBody>
+      </p:sp>
+      <p:cxnSp>
+        <p:nvCxnSpPr>
+          <p:cNvPr id="40" name="Google Shape;351;p40">
+            <a:extLst>
+              <a:ext uri="{FF2B5EF4-FFF2-40B4-BE49-F238E27FC236}">
+                <a16:creationId xmlns:a16="http://schemas.microsoft.com/office/drawing/2014/main" id="{7D14A1E6-5805-4EEC-ACBF-A83DC7942CFD}"/>
+              </a:ext>
+            </a:extLst>
+          </p:cNvPr>
+          <p:cNvCxnSpPr>
+            <a:stCxn id="41" idx="3"/>
+            <a:endCxn id="39" idx="1"/>
+          </p:cNvCxnSpPr>
+          <p:nvPr/>
+        </p:nvCxnSpPr>
+        <p:spPr>
+          <a:xfrm>
+            <a:off x="2274305" y="1915337"/>
+            <a:ext cx="220800" cy="7200"/>
+          </a:xfrm>
+          <a:prstGeom prst="straightConnector1">
+            <a:avLst/>
+          </a:prstGeom>
+          <a:gradFill>
+            <a:gsLst>
+              <a:gs pos="0">
+                <a:srgbClr val="FFA09D"/>
+              </a:gs>
+              <a:gs pos="35000">
+                <a:srgbClr val="FFBCBC"/>
+              </a:gs>
+              <a:gs pos="100000">
+                <a:srgbClr val="FFE2E2"/>
+              </a:gs>
+            </a:gsLst>
+            <a:lin ang="16200038" scaled="0"/>
+          </a:gradFill>
+          <a:ln w="19050" cap="flat" cmpd="sng">
+            <a:solidFill>
+              <a:srgbClr val="E36C09"/>
+            </a:solidFill>
+            <a:prstDash val="solid"/>
+            <a:round/>
+            <a:headEnd type="none" w="sm" len="sm"/>
+            <a:tailEnd type="stealth" w="med" len="med"/>
+          </a:ln>
+        </p:spPr>
+      </p:cxnSp>
+      <p:sp>
+        <p:nvSpPr>
+          <p:cNvPr id="41" name="Google Shape;352;p40">
+            <a:extLst>
+              <a:ext uri="{FF2B5EF4-FFF2-40B4-BE49-F238E27FC236}">
+                <a16:creationId xmlns:a16="http://schemas.microsoft.com/office/drawing/2014/main" id="{562C0DE4-E6E2-4433-AB8C-3331CD748E12}"/>
+              </a:ext>
+            </a:extLst>
+          </p:cNvPr>
+          <p:cNvSpPr/>
+          <p:nvPr/>
+        </p:nvSpPr>
+        <p:spPr>
+          <a:xfrm>
+            <a:off x="2038257" y="1796757"/>
+            <a:ext cx="236048" cy="237160"/>
+          </a:xfrm>
+          <a:prstGeom prst="flowChartDecision">
+            <a:avLst/>
+          </a:prstGeom>
+          <a:noFill/>
+          <a:ln w="19050" cap="flat" cmpd="sng">
+            <a:solidFill>
+              <a:srgbClr val="E36C09"/>
+            </a:solidFill>
+            <a:prstDash val="solid"/>
+            <a:round/>
+            <a:headEnd type="none" w="sm" len="sm"/>
+            <a:tailEnd type="none" w="sm" len="sm"/>
+          </a:ln>
+        </p:spPr>
+        <p:txBody>
+          <a:bodyPr spcFirstLastPara="1" wrap="square" lIns="91425" tIns="45700" rIns="91425" bIns="45700" anchor="ctr" anchorCtr="0">
+            <a:noAutofit/>
+          </a:bodyPr>
+          <a:lstStyle/>
+          <a:p>
+            <a:pPr marL="0" marR="0" lvl="0" indent="0" algn="ctr" rtl="0">
+              <a:spcBef>
+                <a:spcPts val="0"/>
+              </a:spcBef>
+              <a:spcAft>
+                <a:spcPts val="0"/>
+              </a:spcAft>
+              <a:buNone/>
+            </a:pPr>
+            <a:endParaRPr sz="1050">
+              <a:solidFill>
+                <a:schemeClr val="lt1"/>
+              </a:solidFill>
+              <a:latin typeface="Calibri"/>
+              <a:ea typeface="Calibri"/>
+              <a:cs typeface="Calibri"/>
+              <a:sym typeface="Calibri"/>
+            </a:endParaRPr>
+          </a:p>
+        </p:txBody>
+      </p:sp>
+      <p:cxnSp>
+        <p:nvCxnSpPr>
+          <p:cNvPr id="43" name="Google Shape;353;p40">
+            <a:extLst>
+              <a:ext uri="{FF2B5EF4-FFF2-40B4-BE49-F238E27FC236}">
+                <a16:creationId xmlns:a16="http://schemas.microsoft.com/office/drawing/2014/main" id="{5E059B48-BAE4-4102-978B-5272729AA7CA}"/>
+              </a:ext>
+            </a:extLst>
+          </p:cNvPr>
+          <p:cNvCxnSpPr>
+            <a:stCxn id="44" idx="3"/>
+            <a:endCxn id="45" idx="1"/>
+          </p:cNvCxnSpPr>
+          <p:nvPr/>
+        </p:nvCxnSpPr>
+        <p:spPr>
+          <a:xfrm>
+            <a:off x="4015952" y="1922509"/>
+            <a:ext cx="223200" cy="600"/>
+          </a:xfrm>
+          <a:prstGeom prst="bentConnector3">
+            <a:avLst>
+              <a:gd name="adj1" fmla="val 50033"/>
+            </a:avLst>
+          </a:prstGeom>
+          <a:gradFill>
+            <a:gsLst>
+              <a:gs pos="0">
+                <a:srgbClr val="FFA09D"/>
+              </a:gs>
+              <a:gs pos="35000">
+                <a:srgbClr val="FFBCBC"/>
+              </a:gs>
+              <a:gs pos="100000">
+                <a:srgbClr val="FFE2E2"/>
+              </a:gs>
+            </a:gsLst>
+            <a:lin ang="16200038" scaled="0"/>
+          </a:gradFill>
+          <a:ln w="19050" cap="flat" cmpd="sng">
+            <a:solidFill>
+              <a:srgbClr val="E36C09"/>
+            </a:solidFill>
+            <a:prstDash val="dot"/>
+            <a:round/>
+            <a:headEnd type="none" w="sm" len="sm"/>
+            <a:tailEnd type="none" w="sm" len="sm"/>
+          </a:ln>
+        </p:spPr>
+      </p:cxnSp>
+      <p:sp>
+        <p:nvSpPr>
+          <p:cNvPr id="44" name="Google Shape;354;p40">
+            <a:extLst>
+              <a:ext uri="{FF2B5EF4-FFF2-40B4-BE49-F238E27FC236}">
+                <a16:creationId xmlns:a16="http://schemas.microsoft.com/office/drawing/2014/main" id="{F22F3749-BB7B-4C36-9777-D5E2DC0C44F3}"/>
+              </a:ext>
+            </a:extLst>
+          </p:cNvPr>
+          <p:cNvSpPr/>
+          <p:nvPr/>
+        </p:nvSpPr>
+        <p:spPr>
+          <a:xfrm rot="-5400000" flipH="1">
+            <a:off x="3743252" y="1834759"/>
+            <a:ext cx="369900" cy="175500"/>
+          </a:xfrm>
+          <a:prstGeom prst="triangle">
+            <a:avLst>
+              <a:gd name="adj" fmla="val 50000"/>
+            </a:avLst>
+          </a:prstGeom>
+          <a:solidFill>
+            <a:srgbClr val="FDE9D8"/>
+          </a:solidFill>
+          <a:ln w="19050" cap="flat" cmpd="sng">
+            <a:solidFill>
+              <a:srgbClr val="E36C09"/>
+            </a:solidFill>
+            <a:prstDash val="solid"/>
+            <a:round/>
+            <a:headEnd type="none" w="sm" len="sm"/>
+            <a:tailEnd type="none" w="sm" len="sm"/>
+          </a:ln>
+        </p:spPr>
+        <p:txBody>
+          <a:bodyPr spcFirstLastPara="1" wrap="square" lIns="91425" tIns="45700" rIns="91425" bIns="45700" anchor="ctr" anchorCtr="0">
+            <a:noAutofit/>
+          </a:bodyPr>
+          <a:lstStyle/>
+          <a:p>
+            <a:pPr marL="0" marR="0" lvl="0" indent="0" algn="ctr" rtl="0">
+              <a:spcBef>
+                <a:spcPts val="0"/>
+              </a:spcBef>
+              <a:spcAft>
+                <a:spcPts val="0"/>
+              </a:spcAft>
+              <a:buNone/>
+            </a:pPr>
+            <a:endParaRPr sz="1050">
+              <a:solidFill>
+                <a:schemeClr val="lt1"/>
+              </a:solidFill>
+              <a:latin typeface="Calibri"/>
+              <a:ea typeface="Calibri"/>
+              <a:cs typeface="Calibri"/>
+              <a:sym typeface="Calibri"/>
+            </a:endParaRPr>
+          </a:p>
+        </p:txBody>
+      </p:sp>
+      <p:sp>
+        <p:nvSpPr>
+          <p:cNvPr id="45" name="Google Shape;355;p40">
+            <a:extLst>
+              <a:ext uri="{FF2B5EF4-FFF2-40B4-BE49-F238E27FC236}">
+                <a16:creationId xmlns:a16="http://schemas.microsoft.com/office/drawing/2014/main" id="{1F540F2F-8F4D-41F9-BB74-F1FC39A99042}"/>
+              </a:ext>
+            </a:extLst>
+          </p:cNvPr>
+          <p:cNvSpPr/>
+          <p:nvPr/>
+        </p:nvSpPr>
+        <p:spPr>
+          <a:xfrm>
+            <a:off x="4239300" y="1685400"/>
+            <a:ext cx="1169700" cy="474300"/>
+          </a:xfrm>
+          <a:prstGeom prst="rect">
+            <a:avLst/>
+          </a:prstGeom>
+          <a:solidFill>
+            <a:srgbClr val="E36C09"/>
+          </a:solidFill>
+          <a:ln w="19050" cap="flat" cmpd="sng">
+            <a:solidFill>
+              <a:srgbClr val="E36C09"/>
+            </a:solidFill>
+            <a:prstDash val="solid"/>
+            <a:round/>
+            <a:headEnd type="none" w="sm" len="sm"/>
+            <a:tailEnd type="none" w="sm" len="sm"/>
+          </a:ln>
+        </p:spPr>
+        <p:txBody>
+          <a:bodyPr spcFirstLastPara="1" wrap="square" lIns="91425" tIns="45700" rIns="91425" bIns="45700" anchor="ctr" anchorCtr="0">
+            <a:noAutofit/>
+          </a:bodyPr>
+          <a:lstStyle/>
+          <a:p>
+            <a:pPr marL="0" marR="0" lvl="0" indent="0" algn="ctr" rtl="0">
+              <a:spcBef>
+                <a:spcPts val="0"/>
+              </a:spcBef>
+              <a:spcAft>
+                <a:spcPts val="0"/>
+              </a:spcAft>
+              <a:buNone/>
+            </a:pPr>
+            <a:r>
+              <a:rPr lang="en" sz="1050">
+                <a:solidFill>
+                  <a:schemeClr val="lt1"/>
+                </a:solidFill>
+                <a:latin typeface="Calibri"/>
+                <a:ea typeface="Calibri"/>
+                <a:cs typeface="Calibri"/>
+                <a:sym typeface="Calibri"/>
+              </a:rPr>
+              <a:t>JsonUserPrefs</a:t>
+            </a:r>
+            <a:br>
+              <a:rPr lang="en" sz="1050">
+                <a:solidFill>
+                  <a:schemeClr val="lt1"/>
+                </a:solidFill>
+                <a:latin typeface="Calibri"/>
+                <a:ea typeface="Calibri"/>
+                <a:cs typeface="Calibri"/>
+                <a:sym typeface="Calibri"/>
+              </a:rPr>
+            </a:br>
+            <a:r>
+              <a:rPr lang="en" sz="1050">
+                <a:solidFill>
+                  <a:schemeClr val="lt1"/>
+                </a:solidFill>
+                <a:latin typeface="Calibri"/>
+                <a:ea typeface="Calibri"/>
+                <a:cs typeface="Calibri"/>
+                <a:sym typeface="Calibri"/>
+              </a:rPr>
+              <a:t>Storage</a:t>
+            </a:r>
+            <a:endParaRPr sz="1050">
+              <a:solidFill>
+                <a:schemeClr val="lt1"/>
+              </a:solidFill>
+              <a:latin typeface="Calibri"/>
+              <a:ea typeface="Calibri"/>
+              <a:cs typeface="Calibri"/>
+              <a:sym typeface="Calibri"/>
+            </a:endParaRPr>
+          </a:p>
+        </p:txBody>
+      </p:sp>
+      <p:sp>
+        <p:nvSpPr>
+          <p:cNvPr id="46" name="Google Shape;349;p40">
+            <a:extLst>
+              <a:ext uri="{FF2B5EF4-FFF2-40B4-BE49-F238E27FC236}">
+                <a16:creationId xmlns:a16="http://schemas.microsoft.com/office/drawing/2014/main" id="{CE370223-F7C9-46CD-AA3D-658F3A140117}"/>
+              </a:ext>
+            </a:extLst>
+          </p:cNvPr>
+          <p:cNvSpPr/>
+          <p:nvPr/>
+        </p:nvSpPr>
+        <p:spPr>
+          <a:xfrm>
+            <a:off x="5640972" y="2509364"/>
+            <a:ext cx="1200600" cy="474300"/>
+          </a:xfrm>
+          <a:prstGeom prst="rect">
+            <a:avLst/>
+          </a:prstGeom>
+          <a:gradFill>
+            <a:gsLst>
+              <a:gs pos="0">
+                <a:srgbClr val="FFBB82"/>
+              </a:gs>
+              <a:gs pos="35000">
+                <a:srgbClr val="FFCFA8"/>
+              </a:gs>
+              <a:gs pos="100000">
+                <a:srgbClr val="FFEBD9"/>
+              </a:gs>
+            </a:gsLst>
+            <a:lin ang="16200038" scaled="0"/>
+          </a:gradFill>
+          <a:ln w="19050" cap="flat" cmpd="sng">
+            <a:solidFill>
+              <a:srgbClr val="F5913F"/>
+            </a:solidFill>
+            <a:prstDash val="solid"/>
+            <a:round/>
+            <a:headEnd type="none" w="sm" len="sm"/>
+            <a:tailEnd type="none" w="sm" len="sm"/>
+          </a:ln>
+        </p:spPr>
+        <p:txBody>
+          <a:bodyPr spcFirstLastPara="1" wrap="square" lIns="91425" tIns="45700" rIns="91425" bIns="45700" anchor="ctr" anchorCtr="0">
+            <a:noAutofit/>
+          </a:bodyPr>
+          <a:lstStyle/>
+          <a:p>
+            <a:pPr marL="0" marR="0" lvl="0" indent="0" algn="ctr" rtl="0">
+              <a:spcBef>
+                <a:spcPts val="0"/>
+              </a:spcBef>
+              <a:spcAft>
+                <a:spcPts val="0"/>
+              </a:spcAft>
+              <a:buNone/>
+            </a:pPr>
+            <a:r>
+              <a:rPr lang="en" sz="1050" b="1">
+                <a:solidFill>
+                  <a:srgbClr val="E36C09"/>
+                </a:solidFill>
+                <a:latin typeface="Calibri"/>
+                <a:ea typeface="Calibri"/>
+                <a:cs typeface="Calibri"/>
+                <a:sym typeface="Calibri"/>
+              </a:rPr>
+              <a:t>JsonSerializable</a:t>
+            </a:r>
+            <a:br>
+              <a:rPr lang="en" sz="1050" b="1">
+                <a:solidFill>
+                  <a:srgbClr val="E36C09"/>
+                </a:solidFill>
+                <a:latin typeface="Calibri"/>
+                <a:ea typeface="Calibri"/>
+                <a:cs typeface="Calibri"/>
+                <a:sym typeface="Calibri"/>
+              </a:rPr>
+            </a:br>
+            <a:r>
+              <a:rPr lang="en" sz="1050" b="1">
+                <a:solidFill>
+                  <a:srgbClr val="E36C09"/>
+                </a:solidFill>
+                <a:latin typeface="Calibri"/>
+                <a:ea typeface="Calibri"/>
+                <a:cs typeface="Calibri"/>
+                <a:sym typeface="Calibri"/>
+              </a:rPr>
+              <a:t>CardFolder</a:t>
+            </a:r>
+            <a:endParaRPr sz="1050" b="1">
+              <a:solidFill>
+                <a:srgbClr val="E36C09"/>
+              </a:solidFill>
+              <a:latin typeface="Calibri"/>
+              <a:ea typeface="Calibri"/>
+              <a:cs typeface="Calibri"/>
+              <a:sym typeface="Calibri"/>
+            </a:endParaRPr>
+          </a:p>
+        </p:txBody>
+      </p:sp>
+      <p:sp>
+        <p:nvSpPr>
+          <p:cNvPr id="47" name="Google Shape;356;p40">
+            <a:extLst>
+              <a:ext uri="{FF2B5EF4-FFF2-40B4-BE49-F238E27FC236}">
+                <a16:creationId xmlns:a16="http://schemas.microsoft.com/office/drawing/2014/main" id="{272B1A6E-786D-40C5-8904-F0EB7A0EA40A}"/>
+              </a:ext>
+            </a:extLst>
+          </p:cNvPr>
+          <p:cNvSpPr/>
+          <p:nvPr/>
+        </p:nvSpPr>
+        <p:spPr>
+          <a:xfrm>
+            <a:off x="6115350" y="1441025"/>
+            <a:ext cx="1093500" cy="474300"/>
+          </a:xfrm>
+          <a:prstGeom prst="rect">
+            <a:avLst/>
+          </a:prstGeom>
+          <a:gradFill>
+            <a:gsLst>
+              <a:gs pos="0">
+                <a:srgbClr val="FFBB82"/>
+              </a:gs>
+              <a:gs pos="35000">
+                <a:srgbClr val="FFCFA8"/>
+              </a:gs>
+              <a:gs pos="100000">
+                <a:srgbClr val="FFEBD9"/>
+              </a:gs>
+            </a:gsLst>
+            <a:lin ang="16200038" scaled="0"/>
+          </a:gradFill>
+          <a:ln w="19050" cap="flat" cmpd="sng">
+            <a:solidFill>
+              <a:srgbClr val="F5913F"/>
+            </a:solidFill>
+            <a:prstDash val="solid"/>
+            <a:round/>
+            <a:headEnd type="none" w="sm" len="sm"/>
+            <a:tailEnd type="none" w="sm" len="sm"/>
+          </a:ln>
+        </p:spPr>
+        <p:txBody>
+          <a:bodyPr spcFirstLastPara="1" wrap="square" lIns="91425" tIns="45700" rIns="91425" bIns="45700" anchor="ctr" anchorCtr="0">
+            <a:noAutofit/>
+          </a:bodyPr>
+          <a:lstStyle/>
+          <a:p>
+            <a:pPr marL="0" marR="0" lvl="0" indent="0" algn="ctr" rtl="0">
+              <a:spcBef>
+                <a:spcPts val="0"/>
+              </a:spcBef>
+              <a:spcAft>
+                <a:spcPts val="0"/>
+              </a:spcAft>
+              <a:buNone/>
+            </a:pPr>
+            <a:r>
+              <a:rPr lang="en" sz="1050" b="1">
+                <a:solidFill>
+                  <a:srgbClr val="E36C09"/>
+                </a:solidFill>
+                <a:latin typeface="Calibri"/>
+                <a:ea typeface="Calibri"/>
+                <a:cs typeface="Calibri"/>
+                <a:sym typeface="Calibri"/>
+              </a:rPr>
+              <a:t>JsonAdapted Hint</a:t>
+            </a:r>
+            <a:endParaRPr sz="1050" b="1">
+              <a:solidFill>
+                <a:srgbClr val="E36C09"/>
+              </a:solidFill>
+              <a:latin typeface="Calibri"/>
+              <a:ea typeface="Calibri"/>
+              <a:cs typeface="Calibri"/>
+              <a:sym typeface="Calibri"/>
+            </a:endParaRPr>
+          </a:p>
+        </p:txBody>
+      </p:sp>
+      <p:sp>
+        <p:nvSpPr>
+          <p:cNvPr id="48" name="Google Shape;357;p40">
+            <a:extLst>
+              <a:ext uri="{FF2B5EF4-FFF2-40B4-BE49-F238E27FC236}">
+                <a16:creationId xmlns:a16="http://schemas.microsoft.com/office/drawing/2014/main" id="{69FD5F04-4ACD-4358-952C-70D253A726E0}"/>
+              </a:ext>
+            </a:extLst>
+          </p:cNvPr>
+          <p:cNvSpPr/>
+          <p:nvPr/>
+        </p:nvSpPr>
+        <p:spPr>
+          <a:xfrm>
+            <a:off x="7236911" y="2508289"/>
+            <a:ext cx="1259700" cy="474300"/>
+          </a:xfrm>
+          <a:prstGeom prst="rect">
+            <a:avLst/>
+          </a:prstGeom>
+          <a:gradFill>
+            <a:gsLst>
+              <a:gs pos="0">
+                <a:srgbClr val="FFBB82"/>
+              </a:gs>
+              <a:gs pos="35000">
+                <a:srgbClr val="FFCFA8"/>
+              </a:gs>
+              <a:gs pos="100000">
+                <a:srgbClr val="FFEBD9"/>
+              </a:gs>
+            </a:gsLst>
+            <a:lin ang="16200038" scaled="0"/>
+          </a:gradFill>
+          <a:ln w="19050" cap="flat" cmpd="sng">
+            <a:solidFill>
+              <a:srgbClr val="F5913F"/>
+            </a:solidFill>
+            <a:prstDash val="solid"/>
+            <a:round/>
+            <a:headEnd type="none" w="sm" len="sm"/>
+            <a:tailEnd type="none" w="sm" len="sm"/>
+          </a:ln>
+        </p:spPr>
+        <p:txBody>
+          <a:bodyPr spcFirstLastPara="1" wrap="square" lIns="91425" tIns="45700" rIns="91425" bIns="45700" anchor="ctr" anchorCtr="0">
+            <a:noAutofit/>
+          </a:bodyPr>
+          <a:lstStyle/>
+          <a:p>
+            <a:pPr marL="0" marR="0" lvl="0" indent="0" algn="ctr" rtl="0">
+              <a:spcBef>
+                <a:spcPts val="0"/>
+              </a:spcBef>
+              <a:spcAft>
+                <a:spcPts val="0"/>
+              </a:spcAft>
+              <a:buNone/>
+            </a:pPr>
+            <a:r>
+              <a:rPr lang="en" sz="1030" b="1">
+                <a:solidFill>
+                  <a:srgbClr val="E36C09"/>
+                </a:solidFill>
+                <a:latin typeface="Calibri"/>
+                <a:ea typeface="Calibri"/>
+                <a:cs typeface="Calibri"/>
+                <a:sym typeface="Calibri"/>
+              </a:rPr>
+              <a:t>JsonAdaptedCard</a:t>
+            </a:r>
+            <a:endParaRPr sz="1030" b="1">
+              <a:solidFill>
+                <a:srgbClr val="E36C09"/>
+              </a:solidFill>
+              <a:latin typeface="Calibri"/>
+              <a:ea typeface="Calibri"/>
+              <a:cs typeface="Calibri"/>
+              <a:sym typeface="Calibri"/>
+            </a:endParaRPr>
+          </a:p>
+        </p:txBody>
+      </p:sp>
+      <p:cxnSp>
+        <p:nvCxnSpPr>
+          <p:cNvPr id="49" name="Google Shape;358;p40">
+            <a:extLst>
+              <a:ext uri="{FF2B5EF4-FFF2-40B4-BE49-F238E27FC236}">
+                <a16:creationId xmlns:a16="http://schemas.microsoft.com/office/drawing/2014/main" id="{03AA56E8-0438-4395-9FC2-D4F86A35F9A8}"/>
+              </a:ext>
+            </a:extLst>
+          </p:cNvPr>
+          <p:cNvCxnSpPr>
+            <a:stCxn id="51" idx="3"/>
+            <a:endCxn id="48" idx="1"/>
+          </p:cNvCxnSpPr>
+          <p:nvPr/>
+        </p:nvCxnSpPr>
+        <p:spPr>
+          <a:xfrm rot="10800000" flipH="1">
+            <a:off x="7077767" y="2745327"/>
+            <a:ext cx="159000" cy="1200"/>
+          </a:xfrm>
+          <a:prstGeom prst="straightConnector1">
+            <a:avLst/>
+          </a:prstGeom>
+          <a:gradFill>
+            <a:gsLst>
+              <a:gs pos="0">
+                <a:srgbClr val="FFA09D"/>
+              </a:gs>
+              <a:gs pos="35000">
+                <a:srgbClr val="FFBCBC"/>
+              </a:gs>
+              <a:gs pos="100000">
+                <a:srgbClr val="FFE2E2"/>
+              </a:gs>
+            </a:gsLst>
+            <a:lin ang="16200038" scaled="0"/>
+          </a:gradFill>
+          <a:ln w="19050" cap="flat" cmpd="sng">
+            <a:solidFill>
+              <a:srgbClr val="E36C09"/>
+            </a:solidFill>
+            <a:prstDash val="solid"/>
+            <a:round/>
+            <a:headEnd type="none" w="sm" len="sm"/>
+            <a:tailEnd type="stealth" w="med" len="med"/>
+          </a:ln>
+        </p:spPr>
+      </p:cxnSp>
+      <p:sp>
+        <p:nvSpPr>
+          <p:cNvPr id="51" name="Google Shape;359;p40">
+            <a:extLst>
+              <a:ext uri="{FF2B5EF4-FFF2-40B4-BE49-F238E27FC236}">
+                <a16:creationId xmlns:a16="http://schemas.microsoft.com/office/drawing/2014/main" id="{4850E7C2-E151-42B6-A1CA-45E9E9D2FC8B}"/>
+              </a:ext>
+            </a:extLst>
+          </p:cNvPr>
+          <p:cNvSpPr/>
+          <p:nvPr/>
+        </p:nvSpPr>
+        <p:spPr>
+          <a:xfrm>
+            <a:off x="6841719" y="2627947"/>
+            <a:ext cx="236048" cy="237160"/>
+          </a:xfrm>
+          <a:prstGeom prst="flowChartDecision">
+            <a:avLst/>
+          </a:prstGeom>
+          <a:noFill/>
+          <a:ln w="19050" cap="flat" cmpd="sng">
+            <a:solidFill>
+              <a:srgbClr val="E36C09"/>
+            </a:solidFill>
+            <a:prstDash val="solid"/>
+            <a:round/>
+            <a:headEnd type="none" w="sm" len="sm"/>
+            <a:tailEnd type="none" w="sm" len="sm"/>
+          </a:ln>
+        </p:spPr>
+        <p:txBody>
+          <a:bodyPr spcFirstLastPara="1" wrap="square" lIns="91425" tIns="45700" rIns="91425" bIns="45700" anchor="ctr" anchorCtr="0">
+            <a:noAutofit/>
+          </a:bodyPr>
+          <a:lstStyle/>
+          <a:p>
+            <a:pPr marL="0" marR="0" lvl="0" indent="0" algn="ctr" rtl="0">
+              <a:spcBef>
+                <a:spcPts val="0"/>
+              </a:spcBef>
+              <a:spcAft>
+                <a:spcPts val="0"/>
+              </a:spcAft>
+              <a:buNone/>
+            </a:pPr>
+            <a:endParaRPr sz="1050">
+              <a:solidFill>
+                <a:schemeClr val="lt1"/>
+              </a:solidFill>
+              <a:latin typeface="Calibri"/>
+              <a:ea typeface="Calibri"/>
+              <a:cs typeface="Calibri"/>
+              <a:sym typeface="Calibri"/>
+            </a:endParaRPr>
+          </a:p>
+        </p:txBody>
+      </p:sp>
+      <p:sp>
+        <p:nvSpPr>
+          <p:cNvPr id="53" name="Google Shape;360;p40">
+            <a:extLst>
+              <a:ext uri="{FF2B5EF4-FFF2-40B4-BE49-F238E27FC236}">
+                <a16:creationId xmlns:a16="http://schemas.microsoft.com/office/drawing/2014/main" id="{08416AC9-6FC9-4E4C-82BB-4524ABBBAFFD}"/>
+              </a:ext>
+            </a:extLst>
+          </p:cNvPr>
+          <p:cNvSpPr/>
+          <p:nvPr/>
+        </p:nvSpPr>
+        <p:spPr>
+          <a:xfrm>
+            <a:off x="7358726" y="1441025"/>
+            <a:ext cx="1093500" cy="474300"/>
+          </a:xfrm>
+          <a:prstGeom prst="rect">
+            <a:avLst/>
+          </a:prstGeom>
+          <a:gradFill>
+            <a:gsLst>
+              <a:gs pos="0">
+                <a:srgbClr val="FFBB82"/>
+              </a:gs>
+              <a:gs pos="35000">
+                <a:srgbClr val="FFCFA8"/>
+              </a:gs>
+              <a:gs pos="100000">
+                <a:srgbClr val="FFEBD9"/>
+              </a:gs>
+            </a:gsLst>
+            <a:lin ang="16200038" scaled="0"/>
+          </a:gradFill>
+          <a:ln w="19050" cap="flat" cmpd="sng">
+            <a:solidFill>
+              <a:srgbClr val="F5913F"/>
+            </a:solidFill>
+            <a:prstDash val="solid"/>
+            <a:round/>
+            <a:headEnd type="none" w="sm" len="sm"/>
+            <a:tailEnd type="none" w="sm" len="sm"/>
+          </a:ln>
+        </p:spPr>
+        <p:txBody>
+          <a:bodyPr spcFirstLastPara="1" wrap="square" lIns="91425" tIns="45700" rIns="91425" bIns="45700" anchor="ctr" anchorCtr="0">
+            <a:noAutofit/>
+          </a:bodyPr>
+          <a:lstStyle/>
+          <a:p>
+            <a:pPr marL="0" marR="0" lvl="0" indent="0" algn="ctr" rtl="0">
+              <a:spcBef>
+                <a:spcPts val="0"/>
+              </a:spcBef>
+              <a:spcAft>
+                <a:spcPts val="0"/>
+              </a:spcAft>
+              <a:buNone/>
+            </a:pPr>
+            <a:r>
+              <a:rPr lang="en" sz="1050" b="1">
+                <a:solidFill>
+                  <a:srgbClr val="E36C09"/>
+                </a:solidFill>
+                <a:latin typeface="Calibri"/>
+                <a:ea typeface="Calibri"/>
+                <a:cs typeface="Calibri"/>
+                <a:sym typeface="Calibri"/>
+              </a:rPr>
+              <a:t>JsonAdapted Option</a:t>
+            </a:r>
+            <a:endParaRPr sz="1050" b="1">
+              <a:solidFill>
+                <a:srgbClr val="E36C09"/>
+              </a:solidFill>
+              <a:latin typeface="Calibri"/>
+              <a:ea typeface="Calibri"/>
+              <a:cs typeface="Calibri"/>
+              <a:sym typeface="Calibri"/>
+            </a:endParaRPr>
+          </a:p>
+        </p:txBody>
+      </p:sp>
+      <p:cxnSp>
+        <p:nvCxnSpPr>
+          <p:cNvPr id="55" name="Google Shape;361;p40">
+            <a:extLst>
+              <a:ext uri="{FF2B5EF4-FFF2-40B4-BE49-F238E27FC236}">
+                <a16:creationId xmlns:a16="http://schemas.microsoft.com/office/drawing/2014/main" id="{2F321FEC-5E23-4659-987F-B91FEA00CD59}"/>
+              </a:ext>
+            </a:extLst>
+          </p:cNvPr>
+          <p:cNvCxnSpPr/>
+          <p:nvPr/>
+        </p:nvCxnSpPr>
+        <p:spPr>
+          <a:xfrm rot="10800000">
+            <a:off x="8215875" y="1913600"/>
+            <a:ext cx="4200" cy="599100"/>
+          </a:xfrm>
+          <a:prstGeom prst="straightConnector1">
+            <a:avLst/>
+          </a:prstGeom>
+          <a:noFill/>
+          <a:ln w="19050" cap="flat" cmpd="sng">
+            <a:solidFill>
+              <a:srgbClr val="E36C09"/>
+            </a:solidFill>
+            <a:prstDash val="dot"/>
+            <a:round/>
+            <a:headEnd type="none" w="med" len="med"/>
+            <a:tailEnd type="stealth" w="med" len="med"/>
+          </a:ln>
+        </p:spPr>
+      </p:cxnSp>
+      <p:cxnSp>
+        <p:nvCxnSpPr>
+          <p:cNvPr id="57" name="Google Shape;362;p40">
+            <a:extLst>
+              <a:ext uri="{FF2B5EF4-FFF2-40B4-BE49-F238E27FC236}">
+                <a16:creationId xmlns:a16="http://schemas.microsoft.com/office/drawing/2014/main" id="{7FCF78C7-6B0D-4EE8-81AE-46C171118C53}"/>
+              </a:ext>
+            </a:extLst>
+          </p:cNvPr>
+          <p:cNvCxnSpPr>
+            <a:stCxn id="47" idx="2"/>
+            <a:endCxn id="48" idx="0"/>
+          </p:cNvCxnSpPr>
+          <p:nvPr/>
+        </p:nvCxnSpPr>
+        <p:spPr>
+          <a:xfrm rot="-5400000" flipH="1">
+            <a:off x="6967950" y="1609475"/>
+            <a:ext cx="593100" cy="1204800"/>
+          </a:xfrm>
+          <a:prstGeom prst="bentConnector3">
+            <a:avLst>
+              <a:gd name="adj1" fmla="val 49989"/>
+            </a:avLst>
+          </a:prstGeom>
+          <a:noFill/>
+          <a:ln w="19050" cap="flat" cmpd="sng">
+            <a:solidFill>
+              <a:srgbClr val="E36C09"/>
+            </a:solidFill>
+            <a:prstDash val="dot"/>
+            <a:round/>
+            <a:headEnd type="stealth" w="med" len="med"/>
+            <a:tailEnd type="none" w="med" len="med"/>
+          </a:ln>
+        </p:spPr>
+      </p:cxnSp>
+      <p:sp>
+        <p:nvSpPr>
+          <p:cNvPr id="59" name="Google Shape;363;p40">
+            <a:extLst>
+              <a:ext uri="{FF2B5EF4-FFF2-40B4-BE49-F238E27FC236}">
+                <a16:creationId xmlns:a16="http://schemas.microsoft.com/office/drawing/2014/main" id="{1108AA3B-71A3-4CBA-99D0-9DB029CDDBF2}"/>
+              </a:ext>
+            </a:extLst>
+          </p:cNvPr>
+          <p:cNvSpPr txBox="1"/>
+          <p:nvPr/>
+        </p:nvSpPr>
+        <p:spPr>
+          <a:xfrm>
+            <a:off x="6405602" y="1973075"/>
+            <a:ext cx="236100" cy="211200"/>
+          </a:xfrm>
+          <a:prstGeom prst="rect">
+            <a:avLst/>
+          </a:prstGeom>
+          <a:noFill/>
+          <a:ln>
+            <a:noFill/>
+          </a:ln>
+        </p:spPr>
+        <p:txBody>
+          <a:bodyPr spcFirstLastPara="1" wrap="square" lIns="0" tIns="0" rIns="0" bIns="0" anchor="t" anchorCtr="0">
+            <a:noAutofit/>
+          </a:bodyPr>
+          <a:lstStyle/>
+          <a:p>
+            <a:pPr marL="0" marR="0" lvl="0" indent="0" algn="ctr" rtl="0">
+              <a:spcBef>
+                <a:spcPts val="0"/>
+              </a:spcBef>
+              <a:spcAft>
+                <a:spcPts val="0"/>
+              </a:spcAft>
+              <a:buNone/>
+            </a:pPr>
+            <a:r>
+              <a:rPr lang="en" sz="1100">
+                <a:solidFill>
+                  <a:srgbClr val="E36C09"/>
+                </a:solidFill>
+                <a:latin typeface="Calibri"/>
+                <a:ea typeface="Calibri"/>
+                <a:cs typeface="Calibri"/>
+                <a:sym typeface="Calibri"/>
+              </a:rPr>
+              <a:t>*</a:t>
+            </a:r>
+            <a:endParaRPr sz="1100">
+              <a:solidFill>
+                <a:srgbClr val="E36C09"/>
+              </a:solidFill>
+              <a:latin typeface="Calibri"/>
+              <a:ea typeface="Calibri"/>
+              <a:cs typeface="Calibri"/>
+              <a:sym typeface="Calibri"/>
+            </a:endParaRPr>
+          </a:p>
+        </p:txBody>
+      </p:sp>
+      <p:sp>
+        <p:nvSpPr>
+          <p:cNvPr id="62" name="Google Shape;364;p40">
+            <a:extLst>
+              <a:ext uri="{FF2B5EF4-FFF2-40B4-BE49-F238E27FC236}">
+                <a16:creationId xmlns:a16="http://schemas.microsoft.com/office/drawing/2014/main" id="{3066B838-38D2-4A74-87F5-FDBF74542B0D}"/>
+              </a:ext>
+            </a:extLst>
+          </p:cNvPr>
+          <p:cNvSpPr txBox="1"/>
+          <p:nvPr/>
+        </p:nvSpPr>
+        <p:spPr>
+          <a:xfrm>
+            <a:off x="7947575" y="1960050"/>
+            <a:ext cx="216000" cy="237300"/>
+          </a:xfrm>
+          <a:prstGeom prst="rect">
+            <a:avLst/>
+          </a:prstGeom>
+          <a:noFill/>
+          <a:ln>
+            <a:noFill/>
+          </a:ln>
+        </p:spPr>
+        <p:txBody>
+          <a:bodyPr spcFirstLastPara="1" wrap="square" lIns="0" tIns="0" rIns="0" bIns="0" anchor="t" anchorCtr="0">
+            <a:noAutofit/>
+          </a:bodyPr>
+          <a:lstStyle/>
+          <a:p>
+            <a:pPr marL="0" marR="0" lvl="0" indent="0" algn="ctr" rtl="0">
+              <a:spcBef>
+                <a:spcPts val="0"/>
+              </a:spcBef>
+              <a:spcAft>
+                <a:spcPts val="0"/>
+              </a:spcAft>
+              <a:buNone/>
+            </a:pPr>
+            <a:r>
+              <a:rPr lang="en" sz="1100">
+                <a:solidFill>
+                  <a:srgbClr val="E36C09"/>
+                </a:solidFill>
+                <a:latin typeface="Calibri"/>
+                <a:ea typeface="Calibri"/>
+                <a:cs typeface="Calibri"/>
+                <a:sym typeface="Calibri"/>
+              </a:rPr>
+              <a:t>*</a:t>
+            </a:r>
+            <a:endParaRPr sz="1100">
+              <a:solidFill>
+                <a:srgbClr val="E36C09"/>
+              </a:solidFill>
+              <a:latin typeface="Calibri"/>
+              <a:ea typeface="Calibri"/>
+              <a:cs typeface="Calibri"/>
+              <a:sym typeface="Calibri"/>
+            </a:endParaRPr>
+          </a:p>
+        </p:txBody>
+      </p:sp>
+      <p:sp>
+        <p:nvSpPr>
+          <p:cNvPr id="63" name="Google Shape;365;p40">
+            <a:extLst>
+              <a:ext uri="{FF2B5EF4-FFF2-40B4-BE49-F238E27FC236}">
+                <a16:creationId xmlns:a16="http://schemas.microsoft.com/office/drawing/2014/main" id="{E703AC44-7852-483A-8925-C8D31AE9DDF7}"/>
+              </a:ext>
+            </a:extLst>
+          </p:cNvPr>
+          <p:cNvSpPr txBox="1"/>
+          <p:nvPr/>
+        </p:nvSpPr>
+        <p:spPr>
+          <a:xfrm>
+            <a:off x="2205035" y="2778975"/>
+            <a:ext cx="283800" cy="162600"/>
+          </a:xfrm>
+          <a:prstGeom prst="rect">
+            <a:avLst/>
+          </a:prstGeom>
+          <a:noFill/>
+          <a:ln>
+            <a:noFill/>
+          </a:ln>
+        </p:spPr>
+        <p:txBody>
+          <a:bodyPr spcFirstLastPara="1" wrap="square" lIns="0" tIns="0" rIns="0" bIns="0" anchor="t" anchorCtr="0">
+            <a:noAutofit/>
+          </a:bodyPr>
+          <a:lstStyle/>
+          <a:p>
+            <a:pPr marL="0" marR="0" lvl="0" indent="0" algn="ctr" rtl="0">
+              <a:spcBef>
+                <a:spcPts val="0"/>
+              </a:spcBef>
+              <a:spcAft>
+                <a:spcPts val="0"/>
+              </a:spcAft>
+              <a:buNone/>
+            </a:pPr>
+            <a:r>
+              <a:rPr lang="en" sz="1100">
+                <a:solidFill>
+                  <a:srgbClr val="E36C09"/>
+                </a:solidFill>
+                <a:latin typeface="Calibri"/>
+                <a:ea typeface="Calibri"/>
+                <a:cs typeface="Calibri"/>
+                <a:sym typeface="Calibri"/>
+              </a:rPr>
+              <a:t>1..n</a:t>
+            </a:r>
+            <a:endParaRPr sz="1100">
+              <a:solidFill>
+                <a:srgbClr val="E36C09"/>
+              </a:solidFill>
+              <a:latin typeface="Calibri"/>
+              <a:ea typeface="Calibri"/>
+              <a:cs typeface="Calibri"/>
+              <a:sym typeface="Calibri"/>
+            </a:endParaRPr>
+          </a:p>
+        </p:txBody>
+      </p:sp>
+      <p:sp>
+        <p:nvSpPr>
+          <p:cNvPr id="64" name="Google Shape;366;p40">
+            <a:extLst>
+              <a:ext uri="{FF2B5EF4-FFF2-40B4-BE49-F238E27FC236}">
+                <a16:creationId xmlns:a16="http://schemas.microsoft.com/office/drawing/2014/main" id="{1901E937-C81E-447C-870B-EE4C109F1012}"/>
+              </a:ext>
+            </a:extLst>
+          </p:cNvPr>
+          <p:cNvSpPr txBox="1"/>
+          <p:nvPr/>
+        </p:nvSpPr>
+        <p:spPr>
+          <a:xfrm>
+            <a:off x="2304782" y="1675900"/>
+            <a:ext cx="197400" cy="237300"/>
+          </a:xfrm>
+          <a:prstGeom prst="rect">
+            <a:avLst/>
+          </a:prstGeom>
+          <a:noFill/>
+          <a:ln>
+            <a:noFill/>
+          </a:ln>
+        </p:spPr>
+        <p:txBody>
+          <a:bodyPr spcFirstLastPara="1" wrap="square" lIns="0" tIns="0" rIns="0" bIns="0" anchor="t" anchorCtr="0">
+            <a:noAutofit/>
+          </a:bodyPr>
+          <a:lstStyle/>
+          <a:p>
+            <a:pPr marL="0" marR="0" lvl="0" indent="0" algn="ctr" rtl="0">
+              <a:spcBef>
+                <a:spcPts val="0"/>
+              </a:spcBef>
+              <a:spcAft>
+                <a:spcPts val="0"/>
+              </a:spcAft>
+              <a:buNone/>
+            </a:pPr>
+            <a:r>
+              <a:rPr lang="en" sz="1100">
+                <a:solidFill>
+                  <a:srgbClr val="E36C09"/>
+                </a:solidFill>
+                <a:latin typeface="Calibri"/>
+                <a:ea typeface="Calibri"/>
+                <a:cs typeface="Calibri"/>
+                <a:sym typeface="Calibri"/>
+              </a:rPr>
+              <a:t>1</a:t>
+            </a:r>
+            <a:endParaRPr sz="1100">
+              <a:solidFill>
+                <a:srgbClr val="E36C09"/>
+              </a:solidFill>
+              <a:latin typeface="Calibri"/>
+              <a:ea typeface="Calibri"/>
+              <a:cs typeface="Calibri"/>
+              <a:sym typeface="Calibri"/>
+            </a:endParaRPr>
+          </a:p>
+        </p:txBody>
+      </p:sp>
     </p:spTree>
     <p:extLst>
       <p:ext uri="{BB962C8B-B14F-4D97-AF65-F5344CB8AC3E}">

--- a/docs/diagrams/StorageComponentClassDiagram.pptx
+++ b/docs/diagrams/StorageComponentClassDiagram.pptx
@@ -208,7 +208,7 @@
           <a:p>
             <a:fld id="{F5CC4B3F-88C1-4FFA-B1B6-F41C21DC6924}" type="datetimeFigureOut">
               <a:rPr lang="en-US" smtClean="0"/>
-              <a:t>12/1/2018</a:t>
+              <a:t>3/31/2019</a:t>
             </a:fld>
             <a:endParaRPr lang="en-US"/>
           </a:p>
@@ -654,7 +654,7 @@
           <a:p>
             <a:fld id="{78C97017-6FC3-485B-9764-EAC9E56C1D49}" type="datetimeFigureOut">
               <a:rPr lang="en-US" smtClean="0"/>
-              <a:t>12/1/2018</a:t>
+              <a:t>3/31/2019</a:t>
             </a:fld>
             <a:endParaRPr lang="en-US"/>
           </a:p>
@@ -822,7 +822,7 @@
           <a:p>
             <a:fld id="{78C97017-6FC3-485B-9764-EAC9E56C1D49}" type="datetimeFigureOut">
               <a:rPr lang="en-US" smtClean="0"/>
-              <a:t>12/1/2018</a:t>
+              <a:t>3/31/2019</a:t>
             </a:fld>
             <a:endParaRPr lang="en-US"/>
           </a:p>
@@ -1000,7 +1000,7 @@
           <a:p>
             <a:fld id="{78C97017-6FC3-485B-9764-EAC9E56C1D49}" type="datetimeFigureOut">
               <a:rPr lang="en-US" smtClean="0"/>
-              <a:t>12/1/2018</a:t>
+              <a:t>3/31/2019</a:t>
             </a:fld>
             <a:endParaRPr lang="en-US"/>
           </a:p>
@@ -1168,7 +1168,7 @@
           <a:p>
             <a:fld id="{78C97017-6FC3-485B-9764-EAC9E56C1D49}" type="datetimeFigureOut">
               <a:rPr lang="en-US" smtClean="0"/>
-              <a:t>12/1/2018</a:t>
+              <a:t>3/31/2019</a:t>
             </a:fld>
             <a:endParaRPr lang="en-US"/>
           </a:p>
@@ -1413,7 +1413,7 @@
           <a:p>
             <a:fld id="{78C97017-6FC3-485B-9764-EAC9E56C1D49}" type="datetimeFigureOut">
               <a:rPr lang="en-US" smtClean="0"/>
-              <a:t>12/1/2018</a:t>
+              <a:t>3/31/2019</a:t>
             </a:fld>
             <a:endParaRPr lang="en-US"/>
           </a:p>
@@ -1698,7 +1698,7 @@
           <a:p>
             <a:fld id="{78C97017-6FC3-485B-9764-EAC9E56C1D49}" type="datetimeFigureOut">
               <a:rPr lang="en-US" smtClean="0"/>
-              <a:t>12/1/2018</a:t>
+              <a:t>3/31/2019</a:t>
             </a:fld>
             <a:endParaRPr lang="en-US"/>
           </a:p>
@@ -2117,7 +2117,7 @@
           <a:p>
             <a:fld id="{78C97017-6FC3-485B-9764-EAC9E56C1D49}" type="datetimeFigureOut">
               <a:rPr lang="en-US" smtClean="0"/>
-              <a:t>12/1/2018</a:t>
+              <a:t>3/31/2019</a:t>
             </a:fld>
             <a:endParaRPr lang="en-US"/>
           </a:p>
@@ -2234,7 +2234,7 @@
           <a:p>
             <a:fld id="{78C97017-6FC3-485B-9764-EAC9E56C1D49}" type="datetimeFigureOut">
               <a:rPr lang="en-US" smtClean="0"/>
-              <a:t>12/1/2018</a:t>
+              <a:t>3/31/2019</a:t>
             </a:fld>
             <a:endParaRPr lang="en-US"/>
           </a:p>
@@ -2329,7 +2329,7 @@
           <a:p>
             <a:fld id="{78C97017-6FC3-485B-9764-EAC9E56C1D49}" type="datetimeFigureOut">
               <a:rPr lang="en-US" smtClean="0"/>
-              <a:t>12/1/2018</a:t>
+              <a:t>3/31/2019</a:t>
             </a:fld>
             <a:endParaRPr lang="en-US"/>
           </a:p>
@@ -2604,7 +2604,7 @@
           <a:p>
             <a:fld id="{78C97017-6FC3-485B-9764-EAC9E56C1D49}" type="datetimeFigureOut">
               <a:rPr lang="en-US" smtClean="0"/>
-              <a:t>12/1/2018</a:t>
+              <a:t>3/31/2019</a:t>
             </a:fld>
             <a:endParaRPr lang="en-US"/>
           </a:p>
@@ -2856,7 +2856,7 @@
           <a:p>
             <a:fld id="{78C97017-6FC3-485B-9764-EAC9E56C1D49}" type="datetimeFigureOut">
               <a:rPr lang="en-US" smtClean="0"/>
-              <a:t>12/1/2018</a:t>
+              <a:t>3/31/2019</a:t>
             </a:fld>
             <a:endParaRPr lang="en-US"/>
           </a:p>
@@ -3067,7 +3067,7 @@
           <a:p>
             <a:fld id="{78C97017-6FC3-485B-9764-EAC9E56C1D49}" type="datetimeFigureOut">
               <a:rPr lang="en-US" smtClean="0"/>
-              <a:t>12/1/2018</a:t>
+              <a:t>3/31/2019</a:t>
             </a:fld>
             <a:endParaRPr lang="en-US"/>
           </a:p>
@@ -3451,7 +3451,7 @@
         <p:spPr>
           <a:xfrm>
             <a:off x="1119865" y="2086382"/>
-            <a:ext cx="7871735" cy="1723618"/>
+            <a:ext cx="5052335" cy="1723618"/>
           </a:xfrm>
           <a:prstGeom prst="roundRect">
             <a:avLst>
@@ -3515,7 +3515,7 @@
         </p:nvSpPr>
         <p:spPr>
           <a:xfrm>
-            <a:off x="2877180" y="3158440"/>
+            <a:off x="2938986" y="3321330"/>
             <a:ext cx="1323049" cy="346760"/>
           </a:xfrm>
           <a:prstGeom prst="rect">
@@ -3575,7 +3575,7 @@
                   <a:schemeClr val="bg1"/>
                 </a:solidFill>
               </a:rPr>
-              <a:t>AddressBookStorage</a:t>
+              <a:t>LessonListStorage</a:t>
             </a:r>
             <a:endParaRPr lang="en-SG" sz="1050" dirty="0">
               <a:solidFill>
@@ -3781,6 +3781,7 @@
         <p:nvCxnSpPr>
           <p:cNvPr id="58" name="Straight Arrow Connector 57"/>
           <p:cNvCxnSpPr>
+            <a:cxnSpLocks/>
             <a:stCxn id="42" idx="3"/>
             <a:endCxn id="2" idx="1"/>
           </p:cNvCxnSpPr>
@@ -3788,8 +3789,8 @@
         </p:nvCxnSpPr>
         <p:spPr>
           <a:xfrm>
-            <a:off x="2656370" y="3326536"/>
-            <a:ext cx="220810" cy="5284"/>
+            <a:off x="2654920" y="3494710"/>
+            <a:ext cx="284066" cy="0"/>
           </a:xfrm>
           <a:prstGeom prst="straightConnector1">
             <a:avLst/>
@@ -3914,7 +3915,7 @@
         </p:nvSpPr>
         <p:spPr>
           <a:xfrm>
-            <a:off x="2420322" y="3239846"/>
+            <a:off x="2418872" y="3408020"/>
             <a:ext cx="236048" cy="173380"/>
           </a:xfrm>
           <a:prstGeom prst="flowChartDecision">
@@ -3968,8 +3969,8 @@
         </p:nvCxnSpPr>
         <p:spPr>
           <a:xfrm flipV="1">
-            <a:off x="4398041" y="3331820"/>
-            <a:ext cx="223324" cy="1"/>
+            <a:off x="4454474" y="3503943"/>
+            <a:ext cx="342386" cy="1"/>
           </a:xfrm>
           <a:prstGeom prst="bentConnector3">
             <a:avLst>
@@ -4011,7 +4012,7 @@
         </p:nvSpPr>
         <p:spPr>
           <a:xfrm rot="5400000" flipV="1">
-            <a:off x="4175027" y="3244059"/>
+            <a:off x="4231460" y="3416182"/>
             <a:ext cx="270504" cy="175523"/>
           </a:xfrm>
           <a:prstGeom prst="triangle">
@@ -4058,52 +4059,6 @@
           </a:p>
         </p:txBody>
       </p:sp>
-      <p:cxnSp>
-        <p:nvCxnSpPr>
-          <p:cNvPr id="124" name="Elbow Connector 122"/>
-          <p:cNvCxnSpPr>
-            <a:stCxn id="50" idx="3"/>
-            <a:endCxn id="66" idx="1"/>
-          </p:cNvCxnSpPr>
-          <p:nvPr/>
-        </p:nvCxnSpPr>
-        <p:spPr>
-          <a:xfrm>
-            <a:off x="5791200" y="3331820"/>
-            <a:ext cx="228600" cy="1970"/>
-          </a:xfrm>
-          <a:prstGeom prst="bentConnector3">
-            <a:avLst>
-              <a:gd name="adj1" fmla="val 50000"/>
-            </a:avLst>
-          </a:prstGeom>
-          <a:ln w="19050">
-            <a:solidFill>
-              <a:schemeClr val="accent6">
-                <a:lumMod val="75000"/>
-              </a:schemeClr>
-            </a:solidFill>
-            <a:prstDash val="sysDot"/>
-            <a:headEnd type="none" w="med" len="med"/>
-            <a:tailEnd type="arrow" w="med" len="med"/>
-          </a:ln>
-          <a:effectLst/>
-        </p:spPr>
-        <p:style>
-          <a:lnRef idx="1">
-            <a:schemeClr val="accent2"/>
-          </a:lnRef>
-          <a:fillRef idx="2">
-            <a:schemeClr val="accent2"/>
-          </a:fillRef>
-          <a:effectRef idx="1">
-            <a:schemeClr val="accent2"/>
-          </a:effectRef>
-          <a:fontRef idx="minor">
-            <a:schemeClr val="dk1"/>
-          </a:fontRef>
-        </p:style>
-      </p:cxnSp>
       <p:sp>
         <p:nvSpPr>
           <p:cNvPr id="50" name="Rectangle 8"/>
@@ -4112,7 +4067,7 @@
         </p:nvSpPr>
         <p:spPr>
           <a:xfrm>
-            <a:off x="4621365" y="3158440"/>
+            <a:off x="4796860" y="3330563"/>
             <a:ext cx="1169835" cy="346760"/>
           </a:xfrm>
           <a:prstGeom prst="rect">
@@ -4148,17 +4103,18 @@
                   </a:schemeClr>
                 </a:solidFill>
               </a:rPr>
-              <a:t>JsonAddressBook</a:t>
-            </a:r>
-            <a:br>
-              <a:rPr lang="en-US" sz="1050" b="1" dirty="0">
-                <a:solidFill>
-                  <a:schemeClr val="accent6">
-                    <a:lumMod val="75000"/>
-                  </a:schemeClr>
-                </a:solidFill>
-              </a:rPr>
-            </a:br>
+              <a:t>CsvLessonList</a:t>
+            </a:r>
+            <a:endParaRPr lang="en-US" sz="1050" b="1" dirty="0">
+              <a:solidFill>
+                <a:schemeClr val="accent6">
+                  <a:lumMod val="75000"/>
+                </a:schemeClr>
+              </a:solidFill>
+            </a:endParaRPr>
+          </a:p>
+          <a:p>
+            <a:pPr algn="ctr"/>
             <a:r>
               <a:rPr lang="en-US" sz="1050" b="1" dirty="0">
                 <a:solidFill>
@@ -4187,7 +4143,7 @@
         </p:nvSpPr>
         <p:spPr>
           <a:xfrm>
-            <a:off x="2873943" y="2558040"/>
+            <a:off x="2931372" y="2408135"/>
             <a:ext cx="1323049" cy="346760"/>
           </a:xfrm>
           <a:prstGeom prst="rect">
@@ -4267,9 +4223,9 @@
           <p:nvPr/>
         </p:nvCxnSpPr>
         <p:spPr>
-          <a:xfrm>
-            <a:off x="2653133" y="2726136"/>
-            <a:ext cx="220810" cy="5284"/>
+          <a:xfrm flipV="1">
+            <a:off x="2644257" y="2581515"/>
+            <a:ext cx="287115" cy="1468"/>
           </a:xfrm>
           <a:prstGeom prst="straightConnector1">
             <a:avLst/>
@@ -4308,7 +4264,7 @@
         </p:nvSpPr>
         <p:spPr>
           <a:xfrm>
-            <a:off x="2417085" y="2639446"/>
+            <a:off x="2408209" y="2496293"/>
             <a:ext cx="236048" cy="173380"/>
           </a:xfrm>
           <a:prstGeom prst="flowChartDecision">
@@ -4355,15 +4311,16 @@
         <p:nvCxnSpPr>
           <p:cNvPr id="60" name="Elbow Connector 63"/>
           <p:cNvCxnSpPr>
+            <a:cxnSpLocks/>
             <a:stCxn id="61" idx="3"/>
             <a:endCxn id="65" idx="1"/>
           </p:cNvCxnSpPr>
           <p:nvPr/>
         </p:nvCxnSpPr>
         <p:spPr>
-          <a:xfrm flipV="1">
-            <a:off x="4394804" y="2731420"/>
-            <a:ext cx="223324" cy="1"/>
+          <a:xfrm>
+            <a:off x="4429945" y="2580564"/>
+            <a:ext cx="365408" cy="3624"/>
           </a:xfrm>
           <a:prstGeom prst="bentConnector3">
             <a:avLst>
@@ -4405,7 +4362,7 @@
         </p:nvSpPr>
         <p:spPr>
           <a:xfrm rot="5400000" flipV="1">
-            <a:off x="4171790" y="2643659"/>
+            <a:off x="4206931" y="2492802"/>
             <a:ext cx="270504" cy="175523"/>
           </a:xfrm>
           <a:prstGeom prst="triangle">
@@ -4460,8 +4417,8 @@
         </p:nvSpPr>
         <p:spPr>
           <a:xfrm>
-            <a:off x="4618128" y="2558040"/>
-            <a:ext cx="1093635" cy="346760"/>
+            <a:off x="4795353" y="2410808"/>
+            <a:ext cx="1163728" cy="346760"/>
           </a:xfrm>
           <a:prstGeom prst="rect">
             <a:avLst/>
@@ -4532,14 +4489,323 @@
       </p:sp>
       <p:sp>
         <p:nvSpPr>
-          <p:cNvPr id="66" name="Rectangle 8"/>
+          <p:cNvPr id="26" name="Flowchart: Decision 96">
+            <a:extLst>
+              <a:ext uri="{FF2B5EF4-FFF2-40B4-BE49-F238E27FC236}">
+                <a16:creationId xmlns:a16="http://schemas.microsoft.com/office/drawing/2014/main" id="{ADC8A2FF-760B-4FC9-BB6B-7254857C64AD}"/>
+              </a:ext>
+            </a:extLst>
+          </p:cNvPr>
           <p:cNvSpPr/>
           <p:nvPr/>
         </p:nvSpPr>
         <p:spPr>
           <a:xfrm>
-            <a:off x="6019800" y="3160410"/>
-            <a:ext cx="1200707" cy="346760"/>
+            <a:off x="2413611" y="2962545"/>
+            <a:ext cx="236048" cy="173380"/>
+          </a:xfrm>
+          <a:prstGeom prst="flowChartDecision">
+            <a:avLst/>
+          </a:prstGeom>
+          <a:noFill/>
+          <a:ln w="19050">
+            <a:solidFill>
+              <a:schemeClr val="accent6">
+                <a:lumMod val="75000"/>
+              </a:schemeClr>
+            </a:solidFill>
+          </a:ln>
+          <a:effectLst/>
+        </p:spPr>
+        <p:style>
+          <a:lnRef idx="1">
+            <a:schemeClr val="accent2"/>
+          </a:lnRef>
+          <a:fillRef idx="2">
+            <a:schemeClr val="accent2"/>
+          </a:fillRef>
+          <a:effectRef idx="1">
+            <a:schemeClr val="accent2"/>
+          </a:effectRef>
+          <a:fontRef idx="minor">
+            <a:schemeClr val="dk1"/>
+          </a:fontRef>
+        </p:style>
+        <p:txBody>
+          <a:bodyPr rtlCol="0" anchor="ctr"/>
+          <a:lstStyle/>
+          <a:p>
+            <a:pPr algn="ctr"/>
+            <a:endParaRPr lang="en-US" sz="1050">
+              <a:solidFill>
+                <a:schemeClr val="bg1"/>
+              </a:solidFill>
+            </a:endParaRPr>
+          </a:p>
+        </p:txBody>
+      </p:sp>
+      <p:sp>
+        <p:nvSpPr>
+          <p:cNvPr id="36" name="Rectangle 8">
+            <a:extLst>
+              <a:ext uri="{FF2B5EF4-FFF2-40B4-BE49-F238E27FC236}">
+                <a16:creationId xmlns:a16="http://schemas.microsoft.com/office/drawing/2014/main" id="{13CBBA6C-6F94-4295-8356-632F9B912430}"/>
+              </a:ext>
+            </a:extLst>
+          </p:cNvPr>
+          <p:cNvSpPr/>
+          <p:nvPr/>
+        </p:nvSpPr>
+        <p:spPr>
+          <a:xfrm>
+            <a:off x="2931372" y="2873454"/>
+            <a:ext cx="1323049" cy="346760"/>
+          </a:xfrm>
+          <a:prstGeom prst="rect">
+            <a:avLst/>
+          </a:prstGeom>
+          <a:solidFill>
+            <a:schemeClr val="accent6">
+              <a:lumMod val="75000"/>
+            </a:schemeClr>
+          </a:solidFill>
+          <a:ln w="19050">
+            <a:solidFill>
+              <a:schemeClr val="accent6">
+                <a:lumMod val="75000"/>
+              </a:schemeClr>
+            </a:solidFill>
+          </a:ln>
+          <a:effectLst/>
+        </p:spPr>
+        <p:style>
+          <a:lnRef idx="1">
+            <a:schemeClr val="accent2"/>
+          </a:lnRef>
+          <a:fillRef idx="2">
+            <a:schemeClr val="accent2"/>
+          </a:fillRef>
+          <a:effectRef idx="1">
+            <a:schemeClr val="accent2"/>
+          </a:effectRef>
+          <a:fontRef idx="minor">
+            <a:schemeClr val="dk1"/>
+          </a:fontRef>
+        </p:style>
+        <p:txBody>
+          <a:bodyPr rtlCol="0" anchor="ctr"/>
+          <a:lstStyle/>
+          <a:p>
+            <a:pPr algn="ctr"/>
+            <a:r>
+              <a:rPr lang="en-US" sz="1050" dirty="0">
+                <a:solidFill>
+                  <a:schemeClr val="bg1"/>
+                </a:solidFill>
+              </a:rPr>
+              <a:t>&lt;&lt;interface&gt;&gt;</a:t>
+            </a:r>
+            <a:br>
+              <a:rPr lang="en-US" sz="1050" dirty="0">
+                <a:solidFill>
+                  <a:schemeClr val="bg1"/>
+                </a:solidFill>
+              </a:rPr>
+            </a:br>
+            <a:r>
+              <a:rPr lang="en-US" sz="1050" dirty="0" err="1">
+                <a:solidFill>
+                  <a:schemeClr val="bg1"/>
+                </a:solidFill>
+              </a:rPr>
+              <a:t>UserStorage</a:t>
+            </a:r>
+            <a:endParaRPr lang="en-SG" sz="1050" dirty="0">
+              <a:solidFill>
+                <a:schemeClr val="bg1"/>
+              </a:solidFill>
+            </a:endParaRPr>
+          </a:p>
+        </p:txBody>
+      </p:sp>
+      <p:cxnSp>
+        <p:nvCxnSpPr>
+          <p:cNvPr id="37" name="Straight Arrow Connector 36">
+            <a:extLst>
+              <a:ext uri="{FF2B5EF4-FFF2-40B4-BE49-F238E27FC236}">
+                <a16:creationId xmlns:a16="http://schemas.microsoft.com/office/drawing/2014/main" id="{64D55DB2-783E-439D-BF49-1855C0D5D282}"/>
+              </a:ext>
+            </a:extLst>
+          </p:cNvPr>
+          <p:cNvCxnSpPr>
+            <a:cxnSpLocks/>
+            <a:endCxn id="36" idx="1"/>
+          </p:cNvCxnSpPr>
+          <p:nvPr/>
+        </p:nvCxnSpPr>
+        <p:spPr>
+          <a:xfrm>
+            <a:off x="2647306" y="3046834"/>
+            <a:ext cx="284066" cy="0"/>
+          </a:xfrm>
+          <a:prstGeom prst="straightConnector1">
+            <a:avLst/>
+          </a:prstGeom>
+          <a:ln w="19050">
+            <a:solidFill>
+              <a:schemeClr val="accent6">
+                <a:lumMod val="75000"/>
+              </a:schemeClr>
+            </a:solidFill>
+            <a:headEnd type="none" w="med" len="med"/>
+            <a:tailEnd type="arrow" w="med" len="med"/>
+          </a:ln>
+          <a:effectLst/>
+        </p:spPr>
+        <p:style>
+          <a:lnRef idx="1">
+            <a:schemeClr val="accent2"/>
+          </a:lnRef>
+          <a:fillRef idx="2">
+            <a:schemeClr val="accent2"/>
+          </a:fillRef>
+          <a:effectRef idx="1">
+            <a:schemeClr val="accent2"/>
+          </a:effectRef>
+          <a:fontRef idx="minor">
+            <a:schemeClr val="dk1"/>
+          </a:fontRef>
+        </p:style>
+      </p:cxnSp>
+      <p:cxnSp>
+        <p:nvCxnSpPr>
+          <p:cNvPr id="38" name="Elbow Connector 63">
+            <a:extLst>
+              <a:ext uri="{FF2B5EF4-FFF2-40B4-BE49-F238E27FC236}">
+                <a16:creationId xmlns:a16="http://schemas.microsoft.com/office/drawing/2014/main" id="{BA142AA2-E881-42CD-8FDA-6B057172389F}"/>
+              </a:ext>
+            </a:extLst>
+          </p:cNvPr>
+          <p:cNvCxnSpPr>
+            <a:stCxn id="39" idx="3"/>
+            <a:endCxn id="40" idx="1"/>
+          </p:cNvCxnSpPr>
+          <p:nvPr/>
+        </p:nvCxnSpPr>
+        <p:spPr>
+          <a:xfrm flipV="1">
+            <a:off x="4446860" y="3056067"/>
+            <a:ext cx="342386" cy="1"/>
+          </a:xfrm>
+          <a:prstGeom prst="bentConnector3">
+            <a:avLst>
+              <a:gd name="adj1" fmla="val 50000"/>
+            </a:avLst>
+          </a:prstGeom>
+          <a:ln w="19050">
+            <a:solidFill>
+              <a:schemeClr val="accent6">
+                <a:lumMod val="75000"/>
+              </a:schemeClr>
+            </a:solidFill>
+            <a:prstDash val="sysDot"/>
+            <a:headEnd type="none" w="med" len="med"/>
+            <a:tailEnd type="none" w="med" len="med"/>
+          </a:ln>
+          <a:effectLst/>
+        </p:spPr>
+        <p:style>
+          <a:lnRef idx="1">
+            <a:schemeClr val="accent2"/>
+          </a:lnRef>
+          <a:fillRef idx="2">
+            <a:schemeClr val="accent2"/>
+          </a:fillRef>
+          <a:effectRef idx="1">
+            <a:schemeClr val="accent2"/>
+          </a:effectRef>
+          <a:fontRef idx="minor">
+            <a:schemeClr val="dk1"/>
+          </a:fontRef>
+        </p:style>
+      </p:cxnSp>
+      <p:sp>
+        <p:nvSpPr>
+          <p:cNvPr id="39" name="Isosceles Triangle 102">
+            <a:extLst>
+              <a:ext uri="{FF2B5EF4-FFF2-40B4-BE49-F238E27FC236}">
+                <a16:creationId xmlns:a16="http://schemas.microsoft.com/office/drawing/2014/main" id="{462F6784-0091-44BA-8DE0-D08F98A68D2B}"/>
+              </a:ext>
+            </a:extLst>
+          </p:cNvPr>
+          <p:cNvSpPr/>
+          <p:nvPr/>
+        </p:nvSpPr>
+        <p:spPr>
+          <a:xfrm rot="5400000" flipV="1">
+            <a:off x="4223846" y="2968306"/>
+            <a:ext cx="270504" cy="175523"/>
+          </a:xfrm>
+          <a:prstGeom prst="triangle">
+            <a:avLst/>
+          </a:prstGeom>
+          <a:solidFill>
+            <a:schemeClr val="accent6">
+              <a:lumMod val="75000"/>
+            </a:schemeClr>
+          </a:solidFill>
+          <a:ln w="19050">
+            <a:solidFill>
+              <a:schemeClr val="accent6">
+                <a:lumMod val="75000"/>
+              </a:schemeClr>
+            </a:solidFill>
+          </a:ln>
+          <a:effectLst/>
+        </p:spPr>
+        <p:style>
+          <a:lnRef idx="1">
+            <a:schemeClr val="accent2"/>
+          </a:lnRef>
+          <a:fillRef idx="2">
+            <a:schemeClr val="accent2"/>
+          </a:fillRef>
+          <a:effectRef idx="1">
+            <a:schemeClr val="accent2"/>
+          </a:effectRef>
+          <a:fontRef idx="minor">
+            <a:schemeClr val="dk1"/>
+          </a:fontRef>
+        </p:style>
+        <p:txBody>
+          <a:bodyPr rtlCol="0" anchor="ctr"/>
+          <a:lstStyle/>
+          <a:p>
+            <a:pPr algn="ctr"/>
+            <a:endParaRPr lang="en-SG" sz="1050">
+              <a:solidFill>
+                <a:schemeClr val="bg1"/>
+              </a:solidFill>
+            </a:endParaRPr>
+          </a:p>
+        </p:txBody>
+      </p:sp>
+      <p:sp>
+        <p:nvSpPr>
+          <p:cNvPr id="40" name="Rectangle 8">
+            <a:extLst>
+              <a:ext uri="{FF2B5EF4-FFF2-40B4-BE49-F238E27FC236}">
+                <a16:creationId xmlns:a16="http://schemas.microsoft.com/office/drawing/2014/main" id="{3EB088F6-40CE-4F7C-A34C-A685DF821133}"/>
+              </a:ext>
+            </a:extLst>
+          </p:cNvPr>
+          <p:cNvSpPr/>
+          <p:nvPr/>
+        </p:nvSpPr>
+        <p:spPr>
+          <a:xfrm>
+            <a:off x="4789246" y="2882687"/>
+            <a:ext cx="1169835" cy="346760"/>
           </a:xfrm>
           <a:prstGeom prst="rect">
             <a:avLst/>
@@ -4574,26 +4840,7 @@
                   </a:schemeClr>
                 </a:solidFill>
               </a:rPr>
-              <a:t>JsonSerializable</a:t>
-            </a:r>
-            <a:br>
-              <a:rPr lang="en-US" sz="1050" b="1" dirty="0">
-                <a:solidFill>
-                  <a:schemeClr val="accent6">
-                    <a:lumMod val="75000"/>
-                  </a:schemeClr>
-                </a:solidFill>
-              </a:rPr>
-            </a:br>
-            <a:r>
-              <a:rPr lang="en-US" sz="1050" b="1" dirty="0" err="1">
-                <a:solidFill>
-                  <a:schemeClr val="accent6">
-                    <a:lumMod val="75000"/>
-                  </a:schemeClr>
-                </a:solidFill>
-              </a:rPr>
-              <a:t>AddressBook</a:t>
+              <a:t>CsvUserStorage</a:t>
             </a:r>
             <a:endParaRPr lang="en-SG" sz="1050" b="1" dirty="0">
               <a:solidFill>
@@ -4605,201 +4852,6 @@
           </a:p>
         </p:txBody>
       </p:sp>
-      <p:cxnSp>
-        <p:nvCxnSpPr>
-          <p:cNvPr id="70" name="Elbow Connector 122"/>
-          <p:cNvCxnSpPr>
-            <a:cxnSpLocks/>
-            <a:stCxn id="74" idx="0"/>
-            <a:endCxn id="73" idx="2"/>
-          </p:cNvCxnSpPr>
-          <p:nvPr/>
-        </p:nvCxnSpPr>
-        <p:spPr>
-          <a:xfrm rot="16200000" flipV="1">
-            <a:off x="8077993" y="2992019"/>
-            <a:ext cx="335208" cy="1"/>
-          </a:xfrm>
-          <a:prstGeom prst="bentConnector3">
-            <a:avLst>
-              <a:gd name="adj1" fmla="val 50000"/>
-            </a:avLst>
-          </a:prstGeom>
-          <a:ln w="19050">
-            <a:prstDash val="sysDot"/>
-            <a:headEnd type="none" w="med" len="med"/>
-            <a:tailEnd type="arrow" w="med" len="med"/>
-          </a:ln>
-          <a:effectLst/>
-        </p:spPr>
-        <p:style>
-          <a:lnRef idx="1">
-            <a:schemeClr val="accent6"/>
-          </a:lnRef>
-          <a:fillRef idx="2">
-            <a:schemeClr val="accent6"/>
-          </a:fillRef>
-          <a:effectRef idx="1">
-            <a:schemeClr val="accent6"/>
-          </a:effectRef>
-          <a:fontRef idx="minor">
-            <a:schemeClr val="dk1"/>
-          </a:fontRef>
-        </p:style>
-      </p:cxnSp>
-      <p:sp>
-        <p:nvSpPr>
-          <p:cNvPr id="73" name="Rectangle 8"/>
-          <p:cNvSpPr/>
-          <p:nvPr/>
-        </p:nvSpPr>
-        <p:spPr>
-          <a:xfrm>
-            <a:off x="7615736" y="2477656"/>
-            <a:ext cx="1259719" cy="346760"/>
-          </a:xfrm>
-          <a:prstGeom prst="rect">
-            <a:avLst/>
-          </a:prstGeom>
-          <a:ln w="19050"/>
-          <a:effectLst/>
-        </p:spPr>
-        <p:style>
-          <a:lnRef idx="1">
-            <a:schemeClr val="accent6"/>
-          </a:lnRef>
-          <a:fillRef idx="2">
-            <a:schemeClr val="accent6"/>
-          </a:fillRef>
-          <a:effectRef idx="1">
-            <a:schemeClr val="accent6"/>
-          </a:effectRef>
-          <a:fontRef idx="minor">
-            <a:schemeClr val="dk1"/>
-          </a:fontRef>
-        </p:style>
-        <p:txBody>
-          <a:bodyPr rtlCol="0" anchor="ctr"/>
-          <a:lstStyle/>
-          <a:p>
-            <a:pPr algn="ctr"/>
-            <a:r>
-              <a:rPr lang="en-US" sz="1050" b="1" dirty="0" err="1">
-                <a:solidFill>
-                  <a:schemeClr val="accent6">
-                    <a:lumMod val="75000"/>
-                  </a:schemeClr>
-                </a:solidFill>
-              </a:rPr>
-              <a:t>JsonAdaptedTag</a:t>
-            </a:r>
-            <a:endParaRPr lang="en-SG" sz="1050" b="1" dirty="0">
-              <a:solidFill>
-                <a:schemeClr val="accent6">
-                  <a:lumMod val="75000"/>
-                </a:schemeClr>
-              </a:solidFill>
-            </a:endParaRPr>
-          </a:p>
-        </p:txBody>
-      </p:sp>
-      <p:sp>
-        <p:nvSpPr>
-          <p:cNvPr id="74" name="Rectangle 8"/>
-          <p:cNvSpPr/>
-          <p:nvPr/>
-        </p:nvSpPr>
-        <p:spPr>
-          <a:xfrm>
-            <a:off x="7615738" y="3159624"/>
-            <a:ext cx="1259718" cy="346760"/>
-          </a:xfrm>
-          <a:prstGeom prst="rect">
-            <a:avLst/>
-          </a:prstGeom>
-          <a:ln w="19050"/>
-          <a:effectLst/>
-        </p:spPr>
-        <p:style>
-          <a:lnRef idx="1">
-            <a:schemeClr val="accent6"/>
-          </a:lnRef>
-          <a:fillRef idx="2">
-            <a:schemeClr val="accent6"/>
-          </a:fillRef>
-          <a:effectRef idx="1">
-            <a:schemeClr val="accent6"/>
-          </a:effectRef>
-          <a:fontRef idx="minor">
-            <a:schemeClr val="dk1"/>
-          </a:fontRef>
-        </p:style>
-        <p:txBody>
-          <a:bodyPr rtlCol="0" anchor="ctr"/>
-          <a:lstStyle/>
-          <a:p>
-            <a:pPr algn="ctr"/>
-            <a:r>
-              <a:rPr lang="en-US" sz="1030" b="1" dirty="0" err="1">
-                <a:solidFill>
-                  <a:schemeClr val="accent6">
-                    <a:lumMod val="75000"/>
-                  </a:schemeClr>
-                </a:solidFill>
-              </a:rPr>
-              <a:t>JsonAdaptedPerson</a:t>
-            </a:r>
-            <a:endParaRPr lang="en-SG" sz="1030" b="1" dirty="0">
-              <a:solidFill>
-                <a:schemeClr val="accent6">
-                  <a:lumMod val="75000"/>
-                </a:schemeClr>
-              </a:solidFill>
-            </a:endParaRPr>
-          </a:p>
-        </p:txBody>
-      </p:sp>
-      <p:cxnSp>
-        <p:nvCxnSpPr>
-          <p:cNvPr id="77" name="Elbow Connector 122"/>
-          <p:cNvCxnSpPr>
-            <a:stCxn id="66" idx="3"/>
-            <a:endCxn id="74" idx="1"/>
-          </p:cNvCxnSpPr>
-          <p:nvPr/>
-        </p:nvCxnSpPr>
-        <p:spPr>
-          <a:xfrm flipV="1">
-            <a:off x="7220507" y="3333004"/>
-            <a:ext cx="395231" cy="786"/>
-          </a:xfrm>
-          <a:prstGeom prst="bentConnector3">
-            <a:avLst>
-              <a:gd name="adj1" fmla="val 50000"/>
-            </a:avLst>
-          </a:prstGeom>
-          <a:ln w="19050">
-            <a:prstDash val="sysDot"/>
-            <a:headEnd type="none" w="med" len="med"/>
-            <a:tailEnd type="arrow" w="med" len="med"/>
-          </a:ln>
-          <a:effectLst/>
-        </p:spPr>
-        <p:style>
-          <a:lnRef idx="1">
-            <a:schemeClr val="accent6"/>
-          </a:lnRef>
-          <a:fillRef idx="2">
-            <a:schemeClr val="accent6"/>
-          </a:fillRef>
-          <a:effectRef idx="1">
-            <a:schemeClr val="accent6"/>
-          </a:effectRef>
-          <a:fontRef idx="minor">
-            <a:schemeClr val="dk1"/>
-          </a:fontRef>
-        </p:style>
-      </p:cxnSp>
     </p:spTree>
     <p:extLst>
       <p:ext uri="{BB962C8B-B14F-4D97-AF65-F5344CB8AC3E}">

--- a/docs/diagrams/StorageComponentClassDiagram.pptx
+++ b/docs/diagrams/StorageComponentClassDiagram.pptx
@@ -109,7 +109,7 @@
   </p:defaultTextStyle>
   <p:extLst>
     <p:ext uri="{EFAFB233-063F-42B5-8137-9DF3F51BA10A}">
-      <p15:sldGuideLst xmlns:p15="http://schemas.microsoft.com/office/powerpoint/2012/main">
+      <p15:sldGuideLst xmlns:p15="http://schemas.microsoft.com/office/powerpoint/2012/main" xmlns="">
         <p15:guide id="1" orient="horz" pos="1488">
           <p15:clr>
             <a:srgbClr val="A4A3A4"/>
@@ -208,7 +208,8 @@
           <a:p>
             <a:fld id="{F5CC4B3F-88C1-4FFA-B1B6-F41C21DC6924}" type="datetimeFigureOut">
               <a:rPr lang="en-US" smtClean="0"/>
-              <a:t>12/1/2018</a:t>
+              <a:pPr/>
+              <a:t>3/31/2019</a:t>
             </a:fld>
             <a:endParaRPr lang="en-US"/>
           </a:p>
@@ -366,6 +367,7 @@
           <a:p>
             <a:fld id="{5A7AB025-77E3-4BD1-A2FD-B3183DBA47A3}" type="slidenum">
               <a:rPr lang="en-US" smtClean="0"/>
+              <a:pPr/>
               <a:t>‹#›</a:t>
             </a:fld>
             <a:endParaRPr lang="en-US"/>
@@ -375,7 +377,7 @@
     </p:spTree>
     <p:extLst>
       <p:ext uri="{BB962C8B-B14F-4D97-AF65-F5344CB8AC3E}">
-        <p14:creationId xmlns:p14="http://schemas.microsoft.com/office/powerpoint/2010/main" val="2023976206"/>
+        <p14:creationId xmlns:p14="http://schemas.microsoft.com/office/powerpoint/2010/main" xmlns="" val="2023976206"/>
       </p:ext>
     </p:extLst>
   </p:cSld>
@@ -654,7 +656,8 @@
           <a:p>
             <a:fld id="{78C97017-6FC3-485B-9764-EAC9E56C1D49}" type="datetimeFigureOut">
               <a:rPr lang="en-US" smtClean="0"/>
-              <a:t>12/1/2018</a:t>
+              <a:pPr/>
+              <a:t>3/31/2019</a:t>
             </a:fld>
             <a:endParaRPr lang="en-US"/>
           </a:p>
@@ -696,6 +699,7 @@
           <a:p>
             <a:fld id="{FB34683C-161B-4520-BF45-B179E228CF2A}" type="slidenum">
               <a:rPr lang="en-US" smtClean="0"/>
+              <a:pPr/>
               <a:t>‹#›</a:t>
             </a:fld>
             <a:endParaRPr lang="en-US"/>
@@ -705,7 +709,7 @@
     </p:spTree>
     <p:extLst>
       <p:ext uri="{BB962C8B-B14F-4D97-AF65-F5344CB8AC3E}">
-        <p14:creationId xmlns:p14="http://schemas.microsoft.com/office/powerpoint/2010/main" val="3246593157"/>
+        <p14:creationId xmlns:p14="http://schemas.microsoft.com/office/powerpoint/2010/main" xmlns="" val="3246593157"/>
       </p:ext>
     </p:extLst>
   </p:cSld>
@@ -822,7 +826,8 @@
           <a:p>
             <a:fld id="{78C97017-6FC3-485B-9764-EAC9E56C1D49}" type="datetimeFigureOut">
               <a:rPr lang="en-US" smtClean="0"/>
-              <a:t>12/1/2018</a:t>
+              <a:pPr/>
+              <a:t>3/31/2019</a:t>
             </a:fld>
             <a:endParaRPr lang="en-US"/>
           </a:p>
@@ -864,6 +869,7 @@
           <a:p>
             <a:fld id="{FB34683C-161B-4520-BF45-B179E228CF2A}" type="slidenum">
               <a:rPr lang="en-US" smtClean="0"/>
+              <a:pPr/>
               <a:t>‹#›</a:t>
             </a:fld>
             <a:endParaRPr lang="en-US"/>
@@ -873,7 +879,7 @@
     </p:spTree>
     <p:extLst>
       <p:ext uri="{BB962C8B-B14F-4D97-AF65-F5344CB8AC3E}">
-        <p14:creationId xmlns:p14="http://schemas.microsoft.com/office/powerpoint/2010/main" val="2707025021"/>
+        <p14:creationId xmlns:p14="http://schemas.microsoft.com/office/powerpoint/2010/main" xmlns="" val="2707025021"/>
       </p:ext>
     </p:extLst>
   </p:cSld>
@@ -1000,7 +1006,8 @@
           <a:p>
             <a:fld id="{78C97017-6FC3-485B-9764-EAC9E56C1D49}" type="datetimeFigureOut">
               <a:rPr lang="en-US" smtClean="0"/>
-              <a:t>12/1/2018</a:t>
+              <a:pPr/>
+              <a:t>3/31/2019</a:t>
             </a:fld>
             <a:endParaRPr lang="en-US"/>
           </a:p>
@@ -1042,6 +1049,7 @@
           <a:p>
             <a:fld id="{FB34683C-161B-4520-BF45-B179E228CF2A}" type="slidenum">
               <a:rPr lang="en-US" smtClean="0"/>
+              <a:pPr/>
               <a:t>‹#›</a:t>
             </a:fld>
             <a:endParaRPr lang="en-US"/>
@@ -1051,7 +1059,7 @@
     </p:spTree>
     <p:extLst>
       <p:ext uri="{BB962C8B-B14F-4D97-AF65-F5344CB8AC3E}">
-        <p14:creationId xmlns:p14="http://schemas.microsoft.com/office/powerpoint/2010/main" val="568378986"/>
+        <p14:creationId xmlns:p14="http://schemas.microsoft.com/office/powerpoint/2010/main" xmlns="" val="568378986"/>
       </p:ext>
     </p:extLst>
   </p:cSld>
@@ -1168,7 +1176,8 @@
           <a:p>
             <a:fld id="{78C97017-6FC3-485B-9764-EAC9E56C1D49}" type="datetimeFigureOut">
               <a:rPr lang="en-US" smtClean="0"/>
-              <a:t>12/1/2018</a:t>
+              <a:pPr/>
+              <a:t>3/31/2019</a:t>
             </a:fld>
             <a:endParaRPr lang="en-US"/>
           </a:p>
@@ -1210,6 +1219,7 @@
           <a:p>
             <a:fld id="{FB34683C-161B-4520-BF45-B179E228CF2A}" type="slidenum">
               <a:rPr lang="en-US" smtClean="0"/>
+              <a:pPr/>
               <a:t>‹#›</a:t>
             </a:fld>
             <a:endParaRPr lang="en-US"/>
@@ -1219,7 +1229,7 @@
     </p:spTree>
     <p:extLst>
       <p:ext uri="{BB962C8B-B14F-4D97-AF65-F5344CB8AC3E}">
-        <p14:creationId xmlns:p14="http://schemas.microsoft.com/office/powerpoint/2010/main" val="266658052"/>
+        <p14:creationId xmlns:p14="http://schemas.microsoft.com/office/powerpoint/2010/main" xmlns="" val="266658052"/>
       </p:ext>
     </p:extLst>
   </p:cSld>
@@ -1413,7 +1423,8 @@
           <a:p>
             <a:fld id="{78C97017-6FC3-485B-9764-EAC9E56C1D49}" type="datetimeFigureOut">
               <a:rPr lang="en-US" smtClean="0"/>
-              <a:t>12/1/2018</a:t>
+              <a:pPr/>
+              <a:t>3/31/2019</a:t>
             </a:fld>
             <a:endParaRPr lang="en-US"/>
           </a:p>
@@ -1455,6 +1466,7 @@
           <a:p>
             <a:fld id="{FB34683C-161B-4520-BF45-B179E228CF2A}" type="slidenum">
               <a:rPr lang="en-US" smtClean="0"/>
+              <a:pPr/>
               <a:t>‹#›</a:t>
             </a:fld>
             <a:endParaRPr lang="en-US"/>
@@ -1464,7 +1476,7 @@
     </p:spTree>
     <p:extLst>
       <p:ext uri="{BB962C8B-B14F-4D97-AF65-F5344CB8AC3E}">
-        <p14:creationId xmlns:p14="http://schemas.microsoft.com/office/powerpoint/2010/main" val="474686344"/>
+        <p14:creationId xmlns:p14="http://schemas.microsoft.com/office/powerpoint/2010/main" xmlns="" val="474686344"/>
       </p:ext>
     </p:extLst>
   </p:cSld>
@@ -1698,7 +1710,8 @@
           <a:p>
             <a:fld id="{78C97017-6FC3-485B-9764-EAC9E56C1D49}" type="datetimeFigureOut">
               <a:rPr lang="en-US" smtClean="0"/>
-              <a:t>12/1/2018</a:t>
+              <a:pPr/>
+              <a:t>3/31/2019</a:t>
             </a:fld>
             <a:endParaRPr lang="en-US"/>
           </a:p>
@@ -1740,6 +1753,7 @@
           <a:p>
             <a:fld id="{FB34683C-161B-4520-BF45-B179E228CF2A}" type="slidenum">
               <a:rPr lang="en-US" smtClean="0"/>
+              <a:pPr/>
               <a:t>‹#›</a:t>
             </a:fld>
             <a:endParaRPr lang="en-US"/>
@@ -1749,7 +1763,7 @@
     </p:spTree>
     <p:extLst>
       <p:ext uri="{BB962C8B-B14F-4D97-AF65-F5344CB8AC3E}">
-        <p14:creationId xmlns:p14="http://schemas.microsoft.com/office/powerpoint/2010/main" val="562293251"/>
+        <p14:creationId xmlns:p14="http://schemas.microsoft.com/office/powerpoint/2010/main" xmlns="" val="562293251"/>
       </p:ext>
     </p:extLst>
   </p:cSld>
@@ -2117,7 +2131,8 @@
           <a:p>
             <a:fld id="{78C97017-6FC3-485B-9764-EAC9E56C1D49}" type="datetimeFigureOut">
               <a:rPr lang="en-US" smtClean="0"/>
-              <a:t>12/1/2018</a:t>
+              <a:pPr/>
+              <a:t>3/31/2019</a:t>
             </a:fld>
             <a:endParaRPr lang="en-US"/>
           </a:p>
@@ -2159,6 +2174,7 @@
           <a:p>
             <a:fld id="{FB34683C-161B-4520-BF45-B179E228CF2A}" type="slidenum">
               <a:rPr lang="en-US" smtClean="0"/>
+              <a:pPr/>
               <a:t>‹#›</a:t>
             </a:fld>
             <a:endParaRPr lang="en-US"/>
@@ -2168,7 +2184,7 @@
     </p:spTree>
     <p:extLst>
       <p:ext uri="{BB962C8B-B14F-4D97-AF65-F5344CB8AC3E}">
-        <p14:creationId xmlns:p14="http://schemas.microsoft.com/office/powerpoint/2010/main" val="1126424250"/>
+        <p14:creationId xmlns:p14="http://schemas.microsoft.com/office/powerpoint/2010/main" xmlns="" val="1126424250"/>
       </p:ext>
     </p:extLst>
   </p:cSld>
@@ -2234,7 +2250,8 @@
           <a:p>
             <a:fld id="{78C97017-6FC3-485B-9764-EAC9E56C1D49}" type="datetimeFigureOut">
               <a:rPr lang="en-US" smtClean="0"/>
-              <a:t>12/1/2018</a:t>
+              <a:pPr/>
+              <a:t>3/31/2019</a:t>
             </a:fld>
             <a:endParaRPr lang="en-US"/>
           </a:p>
@@ -2276,6 +2293,7 @@
           <a:p>
             <a:fld id="{FB34683C-161B-4520-BF45-B179E228CF2A}" type="slidenum">
               <a:rPr lang="en-US" smtClean="0"/>
+              <a:pPr/>
               <a:t>‹#›</a:t>
             </a:fld>
             <a:endParaRPr lang="en-US"/>
@@ -2285,7 +2303,7 @@
     </p:spTree>
     <p:extLst>
       <p:ext uri="{BB962C8B-B14F-4D97-AF65-F5344CB8AC3E}">
-        <p14:creationId xmlns:p14="http://schemas.microsoft.com/office/powerpoint/2010/main" val="4159724230"/>
+        <p14:creationId xmlns:p14="http://schemas.microsoft.com/office/powerpoint/2010/main" xmlns="" val="4159724230"/>
       </p:ext>
     </p:extLst>
   </p:cSld>
@@ -2329,7 +2347,8 @@
           <a:p>
             <a:fld id="{78C97017-6FC3-485B-9764-EAC9E56C1D49}" type="datetimeFigureOut">
               <a:rPr lang="en-US" smtClean="0"/>
-              <a:t>12/1/2018</a:t>
+              <a:pPr/>
+              <a:t>3/31/2019</a:t>
             </a:fld>
             <a:endParaRPr lang="en-US"/>
           </a:p>
@@ -2371,6 +2390,7 @@
           <a:p>
             <a:fld id="{FB34683C-161B-4520-BF45-B179E228CF2A}" type="slidenum">
               <a:rPr lang="en-US" smtClean="0"/>
+              <a:pPr/>
               <a:t>‹#›</a:t>
             </a:fld>
             <a:endParaRPr lang="en-US"/>
@@ -2380,7 +2400,7 @@
     </p:spTree>
     <p:extLst>
       <p:ext uri="{BB962C8B-B14F-4D97-AF65-F5344CB8AC3E}">
-        <p14:creationId xmlns:p14="http://schemas.microsoft.com/office/powerpoint/2010/main" val="1793928710"/>
+        <p14:creationId xmlns:p14="http://schemas.microsoft.com/office/powerpoint/2010/main" xmlns="" val="1793928710"/>
       </p:ext>
     </p:extLst>
   </p:cSld>
@@ -2604,7 +2624,8 @@
           <a:p>
             <a:fld id="{78C97017-6FC3-485B-9764-EAC9E56C1D49}" type="datetimeFigureOut">
               <a:rPr lang="en-US" smtClean="0"/>
-              <a:t>12/1/2018</a:t>
+              <a:pPr/>
+              <a:t>3/31/2019</a:t>
             </a:fld>
             <a:endParaRPr lang="en-US"/>
           </a:p>
@@ -2646,6 +2667,7 @@
           <a:p>
             <a:fld id="{FB34683C-161B-4520-BF45-B179E228CF2A}" type="slidenum">
               <a:rPr lang="en-US" smtClean="0"/>
+              <a:pPr/>
               <a:t>‹#›</a:t>
             </a:fld>
             <a:endParaRPr lang="en-US"/>
@@ -2655,7 +2677,7 @@
     </p:spTree>
     <p:extLst>
       <p:ext uri="{BB962C8B-B14F-4D97-AF65-F5344CB8AC3E}">
-        <p14:creationId xmlns:p14="http://schemas.microsoft.com/office/powerpoint/2010/main" val="2076802089"/>
+        <p14:creationId xmlns:p14="http://schemas.microsoft.com/office/powerpoint/2010/main" xmlns="" val="2076802089"/>
       </p:ext>
     </p:extLst>
   </p:cSld>
@@ -2856,7 +2878,8 @@
           <a:p>
             <a:fld id="{78C97017-6FC3-485B-9764-EAC9E56C1D49}" type="datetimeFigureOut">
               <a:rPr lang="en-US" smtClean="0"/>
-              <a:t>12/1/2018</a:t>
+              <a:pPr/>
+              <a:t>3/31/2019</a:t>
             </a:fld>
             <a:endParaRPr lang="en-US"/>
           </a:p>
@@ -2898,6 +2921,7 @@
           <a:p>
             <a:fld id="{FB34683C-161B-4520-BF45-B179E228CF2A}" type="slidenum">
               <a:rPr lang="en-US" smtClean="0"/>
+              <a:pPr/>
               <a:t>‹#›</a:t>
             </a:fld>
             <a:endParaRPr lang="en-US"/>
@@ -2907,7 +2931,7 @@
     </p:spTree>
     <p:extLst>
       <p:ext uri="{BB962C8B-B14F-4D97-AF65-F5344CB8AC3E}">
-        <p14:creationId xmlns:p14="http://schemas.microsoft.com/office/powerpoint/2010/main" val="201835938"/>
+        <p14:creationId xmlns:p14="http://schemas.microsoft.com/office/powerpoint/2010/main" xmlns="" val="201835938"/>
       </p:ext>
     </p:extLst>
   </p:cSld>
@@ -3067,7 +3091,8 @@
           <a:p>
             <a:fld id="{78C97017-6FC3-485B-9764-EAC9E56C1D49}" type="datetimeFigureOut">
               <a:rPr lang="en-US" smtClean="0"/>
-              <a:t>12/1/2018</a:t>
+              <a:pPr/>
+              <a:t>3/31/2019</a:t>
             </a:fld>
             <a:endParaRPr lang="en-US"/>
           </a:p>
@@ -3145,6 +3170,7 @@
           <a:p>
             <a:fld id="{FB34683C-161B-4520-BF45-B179E228CF2A}" type="slidenum">
               <a:rPr lang="en-US" smtClean="0"/>
+              <a:pPr/>
               <a:t>‹#›</a:t>
             </a:fld>
             <a:endParaRPr lang="en-US"/>
@@ -3154,7 +3180,7 @@
     </p:spTree>
     <p:extLst>
       <p:ext uri="{BB962C8B-B14F-4D97-AF65-F5344CB8AC3E}">
-        <p14:creationId xmlns:p14="http://schemas.microsoft.com/office/powerpoint/2010/main" val="2341400630"/>
+        <p14:creationId xmlns:p14="http://schemas.microsoft.com/office/powerpoint/2010/main" xmlns="" val="2341400630"/>
       </p:ext>
     </p:extLst>
   </p:cSld>
@@ -3570,12 +3596,20 @@
               </a:rPr>
             </a:br>
             <a:r>
-              <a:rPr lang="en-US" sz="1050" dirty="0" err="1">
+              <a:rPr lang="en-US" sz="1050" dirty="0" err="1" smtClean="0">
                 <a:solidFill>
                   <a:schemeClr val="bg1"/>
                 </a:solidFill>
               </a:rPr>
-              <a:t>AddressBookStorage</a:t>
+              <a:t>GradTrak</a:t>
+            </a:r>
+            <a:r>
+              <a:rPr lang="en-US" sz="1050" dirty="0" err="1" smtClean="0">
+                <a:solidFill>
+                  <a:schemeClr val="bg1"/>
+                </a:solidFill>
+              </a:rPr>
+              <a:t>Storage</a:t>
             </a:r>
             <a:endParaRPr lang="en-SG" sz="1050" dirty="0">
               <a:solidFill>
@@ -4141,14 +4175,24 @@
           <a:p>
             <a:pPr algn="ctr"/>
             <a:r>
-              <a:rPr lang="en-US" sz="1050" b="1" dirty="0" err="1">
+              <a:rPr lang="en-US" sz="1050" b="1" dirty="0" err="1" smtClean="0">
                 <a:solidFill>
                   <a:schemeClr val="accent6">
                     <a:lumMod val="75000"/>
                   </a:schemeClr>
                 </a:solidFill>
               </a:rPr>
-              <a:t>JsonAddressBook</a:t>
+              <a:t>JsonGradTrak</a:t>
+            </a:r>
+            <a:r>
+              <a:rPr lang="en-US" sz="1050" b="1" dirty="0">
+                <a:solidFill>
+                  <a:schemeClr val="accent6">
+                    <a:lumMod val="75000"/>
+                  </a:schemeClr>
+                </a:solidFill>
+              </a:rPr>
+              <a:t/>
             </a:r>
             <a:br>
               <a:rPr lang="en-US" sz="1050" b="1" dirty="0">
@@ -4507,6 +4551,14 @@
               </a:rPr>
               <a:t>JsonUserPrefs</a:t>
             </a:r>
+            <a:r>
+              <a:rPr lang="en-US" sz="1050" dirty="0">
+                <a:solidFill>
+                  <a:schemeClr val="bg1"/>
+                </a:solidFill>
+              </a:rPr>
+              <a:t/>
+            </a:r>
             <a:br>
               <a:rPr lang="en-US" sz="1050" dirty="0">
                 <a:solidFill>
@@ -4576,6 +4628,16 @@
               </a:rPr>
               <a:t>JsonSerializable</a:t>
             </a:r>
+            <a:r>
+              <a:rPr lang="en-US" sz="1050" b="1" dirty="0">
+                <a:solidFill>
+                  <a:schemeClr val="accent6">
+                    <a:lumMod val="75000"/>
+                  </a:schemeClr>
+                </a:solidFill>
+              </a:rPr>
+              <a:t/>
+            </a:r>
             <a:br>
               <a:rPr lang="en-US" sz="1050" b="1" dirty="0">
                 <a:solidFill>
@@ -4586,14 +4648,14 @@
               </a:rPr>
             </a:br>
             <a:r>
-              <a:rPr lang="en-US" sz="1050" b="1" dirty="0" err="1">
+              <a:rPr lang="en-US" sz="1050" b="1" dirty="0" err="1" smtClean="0">
                 <a:solidFill>
                   <a:schemeClr val="accent6">
                     <a:lumMod val="75000"/>
                   </a:schemeClr>
                 </a:solidFill>
               </a:rPr>
-              <a:t>AddressBook</a:t>
+              <a:t>GradTrak</a:t>
             </a:r>
             <a:endParaRPr lang="en-SG" sz="1050" b="1" dirty="0">
               <a:solidFill>
@@ -4740,14 +4802,14 @@
           <a:p>
             <a:pPr algn="ctr"/>
             <a:r>
-              <a:rPr lang="en-US" sz="1030" b="1" dirty="0" err="1">
+              <a:rPr lang="en-US" sz="1030" b="1" dirty="0" err="1" smtClean="0">
                 <a:solidFill>
                   <a:schemeClr val="accent6">
                     <a:lumMod val="75000"/>
                   </a:schemeClr>
                 </a:solidFill>
               </a:rPr>
-              <a:t>JsonAdaptedPerson</a:t>
+              <a:t>JsonAdaptedModuleTaken</a:t>
             </a:r>
             <a:endParaRPr lang="en-SG" sz="1030" b="1" dirty="0">
               <a:solidFill>
@@ -4803,7 +4865,7 @@
     </p:spTree>
     <p:extLst>
       <p:ext uri="{BB962C8B-B14F-4D97-AF65-F5344CB8AC3E}">
-        <p14:creationId xmlns:p14="http://schemas.microsoft.com/office/powerpoint/2010/main" val="1478832369"/>
+        <p14:creationId xmlns:p14="http://schemas.microsoft.com/office/powerpoint/2010/main" xmlns="" val="1478832369"/>
       </p:ext>
     </p:extLst>
   </p:cSld>

--- a/docs/diagrams/StorageComponentClassDiagram.pptx
+++ b/docs/diagrams/StorageComponentClassDiagram.pptx
@@ -208,7 +208,7 @@
           <a:p>
             <a:fld id="{F5CC4B3F-88C1-4FFA-B1B6-F41C21DC6924}" type="datetimeFigureOut">
               <a:rPr lang="en-US" smtClean="0"/>
-              <a:t>12/1/2018</a:t>
+              <a:t>4/1/2019</a:t>
             </a:fld>
             <a:endParaRPr lang="en-US"/>
           </a:p>
@@ -654,7 +654,7 @@
           <a:p>
             <a:fld id="{78C97017-6FC3-485B-9764-EAC9E56C1D49}" type="datetimeFigureOut">
               <a:rPr lang="en-US" smtClean="0"/>
-              <a:t>12/1/2018</a:t>
+              <a:t>4/1/2019</a:t>
             </a:fld>
             <a:endParaRPr lang="en-US"/>
           </a:p>
@@ -822,7 +822,7 @@
           <a:p>
             <a:fld id="{78C97017-6FC3-485B-9764-EAC9E56C1D49}" type="datetimeFigureOut">
               <a:rPr lang="en-US" smtClean="0"/>
-              <a:t>12/1/2018</a:t>
+              <a:t>4/1/2019</a:t>
             </a:fld>
             <a:endParaRPr lang="en-US"/>
           </a:p>
@@ -1000,7 +1000,7 @@
           <a:p>
             <a:fld id="{78C97017-6FC3-485B-9764-EAC9E56C1D49}" type="datetimeFigureOut">
               <a:rPr lang="en-US" smtClean="0"/>
-              <a:t>12/1/2018</a:t>
+              <a:t>4/1/2019</a:t>
             </a:fld>
             <a:endParaRPr lang="en-US"/>
           </a:p>
@@ -1168,7 +1168,7 @@
           <a:p>
             <a:fld id="{78C97017-6FC3-485B-9764-EAC9E56C1D49}" type="datetimeFigureOut">
               <a:rPr lang="en-US" smtClean="0"/>
-              <a:t>12/1/2018</a:t>
+              <a:t>4/1/2019</a:t>
             </a:fld>
             <a:endParaRPr lang="en-US"/>
           </a:p>
@@ -1413,7 +1413,7 @@
           <a:p>
             <a:fld id="{78C97017-6FC3-485B-9764-EAC9E56C1D49}" type="datetimeFigureOut">
               <a:rPr lang="en-US" smtClean="0"/>
-              <a:t>12/1/2018</a:t>
+              <a:t>4/1/2019</a:t>
             </a:fld>
             <a:endParaRPr lang="en-US"/>
           </a:p>
@@ -1698,7 +1698,7 @@
           <a:p>
             <a:fld id="{78C97017-6FC3-485B-9764-EAC9E56C1D49}" type="datetimeFigureOut">
               <a:rPr lang="en-US" smtClean="0"/>
-              <a:t>12/1/2018</a:t>
+              <a:t>4/1/2019</a:t>
             </a:fld>
             <a:endParaRPr lang="en-US"/>
           </a:p>
@@ -2117,7 +2117,7 @@
           <a:p>
             <a:fld id="{78C97017-6FC3-485B-9764-EAC9E56C1D49}" type="datetimeFigureOut">
               <a:rPr lang="en-US" smtClean="0"/>
-              <a:t>12/1/2018</a:t>
+              <a:t>4/1/2019</a:t>
             </a:fld>
             <a:endParaRPr lang="en-US"/>
           </a:p>
@@ -2234,7 +2234,7 @@
           <a:p>
             <a:fld id="{78C97017-6FC3-485B-9764-EAC9E56C1D49}" type="datetimeFigureOut">
               <a:rPr lang="en-US" smtClean="0"/>
-              <a:t>12/1/2018</a:t>
+              <a:t>4/1/2019</a:t>
             </a:fld>
             <a:endParaRPr lang="en-US"/>
           </a:p>
@@ -2329,7 +2329,7 @@
           <a:p>
             <a:fld id="{78C97017-6FC3-485B-9764-EAC9E56C1D49}" type="datetimeFigureOut">
               <a:rPr lang="en-US" smtClean="0"/>
-              <a:t>12/1/2018</a:t>
+              <a:t>4/1/2019</a:t>
             </a:fld>
             <a:endParaRPr lang="en-US"/>
           </a:p>
@@ -2604,7 +2604,7 @@
           <a:p>
             <a:fld id="{78C97017-6FC3-485B-9764-EAC9E56C1D49}" type="datetimeFigureOut">
               <a:rPr lang="en-US" smtClean="0"/>
-              <a:t>12/1/2018</a:t>
+              <a:t>4/1/2019</a:t>
             </a:fld>
             <a:endParaRPr lang="en-US"/>
           </a:p>
@@ -2856,7 +2856,7 @@
           <a:p>
             <a:fld id="{78C97017-6FC3-485B-9764-EAC9E56C1D49}" type="datetimeFigureOut">
               <a:rPr lang="en-US" smtClean="0"/>
-              <a:t>12/1/2018</a:t>
+              <a:t>4/1/2019</a:t>
             </a:fld>
             <a:endParaRPr lang="en-US"/>
           </a:p>
@@ -3067,7 +3067,7 @@
           <a:p>
             <a:fld id="{78C97017-6FC3-485B-9764-EAC9E56C1D49}" type="datetimeFigureOut">
               <a:rPr lang="en-US" smtClean="0"/>
-              <a:t>12/1/2018</a:t>
+              <a:t>4/1/2019</a:t>
             </a:fld>
             <a:endParaRPr lang="en-US"/>
           </a:p>
@@ -3516,7 +3516,7 @@
         <p:spPr>
           <a:xfrm>
             <a:off x="2877180" y="3158440"/>
-            <a:ext cx="1323049" cy="346760"/>
+            <a:ext cx="1371527" cy="346755"/>
           </a:xfrm>
           <a:prstGeom prst="rect">
             <a:avLst/>
@@ -3555,7 +3555,7 @@
           <a:p>
             <a:pPr algn="ctr"/>
             <a:r>
-              <a:rPr lang="en-US" sz="1050" dirty="0">
+              <a:rPr lang="en-US" sz="1000" dirty="0">
                 <a:solidFill>
                   <a:schemeClr val="bg1"/>
                 </a:solidFill>
@@ -3563,21 +3563,21 @@
               <a:t>&lt;&lt;interface&gt;&gt;</a:t>
             </a:r>
             <a:br>
-              <a:rPr lang="en-US" sz="1050" dirty="0">
+              <a:rPr lang="en-US" sz="1000" dirty="0">
                 <a:solidFill>
                   <a:schemeClr val="bg1"/>
                 </a:solidFill>
               </a:rPr>
             </a:br>
             <a:r>
-              <a:rPr lang="en-US" sz="1050" dirty="0" err="1">
+              <a:rPr lang="en-US" sz="1000" dirty="0" err="1">
                 <a:solidFill>
                   <a:schemeClr val="bg1"/>
                 </a:solidFill>
               </a:rPr>
-              <a:t>AddressBookStorage</a:t>
-            </a:r>
-            <a:endParaRPr lang="en-SG" sz="1050" dirty="0">
+              <a:t>FinanceTrackerStorage</a:t>
+            </a:r>
+            <a:endParaRPr lang="en-SG" sz="1000" dirty="0">
               <a:solidFill>
                 <a:schemeClr val="bg1"/>
               </a:solidFill>
@@ -3781,6 +3781,7 @@
         <p:nvCxnSpPr>
           <p:cNvPr id="58" name="Straight Arrow Connector 57"/>
           <p:cNvCxnSpPr>
+            <a:cxnSpLocks/>
             <a:stCxn id="42" idx="3"/>
             <a:endCxn id="2" idx="1"/>
           </p:cNvCxnSpPr>
@@ -3789,7 +3790,7 @@
         <p:spPr>
           <a:xfrm>
             <a:off x="2656370" y="3326536"/>
-            <a:ext cx="220810" cy="5284"/>
+            <a:ext cx="220810" cy="5282"/>
           </a:xfrm>
           <a:prstGeom prst="straightConnector1">
             <a:avLst/>
@@ -3968,8 +3969,8 @@
         </p:nvCxnSpPr>
         <p:spPr>
           <a:xfrm flipV="1">
-            <a:off x="4398041" y="3331820"/>
-            <a:ext cx="223324" cy="1"/>
+            <a:off x="4435036" y="3331820"/>
+            <a:ext cx="186329" cy="1"/>
           </a:xfrm>
           <a:prstGeom prst="bentConnector3">
             <a:avLst>
@@ -4011,7 +4012,7 @@
         </p:nvSpPr>
         <p:spPr>
           <a:xfrm rot="5400000" flipV="1">
-            <a:off x="4175027" y="3244059"/>
+            <a:off x="4212022" y="3244059"/>
             <a:ext cx="270504" cy="175523"/>
           </a:xfrm>
           <a:prstGeom prst="triangle">
@@ -4141,35 +4142,36 @@
           <a:p>
             <a:pPr algn="ctr"/>
             <a:r>
-              <a:rPr lang="en-US" sz="1050" b="1" dirty="0" err="1">
+              <a:rPr lang="en-US" sz="1000" b="1" dirty="0" err="1">
                 <a:solidFill>
                   <a:schemeClr val="accent6">
                     <a:lumMod val="75000"/>
                   </a:schemeClr>
                 </a:solidFill>
               </a:rPr>
-              <a:t>JsonAddressBook</a:t>
-            </a:r>
-            <a:br>
-              <a:rPr lang="en-US" sz="1050" b="1" dirty="0">
+              <a:t>JsonFinance</a:t>
+            </a:r>
+            <a:endParaRPr lang="en-US" sz="1000" b="1" dirty="0">
+              <a:solidFill>
+                <a:schemeClr val="accent6">
+                  <a:lumMod val="75000"/>
+                </a:schemeClr>
+              </a:solidFill>
+            </a:endParaRPr>
+          </a:p>
+          <a:p>
+            <a:pPr algn="ctr"/>
+            <a:r>
+              <a:rPr lang="en-US" sz="1000" b="1" dirty="0" err="1">
                 <a:solidFill>
                   <a:schemeClr val="accent6">
                     <a:lumMod val="75000"/>
                   </a:schemeClr>
                 </a:solidFill>
               </a:rPr>
-            </a:br>
-            <a:r>
-              <a:rPr lang="en-US" sz="1050" b="1" dirty="0">
-                <a:solidFill>
-                  <a:schemeClr val="accent6">
-                    <a:lumMod val="75000"/>
-                  </a:schemeClr>
-                </a:solidFill>
-              </a:rPr>
-              <a:t>Storage</a:t>
-            </a:r>
-            <a:endParaRPr lang="en-SG" sz="1050" b="1" dirty="0">
+              <a:t>TrackerStorage</a:t>
+            </a:r>
+            <a:endParaRPr lang="en-SG" sz="1000" b="1" dirty="0">
               <a:solidFill>
                 <a:schemeClr val="accent6">
                   <a:lumMod val="75000"/>
@@ -4593,7 +4595,7 @@
                   </a:schemeClr>
                 </a:solidFill>
               </a:rPr>
-              <a:t>AddressBook</a:t>
+              <a:t>FinanceTracker</a:t>
             </a:r>
             <a:endParaRPr lang="en-SG" sz="1050" b="1" dirty="0">
               <a:solidFill>
@@ -4610,15 +4612,14 @@
           <p:cNvPr id="70" name="Elbow Connector 122"/>
           <p:cNvCxnSpPr>
             <a:cxnSpLocks/>
-            <a:stCxn id="74" idx="0"/>
             <a:endCxn id="73" idx="2"/>
           </p:cNvCxnSpPr>
           <p:nvPr/>
         </p:nvCxnSpPr>
         <p:spPr>
-          <a:xfrm rot="16200000" flipV="1">
-            <a:off x="8077993" y="2992019"/>
-            <a:ext cx="335208" cy="1"/>
+          <a:xfrm rot="5400000" flipH="1" flipV="1">
+            <a:off x="8075007" y="2983318"/>
+            <a:ext cx="325188" cy="7384"/>
           </a:xfrm>
           <a:prstGeom prst="bentConnector3">
             <a:avLst>
@@ -4655,8 +4656,8 @@
         </p:nvSpPr>
         <p:spPr>
           <a:xfrm>
-            <a:off x="7615736" y="2477656"/>
-            <a:ext cx="1259719" cy="346760"/>
+            <a:off x="7543800" y="2477656"/>
+            <a:ext cx="1394985" cy="346760"/>
           </a:xfrm>
           <a:prstGeom prst="rect">
             <a:avLst/>
@@ -4691,7 +4692,7 @@
                   </a:schemeClr>
                 </a:solidFill>
               </a:rPr>
-              <a:t>JsonAdaptedTag</a:t>
+              <a:t>JsonAdaptedCategory</a:t>
             </a:r>
             <a:endParaRPr lang="en-SG" sz="1050" b="1" dirty="0">
               <a:solidFill>
@@ -4712,7 +4713,7 @@
         <p:spPr>
           <a:xfrm>
             <a:off x="7615738" y="3159624"/>
-            <a:ext cx="1259718" cy="346760"/>
+            <a:ext cx="1299662" cy="346760"/>
           </a:xfrm>
           <a:prstGeom prst="rect">
             <a:avLst/>
@@ -4747,7 +4748,7 @@
                   </a:schemeClr>
                 </a:solidFill>
               </a:rPr>
-              <a:t>JsonAdaptedPerson</a:t>
+              <a:t>JsonAdaptedRecord</a:t>
             </a:r>
             <a:endParaRPr lang="en-SG" sz="1030" b="1" dirty="0">
               <a:solidFill>
@@ -4763,6 +4764,7 @@
         <p:nvCxnSpPr>
           <p:cNvPr id="77" name="Elbow Connector 122"/>
           <p:cNvCxnSpPr>
+            <a:cxnSpLocks/>
             <a:stCxn id="66" idx="3"/>
             <a:endCxn id="74" idx="1"/>
           </p:cNvCxnSpPr>

--- a/docs/diagrams/StorageComponentClassDiagram.pptx
+++ b/docs/diagrams/StorageComponentClassDiagram.pptx
@@ -208,7 +208,7 @@
           <a:p>
             <a:fld id="{F5CC4B3F-88C1-4FFA-B1B6-F41C21DC6924}" type="datetimeFigureOut">
               <a:rPr lang="en-US" smtClean="0"/>
-              <a:t>12/1/2018</a:t>
+              <a:t>4/2/2019</a:t>
             </a:fld>
             <a:endParaRPr lang="en-US"/>
           </a:p>
@@ -654,7 +654,7 @@
           <a:p>
             <a:fld id="{78C97017-6FC3-485B-9764-EAC9E56C1D49}" type="datetimeFigureOut">
               <a:rPr lang="en-US" smtClean="0"/>
-              <a:t>12/1/2018</a:t>
+              <a:t>4/2/2019</a:t>
             </a:fld>
             <a:endParaRPr lang="en-US"/>
           </a:p>
@@ -822,7 +822,7 @@
           <a:p>
             <a:fld id="{78C97017-6FC3-485B-9764-EAC9E56C1D49}" type="datetimeFigureOut">
               <a:rPr lang="en-US" smtClean="0"/>
-              <a:t>12/1/2018</a:t>
+              <a:t>4/2/2019</a:t>
             </a:fld>
             <a:endParaRPr lang="en-US"/>
           </a:p>
@@ -1000,7 +1000,7 @@
           <a:p>
             <a:fld id="{78C97017-6FC3-485B-9764-EAC9E56C1D49}" type="datetimeFigureOut">
               <a:rPr lang="en-US" smtClean="0"/>
-              <a:t>12/1/2018</a:t>
+              <a:t>4/2/2019</a:t>
             </a:fld>
             <a:endParaRPr lang="en-US"/>
           </a:p>
@@ -1168,7 +1168,7 @@
           <a:p>
             <a:fld id="{78C97017-6FC3-485B-9764-EAC9E56C1D49}" type="datetimeFigureOut">
               <a:rPr lang="en-US" smtClean="0"/>
-              <a:t>12/1/2018</a:t>
+              <a:t>4/2/2019</a:t>
             </a:fld>
             <a:endParaRPr lang="en-US"/>
           </a:p>
@@ -1413,7 +1413,7 @@
           <a:p>
             <a:fld id="{78C97017-6FC3-485B-9764-EAC9E56C1D49}" type="datetimeFigureOut">
               <a:rPr lang="en-US" smtClean="0"/>
-              <a:t>12/1/2018</a:t>
+              <a:t>4/2/2019</a:t>
             </a:fld>
             <a:endParaRPr lang="en-US"/>
           </a:p>
@@ -1698,7 +1698,7 @@
           <a:p>
             <a:fld id="{78C97017-6FC3-485B-9764-EAC9E56C1D49}" type="datetimeFigureOut">
               <a:rPr lang="en-US" smtClean="0"/>
-              <a:t>12/1/2018</a:t>
+              <a:t>4/2/2019</a:t>
             </a:fld>
             <a:endParaRPr lang="en-US"/>
           </a:p>
@@ -2117,7 +2117,7 @@
           <a:p>
             <a:fld id="{78C97017-6FC3-485B-9764-EAC9E56C1D49}" type="datetimeFigureOut">
               <a:rPr lang="en-US" smtClean="0"/>
-              <a:t>12/1/2018</a:t>
+              <a:t>4/2/2019</a:t>
             </a:fld>
             <a:endParaRPr lang="en-US"/>
           </a:p>
@@ -2234,7 +2234,7 @@
           <a:p>
             <a:fld id="{78C97017-6FC3-485B-9764-EAC9E56C1D49}" type="datetimeFigureOut">
               <a:rPr lang="en-US" smtClean="0"/>
-              <a:t>12/1/2018</a:t>
+              <a:t>4/2/2019</a:t>
             </a:fld>
             <a:endParaRPr lang="en-US"/>
           </a:p>
@@ -2329,7 +2329,7 @@
           <a:p>
             <a:fld id="{78C97017-6FC3-485B-9764-EAC9E56C1D49}" type="datetimeFigureOut">
               <a:rPr lang="en-US" smtClean="0"/>
-              <a:t>12/1/2018</a:t>
+              <a:t>4/2/2019</a:t>
             </a:fld>
             <a:endParaRPr lang="en-US"/>
           </a:p>
@@ -2604,7 +2604,7 @@
           <a:p>
             <a:fld id="{78C97017-6FC3-485B-9764-EAC9E56C1D49}" type="datetimeFigureOut">
               <a:rPr lang="en-US" smtClean="0"/>
-              <a:t>12/1/2018</a:t>
+              <a:t>4/2/2019</a:t>
             </a:fld>
             <a:endParaRPr lang="en-US"/>
           </a:p>
@@ -2856,7 +2856,7 @@
           <a:p>
             <a:fld id="{78C97017-6FC3-485B-9764-EAC9E56C1D49}" type="datetimeFigureOut">
               <a:rPr lang="en-US" smtClean="0"/>
-              <a:t>12/1/2018</a:t>
+              <a:t>4/2/2019</a:t>
             </a:fld>
             <a:endParaRPr lang="en-US"/>
           </a:p>
@@ -3067,7 +3067,7 @@
           <a:p>
             <a:fld id="{78C97017-6FC3-485B-9764-EAC9E56C1D49}" type="datetimeFigureOut">
               <a:rPr lang="en-US" smtClean="0"/>
-              <a:t>12/1/2018</a:t>
+              <a:t>4/2/2019</a:t>
             </a:fld>
             <a:endParaRPr lang="en-US"/>
           </a:p>
@@ -3451,7 +3451,7 @@
         <p:spPr>
           <a:xfrm>
             <a:off x="1119865" y="2086382"/>
-            <a:ext cx="7871735" cy="1723618"/>
+            <a:ext cx="7947935" cy="2905638"/>
           </a:xfrm>
           <a:prstGeom prst="roundRect">
             <a:avLst>
@@ -3593,8 +3593,8 @@
         </p:nvSpPr>
         <p:spPr>
           <a:xfrm rot="16200000">
-            <a:off x="1683963" y="2868687"/>
-            <a:ext cx="1093635" cy="346760"/>
+            <a:off x="1078108" y="3474542"/>
+            <a:ext cx="2305345" cy="346760"/>
           </a:xfrm>
           <a:prstGeom prst="rect">
             <a:avLst/>
@@ -3656,8 +3656,8 @@
         </p:nvSpPr>
         <p:spPr>
           <a:xfrm rot="16200000">
-            <a:off x="956202" y="2861202"/>
-            <a:ext cx="1093635" cy="346760"/>
+            <a:off x="346605" y="3470799"/>
+            <a:ext cx="2312830" cy="346760"/>
           </a:xfrm>
           <a:prstGeom prst="rect">
             <a:avLst/>
@@ -3730,7 +3730,7 @@
         </p:nvSpPr>
         <p:spPr>
           <a:xfrm rot="16200000">
-            <a:off x="1626910" y="2952291"/>
+            <a:off x="1634896" y="3560723"/>
             <a:ext cx="270504" cy="175523"/>
           </a:xfrm>
           <a:prstGeom prst="triangle">
@@ -3828,7 +3828,7 @@
         </p:nvCxnSpPr>
         <p:spPr>
           <a:xfrm>
-            <a:off x="910091" y="3040053"/>
+            <a:off x="907100" y="3644179"/>
             <a:ext cx="419548" cy="2860"/>
           </a:xfrm>
           <a:prstGeom prst="bentConnector3">
@@ -3873,7 +3873,7 @@
         </p:nvCxnSpPr>
         <p:spPr>
           <a:xfrm flipV="1">
-            <a:off x="1849924" y="3040052"/>
+            <a:off x="1857910" y="3648484"/>
             <a:ext cx="216105" cy="1"/>
           </a:xfrm>
           <a:prstGeom prst="line">
@@ -4617,7 +4617,7 @@
         </p:nvCxnSpPr>
         <p:spPr>
           <a:xfrm rot="16200000" flipV="1">
-            <a:off x="8077993" y="2992019"/>
+            <a:off x="7993593" y="2703539"/>
             <a:ext cx="335208" cy="1"/>
           </a:xfrm>
           <a:prstGeom prst="bentConnector3">
@@ -4655,7 +4655,7 @@
         </p:nvSpPr>
         <p:spPr>
           <a:xfrm>
-            <a:off x="7615736" y="2477656"/>
+            <a:off x="7531336" y="2189176"/>
             <a:ext cx="1259719" cy="346760"/>
           </a:xfrm>
           <a:prstGeom prst="rect">
@@ -4711,7 +4711,7 @@
         </p:nvSpPr>
         <p:spPr>
           <a:xfrm>
-            <a:off x="7615738" y="3159624"/>
+            <a:off x="7531338" y="2871144"/>
             <a:ext cx="1259718" cy="346760"/>
           </a:xfrm>
           <a:prstGeom prst="rect">
@@ -4770,8 +4770,8 @@
         </p:nvCxnSpPr>
         <p:spPr>
           <a:xfrm flipV="1">
-            <a:off x="7220507" y="3333004"/>
-            <a:ext cx="395231" cy="786"/>
+            <a:off x="7220507" y="3044524"/>
+            <a:ext cx="310831" cy="289266"/>
           </a:xfrm>
           <a:prstGeom prst="bentConnector3">
             <a:avLst>
@@ -4800,6 +4800,1494 @@
           </a:fontRef>
         </p:style>
       </p:cxnSp>
+      <p:sp>
+        <p:nvSpPr>
+          <p:cNvPr id="26" name="Rectangle 8">
+            <a:extLst>
+              <a:ext uri="{FF2B5EF4-FFF2-40B4-BE49-F238E27FC236}">
+                <a16:creationId xmlns:a16="http://schemas.microsoft.com/office/drawing/2014/main" id="{DBC4EE1D-3E90-4322-8EC5-DDC30965A52D}"/>
+              </a:ext>
+            </a:extLst>
+          </p:cNvPr>
+          <p:cNvSpPr/>
+          <p:nvPr/>
+        </p:nvSpPr>
+        <p:spPr>
+          <a:xfrm>
+            <a:off x="2873943" y="3753556"/>
+            <a:ext cx="1323049" cy="346760"/>
+          </a:xfrm>
+          <a:prstGeom prst="rect">
+            <a:avLst/>
+          </a:prstGeom>
+          <a:solidFill>
+            <a:schemeClr val="accent6">
+              <a:lumMod val="75000"/>
+            </a:schemeClr>
+          </a:solidFill>
+          <a:ln w="19050">
+            <a:solidFill>
+              <a:schemeClr val="accent6">
+                <a:lumMod val="75000"/>
+              </a:schemeClr>
+            </a:solidFill>
+          </a:ln>
+          <a:effectLst/>
+        </p:spPr>
+        <p:style>
+          <a:lnRef idx="1">
+            <a:schemeClr val="accent2"/>
+          </a:lnRef>
+          <a:fillRef idx="2">
+            <a:schemeClr val="accent2"/>
+          </a:fillRef>
+          <a:effectRef idx="1">
+            <a:schemeClr val="accent2"/>
+          </a:effectRef>
+          <a:fontRef idx="minor">
+            <a:schemeClr val="dk1"/>
+          </a:fontRef>
+        </p:style>
+        <p:txBody>
+          <a:bodyPr rtlCol="0" anchor="ctr"/>
+          <a:lstStyle/>
+          <a:p>
+            <a:pPr algn="ctr"/>
+            <a:r>
+              <a:rPr lang="en-US" sz="1050" dirty="0">
+                <a:solidFill>
+                  <a:schemeClr val="bg1"/>
+                </a:solidFill>
+              </a:rPr>
+              <a:t>&lt;&lt;interface&gt;&gt;</a:t>
+            </a:r>
+            <a:br>
+              <a:rPr lang="en-US" sz="1050" dirty="0">
+                <a:solidFill>
+                  <a:schemeClr val="bg1"/>
+                </a:solidFill>
+              </a:rPr>
+            </a:br>
+            <a:r>
+              <a:rPr lang="en-US" sz="1050" dirty="0" err="1">
+                <a:solidFill>
+                  <a:schemeClr val="bg1"/>
+                </a:solidFill>
+              </a:rPr>
+              <a:t>ArchiveBookStorage</a:t>
+            </a:r>
+            <a:endParaRPr lang="en-SG" sz="1050" dirty="0">
+              <a:solidFill>
+                <a:schemeClr val="bg1"/>
+              </a:solidFill>
+            </a:endParaRPr>
+          </a:p>
+        </p:txBody>
+      </p:sp>
+      <p:cxnSp>
+        <p:nvCxnSpPr>
+          <p:cNvPr id="27" name="Straight Arrow Connector 26">
+            <a:extLst>
+              <a:ext uri="{FF2B5EF4-FFF2-40B4-BE49-F238E27FC236}">
+                <a16:creationId xmlns:a16="http://schemas.microsoft.com/office/drawing/2014/main" id="{BEDB0B03-4773-486D-9281-AFEF5BB85FFE}"/>
+              </a:ext>
+            </a:extLst>
+          </p:cNvPr>
+          <p:cNvCxnSpPr>
+            <a:stCxn id="28" idx="3"/>
+            <a:endCxn id="26" idx="1"/>
+          </p:cNvCxnSpPr>
+          <p:nvPr/>
+        </p:nvCxnSpPr>
+        <p:spPr>
+          <a:xfrm>
+            <a:off x="2653133" y="3921652"/>
+            <a:ext cx="220810" cy="5284"/>
+          </a:xfrm>
+          <a:prstGeom prst="straightConnector1">
+            <a:avLst/>
+          </a:prstGeom>
+          <a:ln w="19050">
+            <a:solidFill>
+              <a:schemeClr val="accent6">
+                <a:lumMod val="75000"/>
+              </a:schemeClr>
+            </a:solidFill>
+            <a:headEnd type="none" w="med" len="med"/>
+            <a:tailEnd type="arrow" w="med" len="med"/>
+          </a:ln>
+          <a:effectLst/>
+        </p:spPr>
+        <p:style>
+          <a:lnRef idx="1">
+            <a:schemeClr val="accent2"/>
+          </a:lnRef>
+          <a:fillRef idx="2">
+            <a:schemeClr val="accent2"/>
+          </a:fillRef>
+          <a:effectRef idx="1">
+            <a:schemeClr val="accent2"/>
+          </a:effectRef>
+          <a:fontRef idx="minor">
+            <a:schemeClr val="dk1"/>
+          </a:fontRef>
+        </p:style>
+      </p:cxnSp>
+      <p:sp>
+        <p:nvSpPr>
+          <p:cNvPr id="28" name="Flowchart: Decision 96">
+            <a:extLst>
+              <a:ext uri="{FF2B5EF4-FFF2-40B4-BE49-F238E27FC236}">
+                <a16:creationId xmlns:a16="http://schemas.microsoft.com/office/drawing/2014/main" id="{1F280BF6-B0B7-410C-8A3B-002B6A9EE2E7}"/>
+              </a:ext>
+            </a:extLst>
+          </p:cNvPr>
+          <p:cNvSpPr/>
+          <p:nvPr/>
+        </p:nvSpPr>
+        <p:spPr>
+          <a:xfrm>
+            <a:off x="2417085" y="3834962"/>
+            <a:ext cx="236048" cy="173380"/>
+          </a:xfrm>
+          <a:prstGeom prst="flowChartDecision">
+            <a:avLst/>
+          </a:prstGeom>
+          <a:noFill/>
+          <a:ln w="19050">
+            <a:solidFill>
+              <a:schemeClr val="accent6">
+                <a:lumMod val="75000"/>
+              </a:schemeClr>
+            </a:solidFill>
+          </a:ln>
+          <a:effectLst/>
+        </p:spPr>
+        <p:style>
+          <a:lnRef idx="1">
+            <a:schemeClr val="accent2"/>
+          </a:lnRef>
+          <a:fillRef idx="2">
+            <a:schemeClr val="accent2"/>
+          </a:fillRef>
+          <a:effectRef idx="1">
+            <a:schemeClr val="accent2"/>
+          </a:effectRef>
+          <a:fontRef idx="minor">
+            <a:schemeClr val="dk1"/>
+          </a:fontRef>
+        </p:style>
+        <p:txBody>
+          <a:bodyPr rtlCol="0" anchor="ctr"/>
+          <a:lstStyle/>
+          <a:p>
+            <a:pPr algn="ctr"/>
+            <a:endParaRPr lang="en-US" sz="1050">
+              <a:solidFill>
+                <a:schemeClr val="bg1"/>
+              </a:solidFill>
+            </a:endParaRPr>
+          </a:p>
+        </p:txBody>
+      </p:sp>
+      <p:cxnSp>
+        <p:nvCxnSpPr>
+          <p:cNvPr id="29" name="Elbow Connector 63">
+            <a:extLst>
+              <a:ext uri="{FF2B5EF4-FFF2-40B4-BE49-F238E27FC236}">
+                <a16:creationId xmlns:a16="http://schemas.microsoft.com/office/drawing/2014/main" id="{D57B4272-CA44-4655-9CB2-794E841D4C74}"/>
+              </a:ext>
+            </a:extLst>
+          </p:cNvPr>
+          <p:cNvCxnSpPr>
+            <a:stCxn id="30" idx="3"/>
+            <a:endCxn id="32" idx="1"/>
+          </p:cNvCxnSpPr>
+          <p:nvPr/>
+        </p:nvCxnSpPr>
+        <p:spPr>
+          <a:xfrm flipV="1">
+            <a:off x="4394804" y="3926936"/>
+            <a:ext cx="223324" cy="1"/>
+          </a:xfrm>
+          <a:prstGeom prst="bentConnector3">
+            <a:avLst>
+              <a:gd name="adj1" fmla="val 50000"/>
+            </a:avLst>
+          </a:prstGeom>
+          <a:ln w="19050">
+            <a:solidFill>
+              <a:schemeClr val="accent6">
+                <a:lumMod val="75000"/>
+              </a:schemeClr>
+            </a:solidFill>
+            <a:prstDash val="sysDot"/>
+            <a:headEnd type="none" w="med" len="med"/>
+            <a:tailEnd type="none" w="med" len="med"/>
+          </a:ln>
+          <a:effectLst/>
+        </p:spPr>
+        <p:style>
+          <a:lnRef idx="1">
+            <a:schemeClr val="accent2"/>
+          </a:lnRef>
+          <a:fillRef idx="2">
+            <a:schemeClr val="accent2"/>
+          </a:fillRef>
+          <a:effectRef idx="1">
+            <a:schemeClr val="accent2"/>
+          </a:effectRef>
+          <a:fontRef idx="minor">
+            <a:schemeClr val="dk1"/>
+          </a:fontRef>
+        </p:style>
+      </p:cxnSp>
+      <p:sp>
+        <p:nvSpPr>
+          <p:cNvPr id="30" name="Isosceles Triangle 102">
+            <a:extLst>
+              <a:ext uri="{FF2B5EF4-FFF2-40B4-BE49-F238E27FC236}">
+                <a16:creationId xmlns:a16="http://schemas.microsoft.com/office/drawing/2014/main" id="{FA798AE7-42D3-4522-8C51-7FF3142F3A96}"/>
+              </a:ext>
+            </a:extLst>
+          </p:cNvPr>
+          <p:cNvSpPr/>
+          <p:nvPr/>
+        </p:nvSpPr>
+        <p:spPr>
+          <a:xfrm rot="5400000" flipV="1">
+            <a:off x="4171790" y="3839175"/>
+            <a:ext cx="270504" cy="175523"/>
+          </a:xfrm>
+          <a:prstGeom prst="triangle">
+            <a:avLst/>
+          </a:prstGeom>
+          <a:solidFill>
+            <a:schemeClr val="accent6">
+              <a:lumMod val="75000"/>
+            </a:schemeClr>
+          </a:solidFill>
+          <a:ln w="19050">
+            <a:solidFill>
+              <a:schemeClr val="accent6">
+                <a:lumMod val="75000"/>
+              </a:schemeClr>
+            </a:solidFill>
+          </a:ln>
+          <a:effectLst/>
+        </p:spPr>
+        <p:style>
+          <a:lnRef idx="1">
+            <a:schemeClr val="accent2"/>
+          </a:lnRef>
+          <a:fillRef idx="2">
+            <a:schemeClr val="accent2"/>
+          </a:fillRef>
+          <a:effectRef idx="1">
+            <a:schemeClr val="accent2"/>
+          </a:effectRef>
+          <a:fontRef idx="minor">
+            <a:schemeClr val="dk1"/>
+          </a:fontRef>
+        </p:style>
+        <p:txBody>
+          <a:bodyPr rtlCol="0" anchor="ctr"/>
+          <a:lstStyle/>
+          <a:p>
+            <a:pPr algn="ctr"/>
+            <a:endParaRPr lang="en-SG" sz="1050">
+              <a:solidFill>
+                <a:schemeClr val="bg1"/>
+              </a:solidFill>
+            </a:endParaRPr>
+          </a:p>
+        </p:txBody>
+      </p:sp>
+      <p:cxnSp>
+        <p:nvCxnSpPr>
+          <p:cNvPr id="31" name="Elbow Connector 122">
+            <a:extLst>
+              <a:ext uri="{FF2B5EF4-FFF2-40B4-BE49-F238E27FC236}">
+                <a16:creationId xmlns:a16="http://schemas.microsoft.com/office/drawing/2014/main" id="{3ED8A7E6-6B65-40EF-ACB2-09DC3BA5D0CB}"/>
+              </a:ext>
+            </a:extLst>
+          </p:cNvPr>
+          <p:cNvCxnSpPr>
+            <a:stCxn id="32" idx="3"/>
+            <a:endCxn id="33" idx="1"/>
+          </p:cNvCxnSpPr>
+          <p:nvPr/>
+        </p:nvCxnSpPr>
+        <p:spPr>
+          <a:xfrm>
+            <a:off x="5787963" y="3926936"/>
+            <a:ext cx="228600" cy="1970"/>
+          </a:xfrm>
+          <a:prstGeom prst="bentConnector3">
+            <a:avLst>
+              <a:gd name="adj1" fmla="val 50000"/>
+            </a:avLst>
+          </a:prstGeom>
+          <a:ln w="19050">
+            <a:solidFill>
+              <a:schemeClr val="accent6">
+                <a:lumMod val="75000"/>
+              </a:schemeClr>
+            </a:solidFill>
+            <a:prstDash val="sysDot"/>
+            <a:headEnd type="none" w="med" len="med"/>
+            <a:tailEnd type="arrow" w="med" len="med"/>
+          </a:ln>
+          <a:effectLst/>
+        </p:spPr>
+        <p:style>
+          <a:lnRef idx="1">
+            <a:schemeClr val="accent2"/>
+          </a:lnRef>
+          <a:fillRef idx="2">
+            <a:schemeClr val="accent2"/>
+          </a:fillRef>
+          <a:effectRef idx="1">
+            <a:schemeClr val="accent2"/>
+          </a:effectRef>
+          <a:fontRef idx="minor">
+            <a:schemeClr val="dk1"/>
+          </a:fontRef>
+        </p:style>
+      </p:cxnSp>
+      <p:sp>
+        <p:nvSpPr>
+          <p:cNvPr id="32" name="Rectangle 8">
+            <a:extLst>
+              <a:ext uri="{FF2B5EF4-FFF2-40B4-BE49-F238E27FC236}">
+                <a16:creationId xmlns:a16="http://schemas.microsoft.com/office/drawing/2014/main" id="{C7AA1E4E-DBAF-422B-985D-931AEE5DF742}"/>
+              </a:ext>
+            </a:extLst>
+          </p:cNvPr>
+          <p:cNvSpPr/>
+          <p:nvPr/>
+        </p:nvSpPr>
+        <p:spPr>
+          <a:xfrm>
+            <a:off x="4618128" y="3753556"/>
+            <a:ext cx="1169835" cy="346760"/>
+          </a:xfrm>
+          <a:prstGeom prst="rect">
+            <a:avLst/>
+          </a:prstGeom>
+          <a:ln w="19050"/>
+          <a:effectLst/>
+        </p:spPr>
+        <p:style>
+          <a:lnRef idx="1">
+            <a:schemeClr val="accent6"/>
+          </a:lnRef>
+          <a:fillRef idx="2">
+            <a:schemeClr val="accent6"/>
+          </a:fillRef>
+          <a:effectRef idx="1">
+            <a:schemeClr val="accent6"/>
+          </a:effectRef>
+          <a:fontRef idx="minor">
+            <a:schemeClr val="dk1"/>
+          </a:fontRef>
+        </p:style>
+        <p:txBody>
+          <a:bodyPr rtlCol="0" anchor="ctr"/>
+          <a:lstStyle/>
+          <a:p>
+            <a:pPr algn="ctr"/>
+            <a:r>
+              <a:rPr lang="en-US" sz="1050" b="1" dirty="0" err="1">
+                <a:solidFill>
+                  <a:schemeClr val="accent6">
+                    <a:lumMod val="75000"/>
+                  </a:schemeClr>
+                </a:solidFill>
+              </a:rPr>
+              <a:t>JsonArchiveBook</a:t>
+            </a:r>
+            <a:br>
+              <a:rPr lang="en-US" sz="1050" b="1" dirty="0">
+                <a:solidFill>
+                  <a:schemeClr val="accent6">
+                    <a:lumMod val="75000"/>
+                  </a:schemeClr>
+                </a:solidFill>
+              </a:rPr>
+            </a:br>
+            <a:r>
+              <a:rPr lang="en-US" sz="1050" b="1" dirty="0">
+                <a:solidFill>
+                  <a:schemeClr val="accent6">
+                    <a:lumMod val="75000"/>
+                  </a:schemeClr>
+                </a:solidFill>
+              </a:rPr>
+              <a:t>Storage</a:t>
+            </a:r>
+            <a:endParaRPr lang="en-SG" sz="1050" b="1" dirty="0">
+              <a:solidFill>
+                <a:schemeClr val="accent6">
+                  <a:lumMod val="75000"/>
+                </a:schemeClr>
+              </a:solidFill>
+            </a:endParaRPr>
+          </a:p>
+        </p:txBody>
+      </p:sp>
+      <p:sp>
+        <p:nvSpPr>
+          <p:cNvPr id="33" name="Rectangle 8">
+            <a:extLst>
+              <a:ext uri="{FF2B5EF4-FFF2-40B4-BE49-F238E27FC236}">
+                <a16:creationId xmlns:a16="http://schemas.microsoft.com/office/drawing/2014/main" id="{880BE1C0-DC26-48FE-A97D-8C5692FCC169}"/>
+              </a:ext>
+            </a:extLst>
+          </p:cNvPr>
+          <p:cNvSpPr/>
+          <p:nvPr/>
+        </p:nvSpPr>
+        <p:spPr>
+          <a:xfrm>
+            <a:off x="6016563" y="3755526"/>
+            <a:ext cx="1200707" cy="346760"/>
+          </a:xfrm>
+          <a:prstGeom prst="rect">
+            <a:avLst/>
+          </a:prstGeom>
+          <a:ln w="19050"/>
+          <a:effectLst/>
+        </p:spPr>
+        <p:style>
+          <a:lnRef idx="1">
+            <a:schemeClr val="accent6"/>
+          </a:lnRef>
+          <a:fillRef idx="2">
+            <a:schemeClr val="accent6"/>
+          </a:fillRef>
+          <a:effectRef idx="1">
+            <a:schemeClr val="accent6"/>
+          </a:effectRef>
+          <a:fontRef idx="minor">
+            <a:schemeClr val="dk1"/>
+          </a:fontRef>
+        </p:style>
+        <p:txBody>
+          <a:bodyPr rtlCol="0" anchor="ctr"/>
+          <a:lstStyle/>
+          <a:p>
+            <a:pPr algn="ctr"/>
+            <a:r>
+              <a:rPr lang="en-US" sz="1050" b="1" dirty="0" err="1">
+                <a:solidFill>
+                  <a:schemeClr val="accent6">
+                    <a:lumMod val="75000"/>
+                  </a:schemeClr>
+                </a:solidFill>
+              </a:rPr>
+              <a:t>JsonSerializable</a:t>
+            </a:r>
+            <a:br>
+              <a:rPr lang="en-US" sz="1050" b="1" dirty="0">
+                <a:solidFill>
+                  <a:schemeClr val="accent6">
+                    <a:lumMod val="75000"/>
+                  </a:schemeClr>
+                </a:solidFill>
+              </a:rPr>
+            </a:br>
+            <a:r>
+              <a:rPr lang="en-US" sz="1050" b="1" dirty="0" err="1">
+                <a:solidFill>
+                  <a:schemeClr val="accent6">
+                    <a:lumMod val="75000"/>
+                  </a:schemeClr>
+                </a:solidFill>
+              </a:rPr>
+              <a:t>AddressBook</a:t>
+            </a:r>
+            <a:endParaRPr lang="en-SG" sz="1050" b="1" dirty="0">
+              <a:solidFill>
+                <a:schemeClr val="accent6">
+                  <a:lumMod val="75000"/>
+                </a:schemeClr>
+              </a:solidFill>
+            </a:endParaRPr>
+          </a:p>
+        </p:txBody>
+      </p:sp>
+      <p:cxnSp>
+        <p:nvCxnSpPr>
+          <p:cNvPr id="34" name="Elbow Connector 122">
+            <a:extLst>
+              <a:ext uri="{FF2B5EF4-FFF2-40B4-BE49-F238E27FC236}">
+                <a16:creationId xmlns:a16="http://schemas.microsoft.com/office/drawing/2014/main" id="{55AFAF32-C913-452D-9DFC-B7F8168D984B}"/>
+              </a:ext>
+            </a:extLst>
+          </p:cNvPr>
+          <p:cNvCxnSpPr>
+            <a:cxnSpLocks/>
+            <a:stCxn id="33" idx="3"/>
+            <a:endCxn id="74" idx="2"/>
+          </p:cNvCxnSpPr>
+          <p:nvPr/>
+        </p:nvCxnSpPr>
+        <p:spPr>
+          <a:xfrm flipV="1">
+            <a:off x="7217270" y="3217904"/>
+            <a:ext cx="943927" cy="711002"/>
+          </a:xfrm>
+          <a:prstGeom prst="bentConnector2">
+            <a:avLst/>
+          </a:prstGeom>
+          <a:ln w="19050">
+            <a:prstDash val="sysDot"/>
+            <a:headEnd type="none" w="med" len="med"/>
+            <a:tailEnd type="arrow" w="med" len="med"/>
+          </a:ln>
+          <a:effectLst/>
+        </p:spPr>
+        <p:style>
+          <a:lnRef idx="1">
+            <a:schemeClr val="accent6"/>
+          </a:lnRef>
+          <a:fillRef idx="2">
+            <a:schemeClr val="accent6"/>
+          </a:fillRef>
+          <a:effectRef idx="1">
+            <a:schemeClr val="accent6"/>
+          </a:effectRef>
+          <a:fontRef idx="minor">
+            <a:schemeClr val="dk1"/>
+          </a:fontRef>
+        </p:style>
+      </p:cxnSp>
+      <p:sp>
+        <p:nvSpPr>
+          <p:cNvPr id="59" name="Rectangle 8">
+            <a:extLst>
+              <a:ext uri="{FF2B5EF4-FFF2-40B4-BE49-F238E27FC236}">
+                <a16:creationId xmlns:a16="http://schemas.microsoft.com/office/drawing/2014/main" id="{81AF7862-9A62-4389-90BF-368CB4D9A1AD}"/>
+              </a:ext>
+            </a:extLst>
+          </p:cNvPr>
+          <p:cNvSpPr/>
+          <p:nvPr/>
+        </p:nvSpPr>
+        <p:spPr>
+          <a:xfrm>
+            <a:off x="2866439" y="4361890"/>
+            <a:ext cx="1323049" cy="346760"/>
+          </a:xfrm>
+          <a:prstGeom prst="rect">
+            <a:avLst/>
+          </a:prstGeom>
+          <a:solidFill>
+            <a:schemeClr val="accent6">
+              <a:lumMod val="75000"/>
+            </a:schemeClr>
+          </a:solidFill>
+          <a:ln w="19050">
+            <a:solidFill>
+              <a:schemeClr val="accent6">
+                <a:lumMod val="75000"/>
+              </a:schemeClr>
+            </a:solidFill>
+          </a:ln>
+          <a:effectLst/>
+        </p:spPr>
+        <p:style>
+          <a:lnRef idx="1">
+            <a:schemeClr val="accent2"/>
+          </a:lnRef>
+          <a:fillRef idx="2">
+            <a:schemeClr val="accent2"/>
+          </a:fillRef>
+          <a:effectRef idx="1">
+            <a:schemeClr val="accent2"/>
+          </a:effectRef>
+          <a:fontRef idx="minor">
+            <a:schemeClr val="dk1"/>
+          </a:fontRef>
+        </p:style>
+        <p:txBody>
+          <a:bodyPr rtlCol="0" anchor="ctr"/>
+          <a:lstStyle/>
+          <a:p>
+            <a:pPr algn="ctr"/>
+            <a:r>
+              <a:rPr lang="en-US" sz="1050" dirty="0">
+                <a:solidFill>
+                  <a:schemeClr val="bg1"/>
+                </a:solidFill>
+              </a:rPr>
+              <a:t>&lt;&lt;interface&gt;&gt;</a:t>
+            </a:r>
+            <a:br>
+              <a:rPr lang="en-US" sz="1050" dirty="0">
+                <a:solidFill>
+                  <a:schemeClr val="bg1"/>
+                </a:solidFill>
+              </a:rPr>
+            </a:br>
+            <a:r>
+              <a:rPr lang="en-US" sz="1050" dirty="0" err="1">
+                <a:solidFill>
+                  <a:schemeClr val="bg1"/>
+                </a:solidFill>
+              </a:rPr>
+              <a:t>PinBookStorage</a:t>
+            </a:r>
+            <a:endParaRPr lang="en-SG" sz="1050" dirty="0">
+              <a:solidFill>
+                <a:schemeClr val="bg1"/>
+              </a:solidFill>
+            </a:endParaRPr>
+          </a:p>
+        </p:txBody>
+      </p:sp>
+      <p:cxnSp>
+        <p:nvCxnSpPr>
+          <p:cNvPr id="62" name="Straight Arrow Connector 61">
+            <a:extLst>
+              <a:ext uri="{FF2B5EF4-FFF2-40B4-BE49-F238E27FC236}">
+                <a16:creationId xmlns:a16="http://schemas.microsoft.com/office/drawing/2014/main" id="{F5C07BED-0138-4ADF-B993-E21D0FEB9AB7}"/>
+              </a:ext>
+            </a:extLst>
+          </p:cNvPr>
+          <p:cNvCxnSpPr>
+            <a:stCxn id="63" idx="3"/>
+            <a:endCxn id="59" idx="1"/>
+          </p:cNvCxnSpPr>
+          <p:nvPr/>
+        </p:nvCxnSpPr>
+        <p:spPr>
+          <a:xfrm>
+            <a:off x="2645629" y="4529986"/>
+            <a:ext cx="220810" cy="5284"/>
+          </a:xfrm>
+          <a:prstGeom prst="straightConnector1">
+            <a:avLst/>
+          </a:prstGeom>
+          <a:ln w="19050">
+            <a:solidFill>
+              <a:schemeClr val="accent6">
+                <a:lumMod val="75000"/>
+              </a:schemeClr>
+            </a:solidFill>
+            <a:headEnd type="none" w="med" len="med"/>
+            <a:tailEnd type="arrow" w="med" len="med"/>
+          </a:ln>
+          <a:effectLst/>
+        </p:spPr>
+        <p:style>
+          <a:lnRef idx="1">
+            <a:schemeClr val="accent2"/>
+          </a:lnRef>
+          <a:fillRef idx="2">
+            <a:schemeClr val="accent2"/>
+          </a:fillRef>
+          <a:effectRef idx="1">
+            <a:schemeClr val="accent2"/>
+          </a:effectRef>
+          <a:fontRef idx="minor">
+            <a:schemeClr val="dk1"/>
+          </a:fontRef>
+        </p:style>
+      </p:cxnSp>
+      <p:sp>
+        <p:nvSpPr>
+          <p:cNvPr id="63" name="Flowchart: Decision 96">
+            <a:extLst>
+              <a:ext uri="{FF2B5EF4-FFF2-40B4-BE49-F238E27FC236}">
+                <a16:creationId xmlns:a16="http://schemas.microsoft.com/office/drawing/2014/main" id="{1E0B8CD1-5283-4619-9AEA-081549E10631}"/>
+              </a:ext>
+            </a:extLst>
+          </p:cNvPr>
+          <p:cNvSpPr/>
+          <p:nvPr/>
+        </p:nvSpPr>
+        <p:spPr>
+          <a:xfrm>
+            <a:off x="2409581" y="4443296"/>
+            <a:ext cx="236048" cy="173380"/>
+          </a:xfrm>
+          <a:prstGeom prst="flowChartDecision">
+            <a:avLst/>
+          </a:prstGeom>
+          <a:noFill/>
+          <a:ln w="19050">
+            <a:solidFill>
+              <a:schemeClr val="accent6">
+                <a:lumMod val="75000"/>
+              </a:schemeClr>
+            </a:solidFill>
+          </a:ln>
+          <a:effectLst/>
+        </p:spPr>
+        <p:style>
+          <a:lnRef idx="1">
+            <a:schemeClr val="accent2"/>
+          </a:lnRef>
+          <a:fillRef idx="2">
+            <a:schemeClr val="accent2"/>
+          </a:fillRef>
+          <a:effectRef idx="1">
+            <a:schemeClr val="accent2"/>
+          </a:effectRef>
+          <a:fontRef idx="minor">
+            <a:schemeClr val="dk1"/>
+          </a:fontRef>
+        </p:style>
+        <p:txBody>
+          <a:bodyPr rtlCol="0" anchor="ctr"/>
+          <a:lstStyle/>
+          <a:p>
+            <a:pPr algn="ctr"/>
+            <a:endParaRPr lang="en-US" sz="1050">
+              <a:solidFill>
+                <a:schemeClr val="bg1"/>
+              </a:solidFill>
+            </a:endParaRPr>
+          </a:p>
+        </p:txBody>
+      </p:sp>
+      <p:cxnSp>
+        <p:nvCxnSpPr>
+          <p:cNvPr id="64" name="Elbow Connector 63">
+            <a:extLst>
+              <a:ext uri="{FF2B5EF4-FFF2-40B4-BE49-F238E27FC236}">
+                <a16:creationId xmlns:a16="http://schemas.microsoft.com/office/drawing/2014/main" id="{7BEE1A3D-4498-474F-A8BA-707F795D2F82}"/>
+              </a:ext>
+            </a:extLst>
+          </p:cNvPr>
+          <p:cNvCxnSpPr>
+            <a:stCxn id="67" idx="3"/>
+            <a:endCxn id="69" idx="1"/>
+          </p:cNvCxnSpPr>
+          <p:nvPr/>
+        </p:nvCxnSpPr>
+        <p:spPr>
+          <a:xfrm flipV="1">
+            <a:off x="4387300" y="4535270"/>
+            <a:ext cx="223324" cy="1"/>
+          </a:xfrm>
+          <a:prstGeom prst="bentConnector3">
+            <a:avLst>
+              <a:gd name="adj1" fmla="val 50000"/>
+            </a:avLst>
+          </a:prstGeom>
+          <a:ln w="19050">
+            <a:solidFill>
+              <a:schemeClr val="accent6">
+                <a:lumMod val="75000"/>
+              </a:schemeClr>
+            </a:solidFill>
+            <a:prstDash val="sysDot"/>
+            <a:headEnd type="none" w="med" len="med"/>
+            <a:tailEnd type="none" w="med" len="med"/>
+          </a:ln>
+          <a:effectLst/>
+        </p:spPr>
+        <p:style>
+          <a:lnRef idx="1">
+            <a:schemeClr val="accent2"/>
+          </a:lnRef>
+          <a:fillRef idx="2">
+            <a:schemeClr val="accent2"/>
+          </a:fillRef>
+          <a:effectRef idx="1">
+            <a:schemeClr val="accent2"/>
+          </a:effectRef>
+          <a:fontRef idx="minor">
+            <a:schemeClr val="dk1"/>
+          </a:fontRef>
+        </p:style>
+      </p:cxnSp>
+      <p:sp>
+        <p:nvSpPr>
+          <p:cNvPr id="67" name="Isosceles Triangle 102">
+            <a:extLst>
+              <a:ext uri="{FF2B5EF4-FFF2-40B4-BE49-F238E27FC236}">
+                <a16:creationId xmlns:a16="http://schemas.microsoft.com/office/drawing/2014/main" id="{180BBAC6-840B-47A6-AAF8-19A6DB9C7EB6}"/>
+              </a:ext>
+            </a:extLst>
+          </p:cNvPr>
+          <p:cNvSpPr/>
+          <p:nvPr/>
+        </p:nvSpPr>
+        <p:spPr>
+          <a:xfrm rot="5400000" flipV="1">
+            <a:off x="4164286" y="4447509"/>
+            <a:ext cx="270504" cy="175523"/>
+          </a:xfrm>
+          <a:prstGeom prst="triangle">
+            <a:avLst/>
+          </a:prstGeom>
+          <a:solidFill>
+            <a:schemeClr val="accent6">
+              <a:lumMod val="75000"/>
+            </a:schemeClr>
+          </a:solidFill>
+          <a:ln w="19050">
+            <a:solidFill>
+              <a:schemeClr val="accent6">
+                <a:lumMod val="75000"/>
+              </a:schemeClr>
+            </a:solidFill>
+          </a:ln>
+          <a:effectLst/>
+        </p:spPr>
+        <p:style>
+          <a:lnRef idx="1">
+            <a:schemeClr val="accent2"/>
+          </a:lnRef>
+          <a:fillRef idx="2">
+            <a:schemeClr val="accent2"/>
+          </a:fillRef>
+          <a:effectRef idx="1">
+            <a:schemeClr val="accent2"/>
+          </a:effectRef>
+          <a:fontRef idx="minor">
+            <a:schemeClr val="dk1"/>
+          </a:fontRef>
+        </p:style>
+        <p:txBody>
+          <a:bodyPr rtlCol="0" anchor="ctr"/>
+          <a:lstStyle/>
+          <a:p>
+            <a:pPr algn="ctr"/>
+            <a:endParaRPr lang="en-SG" sz="1050">
+              <a:solidFill>
+                <a:schemeClr val="bg1"/>
+              </a:solidFill>
+            </a:endParaRPr>
+          </a:p>
+        </p:txBody>
+      </p:sp>
+      <p:cxnSp>
+        <p:nvCxnSpPr>
+          <p:cNvPr id="68" name="Elbow Connector 122">
+            <a:extLst>
+              <a:ext uri="{FF2B5EF4-FFF2-40B4-BE49-F238E27FC236}">
+                <a16:creationId xmlns:a16="http://schemas.microsoft.com/office/drawing/2014/main" id="{83134F85-A14E-4862-B202-7A4F87F47579}"/>
+              </a:ext>
+            </a:extLst>
+          </p:cNvPr>
+          <p:cNvCxnSpPr>
+            <a:stCxn id="69" idx="3"/>
+            <a:endCxn id="71" idx="1"/>
+          </p:cNvCxnSpPr>
+          <p:nvPr/>
+        </p:nvCxnSpPr>
+        <p:spPr>
+          <a:xfrm>
+            <a:off x="5780459" y="4535270"/>
+            <a:ext cx="228600" cy="1970"/>
+          </a:xfrm>
+          <a:prstGeom prst="bentConnector3">
+            <a:avLst>
+              <a:gd name="adj1" fmla="val 50000"/>
+            </a:avLst>
+          </a:prstGeom>
+          <a:ln w="19050">
+            <a:solidFill>
+              <a:schemeClr val="accent6">
+                <a:lumMod val="75000"/>
+              </a:schemeClr>
+            </a:solidFill>
+            <a:prstDash val="sysDot"/>
+            <a:headEnd type="none" w="med" len="med"/>
+            <a:tailEnd type="arrow" w="med" len="med"/>
+          </a:ln>
+          <a:effectLst/>
+        </p:spPr>
+        <p:style>
+          <a:lnRef idx="1">
+            <a:schemeClr val="accent2"/>
+          </a:lnRef>
+          <a:fillRef idx="2">
+            <a:schemeClr val="accent2"/>
+          </a:fillRef>
+          <a:effectRef idx="1">
+            <a:schemeClr val="accent2"/>
+          </a:effectRef>
+          <a:fontRef idx="minor">
+            <a:schemeClr val="dk1"/>
+          </a:fontRef>
+        </p:style>
+      </p:cxnSp>
+      <p:sp>
+        <p:nvSpPr>
+          <p:cNvPr id="69" name="Rectangle 8">
+            <a:extLst>
+              <a:ext uri="{FF2B5EF4-FFF2-40B4-BE49-F238E27FC236}">
+                <a16:creationId xmlns:a16="http://schemas.microsoft.com/office/drawing/2014/main" id="{94977B11-6720-44AF-8520-029E9CF9D64A}"/>
+              </a:ext>
+            </a:extLst>
+          </p:cNvPr>
+          <p:cNvSpPr/>
+          <p:nvPr/>
+        </p:nvSpPr>
+        <p:spPr>
+          <a:xfrm>
+            <a:off x="4610624" y="4361890"/>
+            <a:ext cx="1169835" cy="346760"/>
+          </a:xfrm>
+          <a:prstGeom prst="rect">
+            <a:avLst/>
+          </a:prstGeom>
+          <a:ln w="19050"/>
+          <a:effectLst/>
+        </p:spPr>
+        <p:style>
+          <a:lnRef idx="1">
+            <a:schemeClr val="accent6"/>
+          </a:lnRef>
+          <a:fillRef idx="2">
+            <a:schemeClr val="accent6"/>
+          </a:fillRef>
+          <a:effectRef idx="1">
+            <a:schemeClr val="accent6"/>
+          </a:effectRef>
+          <a:fontRef idx="minor">
+            <a:schemeClr val="dk1"/>
+          </a:fontRef>
+        </p:style>
+        <p:txBody>
+          <a:bodyPr rtlCol="0" anchor="ctr"/>
+          <a:lstStyle/>
+          <a:p>
+            <a:pPr algn="ctr"/>
+            <a:r>
+              <a:rPr lang="en-US" sz="1050" b="1" dirty="0" err="1">
+                <a:solidFill>
+                  <a:schemeClr val="accent6">
+                    <a:lumMod val="75000"/>
+                  </a:schemeClr>
+                </a:solidFill>
+              </a:rPr>
+              <a:t>JsonPinBook</a:t>
+            </a:r>
+            <a:br>
+              <a:rPr lang="en-US" sz="1050" b="1" dirty="0">
+                <a:solidFill>
+                  <a:schemeClr val="accent6">
+                    <a:lumMod val="75000"/>
+                  </a:schemeClr>
+                </a:solidFill>
+              </a:rPr>
+            </a:br>
+            <a:r>
+              <a:rPr lang="en-US" sz="1050" b="1" dirty="0">
+                <a:solidFill>
+                  <a:schemeClr val="accent6">
+                    <a:lumMod val="75000"/>
+                  </a:schemeClr>
+                </a:solidFill>
+              </a:rPr>
+              <a:t>Storage</a:t>
+            </a:r>
+            <a:endParaRPr lang="en-SG" sz="1050" b="1" dirty="0">
+              <a:solidFill>
+                <a:schemeClr val="accent6">
+                  <a:lumMod val="75000"/>
+                </a:schemeClr>
+              </a:solidFill>
+            </a:endParaRPr>
+          </a:p>
+        </p:txBody>
+      </p:sp>
+      <p:sp>
+        <p:nvSpPr>
+          <p:cNvPr id="71" name="Rectangle 8">
+            <a:extLst>
+              <a:ext uri="{FF2B5EF4-FFF2-40B4-BE49-F238E27FC236}">
+                <a16:creationId xmlns:a16="http://schemas.microsoft.com/office/drawing/2014/main" id="{C1367B15-F03F-4A1B-80A6-2220AE05615C}"/>
+              </a:ext>
+            </a:extLst>
+          </p:cNvPr>
+          <p:cNvSpPr/>
+          <p:nvPr/>
+        </p:nvSpPr>
+        <p:spPr>
+          <a:xfrm>
+            <a:off x="6009059" y="4363860"/>
+            <a:ext cx="1200707" cy="346760"/>
+          </a:xfrm>
+          <a:prstGeom prst="rect">
+            <a:avLst/>
+          </a:prstGeom>
+          <a:ln w="19050"/>
+          <a:effectLst/>
+        </p:spPr>
+        <p:style>
+          <a:lnRef idx="1">
+            <a:schemeClr val="accent6"/>
+          </a:lnRef>
+          <a:fillRef idx="2">
+            <a:schemeClr val="accent6"/>
+          </a:fillRef>
+          <a:effectRef idx="1">
+            <a:schemeClr val="accent6"/>
+          </a:effectRef>
+          <a:fontRef idx="minor">
+            <a:schemeClr val="dk1"/>
+          </a:fontRef>
+        </p:style>
+        <p:txBody>
+          <a:bodyPr rtlCol="0" anchor="ctr"/>
+          <a:lstStyle/>
+          <a:p>
+            <a:pPr algn="ctr"/>
+            <a:r>
+              <a:rPr lang="en-US" sz="1050" b="1" dirty="0" err="1">
+                <a:solidFill>
+                  <a:schemeClr val="accent6">
+                    <a:lumMod val="75000"/>
+                  </a:schemeClr>
+                </a:solidFill>
+              </a:rPr>
+              <a:t>JsonSerializable</a:t>
+            </a:r>
+            <a:br>
+              <a:rPr lang="en-US" sz="1050" b="1" dirty="0">
+                <a:solidFill>
+                  <a:schemeClr val="accent6">
+                    <a:lumMod val="75000"/>
+                  </a:schemeClr>
+                </a:solidFill>
+              </a:rPr>
+            </a:br>
+            <a:r>
+              <a:rPr lang="en-US" sz="1050" b="1" dirty="0" err="1">
+                <a:solidFill>
+                  <a:schemeClr val="accent6">
+                    <a:lumMod val="75000"/>
+                  </a:schemeClr>
+                </a:solidFill>
+              </a:rPr>
+              <a:t>PinBook</a:t>
+            </a:r>
+            <a:endParaRPr lang="en-SG" sz="1050" b="1" dirty="0">
+              <a:solidFill>
+                <a:schemeClr val="accent6">
+                  <a:lumMod val="75000"/>
+                </a:schemeClr>
+              </a:solidFill>
+            </a:endParaRPr>
+          </a:p>
+        </p:txBody>
+      </p:sp>
+      <p:cxnSp>
+        <p:nvCxnSpPr>
+          <p:cNvPr id="72" name="Elbow Connector 122">
+            <a:extLst>
+              <a:ext uri="{FF2B5EF4-FFF2-40B4-BE49-F238E27FC236}">
+                <a16:creationId xmlns:a16="http://schemas.microsoft.com/office/drawing/2014/main" id="{45E0776D-9F71-4744-BF63-A2A04E99B599}"/>
+              </a:ext>
+            </a:extLst>
+          </p:cNvPr>
+          <p:cNvCxnSpPr>
+            <a:cxnSpLocks/>
+            <a:stCxn id="71" idx="3"/>
+            <a:endCxn id="74" idx="3"/>
+          </p:cNvCxnSpPr>
+          <p:nvPr/>
+        </p:nvCxnSpPr>
+        <p:spPr>
+          <a:xfrm flipV="1">
+            <a:off x="7209766" y="3044524"/>
+            <a:ext cx="1581290" cy="1492716"/>
+          </a:xfrm>
+          <a:prstGeom prst="bentConnector3">
+            <a:avLst>
+              <a:gd name="adj1" fmla="val 114457"/>
+            </a:avLst>
+          </a:prstGeom>
+          <a:ln w="19050">
+            <a:prstDash val="sysDot"/>
+            <a:headEnd type="none" w="med" len="med"/>
+            <a:tailEnd type="arrow" w="med" len="med"/>
+          </a:ln>
+          <a:effectLst/>
+        </p:spPr>
+        <p:style>
+          <a:lnRef idx="1">
+            <a:schemeClr val="accent6"/>
+          </a:lnRef>
+          <a:fillRef idx="2">
+            <a:schemeClr val="accent6"/>
+          </a:fillRef>
+          <a:effectRef idx="1">
+            <a:schemeClr val="accent6"/>
+          </a:effectRef>
+          <a:fontRef idx="minor">
+            <a:schemeClr val="dk1"/>
+          </a:fontRef>
+        </p:style>
+      </p:cxnSp>
+      <p:sp>
+        <p:nvSpPr>
+          <p:cNvPr id="55" name="TextBox 54">
+            <a:extLst>
+              <a:ext uri="{FF2B5EF4-FFF2-40B4-BE49-F238E27FC236}">
+                <a16:creationId xmlns:a16="http://schemas.microsoft.com/office/drawing/2014/main" id="{F4F59FB6-8B8A-4E0B-8DE5-A16D68242AF9}"/>
+              </a:ext>
+            </a:extLst>
+          </p:cNvPr>
+          <p:cNvSpPr txBox="1"/>
+          <p:nvPr/>
+        </p:nvSpPr>
+        <p:spPr>
+          <a:xfrm>
+            <a:off x="7351914" y="2874269"/>
+            <a:ext cx="189257" cy="178683"/>
+          </a:xfrm>
+          <a:prstGeom prst="rect">
+            <a:avLst/>
+          </a:prstGeom>
+          <a:noFill/>
+        </p:spPr>
+        <p:txBody>
+          <a:bodyPr wrap="square" lIns="0" tIns="0" rIns="0" bIns="0" rtlCol="0">
+            <a:noAutofit/>
+          </a:bodyPr>
+          <a:lstStyle/>
+          <a:p>
+            <a:pPr algn="ctr"/>
+            <a:r>
+              <a:rPr lang="en-US" sz="1100" dirty="0">
+                <a:solidFill>
+                  <a:srgbClr val="E46C0A"/>
+                </a:solidFill>
+              </a:rPr>
+              <a:t>*</a:t>
+            </a:r>
+            <a:endParaRPr lang="en-SG" sz="1100" dirty="0">
+              <a:solidFill>
+                <a:srgbClr val="E46C0A"/>
+              </a:solidFill>
+            </a:endParaRPr>
+          </a:p>
+        </p:txBody>
+      </p:sp>
+      <p:sp>
+        <p:nvSpPr>
+          <p:cNvPr id="80" name="TextBox 79">
+            <a:extLst>
+              <a:ext uri="{FF2B5EF4-FFF2-40B4-BE49-F238E27FC236}">
+                <a16:creationId xmlns:a16="http://schemas.microsoft.com/office/drawing/2014/main" id="{8BA8266B-2791-44B9-8F75-4DAD80825316}"/>
+              </a:ext>
+            </a:extLst>
+          </p:cNvPr>
+          <p:cNvSpPr txBox="1"/>
+          <p:nvPr/>
+        </p:nvSpPr>
+        <p:spPr>
+          <a:xfrm>
+            <a:off x="7206675" y="3351709"/>
+            <a:ext cx="170110" cy="137542"/>
+          </a:xfrm>
+          <a:prstGeom prst="rect">
+            <a:avLst/>
+          </a:prstGeom>
+          <a:noFill/>
+        </p:spPr>
+        <p:txBody>
+          <a:bodyPr wrap="square" lIns="0" tIns="0" rIns="0" bIns="0" rtlCol="0">
+            <a:noAutofit/>
+          </a:bodyPr>
+          <a:lstStyle/>
+          <a:p>
+            <a:pPr algn="ctr"/>
+            <a:r>
+              <a:rPr lang="en-US" sz="1100" dirty="0">
+                <a:solidFill>
+                  <a:srgbClr val="E46C0A"/>
+                </a:solidFill>
+              </a:rPr>
+              <a:t>1</a:t>
+            </a:r>
+            <a:endParaRPr lang="en-SG" sz="1100" dirty="0">
+              <a:solidFill>
+                <a:srgbClr val="E46C0A"/>
+              </a:solidFill>
+            </a:endParaRPr>
+          </a:p>
+        </p:txBody>
+      </p:sp>
+      <p:sp>
+        <p:nvSpPr>
+          <p:cNvPr id="81" name="TextBox 80">
+            <a:extLst>
+              <a:ext uri="{FF2B5EF4-FFF2-40B4-BE49-F238E27FC236}">
+                <a16:creationId xmlns:a16="http://schemas.microsoft.com/office/drawing/2014/main" id="{5A4E298E-6FAC-474E-90C5-CB95456BB6FF}"/>
+              </a:ext>
+            </a:extLst>
+          </p:cNvPr>
+          <p:cNvSpPr txBox="1"/>
+          <p:nvPr/>
+        </p:nvSpPr>
+        <p:spPr>
+          <a:xfrm>
+            <a:off x="8173478" y="2549388"/>
+            <a:ext cx="189257" cy="178683"/>
+          </a:xfrm>
+          <a:prstGeom prst="rect">
+            <a:avLst/>
+          </a:prstGeom>
+          <a:noFill/>
+        </p:spPr>
+        <p:txBody>
+          <a:bodyPr wrap="square" lIns="0" tIns="0" rIns="0" bIns="0" rtlCol="0">
+            <a:noAutofit/>
+          </a:bodyPr>
+          <a:lstStyle/>
+          <a:p>
+            <a:pPr algn="ctr"/>
+            <a:r>
+              <a:rPr lang="en-US" sz="1100" dirty="0">
+                <a:solidFill>
+                  <a:srgbClr val="E46C0A"/>
+                </a:solidFill>
+              </a:rPr>
+              <a:t>*</a:t>
+            </a:r>
+            <a:endParaRPr lang="en-SG" sz="1100" dirty="0">
+              <a:solidFill>
+                <a:srgbClr val="E46C0A"/>
+              </a:solidFill>
+            </a:endParaRPr>
+          </a:p>
+        </p:txBody>
+      </p:sp>
+      <p:sp>
+        <p:nvSpPr>
+          <p:cNvPr id="82" name="TextBox 81">
+            <a:extLst>
+              <a:ext uri="{FF2B5EF4-FFF2-40B4-BE49-F238E27FC236}">
+                <a16:creationId xmlns:a16="http://schemas.microsoft.com/office/drawing/2014/main" id="{A53E362A-0BCA-4001-9D6A-8C186EF7BB71}"/>
+              </a:ext>
+            </a:extLst>
+          </p:cNvPr>
+          <p:cNvSpPr txBox="1"/>
+          <p:nvPr/>
+        </p:nvSpPr>
+        <p:spPr>
+          <a:xfrm>
+            <a:off x="8184705" y="3251745"/>
+            <a:ext cx="189257" cy="178683"/>
+          </a:xfrm>
+          <a:prstGeom prst="rect">
+            <a:avLst/>
+          </a:prstGeom>
+          <a:noFill/>
+        </p:spPr>
+        <p:txBody>
+          <a:bodyPr wrap="square" lIns="0" tIns="0" rIns="0" bIns="0" rtlCol="0">
+            <a:noAutofit/>
+          </a:bodyPr>
+          <a:lstStyle/>
+          <a:p>
+            <a:pPr algn="ctr"/>
+            <a:r>
+              <a:rPr lang="en-US" sz="1100" dirty="0">
+                <a:solidFill>
+                  <a:srgbClr val="E46C0A"/>
+                </a:solidFill>
+              </a:rPr>
+              <a:t>*</a:t>
+            </a:r>
+            <a:endParaRPr lang="en-SG" sz="1100" dirty="0">
+              <a:solidFill>
+                <a:srgbClr val="E46C0A"/>
+              </a:solidFill>
+            </a:endParaRPr>
+          </a:p>
+        </p:txBody>
+      </p:sp>
+      <p:sp>
+        <p:nvSpPr>
+          <p:cNvPr id="83" name="TextBox 82">
+            <a:extLst>
+              <a:ext uri="{FF2B5EF4-FFF2-40B4-BE49-F238E27FC236}">
+                <a16:creationId xmlns:a16="http://schemas.microsoft.com/office/drawing/2014/main" id="{BA94797B-6AA7-4C12-86C5-A91921CF8876}"/>
+              </a:ext>
+            </a:extLst>
+          </p:cNvPr>
+          <p:cNvSpPr txBox="1"/>
+          <p:nvPr/>
+        </p:nvSpPr>
+        <p:spPr>
+          <a:xfrm>
+            <a:off x="8775734" y="2869601"/>
+            <a:ext cx="189257" cy="178683"/>
+          </a:xfrm>
+          <a:prstGeom prst="rect">
+            <a:avLst/>
+          </a:prstGeom>
+          <a:noFill/>
+        </p:spPr>
+        <p:txBody>
+          <a:bodyPr wrap="square" lIns="0" tIns="0" rIns="0" bIns="0" rtlCol="0">
+            <a:noAutofit/>
+          </a:bodyPr>
+          <a:lstStyle/>
+          <a:p>
+            <a:pPr algn="ctr"/>
+            <a:r>
+              <a:rPr lang="en-US" sz="1100" dirty="0">
+                <a:solidFill>
+                  <a:srgbClr val="E46C0A"/>
+                </a:solidFill>
+              </a:rPr>
+              <a:t>*</a:t>
+            </a:r>
+            <a:endParaRPr lang="en-SG" sz="1100" dirty="0">
+              <a:solidFill>
+                <a:srgbClr val="E46C0A"/>
+              </a:solidFill>
+            </a:endParaRPr>
+          </a:p>
+        </p:txBody>
+      </p:sp>
+      <p:sp>
+        <p:nvSpPr>
+          <p:cNvPr id="85" name="TextBox 84">
+            <a:extLst>
+              <a:ext uri="{FF2B5EF4-FFF2-40B4-BE49-F238E27FC236}">
+                <a16:creationId xmlns:a16="http://schemas.microsoft.com/office/drawing/2014/main" id="{DE778262-5716-4C0C-B280-BC483A8CE76B}"/>
+              </a:ext>
+            </a:extLst>
+          </p:cNvPr>
+          <p:cNvSpPr txBox="1"/>
+          <p:nvPr/>
+        </p:nvSpPr>
+        <p:spPr>
+          <a:xfrm>
+            <a:off x="7206675" y="3959553"/>
+            <a:ext cx="170110" cy="137542"/>
+          </a:xfrm>
+          <a:prstGeom prst="rect">
+            <a:avLst/>
+          </a:prstGeom>
+          <a:noFill/>
+        </p:spPr>
+        <p:txBody>
+          <a:bodyPr wrap="square" lIns="0" tIns="0" rIns="0" bIns="0" rtlCol="0">
+            <a:noAutofit/>
+          </a:bodyPr>
+          <a:lstStyle/>
+          <a:p>
+            <a:pPr algn="ctr"/>
+            <a:r>
+              <a:rPr lang="en-US" sz="1100" dirty="0">
+                <a:solidFill>
+                  <a:srgbClr val="E46C0A"/>
+                </a:solidFill>
+              </a:rPr>
+              <a:t>1</a:t>
+            </a:r>
+            <a:endParaRPr lang="en-SG" sz="1100" dirty="0">
+              <a:solidFill>
+                <a:srgbClr val="E46C0A"/>
+              </a:solidFill>
+            </a:endParaRPr>
+          </a:p>
+        </p:txBody>
+      </p:sp>
+      <p:sp>
+        <p:nvSpPr>
+          <p:cNvPr id="86" name="TextBox 85">
+            <a:extLst>
+              <a:ext uri="{FF2B5EF4-FFF2-40B4-BE49-F238E27FC236}">
+                <a16:creationId xmlns:a16="http://schemas.microsoft.com/office/drawing/2014/main" id="{BAFE378E-B252-40D7-862D-62CBC639A856}"/>
+              </a:ext>
+            </a:extLst>
+          </p:cNvPr>
+          <p:cNvSpPr txBox="1"/>
+          <p:nvPr/>
+        </p:nvSpPr>
+        <p:spPr>
+          <a:xfrm>
+            <a:off x="7206675" y="4558317"/>
+            <a:ext cx="170110" cy="137542"/>
+          </a:xfrm>
+          <a:prstGeom prst="rect">
+            <a:avLst/>
+          </a:prstGeom>
+          <a:noFill/>
+        </p:spPr>
+        <p:txBody>
+          <a:bodyPr wrap="square" lIns="0" tIns="0" rIns="0" bIns="0" rtlCol="0">
+            <a:noAutofit/>
+          </a:bodyPr>
+          <a:lstStyle/>
+          <a:p>
+            <a:pPr algn="ctr"/>
+            <a:r>
+              <a:rPr lang="en-US" sz="1100" dirty="0">
+                <a:solidFill>
+                  <a:srgbClr val="E46C0A"/>
+                </a:solidFill>
+              </a:rPr>
+              <a:t>1</a:t>
+            </a:r>
+            <a:endParaRPr lang="en-SG" sz="1100" dirty="0">
+              <a:solidFill>
+                <a:srgbClr val="E46C0A"/>
+              </a:solidFill>
+            </a:endParaRPr>
+          </a:p>
+        </p:txBody>
+      </p:sp>
+      <p:sp>
+        <p:nvSpPr>
+          <p:cNvPr id="87" name="TextBox 86">
+            <a:extLst>
+              <a:ext uri="{FF2B5EF4-FFF2-40B4-BE49-F238E27FC236}">
+                <a16:creationId xmlns:a16="http://schemas.microsoft.com/office/drawing/2014/main" id="{16F638BF-846D-4BC9-99EB-7C54E3157B89}"/>
+              </a:ext>
+            </a:extLst>
+          </p:cNvPr>
+          <p:cNvSpPr txBox="1"/>
+          <p:nvPr/>
+        </p:nvSpPr>
+        <p:spPr>
+          <a:xfrm>
+            <a:off x="8188898" y="2717466"/>
+            <a:ext cx="170110" cy="137542"/>
+          </a:xfrm>
+          <a:prstGeom prst="rect">
+            <a:avLst/>
+          </a:prstGeom>
+          <a:noFill/>
+        </p:spPr>
+        <p:txBody>
+          <a:bodyPr wrap="square" lIns="0" tIns="0" rIns="0" bIns="0" rtlCol="0">
+            <a:noAutofit/>
+          </a:bodyPr>
+          <a:lstStyle/>
+          <a:p>
+            <a:pPr algn="ctr"/>
+            <a:r>
+              <a:rPr lang="en-US" sz="1100" dirty="0">
+                <a:solidFill>
+                  <a:srgbClr val="E46C0A"/>
+                </a:solidFill>
+              </a:rPr>
+              <a:t>1</a:t>
+            </a:r>
+            <a:endParaRPr lang="en-SG" sz="1100" dirty="0">
+              <a:solidFill>
+                <a:srgbClr val="E46C0A"/>
+              </a:solidFill>
+            </a:endParaRPr>
+          </a:p>
+        </p:txBody>
+      </p:sp>
     </p:spTree>
     <p:extLst>
       <p:ext uri="{BB962C8B-B14F-4D97-AF65-F5344CB8AC3E}">

--- a/docs/diagrams/StorageComponentClassDiagram.pptx
+++ b/docs/diagrams/StorageComponentClassDiagram.pptx
@@ -208,7 +208,7 @@
           <a:p>
             <a:fld id="{F5CC4B3F-88C1-4FFA-B1B6-F41C21DC6924}" type="datetimeFigureOut">
               <a:rPr lang="en-US" smtClean="0"/>
-              <a:t>4/2/2019</a:t>
+              <a:t>4/3/2019</a:t>
             </a:fld>
             <a:endParaRPr lang="en-US"/>
           </a:p>
@@ -654,7 +654,7 @@
           <a:p>
             <a:fld id="{78C97017-6FC3-485B-9764-EAC9E56C1D49}" type="datetimeFigureOut">
               <a:rPr lang="en-US" smtClean="0"/>
-              <a:t>4/2/2019</a:t>
+              <a:t>4/3/2019</a:t>
             </a:fld>
             <a:endParaRPr lang="en-US"/>
           </a:p>
@@ -822,7 +822,7 @@
           <a:p>
             <a:fld id="{78C97017-6FC3-485B-9764-EAC9E56C1D49}" type="datetimeFigureOut">
               <a:rPr lang="en-US" smtClean="0"/>
-              <a:t>4/2/2019</a:t>
+              <a:t>4/3/2019</a:t>
             </a:fld>
             <a:endParaRPr lang="en-US"/>
           </a:p>
@@ -1000,7 +1000,7 @@
           <a:p>
             <a:fld id="{78C97017-6FC3-485B-9764-EAC9E56C1D49}" type="datetimeFigureOut">
               <a:rPr lang="en-US" smtClean="0"/>
-              <a:t>4/2/2019</a:t>
+              <a:t>4/3/2019</a:t>
             </a:fld>
             <a:endParaRPr lang="en-US"/>
           </a:p>
@@ -1168,7 +1168,7 @@
           <a:p>
             <a:fld id="{78C97017-6FC3-485B-9764-EAC9E56C1D49}" type="datetimeFigureOut">
               <a:rPr lang="en-US" smtClean="0"/>
-              <a:t>4/2/2019</a:t>
+              <a:t>4/3/2019</a:t>
             </a:fld>
             <a:endParaRPr lang="en-US"/>
           </a:p>
@@ -1413,7 +1413,7 @@
           <a:p>
             <a:fld id="{78C97017-6FC3-485B-9764-EAC9E56C1D49}" type="datetimeFigureOut">
               <a:rPr lang="en-US" smtClean="0"/>
-              <a:t>4/2/2019</a:t>
+              <a:t>4/3/2019</a:t>
             </a:fld>
             <a:endParaRPr lang="en-US"/>
           </a:p>
@@ -1698,7 +1698,7 @@
           <a:p>
             <a:fld id="{78C97017-6FC3-485B-9764-EAC9E56C1D49}" type="datetimeFigureOut">
               <a:rPr lang="en-US" smtClean="0"/>
-              <a:t>4/2/2019</a:t>
+              <a:t>4/3/2019</a:t>
             </a:fld>
             <a:endParaRPr lang="en-US"/>
           </a:p>
@@ -2117,7 +2117,7 @@
           <a:p>
             <a:fld id="{78C97017-6FC3-485B-9764-EAC9E56C1D49}" type="datetimeFigureOut">
               <a:rPr lang="en-US" smtClean="0"/>
-              <a:t>4/2/2019</a:t>
+              <a:t>4/3/2019</a:t>
             </a:fld>
             <a:endParaRPr lang="en-US"/>
           </a:p>
@@ -2234,7 +2234,7 @@
           <a:p>
             <a:fld id="{78C97017-6FC3-485B-9764-EAC9E56C1D49}" type="datetimeFigureOut">
               <a:rPr lang="en-US" smtClean="0"/>
-              <a:t>4/2/2019</a:t>
+              <a:t>4/3/2019</a:t>
             </a:fld>
             <a:endParaRPr lang="en-US"/>
           </a:p>
@@ -2329,7 +2329,7 @@
           <a:p>
             <a:fld id="{78C97017-6FC3-485B-9764-EAC9E56C1D49}" type="datetimeFigureOut">
               <a:rPr lang="en-US" smtClean="0"/>
-              <a:t>4/2/2019</a:t>
+              <a:t>4/3/2019</a:t>
             </a:fld>
             <a:endParaRPr lang="en-US"/>
           </a:p>
@@ -2604,7 +2604,7 @@
           <a:p>
             <a:fld id="{78C97017-6FC3-485B-9764-EAC9E56C1D49}" type="datetimeFigureOut">
               <a:rPr lang="en-US" smtClean="0"/>
-              <a:t>4/2/2019</a:t>
+              <a:t>4/3/2019</a:t>
             </a:fld>
             <a:endParaRPr lang="en-US"/>
           </a:p>
@@ -2856,7 +2856,7 @@
           <a:p>
             <a:fld id="{78C97017-6FC3-485B-9764-EAC9E56C1D49}" type="datetimeFigureOut">
               <a:rPr lang="en-US" smtClean="0"/>
-              <a:t>4/2/2019</a:t>
+              <a:t>4/3/2019</a:t>
             </a:fld>
             <a:endParaRPr lang="en-US"/>
           </a:p>
@@ -3067,7 +3067,7 @@
           <a:p>
             <a:fld id="{78C97017-6FC3-485B-9764-EAC9E56C1D49}" type="datetimeFigureOut">
               <a:rPr lang="en-US" smtClean="0"/>
-              <a:t>4/2/2019</a:t>
+              <a:t>4/3/2019</a:t>
             </a:fld>
             <a:endParaRPr lang="en-US"/>
           </a:p>
@@ -5305,7 +5305,7 @@
                   </a:schemeClr>
                 </a:solidFill>
               </a:rPr>
-              <a:t>AddressBook</a:t>
+              <a:t>ArchiveBook</a:t>
             </a:r>
             <a:endParaRPr lang="en-SG" sz="1050" b="1" dirty="0">
               <a:solidFill>

--- a/docs/diagrams/StorageComponentClassDiagram.pptx
+++ b/docs/diagrams/StorageComponentClassDiagram.pptx
@@ -208,7 +208,7 @@
           <a:p>
             <a:fld id="{F5CC4B3F-88C1-4FFA-B1B6-F41C21DC6924}" type="datetimeFigureOut">
               <a:rPr lang="en-US" smtClean="0"/>
-              <a:t>3/19/19</a:t>
+              <a:t>4/5/19</a:t>
             </a:fld>
             <a:endParaRPr lang="en-US"/>
           </a:p>
@@ -654,7 +654,7 @@
           <a:p>
             <a:fld id="{78C97017-6FC3-485B-9764-EAC9E56C1D49}" type="datetimeFigureOut">
               <a:rPr lang="en-US" smtClean="0"/>
-              <a:t>3/19/19</a:t>
+              <a:t>4/5/19</a:t>
             </a:fld>
             <a:endParaRPr lang="en-US"/>
           </a:p>
@@ -822,7 +822,7 @@
           <a:p>
             <a:fld id="{78C97017-6FC3-485B-9764-EAC9E56C1D49}" type="datetimeFigureOut">
               <a:rPr lang="en-US" smtClean="0"/>
-              <a:t>3/19/19</a:t>
+              <a:t>4/5/19</a:t>
             </a:fld>
             <a:endParaRPr lang="en-US"/>
           </a:p>
@@ -1000,7 +1000,7 @@
           <a:p>
             <a:fld id="{78C97017-6FC3-485B-9764-EAC9E56C1D49}" type="datetimeFigureOut">
               <a:rPr lang="en-US" smtClean="0"/>
-              <a:t>3/19/19</a:t>
+              <a:t>4/5/19</a:t>
             </a:fld>
             <a:endParaRPr lang="en-US"/>
           </a:p>
@@ -1168,7 +1168,7 @@
           <a:p>
             <a:fld id="{78C97017-6FC3-485B-9764-EAC9E56C1D49}" type="datetimeFigureOut">
               <a:rPr lang="en-US" smtClean="0"/>
-              <a:t>3/19/19</a:t>
+              <a:t>4/5/19</a:t>
             </a:fld>
             <a:endParaRPr lang="en-US"/>
           </a:p>
@@ -1413,7 +1413,7 @@
           <a:p>
             <a:fld id="{78C97017-6FC3-485B-9764-EAC9E56C1D49}" type="datetimeFigureOut">
               <a:rPr lang="en-US" smtClean="0"/>
-              <a:t>3/19/19</a:t>
+              <a:t>4/5/19</a:t>
             </a:fld>
             <a:endParaRPr lang="en-US"/>
           </a:p>
@@ -1698,7 +1698,7 @@
           <a:p>
             <a:fld id="{78C97017-6FC3-485B-9764-EAC9E56C1D49}" type="datetimeFigureOut">
               <a:rPr lang="en-US" smtClean="0"/>
-              <a:t>3/19/19</a:t>
+              <a:t>4/5/19</a:t>
             </a:fld>
             <a:endParaRPr lang="en-US"/>
           </a:p>
@@ -2117,7 +2117,7 @@
           <a:p>
             <a:fld id="{78C97017-6FC3-485B-9764-EAC9E56C1D49}" type="datetimeFigureOut">
               <a:rPr lang="en-US" smtClean="0"/>
-              <a:t>3/19/19</a:t>
+              <a:t>4/5/19</a:t>
             </a:fld>
             <a:endParaRPr lang="en-US"/>
           </a:p>
@@ -2234,7 +2234,7 @@
           <a:p>
             <a:fld id="{78C97017-6FC3-485B-9764-EAC9E56C1D49}" type="datetimeFigureOut">
               <a:rPr lang="en-US" smtClean="0"/>
-              <a:t>3/19/19</a:t>
+              <a:t>4/5/19</a:t>
             </a:fld>
             <a:endParaRPr lang="en-US"/>
           </a:p>
@@ -2329,7 +2329,7 @@
           <a:p>
             <a:fld id="{78C97017-6FC3-485B-9764-EAC9E56C1D49}" type="datetimeFigureOut">
               <a:rPr lang="en-US" smtClean="0"/>
-              <a:t>3/19/19</a:t>
+              <a:t>4/5/19</a:t>
             </a:fld>
             <a:endParaRPr lang="en-US"/>
           </a:p>
@@ -2604,7 +2604,7 @@
           <a:p>
             <a:fld id="{78C97017-6FC3-485B-9764-EAC9E56C1D49}" type="datetimeFigureOut">
               <a:rPr lang="en-US" smtClean="0"/>
-              <a:t>3/19/19</a:t>
+              <a:t>4/5/19</a:t>
             </a:fld>
             <a:endParaRPr lang="en-US"/>
           </a:p>
@@ -2856,7 +2856,7 @@
           <a:p>
             <a:fld id="{78C97017-6FC3-485B-9764-EAC9E56C1D49}" type="datetimeFigureOut">
               <a:rPr lang="en-US" smtClean="0"/>
-              <a:t>3/19/19</a:t>
+              <a:t>4/5/19</a:t>
             </a:fld>
             <a:endParaRPr lang="en-US"/>
           </a:p>
@@ -3067,7 +3067,7 @@
           <a:p>
             <a:fld id="{78C97017-6FC3-485B-9764-EAC9E56C1D49}" type="datetimeFigureOut">
               <a:rPr lang="en-US" smtClean="0"/>
-              <a:t>3/19/19</a:t>
+              <a:t>4/5/19</a:t>
             </a:fld>
             <a:endParaRPr lang="en-US"/>
           </a:p>
@@ -3575,7 +3575,7 @@
                   <a:schemeClr val="bg1"/>
                 </a:solidFill>
               </a:rPr>
-              <a:t>FoodDIaryStorage</a:t>
+              <a:t>FoodDiaryStorage</a:t>
             </a:r>
             <a:endParaRPr lang="en-SG" sz="1050" dirty="0">
               <a:solidFill>

--- a/docs/diagrams/StorageComponentClassDiagram.pptx
+++ b/docs/diagrams/StorageComponentClassDiagram.pptx
@@ -208,7 +208,7 @@
           <a:p>
             <a:fld id="{F5CC4B3F-88C1-4FFA-B1B6-F41C21DC6924}" type="datetimeFigureOut">
               <a:rPr lang="en-US" smtClean="0"/>
-              <a:t>22-Mar-19</a:t>
+              <a:t>09-Apr-19</a:t>
             </a:fld>
             <a:endParaRPr lang="en-US"/>
           </a:p>
@@ -654,7 +654,7 @@
           <a:p>
             <a:fld id="{78C97017-6FC3-485B-9764-EAC9E56C1D49}" type="datetimeFigureOut">
               <a:rPr lang="en-US" smtClean="0"/>
-              <a:t>22-Mar-19</a:t>
+              <a:t>09-Apr-19</a:t>
             </a:fld>
             <a:endParaRPr lang="en-US"/>
           </a:p>
@@ -822,7 +822,7 @@
           <a:p>
             <a:fld id="{78C97017-6FC3-485B-9764-EAC9E56C1D49}" type="datetimeFigureOut">
               <a:rPr lang="en-US" smtClean="0"/>
-              <a:t>22-Mar-19</a:t>
+              <a:t>09-Apr-19</a:t>
             </a:fld>
             <a:endParaRPr lang="en-US"/>
           </a:p>
@@ -1000,7 +1000,7 @@
           <a:p>
             <a:fld id="{78C97017-6FC3-485B-9764-EAC9E56C1D49}" type="datetimeFigureOut">
               <a:rPr lang="en-US" smtClean="0"/>
-              <a:t>22-Mar-19</a:t>
+              <a:t>09-Apr-19</a:t>
             </a:fld>
             <a:endParaRPr lang="en-US"/>
           </a:p>
@@ -1168,7 +1168,7 @@
           <a:p>
             <a:fld id="{78C97017-6FC3-485B-9764-EAC9E56C1D49}" type="datetimeFigureOut">
               <a:rPr lang="en-US" smtClean="0"/>
-              <a:t>22-Mar-19</a:t>
+              <a:t>09-Apr-19</a:t>
             </a:fld>
             <a:endParaRPr lang="en-US"/>
           </a:p>
@@ -1413,7 +1413,7 @@
           <a:p>
             <a:fld id="{78C97017-6FC3-485B-9764-EAC9E56C1D49}" type="datetimeFigureOut">
               <a:rPr lang="en-US" smtClean="0"/>
-              <a:t>22-Mar-19</a:t>
+              <a:t>09-Apr-19</a:t>
             </a:fld>
             <a:endParaRPr lang="en-US"/>
           </a:p>
@@ -1698,7 +1698,7 @@
           <a:p>
             <a:fld id="{78C97017-6FC3-485B-9764-EAC9E56C1D49}" type="datetimeFigureOut">
               <a:rPr lang="en-US" smtClean="0"/>
-              <a:t>22-Mar-19</a:t>
+              <a:t>09-Apr-19</a:t>
             </a:fld>
             <a:endParaRPr lang="en-US"/>
           </a:p>
@@ -2117,7 +2117,7 @@
           <a:p>
             <a:fld id="{78C97017-6FC3-485B-9764-EAC9E56C1D49}" type="datetimeFigureOut">
               <a:rPr lang="en-US" smtClean="0"/>
-              <a:t>22-Mar-19</a:t>
+              <a:t>09-Apr-19</a:t>
             </a:fld>
             <a:endParaRPr lang="en-US"/>
           </a:p>
@@ -2234,7 +2234,7 @@
           <a:p>
             <a:fld id="{78C97017-6FC3-485B-9764-EAC9E56C1D49}" type="datetimeFigureOut">
               <a:rPr lang="en-US" smtClean="0"/>
-              <a:t>22-Mar-19</a:t>
+              <a:t>09-Apr-19</a:t>
             </a:fld>
             <a:endParaRPr lang="en-US"/>
           </a:p>
@@ -2329,7 +2329,7 @@
           <a:p>
             <a:fld id="{78C97017-6FC3-485B-9764-EAC9E56C1D49}" type="datetimeFigureOut">
               <a:rPr lang="en-US" smtClean="0"/>
-              <a:t>22-Mar-19</a:t>
+              <a:t>09-Apr-19</a:t>
             </a:fld>
             <a:endParaRPr lang="en-US"/>
           </a:p>
@@ -2604,7 +2604,7 @@
           <a:p>
             <a:fld id="{78C97017-6FC3-485B-9764-EAC9E56C1D49}" type="datetimeFigureOut">
               <a:rPr lang="en-US" smtClean="0"/>
-              <a:t>22-Mar-19</a:t>
+              <a:t>09-Apr-19</a:t>
             </a:fld>
             <a:endParaRPr lang="en-US"/>
           </a:p>
@@ -2856,7 +2856,7 @@
           <a:p>
             <a:fld id="{78C97017-6FC3-485B-9764-EAC9E56C1D49}" type="datetimeFigureOut">
               <a:rPr lang="en-US" smtClean="0"/>
-              <a:t>22-Mar-19</a:t>
+              <a:t>09-Apr-19</a:t>
             </a:fld>
             <a:endParaRPr lang="en-US"/>
           </a:p>
@@ -3067,7 +3067,7 @@
           <a:p>
             <a:fld id="{78C97017-6FC3-485B-9764-EAC9E56C1D49}" type="datetimeFigureOut">
               <a:rPr lang="en-US" smtClean="0"/>
-              <a:t>22-Mar-19</a:t>
+              <a:t>09-Apr-19</a:t>
             </a:fld>
             <a:endParaRPr lang="en-US"/>
           </a:p>
@@ -3450,8 +3450,8 @@
         </p:nvSpPr>
         <p:spPr>
           <a:xfrm>
-            <a:off x="1119865" y="2086382"/>
-            <a:ext cx="7871735" cy="1723618"/>
+            <a:off x="990601" y="2086382"/>
+            <a:ext cx="8001000" cy="2377958"/>
           </a:xfrm>
           <a:prstGeom prst="roundRect">
             <a:avLst>
@@ -3570,7 +3570,7 @@
               </a:rPr>
             </a:br>
             <a:r>
-              <a:rPr lang="en-US" sz="1050" dirty="0" err="1">
+              <a:rPr lang="en-US" sz="1050" dirty="0">
                 <a:solidFill>
                   <a:schemeClr val="bg1"/>
                 </a:solidFill>
@@ -3593,8 +3593,8 @@
         </p:nvSpPr>
         <p:spPr>
           <a:xfrm rot="16200000">
-            <a:off x="1683963" y="2868687"/>
-            <a:ext cx="1093635" cy="346760"/>
+            <a:off x="1357572" y="3195078"/>
+            <a:ext cx="1746417" cy="346760"/>
           </a:xfrm>
           <a:prstGeom prst="rect">
             <a:avLst/>
@@ -3633,7 +3633,7 @@
           <a:p>
             <a:pPr algn="ctr"/>
             <a:r>
-              <a:rPr lang="en-US" sz="1050" dirty="0" err="1">
+              <a:rPr lang="en-US" sz="1050" dirty="0">
                 <a:solidFill>
                   <a:schemeClr val="bg1"/>
                 </a:solidFill>
@@ -3656,8 +3656,8 @@
         </p:nvSpPr>
         <p:spPr>
           <a:xfrm rot="16200000">
-            <a:off x="956202" y="2861202"/>
-            <a:ext cx="1093635" cy="346760"/>
+            <a:off x="626069" y="3191336"/>
+            <a:ext cx="1753902" cy="346760"/>
           </a:xfrm>
           <a:prstGeom prst="rect">
             <a:avLst/>
@@ -4141,7 +4141,7 @@
           <a:p>
             <a:pPr algn="ctr"/>
             <a:r>
-              <a:rPr lang="en-US" sz="1050" b="1" dirty="0" err="1">
+              <a:rPr lang="en-US" sz="1050" b="1" dirty="0">
                 <a:solidFill>
                   <a:schemeClr val="accent6">
                     <a:lumMod val="75000"/>
@@ -4242,7 +4242,7 @@
               </a:rPr>
             </a:br>
             <a:r>
-              <a:rPr lang="en-US" sz="1050" dirty="0" err="1">
+              <a:rPr lang="en-US" sz="1050" dirty="0">
                 <a:solidFill>
                   <a:schemeClr val="bg1"/>
                 </a:solidFill>
@@ -4355,6 +4355,7 @@
         <p:nvCxnSpPr>
           <p:cNvPr id="60" name="Elbow Connector 63"/>
           <p:cNvCxnSpPr>
+            <a:cxnSpLocks/>
             <a:stCxn id="61" idx="3"/>
             <a:endCxn id="65" idx="1"/>
           </p:cNvCxnSpPr>
@@ -4500,7 +4501,7 @@
           <a:p>
             <a:pPr algn="ctr"/>
             <a:r>
-              <a:rPr lang="en-US" sz="1050" dirty="0" err="1">
+              <a:rPr lang="en-US" sz="1050" dirty="0">
                 <a:solidFill>
                   <a:schemeClr val="bg1"/>
                 </a:solidFill>
@@ -4567,7 +4568,7 @@
           <a:p>
             <a:pPr algn="ctr"/>
             <a:r>
-              <a:rPr lang="en-US" sz="1050" b="1" dirty="0" err="1">
+              <a:rPr lang="en-US" sz="1050" b="1" dirty="0">
                 <a:solidFill>
                   <a:schemeClr val="accent6">
                     <a:lumMod val="75000"/>
@@ -4684,7 +4685,7 @@
           <a:p>
             <a:pPr algn="ctr"/>
             <a:r>
-              <a:rPr lang="en-US" sz="1050" b="1" dirty="0" err="1">
+              <a:rPr lang="en-US" sz="1050" b="1" dirty="0">
                 <a:solidFill>
                   <a:schemeClr val="accent6">
                     <a:lumMod val="75000"/>
@@ -4740,7 +4741,7 @@
           <a:p>
             <a:pPr algn="ctr"/>
             <a:r>
-              <a:rPr lang="en-US" sz="1030" b="1" dirty="0" err="1">
+              <a:rPr lang="en-US" sz="1030" b="1" dirty="0">
                 <a:solidFill>
                   <a:schemeClr val="accent6">
                     <a:lumMod val="75000"/>
@@ -4800,6 +4801,389 @@
           </a:fontRef>
         </p:style>
       </p:cxnSp>
+      <p:sp>
+        <p:nvSpPr>
+          <p:cNvPr id="26" name="Rectangle 8">
+            <a:extLst>
+              <a:ext uri="{FF2B5EF4-FFF2-40B4-BE49-F238E27FC236}">
+                <a16:creationId xmlns:a16="http://schemas.microsoft.com/office/drawing/2014/main" id="{DA836FDF-A537-4E54-AF6C-8183494DEAC5}"/>
+              </a:ext>
+            </a:extLst>
+          </p:cNvPr>
+          <p:cNvSpPr/>
+          <p:nvPr/>
+        </p:nvSpPr>
+        <p:spPr>
+          <a:xfrm>
+            <a:off x="2868463" y="3802251"/>
+            <a:ext cx="1323049" cy="346760"/>
+          </a:xfrm>
+          <a:prstGeom prst="rect">
+            <a:avLst/>
+          </a:prstGeom>
+          <a:solidFill>
+            <a:schemeClr val="accent6">
+              <a:lumMod val="75000"/>
+            </a:schemeClr>
+          </a:solidFill>
+          <a:ln w="19050">
+            <a:solidFill>
+              <a:schemeClr val="accent6">
+                <a:lumMod val="75000"/>
+              </a:schemeClr>
+            </a:solidFill>
+          </a:ln>
+          <a:effectLst/>
+        </p:spPr>
+        <p:style>
+          <a:lnRef idx="1">
+            <a:schemeClr val="accent2"/>
+          </a:lnRef>
+          <a:fillRef idx="2">
+            <a:schemeClr val="accent2"/>
+          </a:fillRef>
+          <a:effectRef idx="1">
+            <a:schemeClr val="accent2"/>
+          </a:effectRef>
+          <a:fontRef idx="minor">
+            <a:schemeClr val="dk1"/>
+          </a:fontRef>
+        </p:style>
+        <p:txBody>
+          <a:bodyPr rtlCol="0" anchor="ctr"/>
+          <a:lstStyle/>
+          <a:p>
+            <a:pPr algn="ctr"/>
+            <a:r>
+              <a:rPr lang="en-US" sz="1050" dirty="0">
+                <a:solidFill>
+                  <a:schemeClr val="bg1"/>
+                </a:solidFill>
+              </a:rPr>
+              <a:t>&lt;&lt;interface&gt;&gt;</a:t>
+            </a:r>
+            <a:br>
+              <a:rPr lang="en-US" sz="1050" dirty="0">
+                <a:solidFill>
+                  <a:schemeClr val="bg1"/>
+                </a:solidFill>
+              </a:rPr>
+            </a:br>
+            <a:r>
+              <a:rPr lang="en-US" sz="1050" dirty="0">
+                <a:solidFill>
+                  <a:schemeClr val="bg1"/>
+                </a:solidFill>
+              </a:rPr>
+              <a:t>ChartBookStorage</a:t>
+            </a:r>
+            <a:endParaRPr lang="en-SG" sz="1050" dirty="0">
+              <a:solidFill>
+                <a:schemeClr val="bg1"/>
+              </a:solidFill>
+            </a:endParaRPr>
+          </a:p>
+        </p:txBody>
+      </p:sp>
+      <p:cxnSp>
+        <p:nvCxnSpPr>
+          <p:cNvPr id="27" name="Straight Arrow Connector 26">
+            <a:extLst>
+              <a:ext uri="{FF2B5EF4-FFF2-40B4-BE49-F238E27FC236}">
+                <a16:creationId xmlns:a16="http://schemas.microsoft.com/office/drawing/2014/main" id="{391945C9-A6A7-4691-B6CF-B0A2E7ABB11F}"/>
+              </a:ext>
+            </a:extLst>
+          </p:cNvPr>
+          <p:cNvCxnSpPr>
+            <a:stCxn id="28" idx="3"/>
+            <a:endCxn id="26" idx="1"/>
+          </p:cNvCxnSpPr>
+          <p:nvPr/>
+        </p:nvCxnSpPr>
+        <p:spPr>
+          <a:xfrm>
+            <a:off x="2647653" y="3970347"/>
+            <a:ext cx="220810" cy="5284"/>
+          </a:xfrm>
+          <a:prstGeom prst="straightConnector1">
+            <a:avLst/>
+          </a:prstGeom>
+          <a:ln w="19050">
+            <a:solidFill>
+              <a:schemeClr val="accent6">
+                <a:lumMod val="75000"/>
+              </a:schemeClr>
+            </a:solidFill>
+            <a:headEnd type="none" w="med" len="med"/>
+            <a:tailEnd type="arrow" w="med" len="med"/>
+          </a:ln>
+          <a:effectLst/>
+        </p:spPr>
+        <p:style>
+          <a:lnRef idx="1">
+            <a:schemeClr val="accent2"/>
+          </a:lnRef>
+          <a:fillRef idx="2">
+            <a:schemeClr val="accent2"/>
+          </a:fillRef>
+          <a:effectRef idx="1">
+            <a:schemeClr val="accent2"/>
+          </a:effectRef>
+          <a:fontRef idx="minor">
+            <a:schemeClr val="dk1"/>
+          </a:fontRef>
+        </p:style>
+      </p:cxnSp>
+      <p:sp>
+        <p:nvSpPr>
+          <p:cNvPr id="28" name="Flowchart: Decision 96">
+            <a:extLst>
+              <a:ext uri="{FF2B5EF4-FFF2-40B4-BE49-F238E27FC236}">
+                <a16:creationId xmlns:a16="http://schemas.microsoft.com/office/drawing/2014/main" id="{5276AF20-AE3E-471A-A805-CADEFEF0A337}"/>
+              </a:ext>
+            </a:extLst>
+          </p:cNvPr>
+          <p:cNvSpPr/>
+          <p:nvPr/>
+        </p:nvSpPr>
+        <p:spPr>
+          <a:xfrm>
+            <a:off x="2411605" y="3883657"/>
+            <a:ext cx="236048" cy="173380"/>
+          </a:xfrm>
+          <a:prstGeom prst="flowChartDecision">
+            <a:avLst/>
+          </a:prstGeom>
+          <a:noFill/>
+          <a:ln w="19050">
+            <a:solidFill>
+              <a:schemeClr val="accent6">
+                <a:lumMod val="75000"/>
+              </a:schemeClr>
+            </a:solidFill>
+          </a:ln>
+          <a:effectLst/>
+        </p:spPr>
+        <p:style>
+          <a:lnRef idx="1">
+            <a:schemeClr val="accent2"/>
+          </a:lnRef>
+          <a:fillRef idx="2">
+            <a:schemeClr val="accent2"/>
+          </a:fillRef>
+          <a:effectRef idx="1">
+            <a:schemeClr val="accent2"/>
+          </a:effectRef>
+          <a:fontRef idx="minor">
+            <a:schemeClr val="dk1"/>
+          </a:fontRef>
+        </p:style>
+        <p:txBody>
+          <a:bodyPr rtlCol="0" anchor="ctr"/>
+          <a:lstStyle/>
+          <a:p>
+            <a:pPr algn="ctr"/>
+            <a:endParaRPr lang="en-US" sz="1050">
+              <a:solidFill>
+                <a:schemeClr val="bg1"/>
+              </a:solidFill>
+            </a:endParaRPr>
+          </a:p>
+        </p:txBody>
+      </p:sp>
+      <p:sp>
+        <p:nvSpPr>
+          <p:cNvPr id="29" name="Isosceles Triangle 102">
+            <a:extLst>
+              <a:ext uri="{FF2B5EF4-FFF2-40B4-BE49-F238E27FC236}">
+                <a16:creationId xmlns:a16="http://schemas.microsoft.com/office/drawing/2014/main" id="{8FFCF5C8-27D5-4B2A-8343-73B599F37493}"/>
+              </a:ext>
+            </a:extLst>
+          </p:cNvPr>
+          <p:cNvSpPr/>
+          <p:nvPr/>
+        </p:nvSpPr>
+        <p:spPr>
+          <a:xfrm rot="5400000" flipV="1">
+            <a:off x="4166310" y="3887870"/>
+            <a:ext cx="270504" cy="175523"/>
+          </a:xfrm>
+          <a:prstGeom prst="triangle">
+            <a:avLst/>
+          </a:prstGeom>
+          <a:solidFill>
+            <a:schemeClr val="accent6">
+              <a:lumMod val="75000"/>
+            </a:schemeClr>
+          </a:solidFill>
+          <a:ln w="19050">
+            <a:solidFill>
+              <a:schemeClr val="accent6">
+                <a:lumMod val="75000"/>
+              </a:schemeClr>
+            </a:solidFill>
+          </a:ln>
+          <a:effectLst/>
+        </p:spPr>
+        <p:style>
+          <a:lnRef idx="1">
+            <a:schemeClr val="accent2"/>
+          </a:lnRef>
+          <a:fillRef idx="2">
+            <a:schemeClr val="accent2"/>
+          </a:fillRef>
+          <a:effectRef idx="1">
+            <a:schemeClr val="accent2"/>
+          </a:effectRef>
+          <a:fontRef idx="minor">
+            <a:schemeClr val="dk1"/>
+          </a:fontRef>
+        </p:style>
+        <p:txBody>
+          <a:bodyPr rtlCol="0" anchor="ctr"/>
+          <a:lstStyle/>
+          <a:p>
+            <a:pPr algn="ctr"/>
+            <a:endParaRPr lang="en-SG" sz="1050">
+              <a:solidFill>
+                <a:schemeClr val="bg1"/>
+              </a:solidFill>
+            </a:endParaRPr>
+          </a:p>
+        </p:txBody>
+      </p:sp>
+      <p:cxnSp>
+        <p:nvCxnSpPr>
+          <p:cNvPr id="30" name="Elbow Connector 63">
+            <a:extLst>
+              <a:ext uri="{FF2B5EF4-FFF2-40B4-BE49-F238E27FC236}">
+                <a16:creationId xmlns:a16="http://schemas.microsoft.com/office/drawing/2014/main" id="{D1F8743C-B531-44C5-8212-0C0486330954}"/>
+              </a:ext>
+            </a:extLst>
+          </p:cNvPr>
+          <p:cNvCxnSpPr>
+            <a:endCxn id="32" idx="1"/>
+          </p:cNvCxnSpPr>
+          <p:nvPr/>
+        </p:nvCxnSpPr>
+        <p:spPr>
+          <a:xfrm flipV="1">
+            <a:off x="4398041" y="3973661"/>
+            <a:ext cx="223324" cy="1"/>
+          </a:xfrm>
+          <a:prstGeom prst="bentConnector3">
+            <a:avLst>
+              <a:gd name="adj1" fmla="val 50000"/>
+            </a:avLst>
+          </a:prstGeom>
+          <a:ln w="19050">
+            <a:solidFill>
+              <a:schemeClr val="accent6">
+                <a:lumMod val="75000"/>
+              </a:schemeClr>
+            </a:solidFill>
+            <a:prstDash val="sysDot"/>
+            <a:headEnd type="none" w="med" len="med"/>
+            <a:tailEnd type="none" w="med" len="med"/>
+          </a:ln>
+          <a:effectLst/>
+        </p:spPr>
+        <p:style>
+          <a:lnRef idx="1">
+            <a:schemeClr val="accent2"/>
+          </a:lnRef>
+          <a:fillRef idx="2">
+            <a:schemeClr val="accent2"/>
+          </a:fillRef>
+          <a:effectRef idx="1">
+            <a:schemeClr val="accent2"/>
+          </a:effectRef>
+          <a:fontRef idx="minor">
+            <a:schemeClr val="dk1"/>
+          </a:fontRef>
+        </p:style>
+      </p:cxnSp>
+      <p:sp>
+        <p:nvSpPr>
+          <p:cNvPr id="32" name="Rectangle 8">
+            <a:extLst>
+              <a:ext uri="{FF2B5EF4-FFF2-40B4-BE49-F238E27FC236}">
+                <a16:creationId xmlns:a16="http://schemas.microsoft.com/office/drawing/2014/main" id="{1B9ADD6C-18DC-4C59-B3AA-0756BAFCB4AF}"/>
+              </a:ext>
+            </a:extLst>
+          </p:cNvPr>
+          <p:cNvSpPr/>
+          <p:nvPr/>
+        </p:nvSpPr>
+        <p:spPr>
+          <a:xfrm>
+            <a:off x="4621365" y="3800281"/>
+            <a:ext cx="1169835" cy="346760"/>
+          </a:xfrm>
+          <a:prstGeom prst="rect">
+            <a:avLst/>
+          </a:prstGeom>
+          <a:ln w="19050"/>
+          <a:effectLst/>
+        </p:spPr>
+        <p:style>
+          <a:lnRef idx="1">
+            <a:schemeClr val="accent6"/>
+          </a:lnRef>
+          <a:fillRef idx="2">
+            <a:schemeClr val="accent6"/>
+          </a:fillRef>
+          <a:effectRef idx="1">
+            <a:schemeClr val="accent6"/>
+          </a:effectRef>
+          <a:fontRef idx="minor">
+            <a:schemeClr val="dk1"/>
+          </a:fontRef>
+        </p:style>
+        <p:txBody>
+          <a:bodyPr rtlCol="0" anchor="ctr"/>
+          <a:lstStyle/>
+          <a:p>
+            <a:pPr algn="ctr"/>
+            <a:r>
+              <a:rPr lang="en-US" sz="1050" b="1" dirty="0">
+                <a:solidFill>
+                  <a:schemeClr val="accent6">
+                    <a:lumMod val="75000"/>
+                  </a:schemeClr>
+                </a:solidFill>
+              </a:rPr>
+              <a:t>JsonChartBook</a:t>
+            </a:r>
+            <a:br>
+              <a:rPr lang="en-US" sz="1050" b="1" dirty="0">
+                <a:solidFill>
+                  <a:schemeClr val="accent6">
+                    <a:lumMod val="75000"/>
+                  </a:schemeClr>
+                </a:solidFill>
+              </a:rPr>
+            </a:br>
+            <a:r>
+              <a:rPr lang="en-US" sz="1050" b="1" dirty="0">
+                <a:solidFill>
+                  <a:schemeClr val="accent6">
+                    <a:lumMod val="75000"/>
+                  </a:schemeClr>
+                </a:solidFill>
+              </a:rPr>
+              <a:t>Storage</a:t>
+            </a:r>
+            <a:endParaRPr lang="en-SG" sz="1050" b="1" dirty="0">
+              <a:solidFill>
+                <a:schemeClr val="accent6">
+                  <a:lumMod val="75000"/>
+                </a:schemeClr>
+              </a:solidFill>
+            </a:endParaRPr>
+          </a:p>
+        </p:txBody>
+      </p:sp>
     </p:spTree>
     <p:extLst>
       <p:ext uri="{BB962C8B-B14F-4D97-AF65-F5344CB8AC3E}">

--- a/docs/diagrams/StorageComponentClassDiagram.pptx
+++ b/docs/diagrams/StorageComponentClassDiagram.pptx
@@ -109,7 +109,7 @@
   </p:defaultTextStyle>
   <p:extLst>
     <p:ext uri="{EFAFB233-063F-42B5-8137-9DF3F51BA10A}">
-      <p15:sldGuideLst xmlns:p15="http://schemas.microsoft.com/office/powerpoint/2012/main" xmlns="">
+      <p15:sldGuideLst xmlns="" xmlns:p15="http://schemas.microsoft.com/office/powerpoint/2012/main">
         <p15:guide id="1" orient="horz" pos="1488">
           <p15:clr>
             <a:srgbClr val="A4A3A4"/>
@@ -175,7 +175,7 @@
             </a:lvl1pPr>
           </a:lstStyle>
           <a:p>
-            <a:endParaRPr lang="en-US"/>
+            <a:endParaRPr lang="en-US" dirty="0"/>
           </a:p>
         </p:txBody>
       </p:sp>
@@ -209,9 +209,9 @@
             <a:fld id="{F5CC4B3F-88C1-4FFA-B1B6-F41C21DC6924}" type="datetimeFigureOut">
               <a:rPr lang="en-US" smtClean="0"/>
               <a:pPr/>
-              <a:t>3/31/2019</a:t>
+              <a:t>4/11/2019</a:t>
             </a:fld>
-            <a:endParaRPr lang="en-US"/>
+            <a:endParaRPr lang="en-US" dirty="0"/>
           </a:p>
         </p:txBody>
       </p:sp>
@@ -244,7 +244,7 @@
           <a:bodyPr vert="horz" lIns="91440" tIns="45720" rIns="91440" bIns="45720" rtlCol="0" anchor="ctr"/>
           <a:lstStyle/>
           <a:p>
-            <a:endParaRPr lang="en-US"/>
+            <a:endParaRPr lang="en-US" dirty="0"/>
           </a:p>
         </p:txBody>
       </p:sp>
@@ -334,7 +334,7 @@
             </a:lvl1pPr>
           </a:lstStyle>
           <a:p>
-            <a:endParaRPr lang="en-US"/>
+            <a:endParaRPr lang="en-US" dirty="0"/>
           </a:p>
         </p:txBody>
       </p:sp>
@@ -370,14 +370,14 @@
               <a:pPr/>
               <a:t>‹#›</a:t>
             </a:fld>
-            <a:endParaRPr lang="en-US"/>
+            <a:endParaRPr lang="en-US" dirty="0"/>
           </a:p>
         </p:txBody>
       </p:sp>
     </p:spTree>
     <p:extLst>
       <p:ext uri="{BB962C8B-B14F-4D97-AF65-F5344CB8AC3E}">
-        <p14:creationId xmlns:p14="http://schemas.microsoft.com/office/powerpoint/2010/main" xmlns="" val="2023976206"/>
+        <p14:creationId xmlns="" xmlns:p14="http://schemas.microsoft.com/office/powerpoint/2010/main" val="2023976206"/>
       </p:ext>
     </p:extLst>
   </p:cSld>
@@ -657,9 +657,9 @@
             <a:fld id="{78C97017-6FC3-485B-9764-EAC9E56C1D49}" type="datetimeFigureOut">
               <a:rPr lang="en-US" smtClean="0"/>
               <a:pPr/>
-              <a:t>3/31/2019</a:t>
+              <a:t>4/11/2019</a:t>
             </a:fld>
-            <a:endParaRPr lang="en-US"/>
+            <a:endParaRPr lang="en-US" dirty="0"/>
           </a:p>
         </p:txBody>
       </p:sp>
@@ -678,7 +678,7 @@
           <a:bodyPr/>
           <a:lstStyle/>
           <a:p>
-            <a:endParaRPr lang="en-US"/>
+            <a:endParaRPr lang="en-US" dirty="0"/>
           </a:p>
         </p:txBody>
       </p:sp>
@@ -702,14 +702,14 @@
               <a:pPr/>
               <a:t>‹#›</a:t>
             </a:fld>
-            <a:endParaRPr lang="en-US"/>
+            <a:endParaRPr lang="en-US" dirty="0"/>
           </a:p>
         </p:txBody>
       </p:sp>
     </p:spTree>
     <p:extLst>
       <p:ext uri="{BB962C8B-B14F-4D97-AF65-F5344CB8AC3E}">
-        <p14:creationId xmlns:p14="http://schemas.microsoft.com/office/powerpoint/2010/main" xmlns="" val="3246593157"/>
+        <p14:creationId xmlns="" xmlns:p14="http://schemas.microsoft.com/office/powerpoint/2010/main" val="3246593157"/>
       </p:ext>
     </p:extLst>
   </p:cSld>
@@ -827,9 +827,9 @@
             <a:fld id="{78C97017-6FC3-485B-9764-EAC9E56C1D49}" type="datetimeFigureOut">
               <a:rPr lang="en-US" smtClean="0"/>
               <a:pPr/>
-              <a:t>3/31/2019</a:t>
+              <a:t>4/11/2019</a:t>
             </a:fld>
-            <a:endParaRPr lang="en-US"/>
+            <a:endParaRPr lang="en-US" dirty="0"/>
           </a:p>
         </p:txBody>
       </p:sp>
@@ -848,7 +848,7 @@
           <a:bodyPr/>
           <a:lstStyle/>
           <a:p>
-            <a:endParaRPr lang="en-US"/>
+            <a:endParaRPr lang="en-US" dirty="0"/>
           </a:p>
         </p:txBody>
       </p:sp>
@@ -872,14 +872,14 @@
               <a:pPr/>
               <a:t>‹#›</a:t>
             </a:fld>
-            <a:endParaRPr lang="en-US"/>
+            <a:endParaRPr lang="en-US" dirty="0"/>
           </a:p>
         </p:txBody>
       </p:sp>
     </p:spTree>
     <p:extLst>
       <p:ext uri="{BB962C8B-B14F-4D97-AF65-F5344CB8AC3E}">
-        <p14:creationId xmlns:p14="http://schemas.microsoft.com/office/powerpoint/2010/main" xmlns="" val="2707025021"/>
+        <p14:creationId xmlns="" xmlns:p14="http://schemas.microsoft.com/office/powerpoint/2010/main" val="2707025021"/>
       </p:ext>
     </p:extLst>
   </p:cSld>
@@ -1007,9 +1007,9 @@
             <a:fld id="{78C97017-6FC3-485B-9764-EAC9E56C1D49}" type="datetimeFigureOut">
               <a:rPr lang="en-US" smtClean="0"/>
               <a:pPr/>
-              <a:t>3/31/2019</a:t>
+              <a:t>4/11/2019</a:t>
             </a:fld>
-            <a:endParaRPr lang="en-US"/>
+            <a:endParaRPr lang="en-US" dirty="0"/>
           </a:p>
         </p:txBody>
       </p:sp>
@@ -1028,7 +1028,7 @@
           <a:bodyPr/>
           <a:lstStyle/>
           <a:p>
-            <a:endParaRPr lang="en-US"/>
+            <a:endParaRPr lang="en-US" dirty="0"/>
           </a:p>
         </p:txBody>
       </p:sp>
@@ -1052,14 +1052,14 @@
               <a:pPr/>
               <a:t>‹#›</a:t>
             </a:fld>
-            <a:endParaRPr lang="en-US"/>
+            <a:endParaRPr lang="en-US" dirty="0"/>
           </a:p>
         </p:txBody>
       </p:sp>
     </p:spTree>
     <p:extLst>
       <p:ext uri="{BB962C8B-B14F-4D97-AF65-F5344CB8AC3E}">
-        <p14:creationId xmlns:p14="http://schemas.microsoft.com/office/powerpoint/2010/main" xmlns="" val="568378986"/>
+        <p14:creationId xmlns="" xmlns:p14="http://schemas.microsoft.com/office/powerpoint/2010/main" val="568378986"/>
       </p:ext>
     </p:extLst>
   </p:cSld>
@@ -1177,9 +1177,9 @@
             <a:fld id="{78C97017-6FC3-485B-9764-EAC9E56C1D49}" type="datetimeFigureOut">
               <a:rPr lang="en-US" smtClean="0"/>
               <a:pPr/>
-              <a:t>3/31/2019</a:t>
+              <a:t>4/11/2019</a:t>
             </a:fld>
-            <a:endParaRPr lang="en-US"/>
+            <a:endParaRPr lang="en-US" dirty="0"/>
           </a:p>
         </p:txBody>
       </p:sp>
@@ -1198,7 +1198,7 @@
           <a:bodyPr/>
           <a:lstStyle/>
           <a:p>
-            <a:endParaRPr lang="en-US"/>
+            <a:endParaRPr lang="en-US" dirty="0"/>
           </a:p>
         </p:txBody>
       </p:sp>
@@ -1222,14 +1222,14 @@
               <a:pPr/>
               <a:t>‹#›</a:t>
             </a:fld>
-            <a:endParaRPr lang="en-US"/>
+            <a:endParaRPr lang="en-US" dirty="0"/>
           </a:p>
         </p:txBody>
       </p:sp>
     </p:spTree>
     <p:extLst>
       <p:ext uri="{BB962C8B-B14F-4D97-AF65-F5344CB8AC3E}">
-        <p14:creationId xmlns:p14="http://schemas.microsoft.com/office/powerpoint/2010/main" xmlns="" val="266658052"/>
+        <p14:creationId xmlns="" xmlns:p14="http://schemas.microsoft.com/office/powerpoint/2010/main" val="266658052"/>
       </p:ext>
     </p:extLst>
   </p:cSld>
@@ -1424,9 +1424,9 @@
             <a:fld id="{78C97017-6FC3-485B-9764-EAC9E56C1D49}" type="datetimeFigureOut">
               <a:rPr lang="en-US" smtClean="0"/>
               <a:pPr/>
-              <a:t>3/31/2019</a:t>
+              <a:t>4/11/2019</a:t>
             </a:fld>
-            <a:endParaRPr lang="en-US"/>
+            <a:endParaRPr lang="en-US" dirty="0"/>
           </a:p>
         </p:txBody>
       </p:sp>
@@ -1445,7 +1445,7 @@
           <a:bodyPr/>
           <a:lstStyle/>
           <a:p>
-            <a:endParaRPr lang="en-US"/>
+            <a:endParaRPr lang="en-US" dirty="0"/>
           </a:p>
         </p:txBody>
       </p:sp>
@@ -1469,14 +1469,14 @@
               <a:pPr/>
               <a:t>‹#›</a:t>
             </a:fld>
-            <a:endParaRPr lang="en-US"/>
+            <a:endParaRPr lang="en-US" dirty="0"/>
           </a:p>
         </p:txBody>
       </p:sp>
     </p:spTree>
     <p:extLst>
       <p:ext uri="{BB962C8B-B14F-4D97-AF65-F5344CB8AC3E}">
-        <p14:creationId xmlns:p14="http://schemas.microsoft.com/office/powerpoint/2010/main" xmlns="" val="474686344"/>
+        <p14:creationId xmlns="" xmlns:p14="http://schemas.microsoft.com/office/powerpoint/2010/main" val="474686344"/>
       </p:ext>
     </p:extLst>
   </p:cSld>
@@ -1711,9 +1711,9 @@
             <a:fld id="{78C97017-6FC3-485B-9764-EAC9E56C1D49}" type="datetimeFigureOut">
               <a:rPr lang="en-US" smtClean="0"/>
               <a:pPr/>
-              <a:t>3/31/2019</a:t>
+              <a:t>4/11/2019</a:t>
             </a:fld>
-            <a:endParaRPr lang="en-US"/>
+            <a:endParaRPr lang="en-US" dirty="0"/>
           </a:p>
         </p:txBody>
       </p:sp>
@@ -1732,7 +1732,7 @@
           <a:bodyPr/>
           <a:lstStyle/>
           <a:p>
-            <a:endParaRPr lang="en-US"/>
+            <a:endParaRPr lang="en-US" dirty="0"/>
           </a:p>
         </p:txBody>
       </p:sp>
@@ -1756,14 +1756,14 @@
               <a:pPr/>
               <a:t>‹#›</a:t>
             </a:fld>
-            <a:endParaRPr lang="en-US"/>
+            <a:endParaRPr lang="en-US" dirty="0"/>
           </a:p>
         </p:txBody>
       </p:sp>
     </p:spTree>
     <p:extLst>
       <p:ext uri="{BB962C8B-B14F-4D97-AF65-F5344CB8AC3E}">
-        <p14:creationId xmlns:p14="http://schemas.microsoft.com/office/powerpoint/2010/main" xmlns="" val="562293251"/>
+        <p14:creationId xmlns="" xmlns:p14="http://schemas.microsoft.com/office/powerpoint/2010/main" val="562293251"/>
       </p:ext>
     </p:extLst>
   </p:cSld>
@@ -2132,9 +2132,9 @@
             <a:fld id="{78C97017-6FC3-485B-9764-EAC9E56C1D49}" type="datetimeFigureOut">
               <a:rPr lang="en-US" smtClean="0"/>
               <a:pPr/>
-              <a:t>3/31/2019</a:t>
+              <a:t>4/11/2019</a:t>
             </a:fld>
-            <a:endParaRPr lang="en-US"/>
+            <a:endParaRPr lang="en-US" dirty="0"/>
           </a:p>
         </p:txBody>
       </p:sp>
@@ -2153,7 +2153,7 @@
           <a:bodyPr/>
           <a:lstStyle/>
           <a:p>
-            <a:endParaRPr lang="en-US"/>
+            <a:endParaRPr lang="en-US" dirty="0"/>
           </a:p>
         </p:txBody>
       </p:sp>
@@ -2177,14 +2177,14 @@
               <a:pPr/>
               <a:t>‹#›</a:t>
             </a:fld>
-            <a:endParaRPr lang="en-US"/>
+            <a:endParaRPr lang="en-US" dirty="0"/>
           </a:p>
         </p:txBody>
       </p:sp>
     </p:spTree>
     <p:extLst>
       <p:ext uri="{BB962C8B-B14F-4D97-AF65-F5344CB8AC3E}">
-        <p14:creationId xmlns:p14="http://schemas.microsoft.com/office/powerpoint/2010/main" xmlns="" val="1126424250"/>
+        <p14:creationId xmlns="" xmlns:p14="http://schemas.microsoft.com/office/powerpoint/2010/main" val="1126424250"/>
       </p:ext>
     </p:extLst>
   </p:cSld>
@@ -2251,9 +2251,9 @@
             <a:fld id="{78C97017-6FC3-485B-9764-EAC9E56C1D49}" type="datetimeFigureOut">
               <a:rPr lang="en-US" smtClean="0"/>
               <a:pPr/>
-              <a:t>3/31/2019</a:t>
+              <a:t>4/11/2019</a:t>
             </a:fld>
-            <a:endParaRPr lang="en-US"/>
+            <a:endParaRPr lang="en-US" dirty="0"/>
           </a:p>
         </p:txBody>
       </p:sp>
@@ -2272,7 +2272,7 @@
           <a:bodyPr/>
           <a:lstStyle/>
           <a:p>
-            <a:endParaRPr lang="en-US"/>
+            <a:endParaRPr lang="en-US" dirty="0"/>
           </a:p>
         </p:txBody>
       </p:sp>
@@ -2296,14 +2296,14 @@
               <a:pPr/>
               <a:t>‹#›</a:t>
             </a:fld>
-            <a:endParaRPr lang="en-US"/>
+            <a:endParaRPr lang="en-US" dirty="0"/>
           </a:p>
         </p:txBody>
       </p:sp>
     </p:spTree>
     <p:extLst>
       <p:ext uri="{BB962C8B-B14F-4D97-AF65-F5344CB8AC3E}">
-        <p14:creationId xmlns:p14="http://schemas.microsoft.com/office/powerpoint/2010/main" xmlns="" val="4159724230"/>
+        <p14:creationId xmlns="" xmlns:p14="http://schemas.microsoft.com/office/powerpoint/2010/main" val="4159724230"/>
       </p:ext>
     </p:extLst>
   </p:cSld>
@@ -2348,9 +2348,9 @@
             <a:fld id="{78C97017-6FC3-485B-9764-EAC9E56C1D49}" type="datetimeFigureOut">
               <a:rPr lang="en-US" smtClean="0"/>
               <a:pPr/>
-              <a:t>3/31/2019</a:t>
+              <a:t>4/11/2019</a:t>
             </a:fld>
-            <a:endParaRPr lang="en-US"/>
+            <a:endParaRPr lang="en-US" dirty="0"/>
           </a:p>
         </p:txBody>
       </p:sp>
@@ -2369,7 +2369,7 @@
           <a:bodyPr/>
           <a:lstStyle/>
           <a:p>
-            <a:endParaRPr lang="en-US"/>
+            <a:endParaRPr lang="en-US" dirty="0"/>
           </a:p>
         </p:txBody>
       </p:sp>
@@ -2393,14 +2393,14 @@
               <a:pPr/>
               <a:t>‹#›</a:t>
             </a:fld>
-            <a:endParaRPr lang="en-US"/>
+            <a:endParaRPr lang="en-US" dirty="0"/>
           </a:p>
         </p:txBody>
       </p:sp>
     </p:spTree>
     <p:extLst>
       <p:ext uri="{BB962C8B-B14F-4D97-AF65-F5344CB8AC3E}">
-        <p14:creationId xmlns:p14="http://schemas.microsoft.com/office/powerpoint/2010/main" xmlns="" val="1793928710"/>
+        <p14:creationId xmlns="" xmlns:p14="http://schemas.microsoft.com/office/powerpoint/2010/main" val="1793928710"/>
       </p:ext>
     </p:extLst>
   </p:cSld>
@@ -2625,9 +2625,9 @@
             <a:fld id="{78C97017-6FC3-485B-9764-EAC9E56C1D49}" type="datetimeFigureOut">
               <a:rPr lang="en-US" smtClean="0"/>
               <a:pPr/>
-              <a:t>3/31/2019</a:t>
+              <a:t>4/11/2019</a:t>
             </a:fld>
-            <a:endParaRPr lang="en-US"/>
+            <a:endParaRPr lang="en-US" dirty="0"/>
           </a:p>
         </p:txBody>
       </p:sp>
@@ -2646,7 +2646,7 @@
           <a:bodyPr/>
           <a:lstStyle/>
           <a:p>
-            <a:endParaRPr lang="en-US"/>
+            <a:endParaRPr lang="en-US" dirty="0"/>
           </a:p>
         </p:txBody>
       </p:sp>
@@ -2670,14 +2670,14 @@
               <a:pPr/>
               <a:t>‹#›</a:t>
             </a:fld>
-            <a:endParaRPr lang="en-US"/>
+            <a:endParaRPr lang="en-US" dirty="0"/>
           </a:p>
         </p:txBody>
       </p:sp>
     </p:spTree>
     <p:extLst>
       <p:ext uri="{BB962C8B-B14F-4D97-AF65-F5344CB8AC3E}">
-        <p14:creationId xmlns:p14="http://schemas.microsoft.com/office/powerpoint/2010/main" xmlns="" val="2076802089"/>
+        <p14:creationId xmlns="" xmlns:p14="http://schemas.microsoft.com/office/powerpoint/2010/main" val="2076802089"/>
       </p:ext>
     </p:extLst>
   </p:cSld>
@@ -2792,7 +2792,7 @@
             </a:lvl9pPr>
           </a:lstStyle>
           <a:p>
-            <a:endParaRPr lang="en-US"/>
+            <a:endParaRPr lang="en-US" dirty="0"/>
           </a:p>
         </p:txBody>
       </p:sp>
@@ -2879,9 +2879,9 @@
             <a:fld id="{78C97017-6FC3-485B-9764-EAC9E56C1D49}" type="datetimeFigureOut">
               <a:rPr lang="en-US" smtClean="0"/>
               <a:pPr/>
-              <a:t>3/31/2019</a:t>
+              <a:t>4/11/2019</a:t>
             </a:fld>
-            <a:endParaRPr lang="en-US"/>
+            <a:endParaRPr lang="en-US" dirty="0"/>
           </a:p>
         </p:txBody>
       </p:sp>
@@ -2900,7 +2900,7 @@
           <a:bodyPr/>
           <a:lstStyle/>
           <a:p>
-            <a:endParaRPr lang="en-US"/>
+            <a:endParaRPr lang="en-US" dirty="0"/>
           </a:p>
         </p:txBody>
       </p:sp>
@@ -2924,14 +2924,14 @@
               <a:pPr/>
               <a:t>‹#›</a:t>
             </a:fld>
-            <a:endParaRPr lang="en-US"/>
+            <a:endParaRPr lang="en-US" dirty="0"/>
           </a:p>
         </p:txBody>
       </p:sp>
     </p:spTree>
     <p:extLst>
       <p:ext uri="{BB962C8B-B14F-4D97-AF65-F5344CB8AC3E}">
-        <p14:creationId xmlns:p14="http://schemas.microsoft.com/office/powerpoint/2010/main" xmlns="" val="201835938"/>
+        <p14:creationId xmlns="" xmlns:p14="http://schemas.microsoft.com/office/powerpoint/2010/main" val="201835938"/>
       </p:ext>
     </p:extLst>
   </p:cSld>
@@ -3092,9 +3092,9 @@
             <a:fld id="{78C97017-6FC3-485B-9764-EAC9E56C1D49}" type="datetimeFigureOut">
               <a:rPr lang="en-US" smtClean="0"/>
               <a:pPr/>
-              <a:t>3/31/2019</a:t>
+              <a:t>4/11/2019</a:t>
             </a:fld>
-            <a:endParaRPr lang="en-US"/>
+            <a:endParaRPr lang="en-US" dirty="0"/>
           </a:p>
         </p:txBody>
       </p:sp>
@@ -3131,7 +3131,7 @@
             </a:lvl1pPr>
           </a:lstStyle>
           <a:p>
-            <a:endParaRPr lang="en-US"/>
+            <a:endParaRPr lang="en-US" dirty="0"/>
           </a:p>
         </p:txBody>
       </p:sp>
@@ -3173,14 +3173,14 @@
               <a:pPr/>
               <a:t>‹#›</a:t>
             </a:fld>
-            <a:endParaRPr lang="en-US"/>
+            <a:endParaRPr lang="en-US" dirty="0"/>
           </a:p>
         </p:txBody>
       </p:sp>
     </p:spTree>
     <p:extLst>
       <p:ext uri="{BB962C8B-B14F-4D97-AF65-F5344CB8AC3E}">
-        <p14:creationId xmlns:p14="http://schemas.microsoft.com/office/powerpoint/2010/main" xmlns="" val="2341400630"/>
+        <p14:creationId xmlns="" xmlns:p14="http://schemas.microsoft.com/office/powerpoint/2010/main" val="2341400630"/>
       </p:ext>
     </p:extLst>
   </p:cSld>
@@ -3477,7 +3477,7 @@
         <p:spPr>
           <a:xfrm>
             <a:off x="1119865" y="2086382"/>
-            <a:ext cx="7871735" cy="1723618"/>
+            <a:ext cx="8328935" cy="1723618"/>
           </a:xfrm>
           <a:prstGeom prst="roundRect">
             <a:avLst>
@@ -3596,20 +3596,12 @@
               </a:rPr>
             </a:br>
             <a:r>
-              <a:rPr lang="en-US" sz="1050" dirty="0" err="1" smtClean="0">
+              <a:rPr lang="en-US" sz="1050" dirty="0" smtClean="0">
                 <a:solidFill>
                   <a:schemeClr val="bg1"/>
                 </a:solidFill>
               </a:rPr>
-              <a:t>GradTrak</a:t>
-            </a:r>
-            <a:r>
-              <a:rPr lang="en-US" sz="1050" dirty="0" err="1" smtClean="0">
-                <a:solidFill>
-                  <a:schemeClr val="bg1"/>
-                </a:solidFill>
-              </a:rPr>
-              <a:t>Storage</a:t>
+              <a:t>GradTrakStorage</a:t>
             </a:r>
             <a:endParaRPr lang="en-SG" sz="1050" dirty="0">
               <a:solidFill>
@@ -3667,7 +3659,7 @@
           <a:p>
             <a:pPr algn="ctr"/>
             <a:r>
-              <a:rPr lang="en-US" sz="1050" dirty="0" err="1">
+              <a:rPr lang="en-US" sz="1050" dirty="0">
                 <a:solidFill>
                   <a:schemeClr val="bg1"/>
                 </a:solidFill>
@@ -3803,7 +3795,7 @@
           <a:lstStyle/>
           <a:p>
             <a:pPr algn="ctr"/>
-            <a:endParaRPr lang="en-SG" sz="1050">
+            <a:endParaRPr lang="en-SG" sz="1050" dirty="0">
               <a:solidFill>
                 <a:schemeClr val="bg1"/>
               </a:solidFill>
@@ -3983,7 +3975,7 @@
           <a:lstStyle/>
           <a:p>
             <a:pPr algn="ctr"/>
-            <a:endParaRPr lang="en-US" sz="1050">
+            <a:endParaRPr lang="en-US" sz="1050" dirty="0">
               <a:solidFill>
                 <a:schemeClr val="bg1"/>
               </a:solidFill>
@@ -4084,7 +4076,7 @@
           <a:lstStyle/>
           <a:p>
             <a:pPr algn="ctr"/>
-            <a:endParaRPr lang="en-SG" sz="1050">
+            <a:endParaRPr lang="en-SG" sz="1050" dirty="0">
               <a:solidFill>
                 <a:schemeClr val="bg1"/>
               </a:solidFill>
@@ -4175,7 +4167,7 @@
           <a:p>
             <a:pPr algn="ctr"/>
             <a:r>
-              <a:rPr lang="en-US" sz="1050" b="1" dirty="0" err="1" smtClean="0">
+              <a:rPr lang="en-US" sz="1050" b="1" dirty="0" smtClean="0">
                 <a:solidFill>
                   <a:schemeClr val="accent6">
                     <a:lumMod val="75000"/>
@@ -4286,7 +4278,7 @@
               </a:rPr>
             </a:br>
             <a:r>
-              <a:rPr lang="en-US" sz="1050" dirty="0" err="1">
+              <a:rPr lang="en-US" sz="1050" dirty="0">
                 <a:solidFill>
                   <a:schemeClr val="bg1"/>
                 </a:solidFill>
@@ -4387,7 +4379,7 @@
           <a:lstStyle/>
           <a:p>
             <a:pPr algn="ctr"/>
-            <a:endParaRPr lang="en-US" sz="1050">
+            <a:endParaRPr lang="en-US" sz="1050" dirty="0">
               <a:solidFill>
                 <a:schemeClr val="bg1"/>
               </a:solidFill>
@@ -4488,7 +4480,7 @@
           <a:lstStyle/>
           <a:p>
             <a:pPr algn="ctr"/>
-            <a:endParaRPr lang="en-SG" sz="1050">
+            <a:endParaRPr lang="en-SG" sz="1050" dirty="0">
               <a:solidFill>
                 <a:schemeClr val="bg1"/>
               </a:solidFill>
@@ -4544,20 +4536,12 @@
           <a:p>
             <a:pPr algn="ctr"/>
             <a:r>
-              <a:rPr lang="en-US" sz="1050" dirty="0" err="1">
+              <a:rPr lang="en-US" sz="1050" dirty="0">
                 <a:solidFill>
                   <a:schemeClr val="bg1"/>
                 </a:solidFill>
               </a:rPr>
               <a:t>JsonUserPrefs</a:t>
-            </a:r>
-            <a:r>
-              <a:rPr lang="en-US" sz="1050" dirty="0">
-                <a:solidFill>
-                  <a:schemeClr val="bg1"/>
-                </a:solidFill>
-              </a:rPr>
-              <a:t/>
             </a:r>
             <a:br>
               <a:rPr lang="en-US" sz="1050" dirty="0">
@@ -4619,7 +4603,7 @@
           <a:p>
             <a:pPr algn="ctr"/>
             <a:r>
-              <a:rPr lang="en-US" sz="1050" b="1" dirty="0" err="1">
+              <a:rPr lang="en-US" sz="1050" b="1" dirty="0">
                 <a:solidFill>
                   <a:schemeClr val="accent6">
                     <a:lumMod val="75000"/>
@@ -4627,16 +4611,6 @@
                 </a:solidFill>
               </a:rPr>
               <a:t>JsonSerializable</a:t>
-            </a:r>
-            <a:r>
-              <a:rPr lang="en-US" sz="1050" b="1" dirty="0">
-                <a:solidFill>
-                  <a:schemeClr val="accent6">
-                    <a:lumMod val="75000"/>
-                  </a:schemeClr>
-                </a:solidFill>
-              </a:rPr>
-              <a:t/>
             </a:r>
             <a:br>
               <a:rPr lang="en-US" sz="1050" b="1" dirty="0">
@@ -4648,7 +4622,7 @@
               </a:rPr>
             </a:br>
             <a:r>
-              <a:rPr lang="en-US" sz="1050" b="1" dirty="0" err="1" smtClean="0">
+              <a:rPr lang="en-US" sz="1050" b="1" dirty="0" smtClean="0">
                 <a:solidFill>
                   <a:schemeClr val="accent6">
                     <a:lumMod val="75000"/>
@@ -4679,8 +4653,8 @@
         </p:nvCxnSpPr>
         <p:spPr>
           <a:xfrm rot="16200000" flipV="1">
-            <a:off x="8077993" y="2992019"/>
-            <a:ext cx="335208" cy="1"/>
+            <a:off x="8183229" y="2886783"/>
+            <a:ext cx="335208" cy="210473"/>
           </a:xfrm>
           <a:prstGeom prst="bentConnector3">
             <a:avLst>
@@ -4746,7 +4720,7 @@
           <a:p>
             <a:pPr algn="ctr"/>
             <a:r>
-              <a:rPr lang="en-US" sz="1050" b="1" dirty="0" err="1">
+              <a:rPr lang="en-US" sz="1050" b="1" dirty="0">
                 <a:solidFill>
                   <a:schemeClr val="accent6">
                     <a:lumMod val="75000"/>
@@ -4774,7 +4748,7 @@
         <p:spPr>
           <a:xfrm>
             <a:off x="7615738" y="3159624"/>
-            <a:ext cx="1259718" cy="346760"/>
+            <a:ext cx="1680662" cy="346760"/>
           </a:xfrm>
           <a:prstGeom prst="rect">
             <a:avLst/>
@@ -4802,7 +4776,7 @@
           <a:p>
             <a:pPr algn="ctr"/>
             <a:r>
-              <a:rPr lang="en-US" sz="1030" b="1" dirty="0" err="1" smtClean="0">
+              <a:rPr lang="en-US" sz="1030" b="1" dirty="0" smtClean="0">
                 <a:solidFill>
                   <a:schemeClr val="accent6">
                     <a:lumMod val="75000"/>
@@ -4865,7 +4839,7 @@
     </p:spTree>
     <p:extLst>
       <p:ext uri="{BB962C8B-B14F-4D97-AF65-F5344CB8AC3E}">
-        <p14:creationId xmlns:p14="http://schemas.microsoft.com/office/powerpoint/2010/main" xmlns="" val="1478832369"/>
+        <p14:creationId xmlns="" xmlns:p14="http://schemas.microsoft.com/office/powerpoint/2010/main" val="1478832369"/>
       </p:ext>
     </p:extLst>
   </p:cSld>

--- a/docs/diagrams/StorageComponentClassDiagram.pptx
+++ b/docs/diagrams/StorageComponentClassDiagram.pptx
@@ -208,7 +208,7 @@
           <a:p>
             <a:fld id="{F5CC4B3F-88C1-4FFA-B1B6-F41C21DC6924}" type="datetimeFigureOut">
               <a:rPr lang="en-US" smtClean="0"/>
-              <a:t>12/1/2018</a:t>
+              <a:t>4/11/2019</a:t>
             </a:fld>
             <a:endParaRPr lang="en-US"/>
           </a:p>
@@ -654,7 +654,7 @@
           <a:p>
             <a:fld id="{78C97017-6FC3-485B-9764-EAC9E56C1D49}" type="datetimeFigureOut">
               <a:rPr lang="en-US" smtClean="0"/>
-              <a:t>12/1/2018</a:t>
+              <a:t>4/11/2019</a:t>
             </a:fld>
             <a:endParaRPr lang="en-US"/>
           </a:p>
@@ -822,7 +822,7 @@
           <a:p>
             <a:fld id="{78C97017-6FC3-485B-9764-EAC9E56C1D49}" type="datetimeFigureOut">
               <a:rPr lang="en-US" smtClean="0"/>
-              <a:t>12/1/2018</a:t>
+              <a:t>4/11/2019</a:t>
             </a:fld>
             <a:endParaRPr lang="en-US"/>
           </a:p>
@@ -1000,7 +1000,7 @@
           <a:p>
             <a:fld id="{78C97017-6FC3-485B-9764-EAC9E56C1D49}" type="datetimeFigureOut">
               <a:rPr lang="en-US" smtClean="0"/>
-              <a:t>12/1/2018</a:t>
+              <a:t>4/11/2019</a:t>
             </a:fld>
             <a:endParaRPr lang="en-US"/>
           </a:p>
@@ -1168,7 +1168,7 @@
           <a:p>
             <a:fld id="{78C97017-6FC3-485B-9764-EAC9E56C1D49}" type="datetimeFigureOut">
               <a:rPr lang="en-US" smtClean="0"/>
-              <a:t>12/1/2018</a:t>
+              <a:t>4/11/2019</a:t>
             </a:fld>
             <a:endParaRPr lang="en-US"/>
           </a:p>
@@ -1413,7 +1413,7 @@
           <a:p>
             <a:fld id="{78C97017-6FC3-485B-9764-EAC9E56C1D49}" type="datetimeFigureOut">
               <a:rPr lang="en-US" smtClean="0"/>
-              <a:t>12/1/2018</a:t>
+              <a:t>4/11/2019</a:t>
             </a:fld>
             <a:endParaRPr lang="en-US"/>
           </a:p>
@@ -1698,7 +1698,7 @@
           <a:p>
             <a:fld id="{78C97017-6FC3-485B-9764-EAC9E56C1D49}" type="datetimeFigureOut">
               <a:rPr lang="en-US" smtClean="0"/>
-              <a:t>12/1/2018</a:t>
+              <a:t>4/11/2019</a:t>
             </a:fld>
             <a:endParaRPr lang="en-US"/>
           </a:p>
@@ -2117,7 +2117,7 @@
           <a:p>
             <a:fld id="{78C97017-6FC3-485B-9764-EAC9E56C1D49}" type="datetimeFigureOut">
               <a:rPr lang="en-US" smtClean="0"/>
-              <a:t>12/1/2018</a:t>
+              <a:t>4/11/2019</a:t>
             </a:fld>
             <a:endParaRPr lang="en-US"/>
           </a:p>
@@ -2234,7 +2234,7 @@
           <a:p>
             <a:fld id="{78C97017-6FC3-485B-9764-EAC9E56C1D49}" type="datetimeFigureOut">
               <a:rPr lang="en-US" smtClean="0"/>
-              <a:t>12/1/2018</a:t>
+              <a:t>4/11/2019</a:t>
             </a:fld>
             <a:endParaRPr lang="en-US"/>
           </a:p>
@@ -2329,7 +2329,7 @@
           <a:p>
             <a:fld id="{78C97017-6FC3-485B-9764-EAC9E56C1D49}" type="datetimeFigureOut">
               <a:rPr lang="en-US" smtClean="0"/>
-              <a:t>12/1/2018</a:t>
+              <a:t>4/11/2019</a:t>
             </a:fld>
             <a:endParaRPr lang="en-US"/>
           </a:p>
@@ -2604,7 +2604,7 @@
           <a:p>
             <a:fld id="{78C97017-6FC3-485B-9764-EAC9E56C1D49}" type="datetimeFigureOut">
               <a:rPr lang="en-US" smtClean="0"/>
-              <a:t>12/1/2018</a:t>
+              <a:t>4/11/2019</a:t>
             </a:fld>
             <a:endParaRPr lang="en-US"/>
           </a:p>
@@ -2856,7 +2856,7 @@
           <a:p>
             <a:fld id="{78C97017-6FC3-485B-9764-EAC9E56C1D49}" type="datetimeFigureOut">
               <a:rPr lang="en-US" smtClean="0"/>
-              <a:t>12/1/2018</a:t>
+              <a:t>4/11/2019</a:t>
             </a:fld>
             <a:endParaRPr lang="en-US"/>
           </a:p>
@@ -3067,7 +3067,7 @@
           <a:p>
             <a:fld id="{78C97017-6FC3-485B-9764-EAC9E56C1D49}" type="datetimeFigureOut">
               <a:rPr lang="en-US" smtClean="0"/>
-              <a:t>12/1/2018</a:t>
+              <a:t>4/11/2019</a:t>
             </a:fld>
             <a:endParaRPr lang="en-US"/>
           </a:p>
@@ -3575,7 +3575,7 @@
                   <a:schemeClr val="bg1"/>
                 </a:solidFill>
               </a:rPr>
-              <a:t>AddressBookStorage</a:t>
+              <a:t>StatisticsStorage</a:t>
             </a:r>
             <a:endParaRPr lang="en-SG" sz="1050" dirty="0">
               <a:solidFill>
@@ -4148,7 +4148,7 @@
                   </a:schemeClr>
                 </a:solidFill>
               </a:rPr>
-              <a:t>JsonAddressBook</a:t>
+              <a:t>JsonStatistics</a:t>
             </a:r>
             <a:br>
               <a:rPr lang="en-US" sz="1050" b="1" dirty="0">
@@ -4586,14 +4586,14 @@
               </a:rPr>
             </a:br>
             <a:r>
-              <a:rPr lang="en-US" sz="1050" b="1" dirty="0" err="1">
+              <a:rPr lang="en-US" sz="1050" b="1" dirty="0">
                 <a:solidFill>
                   <a:schemeClr val="accent6">
                     <a:lumMod val="75000"/>
                   </a:schemeClr>
                 </a:solidFill>
               </a:rPr>
-              <a:t>AddressBook</a:t>
+              <a:t>Statistics</a:t>
             </a:r>
             <a:endParaRPr lang="en-SG" sz="1050" b="1" dirty="0">
               <a:solidFill>
@@ -4605,201 +4605,6 @@
           </a:p>
         </p:txBody>
       </p:sp>
-      <p:cxnSp>
-        <p:nvCxnSpPr>
-          <p:cNvPr id="70" name="Elbow Connector 122"/>
-          <p:cNvCxnSpPr>
-            <a:cxnSpLocks/>
-            <a:stCxn id="74" idx="0"/>
-            <a:endCxn id="73" idx="2"/>
-          </p:cNvCxnSpPr>
-          <p:nvPr/>
-        </p:nvCxnSpPr>
-        <p:spPr>
-          <a:xfrm rot="16200000" flipV="1">
-            <a:off x="8077993" y="2992019"/>
-            <a:ext cx="335208" cy="1"/>
-          </a:xfrm>
-          <a:prstGeom prst="bentConnector3">
-            <a:avLst>
-              <a:gd name="adj1" fmla="val 50000"/>
-            </a:avLst>
-          </a:prstGeom>
-          <a:ln w="19050">
-            <a:prstDash val="sysDot"/>
-            <a:headEnd type="none" w="med" len="med"/>
-            <a:tailEnd type="arrow" w="med" len="med"/>
-          </a:ln>
-          <a:effectLst/>
-        </p:spPr>
-        <p:style>
-          <a:lnRef idx="1">
-            <a:schemeClr val="accent6"/>
-          </a:lnRef>
-          <a:fillRef idx="2">
-            <a:schemeClr val="accent6"/>
-          </a:fillRef>
-          <a:effectRef idx="1">
-            <a:schemeClr val="accent6"/>
-          </a:effectRef>
-          <a:fontRef idx="minor">
-            <a:schemeClr val="dk1"/>
-          </a:fontRef>
-        </p:style>
-      </p:cxnSp>
-      <p:sp>
-        <p:nvSpPr>
-          <p:cNvPr id="73" name="Rectangle 8"/>
-          <p:cNvSpPr/>
-          <p:nvPr/>
-        </p:nvSpPr>
-        <p:spPr>
-          <a:xfrm>
-            <a:off x="7615736" y="2477656"/>
-            <a:ext cx="1259719" cy="346760"/>
-          </a:xfrm>
-          <a:prstGeom prst="rect">
-            <a:avLst/>
-          </a:prstGeom>
-          <a:ln w="19050"/>
-          <a:effectLst/>
-        </p:spPr>
-        <p:style>
-          <a:lnRef idx="1">
-            <a:schemeClr val="accent6"/>
-          </a:lnRef>
-          <a:fillRef idx="2">
-            <a:schemeClr val="accent6"/>
-          </a:fillRef>
-          <a:effectRef idx="1">
-            <a:schemeClr val="accent6"/>
-          </a:effectRef>
-          <a:fontRef idx="minor">
-            <a:schemeClr val="dk1"/>
-          </a:fontRef>
-        </p:style>
-        <p:txBody>
-          <a:bodyPr rtlCol="0" anchor="ctr"/>
-          <a:lstStyle/>
-          <a:p>
-            <a:pPr algn="ctr"/>
-            <a:r>
-              <a:rPr lang="en-US" sz="1050" b="1" dirty="0" err="1">
-                <a:solidFill>
-                  <a:schemeClr val="accent6">
-                    <a:lumMod val="75000"/>
-                  </a:schemeClr>
-                </a:solidFill>
-              </a:rPr>
-              <a:t>JsonAdaptedTag</a:t>
-            </a:r>
-            <a:endParaRPr lang="en-SG" sz="1050" b="1" dirty="0">
-              <a:solidFill>
-                <a:schemeClr val="accent6">
-                  <a:lumMod val="75000"/>
-                </a:schemeClr>
-              </a:solidFill>
-            </a:endParaRPr>
-          </a:p>
-        </p:txBody>
-      </p:sp>
-      <p:sp>
-        <p:nvSpPr>
-          <p:cNvPr id="74" name="Rectangle 8"/>
-          <p:cNvSpPr/>
-          <p:nvPr/>
-        </p:nvSpPr>
-        <p:spPr>
-          <a:xfrm>
-            <a:off x="7615738" y="3159624"/>
-            <a:ext cx="1259718" cy="346760"/>
-          </a:xfrm>
-          <a:prstGeom prst="rect">
-            <a:avLst/>
-          </a:prstGeom>
-          <a:ln w="19050"/>
-          <a:effectLst/>
-        </p:spPr>
-        <p:style>
-          <a:lnRef idx="1">
-            <a:schemeClr val="accent6"/>
-          </a:lnRef>
-          <a:fillRef idx="2">
-            <a:schemeClr val="accent6"/>
-          </a:fillRef>
-          <a:effectRef idx="1">
-            <a:schemeClr val="accent6"/>
-          </a:effectRef>
-          <a:fontRef idx="minor">
-            <a:schemeClr val="dk1"/>
-          </a:fontRef>
-        </p:style>
-        <p:txBody>
-          <a:bodyPr rtlCol="0" anchor="ctr"/>
-          <a:lstStyle/>
-          <a:p>
-            <a:pPr algn="ctr"/>
-            <a:r>
-              <a:rPr lang="en-US" sz="1030" b="1" dirty="0" err="1">
-                <a:solidFill>
-                  <a:schemeClr val="accent6">
-                    <a:lumMod val="75000"/>
-                  </a:schemeClr>
-                </a:solidFill>
-              </a:rPr>
-              <a:t>JsonAdaptedPerson</a:t>
-            </a:r>
-            <a:endParaRPr lang="en-SG" sz="1030" b="1" dirty="0">
-              <a:solidFill>
-                <a:schemeClr val="accent6">
-                  <a:lumMod val="75000"/>
-                </a:schemeClr>
-              </a:solidFill>
-            </a:endParaRPr>
-          </a:p>
-        </p:txBody>
-      </p:sp>
-      <p:cxnSp>
-        <p:nvCxnSpPr>
-          <p:cNvPr id="77" name="Elbow Connector 122"/>
-          <p:cNvCxnSpPr>
-            <a:stCxn id="66" idx="3"/>
-            <a:endCxn id="74" idx="1"/>
-          </p:cNvCxnSpPr>
-          <p:nvPr/>
-        </p:nvCxnSpPr>
-        <p:spPr>
-          <a:xfrm flipV="1">
-            <a:off x="7220507" y="3333004"/>
-            <a:ext cx="395231" cy="786"/>
-          </a:xfrm>
-          <a:prstGeom prst="bentConnector3">
-            <a:avLst>
-              <a:gd name="adj1" fmla="val 50000"/>
-            </a:avLst>
-          </a:prstGeom>
-          <a:ln w="19050">
-            <a:prstDash val="sysDot"/>
-            <a:headEnd type="none" w="med" len="med"/>
-            <a:tailEnd type="arrow" w="med" len="med"/>
-          </a:ln>
-          <a:effectLst/>
-        </p:spPr>
-        <p:style>
-          <a:lnRef idx="1">
-            <a:schemeClr val="accent6"/>
-          </a:lnRef>
-          <a:fillRef idx="2">
-            <a:schemeClr val="accent6"/>
-          </a:fillRef>
-          <a:effectRef idx="1">
-            <a:schemeClr val="accent6"/>
-          </a:effectRef>
-          <a:fontRef idx="minor">
-            <a:schemeClr val="dk1"/>
-          </a:fontRef>
-        </p:style>
-      </p:cxnSp>
     </p:spTree>
     <p:extLst>
       <p:ext uri="{BB962C8B-B14F-4D97-AF65-F5344CB8AC3E}">

--- a/docs/diagrams/StorageComponentClassDiagram.pptx
+++ b/docs/diagrams/StorageComponentClassDiagram.pptx
@@ -208,7 +208,7 @@
           <a:p>
             <a:fld id="{F5CC4B3F-88C1-4FFA-B1B6-F41C21DC6924}" type="datetimeFigureOut">
               <a:rPr lang="en-US" smtClean="0"/>
-              <a:t>4/1/2019</a:t>
+              <a:t>4/11/2019</a:t>
             </a:fld>
             <a:endParaRPr lang="en-US"/>
           </a:p>
@@ -654,7 +654,7 @@
           <a:p>
             <a:fld id="{78C97017-6FC3-485B-9764-EAC9E56C1D49}" type="datetimeFigureOut">
               <a:rPr lang="en-US" smtClean="0"/>
-              <a:t>4/1/2019</a:t>
+              <a:t>4/11/2019</a:t>
             </a:fld>
             <a:endParaRPr lang="en-US"/>
           </a:p>
@@ -822,7 +822,7 @@
           <a:p>
             <a:fld id="{78C97017-6FC3-485B-9764-EAC9E56C1D49}" type="datetimeFigureOut">
               <a:rPr lang="en-US" smtClean="0"/>
-              <a:t>4/1/2019</a:t>
+              <a:t>4/11/2019</a:t>
             </a:fld>
             <a:endParaRPr lang="en-US"/>
           </a:p>
@@ -1000,7 +1000,7 @@
           <a:p>
             <a:fld id="{78C97017-6FC3-485B-9764-EAC9E56C1D49}" type="datetimeFigureOut">
               <a:rPr lang="en-US" smtClean="0"/>
-              <a:t>4/1/2019</a:t>
+              <a:t>4/11/2019</a:t>
             </a:fld>
             <a:endParaRPr lang="en-US"/>
           </a:p>
@@ -1168,7 +1168,7 @@
           <a:p>
             <a:fld id="{78C97017-6FC3-485B-9764-EAC9E56C1D49}" type="datetimeFigureOut">
               <a:rPr lang="en-US" smtClean="0"/>
-              <a:t>4/1/2019</a:t>
+              <a:t>4/11/2019</a:t>
             </a:fld>
             <a:endParaRPr lang="en-US"/>
           </a:p>
@@ -1413,7 +1413,7 @@
           <a:p>
             <a:fld id="{78C97017-6FC3-485B-9764-EAC9E56C1D49}" type="datetimeFigureOut">
               <a:rPr lang="en-US" smtClean="0"/>
-              <a:t>4/1/2019</a:t>
+              <a:t>4/11/2019</a:t>
             </a:fld>
             <a:endParaRPr lang="en-US"/>
           </a:p>
@@ -1698,7 +1698,7 @@
           <a:p>
             <a:fld id="{78C97017-6FC3-485B-9764-EAC9E56C1D49}" type="datetimeFigureOut">
               <a:rPr lang="en-US" smtClean="0"/>
-              <a:t>4/1/2019</a:t>
+              <a:t>4/11/2019</a:t>
             </a:fld>
             <a:endParaRPr lang="en-US"/>
           </a:p>
@@ -2117,7 +2117,7 @@
           <a:p>
             <a:fld id="{78C97017-6FC3-485B-9764-EAC9E56C1D49}" type="datetimeFigureOut">
               <a:rPr lang="en-US" smtClean="0"/>
-              <a:t>4/1/2019</a:t>
+              <a:t>4/11/2019</a:t>
             </a:fld>
             <a:endParaRPr lang="en-US"/>
           </a:p>
@@ -2234,7 +2234,7 @@
           <a:p>
             <a:fld id="{78C97017-6FC3-485B-9764-EAC9E56C1D49}" type="datetimeFigureOut">
               <a:rPr lang="en-US" smtClean="0"/>
-              <a:t>4/1/2019</a:t>
+              <a:t>4/11/2019</a:t>
             </a:fld>
             <a:endParaRPr lang="en-US"/>
           </a:p>
@@ -2329,7 +2329,7 @@
           <a:p>
             <a:fld id="{78C97017-6FC3-485B-9764-EAC9E56C1D49}" type="datetimeFigureOut">
               <a:rPr lang="en-US" smtClean="0"/>
-              <a:t>4/1/2019</a:t>
+              <a:t>4/11/2019</a:t>
             </a:fld>
             <a:endParaRPr lang="en-US"/>
           </a:p>
@@ -2604,7 +2604,7 @@
           <a:p>
             <a:fld id="{78C97017-6FC3-485B-9764-EAC9E56C1D49}" type="datetimeFigureOut">
               <a:rPr lang="en-US" smtClean="0"/>
-              <a:t>4/1/2019</a:t>
+              <a:t>4/11/2019</a:t>
             </a:fld>
             <a:endParaRPr lang="en-US"/>
           </a:p>
@@ -2856,7 +2856,7 @@
           <a:p>
             <a:fld id="{78C97017-6FC3-485B-9764-EAC9E56C1D49}" type="datetimeFigureOut">
               <a:rPr lang="en-US" smtClean="0"/>
-              <a:t>4/1/2019</a:t>
+              <a:t>4/11/2019</a:t>
             </a:fld>
             <a:endParaRPr lang="en-US"/>
           </a:p>
@@ -3067,7 +3067,7 @@
           <a:p>
             <a:fld id="{78C97017-6FC3-485B-9764-EAC9E56C1D49}" type="datetimeFigureOut">
               <a:rPr lang="en-US" smtClean="0"/>
-              <a:t>4/1/2019</a:t>
+              <a:t>4/11/2019</a:t>
             </a:fld>
             <a:endParaRPr lang="en-US"/>
           </a:p>
@@ -3450,8 +3450,8 @@
         </p:nvSpPr>
         <p:spPr>
           <a:xfrm>
-            <a:off x="1119865" y="2086382"/>
-            <a:ext cx="7871735" cy="1723618"/>
+            <a:off x="1119865" y="1227780"/>
+            <a:ext cx="7871735" cy="2582220"/>
           </a:xfrm>
           <a:prstGeom prst="roundRect">
             <a:avLst>
@@ -4802,6 +4802,320 @@
           </a:fontRef>
         </p:style>
       </p:cxnSp>
+      <p:cxnSp>
+        <p:nvCxnSpPr>
+          <p:cNvPr id="5" name="Straight Arrow Connector 4">
+            <a:extLst>
+              <a:ext uri="{FF2B5EF4-FFF2-40B4-BE49-F238E27FC236}">
+                <a16:creationId xmlns:a16="http://schemas.microsoft.com/office/drawing/2014/main" id="{B2C22922-4310-45AE-8556-90399852DBEF}"/>
+              </a:ext>
+            </a:extLst>
+          </p:cNvPr>
+          <p:cNvCxnSpPr>
+            <a:cxnSpLocks/>
+            <a:stCxn id="66" idx="0"/>
+          </p:cNvCxnSpPr>
+          <p:nvPr/>
+        </p:nvCxnSpPr>
+        <p:spPr>
+          <a:xfrm flipV="1">
+            <a:off x="6620154" y="2866673"/>
+            <a:ext cx="0" cy="293737"/>
+          </a:xfrm>
+          <a:prstGeom prst="straightConnector1">
+            <a:avLst/>
+          </a:prstGeom>
+          <a:ln>
+            <a:prstDash val="dash"/>
+            <a:tailEnd type="arrow"/>
+          </a:ln>
+        </p:spPr>
+        <p:style>
+          <a:lnRef idx="1">
+            <a:schemeClr val="accent6"/>
+          </a:lnRef>
+          <a:fillRef idx="0">
+            <a:schemeClr val="accent6"/>
+          </a:fillRef>
+          <a:effectRef idx="0">
+            <a:schemeClr val="accent6"/>
+          </a:effectRef>
+          <a:fontRef idx="minor">
+            <a:schemeClr val="tx1"/>
+          </a:fontRef>
+        </p:style>
+      </p:cxnSp>
+      <p:sp>
+        <p:nvSpPr>
+          <p:cNvPr id="31" name="Rectangle 8">
+            <a:extLst>
+              <a:ext uri="{FF2B5EF4-FFF2-40B4-BE49-F238E27FC236}">
+                <a16:creationId xmlns:a16="http://schemas.microsoft.com/office/drawing/2014/main" id="{08188AAD-8C8D-4C1F-87C0-D1DB1867F850}"/>
+              </a:ext>
+            </a:extLst>
+          </p:cNvPr>
+          <p:cNvSpPr/>
+          <p:nvPr/>
+        </p:nvSpPr>
+        <p:spPr>
+          <a:xfrm>
+            <a:off x="5930289" y="2503012"/>
+            <a:ext cx="1394985" cy="346760"/>
+          </a:xfrm>
+          <a:prstGeom prst="rect">
+            <a:avLst/>
+          </a:prstGeom>
+          <a:ln w="19050"/>
+          <a:effectLst/>
+        </p:spPr>
+        <p:style>
+          <a:lnRef idx="1">
+            <a:schemeClr val="accent6"/>
+          </a:lnRef>
+          <a:fillRef idx="2">
+            <a:schemeClr val="accent6"/>
+          </a:fillRef>
+          <a:effectRef idx="1">
+            <a:schemeClr val="accent6"/>
+          </a:effectRef>
+          <a:fontRef idx="minor">
+            <a:schemeClr val="dk1"/>
+          </a:fontRef>
+        </p:style>
+        <p:txBody>
+          <a:bodyPr rtlCol="0" anchor="ctr"/>
+          <a:lstStyle/>
+          <a:p>
+            <a:pPr algn="ctr"/>
+            <a:r>
+              <a:rPr lang="en-US" sz="1050" b="1" dirty="0" err="1">
+                <a:solidFill>
+                  <a:schemeClr val="accent6">
+                    <a:lumMod val="75000"/>
+                  </a:schemeClr>
+                </a:solidFill>
+              </a:rPr>
+              <a:t>JsonAdapted</a:t>
+            </a:r>
+            <a:endParaRPr lang="en-US" sz="1050" b="1" dirty="0">
+              <a:solidFill>
+                <a:schemeClr val="accent6">
+                  <a:lumMod val="75000"/>
+                </a:schemeClr>
+              </a:solidFill>
+            </a:endParaRPr>
+          </a:p>
+          <a:p>
+            <a:pPr algn="ctr"/>
+            <a:r>
+              <a:rPr lang="en-US" sz="1050" b="1" dirty="0" err="1">
+                <a:solidFill>
+                  <a:schemeClr val="accent6">
+                    <a:lumMod val="75000"/>
+                  </a:schemeClr>
+                </a:solidFill>
+              </a:rPr>
+              <a:t>TotalBudget</a:t>
+            </a:r>
+            <a:endParaRPr lang="en-SG" sz="1050" b="1" dirty="0">
+              <a:solidFill>
+                <a:schemeClr val="accent6">
+                  <a:lumMod val="75000"/>
+                </a:schemeClr>
+              </a:solidFill>
+            </a:endParaRPr>
+          </a:p>
+        </p:txBody>
+      </p:sp>
+      <p:cxnSp>
+        <p:nvCxnSpPr>
+          <p:cNvPr id="32" name="Straight Arrow Connector 31">
+            <a:extLst>
+              <a:ext uri="{FF2B5EF4-FFF2-40B4-BE49-F238E27FC236}">
+                <a16:creationId xmlns:a16="http://schemas.microsoft.com/office/drawing/2014/main" id="{96F6D101-9C36-43B4-8666-C359D94AA4FD}"/>
+              </a:ext>
+            </a:extLst>
+          </p:cNvPr>
+          <p:cNvCxnSpPr>
+            <a:cxnSpLocks/>
+          </p:cNvCxnSpPr>
+          <p:nvPr/>
+        </p:nvCxnSpPr>
+        <p:spPr>
+          <a:xfrm flipV="1">
+            <a:off x="6601290" y="2183919"/>
+            <a:ext cx="0" cy="293737"/>
+          </a:xfrm>
+          <a:prstGeom prst="straightConnector1">
+            <a:avLst/>
+          </a:prstGeom>
+          <a:ln>
+            <a:prstDash val="dash"/>
+            <a:headEnd type="none"/>
+            <a:tailEnd type="arrow"/>
+          </a:ln>
+        </p:spPr>
+        <p:style>
+          <a:lnRef idx="1">
+            <a:schemeClr val="accent6"/>
+          </a:lnRef>
+          <a:fillRef idx="0">
+            <a:schemeClr val="accent6"/>
+          </a:fillRef>
+          <a:effectRef idx="0">
+            <a:schemeClr val="accent6"/>
+          </a:effectRef>
+          <a:fontRef idx="minor">
+            <a:schemeClr val="tx1"/>
+          </a:fontRef>
+        </p:style>
+      </p:cxnSp>
+      <p:sp>
+        <p:nvSpPr>
+          <p:cNvPr id="33" name="Rectangle 8">
+            <a:extLst>
+              <a:ext uri="{FF2B5EF4-FFF2-40B4-BE49-F238E27FC236}">
+                <a16:creationId xmlns:a16="http://schemas.microsoft.com/office/drawing/2014/main" id="{24A6A97C-51DE-42A1-B03D-0297695D347B}"/>
+              </a:ext>
+            </a:extLst>
+          </p:cNvPr>
+          <p:cNvSpPr/>
+          <p:nvPr/>
+        </p:nvSpPr>
+        <p:spPr>
+          <a:xfrm>
+            <a:off x="5922660" y="1846400"/>
+            <a:ext cx="1394985" cy="346760"/>
+          </a:xfrm>
+          <a:prstGeom prst="rect">
+            <a:avLst/>
+          </a:prstGeom>
+          <a:ln w="19050"/>
+          <a:effectLst/>
+        </p:spPr>
+        <p:style>
+          <a:lnRef idx="1">
+            <a:schemeClr val="accent6"/>
+          </a:lnRef>
+          <a:fillRef idx="2">
+            <a:schemeClr val="accent6"/>
+          </a:fillRef>
+          <a:effectRef idx="1">
+            <a:schemeClr val="accent6"/>
+          </a:effectRef>
+          <a:fontRef idx="minor">
+            <a:schemeClr val="dk1"/>
+          </a:fontRef>
+        </p:style>
+        <p:txBody>
+          <a:bodyPr rtlCol="0" anchor="ctr"/>
+          <a:lstStyle/>
+          <a:p>
+            <a:pPr algn="ctr"/>
+            <a:r>
+              <a:rPr lang="en-US" sz="1050" b="1" dirty="0" err="1">
+                <a:solidFill>
+                  <a:schemeClr val="accent6">
+                    <a:lumMod val="75000"/>
+                  </a:schemeClr>
+                </a:solidFill>
+              </a:rPr>
+              <a:t>JsonAdaptedCategoryBudget</a:t>
+            </a:r>
+            <a:endParaRPr lang="en-US" sz="1050" b="1" dirty="0">
+              <a:solidFill>
+                <a:schemeClr val="accent6">
+                  <a:lumMod val="75000"/>
+                </a:schemeClr>
+              </a:solidFill>
+            </a:endParaRPr>
+          </a:p>
+        </p:txBody>
+      </p:sp>
+      <p:cxnSp>
+        <p:nvCxnSpPr>
+          <p:cNvPr id="34" name="Elbow Connector 122">
+            <a:extLst>
+              <a:ext uri="{FF2B5EF4-FFF2-40B4-BE49-F238E27FC236}">
+                <a16:creationId xmlns:a16="http://schemas.microsoft.com/office/drawing/2014/main" id="{EC124F9E-6E44-4E74-A102-94D15A136F21}"/>
+              </a:ext>
+            </a:extLst>
+          </p:cNvPr>
+          <p:cNvCxnSpPr>
+            <a:cxnSpLocks/>
+            <a:endCxn id="73" idx="0"/>
+          </p:cNvCxnSpPr>
+          <p:nvPr/>
+        </p:nvCxnSpPr>
+        <p:spPr>
+          <a:xfrm>
+            <a:off x="7313953" y="2014367"/>
+            <a:ext cx="927340" cy="463289"/>
+          </a:xfrm>
+          <a:prstGeom prst="bentConnector2">
+            <a:avLst/>
+          </a:prstGeom>
+          <a:ln w="19050">
+            <a:prstDash val="sysDot"/>
+            <a:headEnd type="none" w="med" len="med"/>
+            <a:tailEnd type="arrow" w="med" len="med"/>
+          </a:ln>
+          <a:effectLst/>
+        </p:spPr>
+        <p:style>
+          <a:lnRef idx="1">
+            <a:schemeClr val="accent6"/>
+          </a:lnRef>
+          <a:fillRef idx="2">
+            <a:schemeClr val="accent6"/>
+          </a:fillRef>
+          <a:effectRef idx="1">
+            <a:schemeClr val="accent6"/>
+          </a:effectRef>
+          <a:fontRef idx="minor">
+            <a:schemeClr val="dk1"/>
+          </a:fontRef>
+        </p:style>
+      </p:cxnSp>
+      <p:sp>
+        <p:nvSpPr>
+          <p:cNvPr id="8" name="TextBox 7">
+            <a:extLst>
+              <a:ext uri="{FF2B5EF4-FFF2-40B4-BE49-F238E27FC236}">
+                <a16:creationId xmlns:a16="http://schemas.microsoft.com/office/drawing/2014/main" id="{AE35A65C-C2E6-4E10-8348-D372A9547538}"/>
+              </a:ext>
+            </a:extLst>
+          </p:cNvPr>
+          <p:cNvSpPr txBox="1"/>
+          <p:nvPr/>
+        </p:nvSpPr>
+        <p:spPr>
+          <a:xfrm>
+            <a:off x="6366832" y="2153029"/>
+            <a:ext cx="224726" cy="307777"/>
+          </a:xfrm>
+          <a:prstGeom prst="rect">
+            <a:avLst/>
+          </a:prstGeom>
+          <a:noFill/>
+        </p:spPr>
+        <p:txBody>
+          <a:bodyPr wrap="square" rtlCol="0">
+            <a:spAutoFit/>
+          </a:bodyPr>
+          <a:lstStyle/>
+          <a:p>
+            <a:r>
+              <a:rPr lang="en-SG" sz="1400" dirty="0">
+                <a:solidFill>
+                  <a:schemeClr val="accent6"/>
+                </a:solidFill>
+              </a:rPr>
+              <a:t>*</a:t>
+            </a:r>
+          </a:p>
+        </p:txBody>
+      </p:sp>
     </p:spTree>
     <p:extLst>
       <p:ext uri="{BB962C8B-B14F-4D97-AF65-F5344CB8AC3E}">

--- a/docs/diagrams/StorageComponentClassDiagram.pptx
+++ b/docs/diagrams/StorageComponentClassDiagram.pptx
@@ -208,7 +208,7 @@
           <a:p>
             <a:fld id="{F5CC4B3F-88C1-4FFA-B1B6-F41C21DC6924}" type="datetimeFigureOut">
               <a:rPr lang="en-US" smtClean="0"/>
-              <a:t>3/31/2019</a:t>
+              <a:t>4/11/2019</a:t>
             </a:fld>
             <a:endParaRPr lang="en-US"/>
           </a:p>
@@ -654,7 +654,7 @@
           <a:p>
             <a:fld id="{78C97017-6FC3-485B-9764-EAC9E56C1D49}" type="datetimeFigureOut">
               <a:rPr lang="en-US" smtClean="0"/>
-              <a:t>3/31/2019</a:t>
+              <a:t>4/11/2019</a:t>
             </a:fld>
             <a:endParaRPr lang="en-US"/>
           </a:p>
@@ -822,7 +822,7 @@
           <a:p>
             <a:fld id="{78C97017-6FC3-485B-9764-EAC9E56C1D49}" type="datetimeFigureOut">
               <a:rPr lang="en-US" smtClean="0"/>
-              <a:t>3/31/2019</a:t>
+              <a:t>4/11/2019</a:t>
             </a:fld>
             <a:endParaRPr lang="en-US"/>
           </a:p>
@@ -1000,7 +1000,7 @@
           <a:p>
             <a:fld id="{78C97017-6FC3-485B-9764-EAC9E56C1D49}" type="datetimeFigureOut">
               <a:rPr lang="en-US" smtClean="0"/>
-              <a:t>3/31/2019</a:t>
+              <a:t>4/11/2019</a:t>
             </a:fld>
             <a:endParaRPr lang="en-US"/>
           </a:p>
@@ -1168,7 +1168,7 @@
           <a:p>
             <a:fld id="{78C97017-6FC3-485B-9764-EAC9E56C1D49}" type="datetimeFigureOut">
               <a:rPr lang="en-US" smtClean="0"/>
-              <a:t>3/31/2019</a:t>
+              <a:t>4/11/2019</a:t>
             </a:fld>
             <a:endParaRPr lang="en-US"/>
           </a:p>
@@ -1413,7 +1413,7 @@
           <a:p>
             <a:fld id="{78C97017-6FC3-485B-9764-EAC9E56C1D49}" type="datetimeFigureOut">
               <a:rPr lang="en-US" smtClean="0"/>
-              <a:t>3/31/2019</a:t>
+              <a:t>4/11/2019</a:t>
             </a:fld>
             <a:endParaRPr lang="en-US"/>
           </a:p>
@@ -1698,7 +1698,7 @@
           <a:p>
             <a:fld id="{78C97017-6FC3-485B-9764-EAC9E56C1D49}" type="datetimeFigureOut">
               <a:rPr lang="en-US" smtClean="0"/>
-              <a:t>3/31/2019</a:t>
+              <a:t>4/11/2019</a:t>
             </a:fld>
             <a:endParaRPr lang="en-US"/>
           </a:p>
@@ -2117,7 +2117,7 @@
           <a:p>
             <a:fld id="{78C97017-6FC3-485B-9764-EAC9E56C1D49}" type="datetimeFigureOut">
               <a:rPr lang="en-US" smtClean="0"/>
-              <a:t>3/31/2019</a:t>
+              <a:t>4/11/2019</a:t>
             </a:fld>
             <a:endParaRPr lang="en-US"/>
           </a:p>
@@ -2234,7 +2234,7 @@
           <a:p>
             <a:fld id="{78C97017-6FC3-485B-9764-EAC9E56C1D49}" type="datetimeFigureOut">
               <a:rPr lang="en-US" smtClean="0"/>
-              <a:t>3/31/2019</a:t>
+              <a:t>4/11/2019</a:t>
             </a:fld>
             <a:endParaRPr lang="en-US"/>
           </a:p>
@@ -2329,7 +2329,7 @@
           <a:p>
             <a:fld id="{78C97017-6FC3-485B-9764-EAC9E56C1D49}" type="datetimeFigureOut">
               <a:rPr lang="en-US" smtClean="0"/>
-              <a:t>3/31/2019</a:t>
+              <a:t>4/11/2019</a:t>
             </a:fld>
             <a:endParaRPr lang="en-US"/>
           </a:p>
@@ -2604,7 +2604,7 @@
           <a:p>
             <a:fld id="{78C97017-6FC3-485B-9764-EAC9E56C1D49}" type="datetimeFigureOut">
               <a:rPr lang="en-US" smtClean="0"/>
-              <a:t>3/31/2019</a:t>
+              <a:t>4/11/2019</a:t>
             </a:fld>
             <a:endParaRPr lang="en-US"/>
           </a:p>
@@ -2856,7 +2856,7 @@
           <a:p>
             <a:fld id="{78C97017-6FC3-485B-9764-EAC9E56C1D49}" type="datetimeFigureOut">
               <a:rPr lang="en-US" smtClean="0"/>
-              <a:t>3/31/2019</a:t>
+              <a:t>4/11/2019</a:t>
             </a:fld>
             <a:endParaRPr lang="en-US"/>
           </a:p>
@@ -3067,7 +3067,7 @@
           <a:p>
             <a:fld id="{78C97017-6FC3-485B-9764-EAC9E56C1D49}" type="datetimeFigureOut">
               <a:rPr lang="en-US" smtClean="0"/>
-              <a:t>3/31/2019</a:t>
+              <a:t>4/11/2019</a:t>
             </a:fld>
             <a:endParaRPr lang="en-US"/>
           </a:p>
@@ -3450,8 +3450,8 @@
         </p:nvSpPr>
         <p:spPr>
           <a:xfrm>
-            <a:off x="1119865" y="2086382"/>
-            <a:ext cx="5052335" cy="1723618"/>
+            <a:off x="685801" y="2086382"/>
+            <a:ext cx="5486400" cy="1723618"/>
           </a:xfrm>
           <a:prstGeom prst="roundRect">
             <a:avLst>
@@ -3585,6 +3585,50 @@
           </a:p>
         </p:txBody>
       </p:sp>
+      <p:cxnSp>
+        <p:nvCxnSpPr>
+          <p:cNvPr id="58" name="Straight Arrow Connector 57"/>
+          <p:cNvCxnSpPr>
+            <a:cxnSpLocks/>
+            <a:stCxn id="42" idx="3"/>
+            <a:endCxn id="2" idx="1"/>
+          </p:cNvCxnSpPr>
+          <p:nvPr/>
+        </p:nvCxnSpPr>
+        <p:spPr>
+          <a:xfrm>
+            <a:off x="2386565" y="3491246"/>
+            <a:ext cx="552421" cy="3464"/>
+          </a:xfrm>
+          <a:prstGeom prst="straightConnector1">
+            <a:avLst/>
+          </a:prstGeom>
+          <a:ln w="19050">
+            <a:solidFill>
+              <a:schemeClr val="accent6">
+                <a:lumMod val="75000"/>
+              </a:schemeClr>
+            </a:solidFill>
+            <a:headEnd type="none" w="med" len="med"/>
+            <a:tailEnd type="arrow" w="med" len="med"/>
+          </a:ln>
+          <a:effectLst/>
+        </p:spPr>
+        <p:style>
+          <a:lnRef idx="1">
+            <a:schemeClr val="accent2"/>
+          </a:lnRef>
+          <a:fillRef idx="2">
+            <a:schemeClr val="accent2"/>
+          </a:fillRef>
+          <a:effectRef idx="1">
+            <a:schemeClr val="accent2"/>
+          </a:effectRef>
+          <a:fontRef idx="minor">
+            <a:schemeClr val="dk1"/>
+          </a:fontRef>
+        </p:style>
+      </p:cxnSp>
       <p:sp>
         <p:nvSpPr>
           <p:cNvPr id="9" name="Rectangle 62"/>
@@ -3592,9 +3636,9 @@
           <p:nvPr/>
         </p:nvSpPr>
         <p:spPr>
-          <a:xfrm rot="16200000">
-            <a:off x="1683963" y="2868687"/>
-            <a:ext cx="1093635" cy="346760"/>
+          <a:xfrm>
+            <a:off x="893175" y="3317866"/>
+            <a:ext cx="1259955" cy="346760"/>
           </a:xfrm>
           <a:prstGeom prst="rect">
             <a:avLst/>
@@ -3655,9 +3699,9 @@
           <p:nvPr/>
         </p:nvSpPr>
         <p:spPr>
-          <a:xfrm rot="16200000">
-            <a:off x="956202" y="2861202"/>
-            <a:ext cx="1093635" cy="346760"/>
+          <a:xfrm>
+            <a:off x="893175" y="2590105"/>
+            <a:ext cx="1257095" cy="346760"/>
           </a:xfrm>
           <a:prstGeom prst="rect">
             <a:avLst/>
@@ -3729,8 +3773,8 @@
           <p:nvPr/>
         </p:nvSpPr>
         <p:spPr>
-          <a:xfrm rot="16200000">
-            <a:off x="1626910" y="2952291"/>
+          <a:xfrm>
+            <a:off x="1385960" y="2934866"/>
             <a:ext cx="270504" cy="175523"/>
           </a:xfrm>
           <a:prstGeom prst="triangle">
@@ -3779,93 +3823,6 @@
       </p:sp>
       <p:cxnSp>
         <p:nvCxnSpPr>
-          <p:cNvPr id="58" name="Straight Arrow Connector 57"/>
-          <p:cNvCxnSpPr>
-            <a:cxnSpLocks/>
-            <a:stCxn id="42" idx="3"/>
-            <a:endCxn id="2" idx="1"/>
-          </p:cNvCxnSpPr>
-          <p:nvPr/>
-        </p:nvCxnSpPr>
-        <p:spPr>
-          <a:xfrm>
-            <a:off x="2654920" y="3494710"/>
-            <a:ext cx="284066" cy="0"/>
-          </a:xfrm>
-          <a:prstGeom prst="straightConnector1">
-            <a:avLst/>
-          </a:prstGeom>
-          <a:ln w="19050">
-            <a:solidFill>
-              <a:schemeClr val="accent6">
-                <a:lumMod val="75000"/>
-              </a:schemeClr>
-            </a:solidFill>
-            <a:headEnd type="none" w="med" len="med"/>
-            <a:tailEnd type="arrow" w="med" len="med"/>
-          </a:ln>
-          <a:effectLst/>
-        </p:spPr>
-        <p:style>
-          <a:lnRef idx="1">
-            <a:schemeClr val="accent2"/>
-          </a:lnRef>
-          <a:fillRef idx="2">
-            <a:schemeClr val="accent2"/>
-          </a:fillRef>
-          <a:effectRef idx="1">
-            <a:schemeClr val="accent2"/>
-          </a:effectRef>
-          <a:fontRef idx="minor">
-            <a:schemeClr val="dk1"/>
-          </a:fontRef>
-        </p:style>
-      </p:cxnSp>
-      <p:cxnSp>
-        <p:nvCxnSpPr>
-          <p:cNvPr id="75" name="Elbow Connector 122"/>
-          <p:cNvCxnSpPr/>
-          <p:nvPr/>
-        </p:nvCxnSpPr>
-        <p:spPr>
-          <a:xfrm>
-            <a:off x="910091" y="3040053"/>
-            <a:ext cx="419548" cy="2860"/>
-          </a:xfrm>
-          <a:prstGeom prst="bentConnector3">
-            <a:avLst>
-              <a:gd name="adj1" fmla="val 50000"/>
-            </a:avLst>
-          </a:prstGeom>
-          <a:ln w="19050">
-            <a:solidFill>
-              <a:schemeClr val="bg1">
-                <a:lumMod val="75000"/>
-              </a:schemeClr>
-            </a:solidFill>
-            <a:prstDash val="sysDot"/>
-            <a:headEnd type="none" w="med" len="med"/>
-            <a:tailEnd type="arrow" w="med" len="med"/>
-          </a:ln>
-          <a:effectLst/>
-        </p:spPr>
-        <p:style>
-          <a:lnRef idx="1">
-            <a:schemeClr val="accent2"/>
-          </a:lnRef>
-          <a:fillRef idx="2">
-            <a:schemeClr val="accent2"/>
-          </a:fillRef>
-          <a:effectRef idx="1">
-            <a:schemeClr val="accent2"/>
-          </a:effectRef>
-          <a:fontRef idx="minor">
-            <a:schemeClr val="dk1"/>
-          </a:fontRef>
-        </p:style>
-      </p:cxnSp>
-      <p:cxnSp>
-        <p:nvCxnSpPr>
           <p:cNvPr id="21" name="Straight Connector 20"/>
           <p:cNvCxnSpPr>
             <a:stCxn id="120" idx="3"/>
@@ -3873,8 +3830,8 @@
           <p:nvPr/>
         </p:nvCxnSpPr>
         <p:spPr>
-          <a:xfrm flipV="1">
-            <a:off x="1849924" y="3040052"/>
+          <a:xfrm rot="5400000" flipV="1">
+            <a:off x="1413160" y="3218442"/>
             <a:ext cx="216105" cy="1"/>
           </a:xfrm>
           <a:prstGeom prst="line">
@@ -3915,8 +3872,8 @@
         </p:nvSpPr>
         <p:spPr>
           <a:xfrm>
-            <a:off x="2418872" y="3408020"/>
-            <a:ext cx="236048" cy="173380"/>
+            <a:off x="2170045" y="3383246"/>
+            <a:ext cx="216520" cy="216000"/>
           </a:xfrm>
           <a:prstGeom prst="flowChartDecision">
             <a:avLst/>
@@ -3962,6 +3919,7 @@
         <p:nvCxnSpPr>
           <p:cNvPr id="97" name="Elbow Connector 63"/>
           <p:cNvCxnSpPr>
+            <a:cxnSpLocks/>
             <a:stCxn id="99" idx="3"/>
             <a:endCxn id="50" idx="1"/>
           </p:cNvCxnSpPr>
@@ -4068,11 +4026,14 @@
         <p:spPr>
           <a:xfrm>
             <a:off x="4796860" y="3330563"/>
-            <a:ext cx="1169835" cy="346760"/>
+            <a:ext cx="1162221" cy="346760"/>
           </a:xfrm>
           <a:prstGeom prst="rect">
             <a:avLst/>
           </a:prstGeom>
+          <a:solidFill>
+            <a:srgbClr val="F49342"/>
+          </a:solidFill>
           <a:ln w="19050"/>
           <a:effectLst/>
         </p:spPr>
@@ -4098,18 +4059,14 @@
             <a:r>
               <a:rPr lang="en-US" sz="1050" b="1" dirty="0" err="1">
                 <a:solidFill>
-                  <a:schemeClr val="accent6">
-                    <a:lumMod val="75000"/>
-                  </a:schemeClr>
+                  <a:schemeClr val="bg1"/>
                 </a:solidFill>
               </a:rPr>
               <a:t>CsvLessonList</a:t>
             </a:r>
             <a:endParaRPr lang="en-US" sz="1050" b="1" dirty="0">
               <a:solidFill>
-                <a:schemeClr val="accent6">
-                  <a:lumMod val="75000"/>
-                </a:schemeClr>
+                <a:schemeClr val="bg1"/>
               </a:solidFill>
             </a:endParaRPr>
           </a:p>
@@ -4118,18 +4075,14 @@
             <a:r>
               <a:rPr lang="en-US" sz="1050" b="1" dirty="0">
                 <a:solidFill>
-                  <a:schemeClr val="accent6">
-                    <a:lumMod val="75000"/>
-                  </a:schemeClr>
+                  <a:schemeClr val="bg1"/>
                 </a:solidFill>
               </a:rPr>
               <a:t>Storage</a:t>
             </a:r>
             <a:endParaRPr lang="en-SG" sz="1050" b="1" dirty="0">
               <a:solidFill>
-                <a:schemeClr val="accent6">
-                  <a:lumMod val="75000"/>
-                </a:schemeClr>
+                <a:schemeClr val="bg1"/>
               </a:solidFill>
             </a:endParaRPr>
           </a:p>
@@ -4150,9 +4103,7 @@
             <a:avLst/>
           </a:prstGeom>
           <a:solidFill>
-            <a:schemeClr val="accent6">
-              <a:lumMod val="75000"/>
-            </a:schemeClr>
+            <a:srgbClr val="E46C0A"/>
           </a:solidFill>
           <a:ln w="19050">
             <a:solidFill>
@@ -4217,15 +4168,15 @@
         <p:nvCxnSpPr>
           <p:cNvPr id="54" name="Straight Arrow Connector 53"/>
           <p:cNvCxnSpPr>
-            <a:stCxn id="56" idx="3"/>
+            <a:cxnSpLocks/>
             <a:endCxn id="52" idx="1"/>
           </p:cNvCxnSpPr>
           <p:nvPr/>
         </p:nvCxnSpPr>
         <p:spPr>
-          <a:xfrm flipV="1">
-            <a:off x="2644257" y="2581515"/>
-            <a:ext cx="287115" cy="1468"/>
+          <a:xfrm>
+            <a:off x="2644257" y="2580485"/>
+            <a:ext cx="287115" cy="1030"/>
           </a:xfrm>
           <a:prstGeom prst="straightConnector1">
             <a:avLst/>
@@ -4256,57 +4207,6 @@
           </a:fontRef>
         </p:style>
       </p:cxnSp>
-      <p:sp>
-        <p:nvSpPr>
-          <p:cNvPr id="56" name="Flowchart: Decision 96"/>
-          <p:cNvSpPr/>
-          <p:nvPr/>
-        </p:nvSpPr>
-        <p:spPr>
-          <a:xfrm>
-            <a:off x="2408209" y="2496293"/>
-            <a:ext cx="236048" cy="173380"/>
-          </a:xfrm>
-          <a:prstGeom prst="flowChartDecision">
-            <a:avLst/>
-          </a:prstGeom>
-          <a:noFill/>
-          <a:ln w="19050">
-            <a:solidFill>
-              <a:schemeClr val="accent6">
-                <a:lumMod val="75000"/>
-              </a:schemeClr>
-            </a:solidFill>
-          </a:ln>
-          <a:effectLst/>
-        </p:spPr>
-        <p:style>
-          <a:lnRef idx="1">
-            <a:schemeClr val="accent2"/>
-          </a:lnRef>
-          <a:fillRef idx="2">
-            <a:schemeClr val="accent2"/>
-          </a:fillRef>
-          <a:effectRef idx="1">
-            <a:schemeClr val="accent2"/>
-          </a:effectRef>
-          <a:fontRef idx="minor">
-            <a:schemeClr val="dk1"/>
-          </a:fontRef>
-        </p:style>
-        <p:txBody>
-          <a:bodyPr rtlCol="0" anchor="ctr"/>
-          <a:lstStyle/>
-          <a:p>
-            <a:pPr algn="ctr"/>
-            <a:endParaRPr lang="en-US" sz="1050">
-              <a:solidFill>
-                <a:schemeClr val="bg1"/>
-              </a:solidFill>
-            </a:endParaRPr>
-          </a:p>
-        </p:txBody>
-      </p:sp>
       <p:cxnSp>
         <p:nvCxnSpPr>
           <p:cNvPr id="60" name="Elbow Connector 63"/>
@@ -4480,63 +4380,6 @@
               <a:t>Storage</a:t>
             </a:r>
             <a:endParaRPr lang="en-SG" sz="1050" dirty="0">
-              <a:solidFill>
-                <a:schemeClr val="bg1"/>
-              </a:solidFill>
-            </a:endParaRPr>
-          </a:p>
-        </p:txBody>
-      </p:sp>
-      <p:sp>
-        <p:nvSpPr>
-          <p:cNvPr id="26" name="Flowchart: Decision 96">
-            <a:extLst>
-              <a:ext uri="{FF2B5EF4-FFF2-40B4-BE49-F238E27FC236}">
-                <a16:creationId xmlns:a16="http://schemas.microsoft.com/office/drawing/2014/main" id="{ADC8A2FF-760B-4FC9-BB6B-7254857C64AD}"/>
-              </a:ext>
-            </a:extLst>
-          </p:cNvPr>
-          <p:cNvSpPr/>
-          <p:nvPr/>
-        </p:nvSpPr>
-        <p:spPr>
-          <a:xfrm>
-            <a:off x="2413611" y="2962545"/>
-            <a:ext cx="236048" cy="173380"/>
-          </a:xfrm>
-          <a:prstGeom prst="flowChartDecision">
-            <a:avLst/>
-          </a:prstGeom>
-          <a:noFill/>
-          <a:ln w="19050">
-            <a:solidFill>
-              <a:schemeClr val="accent6">
-                <a:lumMod val="75000"/>
-              </a:schemeClr>
-            </a:solidFill>
-          </a:ln>
-          <a:effectLst/>
-        </p:spPr>
-        <p:style>
-          <a:lnRef idx="1">
-            <a:schemeClr val="accent2"/>
-          </a:lnRef>
-          <a:fillRef idx="2">
-            <a:schemeClr val="accent2"/>
-          </a:fillRef>
-          <a:effectRef idx="1">
-            <a:schemeClr val="accent2"/>
-          </a:effectRef>
-          <a:fontRef idx="minor">
-            <a:schemeClr val="dk1"/>
-          </a:fontRef>
-        </p:style>
-        <p:txBody>
-          <a:bodyPr rtlCol="0" anchor="ctr"/>
-          <a:lstStyle/>
-          <a:p>
-            <a:pPr algn="ctr"/>
-            <a:endParaRPr lang="en-US" sz="1050">
               <a:solidFill>
                 <a:schemeClr val="bg1"/>
               </a:solidFill>
@@ -4810,7 +4653,12 @@
           <a:prstGeom prst="rect">
             <a:avLst/>
           </a:prstGeom>
-          <a:ln w="19050"/>
+          <a:solidFill>
+            <a:srgbClr val="F49342"/>
+          </a:solidFill>
+          <a:ln w="19050">
+            <a:noFill/>
+          </a:ln>
           <a:effectLst/>
         </p:spPr>
         <p:style>
@@ -4835,23 +4683,111 @@
             <a:r>
               <a:rPr lang="en-US" sz="1050" b="1" dirty="0" err="1">
                 <a:solidFill>
-                  <a:schemeClr val="accent6">
-                    <a:lumMod val="75000"/>
-                  </a:schemeClr>
+                  <a:schemeClr val="bg1"/>
                 </a:solidFill>
               </a:rPr>
               <a:t>CsvUserStorage</a:t>
             </a:r>
             <a:endParaRPr lang="en-SG" sz="1050" b="1" dirty="0">
               <a:solidFill>
-                <a:schemeClr val="accent6">
-                  <a:lumMod val="75000"/>
-                </a:schemeClr>
+                <a:schemeClr val="bg1"/>
               </a:solidFill>
             </a:endParaRPr>
           </a:p>
         </p:txBody>
       </p:sp>
+      <p:cxnSp>
+        <p:nvCxnSpPr>
+          <p:cNvPr id="16" name="Straight Connector 15">
+            <a:extLst>
+              <a:ext uri="{FF2B5EF4-FFF2-40B4-BE49-F238E27FC236}">
+                <a16:creationId xmlns:a16="http://schemas.microsoft.com/office/drawing/2014/main" id="{17B179F5-007E-4913-95ED-A1068283E6FB}"/>
+              </a:ext>
+            </a:extLst>
+          </p:cNvPr>
+          <p:cNvCxnSpPr/>
+          <p:nvPr/>
+        </p:nvCxnSpPr>
+        <p:spPr>
+          <a:xfrm>
+            <a:off x="2644257" y="2580485"/>
+            <a:ext cx="0" cy="910761"/>
+          </a:xfrm>
+          <a:prstGeom prst="line">
+            <a:avLst/>
+          </a:prstGeom>
+          <a:ln w="19050">
+            <a:solidFill>
+              <a:srgbClr val="E46C0A"/>
+            </a:solidFill>
+          </a:ln>
+        </p:spPr>
+        <p:style>
+          <a:lnRef idx="1">
+            <a:schemeClr val="accent1"/>
+          </a:lnRef>
+          <a:fillRef idx="0">
+            <a:schemeClr val="accent1"/>
+          </a:fillRef>
+          <a:effectRef idx="0">
+            <a:schemeClr val="accent1"/>
+          </a:effectRef>
+          <a:fontRef idx="minor">
+            <a:schemeClr val="tx1"/>
+          </a:fontRef>
+        </p:style>
+      </p:cxnSp>
+      <p:cxnSp>
+        <p:nvCxnSpPr>
+          <p:cNvPr id="41" name="Elbow Connector 122">
+            <a:extLst>
+              <a:ext uri="{FF2B5EF4-FFF2-40B4-BE49-F238E27FC236}">
+                <a16:creationId xmlns:a16="http://schemas.microsoft.com/office/drawing/2014/main" id="{D995D0DD-C3D8-439E-96D4-F020BFE8C8B5}"/>
+              </a:ext>
+            </a:extLst>
+          </p:cNvPr>
+          <p:cNvCxnSpPr>
+            <a:cxnSpLocks/>
+          </p:cNvCxnSpPr>
+          <p:nvPr/>
+        </p:nvCxnSpPr>
+        <p:spPr>
+          <a:xfrm>
+            <a:off x="470579" y="2763485"/>
+            <a:ext cx="419548" cy="2860"/>
+          </a:xfrm>
+          <a:prstGeom prst="bentConnector3">
+            <a:avLst>
+              <a:gd name="adj1" fmla="val 50000"/>
+            </a:avLst>
+          </a:prstGeom>
+          <a:ln w="19050">
+            <a:solidFill>
+              <a:schemeClr val="bg1">
+                <a:lumMod val="75000"/>
+              </a:schemeClr>
+            </a:solidFill>
+            <a:prstDash val="sysDot"/>
+            <a:headEnd type="none" w="med" len="med"/>
+            <a:tailEnd type="arrow" w="med" len="med"/>
+          </a:ln>
+          <a:effectLst/>
+        </p:spPr>
+        <p:style>
+          <a:lnRef idx="1">
+            <a:schemeClr val="accent2"/>
+          </a:lnRef>
+          <a:fillRef idx="2">
+            <a:schemeClr val="accent2"/>
+          </a:fillRef>
+          <a:effectRef idx="1">
+            <a:schemeClr val="accent2"/>
+          </a:effectRef>
+          <a:fontRef idx="minor">
+            <a:schemeClr val="dk1"/>
+          </a:fontRef>
+        </p:style>
+      </p:cxnSp>
     </p:spTree>
     <p:extLst>
       <p:ext uri="{BB962C8B-B14F-4D97-AF65-F5344CB8AC3E}">

--- a/docs/diagrams/StorageComponentClassDiagram.pptx
+++ b/docs/diagrams/StorageComponentClassDiagram.pptx
@@ -208,7 +208,7 @@
           <a:p>
             <a:fld id="{F5CC4B3F-88C1-4FFA-B1B6-F41C21DC6924}" type="datetimeFigureOut">
               <a:rPr lang="en-US" smtClean="0"/>
-              <a:t>12/1/2018</a:t>
+              <a:t>4/13/19</a:t>
             </a:fld>
             <a:endParaRPr lang="en-US"/>
           </a:p>
@@ -475,6 +475,90 @@
 </p:notesMaster>
 </file>
 
+<file path=ppt/notesSlides/notesSlide1.xml><?xml version="1.0" encoding="utf-8"?>
+<p:notes xmlns:a="http://schemas.openxmlformats.org/drawingml/2006/main" xmlns:r="http://schemas.openxmlformats.org/officeDocument/2006/relationships" xmlns:p="http://schemas.openxmlformats.org/presentationml/2006/main">
+  <p:cSld>
+    <p:spTree>
+      <p:nvGrpSpPr>
+        <p:cNvPr id="1" name=""/>
+        <p:cNvGrpSpPr/>
+        <p:nvPr/>
+      </p:nvGrpSpPr>
+      <p:grpSpPr>
+        <a:xfrm>
+          <a:off x="0" y="0"/>
+          <a:ext cx="0" cy="0"/>
+          <a:chOff x="0" y="0"/>
+          <a:chExt cx="0" cy="0"/>
+        </a:xfrm>
+      </p:grpSpPr>
+      <p:sp>
+        <p:nvSpPr>
+          <p:cNvPr id="2" name="Slide Image Placeholder 1"/>
+          <p:cNvSpPr>
+            <a:spLocks noGrp="1" noRot="1" noChangeAspect="1"/>
+          </p:cNvSpPr>
+          <p:nvPr>
+            <p:ph type="sldImg"/>
+          </p:nvPr>
+        </p:nvSpPr>
+        <p:spPr/>
+      </p:sp>
+      <p:sp>
+        <p:nvSpPr>
+          <p:cNvPr id="3" name="Notes Placeholder 2"/>
+          <p:cNvSpPr>
+            <a:spLocks noGrp="1"/>
+          </p:cNvSpPr>
+          <p:nvPr>
+            <p:ph type="body" idx="1"/>
+          </p:nvPr>
+        </p:nvSpPr>
+        <p:spPr/>
+        <p:txBody>
+          <a:bodyPr/>
+          <a:lstStyle/>
+          <a:p>
+            <a:endParaRPr lang="en-US" dirty="0"/>
+          </a:p>
+        </p:txBody>
+      </p:sp>
+      <p:sp>
+        <p:nvSpPr>
+          <p:cNvPr id="4" name="Slide Number Placeholder 3"/>
+          <p:cNvSpPr>
+            <a:spLocks noGrp="1"/>
+          </p:cNvSpPr>
+          <p:nvPr>
+            <p:ph type="sldNum" sz="quarter" idx="5"/>
+          </p:nvPr>
+        </p:nvSpPr>
+        <p:spPr/>
+        <p:txBody>
+          <a:bodyPr/>
+          <a:lstStyle/>
+          <a:p>
+            <a:fld id="{5A7AB025-77E3-4BD1-A2FD-B3183DBA47A3}" type="slidenum">
+              <a:rPr lang="en-US" smtClean="0"/>
+              <a:t>1</a:t>
+            </a:fld>
+            <a:endParaRPr lang="en-US"/>
+          </a:p>
+        </p:txBody>
+      </p:sp>
+    </p:spTree>
+    <p:extLst>
+      <p:ext uri="{BB962C8B-B14F-4D97-AF65-F5344CB8AC3E}">
+        <p14:creationId xmlns:p14="http://schemas.microsoft.com/office/powerpoint/2010/main" val="1964756397"/>
+      </p:ext>
+    </p:extLst>
+  </p:cSld>
+  <p:clrMapOvr>
+    <a:masterClrMapping/>
+  </p:clrMapOvr>
+</p:notes>
+</file>
+
 <file path=ppt/slideLayouts/slideLayout1.xml><?xml version="1.0" encoding="utf-8"?>
 <p:sldLayout xmlns:a="http://schemas.openxmlformats.org/drawingml/2006/main" xmlns:r="http://schemas.openxmlformats.org/officeDocument/2006/relationships" xmlns:p="http://schemas.openxmlformats.org/presentationml/2006/main" type="title" preserve="1">
   <p:cSld name="Title Slide">
@@ -654,7 +738,7 @@
           <a:p>
             <a:fld id="{78C97017-6FC3-485B-9764-EAC9E56C1D49}" type="datetimeFigureOut">
               <a:rPr lang="en-US" smtClean="0"/>
-              <a:t>12/1/2018</a:t>
+              <a:t>4/13/19</a:t>
             </a:fld>
             <a:endParaRPr lang="en-US"/>
           </a:p>
@@ -822,7 +906,7 @@
           <a:p>
             <a:fld id="{78C97017-6FC3-485B-9764-EAC9E56C1D49}" type="datetimeFigureOut">
               <a:rPr lang="en-US" smtClean="0"/>
-              <a:t>12/1/2018</a:t>
+              <a:t>4/13/19</a:t>
             </a:fld>
             <a:endParaRPr lang="en-US"/>
           </a:p>
@@ -1000,7 +1084,7 @@
           <a:p>
             <a:fld id="{78C97017-6FC3-485B-9764-EAC9E56C1D49}" type="datetimeFigureOut">
               <a:rPr lang="en-US" smtClean="0"/>
-              <a:t>12/1/2018</a:t>
+              <a:t>4/13/19</a:t>
             </a:fld>
             <a:endParaRPr lang="en-US"/>
           </a:p>
@@ -1168,7 +1252,7 @@
           <a:p>
             <a:fld id="{78C97017-6FC3-485B-9764-EAC9E56C1D49}" type="datetimeFigureOut">
               <a:rPr lang="en-US" smtClean="0"/>
-              <a:t>12/1/2018</a:t>
+              <a:t>4/13/19</a:t>
             </a:fld>
             <a:endParaRPr lang="en-US"/>
           </a:p>
@@ -1413,7 +1497,7 @@
           <a:p>
             <a:fld id="{78C97017-6FC3-485B-9764-EAC9E56C1D49}" type="datetimeFigureOut">
               <a:rPr lang="en-US" smtClean="0"/>
-              <a:t>12/1/2018</a:t>
+              <a:t>4/13/19</a:t>
             </a:fld>
             <a:endParaRPr lang="en-US"/>
           </a:p>
@@ -1698,7 +1782,7 @@
           <a:p>
             <a:fld id="{78C97017-6FC3-485B-9764-EAC9E56C1D49}" type="datetimeFigureOut">
               <a:rPr lang="en-US" smtClean="0"/>
-              <a:t>12/1/2018</a:t>
+              <a:t>4/13/19</a:t>
             </a:fld>
             <a:endParaRPr lang="en-US"/>
           </a:p>
@@ -2117,7 +2201,7 @@
           <a:p>
             <a:fld id="{78C97017-6FC3-485B-9764-EAC9E56C1D49}" type="datetimeFigureOut">
               <a:rPr lang="en-US" smtClean="0"/>
-              <a:t>12/1/2018</a:t>
+              <a:t>4/13/19</a:t>
             </a:fld>
             <a:endParaRPr lang="en-US"/>
           </a:p>
@@ -2234,7 +2318,7 @@
           <a:p>
             <a:fld id="{78C97017-6FC3-485B-9764-EAC9E56C1D49}" type="datetimeFigureOut">
               <a:rPr lang="en-US" smtClean="0"/>
-              <a:t>12/1/2018</a:t>
+              <a:t>4/13/19</a:t>
             </a:fld>
             <a:endParaRPr lang="en-US"/>
           </a:p>
@@ -2329,7 +2413,7 @@
           <a:p>
             <a:fld id="{78C97017-6FC3-485B-9764-EAC9E56C1D49}" type="datetimeFigureOut">
               <a:rPr lang="en-US" smtClean="0"/>
-              <a:t>12/1/2018</a:t>
+              <a:t>4/13/19</a:t>
             </a:fld>
             <a:endParaRPr lang="en-US"/>
           </a:p>
@@ -2604,7 +2688,7 @@
           <a:p>
             <a:fld id="{78C97017-6FC3-485B-9764-EAC9E56C1D49}" type="datetimeFigureOut">
               <a:rPr lang="en-US" smtClean="0"/>
-              <a:t>12/1/2018</a:t>
+              <a:t>4/13/19</a:t>
             </a:fld>
             <a:endParaRPr lang="en-US"/>
           </a:p>
@@ -2856,7 +2940,7 @@
           <a:p>
             <a:fld id="{78C97017-6FC3-485B-9764-EAC9E56C1D49}" type="datetimeFigureOut">
               <a:rPr lang="en-US" smtClean="0"/>
-              <a:t>12/1/2018</a:t>
+              <a:t>4/13/19</a:t>
             </a:fld>
             <a:endParaRPr lang="en-US"/>
           </a:p>
@@ -3067,7 +3151,7 @@
           <a:p>
             <a:fld id="{78C97017-6FC3-485B-9764-EAC9E56C1D49}" type="datetimeFigureOut">
               <a:rPr lang="en-US" smtClean="0"/>
-              <a:t>12/1/2018</a:t>
+              <a:t>4/13/19</a:t>
             </a:fld>
             <a:endParaRPr lang="en-US"/>
           </a:p>
@@ -3444,14 +3528,20 @@
       </p:grpSpPr>
       <p:sp>
         <p:nvSpPr>
-          <p:cNvPr id="118" name="Rectangle 65"/>
+          <p:cNvPr id="26" name="Rectangle 65">
+            <a:extLst>
+              <a:ext uri="{FF2B5EF4-FFF2-40B4-BE49-F238E27FC236}">
+                <a16:creationId xmlns:a16="http://schemas.microsoft.com/office/drawing/2014/main" id="{C08B06C5-60D5-8B44-862C-3BE5DA7B43D0}"/>
+              </a:ext>
+            </a:extLst>
+          </p:cNvPr>
           <p:cNvSpPr/>
           <p:nvPr/>
         </p:nvSpPr>
         <p:spPr>
           <a:xfrm>
-            <a:off x="1119865" y="2086382"/>
-            <a:ext cx="7871735" cy="1723618"/>
+            <a:off x="304800" y="838200"/>
+            <a:ext cx="8658663" cy="5942540"/>
           </a:xfrm>
           <a:prstGeom prst="roundRect">
             <a:avLst>
@@ -3488,7 +3578,7 @@
           <a:lstStyle/>
           <a:p>
             <a:r>
-              <a:rPr lang="en-US" sz="1200" b="1" dirty="0">
+              <a:rPr lang="en-US" sz="1150" b="1" dirty="0">
                 <a:solidFill>
                   <a:schemeClr val="accent6">
                     <a:lumMod val="75000"/>
@@ -3497,7 +3587,7 @@
               </a:rPr>
               <a:t>Storage</a:t>
             </a:r>
-            <a:endParaRPr lang="en-SG" sz="1200" b="1" dirty="0">
+            <a:endParaRPr lang="en-SG" sz="1150" b="1" dirty="0">
               <a:solidFill>
                 <a:schemeClr val="accent6">
                   <a:lumMod val="75000"/>
@@ -3509,14 +3599,20 @@
       </p:sp>
       <p:sp>
         <p:nvSpPr>
-          <p:cNvPr id="2" name="Rectangle 8"/>
+          <p:cNvPr id="27" name="Rectangle 8">
+            <a:extLst>
+              <a:ext uri="{FF2B5EF4-FFF2-40B4-BE49-F238E27FC236}">
+                <a16:creationId xmlns:a16="http://schemas.microsoft.com/office/drawing/2014/main" id="{F23B928F-AA9D-FF4A-9C55-5E57FAE262D3}"/>
+              </a:ext>
+            </a:extLst>
+          </p:cNvPr>
           <p:cNvSpPr/>
           <p:nvPr/>
         </p:nvSpPr>
         <p:spPr>
           <a:xfrm>
-            <a:off x="2877180" y="3158440"/>
-            <a:ext cx="1323049" cy="346760"/>
+            <a:off x="2635460" y="5915320"/>
+            <a:ext cx="1323049" cy="561680"/>
           </a:xfrm>
           <a:prstGeom prst="rect">
             <a:avLst/>
@@ -3555,7 +3651,7 @@
           <a:p>
             <a:pPr algn="ctr"/>
             <a:r>
-              <a:rPr lang="en-US" sz="1050" dirty="0">
+              <a:rPr lang="en-US" sz="1200" dirty="0">
                 <a:solidFill>
                   <a:schemeClr val="bg1"/>
                 </a:solidFill>
@@ -3563,21 +3659,21 @@
               <a:t>&lt;&lt;interface&gt;&gt;</a:t>
             </a:r>
             <a:br>
-              <a:rPr lang="en-US" sz="1050" dirty="0">
+              <a:rPr lang="en-US" sz="1200" dirty="0">
                 <a:solidFill>
                   <a:schemeClr val="bg1"/>
                 </a:solidFill>
               </a:rPr>
             </a:br>
             <a:r>
-              <a:rPr lang="en-US" sz="1050" dirty="0" err="1">
+              <a:rPr lang="en-US" sz="1150" dirty="0" err="1">
                 <a:solidFill>
                   <a:schemeClr val="bg1"/>
                 </a:solidFill>
               </a:rPr>
-              <a:t>AddressBookStorage</a:t>
-            </a:r>
-            <a:endParaRPr lang="en-SG" sz="1050" dirty="0">
+              <a:t>HotelManagementSystemStorage</a:t>
+            </a:r>
+            <a:endParaRPr lang="en-SG" sz="1150" dirty="0">
               <a:solidFill>
                 <a:schemeClr val="bg1"/>
               </a:solidFill>
@@ -3587,13 +3683,19 @@
       </p:sp>
       <p:sp>
         <p:nvSpPr>
-          <p:cNvPr id="9" name="Rectangle 62"/>
+          <p:cNvPr id="28" name="Rectangle 62">
+            <a:extLst>
+              <a:ext uri="{FF2B5EF4-FFF2-40B4-BE49-F238E27FC236}">
+                <a16:creationId xmlns:a16="http://schemas.microsoft.com/office/drawing/2014/main" id="{44C940E8-7347-CC40-9C7C-C8005E4166EA}"/>
+              </a:ext>
+            </a:extLst>
+          </p:cNvPr>
           <p:cNvSpPr/>
           <p:nvPr/>
         </p:nvSpPr>
         <p:spPr>
           <a:xfrm rot="16200000">
-            <a:off x="1683963" y="2868687"/>
+            <a:off x="1442243" y="5625567"/>
             <a:ext cx="1093635" cy="346760"/>
           </a:xfrm>
           <a:prstGeom prst="rect">
@@ -3650,13 +3752,19 @@
       </p:sp>
       <p:sp>
         <p:nvSpPr>
-          <p:cNvPr id="119" name="Rectangle 62"/>
+          <p:cNvPr id="29" name="Rectangle 62">
+            <a:extLst>
+              <a:ext uri="{FF2B5EF4-FFF2-40B4-BE49-F238E27FC236}">
+                <a16:creationId xmlns:a16="http://schemas.microsoft.com/office/drawing/2014/main" id="{7352FDB3-F8B3-DA48-AED5-CAEF6ECE3B97}"/>
+              </a:ext>
+            </a:extLst>
+          </p:cNvPr>
           <p:cNvSpPr/>
           <p:nvPr/>
         </p:nvSpPr>
         <p:spPr>
           <a:xfrm rot="16200000">
-            <a:off x="956202" y="2861202"/>
+            <a:off x="714482" y="5618082"/>
             <a:ext cx="1093635" cy="346760"/>
           </a:xfrm>
           <a:prstGeom prst="rect">
@@ -3724,13 +3832,19 @@
       </p:sp>
       <p:sp>
         <p:nvSpPr>
-          <p:cNvPr id="120" name="Isosceles Triangle 102"/>
+          <p:cNvPr id="30" name="Isosceles Triangle 102">
+            <a:extLst>
+              <a:ext uri="{FF2B5EF4-FFF2-40B4-BE49-F238E27FC236}">
+                <a16:creationId xmlns:a16="http://schemas.microsoft.com/office/drawing/2014/main" id="{3D0F2FEB-92FE-EA49-9936-37E1A0E1460A}"/>
+              </a:ext>
+            </a:extLst>
+          </p:cNvPr>
           <p:cNvSpPr/>
           <p:nvPr/>
         </p:nvSpPr>
         <p:spPr>
           <a:xfrm rot="16200000">
-            <a:off x="1626910" y="2952291"/>
+            <a:off x="1385190" y="5709171"/>
             <a:ext cx="270504" cy="175523"/>
           </a:xfrm>
           <a:prstGeom prst="triangle">
@@ -3779,17 +3893,23 @@
       </p:sp>
       <p:cxnSp>
         <p:nvCxnSpPr>
-          <p:cNvPr id="58" name="Straight Arrow Connector 57"/>
+          <p:cNvPr id="31" name="Straight Arrow Connector 30">
+            <a:extLst>
+              <a:ext uri="{FF2B5EF4-FFF2-40B4-BE49-F238E27FC236}">
+                <a16:creationId xmlns:a16="http://schemas.microsoft.com/office/drawing/2014/main" id="{82B1C644-F157-954A-A8C3-011D97D79651}"/>
+              </a:ext>
+            </a:extLst>
+          </p:cNvPr>
           <p:cNvCxnSpPr>
-            <a:stCxn id="42" idx="3"/>
-            <a:endCxn id="2" idx="1"/>
+            <a:cxnSpLocks/>
+            <a:stCxn id="34" idx="3"/>
           </p:cNvCxnSpPr>
           <p:nvPr/>
         </p:nvCxnSpPr>
         <p:spPr>
-          <a:xfrm>
-            <a:off x="2656370" y="3326536"/>
-            <a:ext cx="220810" cy="5284"/>
+          <a:xfrm flipV="1">
+            <a:off x="2414650" y="6078132"/>
+            <a:ext cx="217573" cy="5284"/>
           </a:xfrm>
           <a:prstGeom prst="straightConnector1">
             <a:avLst/>
@@ -3822,14 +3942,22 @@
       </p:cxnSp>
       <p:cxnSp>
         <p:nvCxnSpPr>
-          <p:cNvPr id="75" name="Elbow Connector 122"/>
-          <p:cNvCxnSpPr/>
+          <p:cNvPr id="32" name="Elbow Connector 122">
+            <a:extLst>
+              <a:ext uri="{FF2B5EF4-FFF2-40B4-BE49-F238E27FC236}">
+                <a16:creationId xmlns:a16="http://schemas.microsoft.com/office/drawing/2014/main" id="{1E2785EA-C482-2443-A594-B6B55BBF52F1}"/>
+              </a:ext>
+            </a:extLst>
+          </p:cNvPr>
+          <p:cNvCxnSpPr>
+            <a:cxnSpLocks/>
+          </p:cNvCxnSpPr>
           <p:nvPr/>
         </p:nvCxnSpPr>
         <p:spPr>
           <a:xfrm>
-            <a:off x="910091" y="3040053"/>
-            <a:ext cx="419548" cy="2860"/>
+            <a:off x="228600" y="5812493"/>
+            <a:ext cx="859319" cy="12700"/>
           </a:xfrm>
           <a:prstGeom prst="bentConnector3">
             <a:avLst>
@@ -3865,15 +3993,21 @@
       </p:cxnSp>
       <p:cxnSp>
         <p:nvCxnSpPr>
-          <p:cNvPr id="21" name="Straight Connector 20"/>
+          <p:cNvPr id="33" name="Straight Connector 32">
+            <a:extLst>
+              <a:ext uri="{FF2B5EF4-FFF2-40B4-BE49-F238E27FC236}">
+                <a16:creationId xmlns:a16="http://schemas.microsoft.com/office/drawing/2014/main" id="{59B0E08D-0FDB-1A4A-9650-643D6921C011}"/>
+              </a:ext>
+            </a:extLst>
+          </p:cNvPr>
           <p:cNvCxnSpPr>
-            <a:stCxn id="120" idx="3"/>
+            <a:stCxn id="30" idx="3"/>
           </p:cNvCxnSpPr>
           <p:nvPr/>
         </p:nvCxnSpPr>
         <p:spPr>
           <a:xfrm flipV="1">
-            <a:off x="1849924" y="3040052"/>
+            <a:off x="1608204" y="5796932"/>
             <a:ext cx="216105" cy="1"/>
           </a:xfrm>
           <a:prstGeom prst="line">
@@ -3908,13 +4042,19 @@
       </p:cxnSp>
       <p:sp>
         <p:nvSpPr>
-          <p:cNvPr id="42" name="Flowchart: Decision 96"/>
+          <p:cNvPr id="34" name="Flowchart: Decision 96">
+            <a:extLst>
+              <a:ext uri="{FF2B5EF4-FFF2-40B4-BE49-F238E27FC236}">
+                <a16:creationId xmlns:a16="http://schemas.microsoft.com/office/drawing/2014/main" id="{BB9D1982-0F7A-754D-9FE6-77D749FE13E9}"/>
+              </a:ext>
+            </a:extLst>
+          </p:cNvPr>
           <p:cNvSpPr/>
           <p:nvPr/>
         </p:nvSpPr>
         <p:spPr>
           <a:xfrm>
-            <a:off x="2420322" y="3239846"/>
+            <a:off x="2178602" y="5996726"/>
             <a:ext cx="236048" cy="173380"/>
           </a:xfrm>
           <a:prstGeom prst="flowChartDecision">
@@ -3959,17 +4099,24 @@
       </p:sp>
       <p:cxnSp>
         <p:nvCxnSpPr>
-          <p:cNvPr id="97" name="Elbow Connector 63"/>
+          <p:cNvPr id="35" name="Elbow Connector 63">
+            <a:extLst>
+              <a:ext uri="{FF2B5EF4-FFF2-40B4-BE49-F238E27FC236}">
+                <a16:creationId xmlns:a16="http://schemas.microsoft.com/office/drawing/2014/main" id="{54EE6945-7D3B-834A-9996-27B1BD23538A}"/>
+              </a:ext>
+            </a:extLst>
+          </p:cNvPr>
           <p:cNvCxnSpPr>
-            <a:stCxn id="99" idx="3"/>
-            <a:endCxn id="50" idx="1"/>
+            <a:cxnSpLocks/>
+            <a:stCxn id="36" idx="3"/>
+            <a:endCxn id="38" idx="1"/>
           </p:cNvCxnSpPr>
           <p:nvPr/>
         </p:nvCxnSpPr>
         <p:spPr>
-          <a:xfrm flipV="1">
-            <a:off x="4398041" y="3331820"/>
-            <a:ext cx="223324" cy="1"/>
+          <a:xfrm>
+            <a:off x="4156321" y="6088701"/>
+            <a:ext cx="223324" cy="86365"/>
           </a:xfrm>
           <a:prstGeom prst="bentConnector3">
             <a:avLst>
@@ -4005,13 +4152,19 @@
       </p:cxnSp>
       <p:sp>
         <p:nvSpPr>
-          <p:cNvPr id="99" name="Isosceles Triangle 102"/>
+          <p:cNvPr id="36" name="Isosceles Triangle 102">
+            <a:extLst>
+              <a:ext uri="{FF2B5EF4-FFF2-40B4-BE49-F238E27FC236}">
+                <a16:creationId xmlns:a16="http://schemas.microsoft.com/office/drawing/2014/main" id="{CB94FEB7-22E3-0C4A-B5CF-22FAF4B44689}"/>
+              </a:ext>
+            </a:extLst>
+          </p:cNvPr>
           <p:cNvSpPr/>
           <p:nvPr/>
         </p:nvSpPr>
         <p:spPr>
           <a:xfrm rot="5400000" flipV="1">
-            <a:off x="4175027" y="3244059"/>
+            <a:off x="3933307" y="6000939"/>
             <a:ext cx="270504" cy="175523"/>
           </a:xfrm>
           <a:prstGeom prst="triangle">
@@ -4058,62 +4211,22 @@
           </a:p>
         </p:txBody>
       </p:sp>
-      <p:cxnSp>
-        <p:nvCxnSpPr>
-          <p:cNvPr id="124" name="Elbow Connector 122"/>
-          <p:cNvCxnSpPr>
-            <a:stCxn id="50" idx="3"/>
-            <a:endCxn id="66" idx="1"/>
-          </p:cNvCxnSpPr>
-          <p:nvPr/>
-        </p:nvCxnSpPr>
-        <p:spPr>
-          <a:xfrm>
-            <a:off x="5791200" y="3331820"/>
-            <a:ext cx="228600" cy="1970"/>
-          </a:xfrm>
-          <a:prstGeom prst="bentConnector3">
-            <a:avLst>
-              <a:gd name="adj1" fmla="val 50000"/>
-            </a:avLst>
-          </a:prstGeom>
-          <a:ln w="19050">
-            <a:solidFill>
-              <a:schemeClr val="accent6">
-                <a:lumMod val="75000"/>
-              </a:schemeClr>
-            </a:solidFill>
-            <a:prstDash val="sysDot"/>
-            <a:headEnd type="none" w="med" len="med"/>
-            <a:tailEnd type="arrow" w="med" len="med"/>
-          </a:ln>
-          <a:effectLst/>
-        </p:spPr>
-        <p:style>
-          <a:lnRef idx="1">
-            <a:schemeClr val="accent2"/>
-          </a:lnRef>
-          <a:fillRef idx="2">
-            <a:schemeClr val="accent2"/>
-          </a:fillRef>
-          <a:effectRef idx="1">
-            <a:schemeClr val="accent2"/>
-          </a:effectRef>
-          <a:fontRef idx="minor">
-            <a:schemeClr val="dk1"/>
-          </a:fontRef>
-        </p:style>
-      </p:cxnSp>
-      <p:sp>
-        <p:nvSpPr>
-          <p:cNvPr id="50" name="Rectangle 8"/>
+      <p:sp>
+        <p:nvSpPr>
+          <p:cNvPr id="38" name="Rectangle 8">
+            <a:extLst>
+              <a:ext uri="{FF2B5EF4-FFF2-40B4-BE49-F238E27FC236}">
+                <a16:creationId xmlns:a16="http://schemas.microsoft.com/office/drawing/2014/main" id="{D83159E0-399E-9B4A-B118-74D9F7BA1831}"/>
+              </a:ext>
+            </a:extLst>
+          </p:cNvPr>
           <p:cNvSpPr/>
           <p:nvPr/>
         </p:nvSpPr>
         <p:spPr>
           <a:xfrm>
-            <a:off x="4621365" y="3158440"/>
-            <a:ext cx="1169835" cy="346760"/>
+            <a:off x="4379645" y="5796932"/>
+            <a:ext cx="2097355" cy="756268"/>
           </a:xfrm>
           <a:prstGeom prst="rect">
             <a:avLst/>
@@ -4148,7 +4261,7 @@
                   </a:schemeClr>
                 </a:solidFill>
               </a:rPr>
-              <a:t>JsonAddressBook</a:t>
+              <a:t>JsonHotelManagementSystem</a:t>
             </a:r>
             <a:br>
               <a:rPr lang="en-US" sz="1050" b="1" dirty="0">
@@ -4181,13 +4294,19 @@
       </p:sp>
       <p:sp>
         <p:nvSpPr>
-          <p:cNvPr id="52" name="Rectangle 8"/>
+          <p:cNvPr id="39" name="Rectangle 8">
+            <a:extLst>
+              <a:ext uri="{FF2B5EF4-FFF2-40B4-BE49-F238E27FC236}">
+                <a16:creationId xmlns:a16="http://schemas.microsoft.com/office/drawing/2014/main" id="{BE827559-4F3B-E64C-84E8-9145FED76DBD}"/>
+              </a:ext>
+            </a:extLst>
+          </p:cNvPr>
           <p:cNvSpPr/>
           <p:nvPr/>
         </p:nvSpPr>
         <p:spPr>
           <a:xfrm>
-            <a:off x="2873943" y="2558040"/>
+            <a:off x="2632223" y="5314920"/>
             <a:ext cx="1323049" cy="346760"/>
           </a:xfrm>
           <a:prstGeom prst="rect">
@@ -4259,16 +4378,22 @@
       </p:sp>
       <p:cxnSp>
         <p:nvCxnSpPr>
-          <p:cNvPr id="54" name="Straight Arrow Connector 53"/>
+          <p:cNvPr id="40" name="Straight Arrow Connector 39">
+            <a:extLst>
+              <a:ext uri="{FF2B5EF4-FFF2-40B4-BE49-F238E27FC236}">
+                <a16:creationId xmlns:a16="http://schemas.microsoft.com/office/drawing/2014/main" id="{BAEF9AAB-6FBC-B342-918B-2EDDFCD0CDC6}"/>
+              </a:ext>
+            </a:extLst>
+          </p:cNvPr>
           <p:cNvCxnSpPr>
-            <a:stCxn id="56" idx="3"/>
-            <a:endCxn id="52" idx="1"/>
+            <a:stCxn id="41" idx="3"/>
+            <a:endCxn id="39" idx="1"/>
           </p:cNvCxnSpPr>
           <p:nvPr/>
         </p:nvCxnSpPr>
         <p:spPr>
           <a:xfrm>
-            <a:off x="2653133" y="2726136"/>
+            <a:off x="2411413" y="5483016"/>
             <a:ext cx="220810" cy="5284"/>
           </a:xfrm>
           <a:prstGeom prst="straightConnector1">
@@ -4302,13 +4427,19 @@
       </p:cxnSp>
       <p:sp>
         <p:nvSpPr>
-          <p:cNvPr id="56" name="Flowchart: Decision 96"/>
+          <p:cNvPr id="41" name="Flowchart: Decision 96">
+            <a:extLst>
+              <a:ext uri="{FF2B5EF4-FFF2-40B4-BE49-F238E27FC236}">
+                <a16:creationId xmlns:a16="http://schemas.microsoft.com/office/drawing/2014/main" id="{913F6E2E-B252-4449-B5BF-A769CD7CBA80}"/>
+              </a:ext>
+            </a:extLst>
+          </p:cNvPr>
           <p:cNvSpPr/>
           <p:nvPr/>
         </p:nvSpPr>
         <p:spPr>
           <a:xfrm>
-            <a:off x="2417085" y="2639446"/>
+            <a:off x="2175365" y="5396326"/>
             <a:ext cx="236048" cy="173380"/>
           </a:xfrm>
           <a:prstGeom prst="flowChartDecision">
@@ -4353,16 +4484,22 @@
       </p:sp>
       <p:cxnSp>
         <p:nvCxnSpPr>
-          <p:cNvPr id="60" name="Elbow Connector 63"/>
+          <p:cNvPr id="43" name="Elbow Connector 63">
+            <a:extLst>
+              <a:ext uri="{FF2B5EF4-FFF2-40B4-BE49-F238E27FC236}">
+                <a16:creationId xmlns:a16="http://schemas.microsoft.com/office/drawing/2014/main" id="{AF8AE956-33F2-B64F-81AB-33CF7338AB88}"/>
+              </a:ext>
+            </a:extLst>
+          </p:cNvPr>
           <p:cNvCxnSpPr>
-            <a:stCxn id="61" idx="3"/>
-            <a:endCxn id="65" idx="1"/>
+            <a:stCxn id="44" idx="3"/>
+            <a:endCxn id="45" idx="1"/>
           </p:cNvCxnSpPr>
           <p:nvPr/>
         </p:nvCxnSpPr>
         <p:spPr>
           <a:xfrm flipV="1">
-            <a:off x="4394804" y="2731420"/>
+            <a:off x="4153084" y="5488300"/>
             <a:ext cx="223324" cy="1"/>
           </a:xfrm>
           <a:prstGeom prst="bentConnector3">
@@ -4399,13 +4536,19 @@
       </p:cxnSp>
       <p:sp>
         <p:nvSpPr>
-          <p:cNvPr id="61" name="Isosceles Triangle 102"/>
+          <p:cNvPr id="44" name="Isosceles Triangle 102">
+            <a:extLst>
+              <a:ext uri="{FF2B5EF4-FFF2-40B4-BE49-F238E27FC236}">
+                <a16:creationId xmlns:a16="http://schemas.microsoft.com/office/drawing/2014/main" id="{D36B650D-DAA1-B240-BD66-7A8B6F010C83}"/>
+              </a:ext>
+            </a:extLst>
+          </p:cNvPr>
           <p:cNvSpPr/>
           <p:nvPr/>
         </p:nvSpPr>
         <p:spPr>
           <a:xfrm rot="5400000" flipV="1">
-            <a:off x="4171790" y="2643659"/>
+            <a:off x="3930070" y="5400539"/>
             <a:ext cx="270504" cy="175523"/>
           </a:xfrm>
           <a:prstGeom prst="triangle">
@@ -4454,13 +4597,19 @@
       </p:sp>
       <p:sp>
         <p:nvSpPr>
-          <p:cNvPr id="65" name="Rectangle 8"/>
+          <p:cNvPr id="45" name="Rectangle 8">
+            <a:extLst>
+              <a:ext uri="{FF2B5EF4-FFF2-40B4-BE49-F238E27FC236}">
+                <a16:creationId xmlns:a16="http://schemas.microsoft.com/office/drawing/2014/main" id="{8108B037-09E2-584B-88B6-EE19DCC2565E}"/>
+              </a:ext>
+            </a:extLst>
+          </p:cNvPr>
           <p:cNvSpPr/>
           <p:nvPr/>
         </p:nvSpPr>
         <p:spPr>
           <a:xfrm>
-            <a:off x="4618128" y="2558040"/>
+            <a:off x="4376408" y="5314920"/>
             <a:ext cx="1093635" cy="346760"/>
           </a:xfrm>
           <a:prstGeom prst="rect">
@@ -4532,14 +4681,20 @@
       </p:sp>
       <p:sp>
         <p:nvSpPr>
-          <p:cNvPr id="66" name="Rectangle 8"/>
+          <p:cNvPr id="46" name="Rectangle 8">
+            <a:extLst>
+              <a:ext uri="{FF2B5EF4-FFF2-40B4-BE49-F238E27FC236}">
+                <a16:creationId xmlns:a16="http://schemas.microsoft.com/office/drawing/2014/main" id="{3BE92C99-B9EC-FC45-B8F7-35EACA4C9ED3}"/>
+              </a:ext>
+            </a:extLst>
+          </p:cNvPr>
           <p:cNvSpPr/>
           <p:nvPr/>
         </p:nvSpPr>
         <p:spPr>
           <a:xfrm>
-            <a:off x="6019800" y="3160410"/>
-            <a:ext cx="1200707" cy="346760"/>
+            <a:off x="2355907" y="4476827"/>
+            <a:ext cx="4508384" cy="500175"/>
           </a:xfrm>
           <a:prstGeom prst="rect">
             <a:avLst/>
@@ -4586,14 +4741,14 @@
               </a:rPr>
             </a:br>
             <a:r>
-              <a:rPr lang="en-US" sz="1050" b="1" dirty="0" err="1">
+              <a:rPr lang="en-US" sz="1050" b="1" dirty="0">
                 <a:solidFill>
                   <a:schemeClr val="accent6">
                     <a:lumMod val="75000"/>
                   </a:schemeClr>
                 </a:solidFill>
               </a:rPr>
-              <a:t>AddressBook</a:t>
+              <a:t>HotelManagementSystem</a:t>
             </a:r>
             <a:endParaRPr lang="en-SG" sz="1050" b="1" dirty="0">
               <a:solidFill>
@@ -4605,31 +4760,27 @@
           </a:p>
         </p:txBody>
       </p:sp>
-      <p:cxnSp>
-        <p:nvCxnSpPr>
-          <p:cNvPr id="70" name="Elbow Connector 122"/>
-          <p:cNvCxnSpPr>
-            <a:cxnSpLocks/>
-            <a:stCxn id="74" idx="0"/>
-            <a:endCxn id="73" idx="2"/>
-          </p:cNvCxnSpPr>
+      <p:sp>
+        <p:nvSpPr>
+          <p:cNvPr id="63" name="Rectangle 8">
+            <a:extLst>
+              <a:ext uri="{FF2B5EF4-FFF2-40B4-BE49-F238E27FC236}">
+                <a16:creationId xmlns:a16="http://schemas.microsoft.com/office/drawing/2014/main" id="{822B8747-816A-AB4A-B940-5ECE3E419419}"/>
+              </a:ext>
+            </a:extLst>
+          </p:cNvPr>
+          <p:cNvSpPr/>
           <p:nvPr/>
-        </p:nvCxnSpPr>
-        <p:spPr>
-          <a:xfrm rot="16200000" flipV="1">
-            <a:off x="8077993" y="2992019"/>
-            <a:ext cx="335208" cy="1"/>
-          </a:xfrm>
-          <a:prstGeom prst="bentConnector3">
-            <a:avLst>
-              <a:gd name="adj1" fmla="val 50000"/>
-            </a:avLst>
+        </p:nvSpPr>
+        <p:spPr>
+          <a:xfrm>
+            <a:off x="429065" y="2345089"/>
+            <a:ext cx="1664468" cy="304800"/>
+          </a:xfrm>
+          <a:prstGeom prst="rect">
+            <a:avLst/>
           </a:prstGeom>
-          <a:ln w="19050">
-            <a:prstDash val="sysDot"/>
-            <a:headEnd type="none" w="med" len="med"/>
-            <a:tailEnd type="arrow" w="med" len="med"/>
-          </a:ln>
+          <a:ln w="19050"/>
           <a:effectLst/>
         </p:spPr>
         <p:style>
@@ -4646,17 +4797,47 @@
             <a:schemeClr val="dk1"/>
           </a:fontRef>
         </p:style>
-      </p:cxnSp>
-      <p:sp>
-        <p:nvSpPr>
-          <p:cNvPr id="73" name="Rectangle 8"/>
+        <p:txBody>
+          <a:bodyPr rtlCol="0" anchor="ctr"/>
+          <a:lstStyle/>
+          <a:p>
+            <a:pPr algn="ctr"/>
+            <a:r>
+              <a:rPr lang="en-US" sz="1050" b="1" dirty="0" err="1">
+                <a:solidFill>
+                  <a:schemeClr val="accent6">
+                    <a:lumMod val="75000"/>
+                  </a:schemeClr>
+                </a:solidFill>
+              </a:rPr>
+              <a:t>JsonAdaptedRoomType</a:t>
+            </a:r>
+            <a:endParaRPr lang="en-SG" sz="1050" b="1" dirty="0">
+              <a:solidFill>
+                <a:schemeClr val="accent6">
+                  <a:lumMod val="75000"/>
+                </a:schemeClr>
+              </a:solidFill>
+            </a:endParaRPr>
+          </a:p>
+        </p:txBody>
+      </p:sp>
+      <p:sp>
+        <p:nvSpPr>
+          <p:cNvPr id="64" name="Rectangle 8">
+            <a:extLst>
+              <a:ext uri="{FF2B5EF4-FFF2-40B4-BE49-F238E27FC236}">
+                <a16:creationId xmlns:a16="http://schemas.microsoft.com/office/drawing/2014/main" id="{910E52B0-AEAA-B646-AC1B-13114347ACC5}"/>
+              </a:ext>
+            </a:extLst>
+          </p:cNvPr>
           <p:cNvSpPr/>
           <p:nvPr/>
         </p:nvSpPr>
         <p:spPr>
           <a:xfrm>
-            <a:off x="7615736" y="2477656"/>
-            <a:ext cx="1259719" cy="346760"/>
+            <a:off x="2711940" y="2346417"/>
+            <a:ext cx="1664468" cy="304800"/>
           </a:xfrm>
           <a:prstGeom prst="rect">
             <a:avLst/>
@@ -4691,7 +4872,7 @@
                   </a:schemeClr>
                 </a:solidFill>
               </a:rPr>
-              <a:t>JsonAdaptedTag</a:t>
+              <a:t>JsonAdaptedDateRange</a:t>
             </a:r>
             <a:endParaRPr lang="en-SG" sz="1050" b="1" dirty="0">
               <a:solidFill>
@@ -4705,14 +4886,20 @@
       </p:sp>
       <p:sp>
         <p:nvSpPr>
-          <p:cNvPr id="74" name="Rectangle 8"/>
+          <p:cNvPr id="67" name="Rectangle 8">
+            <a:extLst>
+              <a:ext uri="{FF2B5EF4-FFF2-40B4-BE49-F238E27FC236}">
+                <a16:creationId xmlns:a16="http://schemas.microsoft.com/office/drawing/2014/main" id="{85E231AB-9811-DE42-8D57-EBE742332CF0}"/>
+              </a:ext>
+            </a:extLst>
+          </p:cNvPr>
           <p:cNvSpPr/>
           <p:nvPr/>
         </p:nvSpPr>
         <p:spPr>
           <a:xfrm>
-            <a:off x="7615738" y="3159624"/>
-            <a:ext cx="1259718" cy="346760"/>
+            <a:off x="4867961" y="2345089"/>
+            <a:ext cx="1664468" cy="304800"/>
           </a:xfrm>
           <a:prstGeom prst="rect">
             <a:avLst/>
@@ -4740,16 +4927,16 @@
           <a:p>
             <a:pPr algn="ctr"/>
             <a:r>
-              <a:rPr lang="en-US" sz="1030" b="1" dirty="0" err="1">
+              <a:rPr lang="en-US" sz="1050" b="1" dirty="0" err="1">
                 <a:solidFill>
                   <a:schemeClr val="accent6">
                     <a:lumMod val="75000"/>
                   </a:schemeClr>
                 </a:solidFill>
               </a:rPr>
-              <a:t>JsonAdaptedPerson</a:t>
-            </a:r>
-            <a:endParaRPr lang="en-SG" sz="1030" b="1" dirty="0">
+              <a:t>JsonAdaptedCustomer</a:t>
+            </a:r>
+            <a:endParaRPr lang="en-SG" sz="1050" b="1" dirty="0">
               <a:solidFill>
                 <a:schemeClr val="accent6">
                   <a:lumMod val="75000"/>
@@ -4759,30 +4946,27 @@
           </a:p>
         </p:txBody>
       </p:sp>
-      <p:cxnSp>
-        <p:nvCxnSpPr>
-          <p:cNvPr id="77" name="Elbow Connector 122"/>
-          <p:cNvCxnSpPr>
-            <a:stCxn id="66" idx="3"/>
-            <a:endCxn id="74" idx="1"/>
-          </p:cNvCxnSpPr>
+      <p:sp>
+        <p:nvSpPr>
+          <p:cNvPr id="68" name="Rectangle 8">
+            <a:extLst>
+              <a:ext uri="{FF2B5EF4-FFF2-40B4-BE49-F238E27FC236}">
+                <a16:creationId xmlns:a16="http://schemas.microsoft.com/office/drawing/2014/main" id="{67778776-A634-2F42-B743-B8E9502E9F1D}"/>
+              </a:ext>
+            </a:extLst>
+          </p:cNvPr>
+          <p:cNvSpPr/>
           <p:nvPr/>
-        </p:nvCxnSpPr>
-        <p:spPr>
-          <a:xfrm flipV="1">
-            <a:off x="7220507" y="3333004"/>
-            <a:ext cx="395231" cy="786"/>
-          </a:xfrm>
-          <a:prstGeom prst="bentConnector3">
-            <a:avLst>
-              <a:gd name="adj1" fmla="val 50000"/>
-            </a:avLst>
+        </p:nvSpPr>
+        <p:spPr>
+          <a:xfrm>
+            <a:off x="7091847" y="2342370"/>
+            <a:ext cx="1664468" cy="304800"/>
+          </a:xfrm>
+          <a:prstGeom prst="rect">
+            <a:avLst/>
           </a:prstGeom>
-          <a:ln w="19050">
-            <a:prstDash val="sysDot"/>
-            <a:headEnd type="none" w="med" len="med"/>
-            <a:tailEnd type="arrow" w="med" len="med"/>
-          </a:ln>
+          <a:ln w="19050"/>
           <a:effectLst/>
         </p:spPr>
         <p:style>
@@ -4799,7 +4983,2075 @@
             <a:schemeClr val="dk1"/>
           </a:fontRef>
         </p:style>
+        <p:txBody>
+          <a:bodyPr rtlCol="0" anchor="ctr"/>
+          <a:lstStyle/>
+          <a:p>
+            <a:pPr algn="ctr"/>
+            <a:r>
+              <a:rPr lang="en-US" sz="1050" b="1" dirty="0" err="1">
+                <a:solidFill>
+                  <a:schemeClr val="accent6">
+                    <a:lumMod val="75000"/>
+                  </a:schemeClr>
+                </a:solidFill>
+              </a:rPr>
+              <a:t>JsonAdaptedServiceType</a:t>
+            </a:r>
+            <a:endParaRPr lang="en-SG" sz="1050" b="1" dirty="0">
+              <a:solidFill>
+                <a:schemeClr val="accent6">
+                  <a:lumMod val="75000"/>
+                </a:schemeClr>
+              </a:solidFill>
+            </a:endParaRPr>
+          </a:p>
+        </p:txBody>
+      </p:sp>
+      <p:sp>
+        <p:nvSpPr>
+          <p:cNvPr id="71" name="Rectangle 8">
+            <a:extLst>
+              <a:ext uri="{FF2B5EF4-FFF2-40B4-BE49-F238E27FC236}">
+                <a16:creationId xmlns:a16="http://schemas.microsoft.com/office/drawing/2014/main" id="{AA8B1A21-A5C5-8B41-B820-6C9095FB9E61}"/>
+              </a:ext>
+            </a:extLst>
+          </p:cNvPr>
+          <p:cNvSpPr/>
+          <p:nvPr/>
+        </p:nvSpPr>
+        <p:spPr>
+          <a:xfrm>
+            <a:off x="5322289" y="3467100"/>
+            <a:ext cx="2372461" cy="304800"/>
+          </a:xfrm>
+          <a:prstGeom prst="rect">
+            <a:avLst/>
+          </a:prstGeom>
+          <a:ln w="19050"/>
+          <a:effectLst/>
+        </p:spPr>
+        <p:style>
+          <a:lnRef idx="1">
+            <a:schemeClr val="accent6"/>
+          </a:lnRef>
+          <a:fillRef idx="2">
+            <a:schemeClr val="accent6"/>
+          </a:fillRef>
+          <a:effectRef idx="1">
+            <a:schemeClr val="accent6"/>
+          </a:effectRef>
+          <a:fontRef idx="minor">
+            <a:schemeClr val="dk1"/>
+          </a:fontRef>
+        </p:style>
+        <p:txBody>
+          <a:bodyPr rtlCol="0" anchor="ctr"/>
+          <a:lstStyle/>
+          <a:p>
+            <a:pPr algn="ctr"/>
+            <a:r>
+              <a:rPr lang="en-US" sz="1050" b="1" dirty="0" err="1">
+                <a:solidFill>
+                  <a:schemeClr val="accent6">
+                    <a:lumMod val="75000"/>
+                  </a:schemeClr>
+                </a:solidFill>
+              </a:rPr>
+              <a:t>JsonAdaptedBooking</a:t>
+            </a:r>
+            <a:endParaRPr lang="en-SG" sz="1050" b="1" dirty="0">
+              <a:solidFill>
+                <a:schemeClr val="accent6">
+                  <a:lumMod val="75000"/>
+                </a:schemeClr>
+              </a:solidFill>
+            </a:endParaRPr>
+          </a:p>
+        </p:txBody>
+      </p:sp>
+      <p:sp>
+        <p:nvSpPr>
+          <p:cNvPr id="72" name="Rectangle 8">
+            <a:extLst>
+              <a:ext uri="{FF2B5EF4-FFF2-40B4-BE49-F238E27FC236}">
+                <a16:creationId xmlns:a16="http://schemas.microsoft.com/office/drawing/2014/main" id="{F9FCEF47-B628-A74E-A3DA-B5715B053261}"/>
+              </a:ext>
+            </a:extLst>
+          </p:cNvPr>
+          <p:cNvSpPr/>
+          <p:nvPr/>
+        </p:nvSpPr>
+        <p:spPr>
+          <a:xfrm>
+            <a:off x="1608204" y="3475823"/>
+            <a:ext cx="2349653" cy="304800"/>
+          </a:xfrm>
+          <a:prstGeom prst="rect">
+            <a:avLst/>
+          </a:prstGeom>
+          <a:ln w="19050"/>
+          <a:effectLst/>
+        </p:spPr>
+        <p:style>
+          <a:lnRef idx="1">
+            <a:schemeClr val="accent6"/>
+          </a:lnRef>
+          <a:fillRef idx="2">
+            <a:schemeClr val="accent6"/>
+          </a:fillRef>
+          <a:effectRef idx="1">
+            <a:schemeClr val="accent6"/>
+          </a:effectRef>
+          <a:fontRef idx="minor">
+            <a:schemeClr val="dk1"/>
+          </a:fontRef>
+        </p:style>
+        <p:txBody>
+          <a:bodyPr rtlCol="0" anchor="ctr"/>
+          <a:lstStyle/>
+          <a:p>
+            <a:pPr algn="ctr"/>
+            <a:r>
+              <a:rPr lang="en-US" sz="1050" b="1" dirty="0" err="1">
+                <a:solidFill>
+                  <a:schemeClr val="accent6">
+                    <a:lumMod val="75000"/>
+                  </a:schemeClr>
+                </a:solidFill>
+              </a:rPr>
+              <a:t>JsonAdaptedReservation</a:t>
+            </a:r>
+            <a:endParaRPr lang="en-SG" sz="1050" b="1" dirty="0">
+              <a:solidFill>
+                <a:schemeClr val="accent6">
+                  <a:lumMod val="75000"/>
+                </a:schemeClr>
+              </a:solidFill>
+            </a:endParaRPr>
+          </a:p>
+        </p:txBody>
+      </p:sp>
+      <p:sp>
+        <p:nvSpPr>
+          <p:cNvPr id="76" name="Rectangle 8">
+            <a:extLst>
+              <a:ext uri="{FF2B5EF4-FFF2-40B4-BE49-F238E27FC236}">
+                <a16:creationId xmlns:a16="http://schemas.microsoft.com/office/drawing/2014/main" id="{8E0F0318-EC33-C54B-AE15-15ED9D319446}"/>
+              </a:ext>
+            </a:extLst>
+          </p:cNvPr>
+          <p:cNvSpPr/>
+          <p:nvPr/>
+        </p:nvSpPr>
+        <p:spPr>
+          <a:xfrm>
+            <a:off x="4191971" y="1375478"/>
+            <a:ext cx="1664468" cy="304800"/>
+          </a:xfrm>
+          <a:prstGeom prst="rect">
+            <a:avLst/>
+          </a:prstGeom>
+          <a:ln w="19050"/>
+          <a:effectLst/>
+        </p:spPr>
+        <p:style>
+          <a:lnRef idx="1">
+            <a:schemeClr val="accent6"/>
+          </a:lnRef>
+          <a:fillRef idx="2">
+            <a:schemeClr val="accent6"/>
+          </a:fillRef>
+          <a:effectRef idx="1">
+            <a:schemeClr val="accent6"/>
+          </a:effectRef>
+          <a:fontRef idx="minor">
+            <a:schemeClr val="dk1"/>
+          </a:fontRef>
+        </p:style>
+        <p:txBody>
+          <a:bodyPr rtlCol="0" anchor="ctr"/>
+          <a:lstStyle/>
+          <a:p>
+            <a:pPr algn="ctr"/>
+            <a:r>
+              <a:rPr lang="en-US" sz="1050" b="1" dirty="0" err="1">
+                <a:solidFill>
+                  <a:schemeClr val="accent6">
+                    <a:lumMod val="75000"/>
+                  </a:schemeClr>
+                </a:solidFill>
+              </a:rPr>
+              <a:t>JsonAdaptedTag</a:t>
+            </a:r>
+            <a:endParaRPr lang="en-SG" sz="1050" b="1" dirty="0">
+              <a:solidFill>
+                <a:schemeClr val="accent6">
+                  <a:lumMod val="75000"/>
+                </a:schemeClr>
+              </a:solidFill>
+            </a:endParaRPr>
+          </a:p>
+        </p:txBody>
+      </p:sp>
+      <p:sp>
+        <p:nvSpPr>
+          <p:cNvPr id="78" name="Rectangle 8">
+            <a:extLst>
+              <a:ext uri="{FF2B5EF4-FFF2-40B4-BE49-F238E27FC236}">
+                <a16:creationId xmlns:a16="http://schemas.microsoft.com/office/drawing/2014/main" id="{BA4D2FC4-C6E6-4A45-88C7-6A4721A4389E}"/>
+              </a:ext>
+            </a:extLst>
+          </p:cNvPr>
+          <p:cNvSpPr/>
+          <p:nvPr/>
+        </p:nvSpPr>
+        <p:spPr>
+          <a:xfrm>
+            <a:off x="6553684" y="1375478"/>
+            <a:ext cx="1664468" cy="323889"/>
+          </a:xfrm>
+          <a:prstGeom prst="rect">
+            <a:avLst/>
+          </a:prstGeom>
+          <a:ln w="19050"/>
+          <a:effectLst/>
+        </p:spPr>
+        <p:style>
+          <a:lnRef idx="1">
+            <a:schemeClr val="accent6"/>
+          </a:lnRef>
+          <a:fillRef idx="2">
+            <a:schemeClr val="accent6"/>
+          </a:fillRef>
+          <a:effectRef idx="1">
+            <a:schemeClr val="accent6"/>
+          </a:effectRef>
+          <a:fontRef idx="minor">
+            <a:schemeClr val="dk1"/>
+          </a:fontRef>
+        </p:style>
+        <p:txBody>
+          <a:bodyPr rtlCol="0" anchor="ctr"/>
+          <a:lstStyle/>
+          <a:p>
+            <a:pPr algn="ctr"/>
+            <a:r>
+              <a:rPr lang="en-US" sz="1050" b="1" dirty="0" err="1">
+                <a:solidFill>
+                  <a:schemeClr val="accent6">
+                    <a:lumMod val="75000"/>
+                  </a:schemeClr>
+                </a:solidFill>
+              </a:rPr>
+              <a:t>JsonAdaptedTimeRange</a:t>
+            </a:r>
+            <a:endParaRPr lang="en-SG" sz="1050" b="1" dirty="0">
+              <a:solidFill>
+                <a:schemeClr val="accent6">
+                  <a:lumMod val="75000"/>
+                </a:schemeClr>
+              </a:solidFill>
+            </a:endParaRPr>
+          </a:p>
+        </p:txBody>
+      </p:sp>
+      <p:sp>
+        <p:nvSpPr>
+          <p:cNvPr id="17" name="Diamond 16">
+            <a:extLst>
+              <a:ext uri="{FF2B5EF4-FFF2-40B4-BE49-F238E27FC236}">
+                <a16:creationId xmlns:a16="http://schemas.microsoft.com/office/drawing/2014/main" id="{305997C9-476D-224C-9E24-5BCCB9A93499}"/>
+              </a:ext>
+            </a:extLst>
+          </p:cNvPr>
+          <p:cNvSpPr/>
+          <p:nvPr/>
+        </p:nvSpPr>
+        <p:spPr>
+          <a:xfrm>
+            <a:off x="4498637" y="4138909"/>
+            <a:ext cx="222923" cy="318209"/>
+          </a:xfrm>
+          <a:prstGeom prst="diamond">
+            <a:avLst/>
+          </a:prstGeom>
+        </p:spPr>
+        <p:style>
+          <a:lnRef idx="1">
+            <a:schemeClr val="accent6"/>
+          </a:lnRef>
+          <a:fillRef idx="2">
+            <a:schemeClr val="accent6"/>
+          </a:fillRef>
+          <a:effectRef idx="1">
+            <a:schemeClr val="accent6"/>
+          </a:effectRef>
+          <a:fontRef idx="minor">
+            <a:schemeClr val="dk1"/>
+          </a:fontRef>
+        </p:style>
+        <p:txBody>
+          <a:bodyPr rtlCol="0" anchor="ctr"/>
+          <a:lstStyle/>
+          <a:p>
+            <a:pPr algn="ctr"/>
+            <a:endParaRPr lang="en-US" dirty="0"/>
+          </a:p>
+        </p:txBody>
+      </p:sp>
+      <p:sp>
+        <p:nvSpPr>
+          <p:cNvPr id="79" name="Diamond 78">
+            <a:extLst>
+              <a:ext uri="{FF2B5EF4-FFF2-40B4-BE49-F238E27FC236}">
+                <a16:creationId xmlns:a16="http://schemas.microsoft.com/office/drawing/2014/main" id="{3F193B4B-A358-1E49-AD60-F2F89961F10C}"/>
+              </a:ext>
+            </a:extLst>
+          </p:cNvPr>
+          <p:cNvSpPr/>
+          <p:nvPr/>
+        </p:nvSpPr>
+        <p:spPr>
+          <a:xfrm>
+            <a:off x="3403739" y="4144320"/>
+            <a:ext cx="222923" cy="318209"/>
+          </a:xfrm>
+          <a:prstGeom prst="diamond">
+            <a:avLst/>
+          </a:prstGeom>
+        </p:spPr>
+        <p:style>
+          <a:lnRef idx="1">
+            <a:schemeClr val="accent6"/>
+          </a:lnRef>
+          <a:fillRef idx="2">
+            <a:schemeClr val="accent6"/>
+          </a:fillRef>
+          <a:effectRef idx="1">
+            <a:schemeClr val="accent6"/>
+          </a:effectRef>
+          <a:fontRef idx="minor">
+            <a:schemeClr val="dk1"/>
+          </a:fontRef>
+        </p:style>
+        <p:txBody>
+          <a:bodyPr rtlCol="0" anchor="ctr"/>
+          <a:lstStyle/>
+          <a:p>
+            <a:pPr algn="ctr"/>
+            <a:endParaRPr lang="en-US" dirty="0"/>
+          </a:p>
+        </p:txBody>
+      </p:sp>
+      <p:sp>
+        <p:nvSpPr>
+          <p:cNvPr id="80" name="Diamond 79">
+            <a:extLst>
+              <a:ext uri="{FF2B5EF4-FFF2-40B4-BE49-F238E27FC236}">
+                <a16:creationId xmlns:a16="http://schemas.microsoft.com/office/drawing/2014/main" id="{23D68FC4-38FB-6542-9689-843DC65B4E13}"/>
+              </a:ext>
+            </a:extLst>
+          </p:cNvPr>
+          <p:cNvSpPr/>
+          <p:nvPr/>
+        </p:nvSpPr>
+        <p:spPr>
+          <a:xfrm>
+            <a:off x="5549517" y="4133856"/>
+            <a:ext cx="222923" cy="318209"/>
+          </a:xfrm>
+          <a:prstGeom prst="diamond">
+            <a:avLst/>
+          </a:prstGeom>
+        </p:spPr>
+        <p:style>
+          <a:lnRef idx="1">
+            <a:schemeClr val="accent6"/>
+          </a:lnRef>
+          <a:fillRef idx="2">
+            <a:schemeClr val="accent6"/>
+          </a:fillRef>
+          <a:effectRef idx="1">
+            <a:schemeClr val="accent6"/>
+          </a:effectRef>
+          <a:fontRef idx="minor">
+            <a:schemeClr val="dk1"/>
+          </a:fontRef>
+        </p:style>
+        <p:txBody>
+          <a:bodyPr rtlCol="0" anchor="ctr"/>
+          <a:lstStyle/>
+          <a:p>
+            <a:pPr algn="ctr"/>
+            <a:endParaRPr lang="en-US" dirty="0"/>
+          </a:p>
+        </p:txBody>
+      </p:sp>
+      <p:sp>
+        <p:nvSpPr>
+          <p:cNvPr id="81" name="Diamond 80">
+            <a:extLst>
+              <a:ext uri="{FF2B5EF4-FFF2-40B4-BE49-F238E27FC236}">
+                <a16:creationId xmlns:a16="http://schemas.microsoft.com/office/drawing/2014/main" id="{918F2C64-DDAD-AF49-A721-D32AF0B619A4}"/>
+              </a:ext>
+            </a:extLst>
+          </p:cNvPr>
+          <p:cNvSpPr/>
+          <p:nvPr/>
+        </p:nvSpPr>
+        <p:spPr>
+          <a:xfrm>
+            <a:off x="2375717" y="4148763"/>
+            <a:ext cx="222923" cy="318209"/>
+          </a:xfrm>
+          <a:prstGeom prst="diamond">
+            <a:avLst/>
+          </a:prstGeom>
+        </p:spPr>
+        <p:style>
+          <a:lnRef idx="1">
+            <a:schemeClr val="accent6"/>
+          </a:lnRef>
+          <a:fillRef idx="2">
+            <a:schemeClr val="accent6"/>
+          </a:fillRef>
+          <a:effectRef idx="1">
+            <a:schemeClr val="accent6"/>
+          </a:effectRef>
+          <a:fontRef idx="minor">
+            <a:schemeClr val="dk1"/>
+          </a:fontRef>
+        </p:style>
+        <p:txBody>
+          <a:bodyPr rtlCol="0" anchor="ctr"/>
+          <a:lstStyle/>
+          <a:p>
+            <a:pPr algn="ctr"/>
+            <a:endParaRPr lang="en-US" dirty="0"/>
+          </a:p>
+        </p:txBody>
+      </p:sp>
+      <p:sp>
+        <p:nvSpPr>
+          <p:cNvPr id="82" name="Diamond 81">
+            <a:extLst>
+              <a:ext uri="{FF2B5EF4-FFF2-40B4-BE49-F238E27FC236}">
+                <a16:creationId xmlns:a16="http://schemas.microsoft.com/office/drawing/2014/main" id="{D9284097-0FBF-434E-AA69-574835A83BC2}"/>
+              </a:ext>
+            </a:extLst>
+          </p:cNvPr>
+          <p:cNvSpPr/>
+          <p:nvPr/>
+        </p:nvSpPr>
+        <p:spPr>
+          <a:xfrm>
+            <a:off x="2671568" y="3136069"/>
+            <a:ext cx="222923" cy="318209"/>
+          </a:xfrm>
+          <a:prstGeom prst="diamond">
+            <a:avLst/>
+          </a:prstGeom>
+        </p:spPr>
+        <p:style>
+          <a:lnRef idx="1">
+            <a:schemeClr val="accent6"/>
+          </a:lnRef>
+          <a:fillRef idx="2">
+            <a:schemeClr val="accent6"/>
+          </a:fillRef>
+          <a:effectRef idx="1">
+            <a:schemeClr val="accent6"/>
+          </a:effectRef>
+          <a:fontRef idx="minor">
+            <a:schemeClr val="dk1"/>
+          </a:fontRef>
+        </p:style>
+        <p:txBody>
+          <a:bodyPr rtlCol="0" anchor="ctr"/>
+          <a:lstStyle/>
+          <a:p>
+            <a:pPr algn="ctr"/>
+            <a:endParaRPr lang="en-US" dirty="0"/>
+          </a:p>
+        </p:txBody>
+      </p:sp>
+      <p:sp>
+        <p:nvSpPr>
+          <p:cNvPr id="83" name="Diamond 82">
+            <a:extLst>
+              <a:ext uri="{FF2B5EF4-FFF2-40B4-BE49-F238E27FC236}">
+                <a16:creationId xmlns:a16="http://schemas.microsoft.com/office/drawing/2014/main" id="{01516FA8-E711-A540-BF7D-C106E149F386}"/>
+              </a:ext>
+            </a:extLst>
+          </p:cNvPr>
+          <p:cNvSpPr/>
+          <p:nvPr/>
+        </p:nvSpPr>
+        <p:spPr>
+          <a:xfrm>
+            <a:off x="6532429" y="4144319"/>
+            <a:ext cx="222923" cy="318209"/>
+          </a:xfrm>
+          <a:prstGeom prst="diamond">
+            <a:avLst/>
+          </a:prstGeom>
+        </p:spPr>
+        <p:style>
+          <a:lnRef idx="1">
+            <a:schemeClr val="accent6"/>
+          </a:lnRef>
+          <a:fillRef idx="2">
+            <a:schemeClr val="accent6"/>
+          </a:fillRef>
+          <a:effectRef idx="1">
+            <a:schemeClr val="accent6"/>
+          </a:effectRef>
+          <a:fontRef idx="minor">
+            <a:schemeClr val="dk1"/>
+          </a:fontRef>
+        </p:style>
+        <p:txBody>
+          <a:bodyPr rtlCol="0" anchor="ctr"/>
+          <a:lstStyle/>
+          <a:p>
+            <a:pPr algn="ctr"/>
+            <a:endParaRPr lang="en-US" dirty="0"/>
+          </a:p>
+        </p:txBody>
+      </p:sp>
+      <p:cxnSp>
+        <p:nvCxnSpPr>
+          <p:cNvPr id="20" name="Elbow Connector 19">
+            <a:extLst>
+              <a:ext uri="{FF2B5EF4-FFF2-40B4-BE49-F238E27FC236}">
+                <a16:creationId xmlns:a16="http://schemas.microsoft.com/office/drawing/2014/main" id="{817146AB-7430-8847-BADE-2797BFD3FF7F}"/>
+              </a:ext>
+            </a:extLst>
+          </p:cNvPr>
+          <p:cNvCxnSpPr>
+            <a:stCxn id="81" idx="0"/>
+            <a:endCxn id="63" idx="2"/>
+          </p:cNvCxnSpPr>
+          <p:nvPr/>
+        </p:nvCxnSpPr>
+        <p:spPr>
+          <a:xfrm rot="16200000" flipV="1">
+            <a:off x="1124802" y="2786386"/>
+            <a:ext cx="1498874" cy="1225880"/>
+          </a:xfrm>
+          <a:prstGeom prst="bentConnector3">
+            <a:avLst>
+              <a:gd name="adj1" fmla="val 11566"/>
+            </a:avLst>
+          </a:prstGeom>
+          <a:ln w="9525" cap="flat" cmpd="sng" algn="ctr">
+            <a:solidFill>
+              <a:schemeClr val="accent6"/>
+            </a:solidFill>
+            <a:prstDash val="dash"/>
+            <a:round/>
+            <a:headEnd type="none" w="med" len="med"/>
+            <a:tailEnd type="stealth" w="lg" len="lg"/>
+          </a:ln>
+        </p:spPr>
+        <p:style>
+          <a:lnRef idx="0">
+            <a:scrgbClr r="0" g="0" b="0"/>
+          </a:lnRef>
+          <a:fillRef idx="0">
+            <a:scrgbClr r="0" g="0" b="0"/>
+          </a:fillRef>
+          <a:effectRef idx="0">
+            <a:scrgbClr r="0" g="0" b="0"/>
+          </a:effectRef>
+          <a:fontRef idx="minor">
+            <a:schemeClr val="tx1"/>
+          </a:fontRef>
+        </p:style>
       </p:cxnSp>
+      <p:cxnSp>
+        <p:nvCxnSpPr>
+          <p:cNvPr id="24" name="Elbow Connector 23">
+            <a:extLst>
+              <a:ext uri="{FF2B5EF4-FFF2-40B4-BE49-F238E27FC236}">
+                <a16:creationId xmlns:a16="http://schemas.microsoft.com/office/drawing/2014/main" id="{751D9DCD-4181-9941-B786-FF6CA3656C65}"/>
+              </a:ext>
+            </a:extLst>
+          </p:cNvPr>
+          <p:cNvCxnSpPr>
+            <a:stCxn id="79" idx="0"/>
+            <a:endCxn id="72" idx="2"/>
+          </p:cNvCxnSpPr>
+          <p:nvPr/>
+        </p:nvCxnSpPr>
+        <p:spPr>
+          <a:xfrm rot="16200000" flipV="1">
+            <a:off x="2967268" y="3596387"/>
+            <a:ext cx="363697" cy="732170"/>
+          </a:xfrm>
+          <a:prstGeom prst="bentConnector3">
+            <a:avLst/>
+          </a:prstGeom>
+          <a:ln w="9525" cap="flat" cmpd="sng" algn="ctr">
+            <a:solidFill>
+              <a:schemeClr val="accent6"/>
+            </a:solidFill>
+            <a:prstDash val="dash"/>
+            <a:round/>
+            <a:headEnd type="none" w="med" len="med"/>
+            <a:tailEnd type="stealth" w="lg" len="lg"/>
+          </a:ln>
+        </p:spPr>
+        <p:style>
+          <a:lnRef idx="0">
+            <a:scrgbClr r="0" g="0" b="0"/>
+          </a:lnRef>
+          <a:fillRef idx="0">
+            <a:scrgbClr r="0" g="0" b="0"/>
+          </a:fillRef>
+          <a:effectRef idx="0">
+            <a:scrgbClr r="0" g="0" b="0"/>
+          </a:effectRef>
+          <a:fontRef idx="minor">
+            <a:schemeClr val="tx1"/>
+          </a:fontRef>
+        </p:style>
+      </p:cxnSp>
+      <p:cxnSp>
+        <p:nvCxnSpPr>
+          <p:cNvPr id="53" name="Elbow Connector 52">
+            <a:extLst>
+              <a:ext uri="{FF2B5EF4-FFF2-40B4-BE49-F238E27FC236}">
+                <a16:creationId xmlns:a16="http://schemas.microsoft.com/office/drawing/2014/main" id="{67E53F6D-2B8B-4841-967F-5EEAFC59B44B}"/>
+              </a:ext>
+            </a:extLst>
+          </p:cNvPr>
+          <p:cNvCxnSpPr>
+            <a:cxnSpLocks/>
+          </p:cNvCxnSpPr>
+          <p:nvPr/>
+        </p:nvCxnSpPr>
+        <p:spPr>
+          <a:xfrm rot="5400000" flipH="1" flipV="1">
+            <a:off x="4289251" y="2969747"/>
+            <a:ext cx="1469909" cy="808238"/>
+          </a:xfrm>
+          <a:prstGeom prst="bentConnector3">
+            <a:avLst>
+              <a:gd name="adj1" fmla="val 50000"/>
+            </a:avLst>
+          </a:prstGeom>
+          <a:ln w="9525" cap="flat" cmpd="sng" algn="ctr">
+            <a:solidFill>
+              <a:schemeClr val="accent6"/>
+            </a:solidFill>
+            <a:prstDash val="dash"/>
+            <a:round/>
+            <a:headEnd type="none" w="med" len="med"/>
+            <a:tailEnd type="stealth" w="lg" len="lg"/>
+          </a:ln>
+        </p:spPr>
+        <p:style>
+          <a:lnRef idx="0">
+            <a:scrgbClr r="0" g="0" b="0"/>
+          </a:lnRef>
+          <a:fillRef idx="0">
+            <a:scrgbClr r="0" g="0" b="0"/>
+          </a:fillRef>
+          <a:effectRef idx="0">
+            <a:scrgbClr r="0" g="0" b="0"/>
+          </a:effectRef>
+          <a:fontRef idx="minor">
+            <a:schemeClr val="tx1"/>
+          </a:fontRef>
+        </p:style>
+      </p:cxnSp>
+      <p:cxnSp>
+        <p:nvCxnSpPr>
+          <p:cNvPr id="59" name="Elbow Connector 58">
+            <a:extLst>
+              <a:ext uri="{FF2B5EF4-FFF2-40B4-BE49-F238E27FC236}">
+                <a16:creationId xmlns:a16="http://schemas.microsoft.com/office/drawing/2014/main" id="{16A3EBEB-88A6-0C4D-91A2-3FB1257E4512}"/>
+              </a:ext>
+            </a:extLst>
+          </p:cNvPr>
+          <p:cNvCxnSpPr>
+            <a:stCxn id="80" idx="0"/>
+            <a:endCxn id="71" idx="2"/>
+          </p:cNvCxnSpPr>
+          <p:nvPr/>
+        </p:nvCxnSpPr>
+        <p:spPr>
+          <a:xfrm rot="5400000" flipH="1" flipV="1">
+            <a:off x="5903771" y="3529108"/>
+            <a:ext cx="361956" cy="847541"/>
+          </a:xfrm>
+          <a:prstGeom prst="bentConnector3">
+            <a:avLst/>
+          </a:prstGeom>
+          <a:ln w="9525" cap="flat" cmpd="sng" algn="ctr">
+            <a:solidFill>
+              <a:schemeClr val="accent6"/>
+            </a:solidFill>
+            <a:prstDash val="dash"/>
+            <a:round/>
+            <a:headEnd type="none" w="med" len="med"/>
+            <a:tailEnd type="stealth" w="lg" len="lg"/>
+          </a:ln>
+        </p:spPr>
+        <p:style>
+          <a:lnRef idx="0">
+            <a:scrgbClr r="0" g="0" b="0"/>
+          </a:lnRef>
+          <a:fillRef idx="0">
+            <a:scrgbClr r="0" g="0" b="0"/>
+          </a:fillRef>
+          <a:effectRef idx="0">
+            <a:scrgbClr r="0" g="0" b="0"/>
+          </a:effectRef>
+          <a:fontRef idx="minor">
+            <a:schemeClr val="tx1"/>
+          </a:fontRef>
+        </p:style>
+      </p:cxnSp>
+      <p:cxnSp>
+        <p:nvCxnSpPr>
+          <p:cNvPr id="84" name="Elbow Connector 83">
+            <a:extLst>
+              <a:ext uri="{FF2B5EF4-FFF2-40B4-BE49-F238E27FC236}">
+                <a16:creationId xmlns:a16="http://schemas.microsoft.com/office/drawing/2014/main" id="{B55E3D61-E36C-F445-8ED4-A685FE76C3F3}"/>
+              </a:ext>
+            </a:extLst>
+          </p:cNvPr>
+          <p:cNvCxnSpPr>
+            <a:cxnSpLocks/>
+            <a:stCxn id="83" idx="0"/>
+            <a:endCxn id="68" idx="2"/>
+          </p:cNvCxnSpPr>
+          <p:nvPr/>
+        </p:nvCxnSpPr>
+        <p:spPr>
+          <a:xfrm rot="5400000" flipH="1" flipV="1">
+            <a:off x="6535412" y="2755650"/>
+            <a:ext cx="1497149" cy="1280190"/>
+          </a:xfrm>
+          <a:prstGeom prst="bentConnector3">
+            <a:avLst>
+              <a:gd name="adj1" fmla="val 3582"/>
+            </a:avLst>
+          </a:prstGeom>
+          <a:ln w="9525" cap="flat" cmpd="sng" algn="ctr">
+            <a:solidFill>
+              <a:schemeClr val="accent6"/>
+            </a:solidFill>
+            <a:prstDash val="dash"/>
+            <a:round/>
+            <a:headEnd type="none" w="med" len="med"/>
+            <a:tailEnd type="stealth" w="lg" len="lg"/>
+          </a:ln>
+        </p:spPr>
+        <p:style>
+          <a:lnRef idx="0">
+            <a:scrgbClr r="0" g="0" b="0"/>
+          </a:lnRef>
+          <a:fillRef idx="0">
+            <a:scrgbClr r="0" g="0" b="0"/>
+          </a:fillRef>
+          <a:effectRef idx="0">
+            <a:scrgbClr r="0" g="0" b="0"/>
+          </a:effectRef>
+          <a:fontRef idx="minor">
+            <a:schemeClr val="tx1"/>
+          </a:fontRef>
+        </p:style>
+      </p:cxnSp>
+      <p:cxnSp>
+        <p:nvCxnSpPr>
+          <p:cNvPr id="94" name="Elbow Connector 93">
+            <a:extLst>
+              <a:ext uri="{FF2B5EF4-FFF2-40B4-BE49-F238E27FC236}">
+                <a16:creationId xmlns:a16="http://schemas.microsoft.com/office/drawing/2014/main" id="{31474A7F-E6EC-ED41-97C9-F0F2B6173E35}"/>
+              </a:ext>
+            </a:extLst>
+          </p:cNvPr>
+          <p:cNvCxnSpPr>
+            <a:stCxn id="82" idx="0"/>
+            <a:endCxn id="64" idx="2"/>
+          </p:cNvCxnSpPr>
+          <p:nvPr/>
+        </p:nvCxnSpPr>
+        <p:spPr>
+          <a:xfrm rot="5400000" flipH="1" flipV="1">
+            <a:off x="2921176" y="2513071"/>
+            <a:ext cx="484852" cy="761144"/>
+          </a:xfrm>
+          <a:prstGeom prst="bentConnector3">
+            <a:avLst/>
+          </a:prstGeom>
+          <a:ln w="9525" cap="flat" cmpd="sng" algn="ctr">
+            <a:solidFill>
+              <a:schemeClr val="accent6"/>
+            </a:solidFill>
+            <a:prstDash val="dash"/>
+            <a:round/>
+            <a:headEnd type="none" w="med" len="med"/>
+            <a:tailEnd type="stealth" w="lg" len="lg"/>
+          </a:ln>
+        </p:spPr>
+        <p:style>
+          <a:lnRef idx="0">
+            <a:scrgbClr r="0" g="0" b="0"/>
+          </a:lnRef>
+          <a:fillRef idx="0">
+            <a:scrgbClr r="0" g="0" b="0"/>
+          </a:fillRef>
+          <a:effectRef idx="0">
+            <a:scrgbClr r="0" g="0" b="0"/>
+          </a:effectRef>
+          <a:fontRef idx="minor">
+            <a:schemeClr val="tx1"/>
+          </a:fontRef>
+        </p:style>
+      </p:cxnSp>
+      <p:sp>
+        <p:nvSpPr>
+          <p:cNvPr id="101" name="Diamond 100">
+            <a:extLst>
+              <a:ext uri="{FF2B5EF4-FFF2-40B4-BE49-F238E27FC236}">
+                <a16:creationId xmlns:a16="http://schemas.microsoft.com/office/drawing/2014/main" id="{38C45B18-FB6C-E04B-8491-C360E794010A}"/>
+              </a:ext>
+            </a:extLst>
+          </p:cNvPr>
+          <p:cNvSpPr/>
+          <p:nvPr/>
+        </p:nvSpPr>
+        <p:spPr>
+          <a:xfrm>
+            <a:off x="5538564" y="3139036"/>
+            <a:ext cx="222923" cy="318209"/>
+          </a:xfrm>
+          <a:prstGeom prst="diamond">
+            <a:avLst/>
+          </a:prstGeom>
+        </p:spPr>
+        <p:style>
+          <a:lnRef idx="1">
+            <a:schemeClr val="accent6"/>
+          </a:lnRef>
+          <a:fillRef idx="2">
+            <a:schemeClr val="accent6"/>
+          </a:fillRef>
+          <a:effectRef idx="1">
+            <a:schemeClr val="accent6"/>
+          </a:effectRef>
+          <a:fontRef idx="minor">
+            <a:schemeClr val="dk1"/>
+          </a:fontRef>
+        </p:style>
+        <p:txBody>
+          <a:bodyPr rtlCol="0" anchor="ctr"/>
+          <a:lstStyle/>
+          <a:p>
+            <a:pPr algn="ctr"/>
+            <a:endParaRPr lang="en-US" dirty="0"/>
+          </a:p>
+        </p:txBody>
+      </p:sp>
+      <p:sp>
+        <p:nvSpPr>
+          <p:cNvPr id="102" name="Diamond 101">
+            <a:extLst>
+              <a:ext uri="{FF2B5EF4-FFF2-40B4-BE49-F238E27FC236}">
+                <a16:creationId xmlns:a16="http://schemas.microsoft.com/office/drawing/2014/main" id="{DCFD871D-1BB6-A24D-8D10-7B64AE609870}"/>
+              </a:ext>
+            </a:extLst>
+          </p:cNvPr>
+          <p:cNvSpPr/>
+          <p:nvPr/>
+        </p:nvSpPr>
+        <p:spPr>
+          <a:xfrm>
+            <a:off x="6433864" y="3129182"/>
+            <a:ext cx="222923" cy="318209"/>
+          </a:xfrm>
+          <a:prstGeom prst="diamond">
+            <a:avLst/>
+          </a:prstGeom>
+        </p:spPr>
+        <p:style>
+          <a:lnRef idx="1">
+            <a:schemeClr val="accent6"/>
+          </a:lnRef>
+          <a:fillRef idx="2">
+            <a:schemeClr val="accent6"/>
+          </a:fillRef>
+          <a:effectRef idx="1">
+            <a:schemeClr val="accent6"/>
+          </a:effectRef>
+          <a:fontRef idx="minor">
+            <a:schemeClr val="dk1"/>
+          </a:fontRef>
+        </p:style>
+        <p:txBody>
+          <a:bodyPr rtlCol="0" anchor="ctr"/>
+          <a:lstStyle/>
+          <a:p>
+            <a:pPr algn="ctr"/>
+            <a:endParaRPr lang="en-US" dirty="0"/>
+          </a:p>
+        </p:txBody>
+      </p:sp>
+      <p:sp>
+        <p:nvSpPr>
+          <p:cNvPr id="103" name="Diamond 102">
+            <a:extLst>
+              <a:ext uri="{FF2B5EF4-FFF2-40B4-BE49-F238E27FC236}">
+                <a16:creationId xmlns:a16="http://schemas.microsoft.com/office/drawing/2014/main" id="{30A5755D-58EA-0C48-A52D-B4AA6F2F92E3}"/>
+              </a:ext>
+            </a:extLst>
+          </p:cNvPr>
+          <p:cNvSpPr/>
+          <p:nvPr/>
+        </p:nvSpPr>
+        <p:spPr>
+          <a:xfrm>
+            <a:off x="7437079" y="3130297"/>
+            <a:ext cx="222923" cy="318209"/>
+          </a:xfrm>
+          <a:prstGeom prst="diamond">
+            <a:avLst/>
+          </a:prstGeom>
+        </p:spPr>
+        <p:style>
+          <a:lnRef idx="1">
+            <a:schemeClr val="accent6"/>
+          </a:lnRef>
+          <a:fillRef idx="2">
+            <a:schemeClr val="accent6"/>
+          </a:fillRef>
+          <a:effectRef idx="1">
+            <a:schemeClr val="accent6"/>
+          </a:effectRef>
+          <a:fontRef idx="minor">
+            <a:schemeClr val="dk1"/>
+          </a:fontRef>
+        </p:style>
+        <p:txBody>
+          <a:bodyPr rtlCol="0" anchor="ctr"/>
+          <a:lstStyle/>
+          <a:p>
+            <a:pPr algn="ctr"/>
+            <a:endParaRPr lang="en-US" dirty="0"/>
+          </a:p>
+        </p:txBody>
+      </p:sp>
+      <p:sp>
+        <p:nvSpPr>
+          <p:cNvPr id="104" name="Diamond 103">
+            <a:extLst>
+              <a:ext uri="{FF2B5EF4-FFF2-40B4-BE49-F238E27FC236}">
+                <a16:creationId xmlns:a16="http://schemas.microsoft.com/office/drawing/2014/main" id="{3CB40845-7400-3E4A-8B66-4ED1716C941D}"/>
+              </a:ext>
+            </a:extLst>
+          </p:cNvPr>
+          <p:cNvSpPr/>
+          <p:nvPr/>
+        </p:nvSpPr>
+        <p:spPr>
+          <a:xfrm>
+            <a:off x="1651316" y="3136068"/>
+            <a:ext cx="222923" cy="318209"/>
+          </a:xfrm>
+          <a:prstGeom prst="diamond">
+            <a:avLst/>
+          </a:prstGeom>
+        </p:spPr>
+        <p:style>
+          <a:lnRef idx="1">
+            <a:schemeClr val="accent6"/>
+          </a:lnRef>
+          <a:fillRef idx="2">
+            <a:schemeClr val="accent6"/>
+          </a:fillRef>
+          <a:effectRef idx="1">
+            <a:schemeClr val="accent6"/>
+          </a:effectRef>
+          <a:fontRef idx="minor">
+            <a:schemeClr val="dk1"/>
+          </a:fontRef>
+        </p:style>
+        <p:txBody>
+          <a:bodyPr rtlCol="0" anchor="ctr"/>
+          <a:lstStyle/>
+          <a:p>
+            <a:pPr algn="ctr"/>
+            <a:endParaRPr lang="en-US" dirty="0"/>
+          </a:p>
+        </p:txBody>
+      </p:sp>
+      <p:sp>
+        <p:nvSpPr>
+          <p:cNvPr id="105" name="Diamond 104">
+            <a:extLst>
+              <a:ext uri="{FF2B5EF4-FFF2-40B4-BE49-F238E27FC236}">
+                <a16:creationId xmlns:a16="http://schemas.microsoft.com/office/drawing/2014/main" id="{4EAB8D78-EA53-5544-A167-B010A6F181CB}"/>
+              </a:ext>
+            </a:extLst>
+          </p:cNvPr>
+          <p:cNvSpPr/>
+          <p:nvPr/>
+        </p:nvSpPr>
+        <p:spPr>
+          <a:xfrm>
+            <a:off x="3701508" y="3136068"/>
+            <a:ext cx="222923" cy="318209"/>
+          </a:xfrm>
+          <a:prstGeom prst="diamond">
+            <a:avLst/>
+          </a:prstGeom>
+        </p:spPr>
+        <p:style>
+          <a:lnRef idx="1">
+            <a:schemeClr val="accent6"/>
+          </a:lnRef>
+          <a:fillRef idx="2">
+            <a:schemeClr val="accent6"/>
+          </a:fillRef>
+          <a:effectRef idx="1">
+            <a:schemeClr val="accent6"/>
+          </a:effectRef>
+          <a:fontRef idx="minor">
+            <a:schemeClr val="dk1"/>
+          </a:fontRef>
+        </p:style>
+        <p:txBody>
+          <a:bodyPr rtlCol="0" anchor="ctr"/>
+          <a:lstStyle/>
+          <a:p>
+            <a:pPr algn="ctr"/>
+            <a:endParaRPr lang="en-US" dirty="0"/>
+          </a:p>
+        </p:txBody>
+      </p:sp>
+      <p:cxnSp>
+        <p:nvCxnSpPr>
+          <p:cNvPr id="106" name="Elbow Connector 105">
+            <a:extLst>
+              <a:ext uri="{FF2B5EF4-FFF2-40B4-BE49-F238E27FC236}">
+                <a16:creationId xmlns:a16="http://schemas.microsoft.com/office/drawing/2014/main" id="{C75D971B-D24A-5344-91F4-240258E3C684}"/>
+              </a:ext>
+            </a:extLst>
+          </p:cNvPr>
+          <p:cNvCxnSpPr>
+            <a:stCxn id="104" idx="0"/>
+          </p:cNvCxnSpPr>
+          <p:nvPr/>
+        </p:nvCxnSpPr>
+        <p:spPr>
+          <a:xfrm rot="16200000" flipV="1">
+            <a:off x="1520038" y="2893328"/>
+            <a:ext cx="469189" cy="16292"/>
+          </a:xfrm>
+          <a:prstGeom prst="bentConnector3">
+            <a:avLst/>
+          </a:prstGeom>
+          <a:ln w="9525" cap="flat" cmpd="sng" algn="ctr">
+            <a:solidFill>
+              <a:schemeClr val="accent6"/>
+            </a:solidFill>
+            <a:prstDash val="dash"/>
+            <a:round/>
+            <a:headEnd type="none" w="med" len="med"/>
+            <a:tailEnd type="stealth" w="lg" len="lg"/>
+          </a:ln>
+        </p:spPr>
+        <p:style>
+          <a:lnRef idx="0">
+            <a:scrgbClr r="0" g="0" b="0"/>
+          </a:lnRef>
+          <a:fillRef idx="0">
+            <a:scrgbClr r="0" g="0" b="0"/>
+          </a:fillRef>
+          <a:effectRef idx="0">
+            <a:scrgbClr r="0" g="0" b="0"/>
+          </a:effectRef>
+          <a:fontRef idx="minor">
+            <a:schemeClr val="tx1"/>
+          </a:fontRef>
+        </p:style>
+      </p:cxnSp>
+      <p:cxnSp>
+        <p:nvCxnSpPr>
+          <p:cNvPr id="108" name="Elbow Connector 107">
+            <a:extLst>
+              <a:ext uri="{FF2B5EF4-FFF2-40B4-BE49-F238E27FC236}">
+                <a16:creationId xmlns:a16="http://schemas.microsoft.com/office/drawing/2014/main" id="{3D0299E2-6CB7-5F4C-913D-BDC44AC5628A}"/>
+              </a:ext>
+            </a:extLst>
+          </p:cNvPr>
+          <p:cNvCxnSpPr>
+            <a:cxnSpLocks/>
+            <a:stCxn id="101" idx="0"/>
+          </p:cNvCxnSpPr>
+          <p:nvPr/>
+        </p:nvCxnSpPr>
+        <p:spPr>
+          <a:xfrm rot="5400000" flipH="1" flipV="1">
+            <a:off x="5644471" y="2659527"/>
+            <a:ext cx="485065" cy="473955"/>
+          </a:xfrm>
+          <a:prstGeom prst="bentConnector3">
+            <a:avLst>
+              <a:gd name="adj1" fmla="val 50000"/>
+            </a:avLst>
+          </a:prstGeom>
+          <a:ln w="9525" cap="flat" cmpd="sng" algn="ctr">
+            <a:solidFill>
+              <a:schemeClr val="accent6"/>
+            </a:solidFill>
+            <a:prstDash val="dash"/>
+            <a:round/>
+            <a:headEnd type="none" w="med" len="med"/>
+            <a:tailEnd type="stealth" w="lg" len="lg"/>
+          </a:ln>
+        </p:spPr>
+        <p:style>
+          <a:lnRef idx="0">
+            <a:scrgbClr r="0" g="0" b="0"/>
+          </a:lnRef>
+          <a:fillRef idx="0">
+            <a:scrgbClr r="0" g="0" b="0"/>
+          </a:fillRef>
+          <a:effectRef idx="0">
+            <a:scrgbClr r="0" g="0" b="0"/>
+          </a:effectRef>
+          <a:fontRef idx="minor">
+            <a:schemeClr val="tx1"/>
+          </a:fontRef>
+        </p:style>
+      </p:cxnSp>
+      <p:cxnSp>
+        <p:nvCxnSpPr>
+          <p:cNvPr id="110" name="Elbow Connector 109">
+            <a:extLst>
+              <a:ext uri="{FF2B5EF4-FFF2-40B4-BE49-F238E27FC236}">
+                <a16:creationId xmlns:a16="http://schemas.microsoft.com/office/drawing/2014/main" id="{EBCE217B-1AE0-E44B-B13F-313775F8E0A1}"/>
+              </a:ext>
+            </a:extLst>
+          </p:cNvPr>
+          <p:cNvCxnSpPr>
+            <a:stCxn id="102" idx="0"/>
+          </p:cNvCxnSpPr>
+          <p:nvPr/>
+        </p:nvCxnSpPr>
+        <p:spPr>
+          <a:xfrm rot="5400000" flipH="1" flipV="1">
+            <a:off x="6046034" y="2198164"/>
+            <a:ext cx="1430310" cy="431727"/>
+          </a:xfrm>
+          <a:prstGeom prst="bentConnector3">
+            <a:avLst>
+              <a:gd name="adj1" fmla="val 20592"/>
+            </a:avLst>
+          </a:prstGeom>
+          <a:ln w="9525" cap="flat" cmpd="sng" algn="ctr">
+            <a:solidFill>
+              <a:schemeClr val="accent6"/>
+            </a:solidFill>
+            <a:prstDash val="dash"/>
+            <a:round/>
+            <a:headEnd type="none" w="med" len="med"/>
+            <a:tailEnd type="stealth" w="lg" len="lg"/>
+          </a:ln>
+        </p:spPr>
+        <p:style>
+          <a:lnRef idx="0">
+            <a:scrgbClr r="0" g="0" b="0"/>
+          </a:lnRef>
+          <a:fillRef idx="0">
+            <a:scrgbClr r="0" g="0" b="0"/>
+          </a:fillRef>
+          <a:effectRef idx="0">
+            <a:scrgbClr r="0" g="0" b="0"/>
+          </a:effectRef>
+          <a:fontRef idx="minor">
+            <a:schemeClr val="tx1"/>
+          </a:fontRef>
+        </p:style>
+      </p:cxnSp>
+      <p:cxnSp>
+        <p:nvCxnSpPr>
+          <p:cNvPr id="113" name="Elbow Connector 112">
+            <a:extLst>
+              <a:ext uri="{FF2B5EF4-FFF2-40B4-BE49-F238E27FC236}">
+                <a16:creationId xmlns:a16="http://schemas.microsoft.com/office/drawing/2014/main" id="{997AE118-6446-3548-BB29-C2C7C75412DA}"/>
+              </a:ext>
+            </a:extLst>
+          </p:cNvPr>
+          <p:cNvCxnSpPr>
+            <a:stCxn id="103" idx="0"/>
+          </p:cNvCxnSpPr>
+          <p:nvPr/>
+        </p:nvCxnSpPr>
+        <p:spPr>
+          <a:xfrm rot="16200000" flipV="1">
+            <a:off x="7302848" y="2884603"/>
+            <a:ext cx="491386" cy="1"/>
+          </a:xfrm>
+          <a:prstGeom prst="bentConnector3">
+            <a:avLst/>
+          </a:prstGeom>
+          <a:ln w="9525" cap="flat" cmpd="sng" algn="ctr">
+            <a:solidFill>
+              <a:schemeClr val="accent6"/>
+            </a:solidFill>
+            <a:prstDash val="dash"/>
+            <a:round/>
+            <a:headEnd type="none" w="med" len="med"/>
+            <a:tailEnd type="stealth" w="lg" len="lg"/>
+          </a:ln>
+        </p:spPr>
+        <p:style>
+          <a:lnRef idx="0">
+            <a:scrgbClr r="0" g="0" b="0"/>
+          </a:lnRef>
+          <a:fillRef idx="0">
+            <a:scrgbClr r="0" g="0" b="0"/>
+          </a:fillRef>
+          <a:effectRef idx="0">
+            <a:scrgbClr r="0" g="0" b="0"/>
+          </a:effectRef>
+          <a:fontRef idx="minor">
+            <a:schemeClr val="tx1"/>
+          </a:fontRef>
+        </p:style>
+      </p:cxnSp>
+      <p:cxnSp>
+        <p:nvCxnSpPr>
+          <p:cNvPr id="123" name="Elbow Connector 122">
+            <a:extLst>
+              <a:ext uri="{FF2B5EF4-FFF2-40B4-BE49-F238E27FC236}">
+                <a16:creationId xmlns:a16="http://schemas.microsoft.com/office/drawing/2014/main" id="{BC7BAECF-230F-124A-B4FB-3EF9B8DF0116}"/>
+              </a:ext>
+            </a:extLst>
+          </p:cNvPr>
+          <p:cNvCxnSpPr>
+            <a:cxnSpLocks/>
+          </p:cNvCxnSpPr>
+          <p:nvPr/>
+        </p:nvCxnSpPr>
+        <p:spPr>
+          <a:xfrm flipV="1">
+            <a:off x="3808498" y="2653972"/>
+            <a:ext cx="1308722" cy="483503"/>
+          </a:xfrm>
+          <a:prstGeom prst="bentConnector3">
+            <a:avLst>
+              <a:gd name="adj1" fmla="val 99607"/>
+            </a:avLst>
+          </a:prstGeom>
+          <a:ln w="9525" cap="flat" cmpd="sng" algn="ctr">
+            <a:solidFill>
+              <a:schemeClr val="accent6"/>
+            </a:solidFill>
+            <a:prstDash val="dash"/>
+            <a:round/>
+            <a:headEnd type="none" w="med" len="med"/>
+            <a:tailEnd type="stealth" w="lg" len="lg"/>
+          </a:ln>
+        </p:spPr>
+        <p:style>
+          <a:lnRef idx="0">
+            <a:scrgbClr r="0" g="0" b="0"/>
+          </a:lnRef>
+          <a:fillRef idx="0">
+            <a:scrgbClr r="0" g="0" b="0"/>
+          </a:fillRef>
+          <a:effectRef idx="0">
+            <a:scrgbClr r="0" g="0" b="0"/>
+          </a:effectRef>
+          <a:fontRef idx="minor">
+            <a:schemeClr val="tx1"/>
+          </a:fontRef>
+        </p:style>
+      </p:cxnSp>
+      <p:sp>
+        <p:nvSpPr>
+          <p:cNvPr id="133" name="Diamond 132">
+            <a:extLst>
+              <a:ext uri="{FF2B5EF4-FFF2-40B4-BE49-F238E27FC236}">
+                <a16:creationId xmlns:a16="http://schemas.microsoft.com/office/drawing/2014/main" id="{E9E6D44B-565A-FC4C-B798-0BD39791351F}"/>
+              </a:ext>
+            </a:extLst>
+          </p:cNvPr>
+          <p:cNvSpPr/>
+          <p:nvPr/>
+        </p:nvSpPr>
+        <p:spPr>
+          <a:xfrm>
+            <a:off x="7812619" y="1996454"/>
+            <a:ext cx="222923" cy="318209"/>
+          </a:xfrm>
+          <a:prstGeom prst="diamond">
+            <a:avLst/>
+          </a:prstGeom>
+        </p:spPr>
+        <p:style>
+          <a:lnRef idx="1">
+            <a:schemeClr val="accent6"/>
+          </a:lnRef>
+          <a:fillRef idx="2">
+            <a:schemeClr val="accent6"/>
+          </a:fillRef>
+          <a:effectRef idx="1">
+            <a:schemeClr val="accent6"/>
+          </a:effectRef>
+          <a:fontRef idx="minor">
+            <a:schemeClr val="dk1"/>
+          </a:fontRef>
+        </p:style>
+        <p:txBody>
+          <a:bodyPr rtlCol="0" anchor="ctr"/>
+          <a:lstStyle/>
+          <a:p>
+            <a:pPr algn="ctr"/>
+            <a:endParaRPr lang="en-US" dirty="0"/>
+          </a:p>
+        </p:txBody>
+      </p:sp>
+      <p:sp>
+        <p:nvSpPr>
+          <p:cNvPr id="134" name="Diamond 133">
+            <a:extLst>
+              <a:ext uri="{FF2B5EF4-FFF2-40B4-BE49-F238E27FC236}">
+                <a16:creationId xmlns:a16="http://schemas.microsoft.com/office/drawing/2014/main" id="{94CB165F-2257-6C44-8CAF-233913E5F85D}"/>
+              </a:ext>
+            </a:extLst>
+          </p:cNvPr>
+          <p:cNvSpPr/>
+          <p:nvPr/>
+        </p:nvSpPr>
+        <p:spPr>
+          <a:xfrm>
+            <a:off x="5538563" y="1983299"/>
+            <a:ext cx="222923" cy="318209"/>
+          </a:xfrm>
+          <a:prstGeom prst="diamond">
+            <a:avLst/>
+          </a:prstGeom>
+        </p:spPr>
+        <p:style>
+          <a:lnRef idx="1">
+            <a:schemeClr val="accent6"/>
+          </a:lnRef>
+          <a:fillRef idx="2">
+            <a:schemeClr val="accent6"/>
+          </a:fillRef>
+          <a:effectRef idx="1">
+            <a:schemeClr val="accent6"/>
+          </a:effectRef>
+          <a:fontRef idx="minor">
+            <a:schemeClr val="dk1"/>
+          </a:fontRef>
+        </p:style>
+        <p:txBody>
+          <a:bodyPr rtlCol="0" anchor="ctr"/>
+          <a:lstStyle/>
+          <a:p>
+            <a:pPr algn="ctr"/>
+            <a:endParaRPr lang="en-US" dirty="0"/>
+          </a:p>
+        </p:txBody>
+      </p:sp>
+      <p:cxnSp>
+        <p:nvCxnSpPr>
+          <p:cNvPr id="136" name="Elbow Connector 135">
+            <a:extLst>
+              <a:ext uri="{FF2B5EF4-FFF2-40B4-BE49-F238E27FC236}">
+                <a16:creationId xmlns:a16="http://schemas.microsoft.com/office/drawing/2014/main" id="{90148877-7612-3D4B-8835-3CD313558471}"/>
+              </a:ext>
+            </a:extLst>
+          </p:cNvPr>
+          <p:cNvCxnSpPr>
+            <a:stCxn id="134" idx="0"/>
+            <a:endCxn id="76" idx="2"/>
+          </p:cNvCxnSpPr>
+          <p:nvPr/>
+        </p:nvCxnSpPr>
+        <p:spPr>
+          <a:xfrm rot="16200000" flipV="1">
+            <a:off x="5185605" y="1518879"/>
+            <a:ext cx="303021" cy="625820"/>
+          </a:xfrm>
+          <a:prstGeom prst="bentConnector3">
+            <a:avLst/>
+          </a:prstGeom>
+          <a:ln w="9525" cap="flat" cmpd="sng" algn="ctr">
+            <a:solidFill>
+              <a:schemeClr val="accent6"/>
+            </a:solidFill>
+            <a:prstDash val="dash"/>
+            <a:round/>
+            <a:headEnd type="none" w="med" len="med"/>
+            <a:tailEnd type="stealth" w="lg" len="lg"/>
+          </a:ln>
+        </p:spPr>
+        <p:style>
+          <a:lnRef idx="0">
+            <a:scrgbClr r="0" g="0" b="0"/>
+          </a:lnRef>
+          <a:fillRef idx="0">
+            <a:scrgbClr r="0" g="0" b="0"/>
+          </a:fillRef>
+          <a:effectRef idx="0">
+            <a:scrgbClr r="0" g="0" b="0"/>
+          </a:effectRef>
+          <a:fontRef idx="minor">
+            <a:schemeClr val="tx1"/>
+          </a:fontRef>
+        </p:style>
+      </p:cxnSp>
+      <p:cxnSp>
+        <p:nvCxnSpPr>
+          <p:cNvPr id="138" name="Elbow Connector 137">
+            <a:extLst>
+              <a:ext uri="{FF2B5EF4-FFF2-40B4-BE49-F238E27FC236}">
+                <a16:creationId xmlns:a16="http://schemas.microsoft.com/office/drawing/2014/main" id="{8A913431-B8C0-3346-A281-417BDDA71170}"/>
+              </a:ext>
+            </a:extLst>
+          </p:cNvPr>
+          <p:cNvCxnSpPr>
+            <a:stCxn id="133" idx="0"/>
+            <a:endCxn id="78" idx="2"/>
+          </p:cNvCxnSpPr>
+          <p:nvPr/>
+        </p:nvCxnSpPr>
+        <p:spPr>
+          <a:xfrm rot="16200000" flipV="1">
+            <a:off x="7506457" y="1578829"/>
+            <a:ext cx="297087" cy="538163"/>
+          </a:xfrm>
+          <a:prstGeom prst="bentConnector3">
+            <a:avLst/>
+          </a:prstGeom>
+          <a:ln w="9525" cap="flat" cmpd="sng" algn="ctr">
+            <a:solidFill>
+              <a:schemeClr val="accent6"/>
+            </a:solidFill>
+            <a:prstDash val="dash"/>
+            <a:round/>
+            <a:headEnd type="none" w="med" len="med"/>
+            <a:tailEnd type="stealth" w="lg" len="lg"/>
+          </a:ln>
+        </p:spPr>
+        <p:style>
+          <a:lnRef idx="0">
+            <a:scrgbClr r="0" g="0" b="0"/>
+          </a:lnRef>
+          <a:fillRef idx="0">
+            <a:scrgbClr r="0" g="0" b="0"/>
+          </a:fillRef>
+          <a:effectRef idx="0">
+            <a:scrgbClr r="0" g="0" b="0"/>
+          </a:effectRef>
+          <a:fontRef idx="minor">
+            <a:schemeClr val="tx1"/>
+          </a:fontRef>
+        </p:style>
+      </p:cxnSp>
+      <p:sp>
+        <p:nvSpPr>
+          <p:cNvPr id="139" name="TextBox 138">
+            <a:extLst>
+              <a:ext uri="{FF2B5EF4-FFF2-40B4-BE49-F238E27FC236}">
+                <a16:creationId xmlns:a16="http://schemas.microsoft.com/office/drawing/2014/main" id="{69893B12-76FD-1446-8990-AC38DC666B73}"/>
+              </a:ext>
+            </a:extLst>
+          </p:cNvPr>
+          <p:cNvSpPr txBox="1"/>
+          <p:nvPr/>
+        </p:nvSpPr>
+        <p:spPr>
+          <a:xfrm>
+            <a:off x="1018108" y="2638382"/>
+            <a:ext cx="156891" cy="276999"/>
+          </a:xfrm>
+          <a:prstGeom prst="rect">
+            <a:avLst/>
+          </a:prstGeom>
+          <a:noFill/>
+        </p:spPr>
+        <p:txBody>
+          <a:bodyPr wrap="square" rtlCol="0">
+            <a:spAutoFit/>
+          </a:bodyPr>
+          <a:lstStyle/>
+          <a:p>
+            <a:r>
+              <a:rPr lang="en-US" sz="1200" dirty="0">
+                <a:solidFill>
+                  <a:schemeClr val="accent6">
+                    <a:lumMod val="75000"/>
+                  </a:schemeClr>
+                </a:solidFill>
+              </a:rPr>
+              <a:t>*</a:t>
+            </a:r>
+          </a:p>
+        </p:txBody>
+      </p:sp>
+      <p:sp>
+        <p:nvSpPr>
+          <p:cNvPr id="140" name="Rectangle 139">
+            <a:extLst>
+              <a:ext uri="{FF2B5EF4-FFF2-40B4-BE49-F238E27FC236}">
+                <a16:creationId xmlns:a16="http://schemas.microsoft.com/office/drawing/2014/main" id="{C78E5273-4EE0-0B49-807D-9F0574729639}"/>
+              </a:ext>
+            </a:extLst>
+          </p:cNvPr>
+          <p:cNvSpPr/>
+          <p:nvPr/>
+        </p:nvSpPr>
+        <p:spPr>
+          <a:xfrm>
+            <a:off x="7903642" y="2540689"/>
+            <a:ext cx="314510" cy="369332"/>
+          </a:xfrm>
+          <a:prstGeom prst="rect">
+            <a:avLst/>
+          </a:prstGeom>
+        </p:spPr>
+        <p:txBody>
+          <a:bodyPr wrap="none">
+            <a:spAutoFit/>
+          </a:bodyPr>
+          <a:lstStyle/>
+          <a:p>
+            <a:r>
+              <a:rPr lang="en-US" sz="1200" dirty="0">
+                <a:solidFill>
+                  <a:schemeClr val="accent6">
+                    <a:lumMod val="75000"/>
+                  </a:schemeClr>
+                </a:solidFill>
+              </a:rPr>
+              <a:t>*</a:t>
+            </a:r>
+            <a:r>
+              <a:rPr lang="en-US" dirty="0">
+                <a:solidFill>
+                  <a:schemeClr val="accent6">
+                    <a:lumMod val="75000"/>
+                  </a:schemeClr>
+                </a:solidFill>
+              </a:rPr>
+              <a:t> </a:t>
+            </a:r>
+            <a:endParaRPr lang="en-US" dirty="0"/>
+          </a:p>
+        </p:txBody>
+      </p:sp>
+      <p:sp>
+        <p:nvSpPr>
+          <p:cNvPr id="141" name="Rectangle 140">
+            <a:extLst>
+              <a:ext uri="{FF2B5EF4-FFF2-40B4-BE49-F238E27FC236}">
+                <a16:creationId xmlns:a16="http://schemas.microsoft.com/office/drawing/2014/main" id="{C4A4795C-D9B4-0E49-9318-D1D2FA6156EA}"/>
+              </a:ext>
+            </a:extLst>
+          </p:cNvPr>
+          <p:cNvSpPr/>
+          <p:nvPr/>
+        </p:nvSpPr>
+        <p:spPr>
+          <a:xfrm>
+            <a:off x="2811788" y="3662374"/>
+            <a:ext cx="314510" cy="369332"/>
+          </a:xfrm>
+          <a:prstGeom prst="rect">
+            <a:avLst/>
+          </a:prstGeom>
+        </p:spPr>
+        <p:txBody>
+          <a:bodyPr wrap="none">
+            <a:spAutoFit/>
+          </a:bodyPr>
+          <a:lstStyle/>
+          <a:p>
+            <a:r>
+              <a:rPr lang="en-US" sz="1200" dirty="0">
+                <a:solidFill>
+                  <a:schemeClr val="accent6">
+                    <a:lumMod val="75000"/>
+                  </a:schemeClr>
+                </a:solidFill>
+              </a:rPr>
+              <a:t>*</a:t>
+            </a:r>
+            <a:r>
+              <a:rPr lang="en-US" dirty="0">
+                <a:solidFill>
+                  <a:schemeClr val="accent6">
+                    <a:lumMod val="75000"/>
+                  </a:schemeClr>
+                </a:solidFill>
+              </a:rPr>
+              <a:t> </a:t>
+            </a:r>
+            <a:endParaRPr lang="en-US" dirty="0"/>
+          </a:p>
+        </p:txBody>
+      </p:sp>
+      <p:sp>
+        <p:nvSpPr>
+          <p:cNvPr id="142" name="Rectangle 141">
+            <a:extLst>
+              <a:ext uri="{FF2B5EF4-FFF2-40B4-BE49-F238E27FC236}">
+                <a16:creationId xmlns:a16="http://schemas.microsoft.com/office/drawing/2014/main" id="{695FC3C8-A347-E645-803C-F11EFEE655EA}"/>
+              </a:ext>
+            </a:extLst>
+          </p:cNvPr>
+          <p:cNvSpPr/>
+          <p:nvPr/>
+        </p:nvSpPr>
+        <p:spPr>
+          <a:xfrm>
+            <a:off x="6508519" y="3662374"/>
+            <a:ext cx="314510" cy="369332"/>
+          </a:xfrm>
+          <a:prstGeom prst="rect">
+            <a:avLst/>
+          </a:prstGeom>
+        </p:spPr>
+        <p:txBody>
+          <a:bodyPr wrap="none">
+            <a:spAutoFit/>
+          </a:bodyPr>
+          <a:lstStyle/>
+          <a:p>
+            <a:r>
+              <a:rPr lang="en-US" sz="1200" dirty="0">
+                <a:solidFill>
+                  <a:schemeClr val="accent6">
+                    <a:lumMod val="75000"/>
+                  </a:schemeClr>
+                </a:solidFill>
+              </a:rPr>
+              <a:t>*</a:t>
+            </a:r>
+            <a:r>
+              <a:rPr lang="en-US" dirty="0">
+                <a:solidFill>
+                  <a:schemeClr val="accent6">
+                    <a:lumMod val="75000"/>
+                  </a:schemeClr>
+                </a:solidFill>
+              </a:rPr>
+              <a:t> </a:t>
+            </a:r>
+            <a:endParaRPr lang="en-US" dirty="0"/>
+          </a:p>
+        </p:txBody>
+      </p:sp>
+      <p:sp>
+        <p:nvSpPr>
+          <p:cNvPr id="143" name="Rectangle 142">
+            <a:extLst>
+              <a:ext uri="{FF2B5EF4-FFF2-40B4-BE49-F238E27FC236}">
+                <a16:creationId xmlns:a16="http://schemas.microsoft.com/office/drawing/2014/main" id="{E96A2B43-84E7-5A40-8E45-1EAEAFBE289B}"/>
+              </a:ext>
+            </a:extLst>
+          </p:cNvPr>
+          <p:cNvSpPr/>
+          <p:nvPr/>
+        </p:nvSpPr>
+        <p:spPr>
+          <a:xfrm>
+            <a:off x="5212381" y="2540689"/>
+            <a:ext cx="314510" cy="369332"/>
+          </a:xfrm>
+          <a:prstGeom prst="rect">
+            <a:avLst/>
+          </a:prstGeom>
+        </p:spPr>
+        <p:txBody>
+          <a:bodyPr wrap="none">
+            <a:spAutoFit/>
+          </a:bodyPr>
+          <a:lstStyle/>
+          <a:p>
+            <a:r>
+              <a:rPr lang="en-US" sz="1200" dirty="0">
+                <a:solidFill>
+                  <a:schemeClr val="accent6">
+                    <a:lumMod val="75000"/>
+                  </a:schemeClr>
+                </a:solidFill>
+              </a:rPr>
+              <a:t>*</a:t>
+            </a:r>
+            <a:r>
+              <a:rPr lang="en-US" dirty="0">
+                <a:solidFill>
+                  <a:schemeClr val="accent6">
+                    <a:lumMod val="75000"/>
+                  </a:schemeClr>
+                </a:solidFill>
+              </a:rPr>
+              <a:t> </a:t>
+            </a:r>
+            <a:endParaRPr lang="en-US" dirty="0"/>
+          </a:p>
+        </p:txBody>
+      </p:sp>
+      <p:sp>
+        <p:nvSpPr>
+          <p:cNvPr id="144" name="Rectangle 143">
+            <a:extLst>
+              <a:ext uri="{FF2B5EF4-FFF2-40B4-BE49-F238E27FC236}">
+                <a16:creationId xmlns:a16="http://schemas.microsoft.com/office/drawing/2014/main" id="{047534CE-CAF9-9443-B9D8-966119F26781}"/>
+              </a:ext>
+            </a:extLst>
+          </p:cNvPr>
+          <p:cNvSpPr/>
+          <p:nvPr/>
+        </p:nvSpPr>
+        <p:spPr>
+          <a:xfrm>
+            <a:off x="4765970" y="1568531"/>
+            <a:ext cx="314510" cy="369332"/>
+          </a:xfrm>
+          <a:prstGeom prst="rect">
+            <a:avLst/>
+          </a:prstGeom>
+        </p:spPr>
+        <p:txBody>
+          <a:bodyPr wrap="none">
+            <a:spAutoFit/>
+          </a:bodyPr>
+          <a:lstStyle/>
+          <a:p>
+            <a:r>
+              <a:rPr lang="en-US" sz="1200" dirty="0">
+                <a:solidFill>
+                  <a:schemeClr val="accent6">
+                    <a:lumMod val="75000"/>
+                  </a:schemeClr>
+                </a:solidFill>
+              </a:rPr>
+              <a:t>*</a:t>
+            </a:r>
+            <a:r>
+              <a:rPr lang="en-US" dirty="0">
+                <a:solidFill>
+                  <a:schemeClr val="accent6">
+                    <a:lumMod val="75000"/>
+                  </a:schemeClr>
+                </a:solidFill>
+              </a:rPr>
+              <a:t> </a:t>
+            </a:r>
+            <a:endParaRPr lang="en-US" dirty="0"/>
+          </a:p>
+        </p:txBody>
+      </p:sp>
+      <p:sp>
+        <p:nvSpPr>
+          <p:cNvPr id="145" name="Rectangle 144">
+            <a:extLst>
+              <a:ext uri="{FF2B5EF4-FFF2-40B4-BE49-F238E27FC236}">
+                <a16:creationId xmlns:a16="http://schemas.microsoft.com/office/drawing/2014/main" id="{328E033E-3161-D349-8524-F35560049989}"/>
+              </a:ext>
+            </a:extLst>
+          </p:cNvPr>
+          <p:cNvSpPr/>
+          <p:nvPr/>
+        </p:nvSpPr>
+        <p:spPr>
+          <a:xfrm>
+            <a:off x="6732188" y="1595845"/>
+            <a:ext cx="316112" cy="369332"/>
+          </a:xfrm>
+          <a:prstGeom prst="rect">
+            <a:avLst/>
+          </a:prstGeom>
+        </p:spPr>
+        <p:txBody>
+          <a:bodyPr wrap="none">
+            <a:spAutoFit/>
+          </a:bodyPr>
+          <a:lstStyle/>
+          <a:p>
+            <a:r>
+              <a:rPr lang="en-US" sz="1200" dirty="0">
+                <a:solidFill>
+                  <a:schemeClr val="accent6">
+                    <a:lumMod val="75000"/>
+                  </a:schemeClr>
+                </a:solidFill>
+              </a:rPr>
+              <a:t>1</a:t>
+            </a:r>
+            <a:r>
+              <a:rPr lang="en-US" dirty="0">
+                <a:solidFill>
+                  <a:schemeClr val="accent6">
+                    <a:lumMod val="75000"/>
+                  </a:schemeClr>
+                </a:solidFill>
+              </a:rPr>
+              <a:t> </a:t>
+            </a:r>
+            <a:endParaRPr lang="en-US" dirty="0"/>
+          </a:p>
+        </p:txBody>
+      </p:sp>
+      <p:sp>
+        <p:nvSpPr>
+          <p:cNvPr id="146" name="Rectangle 145">
+            <a:extLst>
+              <a:ext uri="{FF2B5EF4-FFF2-40B4-BE49-F238E27FC236}">
+                <a16:creationId xmlns:a16="http://schemas.microsoft.com/office/drawing/2014/main" id="{91B063F2-3657-D44F-B757-26F433570946}"/>
+              </a:ext>
+            </a:extLst>
+          </p:cNvPr>
+          <p:cNvSpPr/>
+          <p:nvPr/>
+        </p:nvSpPr>
+        <p:spPr>
+          <a:xfrm>
+            <a:off x="7159058" y="1582386"/>
+            <a:ext cx="316112" cy="369332"/>
+          </a:xfrm>
+          <a:prstGeom prst="rect">
+            <a:avLst/>
+          </a:prstGeom>
+        </p:spPr>
+        <p:txBody>
+          <a:bodyPr wrap="none">
+            <a:spAutoFit/>
+          </a:bodyPr>
+          <a:lstStyle/>
+          <a:p>
+            <a:r>
+              <a:rPr lang="en-US" sz="1200" dirty="0">
+                <a:solidFill>
+                  <a:schemeClr val="accent6">
+                    <a:lumMod val="75000"/>
+                  </a:schemeClr>
+                </a:solidFill>
+              </a:rPr>
+              <a:t>1</a:t>
+            </a:r>
+            <a:r>
+              <a:rPr lang="en-US" dirty="0">
+                <a:solidFill>
+                  <a:schemeClr val="accent6">
+                    <a:lumMod val="75000"/>
+                  </a:schemeClr>
+                </a:solidFill>
+              </a:rPr>
+              <a:t> </a:t>
+            </a:r>
+            <a:endParaRPr lang="en-US" dirty="0"/>
+          </a:p>
+        </p:txBody>
+      </p:sp>
+      <p:sp>
+        <p:nvSpPr>
+          <p:cNvPr id="147" name="Rectangle 146">
+            <a:extLst>
+              <a:ext uri="{FF2B5EF4-FFF2-40B4-BE49-F238E27FC236}">
+                <a16:creationId xmlns:a16="http://schemas.microsoft.com/office/drawing/2014/main" id="{841175EA-BDF6-F64C-AB1A-EB89983E6F00}"/>
+              </a:ext>
+            </a:extLst>
+          </p:cNvPr>
+          <p:cNvSpPr/>
+          <p:nvPr/>
+        </p:nvSpPr>
+        <p:spPr>
+          <a:xfrm>
+            <a:off x="1508496" y="2554809"/>
+            <a:ext cx="316112" cy="369332"/>
+          </a:xfrm>
+          <a:prstGeom prst="rect">
+            <a:avLst/>
+          </a:prstGeom>
+        </p:spPr>
+        <p:txBody>
+          <a:bodyPr wrap="none">
+            <a:spAutoFit/>
+          </a:bodyPr>
+          <a:lstStyle/>
+          <a:p>
+            <a:r>
+              <a:rPr lang="en-US" sz="1200" dirty="0">
+                <a:solidFill>
+                  <a:schemeClr val="accent6">
+                    <a:lumMod val="75000"/>
+                  </a:schemeClr>
+                </a:solidFill>
+              </a:rPr>
+              <a:t>1</a:t>
+            </a:r>
+            <a:r>
+              <a:rPr lang="en-US" dirty="0">
+                <a:solidFill>
+                  <a:schemeClr val="accent6">
+                    <a:lumMod val="75000"/>
+                  </a:schemeClr>
+                </a:solidFill>
+              </a:rPr>
+              <a:t> </a:t>
+            </a:r>
+            <a:endParaRPr lang="en-US" dirty="0"/>
+          </a:p>
+        </p:txBody>
+      </p:sp>
+      <p:sp>
+        <p:nvSpPr>
+          <p:cNvPr id="148" name="Rectangle 147">
+            <a:extLst>
+              <a:ext uri="{FF2B5EF4-FFF2-40B4-BE49-F238E27FC236}">
+                <a16:creationId xmlns:a16="http://schemas.microsoft.com/office/drawing/2014/main" id="{520A8B5F-F033-7A4E-884A-55DC5B30BDEF}"/>
+              </a:ext>
+            </a:extLst>
+          </p:cNvPr>
+          <p:cNvSpPr/>
+          <p:nvPr/>
+        </p:nvSpPr>
+        <p:spPr>
+          <a:xfrm>
+            <a:off x="3274004" y="2583820"/>
+            <a:ext cx="298480" cy="276999"/>
+          </a:xfrm>
+          <a:prstGeom prst="rect">
+            <a:avLst/>
+          </a:prstGeom>
+        </p:spPr>
+        <p:txBody>
+          <a:bodyPr wrap="none">
+            <a:spAutoFit/>
+          </a:bodyPr>
+          <a:lstStyle/>
+          <a:p>
+            <a:r>
+              <a:rPr lang="en-US" sz="1200" dirty="0">
+                <a:solidFill>
+                  <a:schemeClr val="accent6">
+                    <a:lumMod val="75000"/>
+                  </a:schemeClr>
+                </a:solidFill>
+              </a:rPr>
+              <a:t>1 </a:t>
+            </a:r>
+            <a:endParaRPr lang="en-US" sz="1200" dirty="0"/>
+          </a:p>
+        </p:txBody>
+      </p:sp>
+      <p:sp>
+        <p:nvSpPr>
+          <p:cNvPr id="149" name="Rectangle 148">
+            <a:extLst>
+              <a:ext uri="{FF2B5EF4-FFF2-40B4-BE49-F238E27FC236}">
+                <a16:creationId xmlns:a16="http://schemas.microsoft.com/office/drawing/2014/main" id="{9451643E-0F31-2647-AFF7-9C093C7BFCB8}"/>
+              </a:ext>
+            </a:extLst>
+          </p:cNvPr>
+          <p:cNvSpPr/>
+          <p:nvPr/>
+        </p:nvSpPr>
+        <p:spPr>
+          <a:xfrm>
+            <a:off x="4881382" y="2544322"/>
+            <a:ext cx="314510" cy="369332"/>
+          </a:xfrm>
+          <a:prstGeom prst="rect">
+            <a:avLst/>
+          </a:prstGeom>
+        </p:spPr>
+        <p:txBody>
+          <a:bodyPr wrap="none">
+            <a:spAutoFit/>
+          </a:bodyPr>
+          <a:lstStyle/>
+          <a:p>
+            <a:r>
+              <a:rPr lang="en-US" sz="1200" dirty="0">
+                <a:solidFill>
+                  <a:schemeClr val="accent6">
+                    <a:lumMod val="75000"/>
+                  </a:schemeClr>
+                </a:solidFill>
+              </a:rPr>
+              <a:t>*</a:t>
+            </a:r>
+            <a:r>
+              <a:rPr lang="en-US" dirty="0">
+                <a:solidFill>
+                  <a:schemeClr val="accent6">
+                    <a:lumMod val="75000"/>
+                  </a:schemeClr>
+                </a:solidFill>
+              </a:rPr>
+              <a:t> </a:t>
+            </a:r>
+            <a:endParaRPr lang="en-US" dirty="0"/>
+          </a:p>
+        </p:txBody>
+      </p:sp>
+      <p:sp>
+        <p:nvSpPr>
+          <p:cNvPr id="150" name="Rectangle 149">
+            <a:extLst>
+              <a:ext uri="{FF2B5EF4-FFF2-40B4-BE49-F238E27FC236}">
+                <a16:creationId xmlns:a16="http://schemas.microsoft.com/office/drawing/2014/main" id="{F07BF796-87F7-4348-BF9D-7118D32468CA}"/>
+              </a:ext>
+            </a:extLst>
+          </p:cNvPr>
+          <p:cNvSpPr/>
+          <p:nvPr/>
+        </p:nvSpPr>
+        <p:spPr>
+          <a:xfrm>
+            <a:off x="5876606" y="2528782"/>
+            <a:ext cx="314510" cy="369332"/>
+          </a:xfrm>
+          <a:prstGeom prst="rect">
+            <a:avLst/>
+          </a:prstGeom>
+        </p:spPr>
+        <p:txBody>
+          <a:bodyPr wrap="none">
+            <a:spAutoFit/>
+          </a:bodyPr>
+          <a:lstStyle/>
+          <a:p>
+            <a:r>
+              <a:rPr lang="en-US" sz="1200" dirty="0">
+                <a:solidFill>
+                  <a:schemeClr val="accent6">
+                    <a:lumMod val="75000"/>
+                  </a:schemeClr>
+                </a:solidFill>
+              </a:rPr>
+              <a:t>*</a:t>
+            </a:r>
+            <a:r>
+              <a:rPr lang="en-US" dirty="0">
+                <a:solidFill>
+                  <a:schemeClr val="accent6">
+                    <a:lumMod val="75000"/>
+                  </a:schemeClr>
+                </a:solidFill>
+              </a:rPr>
+              <a:t> </a:t>
+            </a:r>
+            <a:endParaRPr lang="en-US" dirty="0"/>
+          </a:p>
+        </p:txBody>
+      </p:sp>
     </p:spTree>
     <p:extLst>
       <p:ext uri="{BB962C8B-B14F-4D97-AF65-F5344CB8AC3E}">

--- a/docs/diagrams/StorageComponentClassDiagram.pptx
+++ b/docs/diagrams/StorageComponentClassDiagram.pptx
@@ -208,7 +208,7 @@
           <a:p>
             <a:fld id="{F5CC4B3F-88C1-4FFA-B1B6-F41C21DC6924}" type="datetimeFigureOut">
               <a:rPr lang="en-US" smtClean="0"/>
-              <a:t>12/1/2018</a:t>
+              <a:t>4/14/19</a:t>
             </a:fld>
             <a:endParaRPr lang="en-US"/>
           </a:p>
@@ -654,7 +654,7 @@
           <a:p>
             <a:fld id="{78C97017-6FC3-485B-9764-EAC9E56C1D49}" type="datetimeFigureOut">
               <a:rPr lang="en-US" smtClean="0"/>
-              <a:t>12/1/2018</a:t>
+              <a:t>4/14/19</a:t>
             </a:fld>
             <a:endParaRPr lang="en-US"/>
           </a:p>
@@ -822,7 +822,7 @@
           <a:p>
             <a:fld id="{78C97017-6FC3-485B-9764-EAC9E56C1D49}" type="datetimeFigureOut">
               <a:rPr lang="en-US" smtClean="0"/>
-              <a:t>12/1/2018</a:t>
+              <a:t>4/14/19</a:t>
             </a:fld>
             <a:endParaRPr lang="en-US"/>
           </a:p>
@@ -1000,7 +1000,7 @@
           <a:p>
             <a:fld id="{78C97017-6FC3-485B-9764-EAC9E56C1D49}" type="datetimeFigureOut">
               <a:rPr lang="en-US" smtClean="0"/>
-              <a:t>12/1/2018</a:t>
+              <a:t>4/14/19</a:t>
             </a:fld>
             <a:endParaRPr lang="en-US"/>
           </a:p>
@@ -1168,7 +1168,7 @@
           <a:p>
             <a:fld id="{78C97017-6FC3-485B-9764-EAC9E56C1D49}" type="datetimeFigureOut">
               <a:rPr lang="en-US" smtClean="0"/>
-              <a:t>12/1/2018</a:t>
+              <a:t>4/14/19</a:t>
             </a:fld>
             <a:endParaRPr lang="en-US"/>
           </a:p>
@@ -1413,7 +1413,7 @@
           <a:p>
             <a:fld id="{78C97017-6FC3-485B-9764-EAC9E56C1D49}" type="datetimeFigureOut">
               <a:rPr lang="en-US" smtClean="0"/>
-              <a:t>12/1/2018</a:t>
+              <a:t>4/14/19</a:t>
             </a:fld>
             <a:endParaRPr lang="en-US"/>
           </a:p>
@@ -1698,7 +1698,7 @@
           <a:p>
             <a:fld id="{78C97017-6FC3-485B-9764-EAC9E56C1D49}" type="datetimeFigureOut">
               <a:rPr lang="en-US" smtClean="0"/>
-              <a:t>12/1/2018</a:t>
+              <a:t>4/14/19</a:t>
             </a:fld>
             <a:endParaRPr lang="en-US"/>
           </a:p>
@@ -2117,7 +2117,7 @@
           <a:p>
             <a:fld id="{78C97017-6FC3-485B-9764-EAC9E56C1D49}" type="datetimeFigureOut">
               <a:rPr lang="en-US" smtClean="0"/>
-              <a:t>12/1/2018</a:t>
+              <a:t>4/14/19</a:t>
             </a:fld>
             <a:endParaRPr lang="en-US"/>
           </a:p>
@@ -2234,7 +2234,7 @@
           <a:p>
             <a:fld id="{78C97017-6FC3-485B-9764-EAC9E56C1D49}" type="datetimeFigureOut">
               <a:rPr lang="en-US" smtClean="0"/>
-              <a:t>12/1/2018</a:t>
+              <a:t>4/14/19</a:t>
             </a:fld>
             <a:endParaRPr lang="en-US"/>
           </a:p>
@@ -2329,7 +2329,7 @@
           <a:p>
             <a:fld id="{78C97017-6FC3-485B-9764-EAC9E56C1D49}" type="datetimeFigureOut">
               <a:rPr lang="en-US" smtClean="0"/>
-              <a:t>12/1/2018</a:t>
+              <a:t>4/14/19</a:t>
             </a:fld>
             <a:endParaRPr lang="en-US"/>
           </a:p>
@@ -2604,7 +2604,7 @@
           <a:p>
             <a:fld id="{78C97017-6FC3-485B-9764-EAC9E56C1D49}" type="datetimeFigureOut">
               <a:rPr lang="en-US" smtClean="0"/>
-              <a:t>12/1/2018</a:t>
+              <a:t>4/14/19</a:t>
             </a:fld>
             <a:endParaRPr lang="en-US"/>
           </a:p>
@@ -2856,7 +2856,7 @@
           <a:p>
             <a:fld id="{78C97017-6FC3-485B-9764-EAC9E56C1D49}" type="datetimeFigureOut">
               <a:rPr lang="en-US" smtClean="0"/>
-              <a:t>12/1/2018</a:t>
+              <a:t>4/14/19</a:t>
             </a:fld>
             <a:endParaRPr lang="en-US"/>
           </a:p>
@@ -3067,7 +3067,7 @@
           <a:p>
             <a:fld id="{78C97017-6FC3-485B-9764-EAC9E56C1D49}" type="datetimeFigureOut">
               <a:rPr lang="en-US" smtClean="0"/>
-              <a:t>12/1/2018</a:t>
+              <a:t>4/14/19</a:t>
             </a:fld>
             <a:endParaRPr lang="en-US"/>
           </a:p>
@@ -3450,8 +3450,8 @@
         </p:nvSpPr>
         <p:spPr>
           <a:xfrm>
-            <a:off x="1119865" y="2086382"/>
-            <a:ext cx="7871735" cy="1723618"/>
+            <a:off x="559932" y="2133600"/>
+            <a:ext cx="8126868" cy="1723618"/>
           </a:xfrm>
           <a:prstGeom prst="roundRect">
             <a:avLst>
@@ -3515,8 +3515,8 @@
         </p:nvSpPr>
         <p:spPr>
           <a:xfrm>
-            <a:off x="2877180" y="3158440"/>
-            <a:ext cx="1323049" cy="346760"/>
+            <a:off x="2317247" y="3205658"/>
+            <a:ext cx="1427140" cy="346760"/>
           </a:xfrm>
           <a:prstGeom prst="rect">
             <a:avLst/>
@@ -3555,7 +3555,7 @@
           <a:p>
             <a:pPr algn="ctr"/>
             <a:r>
-              <a:rPr lang="en-US" sz="1050" dirty="0">
+              <a:rPr lang="en-US" sz="1000" dirty="0">
                 <a:solidFill>
                   <a:schemeClr val="bg1"/>
                 </a:solidFill>
@@ -3563,21 +3563,21 @@
               <a:t>&lt;&lt;interface&gt;&gt;</a:t>
             </a:r>
             <a:br>
-              <a:rPr lang="en-US" sz="1050" dirty="0">
+              <a:rPr lang="en-US" sz="1000" dirty="0">
                 <a:solidFill>
                   <a:schemeClr val="bg1"/>
                 </a:solidFill>
               </a:rPr>
             </a:br>
             <a:r>
-              <a:rPr lang="en-US" sz="1050" dirty="0" err="1">
+              <a:rPr lang="en-US" sz="1000" dirty="0" err="1">
                 <a:solidFill>
                   <a:schemeClr val="bg1"/>
                 </a:solidFill>
               </a:rPr>
-              <a:t>AddressBookStorage</a:t>
-            </a:r>
-            <a:endParaRPr lang="en-SG" sz="1050" dirty="0">
+              <a:t>CardCollectionStorage</a:t>
+            </a:r>
+            <a:endParaRPr lang="en-SG" sz="1000" dirty="0">
               <a:solidFill>
                 <a:schemeClr val="bg1"/>
               </a:solidFill>
@@ -3593,7 +3593,7 @@
         </p:nvSpPr>
         <p:spPr>
           <a:xfrm rot="16200000">
-            <a:off x="1683963" y="2868687"/>
+            <a:off x="1124030" y="2915905"/>
             <a:ext cx="1093635" cy="346760"/>
           </a:xfrm>
           <a:prstGeom prst="rect">
@@ -3656,7 +3656,7 @@
         </p:nvSpPr>
         <p:spPr>
           <a:xfrm rot="16200000">
-            <a:off x="956202" y="2861202"/>
+            <a:off x="396269" y="2908420"/>
             <a:ext cx="1093635" cy="346760"/>
           </a:xfrm>
           <a:prstGeom prst="rect">
@@ -3730,7 +3730,7 @@
         </p:nvSpPr>
         <p:spPr>
           <a:xfrm rot="16200000">
-            <a:off x="1626910" y="2952291"/>
+            <a:off x="1066977" y="2999509"/>
             <a:ext cx="270504" cy="175523"/>
           </a:xfrm>
           <a:prstGeom prst="triangle">
@@ -3781,6 +3781,7 @@
         <p:nvCxnSpPr>
           <p:cNvPr id="58" name="Straight Arrow Connector 57"/>
           <p:cNvCxnSpPr>
+            <a:cxnSpLocks/>
             <a:stCxn id="42" idx="3"/>
             <a:endCxn id="2" idx="1"/>
           </p:cNvCxnSpPr>
@@ -3788,7 +3789,7 @@
         </p:nvCxnSpPr>
         <p:spPr>
           <a:xfrm>
-            <a:off x="2656370" y="3326536"/>
+            <a:off x="2096437" y="3373754"/>
             <a:ext cx="220810" cy="5284"/>
           </a:xfrm>
           <a:prstGeom prst="straightConnector1">
@@ -3828,7 +3829,7 @@
         </p:nvCxnSpPr>
         <p:spPr>
           <a:xfrm>
-            <a:off x="910091" y="3040053"/>
+            <a:off x="350158" y="3087271"/>
             <a:ext cx="419548" cy="2860"/>
           </a:xfrm>
           <a:prstGeom prst="bentConnector3">
@@ -3873,7 +3874,7 @@
         </p:nvCxnSpPr>
         <p:spPr>
           <a:xfrm flipV="1">
-            <a:off x="1849924" y="3040052"/>
+            <a:off x="1289991" y="3087270"/>
             <a:ext cx="216105" cy="1"/>
           </a:xfrm>
           <a:prstGeom prst="line">
@@ -3914,7 +3915,7 @@
         </p:nvSpPr>
         <p:spPr>
           <a:xfrm>
-            <a:off x="2420322" y="3239846"/>
+            <a:off x="1860389" y="3287064"/>
             <a:ext cx="236048" cy="173380"/>
           </a:xfrm>
           <a:prstGeom prst="flowChartDecision">
@@ -3961,15 +3962,15 @@
         <p:nvCxnSpPr>
           <p:cNvPr id="97" name="Elbow Connector 63"/>
           <p:cNvCxnSpPr>
-            <a:stCxn id="99" idx="3"/>
+            <a:cxnSpLocks/>
             <a:endCxn id="50" idx="1"/>
           </p:cNvCxnSpPr>
           <p:nvPr/>
         </p:nvCxnSpPr>
         <p:spPr>
           <a:xfrm flipV="1">
-            <a:off x="4398041" y="3331820"/>
-            <a:ext cx="223324" cy="1"/>
+            <a:off x="3898310" y="3379038"/>
+            <a:ext cx="223324" cy="2"/>
           </a:xfrm>
           <a:prstGeom prst="bentConnector3">
             <a:avLst>
@@ -4011,7 +4012,7 @@
         </p:nvSpPr>
         <p:spPr>
           <a:xfrm rot="5400000" flipV="1">
-            <a:off x="4175027" y="3244059"/>
+            <a:off x="3701924" y="3292461"/>
             <a:ext cx="270504" cy="175523"/>
           </a:xfrm>
           <a:prstGeom prst="triangle">
@@ -4062,6 +4063,7 @@
         <p:nvCxnSpPr>
           <p:cNvPr id="124" name="Elbow Connector 122"/>
           <p:cNvCxnSpPr>
+            <a:cxnSpLocks/>
             <a:stCxn id="50" idx="3"/>
             <a:endCxn id="66" idx="1"/>
           </p:cNvCxnSpPr>
@@ -4069,8 +4071,8 @@
         </p:nvCxnSpPr>
         <p:spPr>
           <a:xfrm>
-            <a:off x="5791200" y="3331820"/>
-            <a:ext cx="228600" cy="1970"/>
+            <a:off x="5403923" y="3379038"/>
+            <a:ext cx="208344" cy="1970"/>
           </a:xfrm>
           <a:prstGeom prst="bentConnector3">
             <a:avLst>
@@ -4112,8 +4114,8 @@
         </p:nvSpPr>
         <p:spPr>
           <a:xfrm>
-            <a:off x="4621365" y="3158440"/>
-            <a:ext cx="1169835" cy="346760"/>
+            <a:off x="4121634" y="3205658"/>
+            <a:ext cx="1282289" cy="346760"/>
           </a:xfrm>
           <a:prstGeom prst="rect">
             <a:avLst/>
@@ -4148,7 +4150,7 @@
                   </a:schemeClr>
                 </a:solidFill>
               </a:rPr>
-              <a:t>JsonAddressBook</a:t>
+              <a:t>JsonCardCollection</a:t>
             </a:r>
             <a:br>
               <a:rPr lang="en-US" sz="1050" b="1" dirty="0">
@@ -4187,8 +4189,8 @@
         </p:nvSpPr>
         <p:spPr>
           <a:xfrm>
-            <a:off x="2873943" y="2558040"/>
-            <a:ext cx="1323049" cy="346760"/>
+            <a:off x="2314010" y="2605258"/>
+            <a:ext cx="1427140" cy="346760"/>
           </a:xfrm>
           <a:prstGeom prst="rect">
             <a:avLst/>
@@ -4261,6 +4263,7 @@
         <p:nvCxnSpPr>
           <p:cNvPr id="54" name="Straight Arrow Connector 53"/>
           <p:cNvCxnSpPr>
+            <a:cxnSpLocks/>
             <a:stCxn id="56" idx="3"/>
             <a:endCxn id="52" idx="1"/>
           </p:cNvCxnSpPr>
@@ -4268,7 +4271,7 @@
         </p:nvCxnSpPr>
         <p:spPr>
           <a:xfrm>
-            <a:off x="2653133" y="2726136"/>
+            <a:off x="2093200" y="2773354"/>
             <a:ext cx="220810" cy="5284"/>
           </a:xfrm>
           <a:prstGeom prst="straightConnector1">
@@ -4308,7 +4311,7 @@
         </p:nvSpPr>
         <p:spPr>
           <a:xfrm>
-            <a:off x="2417085" y="2639446"/>
+            <a:off x="1857152" y="2686664"/>
             <a:ext cx="236048" cy="173380"/>
           </a:xfrm>
           <a:prstGeom prst="flowChartDecision">
@@ -4355,15 +4358,15 @@
         <p:nvCxnSpPr>
           <p:cNvPr id="60" name="Elbow Connector 63"/>
           <p:cNvCxnSpPr>
-            <a:stCxn id="61" idx="3"/>
+            <a:cxnSpLocks/>
             <a:endCxn id="65" idx="1"/>
           </p:cNvCxnSpPr>
           <p:nvPr/>
         </p:nvCxnSpPr>
         <p:spPr>
           <a:xfrm flipV="1">
-            <a:off x="4394804" y="2731420"/>
-            <a:ext cx="223324" cy="1"/>
+            <a:off x="3895073" y="2778638"/>
+            <a:ext cx="223324" cy="2"/>
           </a:xfrm>
           <a:prstGeom prst="bentConnector3">
             <a:avLst>
@@ -4405,7 +4408,7 @@
         </p:nvSpPr>
         <p:spPr>
           <a:xfrm rot="5400000" flipV="1">
-            <a:off x="4171790" y="2643659"/>
+            <a:off x="3699837" y="2700917"/>
             <a:ext cx="270504" cy="175523"/>
           </a:xfrm>
           <a:prstGeom prst="triangle">
@@ -4460,8 +4463,8 @@
         </p:nvSpPr>
         <p:spPr>
           <a:xfrm>
-            <a:off x="4618128" y="2558040"/>
-            <a:ext cx="1093635" cy="346760"/>
+            <a:off x="4118397" y="2605258"/>
+            <a:ext cx="1282287" cy="346760"/>
           </a:xfrm>
           <a:prstGeom prst="rect">
             <a:avLst/>
@@ -4538,7 +4541,7 @@
         </p:nvSpPr>
         <p:spPr>
           <a:xfrm>
-            <a:off x="6019800" y="3160410"/>
+            <a:off x="5612267" y="3207628"/>
             <a:ext cx="1200707" cy="346760"/>
           </a:xfrm>
           <a:prstGeom prst="rect">
@@ -4593,7 +4596,7 @@
                   </a:schemeClr>
                 </a:solidFill>
               </a:rPr>
-              <a:t>AddressBook</a:t>
+              <a:t>CardCollection</a:t>
             </a:r>
             <a:endParaRPr lang="en-SG" sz="1050" b="1" dirty="0">
               <a:solidFill>
@@ -4617,8 +4620,8 @@
         </p:nvCxnSpPr>
         <p:spPr>
           <a:xfrm rot="16200000" flipV="1">
-            <a:off x="8077993" y="2992019"/>
-            <a:ext cx="335208" cy="1"/>
+            <a:off x="7650081" y="3075086"/>
+            <a:ext cx="254824" cy="8687"/>
           </a:xfrm>
           <a:prstGeom prst="bentConnector3">
             <a:avLst>
@@ -4655,8 +4658,8 @@
         </p:nvSpPr>
         <p:spPr>
           <a:xfrm>
-            <a:off x="7615736" y="2477656"/>
-            <a:ext cx="1259719" cy="346760"/>
+            <a:off x="7047118" y="2605258"/>
+            <a:ext cx="1452062" cy="346760"/>
           </a:xfrm>
           <a:prstGeom prst="rect">
             <a:avLst/>
@@ -4711,8 +4714,8 @@
         </p:nvSpPr>
         <p:spPr>
           <a:xfrm>
-            <a:off x="7615738" y="3159624"/>
-            <a:ext cx="1259718" cy="346760"/>
+            <a:off x="7055805" y="3206842"/>
+            <a:ext cx="1452062" cy="346760"/>
           </a:xfrm>
           <a:prstGeom prst="rect">
             <a:avLst/>
@@ -4747,7 +4750,7 @@
                   </a:schemeClr>
                 </a:solidFill>
               </a:rPr>
-              <a:t>JsonAdaptedPerson</a:t>
+              <a:t>JsonAdaptedFlashcard</a:t>
             </a:r>
             <a:endParaRPr lang="en-SG" sz="1030" b="1" dirty="0">
               <a:solidFill>
@@ -4763,6 +4766,7 @@
         <p:nvCxnSpPr>
           <p:cNvPr id="77" name="Elbow Connector 122"/>
           <p:cNvCxnSpPr>
+            <a:cxnSpLocks/>
             <a:stCxn id="66" idx="3"/>
             <a:endCxn id="74" idx="1"/>
           </p:cNvCxnSpPr>
@@ -4770,8 +4774,8 @@
         </p:nvCxnSpPr>
         <p:spPr>
           <a:xfrm flipV="1">
-            <a:off x="7220507" y="3333004"/>
-            <a:ext cx="395231" cy="786"/>
+            <a:off x="6812974" y="3380222"/>
+            <a:ext cx="242831" cy="786"/>
           </a:xfrm>
           <a:prstGeom prst="bentConnector3">
             <a:avLst>

--- a/docs/diagrams/StorageComponentClassDiagram.pptx
+++ b/docs/diagrams/StorageComponentClassDiagram.pptx
@@ -208,7 +208,7 @@
           <a:p>
             <a:fld id="{F5CC4B3F-88C1-4FFA-B1B6-F41C21DC6924}" type="datetimeFigureOut">
               <a:rPr lang="en-US" smtClean="0"/>
-              <a:t>12/1/2018</a:t>
+              <a:t>4/14/19</a:t>
             </a:fld>
             <a:endParaRPr lang="en-US"/>
           </a:p>
@@ -654,7 +654,7 @@
           <a:p>
             <a:fld id="{78C97017-6FC3-485B-9764-EAC9E56C1D49}" type="datetimeFigureOut">
               <a:rPr lang="en-US" smtClean="0"/>
-              <a:t>12/1/2018</a:t>
+              <a:t>4/14/19</a:t>
             </a:fld>
             <a:endParaRPr lang="en-US"/>
           </a:p>
@@ -822,7 +822,7 @@
           <a:p>
             <a:fld id="{78C97017-6FC3-485B-9764-EAC9E56C1D49}" type="datetimeFigureOut">
               <a:rPr lang="en-US" smtClean="0"/>
-              <a:t>12/1/2018</a:t>
+              <a:t>4/14/19</a:t>
             </a:fld>
             <a:endParaRPr lang="en-US"/>
           </a:p>
@@ -1000,7 +1000,7 @@
           <a:p>
             <a:fld id="{78C97017-6FC3-485B-9764-EAC9E56C1D49}" type="datetimeFigureOut">
               <a:rPr lang="en-US" smtClean="0"/>
-              <a:t>12/1/2018</a:t>
+              <a:t>4/14/19</a:t>
             </a:fld>
             <a:endParaRPr lang="en-US"/>
           </a:p>
@@ -1168,7 +1168,7 @@
           <a:p>
             <a:fld id="{78C97017-6FC3-485B-9764-EAC9E56C1D49}" type="datetimeFigureOut">
               <a:rPr lang="en-US" smtClean="0"/>
-              <a:t>12/1/2018</a:t>
+              <a:t>4/14/19</a:t>
             </a:fld>
             <a:endParaRPr lang="en-US"/>
           </a:p>
@@ -1413,7 +1413,7 @@
           <a:p>
             <a:fld id="{78C97017-6FC3-485B-9764-EAC9E56C1D49}" type="datetimeFigureOut">
               <a:rPr lang="en-US" smtClean="0"/>
-              <a:t>12/1/2018</a:t>
+              <a:t>4/14/19</a:t>
             </a:fld>
             <a:endParaRPr lang="en-US"/>
           </a:p>
@@ -1698,7 +1698,7 @@
           <a:p>
             <a:fld id="{78C97017-6FC3-485B-9764-EAC9E56C1D49}" type="datetimeFigureOut">
               <a:rPr lang="en-US" smtClean="0"/>
-              <a:t>12/1/2018</a:t>
+              <a:t>4/14/19</a:t>
             </a:fld>
             <a:endParaRPr lang="en-US"/>
           </a:p>
@@ -2117,7 +2117,7 @@
           <a:p>
             <a:fld id="{78C97017-6FC3-485B-9764-EAC9E56C1D49}" type="datetimeFigureOut">
               <a:rPr lang="en-US" smtClean="0"/>
-              <a:t>12/1/2018</a:t>
+              <a:t>4/14/19</a:t>
             </a:fld>
             <a:endParaRPr lang="en-US"/>
           </a:p>
@@ -2234,7 +2234,7 @@
           <a:p>
             <a:fld id="{78C97017-6FC3-485B-9764-EAC9E56C1D49}" type="datetimeFigureOut">
               <a:rPr lang="en-US" smtClean="0"/>
-              <a:t>12/1/2018</a:t>
+              <a:t>4/14/19</a:t>
             </a:fld>
             <a:endParaRPr lang="en-US"/>
           </a:p>
@@ -2329,7 +2329,7 @@
           <a:p>
             <a:fld id="{78C97017-6FC3-485B-9764-EAC9E56C1D49}" type="datetimeFigureOut">
               <a:rPr lang="en-US" smtClean="0"/>
-              <a:t>12/1/2018</a:t>
+              <a:t>4/14/19</a:t>
             </a:fld>
             <a:endParaRPr lang="en-US"/>
           </a:p>
@@ -2604,7 +2604,7 @@
           <a:p>
             <a:fld id="{78C97017-6FC3-485B-9764-EAC9E56C1D49}" type="datetimeFigureOut">
               <a:rPr lang="en-US" smtClean="0"/>
-              <a:t>12/1/2018</a:t>
+              <a:t>4/14/19</a:t>
             </a:fld>
             <a:endParaRPr lang="en-US"/>
           </a:p>
@@ -2856,7 +2856,7 @@
           <a:p>
             <a:fld id="{78C97017-6FC3-485B-9764-EAC9E56C1D49}" type="datetimeFigureOut">
               <a:rPr lang="en-US" smtClean="0"/>
-              <a:t>12/1/2018</a:t>
+              <a:t>4/14/19</a:t>
             </a:fld>
             <a:endParaRPr lang="en-US"/>
           </a:p>
@@ -3067,7 +3067,7 @@
           <a:p>
             <a:fld id="{78C97017-6FC3-485B-9764-EAC9E56C1D49}" type="datetimeFigureOut">
               <a:rPr lang="en-US" smtClean="0"/>
-              <a:t>12/1/2018</a:t>
+              <a:t>4/14/19</a:t>
             </a:fld>
             <a:endParaRPr lang="en-US"/>
           </a:p>
@@ -3450,8 +3450,8 @@
         </p:nvSpPr>
         <p:spPr>
           <a:xfrm>
-            <a:off x="1119865" y="2086382"/>
-            <a:ext cx="7871735" cy="1723618"/>
+            <a:off x="1119865" y="1679260"/>
+            <a:ext cx="8024135" cy="3804280"/>
           </a:xfrm>
           <a:prstGeom prst="roundRect">
             <a:avLst>
@@ -3575,7 +3575,7 @@
                   <a:schemeClr val="bg1"/>
                 </a:solidFill>
               </a:rPr>
-              <a:t>AddressBookStorage</a:t>
+              <a:t>DocXStorage</a:t>
             </a:r>
             <a:endParaRPr lang="en-SG" sz="1050" dirty="0">
               <a:solidFill>
@@ -4148,26 +4148,7 @@
                   </a:schemeClr>
                 </a:solidFill>
               </a:rPr>
-              <a:t>JsonAddressBook</a:t>
-            </a:r>
-            <a:br>
-              <a:rPr lang="en-US" sz="1050" b="1" dirty="0">
-                <a:solidFill>
-                  <a:schemeClr val="accent6">
-                    <a:lumMod val="75000"/>
-                  </a:schemeClr>
-                </a:solidFill>
-              </a:rPr>
-            </a:br>
-            <a:r>
-              <a:rPr lang="en-US" sz="1050" b="1" dirty="0">
-                <a:solidFill>
-                  <a:schemeClr val="accent6">
-                    <a:lumMod val="75000"/>
-                  </a:schemeClr>
-                </a:solidFill>
-              </a:rPr>
-              <a:t>Storage</a:t>
+              <a:t>JsonDocXStorage</a:t>
             </a:r>
             <a:endParaRPr lang="en-SG" sz="1050" b="1" dirty="0">
               <a:solidFill>
@@ -4593,7 +4574,7 @@
                   </a:schemeClr>
                 </a:solidFill>
               </a:rPr>
-              <a:t>AddressBook</a:t>
+              <a:t>DocX</a:t>
             </a:r>
             <a:endParaRPr lang="en-SG" sz="1050" b="1" dirty="0">
               <a:solidFill>
@@ -4610,14 +4591,12 @@
           <p:cNvPr id="70" name="Elbow Connector 122"/>
           <p:cNvCxnSpPr>
             <a:cxnSpLocks/>
-            <a:stCxn id="74" idx="0"/>
-            <a:endCxn id="73" idx="2"/>
           </p:cNvCxnSpPr>
           <p:nvPr/>
         </p:nvCxnSpPr>
         <p:spPr>
-          <a:xfrm rot="16200000" flipV="1">
-            <a:off x="8077993" y="2992019"/>
+          <a:xfrm rot="5400000" flipH="1" flipV="1">
+            <a:off x="8214395" y="2992020"/>
             <a:ext cx="335208" cy="1"/>
           </a:xfrm>
           <a:prstGeom prst="bentConnector3">
@@ -4655,7 +4634,7 @@
         </p:nvSpPr>
         <p:spPr>
           <a:xfrm>
-            <a:off x="7615736" y="2477656"/>
+            <a:off x="7731881" y="2477656"/>
             <a:ext cx="1259719" cy="346760"/>
           </a:xfrm>
           <a:prstGeom prst="rect">
@@ -4712,7 +4691,7 @@
         <p:spPr>
           <a:xfrm>
             <a:off x="7615738" y="3159624"/>
-            <a:ext cx="1259718" cy="346760"/>
+            <a:ext cx="1375862" cy="346760"/>
           </a:xfrm>
           <a:prstGeom prst="rect">
             <a:avLst/>
@@ -4747,7 +4726,7 @@
                   </a:schemeClr>
                 </a:solidFill>
               </a:rPr>
-              <a:t>JsonAdaptedPerson</a:t>
+              <a:t>JsonAdaptedPatient</a:t>
             </a:r>
             <a:endParaRPr lang="en-SG" sz="1030" b="1" dirty="0">
               <a:solidFill>
@@ -4763,6 +4742,7 @@
         <p:nvCxnSpPr>
           <p:cNvPr id="77" name="Elbow Connector 122"/>
           <p:cNvCxnSpPr>
+            <a:cxnSpLocks/>
             <a:stCxn id="66" idx="3"/>
             <a:endCxn id="74" idx="1"/>
           </p:cNvCxnSpPr>
@@ -4777,6 +4757,732 @@
             <a:avLst>
               <a:gd name="adj1" fmla="val 50000"/>
             </a:avLst>
+          </a:prstGeom>
+          <a:ln w="19050">
+            <a:prstDash val="sysDot"/>
+            <a:headEnd type="none" w="med" len="med"/>
+            <a:tailEnd type="arrow" w="med" len="med"/>
+          </a:ln>
+          <a:effectLst/>
+        </p:spPr>
+        <p:style>
+          <a:lnRef idx="1">
+            <a:schemeClr val="accent6"/>
+          </a:lnRef>
+          <a:fillRef idx="2">
+            <a:schemeClr val="accent6"/>
+          </a:fillRef>
+          <a:effectRef idx="1">
+            <a:schemeClr val="accent6"/>
+          </a:effectRef>
+          <a:fontRef idx="minor">
+            <a:schemeClr val="dk1"/>
+          </a:fontRef>
+        </p:style>
+      </p:cxnSp>
+      <p:cxnSp>
+        <p:nvCxnSpPr>
+          <p:cNvPr id="37" name="Elbow Connector 122">
+            <a:extLst>
+              <a:ext uri="{FF2B5EF4-FFF2-40B4-BE49-F238E27FC236}">
+                <a16:creationId xmlns:a16="http://schemas.microsoft.com/office/drawing/2014/main" id="{A0E47FAE-1314-1C42-9162-29E1D28DEE27}"/>
+              </a:ext>
+            </a:extLst>
+          </p:cNvPr>
+          <p:cNvCxnSpPr>
+            <a:cxnSpLocks/>
+          </p:cNvCxnSpPr>
+          <p:nvPr/>
+        </p:nvCxnSpPr>
+        <p:spPr>
+          <a:xfrm rot="5400000" flipH="1" flipV="1">
+            <a:off x="6394387" y="2992019"/>
+            <a:ext cx="335208" cy="1"/>
+          </a:xfrm>
+          <a:prstGeom prst="bentConnector3">
+            <a:avLst>
+              <a:gd name="adj1" fmla="val 50000"/>
+            </a:avLst>
+          </a:prstGeom>
+          <a:ln w="19050">
+            <a:prstDash val="sysDot"/>
+            <a:headEnd type="none" w="med" len="med"/>
+            <a:tailEnd type="arrow" w="med" len="med"/>
+          </a:ln>
+          <a:effectLst/>
+        </p:spPr>
+        <p:style>
+          <a:lnRef idx="1">
+            <a:schemeClr val="accent6"/>
+          </a:lnRef>
+          <a:fillRef idx="2">
+            <a:schemeClr val="accent6"/>
+          </a:fillRef>
+          <a:effectRef idx="1">
+            <a:schemeClr val="accent6"/>
+          </a:effectRef>
+          <a:fontRef idx="minor">
+            <a:schemeClr val="dk1"/>
+          </a:fontRef>
+        </p:style>
+      </p:cxnSp>
+      <p:sp>
+        <p:nvSpPr>
+          <p:cNvPr id="38" name="Rectangle 8">
+            <a:extLst>
+              <a:ext uri="{FF2B5EF4-FFF2-40B4-BE49-F238E27FC236}">
+                <a16:creationId xmlns:a16="http://schemas.microsoft.com/office/drawing/2014/main" id="{73AE9E26-D633-1C49-876C-3855E7ED847A}"/>
+              </a:ext>
+            </a:extLst>
+          </p:cNvPr>
+          <p:cNvSpPr/>
+          <p:nvPr/>
+        </p:nvSpPr>
+        <p:spPr>
+          <a:xfrm>
+            <a:off x="5935087" y="2501405"/>
+            <a:ext cx="1375862" cy="346760"/>
+          </a:xfrm>
+          <a:prstGeom prst="rect">
+            <a:avLst/>
+          </a:prstGeom>
+          <a:ln w="19050"/>
+          <a:effectLst/>
+        </p:spPr>
+        <p:style>
+          <a:lnRef idx="1">
+            <a:schemeClr val="accent6"/>
+          </a:lnRef>
+          <a:fillRef idx="2">
+            <a:schemeClr val="accent6"/>
+          </a:fillRef>
+          <a:effectRef idx="1">
+            <a:schemeClr val="accent6"/>
+          </a:effectRef>
+          <a:fontRef idx="minor">
+            <a:schemeClr val="dk1"/>
+          </a:fontRef>
+        </p:style>
+        <p:txBody>
+          <a:bodyPr rtlCol="0" anchor="ctr"/>
+          <a:lstStyle/>
+          <a:p>
+            <a:pPr algn="ctr"/>
+            <a:r>
+              <a:rPr lang="en-US" sz="1030" b="1" dirty="0" err="1">
+                <a:solidFill>
+                  <a:schemeClr val="accent6">
+                    <a:lumMod val="75000"/>
+                  </a:schemeClr>
+                </a:solidFill>
+              </a:rPr>
+              <a:t>JsonAdaptedDoctor</a:t>
+            </a:r>
+            <a:endParaRPr lang="en-SG" sz="1030" b="1" dirty="0">
+              <a:solidFill>
+                <a:schemeClr val="accent6">
+                  <a:lumMod val="75000"/>
+                </a:schemeClr>
+              </a:solidFill>
+            </a:endParaRPr>
+          </a:p>
+        </p:txBody>
+      </p:sp>
+      <p:sp>
+        <p:nvSpPr>
+          <p:cNvPr id="51" name="Rectangle 8">
+            <a:extLst>
+              <a:ext uri="{FF2B5EF4-FFF2-40B4-BE49-F238E27FC236}">
+                <a16:creationId xmlns:a16="http://schemas.microsoft.com/office/drawing/2014/main" id="{7BBC16E5-886A-414D-93EA-437EAF36DD72}"/>
+              </a:ext>
+            </a:extLst>
+          </p:cNvPr>
+          <p:cNvSpPr/>
+          <p:nvPr/>
+        </p:nvSpPr>
+        <p:spPr>
+          <a:xfrm>
+            <a:off x="7701078" y="4708400"/>
+            <a:ext cx="1375862" cy="346760"/>
+          </a:xfrm>
+          <a:prstGeom prst="rect">
+            <a:avLst/>
+          </a:prstGeom>
+          <a:ln w="19050"/>
+          <a:effectLst/>
+        </p:spPr>
+        <p:style>
+          <a:lnRef idx="1">
+            <a:schemeClr val="accent6"/>
+          </a:lnRef>
+          <a:fillRef idx="2">
+            <a:schemeClr val="accent6"/>
+          </a:fillRef>
+          <a:effectRef idx="1">
+            <a:schemeClr val="accent6"/>
+          </a:effectRef>
+          <a:fontRef idx="minor">
+            <a:schemeClr val="dk1"/>
+          </a:fontRef>
+        </p:style>
+        <p:txBody>
+          <a:bodyPr rtlCol="0" anchor="ctr"/>
+          <a:lstStyle/>
+          <a:p>
+            <a:pPr algn="ctr"/>
+            <a:r>
+              <a:rPr lang="en-US" sz="1030" b="1" dirty="0" err="1">
+                <a:solidFill>
+                  <a:schemeClr val="accent6">
+                    <a:lumMod val="75000"/>
+                  </a:schemeClr>
+                </a:solidFill>
+              </a:rPr>
+              <a:t>JsonAdapted</a:t>
+            </a:r>
+            <a:endParaRPr lang="en-US" sz="1030" b="1" dirty="0">
+              <a:solidFill>
+                <a:schemeClr val="accent6">
+                  <a:lumMod val="75000"/>
+                </a:schemeClr>
+              </a:solidFill>
+            </a:endParaRPr>
+          </a:p>
+          <a:p>
+            <a:pPr algn="ctr"/>
+            <a:r>
+              <a:rPr lang="en-US" sz="1030" b="1" dirty="0" err="1">
+                <a:solidFill>
+                  <a:schemeClr val="accent6">
+                    <a:lumMod val="75000"/>
+                  </a:schemeClr>
+                </a:solidFill>
+              </a:rPr>
+              <a:t>MedicalHistory</a:t>
+            </a:r>
+            <a:endParaRPr lang="en-SG" sz="1030" b="1" dirty="0">
+              <a:solidFill>
+                <a:schemeClr val="accent6">
+                  <a:lumMod val="75000"/>
+                </a:schemeClr>
+              </a:solidFill>
+            </a:endParaRPr>
+          </a:p>
+        </p:txBody>
+      </p:sp>
+      <p:cxnSp>
+        <p:nvCxnSpPr>
+          <p:cNvPr id="53" name="Elbow Connector 122">
+            <a:extLst>
+              <a:ext uri="{FF2B5EF4-FFF2-40B4-BE49-F238E27FC236}">
+                <a16:creationId xmlns:a16="http://schemas.microsoft.com/office/drawing/2014/main" id="{3EF88496-79B0-E844-B9CB-5BECA79926BF}"/>
+              </a:ext>
+            </a:extLst>
+          </p:cNvPr>
+          <p:cNvCxnSpPr>
+            <a:cxnSpLocks/>
+          </p:cNvCxnSpPr>
+          <p:nvPr/>
+        </p:nvCxnSpPr>
+        <p:spPr>
+          <a:xfrm rot="5400000" flipH="1" flipV="1">
+            <a:off x="6394386" y="2339899"/>
+            <a:ext cx="335208" cy="1"/>
+          </a:xfrm>
+          <a:prstGeom prst="bentConnector3">
+            <a:avLst>
+              <a:gd name="adj1" fmla="val 50000"/>
+            </a:avLst>
+          </a:prstGeom>
+          <a:ln w="19050">
+            <a:prstDash val="sysDot"/>
+            <a:headEnd type="none" w="med" len="med"/>
+            <a:tailEnd type="arrow" w="med" len="med"/>
+          </a:ln>
+          <a:effectLst/>
+        </p:spPr>
+        <p:style>
+          <a:lnRef idx="1">
+            <a:schemeClr val="accent6"/>
+          </a:lnRef>
+          <a:fillRef idx="2">
+            <a:schemeClr val="accent6"/>
+          </a:fillRef>
+          <a:effectRef idx="1">
+            <a:schemeClr val="accent6"/>
+          </a:effectRef>
+          <a:fontRef idx="minor">
+            <a:schemeClr val="dk1"/>
+          </a:fontRef>
+        </p:style>
+      </p:cxnSp>
+      <p:sp>
+        <p:nvSpPr>
+          <p:cNvPr id="55" name="Rectangle 8">
+            <a:extLst>
+              <a:ext uri="{FF2B5EF4-FFF2-40B4-BE49-F238E27FC236}">
+                <a16:creationId xmlns:a16="http://schemas.microsoft.com/office/drawing/2014/main" id="{AB4E4FB1-29D8-AD40-8930-45645C4D7F05}"/>
+              </a:ext>
+            </a:extLst>
+          </p:cNvPr>
+          <p:cNvSpPr/>
+          <p:nvPr/>
+        </p:nvSpPr>
+        <p:spPr>
+          <a:xfrm>
+            <a:off x="5932222" y="1831634"/>
+            <a:ext cx="1375862" cy="346760"/>
+          </a:xfrm>
+          <a:prstGeom prst="rect">
+            <a:avLst/>
+          </a:prstGeom>
+          <a:ln w="19050"/>
+          <a:effectLst/>
+        </p:spPr>
+        <p:style>
+          <a:lnRef idx="1">
+            <a:schemeClr val="accent6"/>
+          </a:lnRef>
+          <a:fillRef idx="2">
+            <a:schemeClr val="accent6"/>
+          </a:fillRef>
+          <a:effectRef idx="1">
+            <a:schemeClr val="accent6"/>
+          </a:effectRef>
+          <a:fontRef idx="minor">
+            <a:schemeClr val="dk1"/>
+          </a:fontRef>
+        </p:style>
+        <p:txBody>
+          <a:bodyPr rtlCol="0" anchor="ctr"/>
+          <a:lstStyle/>
+          <a:p>
+            <a:pPr algn="ctr"/>
+            <a:r>
+              <a:rPr lang="en-US" sz="1030" b="1" dirty="0" err="1">
+                <a:solidFill>
+                  <a:schemeClr val="accent6">
+                    <a:lumMod val="75000"/>
+                  </a:schemeClr>
+                </a:solidFill>
+              </a:rPr>
+              <a:t>JsonAdaptedSpecialisation</a:t>
+            </a:r>
+            <a:endParaRPr lang="en-SG" sz="1030" b="1" dirty="0">
+              <a:solidFill>
+                <a:schemeClr val="accent6">
+                  <a:lumMod val="75000"/>
+                </a:schemeClr>
+              </a:solidFill>
+            </a:endParaRPr>
+          </a:p>
+        </p:txBody>
+      </p:sp>
+      <p:cxnSp>
+        <p:nvCxnSpPr>
+          <p:cNvPr id="57" name="Elbow Connector 122">
+            <a:extLst>
+              <a:ext uri="{FF2B5EF4-FFF2-40B4-BE49-F238E27FC236}">
+                <a16:creationId xmlns:a16="http://schemas.microsoft.com/office/drawing/2014/main" id="{DE216DD7-027E-D140-B1EC-05EC9A6057DD}"/>
+              </a:ext>
+            </a:extLst>
+          </p:cNvPr>
+          <p:cNvCxnSpPr>
+            <a:cxnSpLocks/>
+            <a:stCxn id="66" idx="2"/>
+            <a:endCxn id="51" idx="1"/>
+          </p:cNvCxnSpPr>
+          <p:nvPr/>
+        </p:nvCxnSpPr>
+        <p:spPr>
+          <a:xfrm rot="16200000" flipH="1">
+            <a:off x="6473311" y="3654013"/>
+            <a:ext cx="1374610" cy="1080924"/>
+          </a:xfrm>
+          <a:prstGeom prst="bentConnector2">
+            <a:avLst/>
+          </a:prstGeom>
+          <a:ln w="19050">
+            <a:prstDash val="sysDot"/>
+            <a:headEnd type="none" w="med" len="med"/>
+            <a:tailEnd type="arrow" w="med" len="med"/>
+          </a:ln>
+          <a:effectLst/>
+        </p:spPr>
+        <p:style>
+          <a:lnRef idx="1">
+            <a:schemeClr val="accent6"/>
+          </a:lnRef>
+          <a:fillRef idx="2">
+            <a:schemeClr val="accent6"/>
+          </a:fillRef>
+          <a:effectRef idx="1">
+            <a:schemeClr val="accent6"/>
+          </a:effectRef>
+          <a:fontRef idx="minor">
+            <a:schemeClr val="dk1"/>
+          </a:fontRef>
+        </p:style>
+      </p:cxnSp>
+      <p:sp>
+        <p:nvSpPr>
+          <p:cNvPr id="63" name="Rectangle 8">
+            <a:extLst>
+              <a:ext uri="{FF2B5EF4-FFF2-40B4-BE49-F238E27FC236}">
+                <a16:creationId xmlns:a16="http://schemas.microsoft.com/office/drawing/2014/main" id="{F4CA7DA7-7848-1343-AB71-B7CEBC1F7D2A}"/>
+              </a:ext>
+            </a:extLst>
+          </p:cNvPr>
+          <p:cNvSpPr/>
+          <p:nvPr/>
+        </p:nvSpPr>
+        <p:spPr>
+          <a:xfrm>
+            <a:off x="7694067" y="3768300"/>
+            <a:ext cx="1375862" cy="346760"/>
+          </a:xfrm>
+          <a:prstGeom prst="rect">
+            <a:avLst/>
+          </a:prstGeom>
+          <a:ln w="19050"/>
+          <a:effectLst/>
+        </p:spPr>
+        <p:style>
+          <a:lnRef idx="1">
+            <a:schemeClr val="accent6"/>
+          </a:lnRef>
+          <a:fillRef idx="2">
+            <a:schemeClr val="accent6"/>
+          </a:fillRef>
+          <a:effectRef idx="1">
+            <a:schemeClr val="accent6"/>
+          </a:effectRef>
+          <a:fontRef idx="minor">
+            <a:schemeClr val="dk1"/>
+          </a:fontRef>
+        </p:style>
+        <p:txBody>
+          <a:bodyPr rtlCol="0" anchor="ctr"/>
+          <a:lstStyle/>
+          <a:p>
+            <a:pPr algn="ctr"/>
+            <a:r>
+              <a:rPr lang="en-US" sz="1030" b="1" dirty="0" err="1">
+                <a:solidFill>
+                  <a:schemeClr val="accent6">
+                    <a:lumMod val="75000"/>
+                  </a:schemeClr>
+                </a:solidFill>
+              </a:rPr>
+              <a:t>JsonAdapted</a:t>
+            </a:r>
+            <a:endParaRPr lang="en-US" sz="1030" b="1" dirty="0">
+              <a:solidFill>
+                <a:schemeClr val="accent6">
+                  <a:lumMod val="75000"/>
+                </a:schemeClr>
+              </a:solidFill>
+            </a:endParaRPr>
+          </a:p>
+          <a:p>
+            <a:pPr algn="ctr"/>
+            <a:r>
+              <a:rPr lang="en-US" sz="1030" b="1" dirty="0">
+                <a:solidFill>
+                  <a:schemeClr val="accent6">
+                    <a:lumMod val="75000"/>
+                  </a:schemeClr>
+                </a:solidFill>
+              </a:rPr>
+              <a:t>Appointment</a:t>
+            </a:r>
+            <a:endParaRPr lang="en-SG" sz="1030" b="1" dirty="0">
+              <a:solidFill>
+                <a:schemeClr val="accent6">
+                  <a:lumMod val="75000"/>
+                </a:schemeClr>
+              </a:solidFill>
+            </a:endParaRPr>
+          </a:p>
+        </p:txBody>
+      </p:sp>
+      <p:cxnSp>
+        <p:nvCxnSpPr>
+          <p:cNvPr id="64" name="Elbow Connector 122">
+            <a:extLst>
+              <a:ext uri="{FF2B5EF4-FFF2-40B4-BE49-F238E27FC236}">
+                <a16:creationId xmlns:a16="http://schemas.microsoft.com/office/drawing/2014/main" id="{D186CD9F-BE8D-4D46-BE16-3979657D42D0}"/>
+              </a:ext>
+            </a:extLst>
+          </p:cNvPr>
+          <p:cNvCxnSpPr>
+            <a:cxnSpLocks/>
+          </p:cNvCxnSpPr>
+          <p:nvPr/>
+        </p:nvCxnSpPr>
+        <p:spPr>
+          <a:xfrm>
+            <a:off x="7086600" y="3524211"/>
+            <a:ext cx="602286" cy="434656"/>
+          </a:xfrm>
+          <a:prstGeom prst="bentConnector3">
+            <a:avLst>
+              <a:gd name="adj1" fmla="val 1417"/>
+            </a:avLst>
+          </a:prstGeom>
+          <a:ln w="19050">
+            <a:prstDash val="sysDot"/>
+            <a:headEnd type="none" w="med" len="med"/>
+            <a:tailEnd type="arrow" w="med" len="med"/>
+          </a:ln>
+          <a:effectLst/>
+        </p:spPr>
+        <p:style>
+          <a:lnRef idx="1">
+            <a:schemeClr val="accent6"/>
+          </a:lnRef>
+          <a:fillRef idx="2">
+            <a:schemeClr val="accent6"/>
+          </a:fillRef>
+          <a:effectRef idx="1">
+            <a:schemeClr val="accent6"/>
+          </a:effectRef>
+          <a:fontRef idx="minor">
+            <a:schemeClr val="dk1"/>
+          </a:fontRef>
+        </p:style>
+      </p:cxnSp>
+      <p:sp>
+        <p:nvSpPr>
+          <p:cNvPr id="71" name="Rectangle 8">
+            <a:extLst>
+              <a:ext uri="{FF2B5EF4-FFF2-40B4-BE49-F238E27FC236}">
+                <a16:creationId xmlns:a16="http://schemas.microsoft.com/office/drawing/2014/main" id="{2812B86C-62C0-3848-8D40-EFA8C27A8369}"/>
+              </a:ext>
+            </a:extLst>
+          </p:cNvPr>
+          <p:cNvSpPr/>
+          <p:nvPr/>
+        </p:nvSpPr>
+        <p:spPr>
+          <a:xfrm>
+            <a:off x="7688886" y="4249821"/>
+            <a:ext cx="1375862" cy="346760"/>
+          </a:xfrm>
+          <a:prstGeom prst="rect">
+            <a:avLst/>
+          </a:prstGeom>
+          <a:ln w="19050"/>
+          <a:effectLst/>
+        </p:spPr>
+        <p:style>
+          <a:lnRef idx="1">
+            <a:schemeClr val="accent6"/>
+          </a:lnRef>
+          <a:fillRef idx="2">
+            <a:schemeClr val="accent6"/>
+          </a:fillRef>
+          <a:effectRef idx="1">
+            <a:schemeClr val="accent6"/>
+          </a:effectRef>
+          <a:fontRef idx="minor">
+            <a:schemeClr val="dk1"/>
+          </a:fontRef>
+        </p:style>
+        <p:txBody>
+          <a:bodyPr rtlCol="0" anchor="ctr"/>
+          <a:lstStyle/>
+          <a:p>
+            <a:pPr algn="ctr"/>
+            <a:r>
+              <a:rPr lang="en-US" sz="1030" b="1" dirty="0" err="1">
+                <a:solidFill>
+                  <a:schemeClr val="accent6">
+                    <a:lumMod val="75000"/>
+                  </a:schemeClr>
+                </a:solidFill>
+              </a:rPr>
+              <a:t>JsonAdapted</a:t>
+            </a:r>
+            <a:endParaRPr lang="en-US" sz="1030" b="1" dirty="0">
+              <a:solidFill>
+                <a:schemeClr val="accent6">
+                  <a:lumMod val="75000"/>
+                </a:schemeClr>
+              </a:solidFill>
+            </a:endParaRPr>
+          </a:p>
+          <a:p>
+            <a:pPr algn="ctr"/>
+            <a:r>
+              <a:rPr lang="en-US" sz="1030" b="1" dirty="0">
+                <a:solidFill>
+                  <a:schemeClr val="accent6">
+                    <a:lumMod val="75000"/>
+                  </a:schemeClr>
+                </a:solidFill>
+              </a:rPr>
+              <a:t>Prescription</a:t>
+            </a:r>
+            <a:endParaRPr lang="en-SG" sz="1030" b="1" dirty="0">
+              <a:solidFill>
+                <a:schemeClr val="accent6">
+                  <a:lumMod val="75000"/>
+                </a:schemeClr>
+              </a:solidFill>
+            </a:endParaRPr>
+          </a:p>
+        </p:txBody>
+      </p:sp>
+      <p:cxnSp>
+        <p:nvCxnSpPr>
+          <p:cNvPr id="72" name="Elbow Connector 122">
+            <a:extLst>
+              <a:ext uri="{FF2B5EF4-FFF2-40B4-BE49-F238E27FC236}">
+                <a16:creationId xmlns:a16="http://schemas.microsoft.com/office/drawing/2014/main" id="{915171AF-EFC6-5742-910C-9919599EED60}"/>
+              </a:ext>
+            </a:extLst>
+          </p:cNvPr>
+          <p:cNvCxnSpPr>
+            <a:cxnSpLocks/>
+            <a:endCxn id="71" idx="1"/>
+          </p:cNvCxnSpPr>
+          <p:nvPr/>
+        </p:nvCxnSpPr>
+        <p:spPr>
+          <a:xfrm rot="16200000" flipH="1">
+            <a:off x="6823555" y="3557870"/>
+            <a:ext cx="899776" cy="830886"/>
+          </a:xfrm>
+          <a:prstGeom prst="bentConnector2">
+            <a:avLst/>
+          </a:prstGeom>
+          <a:ln w="19050">
+            <a:prstDash val="sysDot"/>
+            <a:headEnd type="none" w="med" len="med"/>
+            <a:tailEnd type="arrow" w="med" len="med"/>
+          </a:ln>
+          <a:effectLst/>
+        </p:spPr>
+        <p:style>
+          <a:lnRef idx="1">
+            <a:schemeClr val="accent6"/>
+          </a:lnRef>
+          <a:fillRef idx="2">
+            <a:schemeClr val="accent6"/>
+          </a:fillRef>
+          <a:effectRef idx="1">
+            <a:schemeClr val="accent6"/>
+          </a:effectRef>
+          <a:fontRef idx="minor">
+            <a:schemeClr val="dk1"/>
+          </a:fontRef>
+        </p:style>
+      </p:cxnSp>
+      <p:sp>
+        <p:nvSpPr>
+          <p:cNvPr id="84" name="Rectangle 8">
+            <a:extLst>
+              <a:ext uri="{FF2B5EF4-FFF2-40B4-BE49-F238E27FC236}">
+                <a16:creationId xmlns:a16="http://schemas.microsoft.com/office/drawing/2014/main" id="{45801ABB-1094-ED42-8C05-C12334D3AC22}"/>
+              </a:ext>
+            </a:extLst>
+          </p:cNvPr>
+          <p:cNvSpPr/>
+          <p:nvPr/>
+        </p:nvSpPr>
+        <p:spPr>
+          <a:xfrm>
+            <a:off x="4265279" y="4122065"/>
+            <a:ext cx="1375862" cy="346760"/>
+          </a:xfrm>
+          <a:prstGeom prst="rect">
+            <a:avLst/>
+          </a:prstGeom>
+          <a:ln w="19050"/>
+          <a:effectLst/>
+        </p:spPr>
+        <p:style>
+          <a:lnRef idx="1">
+            <a:schemeClr val="accent6"/>
+          </a:lnRef>
+          <a:fillRef idx="2">
+            <a:schemeClr val="accent6"/>
+          </a:fillRef>
+          <a:effectRef idx="1">
+            <a:schemeClr val="accent6"/>
+          </a:effectRef>
+          <a:fontRef idx="minor">
+            <a:schemeClr val="dk1"/>
+          </a:fontRef>
+        </p:style>
+        <p:txBody>
+          <a:bodyPr rtlCol="0" anchor="ctr"/>
+          <a:lstStyle/>
+          <a:p>
+            <a:pPr algn="ctr"/>
+            <a:r>
+              <a:rPr lang="en-US" sz="1030" b="1" dirty="0" err="1">
+                <a:solidFill>
+                  <a:schemeClr val="accent6">
+                    <a:lumMod val="75000"/>
+                  </a:schemeClr>
+                </a:solidFill>
+              </a:rPr>
+              <a:t>JsonAdapted</a:t>
+            </a:r>
+            <a:endParaRPr lang="en-US" sz="1030" b="1" dirty="0">
+              <a:solidFill>
+                <a:schemeClr val="accent6">
+                  <a:lumMod val="75000"/>
+                </a:schemeClr>
+              </a:solidFill>
+            </a:endParaRPr>
+          </a:p>
+          <a:p>
+            <a:pPr algn="ctr"/>
+            <a:r>
+              <a:rPr lang="en-US" sz="1030" b="1" dirty="0" err="1">
+                <a:solidFill>
+                  <a:schemeClr val="accent6">
+                    <a:lumMod val="75000"/>
+                  </a:schemeClr>
+                </a:solidFill>
+              </a:rPr>
+              <a:t>PersonIdCounter</a:t>
+            </a:r>
+            <a:endParaRPr lang="en-SG" sz="1030" b="1" dirty="0">
+              <a:solidFill>
+                <a:schemeClr val="accent6">
+                  <a:lumMod val="75000"/>
+                </a:schemeClr>
+              </a:solidFill>
+            </a:endParaRPr>
+          </a:p>
+        </p:txBody>
+      </p:sp>
+      <p:cxnSp>
+        <p:nvCxnSpPr>
+          <p:cNvPr id="85" name="Elbow Connector 122">
+            <a:extLst>
+              <a:ext uri="{FF2B5EF4-FFF2-40B4-BE49-F238E27FC236}">
+                <a16:creationId xmlns:a16="http://schemas.microsoft.com/office/drawing/2014/main" id="{B8292E95-970B-9C4F-95CF-FC011346BD03}"/>
+              </a:ext>
+            </a:extLst>
+          </p:cNvPr>
+          <p:cNvCxnSpPr>
+            <a:cxnSpLocks/>
+            <a:endCxn id="84" idx="3"/>
+          </p:cNvCxnSpPr>
+          <p:nvPr/>
+        </p:nvCxnSpPr>
+        <p:spPr>
+          <a:xfrm rot="5400000">
+            <a:off x="5601622" y="3577031"/>
+            <a:ext cx="757933" cy="678894"/>
+          </a:xfrm>
+          <a:prstGeom prst="bentConnector2">
+            <a:avLst/>
           </a:prstGeom>
           <a:ln w="19050">
             <a:prstDash val="sysDot"/>

--- a/docs/diagrams/StorageComponentClassDiagram.pptx
+++ b/docs/diagrams/StorageComponentClassDiagram.pptx
@@ -208,7 +208,7 @@
           <a:p>
             <a:fld id="{F5CC4B3F-88C1-4FFA-B1B6-F41C21DC6924}" type="datetimeFigureOut">
               <a:rPr lang="en-US" smtClean="0"/>
-              <a:t>4/11/2019</a:t>
+              <a:t>4/14/2019</a:t>
             </a:fld>
             <a:endParaRPr lang="en-US"/>
           </a:p>
@@ -654,7 +654,7 @@
           <a:p>
             <a:fld id="{78C97017-6FC3-485B-9764-EAC9E56C1D49}" type="datetimeFigureOut">
               <a:rPr lang="en-US" smtClean="0"/>
-              <a:t>4/11/2019</a:t>
+              <a:t>4/14/2019</a:t>
             </a:fld>
             <a:endParaRPr lang="en-US"/>
           </a:p>
@@ -822,7 +822,7 @@
           <a:p>
             <a:fld id="{78C97017-6FC3-485B-9764-EAC9E56C1D49}" type="datetimeFigureOut">
               <a:rPr lang="en-US" smtClean="0"/>
-              <a:t>4/11/2019</a:t>
+              <a:t>4/14/2019</a:t>
             </a:fld>
             <a:endParaRPr lang="en-US"/>
           </a:p>
@@ -1000,7 +1000,7 @@
           <a:p>
             <a:fld id="{78C97017-6FC3-485B-9764-EAC9E56C1D49}" type="datetimeFigureOut">
               <a:rPr lang="en-US" smtClean="0"/>
-              <a:t>4/11/2019</a:t>
+              <a:t>4/14/2019</a:t>
             </a:fld>
             <a:endParaRPr lang="en-US"/>
           </a:p>
@@ -1168,7 +1168,7 @@
           <a:p>
             <a:fld id="{78C97017-6FC3-485B-9764-EAC9E56C1D49}" type="datetimeFigureOut">
               <a:rPr lang="en-US" smtClean="0"/>
-              <a:t>4/11/2019</a:t>
+              <a:t>4/14/2019</a:t>
             </a:fld>
             <a:endParaRPr lang="en-US"/>
           </a:p>
@@ -1413,7 +1413,7 @@
           <a:p>
             <a:fld id="{78C97017-6FC3-485B-9764-EAC9E56C1D49}" type="datetimeFigureOut">
               <a:rPr lang="en-US" smtClean="0"/>
-              <a:t>4/11/2019</a:t>
+              <a:t>4/14/2019</a:t>
             </a:fld>
             <a:endParaRPr lang="en-US"/>
           </a:p>
@@ -1698,7 +1698,7 @@
           <a:p>
             <a:fld id="{78C97017-6FC3-485B-9764-EAC9E56C1D49}" type="datetimeFigureOut">
               <a:rPr lang="en-US" smtClean="0"/>
-              <a:t>4/11/2019</a:t>
+              <a:t>4/14/2019</a:t>
             </a:fld>
             <a:endParaRPr lang="en-US"/>
           </a:p>
@@ -2117,7 +2117,7 @@
           <a:p>
             <a:fld id="{78C97017-6FC3-485B-9764-EAC9E56C1D49}" type="datetimeFigureOut">
               <a:rPr lang="en-US" smtClean="0"/>
-              <a:t>4/11/2019</a:t>
+              <a:t>4/14/2019</a:t>
             </a:fld>
             <a:endParaRPr lang="en-US"/>
           </a:p>
@@ -2234,7 +2234,7 @@
           <a:p>
             <a:fld id="{78C97017-6FC3-485B-9764-EAC9E56C1D49}" type="datetimeFigureOut">
               <a:rPr lang="en-US" smtClean="0"/>
-              <a:t>4/11/2019</a:t>
+              <a:t>4/14/2019</a:t>
             </a:fld>
             <a:endParaRPr lang="en-US"/>
           </a:p>
@@ -2329,7 +2329,7 @@
           <a:p>
             <a:fld id="{78C97017-6FC3-485B-9764-EAC9E56C1D49}" type="datetimeFigureOut">
               <a:rPr lang="en-US" smtClean="0"/>
-              <a:t>4/11/2019</a:t>
+              <a:t>4/14/2019</a:t>
             </a:fld>
             <a:endParaRPr lang="en-US"/>
           </a:p>
@@ -2604,7 +2604,7 @@
           <a:p>
             <a:fld id="{78C97017-6FC3-485B-9764-EAC9E56C1D49}" type="datetimeFigureOut">
               <a:rPr lang="en-US" smtClean="0"/>
-              <a:t>4/11/2019</a:t>
+              <a:t>4/14/2019</a:t>
             </a:fld>
             <a:endParaRPr lang="en-US"/>
           </a:p>
@@ -2856,7 +2856,7 @@
           <a:p>
             <a:fld id="{78C97017-6FC3-485B-9764-EAC9E56C1D49}" type="datetimeFigureOut">
               <a:rPr lang="en-US" smtClean="0"/>
-              <a:t>4/11/2019</a:t>
+              <a:t>4/14/2019</a:t>
             </a:fld>
             <a:endParaRPr lang="en-US"/>
           </a:p>
@@ -3067,7 +3067,7 @@
           <a:p>
             <a:fld id="{78C97017-6FC3-485B-9764-EAC9E56C1D49}" type="datetimeFigureOut">
               <a:rPr lang="en-US" smtClean="0"/>
-              <a:t>4/11/2019</a:t>
+              <a:t>4/14/2019</a:t>
             </a:fld>
             <a:endParaRPr lang="en-US"/>
           </a:p>

--- a/docs/diagrams/StorageComponentClassDiagram.pptx
+++ b/docs/diagrams/StorageComponentClassDiagram.pptx
@@ -208,7 +208,7 @@
           <a:p>
             <a:fld id="{F5CC4B3F-88C1-4FFA-B1B6-F41C21DC6924}" type="datetimeFigureOut">
               <a:rPr lang="en-US" smtClean="0"/>
-              <a:t>3/4/2019</a:t>
+              <a:t>4/14/2019</a:t>
             </a:fld>
             <a:endParaRPr lang="en-US"/>
           </a:p>
@@ -654,7 +654,7 @@
           <a:p>
             <a:fld id="{78C97017-6FC3-485B-9764-EAC9E56C1D49}" type="datetimeFigureOut">
               <a:rPr lang="en-US" smtClean="0"/>
-              <a:t>3/4/2019</a:t>
+              <a:t>4/14/2019</a:t>
             </a:fld>
             <a:endParaRPr lang="en-US"/>
           </a:p>
@@ -822,7 +822,7 @@
           <a:p>
             <a:fld id="{78C97017-6FC3-485B-9764-EAC9E56C1D49}" type="datetimeFigureOut">
               <a:rPr lang="en-US" smtClean="0"/>
-              <a:t>3/4/2019</a:t>
+              <a:t>4/14/2019</a:t>
             </a:fld>
             <a:endParaRPr lang="en-US"/>
           </a:p>
@@ -1000,7 +1000,7 @@
           <a:p>
             <a:fld id="{78C97017-6FC3-485B-9764-EAC9E56C1D49}" type="datetimeFigureOut">
               <a:rPr lang="en-US" smtClean="0"/>
-              <a:t>3/4/2019</a:t>
+              <a:t>4/14/2019</a:t>
             </a:fld>
             <a:endParaRPr lang="en-US"/>
           </a:p>
@@ -1168,7 +1168,7 @@
           <a:p>
             <a:fld id="{78C97017-6FC3-485B-9764-EAC9E56C1D49}" type="datetimeFigureOut">
               <a:rPr lang="en-US" smtClean="0"/>
-              <a:t>3/4/2019</a:t>
+              <a:t>4/14/2019</a:t>
             </a:fld>
             <a:endParaRPr lang="en-US"/>
           </a:p>
@@ -1413,7 +1413,7 @@
           <a:p>
             <a:fld id="{78C97017-6FC3-485B-9764-EAC9E56C1D49}" type="datetimeFigureOut">
               <a:rPr lang="en-US" smtClean="0"/>
-              <a:t>3/4/2019</a:t>
+              <a:t>4/14/2019</a:t>
             </a:fld>
             <a:endParaRPr lang="en-US"/>
           </a:p>
@@ -1698,7 +1698,7 @@
           <a:p>
             <a:fld id="{78C97017-6FC3-485B-9764-EAC9E56C1D49}" type="datetimeFigureOut">
               <a:rPr lang="en-US" smtClean="0"/>
-              <a:t>3/4/2019</a:t>
+              <a:t>4/14/2019</a:t>
             </a:fld>
             <a:endParaRPr lang="en-US"/>
           </a:p>
@@ -2117,7 +2117,7 @@
           <a:p>
             <a:fld id="{78C97017-6FC3-485B-9764-EAC9E56C1D49}" type="datetimeFigureOut">
               <a:rPr lang="en-US" smtClean="0"/>
-              <a:t>3/4/2019</a:t>
+              <a:t>4/14/2019</a:t>
             </a:fld>
             <a:endParaRPr lang="en-US"/>
           </a:p>
@@ -2234,7 +2234,7 @@
           <a:p>
             <a:fld id="{78C97017-6FC3-485B-9764-EAC9E56C1D49}" type="datetimeFigureOut">
               <a:rPr lang="en-US" smtClean="0"/>
-              <a:t>3/4/2019</a:t>
+              <a:t>4/14/2019</a:t>
             </a:fld>
             <a:endParaRPr lang="en-US"/>
           </a:p>
@@ -2329,7 +2329,7 @@
           <a:p>
             <a:fld id="{78C97017-6FC3-485B-9764-EAC9E56C1D49}" type="datetimeFigureOut">
               <a:rPr lang="en-US" smtClean="0"/>
-              <a:t>3/4/2019</a:t>
+              <a:t>4/14/2019</a:t>
             </a:fld>
             <a:endParaRPr lang="en-US"/>
           </a:p>
@@ -2604,7 +2604,7 @@
           <a:p>
             <a:fld id="{78C97017-6FC3-485B-9764-EAC9E56C1D49}" type="datetimeFigureOut">
               <a:rPr lang="en-US" smtClean="0"/>
-              <a:t>3/4/2019</a:t>
+              <a:t>4/14/2019</a:t>
             </a:fld>
             <a:endParaRPr lang="en-US"/>
           </a:p>
@@ -2856,7 +2856,7 @@
           <a:p>
             <a:fld id="{78C97017-6FC3-485B-9764-EAC9E56C1D49}" type="datetimeFigureOut">
               <a:rPr lang="en-US" smtClean="0"/>
-              <a:t>3/4/2019</a:t>
+              <a:t>4/14/2019</a:t>
             </a:fld>
             <a:endParaRPr lang="en-US"/>
           </a:p>
@@ -3067,7 +3067,7 @@
           <a:p>
             <a:fld id="{78C97017-6FC3-485B-9764-EAC9E56C1D49}" type="datetimeFigureOut">
               <a:rPr lang="en-US" smtClean="0"/>
-              <a:t>3/4/2019</a:t>
+              <a:t>4/14/2019</a:t>
             </a:fld>
             <a:endParaRPr lang="en-US"/>
           </a:p>
@@ -5310,7 +5310,7 @@
                       </a:schemeClr>
                     </a:solidFill>
                   </a:rPr>
-                  <a:t>JsonAdaptedStatistics</a:t>
+                  <a:t>JsonAdaptedRevenue</a:t>
                 </a:r>
                 <a:endParaRPr lang="en-SG" sz="1030" b="1" dirty="0">
                   <a:solidFill>

--- a/docs/diagrams/StorageComponentClassDiagram.pptx
+++ b/docs/diagrams/StorageComponentClassDiagram.pptx
@@ -208,7 +208,7 @@
           <a:p>
             <a:fld id="{F5CC4B3F-88C1-4FFA-B1B6-F41C21DC6924}" type="datetimeFigureOut">
               <a:rPr lang="en-US" smtClean="0"/>
-              <a:t>4/5/19</a:t>
+              <a:t>4/14/2019</a:t>
             </a:fld>
             <a:endParaRPr lang="en-US"/>
           </a:p>
@@ -654,7 +654,7 @@
           <a:p>
             <a:fld id="{78C97017-6FC3-485B-9764-EAC9E56C1D49}" type="datetimeFigureOut">
               <a:rPr lang="en-US" smtClean="0"/>
-              <a:t>4/5/19</a:t>
+              <a:t>4/14/2019</a:t>
             </a:fld>
             <a:endParaRPr lang="en-US"/>
           </a:p>
@@ -822,7 +822,7 @@
           <a:p>
             <a:fld id="{78C97017-6FC3-485B-9764-EAC9E56C1D49}" type="datetimeFigureOut">
               <a:rPr lang="en-US" smtClean="0"/>
-              <a:t>4/5/19</a:t>
+              <a:t>4/14/2019</a:t>
             </a:fld>
             <a:endParaRPr lang="en-US"/>
           </a:p>
@@ -1000,7 +1000,7 @@
           <a:p>
             <a:fld id="{78C97017-6FC3-485B-9764-EAC9E56C1D49}" type="datetimeFigureOut">
               <a:rPr lang="en-US" smtClean="0"/>
-              <a:t>4/5/19</a:t>
+              <a:t>4/14/2019</a:t>
             </a:fld>
             <a:endParaRPr lang="en-US"/>
           </a:p>
@@ -1168,7 +1168,7 @@
           <a:p>
             <a:fld id="{78C97017-6FC3-485B-9764-EAC9E56C1D49}" type="datetimeFigureOut">
               <a:rPr lang="en-US" smtClean="0"/>
-              <a:t>4/5/19</a:t>
+              <a:t>4/14/2019</a:t>
             </a:fld>
             <a:endParaRPr lang="en-US"/>
           </a:p>
@@ -1413,7 +1413,7 @@
           <a:p>
             <a:fld id="{78C97017-6FC3-485B-9764-EAC9E56C1D49}" type="datetimeFigureOut">
               <a:rPr lang="en-US" smtClean="0"/>
-              <a:t>4/5/19</a:t>
+              <a:t>4/14/2019</a:t>
             </a:fld>
             <a:endParaRPr lang="en-US"/>
           </a:p>
@@ -1698,7 +1698,7 @@
           <a:p>
             <a:fld id="{78C97017-6FC3-485B-9764-EAC9E56C1D49}" type="datetimeFigureOut">
               <a:rPr lang="en-US" smtClean="0"/>
-              <a:t>4/5/19</a:t>
+              <a:t>4/14/2019</a:t>
             </a:fld>
             <a:endParaRPr lang="en-US"/>
           </a:p>
@@ -2117,7 +2117,7 @@
           <a:p>
             <a:fld id="{78C97017-6FC3-485B-9764-EAC9E56C1D49}" type="datetimeFigureOut">
               <a:rPr lang="en-US" smtClean="0"/>
-              <a:t>4/5/19</a:t>
+              <a:t>4/14/2019</a:t>
             </a:fld>
             <a:endParaRPr lang="en-US"/>
           </a:p>
@@ -2234,7 +2234,7 @@
           <a:p>
             <a:fld id="{78C97017-6FC3-485B-9764-EAC9E56C1D49}" type="datetimeFigureOut">
               <a:rPr lang="en-US" smtClean="0"/>
-              <a:t>4/5/19</a:t>
+              <a:t>4/14/2019</a:t>
             </a:fld>
             <a:endParaRPr lang="en-US"/>
           </a:p>
@@ -2329,7 +2329,7 @@
           <a:p>
             <a:fld id="{78C97017-6FC3-485B-9764-EAC9E56C1D49}" type="datetimeFigureOut">
               <a:rPr lang="en-US" smtClean="0"/>
-              <a:t>4/5/19</a:t>
+              <a:t>4/14/2019</a:t>
             </a:fld>
             <a:endParaRPr lang="en-US"/>
           </a:p>
@@ -2604,7 +2604,7 @@
           <a:p>
             <a:fld id="{78C97017-6FC3-485B-9764-EAC9E56C1D49}" type="datetimeFigureOut">
               <a:rPr lang="en-US" smtClean="0"/>
-              <a:t>4/5/19</a:t>
+              <a:t>4/14/2019</a:t>
             </a:fld>
             <a:endParaRPr lang="en-US"/>
           </a:p>
@@ -2856,7 +2856,7 @@
           <a:p>
             <a:fld id="{78C97017-6FC3-485B-9764-EAC9E56C1D49}" type="datetimeFigureOut">
               <a:rPr lang="en-US" smtClean="0"/>
-              <a:t>4/5/19</a:t>
+              <a:t>4/14/2019</a:t>
             </a:fld>
             <a:endParaRPr lang="en-US"/>
           </a:p>
@@ -3067,7 +3067,7 @@
           <a:p>
             <a:fld id="{78C97017-6FC3-485B-9764-EAC9E56C1D49}" type="datetimeFigureOut">
               <a:rPr lang="en-US" smtClean="0"/>
-              <a:t>4/5/19</a:t>
+              <a:t>4/14/2019</a:t>
             </a:fld>
             <a:endParaRPr lang="en-US"/>
           </a:p>
@@ -3450,12 +3450,12 @@
         </p:nvSpPr>
         <p:spPr>
           <a:xfrm>
-            <a:off x="743174" y="2086382"/>
-            <a:ext cx="8024135" cy="1723618"/>
+            <a:off x="685800" y="2086382"/>
+            <a:ext cx="8081509" cy="2939958"/>
           </a:xfrm>
           <a:prstGeom prst="roundRect">
             <a:avLst>
-              <a:gd name="adj" fmla="val 3484"/>
+              <a:gd name="adj" fmla="val 0"/>
             </a:avLst>
           </a:prstGeom>
           <a:solidFill>
@@ -3593,8 +3593,8 @@
         </p:nvSpPr>
         <p:spPr>
           <a:xfrm rot="16200000">
-            <a:off x="1307272" y="2868687"/>
-            <a:ext cx="1093635" cy="346760"/>
+            <a:off x="734836" y="3441123"/>
+            <a:ext cx="2229146" cy="337398"/>
           </a:xfrm>
           <a:prstGeom prst="rect">
             <a:avLst/>
@@ -3949,7 +3949,7 @@
           <a:lstStyle/>
           <a:p>
             <a:pPr algn="ctr"/>
-            <a:endParaRPr lang="en-US" sz="1050">
+            <a:endParaRPr lang="en-US" sz="1050" dirty="0">
               <a:solidFill>
                 <a:schemeClr val="bg1"/>
               </a:solidFill>
@@ -4617,8 +4617,8 @@
         </p:nvCxnSpPr>
         <p:spPr>
           <a:xfrm rot="5400000" flipH="1" flipV="1">
-            <a:off x="7778086" y="2922757"/>
-            <a:ext cx="311821" cy="161915"/>
+            <a:off x="7806503" y="2951174"/>
+            <a:ext cx="311821" cy="105081"/>
           </a:xfrm>
           <a:prstGeom prst="bentConnector3">
             <a:avLst>
@@ -4731,8 +4731,8 @@
         </p:nvSpPr>
         <p:spPr>
           <a:xfrm>
-            <a:off x="7090909" y="3159624"/>
-            <a:ext cx="1524259" cy="346760"/>
+            <a:off x="7162541" y="3159624"/>
+            <a:ext cx="1494663" cy="346760"/>
           </a:xfrm>
           <a:prstGeom prst="rect">
             <a:avLst/>
@@ -4783,6 +4783,7 @@
         <p:nvCxnSpPr>
           <p:cNvPr id="77" name="Elbow Connector 122"/>
           <p:cNvCxnSpPr>
+            <a:cxnSpLocks/>
             <a:stCxn id="66" idx="3"/>
             <a:endCxn id="74" idx="1"/>
           </p:cNvCxnSpPr>
@@ -4791,7 +4792,7 @@
         <p:spPr>
           <a:xfrm flipV="1">
             <a:off x="6843816" y="3333004"/>
-            <a:ext cx="247093" cy="786"/>
+            <a:ext cx="318725" cy="786"/>
           </a:xfrm>
           <a:prstGeom prst="bentConnector3">
             <a:avLst>
@@ -4838,8 +4839,8 @@
         </p:nvCxnSpPr>
         <p:spPr>
           <a:xfrm rot="16200000" flipV="1">
-            <a:off x="7206034" y="2512619"/>
-            <a:ext cx="316021" cy="977990"/>
+            <a:off x="7234451" y="2484202"/>
+            <a:ext cx="316021" cy="1034824"/>
           </a:xfrm>
           <a:prstGeom prst="bentConnector3">
             <a:avLst>
@@ -4921,6 +4922,627 @@
               <a:t>JsonAdaptedTag</a:t>
             </a:r>
             <a:endParaRPr lang="en-SG" sz="1050" b="1" dirty="0">
+              <a:solidFill>
+                <a:schemeClr val="accent6">
+                  <a:lumMod val="75000"/>
+                </a:schemeClr>
+              </a:solidFill>
+            </a:endParaRPr>
+          </a:p>
+        </p:txBody>
+      </p:sp>
+      <p:sp>
+        <p:nvSpPr>
+          <p:cNvPr id="43" name="Rectangle 8">
+            <a:extLst>
+              <a:ext uri="{FF2B5EF4-FFF2-40B4-BE49-F238E27FC236}">
+                <a16:creationId xmlns:a16="http://schemas.microsoft.com/office/drawing/2014/main" id="{D0AFBEC0-4DC7-4215-8995-760A06044278}"/>
+              </a:ext>
+            </a:extLst>
+          </p:cNvPr>
+          <p:cNvSpPr/>
+          <p:nvPr/>
+        </p:nvSpPr>
+        <p:spPr>
+          <a:xfrm>
+            <a:off x="2498054" y="3990554"/>
+            <a:ext cx="1323049" cy="346760"/>
+          </a:xfrm>
+          <a:prstGeom prst="rect">
+            <a:avLst/>
+          </a:prstGeom>
+          <a:solidFill>
+            <a:schemeClr val="accent6">
+              <a:lumMod val="75000"/>
+            </a:schemeClr>
+          </a:solidFill>
+          <a:ln w="19050">
+            <a:solidFill>
+              <a:schemeClr val="accent6">
+                <a:lumMod val="75000"/>
+              </a:schemeClr>
+            </a:solidFill>
+          </a:ln>
+          <a:effectLst/>
+        </p:spPr>
+        <p:style>
+          <a:lnRef idx="1">
+            <a:schemeClr val="accent2"/>
+          </a:lnRef>
+          <a:fillRef idx="2">
+            <a:schemeClr val="accent2"/>
+          </a:fillRef>
+          <a:effectRef idx="1">
+            <a:schemeClr val="accent2"/>
+          </a:effectRef>
+          <a:fontRef idx="minor">
+            <a:schemeClr val="dk1"/>
+          </a:fontRef>
+        </p:style>
+        <p:txBody>
+          <a:bodyPr rtlCol="0" anchor="ctr"/>
+          <a:lstStyle/>
+          <a:p>
+            <a:pPr algn="ctr"/>
+            <a:r>
+              <a:rPr lang="en-US" sz="1050" dirty="0">
+                <a:solidFill>
+                  <a:schemeClr val="bg1"/>
+                </a:solidFill>
+              </a:rPr>
+              <a:t>&lt;&lt;interface&gt;&gt;</a:t>
+            </a:r>
+            <a:br>
+              <a:rPr lang="en-US" sz="1050" dirty="0">
+                <a:solidFill>
+                  <a:schemeClr val="bg1"/>
+                </a:solidFill>
+              </a:rPr>
+            </a:br>
+            <a:r>
+              <a:rPr lang="en-US" sz="1050" dirty="0" err="1">
+                <a:solidFill>
+                  <a:schemeClr val="bg1"/>
+                </a:solidFill>
+              </a:rPr>
+              <a:t>PostalDataStorage</a:t>
+            </a:r>
+            <a:endParaRPr lang="en-SG" sz="1050" dirty="0">
+              <a:solidFill>
+                <a:schemeClr val="bg1"/>
+              </a:solidFill>
+            </a:endParaRPr>
+          </a:p>
+        </p:txBody>
+      </p:sp>
+      <p:cxnSp>
+        <p:nvCxnSpPr>
+          <p:cNvPr id="44" name="Straight Arrow Connector 43">
+            <a:extLst>
+              <a:ext uri="{FF2B5EF4-FFF2-40B4-BE49-F238E27FC236}">
+                <a16:creationId xmlns:a16="http://schemas.microsoft.com/office/drawing/2014/main" id="{0748287C-D2B8-41F3-A671-A762BF78976F}"/>
+              </a:ext>
+            </a:extLst>
+          </p:cNvPr>
+          <p:cNvCxnSpPr>
+            <a:stCxn id="45" idx="3"/>
+            <a:endCxn id="43" idx="1"/>
+          </p:cNvCxnSpPr>
+          <p:nvPr/>
+        </p:nvCxnSpPr>
+        <p:spPr>
+          <a:xfrm>
+            <a:off x="2277244" y="4158650"/>
+            <a:ext cx="220810" cy="5284"/>
+          </a:xfrm>
+          <a:prstGeom prst="straightConnector1">
+            <a:avLst/>
+          </a:prstGeom>
+          <a:ln w="19050">
+            <a:solidFill>
+              <a:schemeClr val="accent6">
+                <a:lumMod val="75000"/>
+              </a:schemeClr>
+            </a:solidFill>
+            <a:headEnd type="none" w="med" len="med"/>
+            <a:tailEnd type="arrow" w="med" len="med"/>
+          </a:ln>
+          <a:effectLst/>
+        </p:spPr>
+        <p:style>
+          <a:lnRef idx="1">
+            <a:schemeClr val="accent2"/>
+          </a:lnRef>
+          <a:fillRef idx="2">
+            <a:schemeClr val="accent2"/>
+          </a:fillRef>
+          <a:effectRef idx="1">
+            <a:schemeClr val="accent2"/>
+          </a:effectRef>
+          <a:fontRef idx="minor">
+            <a:schemeClr val="dk1"/>
+          </a:fontRef>
+        </p:style>
+      </p:cxnSp>
+      <p:sp>
+        <p:nvSpPr>
+          <p:cNvPr id="45" name="Flowchart: Decision 96">
+            <a:extLst>
+              <a:ext uri="{FF2B5EF4-FFF2-40B4-BE49-F238E27FC236}">
+                <a16:creationId xmlns:a16="http://schemas.microsoft.com/office/drawing/2014/main" id="{CB04BA31-2940-42F9-9C5F-895E99090766}"/>
+              </a:ext>
+            </a:extLst>
+          </p:cNvPr>
+          <p:cNvSpPr/>
+          <p:nvPr/>
+        </p:nvSpPr>
+        <p:spPr>
+          <a:xfrm>
+            <a:off x="2041196" y="4071960"/>
+            <a:ext cx="236048" cy="173380"/>
+          </a:xfrm>
+          <a:prstGeom prst="flowChartDecision">
+            <a:avLst/>
+          </a:prstGeom>
+          <a:noFill/>
+          <a:ln w="19050">
+            <a:solidFill>
+              <a:schemeClr val="accent6">
+                <a:lumMod val="75000"/>
+              </a:schemeClr>
+            </a:solidFill>
+          </a:ln>
+          <a:effectLst/>
+        </p:spPr>
+        <p:style>
+          <a:lnRef idx="1">
+            <a:schemeClr val="accent2"/>
+          </a:lnRef>
+          <a:fillRef idx="2">
+            <a:schemeClr val="accent2"/>
+          </a:fillRef>
+          <a:effectRef idx="1">
+            <a:schemeClr val="accent2"/>
+          </a:effectRef>
+          <a:fontRef idx="minor">
+            <a:schemeClr val="dk1"/>
+          </a:fontRef>
+        </p:style>
+        <p:txBody>
+          <a:bodyPr rtlCol="0" anchor="ctr"/>
+          <a:lstStyle/>
+          <a:p>
+            <a:pPr algn="ctr"/>
+            <a:endParaRPr lang="en-US" sz="1050" dirty="0">
+              <a:solidFill>
+                <a:schemeClr val="bg1"/>
+              </a:solidFill>
+            </a:endParaRPr>
+          </a:p>
+        </p:txBody>
+      </p:sp>
+      <p:sp>
+        <p:nvSpPr>
+          <p:cNvPr id="46" name="Isosceles Triangle 102">
+            <a:extLst>
+              <a:ext uri="{FF2B5EF4-FFF2-40B4-BE49-F238E27FC236}">
+                <a16:creationId xmlns:a16="http://schemas.microsoft.com/office/drawing/2014/main" id="{7B3DF07A-39F3-44A8-8827-B3CEDD97C749}"/>
+              </a:ext>
+            </a:extLst>
+          </p:cNvPr>
+          <p:cNvSpPr/>
+          <p:nvPr/>
+        </p:nvSpPr>
+        <p:spPr>
+          <a:xfrm rot="5400000" flipV="1">
+            <a:off x="3795901" y="4076173"/>
+            <a:ext cx="270504" cy="175523"/>
+          </a:xfrm>
+          <a:prstGeom prst="triangle">
+            <a:avLst/>
+          </a:prstGeom>
+          <a:solidFill>
+            <a:schemeClr val="accent6">
+              <a:lumMod val="75000"/>
+            </a:schemeClr>
+          </a:solidFill>
+          <a:ln w="19050">
+            <a:solidFill>
+              <a:schemeClr val="accent6">
+                <a:lumMod val="75000"/>
+              </a:schemeClr>
+            </a:solidFill>
+          </a:ln>
+          <a:effectLst/>
+        </p:spPr>
+        <p:style>
+          <a:lnRef idx="1">
+            <a:schemeClr val="accent2"/>
+          </a:lnRef>
+          <a:fillRef idx="2">
+            <a:schemeClr val="accent2"/>
+          </a:fillRef>
+          <a:effectRef idx="1">
+            <a:schemeClr val="accent2"/>
+          </a:effectRef>
+          <a:fontRef idx="minor">
+            <a:schemeClr val="dk1"/>
+          </a:fontRef>
+        </p:style>
+        <p:txBody>
+          <a:bodyPr rtlCol="0" anchor="ctr"/>
+          <a:lstStyle/>
+          <a:p>
+            <a:pPr algn="ctr"/>
+            <a:endParaRPr lang="en-SG" sz="1050">
+              <a:solidFill>
+                <a:schemeClr val="bg1"/>
+              </a:solidFill>
+            </a:endParaRPr>
+          </a:p>
+        </p:txBody>
+      </p:sp>
+      <p:cxnSp>
+        <p:nvCxnSpPr>
+          <p:cNvPr id="47" name="Elbow Connector 122">
+            <a:extLst>
+              <a:ext uri="{FF2B5EF4-FFF2-40B4-BE49-F238E27FC236}">
+                <a16:creationId xmlns:a16="http://schemas.microsoft.com/office/drawing/2014/main" id="{B477E2E6-843C-4E9A-820A-F2BC4994D15A}"/>
+              </a:ext>
+            </a:extLst>
+          </p:cNvPr>
+          <p:cNvCxnSpPr>
+            <a:stCxn id="48" idx="3"/>
+          </p:cNvCxnSpPr>
+          <p:nvPr/>
+        </p:nvCxnSpPr>
+        <p:spPr>
+          <a:xfrm>
+            <a:off x="5412074" y="4163934"/>
+            <a:ext cx="228600" cy="1970"/>
+          </a:xfrm>
+          <a:prstGeom prst="bentConnector3">
+            <a:avLst>
+              <a:gd name="adj1" fmla="val 50000"/>
+            </a:avLst>
+          </a:prstGeom>
+          <a:ln w="19050">
+            <a:solidFill>
+              <a:schemeClr val="accent6">
+                <a:lumMod val="75000"/>
+              </a:schemeClr>
+            </a:solidFill>
+            <a:prstDash val="sysDot"/>
+            <a:headEnd type="none" w="med" len="med"/>
+            <a:tailEnd type="arrow" w="med" len="med"/>
+          </a:ln>
+          <a:effectLst/>
+        </p:spPr>
+        <p:style>
+          <a:lnRef idx="1">
+            <a:schemeClr val="accent2"/>
+          </a:lnRef>
+          <a:fillRef idx="2">
+            <a:schemeClr val="accent2"/>
+          </a:fillRef>
+          <a:effectRef idx="1">
+            <a:schemeClr val="accent2"/>
+          </a:effectRef>
+          <a:fontRef idx="minor">
+            <a:schemeClr val="dk1"/>
+          </a:fontRef>
+        </p:style>
+      </p:cxnSp>
+      <p:sp>
+        <p:nvSpPr>
+          <p:cNvPr id="48" name="Rectangle 8">
+            <a:extLst>
+              <a:ext uri="{FF2B5EF4-FFF2-40B4-BE49-F238E27FC236}">
+                <a16:creationId xmlns:a16="http://schemas.microsoft.com/office/drawing/2014/main" id="{7FE4891B-3BA0-4122-A6B8-81FD0FBB942A}"/>
+              </a:ext>
+            </a:extLst>
+          </p:cNvPr>
+          <p:cNvSpPr/>
+          <p:nvPr/>
+        </p:nvSpPr>
+        <p:spPr>
+          <a:xfrm>
+            <a:off x="4242239" y="3990554"/>
+            <a:ext cx="1169835" cy="346760"/>
+          </a:xfrm>
+          <a:prstGeom prst="rect">
+            <a:avLst/>
+          </a:prstGeom>
+          <a:ln w="19050"/>
+          <a:effectLst/>
+        </p:spPr>
+        <p:style>
+          <a:lnRef idx="1">
+            <a:schemeClr val="accent6"/>
+          </a:lnRef>
+          <a:fillRef idx="2">
+            <a:schemeClr val="accent6"/>
+          </a:fillRef>
+          <a:effectRef idx="1">
+            <a:schemeClr val="accent6"/>
+          </a:effectRef>
+          <a:fontRef idx="minor">
+            <a:schemeClr val="dk1"/>
+          </a:fontRef>
+        </p:style>
+        <p:txBody>
+          <a:bodyPr rtlCol="0" anchor="ctr"/>
+          <a:lstStyle/>
+          <a:p>
+            <a:pPr algn="ctr"/>
+            <a:r>
+              <a:rPr lang="en-US" sz="1050" b="1" dirty="0" err="1">
+                <a:solidFill>
+                  <a:schemeClr val="accent6">
+                    <a:lumMod val="75000"/>
+                  </a:schemeClr>
+                </a:solidFill>
+              </a:rPr>
+              <a:t>JsonPostalData</a:t>
+            </a:r>
+            <a:br>
+              <a:rPr lang="en-US" sz="1050" b="1" dirty="0">
+                <a:solidFill>
+                  <a:schemeClr val="accent6">
+                    <a:lumMod val="75000"/>
+                  </a:schemeClr>
+                </a:solidFill>
+              </a:rPr>
+            </a:br>
+            <a:r>
+              <a:rPr lang="en-US" sz="1050" b="1" dirty="0">
+                <a:solidFill>
+                  <a:schemeClr val="accent6">
+                    <a:lumMod val="75000"/>
+                  </a:schemeClr>
+                </a:solidFill>
+              </a:rPr>
+              <a:t>Storage</a:t>
+            </a:r>
+            <a:endParaRPr lang="en-SG" sz="1050" b="1" dirty="0">
+              <a:solidFill>
+                <a:schemeClr val="accent6">
+                  <a:lumMod val="75000"/>
+                </a:schemeClr>
+              </a:solidFill>
+            </a:endParaRPr>
+          </a:p>
+        </p:txBody>
+      </p:sp>
+      <p:cxnSp>
+        <p:nvCxnSpPr>
+          <p:cNvPr id="49" name="Elbow Connector 63">
+            <a:extLst>
+              <a:ext uri="{FF2B5EF4-FFF2-40B4-BE49-F238E27FC236}">
+                <a16:creationId xmlns:a16="http://schemas.microsoft.com/office/drawing/2014/main" id="{501B2908-990C-4DD7-BAA4-BB6E883F6614}"/>
+              </a:ext>
+            </a:extLst>
+          </p:cNvPr>
+          <p:cNvCxnSpPr/>
+          <p:nvPr/>
+        </p:nvCxnSpPr>
+        <p:spPr>
+          <a:xfrm flipV="1">
+            <a:off x="4038600" y="4191000"/>
+            <a:ext cx="223324" cy="1"/>
+          </a:xfrm>
+          <a:prstGeom prst="bentConnector3">
+            <a:avLst>
+              <a:gd name="adj1" fmla="val 50000"/>
+            </a:avLst>
+          </a:prstGeom>
+          <a:ln w="19050">
+            <a:solidFill>
+              <a:schemeClr val="accent6">
+                <a:lumMod val="75000"/>
+              </a:schemeClr>
+            </a:solidFill>
+            <a:prstDash val="sysDot"/>
+            <a:headEnd type="none" w="med" len="med"/>
+            <a:tailEnd type="none" w="med" len="med"/>
+          </a:ln>
+          <a:effectLst/>
+        </p:spPr>
+        <p:style>
+          <a:lnRef idx="1">
+            <a:schemeClr val="accent2"/>
+          </a:lnRef>
+          <a:fillRef idx="2">
+            <a:schemeClr val="accent2"/>
+          </a:fillRef>
+          <a:effectRef idx="1">
+            <a:schemeClr val="accent2"/>
+          </a:effectRef>
+          <a:fontRef idx="minor">
+            <a:schemeClr val="dk1"/>
+          </a:fontRef>
+        </p:style>
+      </p:cxnSp>
+      <p:sp>
+        <p:nvSpPr>
+          <p:cNvPr id="51" name="Rectangle 8">
+            <a:extLst>
+              <a:ext uri="{FF2B5EF4-FFF2-40B4-BE49-F238E27FC236}">
+                <a16:creationId xmlns:a16="http://schemas.microsoft.com/office/drawing/2014/main" id="{E3B22DC3-F2A1-40BC-B8BC-E5DF5A5A7AD8}"/>
+              </a:ext>
+            </a:extLst>
+          </p:cNvPr>
+          <p:cNvSpPr/>
+          <p:nvPr/>
+        </p:nvSpPr>
+        <p:spPr>
+          <a:xfrm>
+            <a:off x="5638800" y="3996640"/>
+            <a:ext cx="1200707" cy="346760"/>
+          </a:xfrm>
+          <a:prstGeom prst="rect">
+            <a:avLst/>
+          </a:prstGeom>
+          <a:ln w="19050"/>
+          <a:effectLst/>
+        </p:spPr>
+        <p:style>
+          <a:lnRef idx="1">
+            <a:schemeClr val="accent6"/>
+          </a:lnRef>
+          <a:fillRef idx="2">
+            <a:schemeClr val="accent6"/>
+          </a:fillRef>
+          <a:effectRef idx="1">
+            <a:schemeClr val="accent6"/>
+          </a:effectRef>
+          <a:fontRef idx="minor">
+            <a:schemeClr val="dk1"/>
+          </a:fontRef>
+        </p:style>
+        <p:txBody>
+          <a:bodyPr rtlCol="0" anchor="ctr"/>
+          <a:lstStyle/>
+          <a:p>
+            <a:pPr algn="ctr"/>
+            <a:r>
+              <a:rPr lang="en-US" sz="1050" b="1" dirty="0" err="1">
+                <a:solidFill>
+                  <a:schemeClr val="accent6">
+                    <a:lumMod val="75000"/>
+                  </a:schemeClr>
+                </a:solidFill>
+              </a:rPr>
+              <a:t>JsonSerializable</a:t>
+            </a:r>
+            <a:br>
+              <a:rPr lang="en-US" sz="1050" b="1" dirty="0">
+                <a:solidFill>
+                  <a:schemeClr val="accent6">
+                    <a:lumMod val="75000"/>
+                  </a:schemeClr>
+                </a:solidFill>
+              </a:rPr>
+            </a:br>
+            <a:r>
+              <a:rPr lang="en-US" sz="1050" b="1" dirty="0" err="1">
+                <a:solidFill>
+                  <a:schemeClr val="accent6">
+                    <a:lumMod val="75000"/>
+                  </a:schemeClr>
+                </a:solidFill>
+              </a:rPr>
+              <a:t>PostalData</a:t>
+            </a:r>
+            <a:endParaRPr lang="en-SG" sz="1050" b="1" dirty="0">
+              <a:solidFill>
+                <a:schemeClr val="accent6">
+                  <a:lumMod val="75000"/>
+                </a:schemeClr>
+              </a:solidFill>
+            </a:endParaRPr>
+          </a:p>
+        </p:txBody>
+      </p:sp>
+      <p:cxnSp>
+        <p:nvCxnSpPr>
+          <p:cNvPr id="53" name="Elbow Connector 122">
+            <a:extLst>
+              <a:ext uri="{FF2B5EF4-FFF2-40B4-BE49-F238E27FC236}">
+                <a16:creationId xmlns:a16="http://schemas.microsoft.com/office/drawing/2014/main" id="{F837BB61-6257-4A87-97EE-308FF6EF88D1}"/>
+              </a:ext>
+            </a:extLst>
+          </p:cNvPr>
+          <p:cNvCxnSpPr>
+            <a:stCxn id="51" idx="3"/>
+          </p:cNvCxnSpPr>
+          <p:nvPr/>
+        </p:nvCxnSpPr>
+        <p:spPr>
+          <a:xfrm flipV="1">
+            <a:off x="6839507" y="4169234"/>
+            <a:ext cx="247093" cy="786"/>
+          </a:xfrm>
+          <a:prstGeom prst="bentConnector3">
+            <a:avLst>
+              <a:gd name="adj1" fmla="val 50000"/>
+            </a:avLst>
+          </a:prstGeom>
+          <a:ln w="19050">
+            <a:prstDash val="sysDot"/>
+            <a:headEnd type="none" w="med" len="med"/>
+            <a:tailEnd type="arrow" w="med" len="med"/>
+          </a:ln>
+          <a:effectLst/>
+        </p:spPr>
+        <p:style>
+          <a:lnRef idx="1">
+            <a:schemeClr val="accent6"/>
+          </a:lnRef>
+          <a:fillRef idx="2">
+            <a:schemeClr val="accent6"/>
+          </a:fillRef>
+          <a:effectRef idx="1">
+            <a:schemeClr val="accent6"/>
+          </a:effectRef>
+          <a:fontRef idx="minor">
+            <a:schemeClr val="dk1"/>
+          </a:fontRef>
+        </p:style>
+      </p:cxnSp>
+      <p:sp>
+        <p:nvSpPr>
+          <p:cNvPr id="59" name="Rectangle 8">
+            <a:extLst>
+              <a:ext uri="{FF2B5EF4-FFF2-40B4-BE49-F238E27FC236}">
+                <a16:creationId xmlns:a16="http://schemas.microsoft.com/office/drawing/2014/main" id="{2D7B3445-1C84-4813-91ED-E5866FEDE234}"/>
+              </a:ext>
+            </a:extLst>
+          </p:cNvPr>
+          <p:cNvSpPr/>
+          <p:nvPr/>
+        </p:nvSpPr>
+        <p:spPr>
+          <a:xfrm>
+            <a:off x="7086600" y="3996640"/>
+            <a:ext cx="1570604" cy="346760"/>
+          </a:xfrm>
+          <a:prstGeom prst="rect">
+            <a:avLst/>
+          </a:prstGeom>
+          <a:ln w="19050"/>
+          <a:effectLst/>
+        </p:spPr>
+        <p:style>
+          <a:lnRef idx="1">
+            <a:schemeClr val="accent6"/>
+          </a:lnRef>
+          <a:fillRef idx="2">
+            <a:schemeClr val="accent6"/>
+          </a:fillRef>
+          <a:effectRef idx="1">
+            <a:schemeClr val="accent6"/>
+          </a:effectRef>
+          <a:fontRef idx="minor">
+            <a:schemeClr val="dk1"/>
+          </a:fontRef>
+        </p:style>
+        <p:txBody>
+          <a:bodyPr rtlCol="0" anchor="ctr"/>
+          <a:lstStyle/>
+          <a:p>
+            <a:pPr algn="ctr"/>
+            <a:r>
+              <a:rPr lang="en-US" sz="1030" b="1" dirty="0">
+                <a:solidFill>
+                  <a:schemeClr val="accent6">
+                    <a:lumMod val="75000"/>
+                  </a:schemeClr>
+                </a:solidFill>
+              </a:rPr>
+              <a:t>J3sonAdaptedPostalData</a:t>
+            </a:r>
+            <a:endParaRPr lang="en-SG" sz="1030" b="1" dirty="0">
               <a:solidFill>
                 <a:schemeClr val="accent6">
                   <a:lumMod val="75000"/>

--- a/docs/diagrams/StorageComponentClassDiagram.pptx
+++ b/docs/diagrams/StorageComponentClassDiagram.pptx
@@ -3450,7 +3450,7 @@
         </p:nvSpPr>
         <p:spPr>
           <a:xfrm>
-            <a:off x="1119865" y="1679260"/>
+            <a:off x="819374" y="1679260"/>
             <a:ext cx="8024135" cy="3804280"/>
           </a:xfrm>
           <a:prstGeom prst="roundRect">
@@ -3515,7 +3515,7 @@
         </p:nvSpPr>
         <p:spPr>
           <a:xfrm>
-            <a:off x="2877180" y="3158440"/>
+            <a:off x="2576689" y="3158440"/>
             <a:ext cx="1323049" cy="346760"/>
           </a:xfrm>
           <a:prstGeom prst="rect">
@@ -3593,7 +3593,7 @@
         </p:nvSpPr>
         <p:spPr>
           <a:xfrm rot="16200000">
-            <a:off x="1683963" y="2868687"/>
+            <a:off x="1383472" y="2868687"/>
             <a:ext cx="1093635" cy="346760"/>
           </a:xfrm>
           <a:prstGeom prst="rect">
@@ -3656,7 +3656,7 @@
         </p:nvSpPr>
         <p:spPr>
           <a:xfrm rot="16200000">
-            <a:off x="956202" y="2861202"/>
+            <a:off x="655711" y="2861202"/>
             <a:ext cx="1093635" cy="346760"/>
           </a:xfrm>
           <a:prstGeom prst="rect">
@@ -3730,7 +3730,7 @@
         </p:nvSpPr>
         <p:spPr>
           <a:xfrm rot="16200000">
-            <a:off x="1626910" y="2952291"/>
+            <a:off x="1326419" y="2952291"/>
             <a:ext cx="270504" cy="175523"/>
           </a:xfrm>
           <a:prstGeom prst="triangle">
@@ -3788,7 +3788,7 @@
         </p:nvCxnSpPr>
         <p:spPr>
           <a:xfrm>
-            <a:off x="2656370" y="3326536"/>
+            <a:off x="2355879" y="3326536"/>
             <a:ext cx="220810" cy="5284"/>
           </a:xfrm>
           <a:prstGeom prst="straightConnector1">
@@ -3828,7 +3828,7 @@
         </p:nvCxnSpPr>
         <p:spPr>
           <a:xfrm>
-            <a:off x="910091" y="3040053"/>
+            <a:off x="609600" y="3040053"/>
             <a:ext cx="419548" cy="2860"/>
           </a:xfrm>
           <a:prstGeom prst="bentConnector3">
@@ -3873,7 +3873,7 @@
         </p:nvCxnSpPr>
         <p:spPr>
           <a:xfrm flipV="1">
-            <a:off x="1849924" y="3040052"/>
+            <a:off x="1549433" y="3040052"/>
             <a:ext cx="216105" cy="1"/>
           </a:xfrm>
           <a:prstGeom prst="line">
@@ -3914,7 +3914,7 @@
         </p:nvSpPr>
         <p:spPr>
           <a:xfrm>
-            <a:off x="2420322" y="3239846"/>
+            <a:off x="2119831" y="3239846"/>
             <a:ext cx="236048" cy="173380"/>
           </a:xfrm>
           <a:prstGeom prst="flowChartDecision">
@@ -3968,7 +3968,7 @@
         </p:nvCxnSpPr>
         <p:spPr>
           <a:xfrm flipV="1">
-            <a:off x="4398041" y="3331820"/>
+            <a:off x="4097550" y="3331820"/>
             <a:ext cx="223324" cy="1"/>
           </a:xfrm>
           <a:prstGeom prst="bentConnector3">
@@ -4011,7 +4011,7 @@
         </p:nvSpPr>
         <p:spPr>
           <a:xfrm rot="5400000" flipV="1">
-            <a:off x="4175027" y="3244059"/>
+            <a:off x="3874536" y="3244059"/>
             <a:ext cx="270504" cy="175523"/>
           </a:xfrm>
           <a:prstGeom prst="triangle">
@@ -4069,7 +4069,7 @@
         </p:nvCxnSpPr>
         <p:spPr>
           <a:xfrm>
-            <a:off x="5791200" y="3331820"/>
+            <a:off x="5490709" y="3331820"/>
             <a:ext cx="228600" cy="1970"/>
           </a:xfrm>
           <a:prstGeom prst="bentConnector3">
@@ -4112,7 +4112,7 @@
         </p:nvSpPr>
         <p:spPr>
           <a:xfrm>
-            <a:off x="4621365" y="3158440"/>
+            <a:off x="4320874" y="3158440"/>
             <a:ext cx="1169835" cy="346760"/>
           </a:xfrm>
           <a:prstGeom prst="rect">
@@ -4168,7 +4168,7 @@
         </p:nvSpPr>
         <p:spPr>
           <a:xfrm>
-            <a:off x="2873943" y="2558040"/>
+            <a:off x="2573452" y="2558040"/>
             <a:ext cx="1323049" cy="346760"/>
           </a:xfrm>
           <a:prstGeom prst="rect">
@@ -4249,7 +4249,7 @@
         </p:nvCxnSpPr>
         <p:spPr>
           <a:xfrm>
-            <a:off x="2653133" y="2726136"/>
+            <a:off x="2352642" y="2726136"/>
             <a:ext cx="220810" cy="5284"/>
           </a:xfrm>
           <a:prstGeom prst="straightConnector1">
@@ -4289,7 +4289,7 @@
         </p:nvSpPr>
         <p:spPr>
           <a:xfrm>
-            <a:off x="2417085" y="2639446"/>
+            <a:off x="2116594" y="2639446"/>
             <a:ext cx="236048" cy="173380"/>
           </a:xfrm>
           <a:prstGeom prst="flowChartDecision">
@@ -4343,7 +4343,7 @@
         </p:nvCxnSpPr>
         <p:spPr>
           <a:xfrm flipV="1">
-            <a:off x="4394804" y="2731420"/>
+            <a:off x="4094313" y="2731420"/>
             <a:ext cx="223324" cy="1"/>
           </a:xfrm>
           <a:prstGeom prst="bentConnector3">
@@ -4386,7 +4386,7 @@
         </p:nvSpPr>
         <p:spPr>
           <a:xfrm rot="5400000" flipV="1">
-            <a:off x="4171790" y="2643659"/>
+            <a:off x="3871299" y="2643659"/>
             <a:ext cx="270504" cy="175523"/>
           </a:xfrm>
           <a:prstGeom prst="triangle">
@@ -4441,7 +4441,7 @@
         </p:nvSpPr>
         <p:spPr>
           <a:xfrm>
-            <a:off x="4618128" y="2558040"/>
+            <a:off x="4317637" y="2558040"/>
             <a:ext cx="1093635" cy="346760"/>
           </a:xfrm>
           <a:prstGeom prst="rect">
@@ -4519,7 +4519,7 @@
         </p:nvSpPr>
         <p:spPr>
           <a:xfrm>
-            <a:off x="6019800" y="3160410"/>
+            <a:off x="5719309" y="3160410"/>
             <a:ext cx="1200707" cy="346760"/>
           </a:xfrm>
           <a:prstGeom prst="rect">
@@ -4596,7 +4596,7 @@
         </p:nvCxnSpPr>
         <p:spPr>
           <a:xfrm rot="5400000" flipH="1" flipV="1">
-            <a:off x="8214395" y="2992020"/>
+            <a:off x="7913904" y="2992020"/>
             <a:ext cx="335208" cy="1"/>
           </a:xfrm>
           <a:prstGeom prst="bentConnector3">
@@ -4634,7 +4634,7 @@
         </p:nvSpPr>
         <p:spPr>
           <a:xfrm>
-            <a:off x="7731881" y="2477656"/>
+            <a:off x="7431390" y="2477656"/>
             <a:ext cx="1259719" cy="346760"/>
           </a:xfrm>
           <a:prstGeom prst="rect">
@@ -4690,7 +4690,7 @@
         </p:nvSpPr>
         <p:spPr>
           <a:xfrm>
-            <a:off x="7615738" y="3159624"/>
+            <a:off x="7315247" y="3159624"/>
             <a:ext cx="1375862" cy="346760"/>
           </a:xfrm>
           <a:prstGeom prst="rect">
@@ -4750,7 +4750,7 @@
         </p:nvCxnSpPr>
         <p:spPr>
           <a:xfrm flipV="1">
-            <a:off x="7220507" y="3333004"/>
+            <a:off x="6920016" y="3333004"/>
             <a:ext cx="395231" cy="786"/>
           </a:xfrm>
           <a:prstGeom prst="bentConnector3">
@@ -4796,7 +4796,7 @@
         </p:nvCxnSpPr>
         <p:spPr>
           <a:xfrm rot="5400000" flipH="1" flipV="1">
-            <a:off x="6394387" y="2992019"/>
+            <a:off x="6093896" y="2992019"/>
             <a:ext cx="335208" cy="1"/>
           </a:xfrm>
           <a:prstGeom prst="bentConnector3">
@@ -4840,7 +4840,7 @@
         </p:nvSpPr>
         <p:spPr>
           <a:xfrm>
-            <a:off x="5935087" y="2501405"/>
+            <a:off x="5634596" y="2501405"/>
             <a:ext cx="1375862" cy="346760"/>
           </a:xfrm>
           <a:prstGeom prst="rect">
@@ -4902,7 +4902,7 @@
         </p:nvSpPr>
         <p:spPr>
           <a:xfrm>
-            <a:off x="7701078" y="4708400"/>
+            <a:off x="7400587" y="4708400"/>
             <a:ext cx="1375862" cy="346760"/>
           </a:xfrm>
           <a:prstGeom prst="rect">
@@ -4986,7 +4986,7 @@
         </p:nvCxnSpPr>
         <p:spPr>
           <a:xfrm rot="5400000" flipH="1" flipV="1">
-            <a:off x="6394386" y="2339899"/>
+            <a:off x="6093895" y="2339899"/>
             <a:ext cx="335208" cy="1"/>
           </a:xfrm>
           <a:prstGeom prst="bentConnector3">
@@ -5030,7 +5030,7 @@
         </p:nvSpPr>
         <p:spPr>
           <a:xfrm>
-            <a:off x="5932222" y="1831634"/>
+            <a:off x="5631731" y="1831634"/>
             <a:ext cx="1375862" cy="346760"/>
           </a:xfrm>
           <a:prstGeom prst="rect">
@@ -5096,7 +5096,7 @@
         </p:nvCxnSpPr>
         <p:spPr>
           <a:xfrm rot="16200000" flipH="1">
-            <a:off x="6473311" y="3654013"/>
+            <a:off x="6172820" y="3654013"/>
             <a:ext cx="1374610" cy="1080924"/>
           </a:xfrm>
           <a:prstGeom prst="bentConnector2">
@@ -5138,7 +5138,7 @@
         </p:nvSpPr>
         <p:spPr>
           <a:xfrm>
-            <a:off x="7694067" y="3768300"/>
+            <a:off x="7393576" y="3768300"/>
             <a:ext cx="1375862" cy="346760"/>
           </a:xfrm>
           <a:prstGeom prst="rect">
@@ -5222,7 +5222,7 @@
         </p:nvCxnSpPr>
         <p:spPr>
           <a:xfrm>
-            <a:off x="7086600" y="3524211"/>
+            <a:off x="6786109" y="3524211"/>
             <a:ext cx="602286" cy="434656"/>
           </a:xfrm>
           <a:prstGeom prst="bentConnector3">
@@ -5266,7 +5266,7 @@
         </p:nvSpPr>
         <p:spPr>
           <a:xfrm>
-            <a:off x="7688886" y="4249821"/>
+            <a:off x="7388395" y="4249821"/>
             <a:ext cx="1375862" cy="346760"/>
           </a:xfrm>
           <a:prstGeom prst="rect">
@@ -5351,7 +5351,7 @@
         </p:nvCxnSpPr>
         <p:spPr>
           <a:xfrm rot="16200000" flipH="1">
-            <a:off x="6823555" y="3557870"/>
+            <a:off x="6523064" y="3557870"/>
             <a:ext cx="899776" cy="830886"/>
           </a:xfrm>
           <a:prstGeom prst="bentConnector2">
@@ -5393,7 +5393,7 @@
         </p:nvSpPr>
         <p:spPr>
           <a:xfrm>
-            <a:off x="4265279" y="4122065"/>
+            <a:off x="3964788" y="4122065"/>
             <a:ext cx="1375862" cy="346760"/>
           </a:xfrm>
           <a:prstGeom prst="rect">
@@ -5478,7 +5478,7 @@
         </p:nvCxnSpPr>
         <p:spPr>
           <a:xfrm rot="5400000">
-            <a:off x="5601622" y="3577031"/>
+            <a:off x="5301131" y="3577031"/>
             <a:ext cx="757933" cy="678894"/>
           </a:xfrm>
           <a:prstGeom prst="bentConnector2">
